--- a/Docs/Мои документы/Презентация Microsoft PowerPoint.pptx
+++ b/Docs/Мои документы/Презентация Microsoft PowerPoint.pptx
@@ -1,29 +1,32 @@
 
 <file path=ppt/presentation.xml><?xml version="1.0" encoding="utf-8"?>
-<p:presentation xmlns:a="http://schemas.openxmlformats.org/drawingml/2006/main" xmlns:r="http://schemas.openxmlformats.org/officeDocument/2006/relationships" xmlns:p="http://schemas.openxmlformats.org/presentationml/2006/main" saveSubsetFonts="1">
+<p:presentation xmlns:a="http://schemas.openxmlformats.org/drawingml/2006/main" xmlns:r="http://schemas.openxmlformats.org/officeDocument/2006/relationships" xmlns:p="http://schemas.openxmlformats.org/presentationml/2006/main" showSpecialPlsOnTitleSld="0" saveSubsetFonts="1">
   <p:sldMasterIdLst>
     <p:sldMasterId id="2147483648" r:id="rId1"/>
   </p:sldMasterIdLst>
+  <p:notesMasterIdLst>
+    <p:notesMasterId r:id="rId22"/>
+  </p:notesMasterIdLst>
   <p:sldIdLst>
     <p:sldId id="257" r:id="rId2"/>
-    <p:sldId id="262" r:id="rId3"/>
-    <p:sldId id="263" r:id="rId4"/>
-    <p:sldId id="264" r:id="rId5"/>
-    <p:sldId id="265" r:id="rId6"/>
-    <p:sldId id="276" r:id="rId7"/>
-    <p:sldId id="266" r:id="rId8"/>
-    <p:sldId id="267" r:id="rId9"/>
-    <p:sldId id="268" r:id="rId10"/>
-    <p:sldId id="272" r:id="rId11"/>
-    <p:sldId id="273" r:id="rId12"/>
-    <p:sldId id="274" r:id="rId13"/>
-    <p:sldId id="271" r:id="rId14"/>
-    <p:sldId id="269" r:id="rId15"/>
-    <p:sldId id="270" r:id="rId16"/>
-    <p:sldId id="258" r:id="rId17"/>
-    <p:sldId id="259" r:id="rId18"/>
-    <p:sldId id="260" r:id="rId19"/>
-    <p:sldId id="261" r:id="rId20"/>
+    <p:sldId id="280" r:id="rId3"/>
+    <p:sldId id="278" r:id="rId4"/>
+    <p:sldId id="277" r:id="rId5"/>
+    <p:sldId id="262" r:id="rId6"/>
+    <p:sldId id="263" r:id="rId7"/>
+    <p:sldId id="264" r:id="rId8"/>
+    <p:sldId id="265" r:id="rId9"/>
+    <p:sldId id="276" r:id="rId10"/>
+    <p:sldId id="266" r:id="rId11"/>
+    <p:sldId id="267" r:id="rId12"/>
+    <p:sldId id="268" r:id="rId13"/>
+    <p:sldId id="272" r:id="rId14"/>
+    <p:sldId id="273" r:id="rId15"/>
+    <p:sldId id="274" r:id="rId16"/>
+    <p:sldId id="271" r:id="rId17"/>
+    <p:sldId id="269" r:id="rId18"/>
+    <p:sldId id="270" r:id="rId19"/>
+    <p:sldId id="258" r:id="rId20"/>
     <p:sldId id="275" r:id="rId21"/>
   </p:sldIdLst>
   <p:sldSz cx="12192000" cy="6858000"/>
@@ -123,7 +126,362 @@
       </a:defRPr>
     </a:lvl9pPr>
   </p:defaultTextStyle>
+  <p:extLst>
+    <p:ext uri="{EFAFB233-063F-42B5-8137-9DF3F51BA10A}">
+      <p15:sldGuideLst xmlns:p15="http://schemas.microsoft.com/office/powerpoint/2012/main"/>
+    </p:ext>
+  </p:extLst>
 </p:presentation>
+</file>
+
+<file path=ppt/notesMasters/notesMaster1.xml><?xml version="1.0" encoding="utf-8"?>
+<p:notesMaster xmlns:a="http://schemas.openxmlformats.org/drawingml/2006/main" xmlns:r="http://schemas.openxmlformats.org/officeDocument/2006/relationships" xmlns:p="http://schemas.openxmlformats.org/presentationml/2006/main">
+  <p:cSld>
+    <p:bg>
+      <p:bgRef idx="1001">
+        <a:schemeClr val="bg1"/>
+      </p:bgRef>
+    </p:bg>
+    <p:spTree>
+      <p:nvGrpSpPr>
+        <p:cNvPr id="1" name=""/>
+        <p:cNvGrpSpPr/>
+        <p:nvPr/>
+      </p:nvGrpSpPr>
+      <p:grpSpPr>
+        <a:xfrm>
+          <a:off x="0" y="0"/>
+          <a:ext cx="0" cy="0"/>
+          <a:chOff x="0" y="0"/>
+          <a:chExt cx="0" cy="0"/>
+        </a:xfrm>
+      </p:grpSpPr>
+      <p:sp>
+        <p:nvSpPr>
+          <p:cNvPr id="2" name="Верхний колонтитул 1"/>
+          <p:cNvSpPr>
+            <a:spLocks noGrp="1"/>
+          </p:cNvSpPr>
+          <p:nvPr>
+            <p:ph type="hdr" sz="quarter"/>
+          </p:nvPr>
+        </p:nvSpPr>
+        <p:spPr>
+          <a:xfrm>
+            <a:off x="0" y="0"/>
+            <a:ext cx="2971800" cy="458788"/>
+          </a:xfrm>
+          <a:prstGeom prst="rect">
+            <a:avLst/>
+          </a:prstGeom>
+        </p:spPr>
+        <p:txBody>
+          <a:bodyPr vert="horz" lIns="91440" tIns="45720" rIns="91440" bIns="45720" rtlCol="0"/>
+          <a:lstStyle>
+            <a:lvl1pPr algn="l">
+              <a:defRPr sz="1200"/>
+            </a:lvl1pPr>
+          </a:lstStyle>
+          <a:p>
+            <a:endParaRPr lang="ru-RU"/>
+          </a:p>
+        </p:txBody>
+      </p:sp>
+      <p:sp>
+        <p:nvSpPr>
+          <p:cNvPr id="3" name="Дата 2"/>
+          <p:cNvSpPr>
+            <a:spLocks noGrp="1"/>
+          </p:cNvSpPr>
+          <p:nvPr>
+            <p:ph type="dt" idx="1"/>
+          </p:nvPr>
+        </p:nvSpPr>
+        <p:spPr>
+          <a:xfrm>
+            <a:off x="3884613" y="0"/>
+            <a:ext cx="2971800" cy="458788"/>
+          </a:xfrm>
+          <a:prstGeom prst="rect">
+            <a:avLst/>
+          </a:prstGeom>
+        </p:spPr>
+        <p:txBody>
+          <a:bodyPr vert="horz" lIns="91440" tIns="45720" rIns="91440" bIns="45720" rtlCol="0"/>
+          <a:lstStyle>
+            <a:lvl1pPr algn="r">
+              <a:defRPr sz="1200"/>
+            </a:lvl1pPr>
+          </a:lstStyle>
+          <a:p>
+            <a:fld id="{C6354C22-5E66-4D2A-A923-25BA372B50AB}" type="datetimeFigureOut">
+              <a:rPr lang="ru-RU" smtClean="0"/>
+              <a:t>19.06.2017</a:t>
+            </a:fld>
+            <a:endParaRPr lang="ru-RU"/>
+          </a:p>
+        </p:txBody>
+      </p:sp>
+      <p:sp>
+        <p:nvSpPr>
+          <p:cNvPr id="4" name="Образ слайда 3"/>
+          <p:cNvSpPr>
+            <a:spLocks noGrp="1" noRot="1" noChangeAspect="1"/>
+          </p:cNvSpPr>
+          <p:nvPr>
+            <p:ph type="sldImg" idx="2"/>
+          </p:nvPr>
+        </p:nvSpPr>
+        <p:spPr>
+          <a:xfrm>
+            <a:off x="685800" y="1143000"/>
+            <a:ext cx="5486400" cy="3086100"/>
+          </a:xfrm>
+          <a:prstGeom prst="rect">
+            <a:avLst/>
+          </a:prstGeom>
+          <a:noFill/>
+          <a:ln w="12700">
+            <a:solidFill>
+              <a:prstClr val="black"/>
+            </a:solidFill>
+          </a:ln>
+        </p:spPr>
+        <p:txBody>
+          <a:bodyPr vert="horz" lIns="91440" tIns="45720" rIns="91440" bIns="45720" rtlCol="0" anchor="ctr"/>
+          <a:lstStyle/>
+          <a:p>
+            <a:endParaRPr lang="ru-RU"/>
+          </a:p>
+        </p:txBody>
+      </p:sp>
+      <p:sp>
+        <p:nvSpPr>
+          <p:cNvPr id="5" name="Заметки 4"/>
+          <p:cNvSpPr>
+            <a:spLocks noGrp="1"/>
+          </p:cNvSpPr>
+          <p:nvPr>
+            <p:ph type="body" sz="quarter" idx="3"/>
+          </p:nvPr>
+        </p:nvSpPr>
+        <p:spPr>
+          <a:xfrm>
+            <a:off x="685800" y="4400550"/>
+            <a:ext cx="5486400" cy="3600450"/>
+          </a:xfrm>
+          <a:prstGeom prst="rect">
+            <a:avLst/>
+          </a:prstGeom>
+        </p:spPr>
+        <p:txBody>
+          <a:bodyPr vert="horz" lIns="91440" tIns="45720" rIns="91440" bIns="45720" rtlCol="0"/>
+          <a:lstStyle/>
+          <a:p>
+            <a:pPr lvl="0"/>
+            <a:r>
+              <a:rPr lang="ru-RU" smtClean="0"/>
+              <a:t>Образец текста</a:t>
+            </a:r>
+          </a:p>
+          <a:p>
+            <a:pPr lvl="1"/>
+            <a:r>
+              <a:rPr lang="ru-RU" smtClean="0"/>
+              <a:t>Второй уровень</a:t>
+            </a:r>
+          </a:p>
+          <a:p>
+            <a:pPr lvl="2"/>
+            <a:r>
+              <a:rPr lang="ru-RU" smtClean="0"/>
+              <a:t>Третий уровень</a:t>
+            </a:r>
+          </a:p>
+          <a:p>
+            <a:pPr lvl="3"/>
+            <a:r>
+              <a:rPr lang="ru-RU" smtClean="0"/>
+              <a:t>Четвертый уровень</a:t>
+            </a:r>
+          </a:p>
+          <a:p>
+            <a:pPr lvl="4"/>
+            <a:r>
+              <a:rPr lang="ru-RU" smtClean="0"/>
+              <a:t>Пятый уровень</a:t>
+            </a:r>
+            <a:endParaRPr lang="ru-RU"/>
+          </a:p>
+        </p:txBody>
+      </p:sp>
+      <p:sp>
+        <p:nvSpPr>
+          <p:cNvPr id="6" name="Нижний колонтитул 5"/>
+          <p:cNvSpPr>
+            <a:spLocks noGrp="1"/>
+          </p:cNvSpPr>
+          <p:nvPr>
+            <p:ph type="ftr" sz="quarter" idx="4"/>
+          </p:nvPr>
+        </p:nvSpPr>
+        <p:spPr>
+          <a:xfrm>
+            <a:off x="0" y="8685213"/>
+            <a:ext cx="2971800" cy="458787"/>
+          </a:xfrm>
+          <a:prstGeom prst="rect">
+            <a:avLst/>
+          </a:prstGeom>
+        </p:spPr>
+        <p:txBody>
+          <a:bodyPr vert="horz" lIns="91440" tIns="45720" rIns="91440" bIns="45720" rtlCol="0" anchor="b"/>
+          <a:lstStyle>
+            <a:lvl1pPr algn="l">
+              <a:defRPr sz="1200"/>
+            </a:lvl1pPr>
+          </a:lstStyle>
+          <a:p>
+            <a:endParaRPr lang="ru-RU"/>
+          </a:p>
+        </p:txBody>
+      </p:sp>
+      <p:sp>
+        <p:nvSpPr>
+          <p:cNvPr id="7" name="Номер слайда 6"/>
+          <p:cNvSpPr>
+            <a:spLocks noGrp="1"/>
+          </p:cNvSpPr>
+          <p:nvPr>
+            <p:ph type="sldNum" sz="quarter" idx="5"/>
+          </p:nvPr>
+        </p:nvSpPr>
+        <p:spPr>
+          <a:xfrm>
+            <a:off x="3884613" y="8685213"/>
+            <a:ext cx="2971800" cy="458787"/>
+          </a:xfrm>
+          <a:prstGeom prst="rect">
+            <a:avLst/>
+          </a:prstGeom>
+        </p:spPr>
+        <p:txBody>
+          <a:bodyPr vert="horz" lIns="91440" tIns="45720" rIns="91440" bIns="45720" rtlCol="0" anchor="b"/>
+          <a:lstStyle>
+            <a:lvl1pPr algn="r">
+              <a:defRPr sz="1200"/>
+            </a:lvl1pPr>
+          </a:lstStyle>
+          <a:p>
+            <a:fld id="{990F4F83-F27F-462E-BCD0-B42785510EC3}" type="slidenum">
+              <a:rPr lang="ru-RU" smtClean="0"/>
+              <a:t>‹#›</a:t>
+            </a:fld>
+            <a:endParaRPr lang="ru-RU"/>
+          </a:p>
+        </p:txBody>
+      </p:sp>
+    </p:spTree>
+    <p:extLst>
+      <p:ext uri="{BB962C8B-B14F-4D97-AF65-F5344CB8AC3E}">
+        <p14:creationId xmlns:p14="http://schemas.microsoft.com/office/powerpoint/2010/main" val="3073913562"/>
+      </p:ext>
+    </p:extLst>
+  </p:cSld>
+  <p:clrMap bg1="lt1" tx1="dk1" bg2="lt2" tx2="dk2" accent1="accent1" accent2="accent2" accent3="accent3" accent4="accent4" accent5="accent5" accent6="accent6" hlink="hlink" folHlink="folHlink"/>
+  <p:notesStyle>
+    <a:lvl1pPr marL="0" algn="l" defTabSz="914400" rtl="0" eaLnBrk="1" latinLnBrk="0" hangingPunct="1">
+      <a:defRPr sz="1200" kern="1200">
+        <a:solidFill>
+          <a:schemeClr val="tx1"/>
+        </a:solidFill>
+        <a:latin typeface="+mn-lt"/>
+        <a:ea typeface="+mn-ea"/>
+        <a:cs typeface="+mn-cs"/>
+      </a:defRPr>
+    </a:lvl1pPr>
+    <a:lvl2pPr marL="457200" algn="l" defTabSz="914400" rtl="0" eaLnBrk="1" latinLnBrk="0" hangingPunct="1">
+      <a:defRPr sz="1200" kern="1200">
+        <a:solidFill>
+          <a:schemeClr val="tx1"/>
+        </a:solidFill>
+        <a:latin typeface="+mn-lt"/>
+        <a:ea typeface="+mn-ea"/>
+        <a:cs typeface="+mn-cs"/>
+      </a:defRPr>
+    </a:lvl2pPr>
+    <a:lvl3pPr marL="914400" algn="l" defTabSz="914400" rtl="0" eaLnBrk="1" latinLnBrk="0" hangingPunct="1">
+      <a:defRPr sz="1200" kern="1200">
+        <a:solidFill>
+          <a:schemeClr val="tx1"/>
+        </a:solidFill>
+        <a:latin typeface="+mn-lt"/>
+        <a:ea typeface="+mn-ea"/>
+        <a:cs typeface="+mn-cs"/>
+      </a:defRPr>
+    </a:lvl3pPr>
+    <a:lvl4pPr marL="1371600" algn="l" defTabSz="914400" rtl="0" eaLnBrk="1" latinLnBrk="0" hangingPunct="1">
+      <a:defRPr sz="1200" kern="1200">
+        <a:solidFill>
+          <a:schemeClr val="tx1"/>
+        </a:solidFill>
+        <a:latin typeface="+mn-lt"/>
+        <a:ea typeface="+mn-ea"/>
+        <a:cs typeface="+mn-cs"/>
+      </a:defRPr>
+    </a:lvl4pPr>
+    <a:lvl5pPr marL="1828800" algn="l" defTabSz="914400" rtl="0" eaLnBrk="1" latinLnBrk="0" hangingPunct="1">
+      <a:defRPr sz="1200" kern="1200">
+        <a:solidFill>
+          <a:schemeClr val="tx1"/>
+        </a:solidFill>
+        <a:latin typeface="+mn-lt"/>
+        <a:ea typeface="+mn-ea"/>
+        <a:cs typeface="+mn-cs"/>
+      </a:defRPr>
+    </a:lvl5pPr>
+    <a:lvl6pPr marL="2286000" algn="l" defTabSz="914400" rtl="0" eaLnBrk="1" latinLnBrk="0" hangingPunct="1">
+      <a:defRPr sz="1200" kern="1200">
+        <a:solidFill>
+          <a:schemeClr val="tx1"/>
+        </a:solidFill>
+        <a:latin typeface="+mn-lt"/>
+        <a:ea typeface="+mn-ea"/>
+        <a:cs typeface="+mn-cs"/>
+      </a:defRPr>
+    </a:lvl6pPr>
+    <a:lvl7pPr marL="2743200" algn="l" defTabSz="914400" rtl="0" eaLnBrk="1" latinLnBrk="0" hangingPunct="1">
+      <a:defRPr sz="1200" kern="1200">
+        <a:solidFill>
+          <a:schemeClr val="tx1"/>
+        </a:solidFill>
+        <a:latin typeface="+mn-lt"/>
+        <a:ea typeface="+mn-ea"/>
+        <a:cs typeface="+mn-cs"/>
+      </a:defRPr>
+    </a:lvl7pPr>
+    <a:lvl8pPr marL="3200400" algn="l" defTabSz="914400" rtl="0" eaLnBrk="1" latinLnBrk="0" hangingPunct="1">
+      <a:defRPr sz="1200" kern="1200">
+        <a:solidFill>
+          <a:schemeClr val="tx1"/>
+        </a:solidFill>
+        <a:latin typeface="+mn-lt"/>
+        <a:ea typeface="+mn-ea"/>
+        <a:cs typeface="+mn-cs"/>
+      </a:defRPr>
+    </a:lvl8pPr>
+    <a:lvl9pPr marL="3657600" algn="l" defTabSz="914400" rtl="0" eaLnBrk="1" latinLnBrk="0" hangingPunct="1">
+      <a:defRPr sz="1200" kern="1200">
+        <a:solidFill>
+          <a:schemeClr val="tx1"/>
+        </a:solidFill>
+        <a:latin typeface="+mn-lt"/>
+        <a:ea typeface="+mn-ea"/>
+        <a:cs typeface="+mn-cs"/>
+      </a:defRPr>
+    </a:lvl9pPr>
+  </p:notesStyle>
+</p:notesMaster>
 </file>
 
 <file path=ppt/slideLayouts/slideLayout1.xml><?xml version="1.0" encoding="utf-8"?>
@@ -255,7 +613,7 @@
           <a:bodyPr/>
           <a:lstStyle/>
           <a:p>
-            <a:fld id="{B111E106-57C1-4A94-B184-1BF801BD21DE}" type="datetimeFigureOut">
+            <a:fld id="{02406AF7-8FB2-4AB5-A697-28A1ADEA314C}" type="datetime1">
               <a:rPr lang="ru-RU" smtClean="0"/>
               <a:t>19.06.2017</a:t>
             </a:fld>
@@ -292,16 +650,32 @@
             <p:ph type="sldNum" sz="quarter" idx="12"/>
           </p:nvPr>
         </p:nvSpPr>
-        <p:spPr/>
+        <p:spPr>
+          <a:xfrm>
+            <a:off x="9296400" y="167585"/>
+            <a:ext cx="2743200" cy="365125"/>
+          </a:xfrm>
+        </p:spPr>
         <p:txBody>
           <a:bodyPr/>
-          <a:lstStyle/>
+          <a:lstStyle>
+            <a:lvl1pPr>
+              <a:defRPr sz="2000">
+                <a:solidFill>
+                  <a:schemeClr val="tx1"/>
+                </a:solidFill>
+                <a:latin typeface="Arial" panose="020B0604020202020204" pitchFamily="34" charset="0"/>
+                <a:cs typeface="Arial" panose="020B0604020202020204" pitchFamily="34" charset="0"/>
+              </a:defRPr>
+            </a:lvl1pPr>
+          </a:lstStyle>
           <a:p>
             <a:fld id="{AAAC123C-EF72-4040-95C0-D263971896EB}" type="slidenum">
               <a:rPr lang="ru-RU" smtClean="0"/>
+              <a:pPr/>
               <a:t>‹#›</a:t>
             </a:fld>
-            <a:endParaRPr lang="ru-RU"/>
+            <a:endParaRPr lang="ru-RU" dirty="0"/>
           </a:p>
         </p:txBody>
       </p:sp>
@@ -425,7 +799,7 @@
           <a:bodyPr/>
           <a:lstStyle/>
           <a:p>
-            <a:fld id="{B111E106-57C1-4A94-B184-1BF801BD21DE}" type="datetimeFigureOut">
+            <a:fld id="{37E7371F-FCDB-4AE0-A891-A45FAEC6A3BF}" type="datetime1">
               <a:rPr lang="ru-RU" smtClean="0"/>
               <a:t>19.06.2017</a:t>
             </a:fld>
@@ -605,7 +979,7 @@
           <a:bodyPr/>
           <a:lstStyle/>
           <a:p>
-            <a:fld id="{B111E106-57C1-4A94-B184-1BF801BD21DE}" type="datetimeFigureOut">
+            <a:fld id="{E29ED6FB-4EBA-4295-853F-91FDC654E038}" type="datetime1">
               <a:rPr lang="ru-RU" smtClean="0"/>
               <a:t>19.06.2017</a:t>
             </a:fld>
@@ -775,7 +1149,7 @@
           <a:bodyPr/>
           <a:lstStyle/>
           <a:p>
-            <a:fld id="{B111E106-57C1-4A94-B184-1BF801BD21DE}" type="datetimeFigureOut">
+            <a:fld id="{75AFE0A6-96D9-47F9-B652-EAAA0ED49D7F}" type="datetime1">
               <a:rPr lang="ru-RU" smtClean="0"/>
               <a:t>19.06.2017</a:t>
             </a:fld>
@@ -812,16 +1186,32 @@
             <p:ph type="sldNum" sz="quarter" idx="12"/>
           </p:nvPr>
         </p:nvSpPr>
-        <p:spPr/>
+        <p:spPr>
+          <a:xfrm>
+            <a:off x="9326218" y="115094"/>
+            <a:ext cx="2743200" cy="365125"/>
+          </a:xfrm>
+        </p:spPr>
         <p:txBody>
           <a:bodyPr/>
-          <a:lstStyle/>
+          <a:lstStyle>
+            <a:lvl1pPr>
+              <a:defRPr sz="2000">
+                <a:solidFill>
+                  <a:schemeClr val="tx1"/>
+                </a:solidFill>
+                <a:latin typeface="Arial" panose="020B0604020202020204" pitchFamily="34" charset="0"/>
+                <a:cs typeface="Arial" panose="020B0604020202020204" pitchFamily="34" charset="0"/>
+              </a:defRPr>
+            </a:lvl1pPr>
+          </a:lstStyle>
           <a:p>
             <a:fld id="{AAAC123C-EF72-4040-95C0-D263971896EB}" type="slidenum">
               <a:rPr lang="ru-RU" smtClean="0"/>
+              <a:pPr/>
               <a:t>‹#›</a:t>
             </a:fld>
-            <a:endParaRPr lang="ru-RU"/>
+            <a:endParaRPr lang="ru-RU" dirty="0"/>
           </a:p>
         </p:txBody>
       </p:sp>
@@ -1021,7 +1411,7 @@
           <a:bodyPr/>
           <a:lstStyle/>
           <a:p>
-            <a:fld id="{B111E106-57C1-4A94-B184-1BF801BD21DE}" type="datetimeFigureOut">
+            <a:fld id="{A79DA588-6FE3-4D8B-BF3C-2D78EF5EAC56}" type="datetime1">
               <a:rPr lang="ru-RU" smtClean="0"/>
               <a:t>19.06.2017</a:t>
             </a:fld>
@@ -1253,7 +1643,7 @@
           <a:bodyPr/>
           <a:lstStyle/>
           <a:p>
-            <a:fld id="{B111E106-57C1-4A94-B184-1BF801BD21DE}" type="datetimeFigureOut">
+            <a:fld id="{FF64878D-51A4-4BB2-A237-E48286D0CB7F}" type="datetime1">
               <a:rPr lang="ru-RU" smtClean="0"/>
               <a:t>19.06.2017</a:t>
             </a:fld>
@@ -1620,7 +2010,7 @@
           <a:bodyPr/>
           <a:lstStyle/>
           <a:p>
-            <a:fld id="{B111E106-57C1-4A94-B184-1BF801BD21DE}" type="datetimeFigureOut">
+            <a:fld id="{7113F5A0-0A2B-4E38-A019-A6749BDF0DBE}" type="datetime1">
               <a:rPr lang="ru-RU" smtClean="0"/>
               <a:t>19.06.2017</a:t>
             </a:fld>
@@ -1738,7 +2128,7 @@
           <a:bodyPr/>
           <a:lstStyle/>
           <a:p>
-            <a:fld id="{B111E106-57C1-4A94-B184-1BF801BD21DE}" type="datetimeFigureOut">
+            <a:fld id="{960D8BB2-8589-432B-97C3-2F588E61C97A}" type="datetime1">
               <a:rPr lang="ru-RU" smtClean="0"/>
               <a:t>19.06.2017</a:t>
             </a:fld>
@@ -1833,7 +2223,7 @@
           <a:bodyPr/>
           <a:lstStyle/>
           <a:p>
-            <a:fld id="{B111E106-57C1-4A94-B184-1BF801BD21DE}" type="datetimeFigureOut">
+            <a:fld id="{B416A679-B84E-4031-91A1-123DFE669A62}" type="datetime1">
               <a:rPr lang="ru-RU" smtClean="0"/>
               <a:t>19.06.2017</a:t>
             </a:fld>
@@ -2110,7 +2500,7 @@
           <a:bodyPr/>
           <a:lstStyle/>
           <a:p>
-            <a:fld id="{B111E106-57C1-4A94-B184-1BF801BD21DE}" type="datetimeFigureOut">
+            <a:fld id="{077EAB66-6081-41B3-AADE-536CF1A1137E}" type="datetime1">
               <a:rPr lang="ru-RU" smtClean="0"/>
               <a:t>19.06.2017</a:t>
             </a:fld>
@@ -2363,7 +2753,7 @@
           <a:bodyPr/>
           <a:lstStyle/>
           <a:p>
-            <a:fld id="{B111E106-57C1-4A94-B184-1BF801BD21DE}" type="datetimeFigureOut">
+            <a:fld id="{EEB82F77-30D2-4FE1-A57A-473EC25F5B99}" type="datetime1">
               <a:rPr lang="ru-RU" smtClean="0"/>
               <a:t>19.06.2017</a:t>
             </a:fld>
@@ -2576,7 +2966,7 @@
             </a:lvl1pPr>
           </a:lstStyle>
           <a:p>
-            <a:fld id="{B111E106-57C1-4A94-B184-1BF801BD21DE}" type="datetimeFigureOut">
+            <a:fld id="{548058E2-F4DC-441A-9C22-354F5C165227}" type="datetime1">
               <a:rPr lang="ru-RU" smtClean="0"/>
               <a:t>19.06.2017</a:t>
             </a:fld>
@@ -2683,6 +3073,7 @@
     <p:sldLayoutId id="2147483658" r:id="rId10"/>
     <p:sldLayoutId id="2147483659" r:id="rId11"/>
   </p:sldLayoutIdLst>
+  <p:hf hdr="0" ftr="0" dt="0"/>
   <p:txStyles>
     <p:titleStyle>
       <a:lvl1pPr algn="l" defTabSz="914400" rtl="0" eaLnBrk="1" latinLnBrk="0" hangingPunct="1">
@@ -3001,7 +3392,7 @@
         </p:spPr>
         <p:txBody>
           <a:bodyPr>
-            <a:normAutofit lnSpcReduction="10000"/>
+            <a:normAutofit/>
           </a:bodyPr>
           <a:lstStyle/>
           <a:p>
@@ -3031,7 +3422,25 @@
               <a:rPr lang="ru-RU" b="1" dirty="0" smtClean="0">
                 <a:latin typeface="Times New Roman" pitchFamily="18" charset="0"/>
               </a:rPr>
-              <a:t>(национальный исследовательский университет) »</a:t>
+              <a:t>(национальный исследовательский </a:t>
+            </a:r>
+            <a:r>
+              <a:rPr lang="ru-RU" b="1" smtClean="0">
+                <a:latin typeface="Times New Roman" pitchFamily="18" charset="0"/>
+              </a:rPr>
+              <a:t>университет</a:t>
+            </a:r>
+            <a:r>
+              <a:rPr lang="ru-RU" b="1" smtClean="0">
+                <a:latin typeface="Times New Roman" pitchFamily="18" charset="0"/>
+              </a:rPr>
+              <a:t>)»</a:t>
+            </a:r>
+            <a:r>
+              <a:rPr lang="ru-RU" b="1" dirty="0" smtClean="0">
+                <a:latin typeface="Times New Roman" pitchFamily="18" charset="0"/>
+              </a:rPr>
+              <a:t/>
             </a:r>
             <a:br>
               <a:rPr lang="ru-RU" b="1" dirty="0" smtClean="0">
@@ -3189,19 +3598,6 @@
             <a:endParaRPr lang="en-US" dirty="0" smtClean="0">
               <a:latin typeface="Times New Roman" pitchFamily="18" charset="0"/>
             </a:endParaRPr>
-          </a:p>
-          <a:p>
-            <a:pPr>
-              <a:spcBef>
-                <a:spcPct val="50000"/>
-              </a:spcBef>
-            </a:pPr>
-            <a:r>
-              <a:rPr lang="ru-RU" dirty="0" smtClean="0">
-                <a:latin typeface="Times New Roman" pitchFamily="18" charset="0"/>
-              </a:rPr>
-              <a:t>Серпухов 2017</a:t>
-            </a:r>
           </a:p>
         </p:txBody>
       </p:sp>
@@ -3258,6 +3654,13 @@
   <p:clrMapOvr>
     <a:masterClrMapping/>
   </p:clrMapOvr>
+  <p:timing>
+    <p:tnLst>
+      <p:par>
+        <p:cTn id="1" dur="indefinite" restart="never" nodeType="tmRoot"/>
+      </p:par>
+    </p:tnLst>
+  </p:timing>
 </p:sld>
 </file>
 
@@ -3303,7 +3706,7 @@
                 <a:latin typeface="Arial" panose="020B0604020202020204" pitchFamily="34" charset="0"/>
                 <a:cs typeface="Arial" panose="020B0604020202020204" pitchFamily="34" charset="0"/>
               </a:rPr>
-              <a:t>Заключение</a:t>
+              <a:t>Математическая модель</a:t>
             </a:r>
             <a:endParaRPr lang="ru-RU" dirty="0">
               <a:latin typeface="Arial" panose="020B0604020202020204" pitchFamily="34" charset="0"/>
@@ -3332,20 +3735,6 @@
           <a:bodyPr/>
           <a:lstStyle/>
           <a:p>
-            <a:r>
-              <a:rPr lang="ru-RU" dirty="0" smtClean="0">
-                <a:latin typeface="Arial" panose="020B0604020202020204" pitchFamily="34" charset="0"/>
-                <a:cs typeface="Arial" panose="020B0604020202020204" pitchFamily="34" charset="0"/>
-              </a:rPr>
-              <a:t>Цели достигнуты, задачи решены, точки роста, области применения. Улучшения (изменение числа уровней оценки), нечёткие множества, </a:t>
-            </a:r>
-            <a:r>
-              <a:rPr lang="ru-RU" smtClean="0">
-                <a:latin typeface="Arial" panose="020B0604020202020204" pitchFamily="34" charset="0"/>
-                <a:cs typeface="Arial" panose="020B0604020202020204" pitchFamily="34" charset="0"/>
-              </a:rPr>
-              <a:t>лингвистические переменные.</a:t>
-            </a:r>
             <a:endParaRPr lang="ru-RU" dirty="0">
               <a:latin typeface="Arial" panose="020B0604020202020204" pitchFamily="34" charset="0"/>
               <a:cs typeface="Arial" panose="020B0604020202020204" pitchFamily="34" charset="0"/>
@@ -3353,10 +3742,33 @@
           </a:p>
         </p:txBody>
       </p:sp>
+      <p:sp>
+        <p:nvSpPr>
+          <p:cNvPr id="5" name="Номер слайда 4"/>
+          <p:cNvSpPr>
+            <a:spLocks noGrp="1"/>
+          </p:cNvSpPr>
+          <p:nvPr>
+            <p:ph type="sldNum" sz="quarter" idx="12"/>
+          </p:nvPr>
+        </p:nvSpPr>
+        <p:spPr/>
+        <p:txBody>
+          <a:bodyPr/>
+          <a:lstStyle/>
+          <a:p>
+            <a:fld id="{AAAC123C-EF72-4040-95C0-D263971896EB}" type="slidenum">
+              <a:rPr lang="ru-RU" smtClean="0"/>
+              <a:t>10</a:t>
+            </a:fld>
+            <a:endParaRPr lang="ru-RU"/>
+          </a:p>
+        </p:txBody>
+      </p:sp>
     </p:spTree>
     <p:extLst>
       <p:ext uri="{BB962C8B-B14F-4D97-AF65-F5344CB8AC3E}">
-        <p14:creationId xmlns:p14="http://schemas.microsoft.com/office/powerpoint/2010/main" val="3183388004"/>
+        <p14:creationId xmlns:p14="http://schemas.microsoft.com/office/powerpoint/2010/main" val="4013182291"/>
       </p:ext>
     </p:extLst>
   </p:cSld>
@@ -3408,7 +3820,7 @@
                 <a:latin typeface="Arial" panose="020B0604020202020204" pitchFamily="34" charset="0"/>
                 <a:cs typeface="Arial" panose="020B0604020202020204" pitchFamily="34" charset="0"/>
               </a:rPr>
-              <a:t>Метода анализа иерархий</a:t>
+              <a:t>Согласованность и компетентность</a:t>
             </a:r>
             <a:endParaRPr lang="ru-RU" dirty="0">
               <a:latin typeface="Arial" panose="020B0604020202020204" pitchFamily="34" charset="0"/>
@@ -3444,10 +3856,33 @@
           </a:p>
         </p:txBody>
       </p:sp>
+      <p:sp>
+        <p:nvSpPr>
+          <p:cNvPr id="5" name="Номер слайда 4"/>
+          <p:cNvSpPr>
+            <a:spLocks noGrp="1"/>
+          </p:cNvSpPr>
+          <p:nvPr>
+            <p:ph type="sldNum" sz="quarter" idx="12"/>
+          </p:nvPr>
+        </p:nvSpPr>
+        <p:spPr/>
+        <p:txBody>
+          <a:bodyPr/>
+          <a:lstStyle/>
+          <a:p>
+            <a:fld id="{AAAC123C-EF72-4040-95C0-D263971896EB}" type="slidenum">
+              <a:rPr lang="ru-RU" smtClean="0"/>
+              <a:t>11</a:t>
+            </a:fld>
+            <a:endParaRPr lang="ru-RU"/>
+          </a:p>
+        </p:txBody>
+      </p:sp>
     </p:spTree>
     <p:extLst>
       <p:ext uri="{BB962C8B-B14F-4D97-AF65-F5344CB8AC3E}">
-        <p14:creationId xmlns:p14="http://schemas.microsoft.com/office/powerpoint/2010/main" val="2898399161"/>
+        <p14:creationId xmlns:p14="http://schemas.microsoft.com/office/powerpoint/2010/main" val="1607851024"/>
       </p:ext>
     </p:extLst>
   </p:cSld>
@@ -3499,7 +3934,7 @@
                 <a:latin typeface="Arial" panose="020B0604020202020204" pitchFamily="34" charset="0"/>
                 <a:cs typeface="Arial" panose="020B0604020202020204" pitchFamily="34" charset="0"/>
               </a:rPr>
-              <a:t>Метода анализа иерархий</a:t>
+              <a:t>Пример</a:t>
             </a:r>
             <a:endParaRPr lang="ru-RU" dirty="0">
               <a:latin typeface="Arial" panose="020B0604020202020204" pitchFamily="34" charset="0"/>
@@ -3535,10 +3970,33 @@
           </a:p>
         </p:txBody>
       </p:sp>
+      <p:sp>
+        <p:nvSpPr>
+          <p:cNvPr id="5" name="Номер слайда 4"/>
+          <p:cNvSpPr>
+            <a:spLocks noGrp="1"/>
+          </p:cNvSpPr>
+          <p:nvPr>
+            <p:ph type="sldNum" sz="quarter" idx="12"/>
+          </p:nvPr>
+        </p:nvSpPr>
+        <p:spPr/>
+        <p:txBody>
+          <a:bodyPr/>
+          <a:lstStyle/>
+          <a:p>
+            <a:fld id="{AAAC123C-EF72-4040-95C0-D263971896EB}" type="slidenum">
+              <a:rPr lang="ru-RU" smtClean="0"/>
+              <a:t>12</a:t>
+            </a:fld>
+            <a:endParaRPr lang="ru-RU"/>
+          </a:p>
+        </p:txBody>
+      </p:sp>
     </p:spTree>
     <p:extLst>
       <p:ext uri="{BB962C8B-B14F-4D97-AF65-F5344CB8AC3E}">
-        <p14:creationId xmlns:p14="http://schemas.microsoft.com/office/powerpoint/2010/main" val="1347461544"/>
+        <p14:creationId xmlns:p14="http://schemas.microsoft.com/office/powerpoint/2010/main" val="489726946"/>
       </p:ext>
     </p:extLst>
   </p:cSld>
@@ -3590,7 +4048,7 @@
                 <a:latin typeface="Arial" panose="020B0604020202020204" pitchFamily="34" charset="0"/>
                 <a:cs typeface="Arial" panose="020B0604020202020204" pitchFamily="34" charset="0"/>
               </a:rPr>
-              <a:t>Метода анализа иерархий</a:t>
+              <a:t>Заключение</a:t>
             </a:r>
             <a:endParaRPr lang="ru-RU" dirty="0">
               <a:latin typeface="Arial" panose="020B0604020202020204" pitchFamily="34" charset="0"/>
@@ -3619,6 +4077,20 @@
           <a:bodyPr/>
           <a:lstStyle/>
           <a:p>
+            <a:r>
+              <a:rPr lang="ru-RU" dirty="0" smtClean="0">
+                <a:latin typeface="Arial" panose="020B0604020202020204" pitchFamily="34" charset="0"/>
+                <a:cs typeface="Arial" panose="020B0604020202020204" pitchFamily="34" charset="0"/>
+              </a:rPr>
+              <a:t>Цели достигнуты, задачи решены, точки роста, области применения. Улучшения (изменение числа уровней оценки), нечёткие множества, </a:t>
+            </a:r>
+            <a:r>
+              <a:rPr lang="ru-RU" smtClean="0">
+                <a:latin typeface="Arial" panose="020B0604020202020204" pitchFamily="34" charset="0"/>
+                <a:cs typeface="Arial" panose="020B0604020202020204" pitchFamily="34" charset="0"/>
+              </a:rPr>
+              <a:t>лингвистические переменные.</a:t>
+            </a:r>
             <a:endParaRPr lang="ru-RU" dirty="0">
               <a:latin typeface="Arial" panose="020B0604020202020204" pitchFamily="34" charset="0"/>
               <a:cs typeface="Arial" panose="020B0604020202020204" pitchFamily="34" charset="0"/>
@@ -3626,10 +4098,33 @@
           </a:p>
         </p:txBody>
       </p:sp>
+      <p:sp>
+        <p:nvSpPr>
+          <p:cNvPr id="4" name="Номер слайда 3"/>
+          <p:cNvSpPr>
+            <a:spLocks noGrp="1"/>
+          </p:cNvSpPr>
+          <p:nvPr>
+            <p:ph type="sldNum" sz="quarter" idx="12"/>
+          </p:nvPr>
+        </p:nvSpPr>
+        <p:spPr/>
+        <p:txBody>
+          <a:bodyPr/>
+          <a:lstStyle/>
+          <a:p>
+            <a:fld id="{AAAC123C-EF72-4040-95C0-D263971896EB}" type="slidenum">
+              <a:rPr lang="ru-RU" smtClean="0"/>
+              <a:t>13</a:t>
+            </a:fld>
+            <a:endParaRPr lang="ru-RU"/>
+          </a:p>
+        </p:txBody>
+      </p:sp>
     </p:spTree>
     <p:extLst>
       <p:ext uri="{BB962C8B-B14F-4D97-AF65-F5344CB8AC3E}">
-        <p14:creationId xmlns:p14="http://schemas.microsoft.com/office/powerpoint/2010/main" val="323563377"/>
+        <p14:creationId xmlns:p14="http://schemas.microsoft.com/office/powerpoint/2010/main" val="3183388004"/>
       </p:ext>
     </p:extLst>
   </p:cSld>
@@ -3717,10 +4212,33 @@
           </a:p>
         </p:txBody>
       </p:sp>
+      <p:sp>
+        <p:nvSpPr>
+          <p:cNvPr id="4" name="Номер слайда 3"/>
+          <p:cNvSpPr>
+            <a:spLocks noGrp="1"/>
+          </p:cNvSpPr>
+          <p:nvPr>
+            <p:ph type="sldNum" sz="quarter" idx="12"/>
+          </p:nvPr>
+        </p:nvSpPr>
+        <p:spPr/>
+        <p:txBody>
+          <a:bodyPr/>
+          <a:lstStyle/>
+          <a:p>
+            <a:fld id="{AAAC123C-EF72-4040-95C0-D263971896EB}" type="slidenum">
+              <a:rPr lang="ru-RU" smtClean="0"/>
+              <a:t>14</a:t>
+            </a:fld>
+            <a:endParaRPr lang="ru-RU"/>
+          </a:p>
+        </p:txBody>
+      </p:sp>
     </p:spTree>
     <p:extLst>
       <p:ext uri="{BB962C8B-B14F-4D97-AF65-F5344CB8AC3E}">
-        <p14:creationId xmlns:p14="http://schemas.microsoft.com/office/powerpoint/2010/main" val="1792779028"/>
+        <p14:creationId xmlns:p14="http://schemas.microsoft.com/office/powerpoint/2010/main" val="2898399161"/>
       </p:ext>
     </p:extLst>
   </p:cSld>
@@ -3808,6 +4326,371 @@
           </a:p>
         </p:txBody>
       </p:sp>
+      <p:sp>
+        <p:nvSpPr>
+          <p:cNvPr id="4" name="Номер слайда 3"/>
+          <p:cNvSpPr>
+            <a:spLocks noGrp="1"/>
+          </p:cNvSpPr>
+          <p:nvPr>
+            <p:ph type="sldNum" sz="quarter" idx="12"/>
+          </p:nvPr>
+        </p:nvSpPr>
+        <p:spPr/>
+        <p:txBody>
+          <a:bodyPr/>
+          <a:lstStyle/>
+          <a:p>
+            <a:fld id="{AAAC123C-EF72-4040-95C0-D263971896EB}" type="slidenum">
+              <a:rPr lang="ru-RU" smtClean="0"/>
+              <a:t>15</a:t>
+            </a:fld>
+            <a:endParaRPr lang="ru-RU"/>
+          </a:p>
+        </p:txBody>
+      </p:sp>
+    </p:spTree>
+    <p:extLst>
+      <p:ext uri="{BB962C8B-B14F-4D97-AF65-F5344CB8AC3E}">
+        <p14:creationId xmlns:p14="http://schemas.microsoft.com/office/powerpoint/2010/main" val="1347461544"/>
+      </p:ext>
+    </p:extLst>
+  </p:cSld>
+  <p:clrMapOvr>
+    <a:masterClrMapping/>
+  </p:clrMapOvr>
+</p:sld>
+</file>
+
+<file path=ppt/slides/slide16.xml><?xml version="1.0" encoding="utf-8"?>
+<p:sld xmlns:a="http://schemas.openxmlformats.org/drawingml/2006/main" xmlns:r="http://schemas.openxmlformats.org/officeDocument/2006/relationships" xmlns:p="http://schemas.openxmlformats.org/presentationml/2006/main">
+  <p:cSld>
+    <p:spTree>
+      <p:nvGrpSpPr>
+        <p:cNvPr id="1" name=""/>
+        <p:cNvGrpSpPr/>
+        <p:nvPr/>
+      </p:nvGrpSpPr>
+      <p:grpSpPr>
+        <a:xfrm>
+          <a:off x="0" y="0"/>
+          <a:ext cx="0" cy="0"/>
+          <a:chOff x="0" y="0"/>
+          <a:chExt cx="0" cy="0"/>
+        </a:xfrm>
+      </p:grpSpPr>
+      <p:sp>
+        <p:nvSpPr>
+          <p:cNvPr id="2" name="Заголовок 1"/>
+          <p:cNvSpPr>
+            <a:spLocks noGrp="1"/>
+          </p:cNvSpPr>
+          <p:nvPr>
+            <p:ph type="title"/>
+          </p:nvPr>
+        </p:nvSpPr>
+        <p:spPr>
+          <a:xfrm>
+            <a:off x="838200" y="365125"/>
+            <a:ext cx="10683240" cy="869315"/>
+          </a:xfrm>
+        </p:spPr>
+        <p:txBody>
+          <a:bodyPr/>
+          <a:lstStyle/>
+          <a:p>
+            <a:r>
+              <a:rPr lang="ru-RU" dirty="0" smtClean="0">
+                <a:latin typeface="Arial" panose="020B0604020202020204" pitchFamily="34" charset="0"/>
+                <a:cs typeface="Arial" panose="020B0604020202020204" pitchFamily="34" charset="0"/>
+              </a:rPr>
+              <a:t>Метода анализа иерархий</a:t>
+            </a:r>
+            <a:endParaRPr lang="ru-RU" dirty="0">
+              <a:latin typeface="Arial" panose="020B0604020202020204" pitchFamily="34" charset="0"/>
+              <a:cs typeface="Arial" panose="020B0604020202020204" pitchFamily="34" charset="0"/>
+            </a:endParaRPr>
+          </a:p>
+        </p:txBody>
+      </p:sp>
+      <p:sp>
+        <p:nvSpPr>
+          <p:cNvPr id="3" name="Объект 2"/>
+          <p:cNvSpPr>
+            <a:spLocks noGrp="1"/>
+          </p:cNvSpPr>
+          <p:nvPr>
+            <p:ph idx="1"/>
+          </p:nvPr>
+        </p:nvSpPr>
+        <p:spPr>
+          <a:xfrm>
+            <a:off x="838200" y="1234440"/>
+            <a:ext cx="10515600" cy="5417820"/>
+          </a:xfrm>
+        </p:spPr>
+        <p:txBody>
+          <a:bodyPr/>
+          <a:lstStyle/>
+          <a:p>
+            <a:endParaRPr lang="ru-RU" dirty="0">
+              <a:latin typeface="Arial" panose="020B0604020202020204" pitchFamily="34" charset="0"/>
+              <a:cs typeface="Arial" panose="020B0604020202020204" pitchFamily="34" charset="0"/>
+            </a:endParaRPr>
+          </a:p>
+        </p:txBody>
+      </p:sp>
+      <p:sp>
+        <p:nvSpPr>
+          <p:cNvPr id="4" name="Номер слайда 3"/>
+          <p:cNvSpPr>
+            <a:spLocks noGrp="1"/>
+          </p:cNvSpPr>
+          <p:nvPr>
+            <p:ph type="sldNum" sz="quarter" idx="12"/>
+          </p:nvPr>
+        </p:nvSpPr>
+        <p:spPr/>
+        <p:txBody>
+          <a:bodyPr/>
+          <a:lstStyle/>
+          <a:p>
+            <a:fld id="{AAAC123C-EF72-4040-95C0-D263971896EB}" type="slidenum">
+              <a:rPr lang="ru-RU" smtClean="0"/>
+              <a:t>16</a:t>
+            </a:fld>
+            <a:endParaRPr lang="ru-RU"/>
+          </a:p>
+        </p:txBody>
+      </p:sp>
+    </p:spTree>
+    <p:extLst>
+      <p:ext uri="{BB962C8B-B14F-4D97-AF65-F5344CB8AC3E}">
+        <p14:creationId xmlns:p14="http://schemas.microsoft.com/office/powerpoint/2010/main" val="323563377"/>
+      </p:ext>
+    </p:extLst>
+  </p:cSld>
+  <p:clrMapOvr>
+    <a:masterClrMapping/>
+  </p:clrMapOvr>
+</p:sld>
+</file>
+
+<file path=ppt/slides/slide17.xml><?xml version="1.0" encoding="utf-8"?>
+<p:sld xmlns:a="http://schemas.openxmlformats.org/drawingml/2006/main" xmlns:r="http://schemas.openxmlformats.org/officeDocument/2006/relationships" xmlns:p="http://schemas.openxmlformats.org/presentationml/2006/main">
+  <p:cSld>
+    <p:spTree>
+      <p:nvGrpSpPr>
+        <p:cNvPr id="1" name=""/>
+        <p:cNvGrpSpPr/>
+        <p:nvPr/>
+      </p:nvGrpSpPr>
+      <p:grpSpPr>
+        <a:xfrm>
+          <a:off x="0" y="0"/>
+          <a:ext cx="0" cy="0"/>
+          <a:chOff x="0" y="0"/>
+          <a:chExt cx="0" cy="0"/>
+        </a:xfrm>
+      </p:grpSpPr>
+      <p:sp>
+        <p:nvSpPr>
+          <p:cNvPr id="2" name="Заголовок 1"/>
+          <p:cNvSpPr>
+            <a:spLocks noGrp="1"/>
+          </p:cNvSpPr>
+          <p:nvPr>
+            <p:ph type="title"/>
+          </p:nvPr>
+        </p:nvSpPr>
+        <p:spPr>
+          <a:xfrm>
+            <a:off x="838200" y="365125"/>
+            <a:ext cx="10683240" cy="869315"/>
+          </a:xfrm>
+        </p:spPr>
+        <p:txBody>
+          <a:bodyPr/>
+          <a:lstStyle/>
+          <a:p>
+            <a:r>
+              <a:rPr lang="ru-RU" dirty="0" smtClean="0">
+                <a:latin typeface="Arial" panose="020B0604020202020204" pitchFamily="34" charset="0"/>
+                <a:cs typeface="Arial" panose="020B0604020202020204" pitchFamily="34" charset="0"/>
+              </a:rPr>
+              <a:t>Метода анализа иерархий</a:t>
+            </a:r>
+            <a:endParaRPr lang="ru-RU" dirty="0">
+              <a:latin typeface="Arial" panose="020B0604020202020204" pitchFamily="34" charset="0"/>
+              <a:cs typeface="Arial" panose="020B0604020202020204" pitchFamily="34" charset="0"/>
+            </a:endParaRPr>
+          </a:p>
+        </p:txBody>
+      </p:sp>
+      <p:sp>
+        <p:nvSpPr>
+          <p:cNvPr id="3" name="Объект 2"/>
+          <p:cNvSpPr>
+            <a:spLocks noGrp="1"/>
+          </p:cNvSpPr>
+          <p:nvPr>
+            <p:ph idx="1"/>
+          </p:nvPr>
+        </p:nvSpPr>
+        <p:spPr>
+          <a:xfrm>
+            <a:off x="838200" y="1234440"/>
+            <a:ext cx="10515600" cy="5417820"/>
+          </a:xfrm>
+        </p:spPr>
+        <p:txBody>
+          <a:bodyPr/>
+          <a:lstStyle/>
+          <a:p>
+            <a:endParaRPr lang="ru-RU" dirty="0">
+              <a:latin typeface="Arial" panose="020B0604020202020204" pitchFamily="34" charset="0"/>
+              <a:cs typeface="Arial" panose="020B0604020202020204" pitchFamily="34" charset="0"/>
+            </a:endParaRPr>
+          </a:p>
+        </p:txBody>
+      </p:sp>
+      <p:sp>
+        <p:nvSpPr>
+          <p:cNvPr id="4" name="Номер слайда 3"/>
+          <p:cNvSpPr>
+            <a:spLocks noGrp="1"/>
+          </p:cNvSpPr>
+          <p:nvPr>
+            <p:ph type="sldNum" sz="quarter" idx="12"/>
+          </p:nvPr>
+        </p:nvSpPr>
+        <p:spPr/>
+        <p:txBody>
+          <a:bodyPr/>
+          <a:lstStyle/>
+          <a:p>
+            <a:fld id="{AAAC123C-EF72-4040-95C0-D263971896EB}" type="slidenum">
+              <a:rPr lang="ru-RU" smtClean="0"/>
+              <a:t>17</a:t>
+            </a:fld>
+            <a:endParaRPr lang="ru-RU"/>
+          </a:p>
+        </p:txBody>
+      </p:sp>
+    </p:spTree>
+    <p:extLst>
+      <p:ext uri="{BB962C8B-B14F-4D97-AF65-F5344CB8AC3E}">
+        <p14:creationId xmlns:p14="http://schemas.microsoft.com/office/powerpoint/2010/main" val="1792779028"/>
+      </p:ext>
+    </p:extLst>
+  </p:cSld>
+  <p:clrMapOvr>
+    <a:masterClrMapping/>
+  </p:clrMapOvr>
+</p:sld>
+</file>
+
+<file path=ppt/slides/slide18.xml><?xml version="1.0" encoding="utf-8"?>
+<p:sld xmlns:a="http://schemas.openxmlformats.org/drawingml/2006/main" xmlns:r="http://schemas.openxmlformats.org/officeDocument/2006/relationships" xmlns:p="http://schemas.openxmlformats.org/presentationml/2006/main">
+  <p:cSld>
+    <p:spTree>
+      <p:nvGrpSpPr>
+        <p:cNvPr id="1" name=""/>
+        <p:cNvGrpSpPr/>
+        <p:nvPr/>
+      </p:nvGrpSpPr>
+      <p:grpSpPr>
+        <a:xfrm>
+          <a:off x="0" y="0"/>
+          <a:ext cx="0" cy="0"/>
+          <a:chOff x="0" y="0"/>
+          <a:chExt cx="0" cy="0"/>
+        </a:xfrm>
+      </p:grpSpPr>
+      <p:sp>
+        <p:nvSpPr>
+          <p:cNvPr id="2" name="Заголовок 1"/>
+          <p:cNvSpPr>
+            <a:spLocks noGrp="1"/>
+          </p:cNvSpPr>
+          <p:nvPr>
+            <p:ph type="title"/>
+          </p:nvPr>
+        </p:nvSpPr>
+        <p:spPr>
+          <a:xfrm>
+            <a:off x="838200" y="365125"/>
+            <a:ext cx="10683240" cy="869315"/>
+          </a:xfrm>
+        </p:spPr>
+        <p:txBody>
+          <a:bodyPr/>
+          <a:lstStyle/>
+          <a:p>
+            <a:r>
+              <a:rPr lang="ru-RU" dirty="0" smtClean="0">
+                <a:latin typeface="Arial" panose="020B0604020202020204" pitchFamily="34" charset="0"/>
+                <a:cs typeface="Arial" panose="020B0604020202020204" pitchFamily="34" charset="0"/>
+              </a:rPr>
+              <a:t>Метода анализа иерархий</a:t>
+            </a:r>
+            <a:endParaRPr lang="ru-RU" dirty="0">
+              <a:latin typeface="Arial" panose="020B0604020202020204" pitchFamily="34" charset="0"/>
+              <a:cs typeface="Arial" panose="020B0604020202020204" pitchFamily="34" charset="0"/>
+            </a:endParaRPr>
+          </a:p>
+        </p:txBody>
+      </p:sp>
+      <p:sp>
+        <p:nvSpPr>
+          <p:cNvPr id="3" name="Объект 2"/>
+          <p:cNvSpPr>
+            <a:spLocks noGrp="1"/>
+          </p:cNvSpPr>
+          <p:nvPr>
+            <p:ph idx="1"/>
+          </p:nvPr>
+        </p:nvSpPr>
+        <p:spPr>
+          <a:xfrm>
+            <a:off x="838200" y="1234440"/>
+            <a:ext cx="10515600" cy="5417820"/>
+          </a:xfrm>
+        </p:spPr>
+        <p:txBody>
+          <a:bodyPr/>
+          <a:lstStyle/>
+          <a:p>
+            <a:endParaRPr lang="ru-RU" dirty="0">
+              <a:latin typeface="Arial" panose="020B0604020202020204" pitchFamily="34" charset="0"/>
+              <a:cs typeface="Arial" panose="020B0604020202020204" pitchFamily="34" charset="0"/>
+            </a:endParaRPr>
+          </a:p>
+        </p:txBody>
+      </p:sp>
+      <p:sp>
+        <p:nvSpPr>
+          <p:cNvPr id="4" name="Номер слайда 3"/>
+          <p:cNvSpPr>
+            <a:spLocks noGrp="1"/>
+          </p:cNvSpPr>
+          <p:nvPr>
+            <p:ph type="sldNum" sz="quarter" idx="12"/>
+          </p:nvPr>
+        </p:nvSpPr>
+        <p:spPr/>
+        <p:txBody>
+          <a:bodyPr/>
+          <a:lstStyle/>
+          <a:p>
+            <a:fld id="{AAAC123C-EF72-4040-95C0-D263971896EB}" type="slidenum">
+              <a:rPr lang="ru-RU" smtClean="0"/>
+              <a:t>18</a:t>
+            </a:fld>
+            <a:endParaRPr lang="ru-RU"/>
+          </a:p>
+        </p:txBody>
+      </p:sp>
     </p:spTree>
     <p:extLst>
       <p:ext uri="{BB962C8B-B14F-4D97-AF65-F5344CB8AC3E}">
@@ -3821,7 +4704,7 @@
 </p:sld>
 </file>
 
-<file path=ppt/slides/slide16.xml><?xml version="1.0" encoding="utf-8"?>
+<file path=ppt/slides/slide19.xml><?xml version="1.0" encoding="utf-8"?>
 <p:sld xmlns:a="http://schemas.openxmlformats.org/drawingml/2006/main" xmlns:r="http://schemas.openxmlformats.org/officeDocument/2006/relationships" xmlns:p="http://schemas.openxmlformats.org/presentationml/2006/main">
   <p:cSld>
     <p:spTree>
@@ -4115,888 +4998,6 @@
 </p:sld>
 </file>
 
-<file path=ppt/slides/slide17.xml><?xml version="1.0" encoding="utf-8"?>
-<p:sld xmlns:a="http://schemas.openxmlformats.org/drawingml/2006/main" xmlns:r="http://schemas.openxmlformats.org/officeDocument/2006/relationships" xmlns:p="http://schemas.openxmlformats.org/presentationml/2006/main">
-  <p:cSld>
-    <p:spTree>
-      <p:nvGrpSpPr>
-        <p:cNvPr id="1" name=""/>
-        <p:cNvGrpSpPr/>
-        <p:nvPr/>
-      </p:nvGrpSpPr>
-      <p:grpSpPr>
-        <a:xfrm>
-          <a:off x="0" y="0"/>
-          <a:ext cx="0" cy="0"/>
-          <a:chOff x="0" y="0"/>
-          <a:chExt cx="0" cy="0"/>
-        </a:xfrm>
-      </p:grpSpPr>
-      <p:sp>
-        <p:nvSpPr>
-          <p:cNvPr id="3" name="Подзаголовок 2"/>
-          <p:cNvSpPr>
-            <a:spLocks noGrp="1"/>
-          </p:cNvSpPr>
-          <p:nvPr>
-            <p:ph type="subTitle" idx="1"/>
-          </p:nvPr>
-        </p:nvSpPr>
-        <p:spPr>
-          <a:xfrm>
-            <a:off x="1524000" y="255494"/>
-            <a:ext cx="9144000" cy="6427694"/>
-          </a:xfrm>
-        </p:spPr>
-        <p:txBody>
-          <a:bodyPr>
-            <a:normAutofit fontScale="92500" lnSpcReduction="20000"/>
-          </a:bodyPr>
-          <a:lstStyle/>
-          <a:p>
-            <a:pPr>
-              <a:spcBef>
-                <a:spcPct val="50000"/>
-              </a:spcBef>
-            </a:pPr>
-            <a:r>
-              <a:rPr lang="ru-RU" b="1" dirty="0" smtClean="0">
-                <a:latin typeface="Times New Roman" pitchFamily="18" charset="0"/>
-              </a:rPr>
-              <a:t>«МОСКОВСКИЙ АВИАЦИОННЫЙ ИНСТИТУТ</a:t>
-            </a:r>
-            <a:r>
-              <a:rPr lang="ru-RU" dirty="0" smtClean="0">
-                <a:latin typeface="Times New Roman" pitchFamily="18" charset="0"/>
-              </a:rPr>
-              <a:t/>
-            </a:r>
-            <a:br>
-              <a:rPr lang="ru-RU" dirty="0" smtClean="0">
-                <a:latin typeface="Times New Roman" pitchFamily="18" charset="0"/>
-              </a:rPr>
-            </a:br>
-            <a:r>
-              <a:rPr lang="ru-RU" b="1" dirty="0" smtClean="0">
-                <a:latin typeface="Times New Roman" pitchFamily="18" charset="0"/>
-              </a:rPr>
-              <a:t>(национальный исследовательский университет) »</a:t>
-            </a:r>
-            <a:br>
-              <a:rPr lang="ru-RU" b="1" dirty="0" smtClean="0">
-                <a:latin typeface="Times New Roman" pitchFamily="18" charset="0"/>
-              </a:rPr>
-            </a:br>
-            <a:r>
-              <a:rPr lang="ru-RU" b="1" dirty="0" smtClean="0">
-                <a:latin typeface="Times New Roman" pitchFamily="18" charset="0"/>
-              </a:rPr>
-              <a:t> (МАИ)</a:t>
-            </a:r>
-            <a:r>
-              <a:rPr lang="ru-RU" dirty="0" smtClean="0">
-                <a:latin typeface="Times New Roman" pitchFamily="18" charset="0"/>
-              </a:rPr>
-              <a:t/>
-            </a:r>
-            <a:br>
-              <a:rPr lang="ru-RU" dirty="0" smtClean="0">
-                <a:latin typeface="Times New Roman" pitchFamily="18" charset="0"/>
-              </a:rPr>
-            </a:br>
-            <a:r>
-              <a:rPr lang="ru-RU" dirty="0" smtClean="0">
-                <a:latin typeface="Times New Roman" pitchFamily="18" charset="0"/>
-              </a:rPr>
-              <a:t>Факультет: Прикладная математика и физика </a:t>
-            </a:r>
-            <a:br>
-              <a:rPr lang="ru-RU" dirty="0" smtClean="0">
-                <a:latin typeface="Times New Roman" pitchFamily="18" charset="0"/>
-              </a:rPr>
-            </a:br>
-            <a:r>
-              <a:rPr lang="ru-RU" dirty="0" smtClean="0">
-                <a:latin typeface="Times New Roman" pitchFamily="18" charset="0"/>
-              </a:rPr>
-              <a:t> Учебный центр «ИНТЕГРАЦИЯ» </a:t>
-            </a:r>
-          </a:p>
-          <a:p>
-            <a:pPr>
-              <a:spcBef>
-                <a:spcPct val="50000"/>
-              </a:spcBef>
-            </a:pPr>
-            <a:r>
-              <a:rPr lang="ru-RU" dirty="0" smtClean="0">
-                <a:latin typeface="Times New Roman" pitchFamily="18" charset="0"/>
-              </a:rPr>
-              <a:t>Кафедра 808Б</a:t>
-            </a:r>
-            <a:br>
-              <a:rPr lang="ru-RU" dirty="0" smtClean="0">
-                <a:latin typeface="Times New Roman" pitchFamily="18" charset="0"/>
-              </a:rPr>
-            </a:br>
-            <a:endParaRPr lang="ru-RU" dirty="0" smtClean="0">
-              <a:latin typeface="Times New Roman" pitchFamily="18" charset="0"/>
-            </a:endParaRPr>
-          </a:p>
-          <a:p>
-            <a:pPr>
-              <a:spcBef>
-                <a:spcPct val="50000"/>
-              </a:spcBef>
-            </a:pPr>
-            <a:r>
-              <a:rPr lang="ru-RU" b="1" dirty="0" smtClean="0"/>
-              <a:t>Выпускная квалификационная работа магистра</a:t>
-            </a:r>
-          </a:p>
-          <a:p>
-            <a:pPr>
-              <a:spcBef>
-                <a:spcPct val="50000"/>
-              </a:spcBef>
-            </a:pPr>
-            <a:r>
-              <a:rPr lang="ru-RU" b="1" dirty="0" smtClean="0"/>
-              <a:t> (магистерская диссертация)</a:t>
-            </a:r>
-          </a:p>
-          <a:p>
-            <a:pPr>
-              <a:spcBef>
-                <a:spcPct val="50000"/>
-              </a:spcBef>
-            </a:pPr>
-            <a:r>
-              <a:rPr lang="ru-RU" sz="3200" b="1" dirty="0" smtClean="0">
-                <a:solidFill>
-                  <a:schemeClr val="tx2"/>
-                </a:solidFill>
-                <a:latin typeface="Times New Roman" pitchFamily="18" charset="0"/>
-              </a:rPr>
-              <a:t>Система поддержки принятия решений позиционирования оптических приборов для определения визуальной доступности объектов</a:t>
-            </a:r>
-            <a:endParaRPr lang="en-US" sz="3200" dirty="0" smtClean="0">
-              <a:latin typeface="Times New Roman" pitchFamily="18" charset="0"/>
-              <a:cs typeface="Times New Roman" pitchFamily="18" charset="0"/>
-            </a:endParaRPr>
-          </a:p>
-          <a:p>
-            <a:pPr>
-              <a:spcBef>
-                <a:spcPct val="50000"/>
-              </a:spcBef>
-            </a:pPr>
-            <a:endParaRPr lang="ru-RU" dirty="0" smtClean="0">
-              <a:latin typeface="Times New Roman" pitchFamily="18" charset="0"/>
-            </a:endParaRPr>
-          </a:p>
-          <a:p>
-            <a:pPr>
-              <a:spcBef>
-                <a:spcPct val="50000"/>
-              </a:spcBef>
-            </a:pPr>
-            <a:r>
-              <a:rPr lang="ru-RU" dirty="0" smtClean="0">
-                <a:latin typeface="Times New Roman" pitchFamily="18" charset="0"/>
-              </a:rPr>
-              <a:t>Автор: </a:t>
-            </a:r>
-            <a:r>
-              <a:rPr lang="ru-RU" dirty="0" err="1" smtClean="0">
-                <a:latin typeface="Times New Roman" pitchFamily="18" charset="0"/>
-              </a:rPr>
-              <a:t>Эйхорн</a:t>
-            </a:r>
-            <a:r>
-              <a:rPr lang="ru-RU" dirty="0" smtClean="0">
-                <a:latin typeface="Times New Roman" pitchFamily="18" charset="0"/>
-              </a:rPr>
-              <a:t> Алексей Витальевич, студент группы 8О-410Бцк-13</a:t>
-            </a:r>
-            <a:endParaRPr lang="ru-RU" dirty="0" smtClean="0">
-              <a:solidFill>
-                <a:srgbClr val="FF0000"/>
-              </a:solidFill>
-              <a:latin typeface="Times New Roman" pitchFamily="18" charset="0"/>
-            </a:endParaRPr>
-          </a:p>
-          <a:p>
-            <a:pPr>
-              <a:spcBef>
-                <a:spcPct val="50000"/>
-              </a:spcBef>
-            </a:pPr>
-            <a:r>
-              <a:rPr lang="ru-RU" dirty="0" smtClean="0">
-                <a:latin typeface="Times New Roman" pitchFamily="18" charset="0"/>
-              </a:rPr>
-              <a:t>Руководитель: к.ф.-м.н. Олейников Владимир Петрович</a:t>
-            </a:r>
-          </a:p>
-          <a:p>
-            <a:pPr>
-              <a:spcBef>
-                <a:spcPct val="50000"/>
-              </a:spcBef>
-            </a:pPr>
-            <a:endParaRPr lang="en-US" dirty="0" smtClean="0">
-              <a:latin typeface="Times New Roman" pitchFamily="18" charset="0"/>
-            </a:endParaRPr>
-          </a:p>
-          <a:p>
-            <a:pPr>
-              <a:spcBef>
-                <a:spcPct val="50000"/>
-              </a:spcBef>
-            </a:pPr>
-            <a:r>
-              <a:rPr lang="ru-RU" dirty="0" smtClean="0">
-                <a:latin typeface="Times New Roman" pitchFamily="18" charset="0"/>
-              </a:rPr>
-              <a:t>Серпухов 2017</a:t>
-            </a:r>
-          </a:p>
-        </p:txBody>
-      </p:sp>
-      <p:pic>
-        <p:nvPicPr>
-          <p:cNvPr id="4" name="Picture 4" descr="mai_logo_leftbar"/>
-          <p:cNvPicPr>
-            <a:picLocks noChangeAspect="1" noChangeArrowheads="1"/>
-          </p:cNvPicPr>
-          <p:nvPr/>
-        </p:nvPicPr>
-        <p:blipFill>
-          <a:blip r:embed="rId2" cstate="print"/>
-          <a:srcRect/>
-          <a:stretch>
-            <a:fillRect/>
-          </a:stretch>
-        </p:blipFill>
-        <p:spPr bwMode="auto">
-          <a:xfrm>
-            <a:off x="297180" y="255494"/>
-            <a:ext cx="1657350" cy="1397000"/>
-          </a:xfrm>
-          <a:prstGeom prst="rect">
-            <a:avLst/>
-          </a:prstGeom>
-          <a:noFill/>
-          <a:ln w="9525">
-            <a:noFill/>
-            <a:miter lim="800000"/>
-            <a:headEnd/>
-            <a:tailEnd/>
-          </a:ln>
-        </p:spPr>
-      </p:pic>
-    </p:spTree>
-    <p:extLst>
-      <p:ext uri="{BB962C8B-B14F-4D97-AF65-F5344CB8AC3E}">
-        <p14:creationId xmlns:p14="http://schemas.microsoft.com/office/powerpoint/2010/main" val="2558360823"/>
-      </p:ext>
-    </p:extLst>
-  </p:cSld>
-  <p:clrMapOvr>
-    <a:masterClrMapping/>
-  </p:clrMapOvr>
-</p:sld>
-</file>
-
-<file path=ppt/slides/slide18.xml><?xml version="1.0" encoding="utf-8"?>
-<p:sld xmlns:a="http://schemas.openxmlformats.org/drawingml/2006/main" xmlns:r="http://schemas.openxmlformats.org/officeDocument/2006/relationships" xmlns:p="http://schemas.openxmlformats.org/presentationml/2006/main">
-  <p:cSld>
-    <p:spTree>
-      <p:nvGrpSpPr>
-        <p:cNvPr id="1" name=""/>
-        <p:cNvGrpSpPr/>
-        <p:nvPr/>
-      </p:nvGrpSpPr>
-      <p:grpSpPr>
-        <a:xfrm>
-          <a:off x="0" y="0"/>
-          <a:ext cx="0" cy="0"/>
-          <a:chOff x="0" y="0"/>
-          <a:chExt cx="0" cy="0"/>
-        </a:xfrm>
-      </p:grpSpPr>
-      <p:sp>
-        <p:nvSpPr>
-          <p:cNvPr id="3" name="Подзаголовок 2"/>
-          <p:cNvSpPr>
-            <a:spLocks noGrp="1"/>
-          </p:cNvSpPr>
-          <p:nvPr>
-            <p:ph type="subTitle" idx="1"/>
-          </p:nvPr>
-        </p:nvSpPr>
-        <p:spPr>
-          <a:xfrm>
-            <a:off x="1524000" y="255494"/>
-            <a:ext cx="9144000" cy="6427694"/>
-          </a:xfrm>
-        </p:spPr>
-        <p:txBody>
-          <a:bodyPr>
-            <a:normAutofit fontScale="92500" lnSpcReduction="20000"/>
-          </a:bodyPr>
-          <a:lstStyle/>
-          <a:p>
-            <a:pPr>
-              <a:spcBef>
-                <a:spcPct val="50000"/>
-              </a:spcBef>
-            </a:pPr>
-            <a:r>
-              <a:rPr lang="ru-RU" b="1" dirty="0" smtClean="0">
-                <a:latin typeface="Times New Roman" pitchFamily="18" charset="0"/>
-              </a:rPr>
-              <a:t>«МОСКОВСКИЙ АВИАЦИОННЫЙ ИНСТИТУТ</a:t>
-            </a:r>
-            <a:r>
-              <a:rPr lang="ru-RU" dirty="0" smtClean="0">
-                <a:latin typeface="Times New Roman" pitchFamily="18" charset="0"/>
-              </a:rPr>
-              <a:t/>
-            </a:r>
-            <a:br>
-              <a:rPr lang="ru-RU" dirty="0" smtClean="0">
-                <a:latin typeface="Times New Roman" pitchFamily="18" charset="0"/>
-              </a:rPr>
-            </a:br>
-            <a:r>
-              <a:rPr lang="ru-RU" b="1" dirty="0" smtClean="0">
-                <a:latin typeface="Times New Roman" pitchFamily="18" charset="0"/>
-              </a:rPr>
-              <a:t>(национальный исследовательский университет) »</a:t>
-            </a:r>
-            <a:br>
-              <a:rPr lang="ru-RU" b="1" dirty="0" smtClean="0">
-                <a:latin typeface="Times New Roman" pitchFamily="18" charset="0"/>
-              </a:rPr>
-            </a:br>
-            <a:r>
-              <a:rPr lang="ru-RU" b="1" dirty="0" smtClean="0">
-                <a:latin typeface="Times New Roman" pitchFamily="18" charset="0"/>
-              </a:rPr>
-              <a:t> (МАИ)</a:t>
-            </a:r>
-            <a:r>
-              <a:rPr lang="ru-RU" dirty="0" smtClean="0">
-                <a:latin typeface="Times New Roman" pitchFamily="18" charset="0"/>
-              </a:rPr>
-              <a:t/>
-            </a:r>
-            <a:br>
-              <a:rPr lang="ru-RU" dirty="0" smtClean="0">
-                <a:latin typeface="Times New Roman" pitchFamily="18" charset="0"/>
-              </a:rPr>
-            </a:br>
-            <a:r>
-              <a:rPr lang="ru-RU" dirty="0" smtClean="0">
-                <a:latin typeface="Times New Roman" pitchFamily="18" charset="0"/>
-              </a:rPr>
-              <a:t>Факультет: Прикладная математика и физика </a:t>
-            </a:r>
-            <a:br>
-              <a:rPr lang="ru-RU" dirty="0" smtClean="0">
-                <a:latin typeface="Times New Roman" pitchFamily="18" charset="0"/>
-              </a:rPr>
-            </a:br>
-            <a:r>
-              <a:rPr lang="ru-RU" dirty="0" smtClean="0">
-                <a:latin typeface="Times New Roman" pitchFamily="18" charset="0"/>
-              </a:rPr>
-              <a:t> Учебный центр «ИНТЕГРАЦИЯ» </a:t>
-            </a:r>
-          </a:p>
-          <a:p>
-            <a:pPr>
-              <a:spcBef>
-                <a:spcPct val="50000"/>
-              </a:spcBef>
-            </a:pPr>
-            <a:r>
-              <a:rPr lang="ru-RU" dirty="0" smtClean="0">
-                <a:latin typeface="Times New Roman" pitchFamily="18" charset="0"/>
-              </a:rPr>
-              <a:t>Кафедра 808Б</a:t>
-            </a:r>
-            <a:br>
-              <a:rPr lang="ru-RU" dirty="0" smtClean="0">
-                <a:latin typeface="Times New Roman" pitchFamily="18" charset="0"/>
-              </a:rPr>
-            </a:br>
-            <a:endParaRPr lang="ru-RU" dirty="0" smtClean="0">
-              <a:latin typeface="Times New Roman" pitchFamily="18" charset="0"/>
-            </a:endParaRPr>
-          </a:p>
-          <a:p>
-            <a:pPr>
-              <a:spcBef>
-                <a:spcPct val="50000"/>
-              </a:spcBef>
-            </a:pPr>
-            <a:r>
-              <a:rPr lang="ru-RU" b="1" dirty="0" smtClean="0"/>
-              <a:t>Выпускная квалификационная работа магистра</a:t>
-            </a:r>
-          </a:p>
-          <a:p>
-            <a:pPr>
-              <a:spcBef>
-                <a:spcPct val="50000"/>
-              </a:spcBef>
-            </a:pPr>
-            <a:r>
-              <a:rPr lang="ru-RU" b="1" dirty="0" smtClean="0"/>
-              <a:t> (магистерская диссертация)</a:t>
-            </a:r>
-          </a:p>
-          <a:p>
-            <a:pPr>
-              <a:spcBef>
-                <a:spcPct val="50000"/>
-              </a:spcBef>
-            </a:pPr>
-            <a:r>
-              <a:rPr lang="ru-RU" sz="3200" b="1" dirty="0" smtClean="0">
-                <a:solidFill>
-                  <a:schemeClr val="tx2"/>
-                </a:solidFill>
-                <a:latin typeface="Times New Roman" pitchFamily="18" charset="0"/>
-              </a:rPr>
-              <a:t>Система поддержки принятия решений позиционирования оптических приборов для определения визуальной доступности объектов</a:t>
-            </a:r>
-            <a:endParaRPr lang="en-US" sz="3200" dirty="0" smtClean="0">
-              <a:latin typeface="Times New Roman" pitchFamily="18" charset="0"/>
-              <a:cs typeface="Times New Roman" pitchFamily="18" charset="0"/>
-            </a:endParaRPr>
-          </a:p>
-          <a:p>
-            <a:pPr>
-              <a:spcBef>
-                <a:spcPct val="50000"/>
-              </a:spcBef>
-            </a:pPr>
-            <a:endParaRPr lang="ru-RU" dirty="0" smtClean="0">
-              <a:latin typeface="Times New Roman" pitchFamily="18" charset="0"/>
-            </a:endParaRPr>
-          </a:p>
-          <a:p>
-            <a:pPr>
-              <a:spcBef>
-                <a:spcPct val="50000"/>
-              </a:spcBef>
-            </a:pPr>
-            <a:r>
-              <a:rPr lang="ru-RU" dirty="0" smtClean="0">
-                <a:latin typeface="Times New Roman" pitchFamily="18" charset="0"/>
-              </a:rPr>
-              <a:t>Автор: </a:t>
-            </a:r>
-            <a:r>
-              <a:rPr lang="ru-RU" dirty="0" err="1" smtClean="0">
-                <a:latin typeface="Times New Roman" pitchFamily="18" charset="0"/>
-              </a:rPr>
-              <a:t>Эйхорн</a:t>
-            </a:r>
-            <a:r>
-              <a:rPr lang="ru-RU" dirty="0" smtClean="0">
-                <a:latin typeface="Times New Roman" pitchFamily="18" charset="0"/>
-              </a:rPr>
-              <a:t> Алексей Витальевич, студент группы 8О-410Бцк-13</a:t>
-            </a:r>
-            <a:endParaRPr lang="ru-RU" dirty="0" smtClean="0">
-              <a:solidFill>
-                <a:srgbClr val="FF0000"/>
-              </a:solidFill>
-              <a:latin typeface="Times New Roman" pitchFamily="18" charset="0"/>
-            </a:endParaRPr>
-          </a:p>
-          <a:p>
-            <a:pPr>
-              <a:spcBef>
-                <a:spcPct val="50000"/>
-              </a:spcBef>
-            </a:pPr>
-            <a:r>
-              <a:rPr lang="ru-RU" dirty="0" smtClean="0">
-                <a:latin typeface="Times New Roman" pitchFamily="18" charset="0"/>
-              </a:rPr>
-              <a:t>Руководитель: к.ф.-м.н. Олейников Владимир Петрович</a:t>
-            </a:r>
-          </a:p>
-          <a:p>
-            <a:pPr>
-              <a:spcBef>
-                <a:spcPct val="50000"/>
-              </a:spcBef>
-            </a:pPr>
-            <a:endParaRPr lang="en-US" dirty="0" smtClean="0">
-              <a:latin typeface="Times New Roman" pitchFamily="18" charset="0"/>
-            </a:endParaRPr>
-          </a:p>
-          <a:p>
-            <a:pPr>
-              <a:spcBef>
-                <a:spcPct val="50000"/>
-              </a:spcBef>
-            </a:pPr>
-            <a:r>
-              <a:rPr lang="ru-RU" dirty="0" smtClean="0">
-                <a:latin typeface="Times New Roman" pitchFamily="18" charset="0"/>
-              </a:rPr>
-              <a:t>Серпухов 2017</a:t>
-            </a:r>
-          </a:p>
-        </p:txBody>
-      </p:sp>
-      <p:pic>
-        <p:nvPicPr>
-          <p:cNvPr id="4" name="Picture 4" descr="mai_logo_leftbar"/>
-          <p:cNvPicPr>
-            <a:picLocks noChangeAspect="1" noChangeArrowheads="1"/>
-          </p:cNvPicPr>
-          <p:nvPr/>
-        </p:nvPicPr>
-        <p:blipFill>
-          <a:blip r:embed="rId2" cstate="print"/>
-          <a:srcRect/>
-          <a:stretch>
-            <a:fillRect/>
-          </a:stretch>
-        </p:blipFill>
-        <p:spPr bwMode="auto">
-          <a:xfrm>
-            <a:off x="297180" y="255494"/>
-            <a:ext cx="1657350" cy="1397000"/>
-          </a:xfrm>
-          <a:prstGeom prst="rect">
-            <a:avLst/>
-          </a:prstGeom>
-          <a:noFill/>
-          <a:ln w="9525">
-            <a:noFill/>
-            <a:miter lim="800000"/>
-            <a:headEnd/>
-            <a:tailEnd/>
-          </a:ln>
-        </p:spPr>
-      </p:pic>
-    </p:spTree>
-    <p:extLst>
-      <p:ext uri="{BB962C8B-B14F-4D97-AF65-F5344CB8AC3E}">
-        <p14:creationId xmlns:p14="http://schemas.microsoft.com/office/powerpoint/2010/main" val="150961218"/>
-      </p:ext>
-    </p:extLst>
-  </p:cSld>
-  <p:clrMapOvr>
-    <a:masterClrMapping/>
-  </p:clrMapOvr>
-</p:sld>
-</file>
-
-<file path=ppt/slides/slide19.xml><?xml version="1.0" encoding="utf-8"?>
-<p:sld xmlns:a="http://schemas.openxmlformats.org/drawingml/2006/main" xmlns:r="http://schemas.openxmlformats.org/officeDocument/2006/relationships" xmlns:p="http://schemas.openxmlformats.org/presentationml/2006/main">
-  <p:cSld>
-    <p:spTree>
-      <p:nvGrpSpPr>
-        <p:cNvPr id="1" name=""/>
-        <p:cNvGrpSpPr/>
-        <p:nvPr/>
-      </p:nvGrpSpPr>
-      <p:grpSpPr>
-        <a:xfrm>
-          <a:off x="0" y="0"/>
-          <a:ext cx="0" cy="0"/>
-          <a:chOff x="0" y="0"/>
-          <a:chExt cx="0" cy="0"/>
-        </a:xfrm>
-      </p:grpSpPr>
-      <p:sp>
-        <p:nvSpPr>
-          <p:cNvPr id="3" name="Подзаголовок 2"/>
-          <p:cNvSpPr>
-            <a:spLocks noGrp="1"/>
-          </p:cNvSpPr>
-          <p:nvPr>
-            <p:ph type="subTitle" idx="1"/>
-          </p:nvPr>
-        </p:nvSpPr>
-        <p:spPr>
-          <a:xfrm>
-            <a:off x="1524000" y="255494"/>
-            <a:ext cx="9144000" cy="6427694"/>
-          </a:xfrm>
-        </p:spPr>
-        <p:txBody>
-          <a:bodyPr>
-            <a:normAutofit fontScale="92500" lnSpcReduction="20000"/>
-          </a:bodyPr>
-          <a:lstStyle/>
-          <a:p>
-            <a:pPr>
-              <a:spcBef>
-                <a:spcPct val="50000"/>
-              </a:spcBef>
-            </a:pPr>
-            <a:r>
-              <a:rPr lang="ru-RU" b="1" dirty="0" smtClean="0">
-                <a:latin typeface="Times New Roman" pitchFamily="18" charset="0"/>
-              </a:rPr>
-              <a:t>«МОСКОВСКИЙ АВИАЦИОННЫЙ ИНСТИТУТ</a:t>
-            </a:r>
-            <a:r>
-              <a:rPr lang="ru-RU" dirty="0" smtClean="0">
-                <a:latin typeface="Times New Roman" pitchFamily="18" charset="0"/>
-              </a:rPr>
-              <a:t/>
-            </a:r>
-            <a:br>
-              <a:rPr lang="ru-RU" dirty="0" smtClean="0">
-                <a:latin typeface="Times New Roman" pitchFamily="18" charset="0"/>
-              </a:rPr>
-            </a:br>
-            <a:r>
-              <a:rPr lang="ru-RU" b="1" dirty="0" smtClean="0">
-                <a:latin typeface="Times New Roman" pitchFamily="18" charset="0"/>
-              </a:rPr>
-              <a:t>(национальный исследовательский университет) »</a:t>
-            </a:r>
-            <a:br>
-              <a:rPr lang="ru-RU" b="1" dirty="0" smtClean="0">
-                <a:latin typeface="Times New Roman" pitchFamily="18" charset="0"/>
-              </a:rPr>
-            </a:br>
-            <a:r>
-              <a:rPr lang="ru-RU" b="1" dirty="0" smtClean="0">
-                <a:latin typeface="Times New Roman" pitchFamily="18" charset="0"/>
-              </a:rPr>
-              <a:t> (МАИ)</a:t>
-            </a:r>
-            <a:r>
-              <a:rPr lang="ru-RU" dirty="0" smtClean="0">
-                <a:latin typeface="Times New Roman" pitchFamily="18" charset="0"/>
-              </a:rPr>
-              <a:t/>
-            </a:r>
-            <a:br>
-              <a:rPr lang="ru-RU" dirty="0" smtClean="0">
-                <a:latin typeface="Times New Roman" pitchFamily="18" charset="0"/>
-              </a:rPr>
-            </a:br>
-            <a:r>
-              <a:rPr lang="ru-RU" dirty="0" smtClean="0">
-                <a:latin typeface="Times New Roman" pitchFamily="18" charset="0"/>
-              </a:rPr>
-              <a:t>Факультет: Прикладная математика и физика </a:t>
-            </a:r>
-            <a:br>
-              <a:rPr lang="ru-RU" dirty="0" smtClean="0">
-                <a:latin typeface="Times New Roman" pitchFamily="18" charset="0"/>
-              </a:rPr>
-            </a:br>
-            <a:r>
-              <a:rPr lang="ru-RU" dirty="0" smtClean="0">
-                <a:latin typeface="Times New Roman" pitchFamily="18" charset="0"/>
-              </a:rPr>
-              <a:t> Учебный центр «ИНТЕГРАЦИЯ» </a:t>
-            </a:r>
-          </a:p>
-          <a:p>
-            <a:pPr>
-              <a:spcBef>
-                <a:spcPct val="50000"/>
-              </a:spcBef>
-            </a:pPr>
-            <a:r>
-              <a:rPr lang="ru-RU" dirty="0" smtClean="0">
-                <a:latin typeface="Times New Roman" pitchFamily="18" charset="0"/>
-              </a:rPr>
-              <a:t>Кафедра 808Б</a:t>
-            </a:r>
-            <a:br>
-              <a:rPr lang="ru-RU" dirty="0" smtClean="0">
-                <a:latin typeface="Times New Roman" pitchFamily="18" charset="0"/>
-              </a:rPr>
-            </a:br>
-            <a:endParaRPr lang="ru-RU" dirty="0" smtClean="0">
-              <a:latin typeface="Times New Roman" pitchFamily="18" charset="0"/>
-            </a:endParaRPr>
-          </a:p>
-          <a:p>
-            <a:pPr>
-              <a:spcBef>
-                <a:spcPct val="50000"/>
-              </a:spcBef>
-            </a:pPr>
-            <a:r>
-              <a:rPr lang="ru-RU" b="1" dirty="0" smtClean="0"/>
-              <a:t>Выпускная квалификационная работа магистра</a:t>
-            </a:r>
-          </a:p>
-          <a:p>
-            <a:pPr>
-              <a:spcBef>
-                <a:spcPct val="50000"/>
-              </a:spcBef>
-            </a:pPr>
-            <a:r>
-              <a:rPr lang="ru-RU" b="1" dirty="0" smtClean="0"/>
-              <a:t> (магистерская диссертация)</a:t>
-            </a:r>
-          </a:p>
-          <a:p>
-            <a:pPr>
-              <a:spcBef>
-                <a:spcPct val="50000"/>
-              </a:spcBef>
-            </a:pPr>
-            <a:r>
-              <a:rPr lang="ru-RU" sz="3200" b="1" dirty="0" smtClean="0">
-                <a:solidFill>
-                  <a:schemeClr val="tx2"/>
-                </a:solidFill>
-                <a:latin typeface="Times New Roman" pitchFamily="18" charset="0"/>
-              </a:rPr>
-              <a:t>Система поддержки принятия решений позиционирования оптических приборов для определения визуальной доступности объектов</a:t>
-            </a:r>
-            <a:endParaRPr lang="en-US" sz="3200" dirty="0" smtClean="0">
-              <a:latin typeface="Times New Roman" pitchFamily="18" charset="0"/>
-              <a:cs typeface="Times New Roman" pitchFamily="18" charset="0"/>
-            </a:endParaRPr>
-          </a:p>
-          <a:p>
-            <a:pPr>
-              <a:spcBef>
-                <a:spcPct val="50000"/>
-              </a:spcBef>
-            </a:pPr>
-            <a:endParaRPr lang="ru-RU" dirty="0" smtClean="0">
-              <a:latin typeface="Times New Roman" pitchFamily="18" charset="0"/>
-            </a:endParaRPr>
-          </a:p>
-          <a:p>
-            <a:pPr>
-              <a:spcBef>
-                <a:spcPct val="50000"/>
-              </a:spcBef>
-            </a:pPr>
-            <a:r>
-              <a:rPr lang="ru-RU" dirty="0" smtClean="0">
-                <a:latin typeface="Times New Roman" pitchFamily="18" charset="0"/>
-              </a:rPr>
-              <a:t>Автор: </a:t>
-            </a:r>
-            <a:r>
-              <a:rPr lang="ru-RU" dirty="0" err="1" smtClean="0">
-                <a:latin typeface="Times New Roman" pitchFamily="18" charset="0"/>
-              </a:rPr>
-              <a:t>Эйхорн</a:t>
-            </a:r>
-            <a:r>
-              <a:rPr lang="ru-RU" dirty="0" smtClean="0">
-                <a:latin typeface="Times New Roman" pitchFamily="18" charset="0"/>
-              </a:rPr>
-              <a:t> Алексей Витальевич, студент группы 8О-410Бцк-13</a:t>
-            </a:r>
-            <a:endParaRPr lang="ru-RU" dirty="0" smtClean="0">
-              <a:solidFill>
-                <a:srgbClr val="FF0000"/>
-              </a:solidFill>
-              <a:latin typeface="Times New Roman" pitchFamily="18" charset="0"/>
-            </a:endParaRPr>
-          </a:p>
-          <a:p>
-            <a:pPr>
-              <a:spcBef>
-                <a:spcPct val="50000"/>
-              </a:spcBef>
-            </a:pPr>
-            <a:r>
-              <a:rPr lang="ru-RU" dirty="0" smtClean="0">
-                <a:latin typeface="Times New Roman" pitchFamily="18" charset="0"/>
-              </a:rPr>
-              <a:t>Руководитель: к.ф.-м.н. Олейников Владимир Петрович</a:t>
-            </a:r>
-          </a:p>
-          <a:p>
-            <a:pPr>
-              <a:spcBef>
-                <a:spcPct val="50000"/>
-              </a:spcBef>
-            </a:pPr>
-            <a:endParaRPr lang="en-US" dirty="0" smtClean="0">
-              <a:latin typeface="Times New Roman" pitchFamily="18" charset="0"/>
-            </a:endParaRPr>
-          </a:p>
-          <a:p>
-            <a:pPr>
-              <a:spcBef>
-                <a:spcPct val="50000"/>
-              </a:spcBef>
-            </a:pPr>
-            <a:r>
-              <a:rPr lang="ru-RU" dirty="0" smtClean="0">
-                <a:latin typeface="Times New Roman" pitchFamily="18" charset="0"/>
-              </a:rPr>
-              <a:t>Серпухов 2017</a:t>
-            </a:r>
-          </a:p>
-        </p:txBody>
-      </p:sp>
-      <p:pic>
-        <p:nvPicPr>
-          <p:cNvPr id="4" name="Picture 4" descr="mai_logo_leftbar"/>
-          <p:cNvPicPr>
-            <a:picLocks noChangeAspect="1" noChangeArrowheads="1"/>
-          </p:cNvPicPr>
-          <p:nvPr/>
-        </p:nvPicPr>
-        <p:blipFill>
-          <a:blip r:embed="rId2" cstate="print"/>
-          <a:srcRect/>
-          <a:stretch>
-            <a:fillRect/>
-          </a:stretch>
-        </p:blipFill>
-        <p:spPr bwMode="auto">
-          <a:xfrm>
-            <a:off x="297180" y="255494"/>
-            <a:ext cx="1657350" cy="1397000"/>
-          </a:xfrm>
-          <a:prstGeom prst="rect">
-            <a:avLst/>
-          </a:prstGeom>
-          <a:noFill/>
-          <a:ln w="9525">
-            <a:noFill/>
-            <a:miter lim="800000"/>
-            <a:headEnd/>
-            <a:tailEnd/>
-          </a:ln>
-        </p:spPr>
-      </p:pic>
-    </p:spTree>
-    <p:extLst>
-      <p:ext uri="{BB962C8B-B14F-4D97-AF65-F5344CB8AC3E}">
-        <p14:creationId xmlns:p14="http://schemas.microsoft.com/office/powerpoint/2010/main" val="2520692506"/>
-      </p:ext>
-    </p:extLst>
-  </p:cSld>
-  <p:clrMapOvr>
-    <a:masterClrMapping/>
-  </p:clrMapOvr>
-</p:sld>
-</file>
-
 <file path=ppt/slides/slide2.xml><?xml version="1.0" encoding="utf-8"?>
 <p:sld xmlns:a="http://schemas.openxmlformats.org/drawingml/2006/main" xmlns:r="http://schemas.openxmlformats.org/officeDocument/2006/relationships" xmlns:p="http://schemas.openxmlformats.org/presentationml/2006/main">
   <p:cSld>
@@ -5024,27 +5025,12 @@
             <p:ph type="title"/>
           </p:nvPr>
         </p:nvSpPr>
-        <p:spPr>
-          <a:xfrm>
-            <a:off x="838200" y="365125"/>
-            <a:ext cx="10683240" cy="869315"/>
-          </a:xfrm>
-        </p:spPr>
+        <p:spPr/>
         <p:txBody>
           <a:bodyPr/>
           <a:lstStyle/>
           <a:p>
-            <a:r>
-              <a:rPr lang="ru-RU" dirty="0" smtClean="0">
-                <a:latin typeface="Arial" panose="020B0604020202020204" pitchFamily="34" charset="0"/>
-                <a:cs typeface="Arial" panose="020B0604020202020204" pitchFamily="34" charset="0"/>
-              </a:rPr>
-              <a:t>Цель, задачи, актуальность</a:t>
-            </a:r>
-            <a:endParaRPr lang="ru-RU" dirty="0">
-              <a:latin typeface="Arial" panose="020B0604020202020204" pitchFamily="34" charset="0"/>
-              <a:cs typeface="Arial" panose="020B0604020202020204" pitchFamily="34" charset="0"/>
-            </a:endParaRPr>
+            <a:endParaRPr lang="ru-RU"/>
           </a:p>
         </p:txBody>
       </p:sp>
@@ -5058,27 +5044,43 @@
             <p:ph idx="1"/>
           </p:nvPr>
         </p:nvSpPr>
-        <p:spPr>
-          <a:xfrm>
-            <a:off x="838200" y="1234440"/>
-            <a:ext cx="10515600" cy="5417820"/>
-          </a:xfrm>
-        </p:spPr>
+        <p:spPr/>
         <p:txBody>
           <a:bodyPr/>
           <a:lstStyle/>
           <a:p>
-            <a:endParaRPr lang="ru-RU" dirty="0">
-              <a:latin typeface="Arial" panose="020B0604020202020204" pitchFamily="34" charset="0"/>
-              <a:cs typeface="Arial" panose="020B0604020202020204" pitchFamily="34" charset="0"/>
-            </a:endParaRPr>
+            <a:endParaRPr lang="ru-RU"/>
+          </a:p>
+        </p:txBody>
+      </p:sp>
+      <p:sp>
+        <p:nvSpPr>
+          <p:cNvPr id="4" name="Номер слайда 3"/>
+          <p:cNvSpPr>
+            <a:spLocks noGrp="1"/>
+          </p:cNvSpPr>
+          <p:nvPr>
+            <p:ph type="sldNum" sz="quarter" idx="12"/>
+          </p:nvPr>
+        </p:nvSpPr>
+        <p:spPr/>
+        <p:txBody>
+          <a:bodyPr/>
+          <a:lstStyle/>
+          <a:p>
+            <a:fld id="{AAAC123C-EF72-4040-95C0-D263971896EB}" type="slidenum">
+              <a:rPr lang="ru-RU" smtClean="0"/>
+              <a:pPr/>
+              <a:t>2</a:t>
+            </a:fld>
+            <a:endParaRPr lang="ru-RU" dirty="0"/>
           </a:p>
         </p:txBody>
       </p:sp>
     </p:spTree>
     <p:extLst>
       <p:ext uri="{BB962C8B-B14F-4D97-AF65-F5344CB8AC3E}">
-        <p14:creationId xmlns:p14="http://schemas.microsoft.com/office/powerpoint/2010/main" val="2435519582"/>
+        <p14:creationId xmlns:p14="http://schemas.microsoft.com/office/powerpoint/2010/main" val="1817994581"/>
       </p:ext>
     </p:extLst>
   </p:cSld>
@@ -7634,6 +7636,29 @@
           </a:graphicData>
         </a:graphic>
       </p:graphicFrame>
+      <p:sp>
+        <p:nvSpPr>
+          <p:cNvPr id="3" name="Номер слайда 2"/>
+          <p:cNvSpPr>
+            <a:spLocks noGrp="1"/>
+          </p:cNvSpPr>
+          <p:nvPr>
+            <p:ph type="sldNum" sz="quarter" idx="12"/>
+          </p:nvPr>
+        </p:nvSpPr>
+        <p:spPr/>
+        <p:txBody>
+          <a:bodyPr/>
+          <a:lstStyle/>
+          <a:p>
+            <a:fld id="{AAAC123C-EF72-4040-95C0-D263971896EB}" type="slidenum">
+              <a:rPr lang="ru-RU" smtClean="0"/>
+              <a:t>20</a:t>
+            </a:fld>
+            <a:endParaRPr lang="ru-RU"/>
+          </a:p>
+        </p:txBody>
+      </p:sp>
     </p:spTree>
     <p:extLst>
       <p:ext uri="{BB962C8B-B14F-4D97-AF65-F5344CB8AC3E}">
@@ -7671,64 +7696,22 @@
             <a:spLocks noGrp="1"/>
           </p:cNvSpPr>
           <p:nvPr>
-            <p:ph type="title"/>
-          </p:nvPr>
-        </p:nvSpPr>
-        <p:spPr>
-          <a:xfrm>
-            <a:off x="838200" y="365125"/>
-            <a:ext cx="10683240" cy="869315"/>
-          </a:xfrm>
-        </p:spPr>
+            <p:ph type="ctrTitle"/>
+          </p:nvPr>
+        </p:nvSpPr>
+        <p:spPr/>
         <p:txBody>
           <a:bodyPr/>
           <a:lstStyle/>
           <a:p>
-            <a:r>
-              <a:rPr lang="ru-RU" dirty="0" smtClean="0">
-                <a:latin typeface="Arial" panose="020B0604020202020204" pitchFamily="34" charset="0"/>
-                <a:cs typeface="Arial" panose="020B0604020202020204" pitchFamily="34" charset="0"/>
-              </a:rPr>
-              <a:t>Метода анализа иерархий</a:t>
-            </a:r>
-            <a:endParaRPr lang="ru-RU" dirty="0">
-              <a:latin typeface="Arial" panose="020B0604020202020204" pitchFamily="34" charset="0"/>
-              <a:cs typeface="Arial" panose="020B0604020202020204" pitchFamily="34" charset="0"/>
-            </a:endParaRPr>
-          </a:p>
-        </p:txBody>
-      </p:sp>
-      <p:sp>
-        <p:nvSpPr>
-          <p:cNvPr id="3" name="Объект 2"/>
-          <p:cNvSpPr>
-            <a:spLocks noGrp="1"/>
-          </p:cNvSpPr>
-          <p:nvPr>
-            <p:ph idx="1"/>
-          </p:nvPr>
-        </p:nvSpPr>
-        <p:spPr>
-          <a:xfrm>
-            <a:off x="838200" y="1234440"/>
-            <a:ext cx="10515600" cy="5417820"/>
-          </a:xfrm>
-        </p:spPr>
-        <p:txBody>
-          <a:bodyPr/>
-          <a:lstStyle/>
-          <a:p>
-            <a:endParaRPr lang="ru-RU" dirty="0">
-              <a:latin typeface="Arial" panose="020B0604020202020204" pitchFamily="34" charset="0"/>
-              <a:cs typeface="Arial" panose="020B0604020202020204" pitchFamily="34" charset="0"/>
-            </a:endParaRPr>
+            <a:endParaRPr lang="ru-RU" dirty="0"/>
           </a:p>
         </p:txBody>
       </p:sp>
     </p:spTree>
     <p:extLst>
       <p:ext uri="{BB962C8B-B14F-4D97-AF65-F5344CB8AC3E}">
-        <p14:creationId xmlns:p14="http://schemas.microsoft.com/office/powerpoint/2010/main" val="2449719823"/>
+        <p14:creationId xmlns:p14="http://schemas.microsoft.com/office/powerpoint/2010/main" val="692364218"/>
       </p:ext>
     </p:extLst>
   </p:cSld>
@@ -7765,2529 +7748,61 @@
             <p:ph type="title"/>
           </p:nvPr>
         </p:nvSpPr>
-        <p:spPr>
-          <a:xfrm>
-            <a:off x="838200" y="365125"/>
-            <a:ext cx="10683240" cy="869315"/>
-          </a:xfrm>
-        </p:spPr>
+        <p:spPr/>
         <p:txBody>
           <a:bodyPr/>
           <a:lstStyle/>
           <a:p>
-            <a:r>
-              <a:rPr lang="ru-RU" dirty="0" smtClean="0">
-                <a:latin typeface="Arial" panose="020B0604020202020204" pitchFamily="34" charset="0"/>
-                <a:cs typeface="Arial" panose="020B0604020202020204" pitchFamily="34" charset="0"/>
-              </a:rPr>
-              <a:t>Сравнение программ</a:t>
-            </a:r>
-            <a:endParaRPr lang="ru-RU" dirty="0">
-              <a:latin typeface="Arial" panose="020B0604020202020204" pitchFamily="34" charset="0"/>
-              <a:cs typeface="Arial" panose="020B0604020202020204" pitchFamily="34" charset="0"/>
-            </a:endParaRPr>
-          </a:p>
-        </p:txBody>
-      </p:sp>
-      <p:graphicFrame>
-        <p:nvGraphicFramePr>
-          <p:cNvPr id="4" name="Таблица 3"/>
-          <p:cNvGraphicFramePr>
-            <a:graphicFrameLocks noGrp="1"/>
-          </p:cNvGraphicFramePr>
-          <p:nvPr>
-            <p:extLst>
-              <p:ext uri="{D42A27DB-BD31-4B8C-83A1-F6EECF244321}">
-                <p14:modId xmlns:p14="http://schemas.microsoft.com/office/powerpoint/2010/main" val="1969323304"/>
-              </p:ext>
-            </p:extLst>
-          </p:nvPr>
-        </p:nvGraphicFramePr>
-        <p:xfrm>
-          <a:off x="838200" y="1234439"/>
-          <a:ext cx="10683244" cy="5385270"/>
-        </p:xfrm>
-        <a:graphic>
-          <a:graphicData uri="http://schemas.openxmlformats.org/drawingml/2006/table">
-            <a:tbl>
-              <a:tblPr firstRow="1" firstCol="1" bandRow="1">
-                <a:tableStyleId>{616DA210-FB5B-4158-B5E0-FEB733F419BA}</a:tableStyleId>
-              </a:tblPr>
-              <a:tblGrid>
-                <a:gridCol w="2776538">
-                  <a:extLst>
-                    <a:ext uri="{9D8B030D-6E8A-4147-A177-3AD203B41FA5}">
-                      <a16:colId xmlns:a16="http://schemas.microsoft.com/office/drawing/2014/main" val="2943413150"/>
-                    </a:ext>
-                  </a:extLst>
-                </a:gridCol>
-                <a:gridCol w="1100137">
-                  <a:extLst>
-                    <a:ext uri="{9D8B030D-6E8A-4147-A177-3AD203B41FA5}">
-                      <a16:colId xmlns:a16="http://schemas.microsoft.com/office/drawing/2014/main" val="2129397566"/>
-                    </a:ext>
-                  </a:extLst>
-                </a:gridCol>
-                <a:gridCol w="1300163">
-                  <a:extLst>
-                    <a:ext uri="{9D8B030D-6E8A-4147-A177-3AD203B41FA5}">
-                      <a16:colId xmlns:a16="http://schemas.microsoft.com/office/drawing/2014/main" val="2684321809"/>
-                    </a:ext>
-                  </a:extLst>
-                </a:gridCol>
-                <a:gridCol w="1271587">
-                  <a:extLst>
-                    <a:ext uri="{9D8B030D-6E8A-4147-A177-3AD203B41FA5}">
-                      <a16:colId xmlns:a16="http://schemas.microsoft.com/office/drawing/2014/main" val="1318131511"/>
-                    </a:ext>
-                  </a:extLst>
-                </a:gridCol>
-                <a:gridCol w="1085850">
-                  <a:extLst>
-                    <a:ext uri="{9D8B030D-6E8A-4147-A177-3AD203B41FA5}">
-                      <a16:colId xmlns:a16="http://schemas.microsoft.com/office/drawing/2014/main" val="2999401091"/>
-                    </a:ext>
-                  </a:extLst>
-                </a:gridCol>
-                <a:gridCol w="1858828">
-                  <a:extLst>
-                    <a:ext uri="{9D8B030D-6E8A-4147-A177-3AD203B41FA5}">
-                      <a16:colId xmlns:a16="http://schemas.microsoft.com/office/drawing/2014/main" val="2439184763"/>
-                    </a:ext>
-                  </a:extLst>
-                </a:gridCol>
-                <a:gridCol w="1290141">
-                  <a:extLst>
-                    <a:ext uri="{9D8B030D-6E8A-4147-A177-3AD203B41FA5}">
-                      <a16:colId xmlns:a16="http://schemas.microsoft.com/office/drawing/2014/main" val="1011123697"/>
-                    </a:ext>
-                  </a:extLst>
-                </a:gridCol>
-              </a:tblGrid>
-              <a:tr h="1300664">
-                <a:tc>
-                  <a:txBody>
-                    <a:bodyPr/>
-                    <a:lstStyle/>
-                    <a:p>
-                      <a:pPr indent="450215" algn="just">
-                        <a:lnSpc>
-                          <a:spcPct val="150000"/>
-                        </a:lnSpc>
-                        <a:spcAft>
-                          <a:spcPts val="0"/>
-                        </a:spcAft>
-                      </a:pPr>
-                      <a:r>
-                        <a:rPr lang="ru-RU" sz="1400" dirty="0">
-                          <a:effectLst/>
-                          <a:latin typeface="Arial" panose="020B0604020202020204" pitchFamily="34" charset="0"/>
-                          <a:cs typeface="Arial" panose="020B0604020202020204" pitchFamily="34" charset="0"/>
-                        </a:rPr>
-                        <a:t>                        </a:t>
-                      </a:r>
-                    </a:p>
-                    <a:p>
-                      <a:pPr marL="0" indent="0" algn="just">
-                        <a:lnSpc>
-                          <a:spcPct val="150000"/>
-                        </a:lnSpc>
-                        <a:spcAft>
-                          <a:spcPts val="0"/>
-                        </a:spcAft>
-                      </a:pPr>
-                      <a:r>
-                        <a:rPr lang="ru-RU" sz="1400" dirty="0">
-                          <a:effectLst/>
-                          <a:latin typeface="Arial" panose="020B0604020202020204" pitchFamily="34" charset="0"/>
-                          <a:cs typeface="Arial" panose="020B0604020202020204" pitchFamily="34" charset="0"/>
-                        </a:rPr>
-                        <a:t>                 </a:t>
-                      </a:r>
-                      <a:r>
-                        <a:rPr lang="ru-RU" sz="1400" dirty="0" smtClean="0">
-                          <a:effectLst/>
-                          <a:latin typeface="Arial" panose="020B0604020202020204" pitchFamily="34" charset="0"/>
-                          <a:cs typeface="Arial" panose="020B0604020202020204" pitchFamily="34" charset="0"/>
-                        </a:rPr>
-                        <a:t>             Программа   </a:t>
-                      </a:r>
-                      <a:r>
-                        <a:rPr lang="ru-RU" sz="1400" baseline="0" dirty="0" smtClean="0">
-                          <a:effectLst/>
-                          <a:latin typeface="Arial" panose="020B0604020202020204" pitchFamily="34" charset="0"/>
-                          <a:cs typeface="Arial" panose="020B0604020202020204" pitchFamily="34" charset="0"/>
-                        </a:rPr>
-                        <a:t> </a:t>
-                      </a:r>
-                    </a:p>
-                    <a:p>
-                      <a:pPr marL="0" indent="0" algn="just">
-                        <a:lnSpc>
-                          <a:spcPct val="150000"/>
-                        </a:lnSpc>
-                        <a:spcAft>
-                          <a:spcPts val="0"/>
-                        </a:spcAft>
-                      </a:pPr>
-                      <a:r>
-                        <a:rPr lang="ru-RU" sz="1400" baseline="0" dirty="0" smtClean="0">
-                          <a:effectLst/>
-                          <a:latin typeface="Arial" panose="020B0604020202020204" pitchFamily="34" charset="0"/>
-                          <a:cs typeface="Arial" panose="020B0604020202020204" pitchFamily="34" charset="0"/>
-                        </a:rPr>
-                        <a:t>     </a:t>
-                      </a:r>
-                      <a:r>
-                        <a:rPr lang="ru-RU" sz="1400" dirty="0" smtClean="0">
-                          <a:effectLst/>
-                          <a:latin typeface="Arial" panose="020B0604020202020204" pitchFamily="34" charset="0"/>
-                          <a:cs typeface="Arial" panose="020B0604020202020204" pitchFamily="34" charset="0"/>
-                        </a:rPr>
-                        <a:t>Критерий</a:t>
-                      </a:r>
-                      <a:endParaRPr lang="ru-RU" sz="1400" dirty="0">
-                        <a:effectLst/>
-                        <a:latin typeface="Arial" panose="020B0604020202020204" pitchFamily="34" charset="0"/>
-                        <a:ea typeface="Calibri" panose="020F0502020204030204" pitchFamily="34" charset="0"/>
-                        <a:cs typeface="Arial" panose="020B0604020202020204" pitchFamily="34" charset="0"/>
-                      </a:endParaRPr>
-                    </a:p>
-                  </a:txBody>
-                  <a:tcPr marL="49075" marR="49075" marT="0" marB="0">
-                    <a:lnTlToBr w="12700" cap="flat" cmpd="sng" algn="ctr">
-                      <a:solidFill>
-                        <a:schemeClr val="tx1"/>
-                      </a:solidFill>
-                      <a:prstDash val="solid"/>
-                      <a:round/>
-                      <a:headEnd type="none" w="med" len="med"/>
-                      <a:tailEnd type="none" w="med" len="med"/>
-                    </a:lnTlToBr>
-                  </a:tcPr>
-                </a:tc>
-                <a:tc>
-                  <a:txBody>
-                    <a:bodyPr/>
-                    <a:lstStyle/>
-                    <a:p>
-                      <a:pPr marL="71438" marR="71755" indent="14288" algn="ctr">
-                        <a:lnSpc>
-                          <a:spcPct val="150000"/>
-                        </a:lnSpc>
-                        <a:spcAft>
-                          <a:spcPts val="0"/>
-                        </a:spcAft>
-                      </a:pPr>
-                      <a:r>
-                        <a:rPr lang="ru-RU" sz="1400" dirty="0">
-                          <a:effectLst/>
-                          <a:latin typeface="Arial" panose="020B0604020202020204" pitchFamily="34" charset="0"/>
-                          <a:cs typeface="Arial" panose="020B0604020202020204" pitchFamily="34" charset="0"/>
-                        </a:rPr>
-                        <a:t>СППР «Выбор»</a:t>
-                      </a:r>
-                      <a:endParaRPr lang="ru-RU" sz="1400" dirty="0">
-                        <a:effectLst/>
-                        <a:latin typeface="Arial" panose="020B0604020202020204" pitchFamily="34" charset="0"/>
-                        <a:ea typeface="Calibri" panose="020F0502020204030204" pitchFamily="34" charset="0"/>
-                        <a:cs typeface="Arial" panose="020B0604020202020204" pitchFamily="34" charset="0"/>
-                      </a:endParaRPr>
-                    </a:p>
-                  </a:txBody>
-                  <a:tcPr marL="49075" marR="49075" marT="0" marB="0" anchor="ctr"/>
-                </a:tc>
-                <a:tc>
-                  <a:txBody>
-                    <a:bodyPr/>
-                    <a:lstStyle/>
-                    <a:p>
-                      <a:pPr marL="71438" marR="71755" indent="14288" algn="ctr">
-                        <a:lnSpc>
-                          <a:spcPct val="150000"/>
-                        </a:lnSpc>
-                        <a:spcAft>
-                          <a:spcPts val="0"/>
-                        </a:spcAft>
-                      </a:pPr>
-                      <a:r>
-                        <a:rPr lang="ru-RU" sz="1400" dirty="0">
-                          <a:effectLst/>
-                          <a:latin typeface="Arial" panose="020B0604020202020204" pitchFamily="34" charset="0"/>
-                          <a:cs typeface="Arial" panose="020B0604020202020204" pitchFamily="34" charset="0"/>
-                        </a:rPr>
-                        <a:t>Мыслитель</a:t>
-                      </a:r>
-                      <a:endParaRPr lang="ru-RU" sz="1400" dirty="0">
-                        <a:effectLst/>
-                        <a:latin typeface="Arial" panose="020B0604020202020204" pitchFamily="34" charset="0"/>
-                        <a:ea typeface="Calibri" panose="020F0502020204030204" pitchFamily="34" charset="0"/>
-                        <a:cs typeface="Arial" panose="020B0604020202020204" pitchFamily="34" charset="0"/>
-                      </a:endParaRPr>
-                    </a:p>
-                  </a:txBody>
-                  <a:tcPr marL="49075" marR="49075" marT="0" marB="0" anchor="ctr"/>
-                </a:tc>
-                <a:tc>
-                  <a:txBody>
-                    <a:bodyPr/>
-                    <a:lstStyle/>
-                    <a:p>
-                      <a:pPr marL="71438" marR="71755" indent="14288" algn="ctr">
-                        <a:lnSpc>
-                          <a:spcPct val="150000"/>
-                        </a:lnSpc>
-                        <a:spcAft>
-                          <a:spcPts val="0"/>
-                        </a:spcAft>
-                      </a:pPr>
-                      <a:r>
-                        <a:rPr lang="en-US" sz="1400" dirty="0">
-                          <a:effectLst/>
-                          <a:latin typeface="Arial" panose="020B0604020202020204" pitchFamily="34" charset="0"/>
-                          <a:cs typeface="Arial" panose="020B0604020202020204" pitchFamily="34" charset="0"/>
-                        </a:rPr>
-                        <a:t>MPRIORITY</a:t>
-                      </a:r>
-                      <a:endParaRPr lang="ru-RU" sz="1400" dirty="0">
-                        <a:effectLst/>
-                        <a:latin typeface="Arial" panose="020B0604020202020204" pitchFamily="34" charset="0"/>
-                        <a:ea typeface="Calibri" panose="020F0502020204030204" pitchFamily="34" charset="0"/>
-                        <a:cs typeface="Arial" panose="020B0604020202020204" pitchFamily="34" charset="0"/>
-                      </a:endParaRPr>
-                    </a:p>
-                  </a:txBody>
-                  <a:tcPr marL="49075" marR="49075" marT="0" marB="0" anchor="ctr"/>
-                </a:tc>
-                <a:tc>
-                  <a:txBody>
-                    <a:bodyPr/>
-                    <a:lstStyle/>
-                    <a:p>
-                      <a:pPr marL="71438" marR="71755" indent="14288" algn="ctr">
-                        <a:lnSpc>
-                          <a:spcPct val="150000"/>
-                        </a:lnSpc>
-                        <a:spcAft>
-                          <a:spcPts val="0"/>
-                        </a:spcAft>
-                      </a:pPr>
-                      <a:r>
-                        <a:rPr lang="en-US" sz="1400" dirty="0">
-                          <a:effectLst/>
-                          <a:latin typeface="Arial" panose="020B0604020202020204" pitchFamily="34" charset="0"/>
-                          <a:cs typeface="Arial" panose="020B0604020202020204" pitchFamily="34" charset="0"/>
-                        </a:rPr>
-                        <a:t>Super Decisions</a:t>
-                      </a:r>
-                      <a:endParaRPr lang="ru-RU" sz="1400" dirty="0">
-                        <a:effectLst/>
-                        <a:latin typeface="Arial" panose="020B0604020202020204" pitchFamily="34" charset="0"/>
-                        <a:ea typeface="Calibri" panose="020F0502020204030204" pitchFamily="34" charset="0"/>
-                        <a:cs typeface="Arial" panose="020B0604020202020204" pitchFamily="34" charset="0"/>
-                      </a:endParaRPr>
-                    </a:p>
-                  </a:txBody>
-                  <a:tcPr marL="49075" marR="49075" marT="0" marB="0" anchor="ctr"/>
-                </a:tc>
-                <a:tc>
-                  <a:txBody>
-                    <a:bodyPr/>
-                    <a:lstStyle/>
-                    <a:p>
-                      <a:pPr marL="71438" marR="71755" indent="14288" algn="ctr">
-                        <a:lnSpc>
-                          <a:spcPct val="150000"/>
-                        </a:lnSpc>
-                        <a:spcAft>
-                          <a:spcPts val="0"/>
-                        </a:spcAft>
-                      </a:pPr>
-                      <a:r>
-                        <a:rPr lang="en-US" sz="1400" dirty="0" err="1">
-                          <a:effectLst/>
-                          <a:latin typeface="Arial" panose="020B0604020202020204" pitchFamily="34" charset="0"/>
-                          <a:cs typeface="Arial" panose="020B0604020202020204" pitchFamily="34" charset="0"/>
-                        </a:rPr>
-                        <a:t>MakeItRational</a:t>
-                      </a:r>
-                      <a:endParaRPr lang="ru-RU" sz="1400" dirty="0">
-                        <a:effectLst/>
-                        <a:latin typeface="Arial" panose="020B0604020202020204" pitchFamily="34" charset="0"/>
-                        <a:ea typeface="Calibri" panose="020F0502020204030204" pitchFamily="34" charset="0"/>
-                        <a:cs typeface="Arial" panose="020B0604020202020204" pitchFamily="34" charset="0"/>
-                      </a:endParaRPr>
-                    </a:p>
-                  </a:txBody>
-                  <a:tcPr marL="49075" marR="49075" marT="0" marB="0" anchor="ctr"/>
-                </a:tc>
-                <a:tc>
-                  <a:txBody>
-                    <a:bodyPr/>
-                    <a:lstStyle/>
-                    <a:p>
-                      <a:pPr marL="71438" marR="71755" indent="14288" algn="ctr">
-                        <a:lnSpc>
-                          <a:spcPct val="150000"/>
-                        </a:lnSpc>
-                        <a:spcAft>
-                          <a:spcPts val="0"/>
-                        </a:spcAft>
-                      </a:pPr>
-                      <a:r>
-                        <a:rPr lang="en-US" sz="1400" dirty="0" err="1">
-                          <a:effectLst/>
-                          <a:latin typeface="Arial" panose="020B0604020202020204" pitchFamily="34" charset="0"/>
-                          <a:cs typeface="Arial" panose="020B0604020202020204" pitchFamily="34" charset="0"/>
-                        </a:rPr>
-                        <a:t>PriEsT</a:t>
-                      </a:r>
-                      <a:endParaRPr lang="ru-RU" sz="1400" dirty="0">
-                        <a:effectLst/>
-                        <a:latin typeface="Arial" panose="020B0604020202020204" pitchFamily="34" charset="0"/>
-                        <a:ea typeface="Calibri" panose="020F0502020204030204" pitchFamily="34" charset="0"/>
-                        <a:cs typeface="Arial" panose="020B0604020202020204" pitchFamily="34" charset="0"/>
-                      </a:endParaRPr>
-                    </a:p>
-                  </a:txBody>
-                  <a:tcPr marL="49075" marR="49075" marT="0" marB="0" anchor="ctr"/>
-                </a:tc>
-                <a:extLst>
-                  <a:ext uri="{0D108BD9-81ED-4DB2-BD59-A6C34878D82A}">
-                    <a16:rowId xmlns:a16="http://schemas.microsoft.com/office/drawing/2014/main" val="3580239240"/>
-                  </a:ext>
-                </a:extLst>
-              </a:tr>
-              <a:tr h="260133">
-                <a:tc>
-                  <a:txBody>
-                    <a:bodyPr/>
-                    <a:lstStyle/>
-                    <a:p>
-                      <a:pPr marL="0" indent="185738" algn="l">
-                        <a:lnSpc>
-                          <a:spcPct val="150000"/>
-                        </a:lnSpc>
-                        <a:spcAft>
-                          <a:spcPts val="0"/>
-                        </a:spcAft>
-                      </a:pPr>
-                      <a:r>
-                        <a:rPr lang="ru-RU" sz="1400" dirty="0">
-                          <a:effectLst/>
-                          <a:latin typeface="Arial" panose="020B0604020202020204" pitchFamily="34" charset="0"/>
-                          <a:cs typeface="Arial" panose="020B0604020202020204" pitchFamily="34" charset="0"/>
-                        </a:rPr>
-                        <a:t>ГИП</a:t>
-                      </a:r>
-                      <a:endParaRPr lang="ru-RU" sz="1400" dirty="0">
-                        <a:effectLst/>
-                        <a:latin typeface="Arial" panose="020B0604020202020204" pitchFamily="34" charset="0"/>
-                        <a:ea typeface="Calibri" panose="020F0502020204030204" pitchFamily="34" charset="0"/>
-                        <a:cs typeface="Arial" panose="020B0604020202020204" pitchFamily="34" charset="0"/>
-                      </a:endParaRPr>
-                    </a:p>
-                  </a:txBody>
-                  <a:tcPr marL="49075" marR="49075" marT="0" marB="0" anchor="ctr"/>
-                </a:tc>
-                <a:tc>
-                  <a:txBody>
-                    <a:bodyPr/>
-                    <a:lstStyle/>
-                    <a:p>
-                      <a:pPr marL="0" indent="0" algn="ctr">
-                        <a:lnSpc>
-                          <a:spcPct val="150000"/>
-                        </a:lnSpc>
-                        <a:spcAft>
-                          <a:spcPts val="0"/>
-                        </a:spcAft>
-                      </a:pPr>
-                      <a:r>
-                        <a:rPr lang="ru-RU" sz="1600" dirty="0">
-                          <a:effectLst/>
-                          <a:latin typeface="Arial" panose="020B0604020202020204" pitchFamily="34" charset="0"/>
-                          <a:cs typeface="Arial" panose="020B0604020202020204" pitchFamily="34" charset="0"/>
-                        </a:rPr>
-                        <a:t>1</a:t>
-                      </a:r>
-                      <a:endParaRPr lang="ru-RU" sz="1600" dirty="0">
-                        <a:effectLst/>
-                        <a:latin typeface="Arial" panose="020B0604020202020204" pitchFamily="34" charset="0"/>
-                        <a:ea typeface="Calibri" panose="020F0502020204030204" pitchFamily="34" charset="0"/>
-                        <a:cs typeface="Arial" panose="020B0604020202020204" pitchFamily="34" charset="0"/>
-                      </a:endParaRPr>
-                    </a:p>
-                  </a:txBody>
-                  <a:tcPr marL="49075" marR="49075" marT="0" marB="0" anchor="ctr"/>
-                </a:tc>
-                <a:tc>
-                  <a:txBody>
-                    <a:bodyPr/>
-                    <a:lstStyle/>
-                    <a:p>
-                      <a:pPr marL="0" indent="0" algn="ctr" defTabSz="914400" rtl="0" eaLnBrk="1" latinLnBrk="0" hangingPunct="1">
-                        <a:lnSpc>
-                          <a:spcPct val="150000"/>
-                        </a:lnSpc>
-                        <a:spcAft>
-                          <a:spcPts val="0"/>
-                        </a:spcAft>
-                      </a:pPr>
-                      <a:r>
-                        <a:rPr lang="ru-RU" sz="1600" kern="1200" dirty="0">
-                          <a:solidFill>
-                            <a:schemeClr val="tx1"/>
-                          </a:solidFill>
-                          <a:effectLst/>
-                          <a:latin typeface="Arial" panose="020B0604020202020204" pitchFamily="34" charset="0"/>
-                          <a:ea typeface="+mn-ea"/>
-                          <a:cs typeface="Arial" panose="020B0604020202020204" pitchFamily="34" charset="0"/>
-                        </a:rPr>
-                        <a:t>1</a:t>
-                      </a:r>
-                    </a:p>
-                  </a:txBody>
-                  <a:tcPr marL="49075" marR="49075" marT="0" marB="0" anchor="ctr"/>
-                </a:tc>
-                <a:tc>
-                  <a:txBody>
-                    <a:bodyPr/>
-                    <a:lstStyle/>
-                    <a:p>
-                      <a:pPr marL="0" indent="0" algn="ctr" defTabSz="914400" rtl="0" eaLnBrk="1" latinLnBrk="0" hangingPunct="1">
-                        <a:lnSpc>
-                          <a:spcPct val="150000"/>
-                        </a:lnSpc>
-                        <a:spcAft>
-                          <a:spcPts val="0"/>
-                        </a:spcAft>
-                      </a:pPr>
-                      <a:r>
-                        <a:rPr lang="ru-RU" sz="1600" kern="1200" dirty="0">
-                          <a:solidFill>
-                            <a:schemeClr val="tx1"/>
-                          </a:solidFill>
-                          <a:effectLst/>
-                          <a:latin typeface="Arial" panose="020B0604020202020204" pitchFamily="34" charset="0"/>
-                          <a:ea typeface="+mn-ea"/>
-                          <a:cs typeface="Arial" panose="020B0604020202020204" pitchFamily="34" charset="0"/>
-                        </a:rPr>
-                        <a:t>1</a:t>
-                      </a:r>
-                    </a:p>
-                  </a:txBody>
-                  <a:tcPr marL="49075" marR="49075" marT="0" marB="0" anchor="ctr"/>
-                </a:tc>
-                <a:tc>
-                  <a:txBody>
-                    <a:bodyPr/>
-                    <a:lstStyle/>
-                    <a:p>
-                      <a:pPr marL="0" indent="0" algn="ctr" defTabSz="914400" rtl="0" eaLnBrk="1" latinLnBrk="0" hangingPunct="1">
-                        <a:lnSpc>
-                          <a:spcPct val="150000"/>
-                        </a:lnSpc>
-                        <a:spcAft>
-                          <a:spcPts val="0"/>
-                        </a:spcAft>
-                      </a:pPr>
-                      <a:r>
-                        <a:rPr lang="ru-RU" sz="1600" kern="1200" dirty="0">
-                          <a:solidFill>
-                            <a:schemeClr val="tx1"/>
-                          </a:solidFill>
-                          <a:effectLst/>
-                          <a:latin typeface="Arial" panose="020B0604020202020204" pitchFamily="34" charset="0"/>
-                          <a:ea typeface="+mn-ea"/>
-                          <a:cs typeface="Arial" panose="020B0604020202020204" pitchFamily="34" charset="0"/>
-                        </a:rPr>
-                        <a:t>1</a:t>
-                      </a:r>
-                    </a:p>
-                  </a:txBody>
-                  <a:tcPr marL="49075" marR="49075" marT="0" marB="0" anchor="ctr"/>
-                </a:tc>
-                <a:tc>
-                  <a:txBody>
-                    <a:bodyPr/>
-                    <a:lstStyle/>
-                    <a:p>
-                      <a:pPr marL="0" indent="0" algn="ctr" defTabSz="914400" rtl="0" eaLnBrk="1" latinLnBrk="0" hangingPunct="1">
-                        <a:lnSpc>
-                          <a:spcPct val="150000"/>
-                        </a:lnSpc>
-                        <a:spcAft>
-                          <a:spcPts val="0"/>
-                        </a:spcAft>
-                      </a:pPr>
-                      <a:r>
-                        <a:rPr lang="ru-RU" sz="1600" kern="1200" dirty="0">
-                          <a:solidFill>
-                            <a:schemeClr val="tx1"/>
-                          </a:solidFill>
-                          <a:effectLst/>
-                          <a:latin typeface="Arial" panose="020B0604020202020204" pitchFamily="34" charset="0"/>
-                          <a:ea typeface="+mn-ea"/>
-                          <a:cs typeface="Arial" panose="020B0604020202020204" pitchFamily="34" charset="0"/>
-                        </a:rPr>
-                        <a:t>1</a:t>
-                      </a:r>
-                    </a:p>
-                  </a:txBody>
-                  <a:tcPr marL="49075" marR="49075" marT="0" marB="0" anchor="ctr"/>
-                </a:tc>
-                <a:tc>
-                  <a:txBody>
-                    <a:bodyPr/>
-                    <a:lstStyle/>
-                    <a:p>
-                      <a:pPr marL="0" indent="0" algn="ctr" defTabSz="914400" rtl="0" eaLnBrk="1" latinLnBrk="0" hangingPunct="1">
-                        <a:lnSpc>
-                          <a:spcPct val="150000"/>
-                        </a:lnSpc>
-                        <a:spcAft>
-                          <a:spcPts val="0"/>
-                        </a:spcAft>
-                      </a:pPr>
-                      <a:r>
-                        <a:rPr lang="ru-RU" sz="1600" kern="1200" dirty="0">
-                          <a:solidFill>
-                            <a:schemeClr val="tx1"/>
-                          </a:solidFill>
-                          <a:effectLst/>
-                          <a:latin typeface="Arial" panose="020B0604020202020204" pitchFamily="34" charset="0"/>
-                          <a:ea typeface="+mn-ea"/>
-                          <a:cs typeface="Arial" panose="020B0604020202020204" pitchFamily="34" charset="0"/>
-                        </a:rPr>
-                        <a:t>1</a:t>
-                      </a:r>
-                    </a:p>
-                  </a:txBody>
-                  <a:tcPr marL="49075" marR="49075" marT="0" marB="0" anchor="ctr"/>
-                </a:tc>
-                <a:extLst>
-                  <a:ext uri="{0D108BD9-81ED-4DB2-BD59-A6C34878D82A}">
-                    <a16:rowId xmlns:a16="http://schemas.microsoft.com/office/drawing/2014/main" val="1436626200"/>
-                  </a:ext>
-                </a:extLst>
-              </a:tr>
-              <a:tr h="260133">
-                <a:tc>
-                  <a:txBody>
-                    <a:bodyPr/>
-                    <a:lstStyle/>
-                    <a:p>
-                      <a:pPr marL="0" indent="185738" algn="l">
-                        <a:lnSpc>
-                          <a:spcPct val="150000"/>
-                        </a:lnSpc>
-                        <a:spcAft>
-                          <a:spcPts val="0"/>
-                        </a:spcAft>
-                      </a:pPr>
-                      <a:r>
-                        <a:rPr lang="ru-RU" sz="1400" dirty="0">
-                          <a:effectLst/>
-                          <a:latin typeface="Arial" panose="020B0604020202020204" pitchFamily="34" charset="0"/>
-                          <a:cs typeface="Arial" panose="020B0604020202020204" pitchFamily="34" charset="0"/>
-                        </a:rPr>
-                        <a:t>Русификация</a:t>
-                      </a:r>
-                      <a:endParaRPr lang="ru-RU" sz="1400" dirty="0">
-                        <a:effectLst/>
-                        <a:latin typeface="Arial" panose="020B0604020202020204" pitchFamily="34" charset="0"/>
-                        <a:ea typeface="Calibri" panose="020F0502020204030204" pitchFamily="34" charset="0"/>
-                        <a:cs typeface="Arial" panose="020B0604020202020204" pitchFamily="34" charset="0"/>
-                      </a:endParaRPr>
-                    </a:p>
-                  </a:txBody>
-                  <a:tcPr marL="49075" marR="49075" marT="0" marB="0" anchor="ctr"/>
-                </a:tc>
-                <a:tc>
-                  <a:txBody>
-                    <a:bodyPr/>
-                    <a:lstStyle/>
-                    <a:p>
-                      <a:pPr marL="0" indent="0" algn="ctr" defTabSz="914400" rtl="0" eaLnBrk="1" latinLnBrk="0" hangingPunct="1">
-                        <a:lnSpc>
-                          <a:spcPct val="150000"/>
-                        </a:lnSpc>
-                        <a:spcAft>
-                          <a:spcPts val="0"/>
-                        </a:spcAft>
-                      </a:pPr>
-                      <a:r>
-                        <a:rPr lang="ru-RU" sz="1600" kern="1200" dirty="0">
-                          <a:solidFill>
-                            <a:schemeClr val="tx1"/>
-                          </a:solidFill>
-                          <a:effectLst/>
-                          <a:latin typeface="Arial" panose="020B0604020202020204" pitchFamily="34" charset="0"/>
-                          <a:ea typeface="+mn-ea"/>
-                          <a:cs typeface="Arial" panose="020B0604020202020204" pitchFamily="34" charset="0"/>
-                        </a:rPr>
-                        <a:t>1</a:t>
-                      </a:r>
-                    </a:p>
-                  </a:txBody>
-                  <a:tcPr marL="49075" marR="49075" marT="0" marB="0" anchor="ctr"/>
-                </a:tc>
-                <a:tc>
-                  <a:txBody>
-                    <a:bodyPr/>
-                    <a:lstStyle/>
-                    <a:p>
-                      <a:pPr marL="0" indent="0" algn="ctr" defTabSz="914400" rtl="0" eaLnBrk="1" latinLnBrk="0" hangingPunct="1">
-                        <a:lnSpc>
-                          <a:spcPct val="150000"/>
-                        </a:lnSpc>
-                        <a:spcAft>
-                          <a:spcPts val="0"/>
-                        </a:spcAft>
-                      </a:pPr>
-                      <a:r>
-                        <a:rPr lang="ru-RU" sz="1600" kern="1200" dirty="0">
-                          <a:solidFill>
-                            <a:schemeClr val="tx1"/>
-                          </a:solidFill>
-                          <a:effectLst/>
-                          <a:latin typeface="Arial" panose="020B0604020202020204" pitchFamily="34" charset="0"/>
-                          <a:ea typeface="+mn-ea"/>
-                          <a:cs typeface="Arial" panose="020B0604020202020204" pitchFamily="34" charset="0"/>
-                        </a:rPr>
-                        <a:t>1</a:t>
-                      </a:r>
-                    </a:p>
-                  </a:txBody>
-                  <a:tcPr marL="49075" marR="49075" marT="0" marB="0" anchor="ctr"/>
-                </a:tc>
-                <a:tc>
-                  <a:txBody>
-                    <a:bodyPr/>
-                    <a:lstStyle/>
-                    <a:p>
-                      <a:pPr marL="0" indent="0" algn="ctr" defTabSz="914400" rtl="0" eaLnBrk="1" latinLnBrk="0" hangingPunct="1">
-                        <a:lnSpc>
-                          <a:spcPct val="150000"/>
-                        </a:lnSpc>
-                        <a:spcAft>
-                          <a:spcPts val="0"/>
-                        </a:spcAft>
-                      </a:pPr>
-                      <a:r>
-                        <a:rPr lang="ru-RU" sz="1600" kern="1200">
-                          <a:solidFill>
-                            <a:schemeClr val="tx1"/>
-                          </a:solidFill>
-                          <a:effectLst/>
-                          <a:latin typeface="Arial" panose="020B0604020202020204" pitchFamily="34" charset="0"/>
-                          <a:ea typeface="+mn-ea"/>
-                          <a:cs typeface="Arial" panose="020B0604020202020204" pitchFamily="34" charset="0"/>
-                        </a:rPr>
-                        <a:t>1</a:t>
-                      </a:r>
-                    </a:p>
-                  </a:txBody>
-                  <a:tcPr marL="49075" marR="49075" marT="0" marB="0" anchor="ctr"/>
-                </a:tc>
-                <a:tc>
-                  <a:txBody>
-                    <a:bodyPr/>
-                    <a:lstStyle/>
-                    <a:p>
-                      <a:pPr marL="0" indent="0" algn="ctr" defTabSz="914400" rtl="0" eaLnBrk="1" latinLnBrk="0" hangingPunct="1">
-                        <a:lnSpc>
-                          <a:spcPct val="150000"/>
-                        </a:lnSpc>
-                        <a:spcAft>
-                          <a:spcPts val="0"/>
-                        </a:spcAft>
-                      </a:pPr>
-                      <a:r>
-                        <a:rPr lang="ru-RU" sz="1600" kern="1200">
-                          <a:solidFill>
-                            <a:schemeClr val="tx1"/>
-                          </a:solidFill>
-                          <a:effectLst/>
-                          <a:latin typeface="Arial" panose="020B0604020202020204" pitchFamily="34" charset="0"/>
-                          <a:ea typeface="+mn-ea"/>
-                          <a:cs typeface="Arial" panose="020B0604020202020204" pitchFamily="34" charset="0"/>
-                        </a:rPr>
-                        <a:t>0</a:t>
-                      </a:r>
-                    </a:p>
-                  </a:txBody>
-                  <a:tcPr marL="49075" marR="49075" marT="0" marB="0" anchor="ctr"/>
-                </a:tc>
-                <a:tc>
-                  <a:txBody>
-                    <a:bodyPr/>
-                    <a:lstStyle/>
-                    <a:p>
-                      <a:pPr marL="0" indent="0" algn="ctr" defTabSz="914400" rtl="0" eaLnBrk="1" latinLnBrk="0" hangingPunct="1">
-                        <a:lnSpc>
-                          <a:spcPct val="150000"/>
-                        </a:lnSpc>
-                        <a:spcAft>
-                          <a:spcPts val="0"/>
-                        </a:spcAft>
-                      </a:pPr>
-                      <a:r>
-                        <a:rPr lang="ru-RU" sz="1600" kern="1200">
-                          <a:solidFill>
-                            <a:schemeClr val="tx1"/>
-                          </a:solidFill>
-                          <a:effectLst/>
-                          <a:latin typeface="Arial" panose="020B0604020202020204" pitchFamily="34" charset="0"/>
-                          <a:ea typeface="+mn-ea"/>
-                          <a:cs typeface="Arial" panose="020B0604020202020204" pitchFamily="34" charset="0"/>
-                        </a:rPr>
-                        <a:t>0</a:t>
-                      </a:r>
-                    </a:p>
-                  </a:txBody>
-                  <a:tcPr marL="49075" marR="49075" marT="0" marB="0" anchor="ctr"/>
-                </a:tc>
-                <a:tc>
-                  <a:txBody>
-                    <a:bodyPr/>
-                    <a:lstStyle/>
-                    <a:p>
-                      <a:pPr marL="0" indent="0" algn="ctr" defTabSz="914400" rtl="0" eaLnBrk="1" latinLnBrk="0" hangingPunct="1">
-                        <a:lnSpc>
-                          <a:spcPct val="150000"/>
-                        </a:lnSpc>
-                        <a:spcAft>
-                          <a:spcPts val="0"/>
-                        </a:spcAft>
-                      </a:pPr>
-                      <a:r>
-                        <a:rPr lang="ru-RU" sz="1600" kern="1200" dirty="0">
-                          <a:solidFill>
-                            <a:schemeClr val="tx1"/>
-                          </a:solidFill>
-                          <a:effectLst/>
-                          <a:latin typeface="Arial" panose="020B0604020202020204" pitchFamily="34" charset="0"/>
-                          <a:ea typeface="+mn-ea"/>
-                          <a:cs typeface="Arial" panose="020B0604020202020204" pitchFamily="34" charset="0"/>
-                        </a:rPr>
-                        <a:t>0</a:t>
-                      </a:r>
-                    </a:p>
-                  </a:txBody>
-                  <a:tcPr marL="49075" marR="49075" marT="0" marB="0" anchor="ctr"/>
-                </a:tc>
-                <a:extLst>
-                  <a:ext uri="{0D108BD9-81ED-4DB2-BD59-A6C34878D82A}">
-                    <a16:rowId xmlns:a16="http://schemas.microsoft.com/office/drawing/2014/main" val="3947712351"/>
-                  </a:ext>
-                </a:extLst>
-              </a:tr>
-              <a:tr h="260133">
-                <a:tc>
-                  <a:txBody>
-                    <a:bodyPr/>
-                    <a:lstStyle/>
-                    <a:p>
-                      <a:pPr marL="0" indent="185738" algn="l">
-                        <a:lnSpc>
-                          <a:spcPct val="150000"/>
-                        </a:lnSpc>
-                        <a:spcAft>
-                          <a:spcPts val="0"/>
-                        </a:spcAft>
-                      </a:pPr>
-                      <a:r>
-                        <a:rPr lang="ru-RU" sz="1400" dirty="0">
-                          <a:effectLst/>
-                          <a:latin typeface="Arial" panose="020B0604020202020204" pitchFamily="34" charset="0"/>
-                          <a:cs typeface="Arial" panose="020B0604020202020204" pitchFamily="34" charset="0"/>
-                        </a:rPr>
-                        <a:t>История</a:t>
-                      </a:r>
-                      <a:endParaRPr lang="ru-RU" sz="1400" dirty="0">
-                        <a:effectLst/>
-                        <a:latin typeface="Arial" panose="020B0604020202020204" pitchFamily="34" charset="0"/>
-                        <a:ea typeface="Calibri" panose="020F0502020204030204" pitchFamily="34" charset="0"/>
-                        <a:cs typeface="Arial" panose="020B0604020202020204" pitchFamily="34" charset="0"/>
-                      </a:endParaRPr>
-                    </a:p>
-                  </a:txBody>
-                  <a:tcPr marL="49075" marR="49075" marT="0" marB="0" anchor="ctr"/>
-                </a:tc>
-                <a:tc>
-                  <a:txBody>
-                    <a:bodyPr/>
-                    <a:lstStyle/>
-                    <a:p>
-                      <a:pPr marL="0" indent="0" algn="ctr" defTabSz="914400" rtl="0" eaLnBrk="1" latinLnBrk="0" hangingPunct="1">
-                        <a:lnSpc>
-                          <a:spcPct val="150000"/>
-                        </a:lnSpc>
-                        <a:spcAft>
-                          <a:spcPts val="0"/>
-                        </a:spcAft>
-                      </a:pPr>
-                      <a:r>
-                        <a:rPr lang="ru-RU" sz="1600" kern="1200" dirty="0">
-                          <a:solidFill>
-                            <a:schemeClr val="tx1"/>
-                          </a:solidFill>
-                          <a:effectLst/>
-                          <a:latin typeface="Arial" panose="020B0604020202020204" pitchFamily="34" charset="0"/>
-                          <a:ea typeface="+mn-ea"/>
-                          <a:cs typeface="Arial" panose="020B0604020202020204" pitchFamily="34" charset="0"/>
-                        </a:rPr>
-                        <a:t>0</a:t>
-                      </a:r>
-                    </a:p>
-                  </a:txBody>
-                  <a:tcPr marL="49075" marR="49075" marT="0" marB="0" anchor="ctr"/>
-                </a:tc>
-                <a:tc>
-                  <a:txBody>
-                    <a:bodyPr/>
-                    <a:lstStyle/>
-                    <a:p>
-                      <a:pPr marL="0" indent="0" algn="ctr" defTabSz="914400" rtl="0" eaLnBrk="1" latinLnBrk="0" hangingPunct="1">
-                        <a:lnSpc>
-                          <a:spcPct val="150000"/>
-                        </a:lnSpc>
-                        <a:spcAft>
-                          <a:spcPts val="0"/>
-                        </a:spcAft>
-                      </a:pPr>
-                      <a:r>
-                        <a:rPr lang="ru-RU" sz="1600" kern="1200" dirty="0">
-                          <a:solidFill>
-                            <a:schemeClr val="tx1"/>
-                          </a:solidFill>
-                          <a:effectLst/>
-                          <a:latin typeface="Arial" panose="020B0604020202020204" pitchFamily="34" charset="0"/>
-                          <a:ea typeface="+mn-ea"/>
-                          <a:cs typeface="Arial" panose="020B0604020202020204" pitchFamily="34" charset="0"/>
-                        </a:rPr>
-                        <a:t>0</a:t>
-                      </a:r>
-                    </a:p>
-                  </a:txBody>
-                  <a:tcPr marL="49075" marR="49075" marT="0" marB="0" anchor="ctr"/>
-                </a:tc>
-                <a:tc>
-                  <a:txBody>
-                    <a:bodyPr/>
-                    <a:lstStyle/>
-                    <a:p>
-                      <a:pPr marL="0" indent="0" algn="ctr" defTabSz="914400" rtl="0" eaLnBrk="1" latinLnBrk="0" hangingPunct="1">
-                        <a:lnSpc>
-                          <a:spcPct val="150000"/>
-                        </a:lnSpc>
-                        <a:spcAft>
-                          <a:spcPts val="0"/>
-                        </a:spcAft>
-                      </a:pPr>
-                      <a:r>
-                        <a:rPr lang="ru-RU" sz="1600" kern="1200">
-                          <a:solidFill>
-                            <a:schemeClr val="tx1"/>
-                          </a:solidFill>
-                          <a:effectLst/>
-                          <a:latin typeface="Arial" panose="020B0604020202020204" pitchFamily="34" charset="0"/>
-                          <a:ea typeface="+mn-ea"/>
-                          <a:cs typeface="Arial" panose="020B0604020202020204" pitchFamily="34" charset="0"/>
-                        </a:rPr>
-                        <a:t>0</a:t>
-                      </a:r>
-                    </a:p>
-                  </a:txBody>
-                  <a:tcPr marL="49075" marR="49075" marT="0" marB="0" anchor="ctr"/>
-                </a:tc>
-                <a:tc>
-                  <a:txBody>
-                    <a:bodyPr/>
-                    <a:lstStyle/>
-                    <a:p>
-                      <a:pPr marL="0" indent="0" algn="ctr" defTabSz="914400" rtl="0" eaLnBrk="1" latinLnBrk="0" hangingPunct="1">
-                        <a:lnSpc>
-                          <a:spcPct val="150000"/>
-                        </a:lnSpc>
-                        <a:spcAft>
-                          <a:spcPts val="0"/>
-                        </a:spcAft>
-                      </a:pPr>
-                      <a:r>
-                        <a:rPr lang="ru-RU" sz="1600" kern="1200">
-                          <a:solidFill>
-                            <a:schemeClr val="tx1"/>
-                          </a:solidFill>
-                          <a:effectLst/>
-                          <a:latin typeface="Arial" panose="020B0604020202020204" pitchFamily="34" charset="0"/>
-                          <a:ea typeface="+mn-ea"/>
-                          <a:cs typeface="Arial" panose="020B0604020202020204" pitchFamily="34" charset="0"/>
-                        </a:rPr>
-                        <a:t>1</a:t>
-                      </a:r>
-                    </a:p>
-                  </a:txBody>
-                  <a:tcPr marL="49075" marR="49075" marT="0" marB="0" anchor="ctr"/>
-                </a:tc>
-                <a:tc>
-                  <a:txBody>
-                    <a:bodyPr/>
-                    <a:lstStyle/>
-                    <a:p>
-                      <a:pPr marL="0" indent="0" algn="ctr" defTabSz="914400" rtl="0" eaLnBrk="1" latinLnBrk="0" hangingPunct="1">
-                        <a:lnSpc>
-                          <a:spcPct val="150000"/>
-                        </a:lnSpc>
-                        <a:spcAft>
-                          <a:spcPts val="0"/>
-                        </a:spcAft>
-                      </a:pPr>
-                      <a:r>
-                        <a:rPr lang="ru-RU" sz="1600" kern="1200">
-                          <a:solidFill>
-                            <a:schemeClr val="tx1"/>
-                          </a:solidFill>
-                          <a:effectLst/>
-                          <a:latin typeface="Arial" panose="020B0604020202020204" pitchFamily="34" charset="0"/>
-                          <a:ea typeface="+mn-ea"/>
-                          <a:cs typeface="Arial" panose="020B0604020202020204" pitchFamily="34" charset="0"/>
-                        </a:rPr>
-                        <a:t>1</a:t>
-                      </a:r>
-                    </a:p>
-                  </a:txBody>
-                  <a:tcPr marL="49075" marR="49075" marT="0" marB="0" anchor="ctr"/>
-                </a:tc>
-                <a:tc>
-                  <a:txBody>
-                    <a:bodyPr/>
-                    <a:lstStyle/>
-                    <a:p>
-                      <a:pPr marL="0" indent="0" algn="ctr" defTabSz="914400" rtl="0" eaLnBrk="1" latinLnBrk="0" hangingPunct="1">
-                        <a:lnSpc>
-                          <a:spcPct val="150000"/>
-                        </a:lnSpc>
-                        <a:spcAft>
-                          <a:spcPts val="0"/>
-                        </a:spcAft>
-                      </a:pPr>
-                      <a:r>
-                        <a:rPr lang="ru-RU" sz="1600" kern="1200">
-                          <a:solidFill>
-                            <a:schemeClr val="tx1"/>
-                          </a:solidFill>
-                          <a:effectLst/>
-                          <a:latin typeface="Arial" panose="020B0604020202020204" pitchFamily="34" charset="0"/>
-                          <a:ea typeface="+mn-ea"/>
-                          <a:cs typeface="Arial" panose="020B0604020202020204" pitchFamily="34" charset="0"/>
-                        </a:rPr>
-                        <a:t>1</a:t>
-                      </a:r>
-                    </a:p>
-                  </a:txBody>
-                  <a:tcPr marL="49075" marR="49075" marT="0" marB="0" anchor="ctr"/>
-                </a:tc>
-                <a:extLst>
-                  <a:ext uri="{0D108BD9-81ED-4DB2-BD59-A6C34878D82A}">
-                    <a16:rowId xmlns:a16="http://schemas.microsoft.com/office/drawing/2014/main" val="3380807"/>
-                  </a:ext>
-                </a:extLst>
-              </a:tr>
-              <a:tr h="260133">
-                <a:tc>
-                  <a:txBody>
-                    <a:bodyPr/>
-                    <a:lstStyle/>
-                    <a:p>
-                      <a:pPr marL="0" indent="185738" algn="l">
-                        <a:lnSpc>
-                          <a:spcPct val="150000"/>
-                        </a:lnSpc>
-                        <a:spcAft>
-                          <a:spcPts val="0"/>
-                        </a:spcAft>
-                      </a:pPr>
-                      <a:r>
-                        <a:rPr lang="ru-RU" sz="1400" dirty="0">
-                          <a:effectLst/>
-                          <a:latin typeface="Arial" panose="020B0604020202020204" pitchFamily="34" charset="0"/>
-                          <a:cs typeface="Arial" panose="020B0604020202020204" pitchFamily="34" charset="0"/>
-                        </a:rPr>
-                        <a:t>Экспорт</a:t>
-                      </a:r>
-                      <a:endParaRPr lang="ru-RU" sz="1400" dirty="0">
-                        <a:effectLst/>
-                        <a:latin typeface="Arial" panose="020B0604020202020204" pitchFamily="34" charset="0"/>
-                        <a:ea typeface="Calibri" panose="020F0502020204030204" pitchFamily="34" charset="0"/>
-                        <a:cs typeface="Arial" panose="020B0604020202020204" pitchFamily="34" charset="0"/>
-                      </a:endParaRPr>
-                    </a:p>
-                  </a:txBody>
-                  <a:tcPr marL="49075" marR="49075" marT="0" marB="0" anchor="ctr"/>
-                </a:tc>
-                <a:tc>
-                  <a:txBody>
-                    <a:bodyPr/>
-                    <a:lstStyle/>
-                    <a:p>
-                      <a:pPr marL="0" indent="0" algn="ctr" defTabSz="914400" rtl="0" eaLnBrk="1" latinLnBrk="0" hangingPunct="1">
-                        <a:lnSpc>
-                          <a:spcPct val="150000"/>
-                        </a:lnSpc>
-                        <a:spcAft>
-                          <a:spcPts val="0"/>
-                        </a:spcAft>
-                      </a:pPr>
-                      <a:r>
-                        <a:rPr lang="ru-RU" sz="1600" kern="1200">
-                          <a:solidFill>
-                            <a:schemeClr val="tx1"/>
-                          </a:solidFill>
-                          <a:effectLst/>
-                          <a:latin typeface="Arial" panose="020B0604020202020204" pitchFamily="34" charset="0"/>
-                          <a:ea typeface="+mn-ea"/>
-                          <a:cs typeface="Arial" panose="020B0604020202020204" pitchFamily="34" charset="0"/>
-                        </a:rPr>
-                        <a:t>1</a:t>
-                      </a:r>
-                    </a:p>
-                  </a:txBody>
-                  <a:tcPr marL="49075" marR="49075" marT="0" marB="0" anchor="ctr"/>
-                </a:tc>
-                <a:tc>
-                  <a:txBody>
-                    <a:bodyPr/>
-                    <a:lstStyle/>
-                    <a:p>
-                      <a:pPr marL="0" indent="0" algn="ctr" defTabSz="914400" rtl="0" eaLnBrk="1" latinLnBrk="0" hangingPunct="1">
-                        <a:lnSpc>
-                          <a:spcPct val="150000"/>
-                        </a:lnSpc>
-                        <a:spcAft>
-                          <a:spcPts val="0"/>
-                        </a:spcAft>
-                      </a:pPr>
-                      <a:r>
-                        <a:rPr lang="ru-RU" sz="1600" kern="1200" dirty="0">
-                          <a:solidFill>
-                            <a:schemeClr val="tx1"/>
-                          </a:solidFill>
-                          <a:effectLst/>
-                          <a:latin typeface="Arial" panose="020B0604020202020204" pitchFamily="34" charset="0"/>
-                          <a:ea typeface="+mn-ea"/>
-                          <a:cs typeface="Arial" panose="020B0604020202020204" pitchFamily="34" charset="0"/>
-                        </a:rPr>
-                        <a:t>0</a:t>
-                      </a:r>
-                    </a:p>
-                  </a:txBody>
-                  <a:tcPr marL="49075" marR="49075" marT="0" marB="0" anchor="ctr"/>
-                </a:tc>
-                <a:tc>
-                  <a:txBody>
-                    <a:bodyPr/>
-                    <a:lstStyle/>
-                    <a:p>
-                      <a:pPr marL="0" indent="0" algn="ctr" defTabSz="914400" rtl="0" eaLnBrk="1" latinLnBrk="0" hangingPunct="1">
-                        <a:lnSpc>
-                          <a:spcPct val="150000"/>
-                        </a:lnSpc>
-                        <a:spcAft>
-                          <a:spcPts val="0"/>
-                        </a:spcAft>
-                      </a:pPr>
-                      <a:r>
-                        <a:rPr lang="ru-RU" sz="1600" kern="1200" dirty="0">
-                          <a:solidFill>
-                            <a:schemeClr val="tx1"/>
-                          </a:solidFill>
-                          <a:effectLst/>
-                          <a:latin typeface="Arial" panose="020B0604020202020204" pitchFamily="34" charset="0"/>
-                          <a:ea typeface="+mn-ea"/>
-                          <a:cs typeface="Arial" panose="020B0604020202020204" pitchFamily="34" charset="0"/>
-                        </a:rPr>
-                        <a:t>1</a:t>
-                      </a:r>
-                    </a:p>
-                  </a:txBody>
-                  <a:tcPr marL="49075" marR="49075" marT="0" marB="0" anchor="ctr"/>
-                </a:tc>
-                <a:tc>
-                  <a:txBody>
-                    <a:bodyPr/>
-                    <a:lstStyle/>
-                    <a:p>
-                      <a:pPr marL="0" indent="0" algn="ctr" defTabSz="914400" rtl="0" eaLnBrk="1" latinLnBrk="0" hangingPunct="1">
-                        <a:lnSpc>
-                          <a:spcPct val="150000"/>
-                        </a:lnSpc>
-                        <a:spcAft>
-                          <a:spcPts val="0"/>
-                        </a:spcAft>
-                      </a:pPr>
-                      <a:r>
-                        <a:rPr lang="ru-RU" sz="1600" kern="1200">
-                          <a:solidFill>
-                            <a:schemeClr val="tx1"/>
-                          </a:solidFill>
-                          <a:effectLst/>
-                          <a:latin typeface="Arial" panose="020B0604020202020204" pitchFamily="34" charset="0"/>
-                          <a:ea typeface="+mn-ea"/>
-                          <a:cs typeface="Arial" panose="020B0604020202020204" pitchFamily="34" charset="0"/>
-                        </a:rPr>
-                        <a:t>1</a:t>
-                      </a:r>
-                    </a:p>
-                  </a:txBody>
-                  <a:tcPr marL="49075" marR="49075" marT="0" marB="0" anchor="ctr"/>
-                </a:tc>
-                <a:tc>
-                  <a:txBody>
-                    <a:bodyPr/>
-                    <a:lstStyle/>
-                    <a:p>
-                      <a:pPr marL="0" indent="0" algn="ctr" defTabSz="914400" rtl="0" eaLnBrk="1" latinLnBrk="0" hangingPunct="1">
-                        <a:lnSpc>
-                          <a:spcPct val="150000"/>
-                        </a:lnSpc>
-                        <a:spcAft>
-                          <a:spcPts val="0"/>
-                        </a:spcAft>
-                      </a:pPr>
-                      <a:r>
-                        <a:rPr lang="ru-RU" sz="1600" kern="1200">
-                          <a:solidFill>
-                            <a:schemeClr val="tx1"/>
-                          </a:solidFill>
-                          <a:effectLst/>
-                          <a:latin typeface="Arial" panose="020B0604020202020204" pitchFamily="34" charset="0"/>
-                          <a:ea typeface="+mn-ea"/>
-                          <a:cs typeface="Arial" panose="020B0604020202020204" pitchFamily="34" charset="0"/>
-                        </a:rPr>
-                        <a:t>1</a:t>
-                      </a:r>
-                    </a:p>
-                  </a:txBody>
-                  <a:tcPr marL="49075" marR="49075" marT="0" marB="0" anchor="ctr"/>
-                </a:tc>
-                <a:tc>
-                  <a:txBody>
-                    <a:bodyPr/>
-                    <a:lstStyle/>
-                    <a:p>
-                      <a:pPr marL="0" indent="0" algn="ctr" defTabSz="914400" rtl="0" eaLnBrk="1" latinLnBrk="0" hangingPunct="1">
-                        <a:lnSpc>
-                          <a:spcPct val="150000"/>
-                        </a:lnSpc>
-                        <a:spcAft>
-                          <a:spcPts val="0"/>
-                        </a:spcAft>
-                      </a:pPr>
-                      <a:r>
-                        <a:rPr lang="ru-RU" sz="1600" kern="1200">
-                          <a:solidFill>
-                            <a:schemeClr val="tx1"/>
-                          </a:solidFill>
-                          <a:effectLst/>
-                          <a:latin typeface="Arial" panose="020B0604020202020204" pitchFamily="34" charset="0"/>
-                          <a:ea typeface="+mn-ea"/>
-                          <a:cs typeface="Arial" panose="020B0604020202020204" pitchFamily="34" charset="0"/>
-                        </a:rPr>
-                        <a:t>1</a:t>
-                      </a:r>
-                    </a:p>
-                  </a:txBody>
-                  <a:tcPr marL="49075" marR="49075" marT="0" marB="0" anchor="ctr"/>
-                </a:tc>
-                <a:extLst>
-                  <a:ext uri="{0D108BD9-81ED-4DB2-BD59-A6C34878D82A}">
-                    <a16:rowId xmlns:a16="http://schemas.microsoft.com/office/drawing/2014/main" val="2567586211"/>
-                  </a:ext>
-                </a:extLst>
-              </a:tr>
-              <a:tr h="260133">
-                <a:tc>
-                  <a:txBody>
-                    <a:bodyPr/>
-                    <a:lstStyle/>
-                    <a:p>
-                      <a:pPr marL="0" indent="185738" algn="l">
-                        <a:lnSpc>
-                          <a:spcPct val="150000"/>
-                        </a:lnSpc>
-                        <a:spcAft>
-                          <a:spcPts val="0"/>
-                        </a:spcAft>
-                      </a:pPr>
-                      <a:r>
-                        <a:rPr lang="ru-RU" sz="1400" dirty="0">
-                          <a:effectLst/>
-                          <a:latin typeface="Arial" panose="020B0604020202020204" pitchFamily="34" charset="0"/>
-                          <a:cs typeface="Arial" panose="020B0604020202020204" pitchFamily="34" charset="0"/>
-                        </a:rPr>
-                        <a:t>Поддержка</a:t>
-                      </a:r>
-                      <a:endParaRPr lang="ru-RU" sz="1400" dirty="0">
-                        <a:effectLst/>
-                        <a:latin typeface="Arial" panose="020B0604020202020204" pitchFamily="34" charset="0"/>
-                        <a:ea typeface="Calibri" panose="020F0502020204030204" pitchFamily="34" charset="0"/>
-                        <a:cs typeface="Arial" panose="020B0604020202020204" pitchFamily="34" charset="0"/>
-                      </a:endParaRPr>
-                    </a:p>
-                  </a:txBody>
-                  <a:tcPr marL="49075" marR="49075" marT="0" marB="0" anchor="ctr"/>
-                </a:tc>
-                <a:tc>
-                  <a:txBody>
-                    <a:bodyPr/>
-                    <a:lstStyle/>
-                    <a:p>
-                      <a:pPr marL="0" indent="0" algn="ctr" defTabSz="914400" rtl="0" eaLnBrk="1" latinLnBrk="0" hangingPunct="1">
-                        <a:lnSpc>
-                          <a:spcPct val="150000"/>
-                        </a:lnSpc>
-                        <a:spcAft>
-                          <a:spcPts val="0"/>
-                        </a:spcAft>
-                      </a:pPr>
-                      <a:r>
-                        <a:rPr lang="ru-RU" sz="1600" kern="1200">
-                          <a:solidFill>
-                            <a:schemeClr val="tx1"/>
-                          </a:solidFill>
-                          <a:effectLst/>
-                          <a:latin typeface="Arial" panose="020B0604020202020204" pitchFamily="34" charset="0"/>
-                          <a:ea typeface="+mn-ea"/>
-                          <a:cs typeface="Arial" panose="020B0604020202020204" pitchFamily="34" charset="0"/>
-                        </a:rPr>
-                        <a:t>1</a:t>
-                      </a:r>
-                    </a:p>
-                  </a:txBody>
-                  <a:tcPr marL="49075" marR="49075" marT="0" marB="0" anchor="ctr"/>
-                </a:tc>
-                <a:tc>
-                  <a:txBody>
-                    <a:bodyPr/>
-                    <a:lstStyle/>
-                    <a:p>
-                      <a:pPr marL="0" indent="0" algn="ctr" defTabSz="914400" rtl="0" eaLnBrk="1" latinLnBrk="0" hangingPunct="1">
-                        <a:lnSpc>
-                          <a:spcPct val="150000"/>
-                        </a:lnSpc>
-                        <a:spcAft>
-                          <a:spcPts val="0"/>
-                        </a:spcAft>
-                      </a:pPr>
-                      <a:r>
-                        <a:rPr lang="ru-RU" sz="1600" kern="1200" dirty="0">
-                          <a:solidFill>
-                            <a:schemeClr val="tx1"/>
-                          </a:solidFill>
-                          <a:effectLst/>
-                          <a:latin typeface="Arial" panose="020B0604020202020204" pitchFamily="34" charset="0"/>
-                          <a:ea typeface="+mn-ea"/>
-                          <a:cs typeface="Arial" panose="020B0604020202020204" pitchFamily="34" charset="0"/>
-                        </a:rPr>
-                        <a:t>1</a:t>
-                      </a:r>
-                    </a:p>
-                  </a:txBody>
-                  <a:tcPr marL="49075" marR="49075" marT="0" marB="0" anchor="ctr"/>
-                </a:tc>
-                <a:tc>
-                  <a:txBody>
-                    <a:bodyPr/>
-                    <a:lstStyle/>
-                    <a:p>
-                      <a:pPr marL="0" indent="0" algn="ctr" defTabSz="914400" rtl="0" eaLnBrk="1" latinLnBrk="0" hangingPunct="1">
-                        <a:lnSpc>
-                          <a:spcPct val="150000"/>
-                        </a:lnSpc>
-                        <a:spcAft>
-                          <a:spcPts val="0"/>
-                        </a:spcAft>
-                      </a:pPr>
-                      <a:r>
-                        <a:rPr lang="ru-RU" sz="1600" kern="1200" dirty="0">
-                          <a:solidFill>
-                            <a:schemeClr val="tx1"/>
-                          </a:solidFill>
-                          <a:effectLst/>
-                          <a:latin typeface="Arial" panose="020B0604020202020204" pitchFamily="34" charset="0"/>
-                          <a:ea typeface="+mn-ea"/>
-                          <a:cs typeface="Arial" panose="020B0604020202020204" pitchFamily="34" charset="0"/>
-                        </a:rPr>
-                        <a:t>0</a:t>
-                      </a:r>
-                    </a:p>
-                  </a:txBody>
-                  <a:tcPr marL="49075" marR="49075" marT="0" marB="0" anchor="ctr"/>
-                </a:tc>
-                <a:tc>
-                  <a:txBody>
-                    <a:bodyPr/>
-                    <a:lstStyle/>
-                    <a:p>
-                      <a:pPr marL="0" indent="0" algn="ctr" defTabSz="914400" rtl="0" eaLnBrk="1" latinLnBrk="0" hangingPunct="1">
-                        <a:lnSpc>
-                          <a:spcPct val="150000"/>
-                        </a:lnSpc>
-                        <a:spcAft>
-                          <a:spcPts val="0"/>
-                        </a:spcAft>
-                      </a:pPr>
-                      <a:r>
-                        <a:rPr lang="ru-RU" sz="1600" kern="1200">
-                          <a:solidFill>
-                            <a:schemeClr val="tx1"/>
-                          </a:solidFill>
-                          <a:effectLst/>
-                          <a:latin typeface="Arial" panose="020B0604020202020204" pitchFamily="34" charset="0"/>
-                          <a:ea typeface="+mn-ea"/>
-                          <a:cs typeface="Arial" panose="020B0604020202020204" pitchFamily="34" charset="0"/>
-                        </a:rPr>
-                        <a:t>0</a:t>
-                      </a:r>
-                    </a:p>
-                  </a:txBody>
-                  <a:tcPr marL="49075" marR="49075" marT="0" marB="0" anchor="ctr"/>
-                </a:tc>
-                <a:tc>
-                  <a:txBody>
-                    <a:bodyPr/>
-                    <a:lstStyle/>
-                    <a:p>
-                      <a:pPr marL="0" indent="0" algn="ctr" defTabSz="914400" rtl="0" eaLnBrk="1" latinLnBrk="0" hangingPunct="1">
-                        <a:lnSpc>
-                          <a:spcPct val="150000"/>
-                        </a:lnSpc>
-                        <a:spcAft>
-                          <a:spcPts val="0"/>
-                        </a:spcAft>
-                      </a:pPr>
-                      <a:r>
-                        <a:rPr lang="ru-RU" sz="1600" kern="1200">
-                          <a:solidFill>
-                            <a:schemeClr val="tx1"/>
-                          </a:solidFill>
-                          <a:effectLst/>
-                          <a:latin typeface="Arial" panose="020B0604020202020204" pitchFamily="34" charset="0"/>
-                          <a:ea typeface="+mn-ea"/>
-                          <a:cs typeface="Arial" panose="020B0604020202020204" pitchFamily="34" charset="0"/>
-                        </a:rPr>
-                        <a:t>1</a:t>
-                      </a:r>
-                    </a:p>
-                  </a:txBody>
-                  <a:tcPr marL="49075" marR="49075" marT="0" marB="0" anchor="ctr"/>
-                </a:tc>
-                <a:tc>
-                  <a:txBody>
-                    <a:bodyPr/>
-                    <a:lstStyle/>
-                    <a:p>
-                      <a:pPr marL="0" indent="0" algn="ctr" defTabSz="914400" rtl="0" eaLnBrk="1" latinLnBrk="0" hangingPunct="1">
-                        <a:lnSpc>
-                          <a:spcPct val="150000"/>
-                        </a:lnSpc>
-                        <a:spcAft>
-                          <a:spcPts val="0"/>
-                        </a:spcAft>
-                      </a:pPr>
-                      <a:r>
-                        <a:rPr lang="ru-RU" sz="1600" kern="1200">
-                          <a:solidFill>
-                            <a:schemeClr val="tx1"/>
-                          </a:solidFill>
-                          <a:effectLst/>
-                          <a:latin typeface="Arial" panose="020B0604020202020204" pitchFamily="34" charset="0"/>
-                          <a:ea typeface="+mn-ea"/>
-                          <a:cs typeface="Arial" panose="020B0604020202020204" pitchFamily="34" charset="0"/>
-                        </a:rPr>
-                        <a:t>1</a:t>
-                      </a:r>
-                    </a:p>
-                  </a:txBody>
-                  <a:tcPr marL="49075" marR="49075" marT="0" marB="0" anchor="ctr"/>
-                </a:tc>
-                <a:extLst>
-                  <a:ext uri="{0D108BD9-81ED-4DB2-BD59-A6C34878D82A}">
-                    <a16:rowId xmlns:a16="http://schemas.microsoft.com/office/drawing/2014/main" val="659097253"/>
-                  </a:ext>
-                </a:extLst>
-              </a:tr>
-              <a:tr h="520266">
-                <a:tc>
-                  <a:txBody>
-                    <a:bodyPr/>
-                    <a:lstStyle/>
-                    <a:p>
-                      <a:pPr marL="0" indent="185738" algn="l">
-                        <a:lnSpc>
-                          <a:spcPct val="150000"/>
-                        </a:lnSpc>
-                        <a:spcAft>
-                          <a:spcPts val="0"/>
-                        </a:spcAft>
-                      </a:pPr>
-                      <a:r>
-                        <a:rPr lang="ru-RU" sz="1400" dirty="0">
-                          <a:effectLst/>
-                          <a:latin typeface="Arial" panose="020B0604020202020204" pitchFamily="34" charset="0"/>
-                          <a:cs typeface="Arial" panose="020B0604020202020204" pitchFamily="34" charset="0"/>
-                        </a:rPr>
-                        <a:t>Кроссплатформенность</a:t>
-                      </a:r>
-                      <a:endParaRPr lang="ru-RU" sz="1400" dirty="0">
-                        <a:effectLst/>
-                        <a:latin typeface="Arial" panose="020B0604020202020204" pitchFamily="34" charset="0"/>
-                        <a:ea typeface="Calibri" panose="020F0502020204030204" pitchFamily="34" charset="0"/>
-                        <a:cs typeface="Arial" panose="020B0604020202020204" pitchFamily="34" charset="0"/>
-                      </a:endParaRPr>
-                    </a:p>
-                  </a:txBody>
-                  <a:tcPr marL="49075" marR="49075" marT="0" marB="0" anchor="ctr"/>
-                </a:tc>
-                <a:tc>
-                  <a:txBody>
-                    <a:bodyPr/>
-                    <a:lstStyle/>
-                    <a:p>
-                      <a:pPr marL="0" indent="0" algn="ctr" defTabSz="914400" rtl="0" eaLnBrk="1" latinLnBrk="0" hangingPunct="1">
-                        <a:lnSpc>
-                          <a:spcPct val="150000"/>
-                        </a:lnSpc>
-                        <a:spcAft>
-                          <a:spcPts val="0"/>
-                        </a:spcAft>
-                      </a:pPr>
-                      <a:r>
-                        <a:rPr lang="ru-RU" sz="1600" kern="1200" dirty="0">
-                          <a:solidFill>
-                            <a:schemeClr val="tx1"/>
-                          </a:solidFill>
-                          <a:effectLst/>
-                          <a:latin typeface="Arial" panose="020B0604020202020204" pitchFamily="34" charset="0"/>
-                          <a:ea typeface="+mn-ea"/>
-                          <a:cs typeface="Arial" panose="020B0604020202020204" pitchFamily="34" charset="0"/>
-                        </a:rPr>
-                        <a:t>0</a:t>
-                      </a:r>
-                    </a:p>
-                  </a:txBody>
-                  <a:tcPr marL="49075" marR="49075" marT="0" marB="0" anchor="ctr"/>
-                </a:tc>
-                <a:tc>
-                  <a:txBody>
-                    <a:bodyPr/>
-                    <a:lstStyle/>
-                    <a:p>
-                      <a:pPr marL="0" indent="0" algn="ctr" defTabSz="914400" rtl="0" eaLnBrk="1" latinLnBrk="0" hangingPunct="1">
-                        <a:lnSpc>
-                          <a:spcPct val="150000"/>
-                        </a:lnSpc>
-                        <a:spcAft>
-                          <a:spcPts val="0"/>
-                        </a:spcAft>
-                      </a:pPr>
-                      <a:r>
-                        <a:rPr lang="ru-RU" sz="1600" kern="1200" dirty="0">
-                          <a:solidFill>
-                            <a:schemeClr val="tx1"/>
-                          </a:solidFill>
-                          <a:effectLst/>
-                          <a:latin typeface="Arial" panose="020B0604020202020204" pitchFamily="34" charset="0"/>
-                          <a:ea typeface="+mn-ea"/>
-                          <a:cs typeface="Arial" panose="020B0604020202020204" pitchFamily="34" charset="0"/>
-                        </a:rPr>
-                        <a:t>0</a:t>
-                      </a:r>
-                    </a:p>
-                  </a:txBody>
-                  <a:tcPr marL="49075" marR="49075" marT="0" marB="0" anchor="ctr"/>
-                </a:tc>
-                <a:tc>
-                  <a:txBody>
-                    <a:bodyPr/>
-                    <a:lstStyle/>
-                    <a:p>
-                      <a:pPr marL="0" indent="0" algn="ctr" defTabSz="914400" rtl="0" eaLnBrk="1" latinLnBrk="0" hangingPunct="1">
-                        <a:lnSpc>
-                          <a:spcPct val="150000"/>
-                        </a:lnSpc>
-                        <a:spcAft>
-                          <a:spcPts val="0"/>
-                        </a:spcAft>
-                      </a:pPr>
-                      <a:r>
-                        <a:rPr lang="ru-RU" sz="1600" kern="1200" dirty="0">
-                          <a:solidFill>
-                            <a:schemeClr val="tx1"/>
-                          </a:solidFill>
-                          <a:effectLst/>
-                          <a:latin typeface="Arial" panose="020B0604020202020204" pitchFamily="34" charset="0"/>
-                          <a:ea typeface="+mn-ea"/>
-                          <a:cs typeface="Arial" panose="020B0604020202020204" pitchFamily="34" charset="0"/>
-                        </a:rPr>
-                        <a:t>0</a:t>
-                      </a:r>
-                    </a:p>
-                  </a:txBody>
-                  <a:tcPr marL="49075" marR="49075" marT="0" marB="0" anchor="ctr"/>
-                </a:tc>
-                <a:tc>
-                  <a:txBody>
-                    <a:bodyPr/>
-                    <a:lstStyle/>
-                    <a:p>
-                      <a:pPr marL="0" indent="0" algn="ctr" defTabSz="914400" rtl="0" eaLnBrk="1" latinLnBrk="0" hangingPunct="1">
-                        <a:lnSpc>
-                          <a:spcPct val="150000"/>
-                        </a:lnSpc>
-                        <a:spcAft>
-                          <a:spcPts val="0"/>
-                        </a:spcAft>
-                      </a:pPr>
-                      <a:r>
-                        <a:rPr lang="ru-RU" sz="1600" kern="1200" dirty="0">
-                          <a:solidFill>
-                            <a:schemeClr val="tx1"/>
-                          </a:solidFill>
-                          <a:effectLst/>
-                          <a:latin typeface="Arial" panose="020B0604020202020204" pitchFamily="34" charset="0"/>
-                          <a:ea typeface="+mn-ea"/>
-                          <a:cs typeface="Arial" panose="020B0604020202020204" pitchFamily="34" charset="0"/>
-                        </a:rPr>
-                        <a:t>0</a:t>
-                      </a:r>
-                    </a:p>
-                  </a:txBody>
-                  <a:tcPr marL="49075" marR="49075" marT="0" marB="0" anchor="ctr"/>
-                </a:tc>
-                <a:tc>
-                  <a:txBody>
-                    <a:bodyPr/>
-                    <a:lstStyle/>
-                    <a:p>
-                      <a:pPr marL="0" indent="0" algn="ctr" defTabSz="914400" rtl="0" eaLnBrk="1" latinLnBrk="0" hangingPunct="1">
-                        <a:lnSpc>
-                          <a:spcPct val="150000"/>
-                        </a:lnSpc>
-                        <a:spcAft>
-                          <a:spcPts val="0"/>
-                        </a:spcAft>
-                      </a:pPr>
-                      <a:r>
-                        <a:rPr lang="ru-RU" sz="1600" kern="1200">
-                          <a:solidFill>
-                            <a:schemeClr val="tx1"/>
-                          </a:solidFill>
-                          <a:effectLst/>
-                          <a:latin typeface="Arial" panose="020B0604020202020204" pitchFamily="34" charset="0"/>
-                          <a:ea typeface="+mn-ea"/>
-                          <a:cs typeface="Arial" panose="020B0604020202020204" pitchFamily="34" charset="0"/>
-                        </a:rPr>
-                        <a:t>0</a:t>
-                      </a:r>
-                    </a:p>
-                  </a:txBody>
-                  <a:tcPr marL="49075" marR="49075" marT="0" marB="0" anchor="ctr"/>
-                </a:tc>
-                <a:tc>
-                  <a:txBody>
-                    <a:bodyPr/>
-                    <a:lstStyle/>
-                    <a:p>
-                      <a:pPr marL="0" indent="0" algn="ctr" defTabSz="914400" rtl="0" eaLnBrk="1" latinLnBrk="0" hangingPunct="1">
-                        <a:lnSpc>
-                          <a:spcPct val="150000"/>
-                        </a:lnSpc>
-                        <a:spcAft>
-                          <a:spcPts val="0"/>
-                        </a:spcAft>
-                      </a:pPr>
-                      <a:r>
-                        <a:rPr lang="ru-RU" sz="1600" kern="1200" dirty="0">
-                          <a:solidFill>
-                            <a:schemeClr val="tx1"/>
-                          </a:solidFill>
-                          <a:effectLst/>
-                          <a:latin typeface="Arial" panose="020B0604020202020204" pitchFamily="34" charset="0"/>
-                          <a:ea typeface="+mn-ea"/>
-                          <a:cs typeface="Arial" panose="020B0604020202020204" pitchFamily="34" charset="0"/>
-                        </a:rPr>
-                        <a:t>2</a:t>
-                      </a:r>
-                    </a:p>
-                  </a:txBody>
-                  <a:tcPr marL="49075" marR="49075" marT="0" marB="0" anchor="ctr"/>
-                </a:tc>
-                <a:extLst>
-                  <a:ext uri="{0D108BD9-81ED-4DB2-BD59-A6C34878D82A}">
-                    <a16:rowId xmlns:a16="http://schemas.microsoft.com/office/drawing/2014/main" val="1111213039"/>
-                  </a:ext>
-                </a:extLst>
-              </a:tr>
-              <a:tr h="260133">
-                <a:tc>
-                  <a:txBody>
-                    <a:bodyPr/>
-                    <a:lstStyle/>
-                    <a:p>
-                      <a:pPr marL="0" indent="185738" algn="l">
-                        <a:lnSpc>
-                          <a:spcPct val="150000"/>
-                        </a:lnSpc>
-                        <a:spcAft>
-                          <a:spcPts val="0"/>
-                        </a:spcAft>
-                      </a:pPr>
-                      <a:r>
-                        <a:rPr lang="ru-RU" sz="1400" dirty="0">
-                          <a:effectLst/>
-                          <a:latin typeface="Arial" panose="020B0604020202020204" pitchFamily="34" charset="0"/>
-                          <a:cs typeface="Arial" panose="020B0604020202020204" pitchFamily="34" charset="0"/>
-                        </a:rPr>
-                        <a:t>Лицензия</a:t>
-                      </a:r>
-                      <a:endParaRPr lang="ru-RU" sz="1400" dirty="0">
-                        <a:effectLst/>
-                        <a:latin typeface="Arial" panose="020B0604020202020204" pitchFamily="34" charset="0"/>
-                        <a:ea typeface="Calibri" panose="020F0502020204030204" pitchFamily="34" charset="0"/>
-                        <a:cs typeface="Arial" panose="020B0604020202020204" pitchFamily="34" charset="0"/>
-                      </a:endParaRPr>
-                    </a:p>
-                  </a:txBody>
-                  <a:tcPr marL="49075" marR="49075" marT="0" marB="0" anchor="ctr"/>
-                </a:tc>
-                <a:tc>
-                  <a:txBody>
-                    <a:bodyPr/>
-                    <a:lstStyle/>
-                    <a:p>
-                      <a:pPr marL="0" indent="0" algn="ctr" defTabSz="914400" rtl="0" eaLnBrk="1" latinLnBrk="0" hangingPunct="1">
-                        <a:lnSpc>
-                          <a:spcPct val="150000"/>
-                        </a:lnSpc>
-                        <a:spcAft>
-                          <a:spcPts val="0"/>
-                        </a:spcAft>
-                      </a:pPr>
-                      <a:r>
-                        <a:rPr lang="ru-RU" sz="1600" kern="1200" dirty="0">
-                          <a:solidFill>
-                            <a:schemeClr val="tx1"/>
-                          </a:solidFill>
-                          <a:effectLst/>
-                          <a:latin typeface="Arial" panose="020B0604020202020204" pitchFamily="34" charset="0"/>
-                          <a:ea typeface="+mn-ea"/>
-                          <a:cs typeface="Arial" panose="020B0604020202020204" pitchFamily="34" charset="0"/>
-                        </a:rPr>
-                        <a:t>0</a:t>
-                      </a:r>
-                    </a:p>
-                  </a:txBody>
-                  <a:tcPr marL="49075" marR="49075" marT="0" marB="0" anchor="ctr"/>
-                </a:tc>
-                <a:tc>
-                  <a:txBody>
-                    <a:bodyPr/>
-                    <a:lstStyle/>
-                    <a:p>
-                      <a:pPr marL="0" indent="0" algn="ctr" defTabSz="914400" rtl="0" eaLnBrk="1" latinLnBrk="0" hangingPunct="1">
-                        <a:lnSpc>
-                          <a:spcPct val="150000"/>
-                        </a:lnSpc>
-                        <a:spcAft>
-                          <a:spcPts val="0"/>
-                        </a:spcAft>
-                      </a:pPr>
-                      <a:r>
-                        <a:rPr lang="ru-RU" sz="1600" kern="1200" dirty="0">
-                          <a:solidFill>
-                            <a:schemeClr val="tx1"/>
-                          </a:solidFill>
-                          <a:effectLst/>
-                          <a:latin typeface="Arial" panose="020B0604020202020204" pitchFamily="34" charset="0"/>
-                          <a:ea typeface="+mn-ea"/>
-                          <a:cs typeface="Arial" panose="020B0604020202020204" pitchFamily="34" charset="0"/>
-                        </a:rPr>
-                        <a:t>0</a:t>
-                      </a:r>
-                    </a:p>
-                  </a:txBody>
-                  <a:tcPr marL="49075" marR="49075" marT="0" marB="0" anchor="ctr"/>
-                </a:tc>
-                <a:tc>
-                  <a:txBody>
-                    <a:bodyPr/>
-                    <a:lstStyle/>
-                    <a:p>
-                      <a:pPr marL="0" indent="0" algn="ctr" defTabSz="914400" rtl="0" eaLnBrk="1" latinLnBrk="0" hangingPunct="1">
-                        <a:lnSpc>
-                          <a:spcPct val="150000"/>
-                        </a:lnSpc>
-                        <a:spcAft>
-                          <a:spcPts val="0"/>
-                        </a:spcAft>
-                      </a:pPr>
-                      <a:r>
-                        <a:rPr lang="ru-RU" sz="1600" kern="1200" dirty="0">
-                          <a:solidFill>
-                            <a:schemeClr val="tx1"/>
-                          </a:solidFill>
-                          <a:effectLst/>
-                          <a:latin typeface="Arial" panose="020B0604020202020204" pitchFamily="34" charset="0"/>
-                          <a:ea typeface="+mn-ea"/>
-                          <a:cs typeface="Arial" panose="020B0604020202020204" pitchFamily="34" charset="0"/>
-                        </a:rPr>
-                        <a:t>1</a:t>
-                      </a:r>
-                    </a:p>
-                  </a:txBody>
-                  <a:tcPr marL="49075" marR="49075" marT="0" marB="0" anchor="ctr"/>
-                </a:tc>
-                <a:tc>
-                  <a:txBody>
-                    <a:bodyPr/>
-                    <a:lstStyle/>
-                    <a:p>
-                      <a:pPr marL="0" indent="0" algn="ctr" defTabSz="914400" rtl="0" eaLnBrk="1" latinLnBrk="0" hangingPunct="1">
-                        <a:lnSpc>
-                          <a:spcPct val="150000"/>
-                        </a:lnSpc>
-                        <a:spcAft>
-                          <a:spcPts val="0"/>
-                        </a:spcAft>
-                      </a:pPr>
-                      <a:r>
-                        <a:rPr lang="ru-RU" sz="1600" kern="1200" dirty="0">
-                          <a:solidFill>
-                            <a:schemeClr val="tx1"/>
-                          </a:solidFill>
-                          <a:effectLst/>
-                          <a:latin typeface="Arial" panose="020B0604020202020204" pitchFamily="34" charset="0"/>
-                          <a:ea typeface="+mn-ea"/>
-                          <a:cs typeface="Arial" panose="020B0604020202020204" pitchFamily="34" charset="0"/>
-                        </a:rPr>
-                        <a:t>0</a:t>
-                      </a:r>
-                    </a:p>
-                  </a:txBody>
-                  <a:tcPr marL="49075" marR="49075" marT="0" marB="0" anchor="ctr"/>
-                </a:tc>
-                <a:tc>
-                  <a:txBody>
-                    <a:bodyPr/>
-                    <a:lstStyle/>
-                    <a:p>
-                      <a:pPr marL="0" indent="0" algn="ctr" defTabSz="914400" rtl="0" eaLnBrk="1" latinLnBrk="0" hangingPunct="1">
-                        <a:lnSpc>
-                          <a:spcPct val="150000"/>
-                        </a:lnSpc>
-                        <a:spcAft>
-                          <a:spcPts val="0"/>
-                        </a:spcAft>
-                      </a:pPr>
-                      <a:r>
-                        <a:rPr lang="ru-RU" sz="1600" kern="1200" dirty="0">
-                          <a:solidFill>
-                            <a:schemeClr val="tx1"/>
-                          </a:solidFill>
-                          <a:effectLst/>
-                          <a:latin typeface="Arial" panose="020B0604020202020204" pitchFamily="34" charset="0"/>
-                          <a:ea typeface="+mn-ea"/>
-                          <a:cs typeface="Arial" panose="020B0604020202020204" pitchFamily="34" charset="0"/>
-                        </a:rPr>
-                        <a:t>0</a:t>
-                      </a:r>
-                    </a:p>
-                  </a:txBody>
-                  <a:tcPr marL="49075" marR="49075" marT="0" marB="0" anchor="ctr"/>
-                </a:tc>
-                <a:tc>
-                  <a:txBody>
-                    <a:bodyPr/>
-                    <a:lstStyle/>
-                    <a:p>
-                      <a:pPr marL="0" indent="0" algn="ctr" defTabSz="914400" rtl="0" eaLnBrk="1" latinLnBrk="0" hangingPunct="1">
-                        <a:lnSpc>
-                          <a:spcPct val="150000"/>
-                        </a:lnSpc>
-                        <a:spcAft>
-                          <a:spcPts val="0"/>
-                        </a:spcAft>
-                      </a:pPr>
-                      <a:r>
-                        <a:rPr lang="ru-RU" sz="1600" kern="1200">
-                          <a:solidFill>
-                            <a:schemeClr val="tx1"/>
-                          </a:solidFill>
-                          <a:effectLst/>
-                          <a:latin typeface="Arial" panose="020B0604020202020204" pitchFamily="34" charset="0"/>
-                          <a:ea typeface="+mn-ea"/>
-                          <a:cs typeface="Arial" panose="020B0604020202020204" pitchFamily="34" charset="0"/>
-                        </a:rPr>
-                        <a:t>1</a:t>
-                      </a:r>
-                    </a:p>
-                  </a:txBody>
-                  <a:tcPr marL="49075" marR="49075" marT="0" marB="0" anchor="ctr"/>
-                </a:tc>
-                <a:extLst>
-                  <a:ext uri="{0D108BD9-81ED-4DB2-BD59-A6C34878D82A}">
-                    <a16:rowId xmlns:a16="http://schemas.microsoft.com/office/drawing/2014/main" val="2823960062"/>
-                  </a:ext>
-                </a:extLst>
-              </a:tr>
-              <a:tr h="520266">
-                <a:tc>
-                  <a:txBody>
-                    <a:bodyPr/>
-                    <a:lstStyle/>
-                    <a:p>
-                      <a:pPr marL="0" indent="185738" algn="l">
-                        <a:lnSpc>
-                          <a:spcPct val="150000"/>
-                        </a:lnSpc>
-                        <a:spcAft>
-                          <a:spcPts val="0"/>
-                        </a:spcAft>
-                      </a:pPr>
-                      <a:r>
-                        <a:rPr lang="ru-RU" sz="1400" dirty="0">
-                          <a:effectLst/>
-                          <a:latin typeface="Arial" panose="020B0604020202020204" pitchFamily="34" charset="0"/>
-                          <a:cs typeface="Arial" panose="020B0604020202020204" pitchFamily="34" charset="0"/>
-                        </a:rPr>
-                        <a:t>Информация об экспертах</a:t>
-                      </a:r>
-                      <a:endParaRPr lang="ru-RU" sz="1400" dirty="0">
-                        <a:effectLst/>
-                        <a:latin typeface="Arial" panose="020B0604020202020204" pitchFamily="34" charset="0"/>
-                        <a:ea typeface="Calibri" panose="020F0502020204030204" pitchFamily="34" charset="0"/>
-                        <a:cs typeface="Arial" panose="020B0604020202020204" pitchFamily="34" charset="0"/>
-                      </a:endParaRPr>
-                    </a:p>
-                  </a:txBody>
-                  <a:tcPr marL="49075" marR="49075" marT="0" marB="0" anchor="ctr"/>
-                </a:tc>
-                <a:tc>
-                  <a:txBody>
-                    <a:bodyPr/>
-                    <a:lstStyle/>
-                    <a:p>
-                      <a:pPr marL="0" indent="0" algn="ctr" defTabSz="914400" rtl="0" eaLnBrk="1" latinLnBrk="0" hangingPunct="1">
-                        <a:lnSpc>
-                          <a:spcPct val="150000"/>
-                        </a:lnSpc>
-                        <a:spcAft>
-                          <a:spcPts val="0"/>
-                        </a:spcAft>
-                      </a:pPr>
-                      <a:r>
-                        <a:rPr lang="ru-RU" sz="1600" kern="1200" dirty="0">
-                          <a:solidFill>
-                            <a:schemeClr val="tx1"/>
-                          </a:solidFill>
-                          <a:effectLst/>
-                          <a:latin typeface="Arial" panose="020B0604020202020204" pitchFamily="34" charset="0"/>
-                          <a:ea typeface="+mn-ea"/>
-                          <a:cs typeface="Arial" panose="020B0604020202020204" pitchFamily="34" charset="0"/>
-                        </a:rPr>
-                        <a:t>0</a:t>
-                      </a:r>
-                    </a:p>
-                  </a:txBody>
-                  <a:tcPr marL="49075" marR="49075" marT="0" marB="0" anchor="ctr"/>
-                </a:tc>
-                <a:tc>
-                  <a:txBody>
-                    <a:bodyPr/>
-                    <a:lstStyle/>
-                    <a:p>
-                      <a:pPr marL="0" indent="0" algn="ctr" defTabSz="914400" rtl="0" eaLnBrk="1" latinLnBrk="0" hangingPunct="1">
-                        <a:lnSpc>
-                          <a:spcPct val="150000"/>
-                        </a:lnSpc>
-                        <a:spcAft>
-                          <a:spcPts val="0"/>
-                        </a:spcAft>
-                      </a:pPr>
-                      <a:r>
-                        <a:rPr lang="ru-RU" sz="1600" kern="1200" dirty="0">
-                          <a:solidFill>
-                            <a:schemeClr val="tx1"/>
-                          </a:solidFill>
-                          <a:effectLst/>
-                          <a:latin typeface="Arial" panose="020B0604020202020204" pitchFamily="34" charset="0"/>
-                          <a:ea typeface="+mn-ea"/>
-                          <a:cs typeface="Arial" panose="020B0604020202020204" pitchFamily="34" charset="0"/>
-                        </a:rPr>
-                        <a:t>0</a:t>
-                      </a:r>
-                    </a:p>
-                  </a:txBody>
-                  <a:tcPr marL="49075" marR="49075" marT="0" marB="0" anchor="ctr"/>
-                </a:tc>
-                <a:tc>
-                  <a:txBody>
-                    <a:bodyPr/>
-                    <a:lstStyle/>
-                    <a:p>
-                      <a:pPr marL="0" indent="0" algn="ctr" defTabSz="914400" rtl="0" eaLnBrk="1" latinLnBrk="0" hangingPunct="1">
-                        <a:lnSpc>
-                          <a:spcPct val="150000"/>
-                        </a:lnSpc>
-                        <a:spcAft>
-                          <a:spcPts val="0"/>
-                        </a:spcAft>
-                      </a:pPr>
-                      <a:r>
-                        <a:rPr lang="ru-RU" sz="1600" kern="1200" dirty="0">
-                          <a:solidFill>
-                            <a:schemeClr val="tx1"/>
-                          </a:solidFill>
-                          <a:effectLst/>
-                          <a:latin typeface="Arial" panose="020B0604020202020204" pitchFamily="34" charset="0"/>
-                          <a:ea typeface="+mn-ea"/>
-                          <a:cs typeface="Arial" panose="020B0604020202020204" pitchFamily="34" charset="0"/>
-                        </a:rPr>
-                        <a:t>0</a:t>
-                      </a:r>
-                    </a:p>
-                  </a:txBody>
-                  <a:tcPr marL="49075" marR="49075" marT="0" marB="0" anchor="ctr"/>
-                </a:tc>
-                <a:tc>
-                  <a:txBody>
-                    <a:bodyPr/>
-                    <a:lstStyle/>
-                    <a:p>
-                      <a:pPr marL="0" indent="0" algn="ctr" defTabSz="914400" rtl="0" eaLnBrk="1" latinLnBrk="0" hangingPunct="1">
-                        <a:lnSpc>
-                          <a:spcPct val="150000"/>
-                        </a:lnSpc>
-                        <a:spcAft>
-                          <a:spcPts val="0"/>
-                        </a:spcAft>
-                      </a:pPr>
-                      <a:r>
-                        <a:rPr lang="ru-RU" sz="1600" kern="1200" dirty="0">
-                          <a:solidFill>
-                            <a:schemeClr val="tx1"/>
-                          </a:solidFill>
-                          <a:effectLst/>
-                          <a:latin typeface="Arial" panose="020B0604020202020204" pitchFamily="34" charset="0"/>
-                          <a:ea typeface="+mn-ea"/>
-                          <a:cs typeface="Arial" panose="020B0604020202020204" pitchFamily="34" charset="0"/>
-                        </a:rPr>
-                        <a:t>0</a:t>
-                      </a:r>
-                    </a:p>
-                  </a:txBody>
-                  <a:tcPr marL="49075" marR="49075" marT="0" marB="0" anchor="ctr"/>
-                </a:tc>
-                <a:tc>
-                  <a:txBody>
-                    <a:bodyPr/>
-                    <a:lstStyle/>
-                    <a:p>
-                      <a:pPr marL="0" indent="0" algn="ctr" defTabSz="914400" rtl="0" eaLnBrk="1" latinLnBrk="0" hangingPunct="1">
-                        <a:lnSpc>
-                          <a:spcPct val="150000"/>
-                        </a:lnSpc>
-                        <a:spcAft>
-                          <a:spcPts val="0"/>
-                        </a:spcAft>
-                      </a:pPr>
-                      <a:r>
-                        <a:rPr lang="ru-RU" sz="1600" kern="1200" dirty="0">
-                          <a:solidFill>
-                            <a:schemeClr val="tx1"/>
-                          </a:solidFill>
-                          <a:effectLst/>
-                          <a:latin typeface="Arial" panose="020B0604020202020204" pitchFamily="34" charset="0"/>
-                          <a:ea typeface="+mn-ea"/>
-                          <a:cs typeface="Arial" panose="020B0604020202020204" pitchFamily="34" charset="0"/>
-                        </a:rPr>
-                        <a:t>0</a:t>
-                      </a:r>
-                    </a:p>
-                  </a:txBody>
-                  <a:tcPr marL="49075" marR="49075" marT="0" marB="0" anchor="ctr"/>
-                </a:tc>
-                <a:tc>
-                  <a:txBody>
-                    <a:bodyPr/>
-                    <a:lstStyle/>
-                    <a:p>
-                      <a:pPr marL="0" indent="0" algn="ctr" defTabSz="914400" rtl="0" eaLnBrk="1" latinLnBrk="0" hangingPunct="1">
-                        <a:lnSpc>
-                          <a:spcPct val="150000"/>
-                        </a:lnSpc>
-                        <a:spcAft>
-                          <a:spcPts val="0"/>
-                        </a:spcAft>
-                      </a:pPr>
-                      <a:r>
-                        <a:rPr lang="ru-RU" sz="1600" kern="1200" dirty="0">
-                          <a:solidFill>
-                            <a:schemeClr val="tx1"/>
-                          </a:solidFill>
-                          <a:effectLst/>
-                          <a:latin typeface="Arial" panose="020B0604020202020204" pitchFamily="34" charset="0"/>
-                          <a:ea typeface="+mn-ea"/>
-                          <a:cs typeface="Arial" panose="020B0604020202020204" pitchFamily="34" charset="0"/>
-                        </a:rPr>
-                        <a:t>0</a:t>
-                      </a:r>
-                    </a:p>
-                  </a:txBody>
-                  <a:tcPr marL="49075" marR="49075" marT="0" marB="0" anchor="ctr"/>
-                </a:tc>
-                <a:extLst>
-                  <a:ext uri="{0D108BD9-81ED-4DB2-BD59-A6C34878D82A}">
-                    <a16:rowId xmlns:a16="http://schemas.microsoft.com/office/drawing/2014/main" val="3509878748"/>
-                  </a:ext>
-                </a:extLst>
-              </a:tr>
-              <a:tr h="520266">
-                <a:tc>
-                  <a:txBody>
-                    <a:bodyPr/>
-                    <a:lstStyle/>
-                    <a:p>
-                      <a:pPr marL="185738" indent="0" algn="l">
-                        <a:lnSpc>
-                          <a:spcPct val="150000"/>
-                        </a:lnSpc>
-                        <a:spcAft>
-                          <a:spcPts val="0"/>
-                        </a:spcAft>
-                      </a:pPr>
-                      <a:r>
-                        <a:rPr lang="ru-RU" sz="1400" dirty="0">
-                          <a:effectLst/>
-                          <a:latin typeface="Arial" panose="020B0604020202020204" pitchFamily="34" charset="0"/>
-                          <a:cs typeface="Arial" panose="020B0604020202020204" pitchFamily="34" charset="0"/>
-                        </a:rPr>
-                        <a:t>Согласованность и компетентность</a:t>
-                      </a:r>
-                      <a:endParaRPr lang="ru-RU" sz="1400" dirty="0">
-                        <a:effectLst/>
-                        <a:latin typeface="Arial" panose="020B0604020202020204" pitchFamily="34" charset="0"/>
-                        <a:ea typeface="Calibri" panose="020F0502020204030204" pitchFamily="34" charset="0"/>
-                        <a:cs typeface="Arial" panose="020B0604020202020204" pitchFamily="34" charset="0"/>
-                      </a:endParaRPr>
-                    </a:p>
-                  </a:txBody>
-                  <a:tcPr marL="49075" marR="49075" marT="0" marB="0" anchor="ctr"/>
-                </a:tc>
-                <a:tc>
-                  <a:txBody>
-                    <a:bodyPr/>
-                    <a:lstStyle/>
-                    <a:p>
-                      <a:pPr marL="0" indent="0" algn="ctr" defTabSz="914400" rtl="0" eaLnBrk="1" latinLnBrk="0" hangingPunct="1">
-                        <a:lnSpc>
-                          <a:spcPct val="150000"/>
-                        </a:lnSpc>
-                        <a:spcAft>
-                          <a:spcPts val="0"/>
-                        </a:spcAft>
-                      </a:pPr>
-                      <a:r>
-                        <a:rPr lang="ru-RU" sz="1600" kern="1200">
-                          <a:solidFill>
-                            <a:schemeClr val="tx1"/>
-                          </a:solidFill>
-                          <a:effectLst/>
-                          <a:latin typeface="Arial" panose="020B0604020202020204" pitchFamily="34" charset="0"/>
-                          <a:ea typeface="+mn-ea"/>
-                          <a:cs typeface="Arial" panose="020B0604020202020204" pitchFamily="34" charset="0"/>
-                        </a:rPr>
-                        <a:t>0</a:t>
-                      </a:r>
-                    </a:p>
-                  </a:txBody>
-                  <a:tcPr marL="49075" marR="49075" marT="0" marB="0" anchor="ctr"/>
-                </a:tc>
-                <a:tc>
-                  <a:txBody>
-                    <a:bodyPr/>
-                    <a:lstStyle/>
-                    <a:p>
-                      <a:pPr marL="0" indent="0" algn="ctr" defTabSz="914400" rtl="0" eaLnBrk="1" latinLnBrk="0" hangingPunct="1">
-                        <a:lnSpc>
-                          <a:spcPct val="150000"/>
-                        </a:lnSpc>
-                        <a:spcAft>
-                          <a:spcPts val="0"/>
-                        </a:spcAft>
-                      </a:pPr>
-                      <a:r>
-                        <a:rPr lang="ru-RU" sz="1600" kern="1200">
-                          <a:solidFill>
-                            <a:schemeClr val="tx1"/>
-                          </a:solidFill>
-                          <a:effectLst/>
-                          <a:latin typeface="Arial" panose="020B0604020202020204" pitchFamily="34" charset="0"/>
-                          <a:ea typeface="+mn-ea"/>
-                          <a:cs typeface="Arial" panose="020B0604020202020204" pitchFamily="34" charset="0"/>
-                        </a:rPr>
-                        <a:t>0</a:t>
-                      </a:r>
-                    </a:p>
-                  </a:txBody>
-                  <a:tcPr marL="49075" marR="49075" marT="0" marB="0" anchor="ctr"/>
-                </a:tc>
-                <a:tc>
-                  <a:txBody>
-                    <a:bodyPr/>
-                    <a:lstStyle/>
-                    <a:p>
-                      <a:pPr marL="0" indent="0" algn="ctr" defTabSz="914400" rtl="0" eaLnBrk="1" latinLnBrk="0" hangingPunct="1">
-                        <a:lnSpc>
-                          <a:spcPct val="150000"/>
-                        </a:lnSpc>
-                        <a:spcAft>
-                          <a:spcPts val="0"/>
-                        </a:spcAft>
-                      </a:pPr>
-                      <a:r>
-                        <a:rPr lang="ru-RU" sz="1600" kern="1200">
-                          <a:solidFill>
-                            <a:schemeClr val="tx1"/>
-                          </a:solidFill>
-                          <a:effectLst/>
-                          <a:latin typeface="Arial" panose="020B0604020202020204" pitchFamily="34" charset="0"/>
-                          <a:ea typeface="+mn-ea"/>
-                          <a:cs typeface="Arial" panose="020B0604020202020204" pitchFamily="34" charset="0"/>
-                        </a:rPr>
-                        <a:t>0</a:t>
-                      </a:r>
-                    </a:p>
-                  </a:txBody>
-                  <a:tcPr marL="49075" marR="49075" marT="0" marB="0" anchor="ctr"/>
-                </a:tc>
-                <a:tc>
-                  <a:txBody>
-                    <a:bodyPr/>
-                    <a:lstStyle/>
-                    <a:p>
-                      <a:pPr marL="0" indent="0" algn="ctr" defTabSz="914400" rtl="0" eaLnBrk="1" latinLnBrk="0" hangingPunct="1">
-                        <a:lnSpc>
-                          <a:spcPct val="150000"/>
-                        </a:lnSpc>
-                        <a:spcAft>
-                          <a:spcPts val="0"/>
-                        </a:spcAft>
-                      </a:pPr>
-                      <a:r>
-                        <a:rPr lang="ru-RU" sz="1600" kern="1200">
-                          <a:solidFill>
-                            <a:schemeClr val="tx1"/>
-                          </a:solidFill>
-                          <a:effectLst/>
-                          <a:latin typeface="Arial" panose="020B0604020202020204" pitchFamily="34" charset="0"/>
-                          <a:ea typeface="+mn-ea"/>
-                          <a:cs typeface="Arial" panose="020B0604020202020204" pitchFamily="34" charset="0"/>
-                        </a:rPr>
-                        <a:t>0</a:t>
-                      </a:r>
-                    </a:p>
-                  </a:txBody>
-                  <a:tcPr marL="49075" marR="49075" marT="0" marB="0" anchor="ctr"/>
-                </a:tc>
-                <a:tc>
-                  <a:txBody>
-                    <a:bodyPr/>
-                    <a:lstStyle/>
-                    <a:p>
-                      <a:pPr marL="0" indent="0" algn="ctr" defTabSz="914400" rtl="0" eaLnBrk="1" latinLnBrk="0" hangingPunct="1">
-                        <a:lnSpc>
-                          <a:spcPct val="150000"/>
-                        </a:lnSpc>
-                        <a:spcAft>
-                          <a:spcPts val="0"/>
-                        </a:spcAft>
-                      </a:pPr>
-                      <a:r>
-                        <a:rPr lang="ru-RU" sz="1600" kern="1200" dirty="0">
-                          <a:solidFill>
-                            <a:schemeClr val="tx1"/>
-                          </a:solidFill>
-                          <a:effectLst/>
-                          <a:latin typeface="Arial" panose="020B0604020202020204" pitchFamily="34" charset="0"/>
-                          <a:ea typeface="+mn-ea"/>
-                          <a:cs typeface="Arial" panose="020B0604020202020204" pitchFamily="34" charset="0"/>
-                        </a:rPr>
-                        <a:t>0</a:t>
-                      </a:r>
-                    </a:p>
-                  </a:txBody>
-                  <a:tcPr marL="49075" marR="49075" marT="0" marB="0" anchor="ctr"/>
-                </a:tc>
-                <a:tc>
-                  <a:txBody>
-                    <a:bodyPr/>
-                    <a:lstStyle/>
-                    <a:p>
-                      <a:pPr marL="0" indent="0" algn="ctr" defTabSz="914400" rtl="0" eaLnBrk="1" latinLnBrk="0" hangingPunct="1">
-                        <a:lnSpc>
-                          <a:spcPct val="150000"/>
-                        </a:lnSpc>
-                        <a:spcAft>
-                          <a:spcPts val="0"/>
-                        </a:spcAft>
-                      </a:pPr>
-                      <a:r>
-                        <a:rPr lang="ru-RU" sz="1600" kern="1200" dirty="0">
-                          <a:solidFill>
-                            <a:schemeClr val="tx1"/>
-                          </a:solidFill>
-                          <a:effectLst/>
-                          <a:latin typeface="Arial" panose="020B0604020202020204" pitchFamily="34" charset="0"/>
-                          <a:ea typeface="+mn-ea"/>
-                          <a:cs typeface="Arial" panose="020B0604020202020204" pitchFamily="34" charset="0"/>
-                        </a:rPr>
-                        <a:t>0</a:t>
-                      </a:r>
-                    </a:p>
-                  </a:txBody>
-                  <a:tcPr marL="49075" marR="49075" marT="0" marB="0" anchor="ctr"/>
-                </a:tc>
-                <a:extLst>
-                  <a:ext uri="{0D108BD9-81ED-4DB2-BD59-A6C34878D82A}">
-                    <a16:rowId xmlns:a16="http://schemas.microsoft.com/office/drawing/2014/main" val="3119244095"/>
-                  </a:ext>
-                </a:extLst>
-              </a:tr>
-              <a:tr h="520266">
-                <a:tc>
-                  <a:txBody>
-                    <a:bodyPr/>
-                    <a:lstStyle/>
-                    <a:p>
-                      <a:pPr marL="0" indent="185738" algn="l">
-                        <a:lnSpc>
-                          <a:spcPct val="150000"/>
-                        </a:lnSpc>
-                        <a:spcAft>
-                          <a:spcPts val="0"/>
-                        </a:spcAft>
-                      </a:pPr>
-                      <a:r>
-                        <a:rPr lang="ru-RU" sz="1400" dirty="0">
-                          <a:effectLst/>
-                          <a:latin typeface="Arial" panose="020B0604020202020204" pitchFamily="34" charset="0"/>
-                          <a:cs typeface="Arial" panose="020B0604020202020204" pitchFamily="34" charset="0"/>
-                        </a:rPr>
-                        <a:t>Итоговый результат:</a:t>
-                      </a:r>
-                      <a:endParaRPr lang="ru-RU" sz="1400" dirty="0">
-                        <a:effectLst/>
-                        <a:latin typeface="Arial" panose="020B0604020202020204" pitchFamily="34" charset="0"/>
-                        <a:ea typeface="Calibri" panose="020F0502020204030204" pitchFamily="34" charset="0"/>
-                        <a:cs typeface="Arial" panose="020B0604020202020204" pitchFamily="34" charset="0"/>
-                      </a:endParaRPr>
-                    </a:p>
-                  </a:txBody>
-                  <a:tcPr marL="49075" marR="49075" marT="0" marB="0" anchor="ctr"/>
-                </a:tc>
-                <a:tc>
-                  <a:txBody>
-                    <a:bodyPr/>
-                    <a:lstStyle/>
-                    <a:p>
-                      <a:pPr marL="0" indent="0" algn="ctr" defTabSz="914400" rtl="0" eaLnBrk="1" latinLnBrk="0" hangingPunct="1">
-                        <a:lnSpc>
-                          <a:spcPct val="150000"/>
-                        </a:lnSpc>
-                        <a:spcAft>
-                          <a:spcPts val="0"/>
-                        </a:spcAft>
-                      </a:pPr>
-                      <a:r>
-                        <a:rPr lang="ru-RU" sz="1600" kern="1200">
-                          <a:solidFill>
-                            <a:schemeClr val="tx1"/>
-                          </a:solidFill>
-                          <a:effectLst/>
-                          <a:latin typeface="Arial" panose="020B0604020202020204" pitchFamily="34" charset="0"/>
-                          <a:ea typeface="+mn-ea"/>
-                          <a:cs typeface="Arial" panose="020B0604020202020204" pitchFamily="34" charset="0"/>
-                        </a:rPr>
-                        <a:t>4</a:t>
-                      </a:r>
-                    </a:p>
-                  </a:txBody>
-                  <a:tcPr marL="49075" marR="49075" marT="0" marB="0" anchor="ctr"/>
-                </a:tc>
-                <a:tc>
-                  <a:txBody>
-                    <a:bodyPr/>
-                    <a:lstStyle/>
-                    <a:p>
-                      <a:pPr marL="0" indent="0" algn="ctr" defTabSz="914400" rtl="0" eaLnBrk="1" latinLnBrk="0" hangingPunct="1">
-                        <a:lnSpc>
-                          <a:spcPct val="150000"/>
-                        </a:lnSpc>
-                        <a:spcAft>
-                          <a:spcPts val="0"/>
-                        </a:spcAft>
-                      </a:pPr>
-                      <a:r>
-                        <a:rPr lang="ru-RU" sz="1600" kern="1200">
-                          <a:solidFill>
-                            <a:schemeClr val="tx1"/>
-                          </a:solidFill>
-                          <a:effectLst/>
-                          <a:latin typeface="Arial" panose="020B0604020202020204" pitchFamily="34" charset="0"/>
-                          <a:ea typeface="+mn-ea"/>
-                          <a:cs typeface="Arial" panose="020B0604020202020204" pitchFamily="34" charset="0"/>
-                        </a:rPr>
-                        <a:t>3</a:t>
-                      </a:r>
-                    </a:p>
-                  </a:txBody>
-                  <a:tcPr marL="49075" marR="49075" marT="0" marB="0" anchor="ctr"/>
-                </a:tc>
-                <a:tc>
-                  <a:txBody>
-                    <a:bodyPr/>
-                    <a:lstStyle/>
-                    <a:p>
-                      <a:pPr marL="0" indent="0" algn="ctr" defTabSz="914400" rtl="0" eaLnBrk="1" latinLnBrk="0" hangingPunct="1">
-                        <a:lnSpc>
-                          <a:spcPct val="150000"/>
-                        </a:lnSpc>
-                        <a:spcAft>
-                          <a:spcPts val="0"/>
-                        </a:spcAft>
-                      </a:pPr>
-                      <a:r>
-                        <a:rPr lang="ru-RU" sz="1600" kern="1200">
-                          <a:solidFill>
-                            <a:schemeClr val="tx1"/>
-                          </a:solidFill>
-                          <a:effectLst/>
-                          <a:latin typeface="Arial" panose="020B0604020202020204" pitchFamily="34" charset="0"/>
-                          <a:ea typeface="+mn-ea"/>
-                          <a:cs typeface="Arial" panose="020B0604020202020204" pitchFamily="34" charset="0"/>
-                        </a:rPr>
-                        <a:t>4</a:t>
-                      </a:r>
-                    </a:p>
-                  </a:txBody>
-                  <a:tcPr marL="49075" marR="49075" marT="0" marB="0" anchor="ctr"/>
-                </a:tc>
-                <a:tc>
-                  <a:txBody>
-                    <a:bodyPr/>
-                    <a:lstStyle/>
-                    <a:p>
-                      <a:pPr marL="0" indent="0" algn="ctr" defTabSz="914400" rtl="0" eaLnBrk="1" latinLnBrk="0" hangingPunct="1">
-                        <a:lnSpc>
-                          <a:spcPct val="150000"/>
-                        </a:lnSpc>
-                        <a:spcAft>
-                          <a:spcPts val="0"/>
-                        </a:spcAft>
-                      </a:pPr>
-                      <a:r>
-                        <a:rPr lang="ru-RU" sz="1600" kern="1200">
-                          <a:solidFill>
-                            <a:schemeClr val="tx1"/>
-                          </a:solidFill>
-                          <a:effectLst/>
-                          <a:latin typeface="Arial" panose="020B0604020202020204" pitchFamily="34" charset="0"/>
-                          <a:ea typeface="+mn-ea"/>
-                          <a:cs typeface="Arial" panose="020B0604020202020204" pitchFamily="34" charset="0"/>
-                        </a:rPr>
-                        <a:t>3</a:t>
-                      </a:r>
-                    </a:p>
-                  </a:txBody>
-                  <a:tcPr marL="49075" marR="49075" marT="0" marB="0" anchor="ctr"/>
-                </a:tc>
-                <a:tc>
-                  <a:txBody>
-                    <a:bodyPr/>
-                    <a:lstStyle/>
-                    <a:p>
-                      <a:pPr marL="0" indent="0" algn="ctr" defTabSz="914400" rtl="0" eaLnBrk="1" latinLnBrk="0" hangingPunct="1">
-                        <a:lnSpc>
-                          <a:spcPct val="150000"/>
-                        </a:lnSpc>
-                        <a:spcAft>
-                          <a:spcPts val="0"/>
-                        </a:spcAft>
-                      </a:pPr>
-                      <a:r>
-                        <a:rPr lang="ru-RU" sz="1600" kern="1200">
-                          <a:solidFill>
-                            <a:schemeClr val="tx1"/>
-                          </a:solidFill>
-                          <a:effectLst/>
-                          <a:latin typeface="Arial" panose="020B0604020202020204" pitchFamily="34" charset="0"/>
-                          <a:ea typeface="+mn-ea"/>
-                          <a:cs typeface="Arial" panose="020B0604020202020204" pitchFamily="34" charset="0"/>
-                        </a:rPr>
-                        <a:t>4</a:t>
-                      </a:r>
-                    </a:p>
-                  </a:txBody>
-                  <a:tcPr marL="49075" marR="49075" marT="0" marB="0" anchor="ctr"/>
-                </a:tc>
-                <a:tc>
-                  <a:txBody>
-                    <a:bodyPr/>
-                    <a:lstStyle/>
-                    <a:p>
-                      <a:pPr marL="0" indent="0" algn="ctr" defTabSz="914400" rtl="0" eaLnBrk="1" latinLnBrk="0" hangingPunct="1">
-                        <a:lnSpc>
-                          <a:spcPct val="150000"/>
-                        </a:lnSpc>
-                        <a:spcAft>
-                          <a:spcPts val="0"/>
-                        </a:spcAft>
-                      </a:pPr>
-                      <a:r>
-                        <a:rPr lang="ru-RU" sz="1600" kern="1200" dirty="0">
-                          <a:solidFill>
-                            <a:schemeClr val="tx1"/>
-                          </a:solidFill>
-                          <a:effectLst/>
-                          <a:latin typeface="Arial" panose="020B0604020202020204" pitchFamily="34" charset="0"/>
-                          <a:ea typeface="+mn-ea"/>
-                          <a:cs typeface="Arial" panose="020B0604020202020204" pitchFamily="34" charset="0"/>
-                        </a:rPr>
-                        <a:t>7</a:t>
-                      </a:r>
-                    </a:p>
-                  </a:txBody>
-                  <a:tcPr marL="49075" marR="49075" marT="0" marB="0" anchor="ctr"/>
-                </a:tc>
-                <a:extLst>
-                  <a:ext uri="{0D108BD9-81ED-4DB2-BD59-A6C34878D82A}">
-                    <a16:rowId xmlns:a16="http://schemas.microsoft.com/office/drawing/2014/main" val="1864999871"/>
-                  </a:ext>
-                </a:extLst>
-              </a:tr>
-            </a:tbl>
-          </a:graphicData>
-        </a:graphic>
-      </p:graphicFrame>
+            <a:endParaRPr lang="ru-RU"/>
+          </a:p>
+        </p:txBody>
+      </p:sp>
+      <p:sp>
+        <p:nvSpPr>
+          <p:cNvPr id="3" name="Объект 2"/>
+          <p:cNvSpPr>
+            <a:spLocks noGrp="1"/>
+          </p:cNvSpPr>
+          <p:nvPr>
+            <p:ph idx="1"/>
+          </p:nvPr>
+        </p:nvSpPr>
+        <p:spPr/>
+        <p:txBody>
+          <a:bodyPr/>
+          <a:lstStyle/>
+          <a:p>
+            <a:endParaRPr lang="ru-RU"/>
+          </a:p>
+        </p:txBody>
+      </p:sp>
+      <p:sp>
+        <p:nvSpPr>
+          <p:cNvPr id="4" name="Номер слайда 3"/>
+          <p:cNvSpPr>
+            <a:spLocks noGrp="1"/>
+          </p:cNvSpPr>
+          <p:nvPr>
+            <p:ph type="sldNum" sz="quarter" idx="12"/>
+          </p:nvPr>
+        </p:nvSpPr>
+        <p:spPr/>
+        <p:txBody>
+          <a:bodyPr/>
+          <a:lstStyle/>
+          <a:p>
+            <a:fld id="{AAAC123C-EF72-4040-95C0-D263971896EB}" type="slidenum">
+              <a:rPr lang="ru-RU" smtClean="0"/>
+              <a:t>4</a:t>
+            </a:fld>
+            <a:endParaRPr lang="ru-RU"/>
+          </a:p>
+        </p:txBody>
+      </p:sp>
     </p:spTree>
     <p:extLst>
       <p:ext uri="{BB962C8B-B14F-4D97-AF65-F5344CB8AC3E}">
-        <p14:creationId xmlns:p14="http://schemas.microsoft.com/office/powerpoint/2010/main" val="2560681451"/>
+        <p14:creationId xmlns:p14="http://schemas.microsoft.com/office/powerpoint/2010/main" val="3360519098"/>
       </p:ext>
     </p:extLst>
   </p:cSld>
@@ -10339,7 +7854,7 @@
                 <a:latin typeface="Arial" panose="020B0604020202020204" pitchFamily="34" charset="0"/>
                 <a:cs typeface="Arial" panose="020B0604020202020204" pitchFamily="34" charset="0"/>
               </a:rPr>
-              <a:t>Требования к программе</a:t>
+              <a:t>Цель, задачи, актуальность</a:t>
             </a:r>
             <a:endParaRPr lang="ru-RU" dirty="0">
               <a:latin typeface="Arial" panose="020B0604020202020204" pitchFamily="34" charset="0"/>
@@ -10375,16 +7890,46 @@
           </a:p>
         </p:txBody>
       </p:sp>
+      <p:sp>
+        <p:nvSpPr>
+          <p:cNvPr id="5" name="Номер слайда 4"/>
+          <p:cNvSpPr>
+            <a:spLocks noGrp="1"/>
+          </p:cNvSpPr>
+          <p:nvPr>
+            <p:ph type="sldNum" sz="quarter" idx="12"/>
+          </p:nvPr>
+        </p:nvSpPr>
+        <p:spPr/>
+        <p:txBody>
+          <a:bodyPr/>
+          <a:lstStyle/>
+          <a:p>
+            <a:fld id="{AAAC123C-EF72-4040-95C0-D263971896EB}" type="slidenum">
+              <a:rPr lang="ru-RU" smtClean="0"/>
+              <a:t>5</a:t>
+            </a:fld>
+            <a:endParaRPr lang="ru-RU"/>
+          </a:p>
+        </p:txBody>
+      </p:sp>
     </p:spTree>
     <p:extLst>
       <p:ext uri="{BB962C8B-B14F-4D97-AF65-F5344CB8AC3E}">
-        <p14:creationId xmlns:p14="http://schemas.microsoft.com/office/powerpoint/2010/main" val="1477043405"/>
+        <p14:creationId xmlns:p14="http://schemas.microsoft.com/office/powerpoint/2010/main" val="2435519582"/>
       </p:ext>
     </p:extLst>
   </p:cSld>
   <p:clrMapOvr>
     <a:masterClrMapping/>
   </p:clrMapOvr>
+  <p:timing>
+    <p:tnLst>
+      <p:par>
+        <p:cTn id="1" dur="indefinite" restart="never" nodeType="tmRoot"/>
+      </p:par>
+    </p:tnLst>
+  </p:timing>
 </p:sld>
 </file>
 
@@ -10430,7 +7975,7 @@
                 <a:latin typeface="Arial" panose="020B0604020202020204" pitchFamily="34" charset="0"/>
                 <a:cs typeface="Arial" panose="020B0604020202020204" pitchFamily="34" charset="0"/>
               </a:rPr>
-              <a:t>Алгоритм программы</a:t>
+              <a:t>Метода анализа иерархий</a:t>
             </a:r>
             <a:endParaRPr lang="ru-RU" dirty="0">
               <a:latin typeface="Arial" panose="020B0604020202020204" pitchFamily="34" charset="0"/>
@@ -10466,16 +8011,46 @@
           </a:p>
         </p:txBody>
       </p:sp>
+      <p:sp>
+        <p:nvSpPr>
+          <p:cNvPr id="4" name="Номер слайда 3"/>
+          <p:cNvSpPr>
+            <a:spLocks noGrp="1"/>
+          </p:cNvSpPr>
+          <p:nvPr>
+            <p:ph type="sldNum" sz="quarter" idx="12"/>
+          </p:nvPr>
+        </p:nvSpPr>
+        <p:spPr/>
+        <p:txBody>
+          <a:bodyPr/>
+          <a:lstStyle/>
+          <a:p>
+            <a:fld id="{AAAC123C-EF72-4040-95C0-D263971896EB}" type="slidenum">
+              <a:rPr lang="ru-RU" smtClean="0"/>
+              <a:t>6</a:t>
+            </a:fld>
+            <a:endParaRPr lang="ru-RU"/>
+          </a:p>
+        </p:txBody>
+      </p:sp>
     </p:spTree>
     <p:extLst>
       <p:ext uri="{BB962C8B-B14F-4D97-AF65-F5344CB8AC3E}">
-        <p14:creationId xmlns:p14="http://schemas.microsoft.com/office/powerpoint/2010/main" val="1456357331"/>
+        <p14:creationId xmlns:p14="http://schemas.microsoft.com/office/powerpoint/2010/main" val="2449719823"/>
       </p:ext>
     </p:extLst>
   </p:cSld>
   <p:clrMapOvr>
     <a:masterClrMapping/>
   </p:clrMapOvr>
+  <p:timing>
+    <p:tnLst>
+      <p:par>
+        <p:cTn id="1" dur="indefinite" restart="never" nodeType="tmRoot"/>
+      </p:par>
+    </p:tnLst>
+  </p:timing>
 </p:sld>
 </file>
 
@@ -10508,7 +8083,7 @@
         </p:nvSpPr>
         <p:spPr>
           <a:xfrm>
-            <a:off x="838200" y="365125"/>
+            <a:off x="838204" y="150812"/>
             <a:ext cx="10683240" cy="869315"/>
           </a:xfrm>
         </p:spPr>
@@ -10521,7 +8096,7 @@
                 <a:latin typeface="Arial" panose="020B0604020202020204" pitchFamily="34" charset="0"/>
                 <a:cs typeface="Arial" panose="020B0604020202020204" pitchFamily="34" charset="0"/>
               </a:rPr>
-              <a:t>Математическая модель</a:t>
+              <a:t>Сравнение программ</a:t>
             </a:r>
             <a:endParaRPr lang="ru-RU" dirty="0">
               <a:latin typeface="Arial" panose="020B0604020202020204" pitchFamily="34" charset="0"/>
@@ -10530,43 +8105,2541 @@
           </a:p>
         </p:txBody>
       </p:sp>
-      <p:sp>
-        <p:nvSpPr>
-          <p:cNvPr id="3" name="Объект 2"/>
-          <p:cNvSpPr>
-            <a:spLocks noGrp="1"/>
-          </p:cNvSpPr>
-          <p:nvPr>
-            <p:ph idx="1"/>
-          </p:nvPr>
-        </p:nvSpPr>
-        <p:spPr>
-          <a:xfrm>
-            <a:off x="838200" y="1234440"/>
-            <a:ext cx="10515600" cy="5417820"/>
-          </a:xfrm>
-        </p:spPr>
+      <p:graphicFrame>
+        <p:nvGraphicFramePr>
+          <p:cNvPr id="4" name="Таблица 3"/>
+          <p:cNvGraphicFramePr>
+            <a:graphicFrameLocks noGrp="1"/>
+          </p:cNvGraphicFramePr>
+          <p:nvPr>
+            <p:extLst>
+              <p:ext uri="{D42A27DB-BD31-4B8C-83A1-F6EECF244321}">
+                <p14:modId xmlns:p14="http://schemas.microsoft.com/office/powerpoint/2010/main" val="1970295328"/>
+              </p:ext>
+            </p:extLst>
+          </p:nvPr>
+        </p:nvGraphicFramePr>
+        <p:xfrm>
+          <a:off x="838200" y="1020127"/>
+          <a:ext cx="10683242" cy="5696102"/>
+        </p:xfrm>
+        <a:graphic>
+          <a:graphicData uri="http://schemas.openxmlformats.org/drawingml/2006/table">
+            <a:tbl>
+              <a:tblPr firstRow="1" firstCol="1" bandRow="1">
+                <a:tableStyleId>{616DA210-FB5B-4158-B5E0-FEB733F419BA}</a:tableStyleId>
+              </a:tblPr>
+              <a:tblGrid>
+                <a:gridCol w="2776538">
+                  <a:extLst>
+                    <a:ext uri="{9D8B030D-6E8A-4147-A177-3AD203B41FA5}">
+                      <a16:colId xmlns:a16="http://schemas.microsoft.com/office/drawing/2014/main" val="2943413150"/>
+                    </a:ext>
+                  </a:extLst>
+                </a:gridCol>
+                <a:gridCol w="1317784">
+                  <a:extLst>
+                    <a:ext uri="{9D8B030D-6E8A-4147-A177-3AD203B41FA5}">
+                      <a16:colId xmlns:a16="http://schemas.microsoft.com/office/drawing/2014/main" val="2129397566"/>
+                    </a:ext>
+                  </a:extLst>
+                </a:gridCol>
+                <a:gridCol w="1317784">
+                  <a:extLst>
+                    <a:ext uri="{9D8B030D-6E8A-4147-A177-3AD203B41FA5}">
+                      <a16:colId xmlns:a16="http://schemas.microsoft.com/office/drawing/2014/main" val="2684321809"/>
+                    </a:ext>
+                  </a:extLst>
+                </a:gridCol>
+                <a:gridCol w="1317784">
+                  <a:extLst>
+                    <a:ext uri="{9D8B030D-6E8A-4147-A177-3AD203B41FA5}">
+                      <a16:colId xmlns:a16="http://schemas.microsoft.com/office/drawing/2014/main" val="1318131511"/>
+                    </a:ext>
+                  </a:extLst>
+                </a:gridCol>
+                <a:gridCol w="1317784">
+                  <a:extLst>
+                    <a:ext uri="{9D8B030D-6E8A-4147-A177-3AD203B41FA5}">
+                      <a16:colId xmlns:a16="http://schemas.microsoft.com/office/drawing/2014/main" val="2999401091"/>
+                    </a:ext>
+                  </a:extLst>
+                </a:gridCol>
+                <a:gridCol w="1317784">
+                  <a:extLst>
+                    <a:ext uri="{9D8B030D-6E8A-4147-A177-3AD203B41FA5}">
+                      <a16:colId xmlns:a16="http://schemas.microsoft.com/office/drawing/2014/main" val="2439184763"/>
+                    </a:ext>
+                  </a:extLst>
+                </a:gridCol>
+                <a:gridCol w="1317784">
+                  <a:extLst>
+                    <a:ext uri="{9D8B030D-6E8A-4147-A177-3AD203B41FA5}">
+                      <a16:colId xmlns:a16="http://schemas.microsoft.com/office/drawing/2014/main" val="1011123697"/>
+                    </a:ext>
+                  </a:extLst>
+                </a:gridCol>
+              </a:tblGrid>
+              <a:tr h="1300664">
+                <a:tc>
+                  <a:txBody>
+                    <a:bodyPr/>
+                    <a:lstStyle/>
+                    <a:p>
+                      <a:pPr indent="450215" algn="just">
+                        <a:lnSpc>
+                          <a:spcPct val="150000"/>
+                        </a:lnSpc>
+                        <a:spcAft>
+                          <a:spcPts val="0"/>
+                        </a:spcAft>
+                      </a:pPr>
+                      <a:r>
+                        <a:rPr lang="ru-RU" sz="1400" dirty="0">
+                          <a:effectLst/>
+                          <a:latin typeface="Arial" panose="020B0604020202020204" pitchFamily="34" charset="0"/>
+                          <a:cs typeface="Arial" panose="020B0604020202020204" pitchFamily="34" charset="0"/>
+                        </a:rPr>
+                        <a:t>                        </a:t>
+                      </a:r>
+                    </a:p>
+                    <a:p>
+                      <a:pPr marL="0" indent="0" algn="just">
+                        <a:lnSpc>
+                          <a:spcPct val="150000"/>
+                        </a:lnSpc>
+                        <a:spcAft>
+                          <a:spcPts val="0"/>
+                        </a:spcAft>
+                      </a:pPr>
+                      <a:r>
+                        <a:rPr lang="ru-RU" sz="1400" dirty="0">
+                          <a:effectLst/>
+                          <a:latin typeface="Arial" panose="020B0604020202020204" pitchFamily="34" charset="0"/>
+                          <a:cs typeface="Arial" panose="020B0604020202020204" pitchFamily="34" charset="0"/>
+                        </a:rPr>
+                        <a:t>                 </a:t>
+                      </a:r>
+                      <a:r>
+                        <a:rPr lang="ru-RU" sz="1400" dirty="0" smtClean="0">
+                          <a:effectLst/>
+                          <a:latin typeface="Arial" panose="020B0604020202020204" pitchFamily="34" charset="0"/>
+                          <a:cs typeface="Arial" panose="020B0604020202020204" pitchFamily="34" charset="0"/>
+                        </a:rPr>
+                        <a:t>             Программа   </a:t>
+                      </a:r>
+                      <a:r>
+                        <a:rPr lang="ru-RU" sz="1400" baseline="0" dirty="0" smtClean="0">
+                          <a:effectLst/>
+                          <a:latin typeface="Arial" panose="020B0604020202020204" pitchFamily="34" charset="0"/>
+                          <a:cs typeface="Arial" panose="020B0604020202020204" pitchFamily="34" charset="0"/>
+                        </a:rPr>
+                        <a:t> </a:t>
+                      </a:r>
+                    </a:p>
+                    <a:p>
+                      <a:pPr marL="0" indent="0" algn="just">
+                        <a:lnSpc>
+                          <a:spcPct val="150000"/>
+                        </a:lnSpc>
+                        <a:spcAft>
+                          <a:spcPts val="0"/>
+                        </a:spcAft>
+                      </a:pPr>
+                      <a:r>
+                        <a:rPr lang="ru-RU" sz="1400" baseline="0" dirty="0" smtClean="0">
+                          <a:effectLst/>
+                          <a:latin typeface="Arial" panose="020B0604020202020204" pitchFamily="34" charset="0"/>
+                          <a:cs typeface="Arial" panose="020B0604020202020204" pitchFamily="34" charset="0"/>
+                        </a:rPr>
+                        <a:t>     </a:t>
+                      </a:r>
+                      <a:r>
+                        <a:rPr lang="ru-RU" sz="1400" dirty="0" smtClean="0">
+                          <a:effectLst/>
+                          <a:latin typeface="Arial" panose="020B0604020202020204" pitchFamily="34" charset="0"/>
+                          <a:cs typeface="Arial" panose="020B0604020202020204" pitchFamily="34" charset="0"/>
+                        </a:rPr>
+                        <a:t>Критерий</a:t>
+                      </a:r>
+                      <a:endParaRPr lang="ru-RU" sz="1400" dirty="0">
+                        <a:effectLst/>
+                        <a:latin typeface="Arial" panose="020B0604020202020204" pitchFamily="34" charset="0"/>
+                        <a:ea typeface="Calibri" panose="020F0502020204030204" pitchFamily="34" charset="0"/>
+                        <a:cs typeface="Arial" panose="020B0604020202020204" pitchFamily="34" charset="0"/>
+                      </a:endParaRPr>
+                    </a:p>
+                  </a:txBody>
+                  <a:tcPr marL="49075" marR="49075" marT="0" marB="0">
+                    <a:lnTlToBr w="12700" cap="flat" cmpd="sng" algn="ctr">
+                      <a:solidFill>
+                        <a:schemeClr val="tx1"/>
+                      </a:solidFill>
+                      <a:prstDash val="solid"/>
+                      <a:round/>
+                      <a:headEnd type="none" w="med" len="med"/>
+                      <a:tailEnd type="none" w="med" len="med"/>
+                    </a:lnTlToBr>
+                  </a:tcPr>
+                </a:tc>
+                <a:tc>
+                  <a:txBody>
+                    <a:bodyPr/>
+                    <a:lstStyle/>
+                    <a:p>
+                      <a:pPr marL="71438" marR="71755" indent="14288" algn="ctr">
+                        <a:lnSpc>
+                          <a:spcPct val="150000"/>
+                        </a:lnSpc>
+                        <a:spcAft>
+                          <a:spcPts val="0"/>
+                        </a:spcAft>
+                      </a:pPr>
+                      <a:r>
+                        <a:rPr lang="ru-RU" sz="1400" dirty="0">
+                          <a:effectLst/>
+                          <a:latin typeface="Arial" panose="020B0604020202020204" pitchFamily="34" charset="0"/>
+                          <a:cs typeface="Arial" panose="020B0604020202020204" pitchFamily="34" charset="0"/>
+                        </a:rPr>
+                        <a:t>СППР «Выбор»</a:t>
+                      </a:r>
+                      <a:endParaRPr lang="ru-RU" sz="1400" dirty="0">
+                        <a:effectLst/>
+                        <a:latin typeface="Arial" panose="020B0604020202020204" pitchFamily="34" charset="0"/>
+                        <a:ea typeface="Calibri" panose="020F0502020204030204" pitchFamily="34" charset="0"/>
+                        <a:cs typeface="Arial" panose="020B0604020202020204" pitchFamily="34" charset="0"/>
+                      </a:endParaRPr>
+                    </a:p>
+                  </a:txBody>
+                  <a:tcPr marL="49075" marR="49075" marT="0" marB="0" anchor="ctr"/>
+                </a:tc>
+                <a:tc>
+                  <a:txBody>
+                    <a:bodyPr/>
+                    <a:lstStyle/>
+                    <a:p>
+                      <a:pPr marL="71438" marR="71755" indent="14288" algn="ctr">
+                        <a:lnSpc>
+                          <a:spcPct val="150000"/>
+                        </a:lnSpc>
+                        <a:spcAft>
+                          <a:spcPts val="0"/>
+                        </a:spcAft>
+                      </a:pPr>
+                      <a:r>
+                        <a:rPr lang="ru-RU" sz="1400" dirty="0">
+                          <a:effectLst/>
+                          <a:latin typeface="Arial" panose="020B0604020202020204" pitchFamily="34" charset="0"/>
+                          <a:cs typeface="Arial" panose="020B0604020202020204" pitchFamily="34" charset="0"/>
+                        </a:rPr>
+                        <a:t>Мыслитель</a:t>
+                      </a:r>
+                      <a:endParaRPr lang="ru-RU" sz="1400" dirty="0">
+                        <a:effectLst/>
+                        <a:latin typeface="Arial" panose="020B0604020202020204" pitchFamily="34" charset="0"/>
+                        <a:ea typeface="Calibri" panose="020F0502020204030204" pitchFamily="34" charset="0"/>
+                        <a:cs typeface="Arial" panose="020B0604020202020204" pitchFamily="34" charset="0"/>
+                      </a:endParaRPr>
+                    </a:p>
+                  </a:txBody>
+                  <a:tcPr marL="49075" marR="49075" marT="0" marB="0" anchor="ctr"/>
+                </a:tc>
+                <a:tc>
+                  <a:txBody>
+                    <a:bodyPr/>
+                    <a:lstStyle/>
+                    <a:p>
+                      <a:pPr marL="71438" marR="71755" indent="14288" algn="ctr">
+                        <a:lnSpc>
+                          <a:spcPct val="150000"/>
+                        </a:lnSpc>
+                        <a:spcAft>
+                          <a:spcPts val="0"/>
+                        </a:spcAft>
+                      </a:pPr>
+                      <a:r>
+                        <a:rPr lang="en-US" sz="1400" dirty="0">
+                          <a:effectLst/>
+                          <a:latin typeface="Arial" panose="020B0604020202020204" pitchFamily="34" charset="0"/>
+                          <a:cs typeface="Arial" panose="020B0604020202020204" pitchFamily="34" charset="0"/>
+                        </a:rPr>
+                        <a:t>MPRIORITY</a:t>
+                      </a:r>
+                      <a:endParaRPr lang="ru-RU" sz="1400" dirty="0">
+                        <a:effectLst/>
+                        <a:latin typeface="Arial" panose="020B0604020202020204" pitchFamily="34" charset="0"/>
+                        <a:ea typeface="Calibri" panose="020F0502020204030204" pitchFamily="34" charset="0"/>
+                        <a:cs typeface="Arial" panose="020B0604020202020204" pitchFamily="34" charset="0"/>
+                      </a:endParaRPr>
+                    </a:p>
+                  </a:txBody>
+                  <a:tcPr marL="49075" marR="49075" marT="0" marB="0" anchor="ctr"/>
+                </a:tc>
+                <a:tc>
+                  <a:txBody>
+                    <a:bodyPr/>
+                    <a:lstStyle/>
+                    <a:p>
+                      <a:pPr marL="71438" marR="71755" indent="14288" algn="ctr">
+                        <a:lnSpc>
+                          <a:spcPct val="150000"/>
+                        </a:lnSpc>
+                        <a:spcAft>
+                          <a:spcPts val="0"/>
+                        </a:spcAft>
+                      </a:pPr>
+                      <a:r>
+                        <a:rPr lang="en-US" sz="1400" dirty="0">
+                          <a:effectLst/>
+                          <a:latin typeface="Arial" panose="020B0604020202020204" pitchFamily="34" charset="0"/>
+                          <a:cs typeface="Arial" panose="020B0604020202020204" pitchFamily="34" charset="0"/>
+                        </a:rPr>
+                        <a:t>Super Decisions</a:t>
+                      </a:r>
+                      <a:endParaRPr lang="ru-RU" sz="1400" dirty="0">
+                        <a:effectLst/>
+                        <a:latin typeface="Arial" panose="020B0604020202020204" pitchFamily="34" charset="0"/>
+                        <a:ea typeface="Calibri" panose="020F0502020204030204" pitchFamily="34" charset="0"/>
+                        <a:cs typeface="Arial" panose="020B0604020202020204" pitchFamily="34" charset="0"/>
+                      </a:endParaRPr>
+                    </a:p>
+                  </a:txBody>
+                  <a:tcPr marL="49075" marR="49075" marT="0" marB="0" anchor="ctr"/>
+                </a:tc>
+                <a:tc>
+                  <a:txBody>
+                    <a:bodyPr/>
+                    <a:lstStyle/>
+                    <a:p>
+                      <a:pPr marL="71438" marR="71755" indent="14288" algn="ctr">
+                        <a:lnSpc>
+                          <a:spcPct val="150000"/>
+                        </a:lnSpc>
+                        <a:spcAft>
+                          <a:spcPts val="0"/>
+                        </a:spcAft>
+                      </a:pPr>
+                      <a:r>
+                        <a:rPr lang="en-US" sz="1400" dirty="0" err="1">
+                          <a:effectLst/>
+                          <a:latin typeface="Arial" panose="020B0604020202020204" pitchFamily="34" charset="0"/>
+                          <a:cs typeface="Arial" panose="020B0604020202020204" pitchFamily="34" charset="0"/>
+                        </a:rPr>
+                        <a:t>MakeItRational</a:t>
+                      </a:r>
+                      <a:endParaRPr lang="ru-RU" sz="1400" dirty="0">
+                        <a:effectLst/>
+                        <a:latin typeface="Arial" panose="020B0604020202020204" pitchFamily="34" charset="0"/>
+                        <a:ea typeface="Calibri" panose="020F0502020204030204" pitchFamily="34" charset="0"/>
+                        <a:cs typeface="Arial" panose="020B0604020202020204" pitchFamily="34" charset="0"/>
+                      </a:endParaRPr>
+                    </a:p>
+                  </a:txBody>
+                  <a:tcPr marL="49075" marR="49075" marT="0" marB="0" anchor="ctr"/>
+                </a:tc>
+                <a:tc>
+                  <a:txBody>
+                    <a:bodyPr/>
+                    <a:lstStyle/>
+                    <a:p>
+                      <a:pPr marL="71438" marR="71755" indent="14288" algn="ctr">
+                        <a:lnSpc>
+                          <a:spcPct val="150000"/>
+                        </a:lnSpc>
+                        <a:spcAft>
+                          <a:spcPts val="0"/>
+                        </a:spcAft>
+                      </a:pPr>
+                      <a:r>
+                        <a:rPr lang="en-US" sz="1400" dirty="0" err="1">
+                          <a:effectLst/>
+                          <a:latin typeface="Arial" panose="020B0604020202020204" pitchFamily="34" charset="0"/>
+                          <a:cs typeface="Arial" panose="020B0604020202020204" pitchFamily="34" charset="0"/>
+                        </a:rPr>
+                        <a:t>PriEsT</a:t>
+                      </a:r>
+                      <a:endParaRPr lang="ru-RU" sz="1400" dirty="0">
+                        <a:effectLst/>
+                        <a:latin typeface="Arial" panose="020B0604020202020204" pitchFamily="34" charset="0"/>
+                        <a:ea typeface="Calibri" panose="020F0502020204030204" pitchFamily="34" charset="0"/>
+                        <a:cs typeface="Arial" panose="020B0604020202020204" pitchFamily="34" charset="0"/>
+                      </a:endParaRPr>
+                    </a:p>
+                  </a:txBody>
+                  <a:tcPr marL="49075" marR="49075" marT="0" marB="0" anchor="ctr"/>
+                </a:tc>
+                <a:extLst>
+                  <a:ext uri="{0D108BD9-81ED-4DB2-BD59-A6C34878D82A}">
+                    <a16:rowId xmlns:a16="http://schemas.microsoft.com/office/drawing/2014/main" val="3580239240"/>
+                  </a:ext>
+                </a:extLst>
+              </a:tr>
+              <a:tr h="260133">
+                <a:tc>
+                  <a:txBody>
+                    <a:bodyPr/>
+                    <a:lstStyle/>
+                    <a:p>
+                      <a:pPr marL="0" indent="185738" algn="l">
+                        <a:lnSpc>
+                          <a:spcPct val="150000"/>
+                        </a:lnSpc>
+                        <a:spcAft>
+                          <a:spcPts val="0"/>
+                        </a:spcAft>
+                      </a:pPr>
+                      <a:r>
+                        <a:rPr lang="ru-RU" sz="1400" dirty="0">
+                          <a:effectLst/>
+                          <a:latin typeface="Arial" panose="020B0604020202020204" pitchFamily="34" charset="0"/>
+                          <a:cs typeface="Arial" panose="020B0604020202020204" pitchFamily="34" charset="0"/>
+                        </a:rPr>
+                        <a:t>ГИП</a:t>
+                      </a:r>
+                      <a:endParaRPr lang="ru-RU" sz="1400" dirty="0">
+                        <a:effectLst/>
+                        <a:latin typeface="Arial" panose="020B0604020202020204" pitchFamily="34" charset="0"/>
+                        <a:ea typeface="Calibri" panose="020F0502020204030204" pitchFamily="34" charset="0"/>
+                        <a:cs typeface="Arial" panose="020B0604020202020204" pitchFamily="34" charset="0"/>
+                      </a:endParaRPr>
+                    </a:p>
+                  </a:txBody>
+                  <a:tcPr marL="49075" marR="49075" marT="0" marB="0" anchor="ctr"/>
+                </a:tc>
+                <a:tc>
+                  <a:txBody>
+                    <a:bodyPr/>
+                    <a:lstStyle/>
+                    <a:p>
+                      <a:pPr marL="0" indent="0" algn="ctr">
+                        <a:lnSpc>
+                          <a:spcPct val="150000"/>
+                        </a:lnSpc>
+                        <a:spcAft>
+                          <a:spcPts val="0"/>
+                        </a:spcAft>
+                      </a:pPr>
+                      <a:r>
+                        <a:rPr lang="ru-RU" sz="1600" dirty="0">
+                          <a:effectLst/>
+                          <a:latin typeface="Arial" panose="020B0604020202020204" pitchFamily="34" charset="0"/>
+                          <a:cs typeface="Arial" panose="020B0604020202020204" pitchFamily="34" charset="0"/>
+                        </a:rPr>
+                        <a:t>1</a:t>
+                      </a:r>
+                      <a:endParaRPr lang="ru-RU" sz="1600" dirty="0">
+                        <a:effectLst/>
+                        <a:latin typeface="Arial" panose="020B0604020202020204" pitchFamily="34" charset="0"/>
+                        <a:ea typeface="Calibri" panose="020F0502020204030204" pitchFamily="34" charset="0"/>
+                        <a:cs typeface="Arial" panose="020B0604020202020204" pitchFamily="34" charset="0"/>
+                      </a:endParaRPr>
+                    </a:p>
+                  </a:txBody>
+                  <a:tcPr marL="49075" marR="49075" marT="0" marB="0" anchor="ctr"/>
+                </a:tc>
+                <a:tc>
+                  <a:txBody>
+                    <a:bodyPr/>
+                    <a:lstStyle/>
+                    <a:p>
+                      <a:pPr marL="0" indent="0" algn="ctr" defTabSz="914400" rtl="0" eaLnBrk="1" latinLnBrk="0" hangingPunct="1">
+                        <a:lnSpc>
+                          <a:spcPct val="150000"/>
+                        </a:lnSpc>
+                        <a:spcAft>
+                          <a:spcPts val="0"/>
+                        </a:spcAft>
+                      </a:pPr>
+                      <a:r>
+                        <a:rPr lang="ru-RU" sz="1600" kern="1200" dirty="0">
+                          <a:solidFill>
+                            <a:schemeClr val="tx1"/>
+                          </a:solidFill>
+                          <a:effectLst/>
+                          <a:latin typeface="Arial" panose="020B0604020202020204" pitchFamily="34" charset="0"/>
+                          <a:ea typeface="+mn-ea"/>
+                          <a:cs typeface="Arial" panose="020B0604020202020204" pitchFamily="34" charset="0"/>
+                        </a:rPr>
+                        <a:t>1</a:t>
+                      </a:r>
+                    </a:p>
+                  </a:txBody>
+                  <a:tcPr marL="49075" marR="49075" marT="0" marB="0" anchor="ctr"/>
+                </a:tc>
+                <a:tc>
+                  <a:txBody>
+                    <a:bodyPr/>
+                    <a:lstStyle/>
+                    <a:p>
+                      <a:pPr marL="0" indent="0" algn="ctr" defTabSz="914400" rtl="0" eaLnBrk="1" latinLnBrk="0" hangingPunct="1">
+                        <a:lnSpc>
+                          <a:spcPct val="150000"/>
+                        </a:lnSpc>
+                        <a:spcAft>
+                          <a:spcPts val="0"/>
+                        </a:spcAft>
+                      </a:pPr>
+                      <a:r>
+                        <a:rPr lang="ru-RU" sz="1600" kern="1200" dirty="0">
+                          <a:solidFill>
+                            <a:schemeClr val="tx1"/>
+                          </a:solidFill>
+                          <a:effectLst/>
+                          <a:latin typeface="Arial" panose="020B0604020202020204" pitchFamily="34" charset="0"/>
+                          <a:ea typeface="+mn-ea"/>
+                          <a:cs typeface="Arial" panose="020B0604020202020204" pitchFamily="34" charset="0"/>
+                        </a:rPr>
+                        <a:t>1</a:t>
+                      </a:r>
+                    </a:p>
+                  </a:txBody>
+                  <a:tcPr marL="49075" marR="49075" marT="0" marB="0" anchor="ctr"/>
+                </a:tc>
+                <a:tc>
+                  <a:txBody>
+                    <a:bodyPr/>
+                    <a:lstStyle/>
+                    <a:p>
+                      <a:pPr marL="0" indent="0" algn="ctr" defTabSz="914400" rtl="0" eaLnBrk="1" latinLnBrk="0" hangingPunct="1">
+                        <a:lnSpc>
+                          <a:spcPct val="150000"/>
+                        </a:lnSpc>
+                        <a:spcAft>
+                          <a:spcPts val="0"/>
+                        </a:spcAft>
+                      </a:pPr>
+                      <a:r>
+                        <a:rPr lang="ru-RU" sz="1600" kern="1200" dirty="0">
+                          <a:solidFill>
+                            <a:schemeClr val="tx1"/>
+                          </a:solidFill>
+                          <a:effectLst/>
+                          <a:latin typeface="Arial" panose="020B0604020202020204" pitchFamily="34" charset="0"/>
+                          <a:ea typeface="+mn-ea"/>
+                          <a:cs typeface="Arial" panose="020B0604020202020204" pitchFamily="34" charset="0"/>
+                        </a:rPr>
+                        <a:t>1</a:t>
+                      </a:r>
+                    </a:p>
+                  </a:txBody>
+                  <a:tcPr marL="49075" marR="49075" marT="0" marB="0" anchor="ctr"/>
+                </a:tc>
+                <a:tc>
+                  <a:txBody>
+                    <a:bodyPr/>
+                    <a:lstStyle/>
+                    <a:p>
+                      <a:pPr marL="0" indent="0" algn="ctr" defTabSz="914400" rtl="0" eaLnBrk="1" latinLnBrk="0" hangingPunct="1">
+                        <a:lnSpc>
+                          <a:spcPct val="150000"/>
+                        </a:lnSpc>
+                        <a:spcAft>
+                          <a:spcPts val="0"/>
+                        </a:spcAft>
+                      </a:pPr>
+                      <a:r>
+                        <a:rPr lang="ru-RU" sz="1600" kern="1200" dirty="0">
+                          <a:solidFill>
+                            <a:schemeClr val="tx1"/>
+                          </a:solidFill>
+                          <a:effectLst/>
+                          <a:latin typeface="Arial" panose="020B0604020202020204" pitchFamily="34" charset="0"/>
+                          <a:ea typeface="+mn-ea"/>
+                          <a:cs typeface="Arial" panose="020B0604020202020204" pitchFamily="34" charset="0"/>
+                        </a:rPr>
+                        <a:t>1</a:t>
+                      </a:r>
+                    </a:p>
+                  </a:txBody>
+                  <a:tcPr marL="49075" marR="49075" marT="0" marB="0" anchor="ctr"/>
+                </a:tc>
+                <a:tc>
+                  <a:txBody>
+                    <a:bodyPr/>
+                    <a:lstStyle/>
+                    <a:p>
+                      <a:pPr marL="0" indent="0" algn="ctr" defTabSz="914400" rtl="0" eaLnBrk="1" latinLnBrk="0" hangingPunct="1">
+                        <a:lnSpc>
+                          <a:spcPct val="150000"/>
+                        </a:lnSpc>
+                        <a:spcAft>
+                          <a:spcPts val="0"/>
+                        </a:spcAft>
+                      </a:pPr>
+                      <a:r>
+                        <a:rPr lang="ru-RU" sz="1600" kern="1200" dirty="0">
+                          <a:solidFill>
+                            <a:schemeClr val="tx1"/>
+                          </a:solidFill>
+                          <a:effectLst/>
+                          <a:latin typeface="Arial" panose="020B0604020202020204" pitchFamily="34" charset="0"/>
+                          <a:ea typeface="+mn-ea"/>
+                          <a:cs typeface="Arial" panose="020B0604020202020204" pitchFamily="34" charset="0"/>
+                        </a:rPr>
+                        <a:t>1</a:t>
+                      </a:r>
+                    </a:p>
+                  </a:txBody>
+                  <a:tcPr marL="49075" marR="49075" marT="0" marB="0" anchor="ctr"/>
+                </a:tc>
+                <a:extLst>
+                  <a:ext uri="{0D108BD9-81ED-4DB2-BD59-A6C34878D82A}">
+                    <a16:rowId xmlns:a16="http://schemas.microsoft.com/office/drawing/2014/main" val="1436626200"/>
+                  </a:ext>
+                </a:extLst>
+              </a:tr>
+              <a:tr h="260133">
+                <a:tc>
+                  <a:txBody>
+                    <a:bodyPr/>
+                    <a:lstStyle/>
+                    <a:p>
+                      <a:pPr marL="0" indent="185738" algn="l">
+                        <a:lnSpc>
+                          <a:spcPct val="150000"/>
+                        </a:lnSpc>
+                        <a:spcAft>
+                          <a:spcPts val="0"/>
+                        </a:spcAft>
+                      </a:pPr>
+                      <a:r>
+                        <a:rPr lang="ru-RU" sz="1400" dirty="0">
+                          <a:effectLst/>
+                          <a:latin typeface="Arial" panose="020B0604020202020204" pitchFamily="34" charset="0"/>
+                          <a:cs typeface="Arial" panose="020B0604020202020204" pitchFamily="34" charset="0"/>
+                        </a:rPr>
+                        <a:t>Русификация</a:t>
+                      </a:r>
+                      <a:endParaRPr lang="ru-RU" sz="1400" dirty="0">
+                        <a:effectLst/>
+                        <a:latin typeface="Arial" panose="020B0604020202020204" pitchFamily="34" charset="0"/>
+                        <a:ea typeface="Calibri" panose="020F0502020204030204" pitchFamily="34" charset="0"/>
+                        <a:cs typeface="Arial" panose="020B0604020202020204" pitchFamily="34" charset="0"/>
+                      </a:endParaRPr>
+                    </a:p>
+                  </a:txBody>
+                  <a:tcPr marL="49075" marR="49075" marT="0" marB="0" anchor="ctr"/>
+                </a:tc>
+                <a:tc>
+                  <a:txBody>
+                    <a:bodyPr/>
+                    <a:lstStyle/>
+                    <a:p>
+                      <a:pPr marL="0" indent="0" algn="ctr" defTabSz="914400" rtl="0" eaLnBrk="1" latinLnBrk="0" hangingPunct="1">
+                        <a:lnSpc>
+                          <a:spcPct val="150000"/>
+                        </a:lnSpc>
+                        <a:spcAft>
+                          <a:spcPts val="0"/>
+                        </a:spcAft>
+                      </a:pPr>
+                      <a:r>
+                        <a:rPr lang="ru-RU" sz="1600" kern="1200" dirty="0">
+                          <a:solidFill>
+                            <a:schemeClr val="tx1"/>
+                          </a:solidFill>
+                          <a:effectLst/>
+                          <a:latin typeface="Arial" panose="020B0604020202020204" pitchFamily="34" charset="0"/>
+                          <a:ea typeface="+mn-ea"/>
+                          <a:cs typeface="Arial" panose="020B0604020202020204" pitchFamily="34" charset="0"/>
+                        </a:rPr>
+                        <a:t>1</a:t>
+                      </a:r>
+                    </a:p>
+                  </a:txBody>
+                  <a:tcPr marL="49075" marR="49075" marT="0" marB="0" anchor="ctr"/>
+                </a:tc>
+                <a:tc>
+                  <a:txBody>
+                    <a:bodyPr/>
+                    <a:lstStyle/>
+                    <a:p>
+                      <a:pPr marL="0" indent="0" algn="ctr" defTabSz="914400" rtl="0" eaLnBrk="1" latinLnBrk="0" hangingPunct="1">
+                        <a:lnSpc>
+                          <a:spcPct val="150000"/>
+                        </a:lnSpc>
+                        <a:spcAft>
+                          <a:spcPts val="0"/>
+                        </a:spcAft>
+                      </a:pPr>
+                      <a:r>
+                        <a:rPr lang="ru-RU" sz="1600" kern="1200" dirty="0">
+                          <a:solidFill>
+                            <a:schemeClr val="tx1"/>
+                          </a:solidFill>
+                          <a:effectLst/>
+                          <a:latin typeface="Arial" panose="020B0604020202020204" pitchFamily="34" charset="0"/>
+                          <a:ea typeface="+mn-ea"/>
+                          <a:cs typeface="Arial" panose="020B0604020202020204" pitchFamily="34" charset="0"/>
+                        </a:rPr>
+                        <a:t>1</a:t>
+                      </a:r>
+                    </a:p>
+                  </a:txBody>
+                  <a:tcPr marL="49075" marR="49075" marT="0" marB="0" anchor="ctr"/>
+                </a:tc>
+                <a:tc>
+                  <a:txBody>
+                    <a:bodyPr/>
+                    <a:lstStyle/>
+                    <a:p>
+                      <a:pPr marL="0" indent="0" algn="ctr" defTabSz="914400" rtl="0" eaLnBrk="1" latinLnBrk="0" hangingPunct="1">
+                        <a:lnSpc>
+                          <a:spcPct val="150000"/>
+                        </a:lnSpc>
+                        <a:spcAft>
+                          <a:spcPts val="0"/>
+                        </a:spcAft>
+                      </a:pPr>
+                      <a:r>
+                        <a:rPr lang="ru-RU" sz="1600" kern="1200">
+                          <a:solidFill>
+                            <a:schemeClr val="tx1"/>
+                          </a:solidFill>
+                          <a:effectLst/>
+                          <a:latin typeface="Arial" panose="020B0604020202020204" pitchFamily="34" charset="0"/>
+                          <a:ea typeface="+mn-ea"/>
+                          <a:cs typeface="Arial" panose="020B0604020202020204" pitchFamily="34" charset="0"/>
+                        </a:rPr>
+                        <a:t>1</a:t>
+                      </a:r>
+                    </a:p>
+                  </a:txBody>
+                  <a:tcPr marL="49075" marR="49075" marT="0" marB="0" anchor="ctr"/>
+                </a:tc>
+                <a:tc>
+                  <a:txBody>
+                    <a:bodyPr/>
+                    <a:lstStyle/>
+                    <a:p>
+                      <a:pPr marL="0" indent="0" algn="ctr" defTabSz="914400" rtl="0" eaLnBrk="1" latinLnBrk="0" hangingPunct="1">
+                        <a:lnSpc>
+                          <a:spcPct val="150000"/>
+                        </a:lnSpc>
+                        <a:spcAft>
+                          <a:spcPts val="0"/>
+                        </a:spcAft>
+                      </a:pPr>
+                      <a:r>
+                        <a:rPr lang="ru-RU" sz="1600" kern="1200">
+                          <a:solidFill>
+                            <a:schemeClr val="tx1"/>
+                          </a:solidFill>
+                          <a:effectLst/>
+                          <a:latin typeface="Arial" panose="020B0604020202020204" pitchFamily="34" charset="0"/>
+                          <a:ea typeface="+mn-ea"/>
+                          <a:cs typeface="Arial" panose="020B0604020202020204" pitchFamily="34" charset="0"/>
+                        </a:rPr>
+                        <a:t>0</a:t>
+                      </a:r>
+                    </a:p>
+                  </a:txBody>
+                  <a:tcPr marL="49075" marR="49075" marT="0" marB="0" anchor="ctr"/>
+                </a:tc>
+                <a:tc>
+                  <a:txBody>
+                    <a:bodyPr/>
+                    <a:lstStyle/>
+                    <a:p>
+                      <a:pPr marL="0" indent="0" algn="ctr" defTabSz="914400" rtl="0" eaLnBrk="1" latinLnBrk="0" hangingPunct="1">
+                        <a:lnSpc>
+                          <a:spcPct val="150000"/>
+                        </a:lnSpc>
+                        <a:spcAft>
+                          <a:spcPts val="0"/>
+                        </a:spcAft>
+                      </a:pPr>
+                      <a:r>
+                        <a:rPr lang="ru-RU" sz="1600" kern="1200">
+                          <a:solidFill>
+                            <a:schemeClr val="tx1"/>
+                          </a:solidFill>
+                          <a:effectLst/>
+                          <a:latin typeface="Arial" panose="020B0604020202020204" pitchFamily="34" charset="0"/>
+                          <a:ea typeface="+mn-ea"/>
+                          <a:cs typeface="Arial" panose="020B0604020202020204" pitchFamily="34" charset="0"/>
+                        </a:rPr>
+                        <a:t>0</a:t>
+                      </a:r>
+                    </a:p>
+                  </a:txBody>
+                  <a:tcPr marL="49075" marR="49075" marT="0" marB="0" anchor="ctr"/>
+                </a:tc>
+                <a:tc>
+                  <a:txBody>
+                    <a:bodyPr/>
+                    <a:lstStyle/>
+                    <a:p>
+                      <a:pPr marL="0" indent="0" algn="ctr" defTabSz="914400" rtl="0" eaLnBrk="1" latinLnBrk="0" hangingPunct="1">
+                        <a:lnSpc>
+                          <a:spcPct val="150000"/>
+                        </a:lnSpc>
+                        <a:spcAft>
+                          <a:spcPts val="0"/>
+                        </a:spcAft>
+                      </a:pPr>
+                      <a:r>
+                        <a:rPr lang="ru-RU" sz="1600" kern="1200" dirty="0">
+                          <a:solidFill>
+                            <a:schemeClr val="tx1"/>
+                          </a:solidFill>
+                          <a:effectLst/>
+                          <a:latin typeface="Arial" panose="020B0604020202020204" pitchFamily="34" charset="0"/>
+                          <a:ea typeface="+mn-ea"/>
+                          <a:cs typeface="Arial" panose="020B0604020202020204" pitchFamily="34" charset="0"/>
+                        </a:rPr>
+                        <a:t>0</a:t>
+                      </a:r>
+                    </a:p>
+                  </a:txBody>
+                  <a:tcPr marL="49075" marR="49075" marT="0" marB="0" anchor="ctr"/>
+                </a:tc>
+                <a:extLst>
+                  <a:ext uri="{0D108BD9-81ED-4DB2-BD59-A6C34878D82A}">
+                    <a16:rowId xmlns:a16="http://schemas.microsoft.com/office/drawing/2014/main" val="3947712351"/>
+                  </a:ext>
+                </a:extLst>
+              </a:tr>
+              <a:tr h="260133">
+                <a:tc>
+                  <a:txBody>
+                    <a:bodyPr/>
+                    <a:lstStyle/>
+                    <a:p>
+                      <a:pPr marL="0" indent="185738" algn="l">
+                        <a:lnSpc>
+                          <a:spcPct val="150000"/>
+                        </a:lnSpc>
+                        <a:spcAft>
+                          <a:spcPts val="0"/>
+                        </a:spcAft>
+                      </a:pPr>
+                      <a:r>
+                        <a:rPr lang="ru-RU" sz="1400" dirty="0">
+                          <a:effectLst/>
+                          <a:latin typeface="Arial" panose="020B0604020202020204" pitchFamily="34" charset="0"/>
+                          <a:cs typeface="Arial" panose="020B0604020202020204" pitchFamily="34" charset="0"/>
+                        </a:rPr>
+                        <a:t>История</a:t>
+                      </a:r>
+                      <a:endParaRPr lang="ru-RU" sz="1400" dirty="0">
+                        <a:effectLst/>
+                        <a:latin typeface="Arial" panose="020B0604020202020204" pitchFamily="34" charset="0"/>
+                        <a:ea typeface="Calibri" panose="020F0502020204030204" pitchFamily="34" charset="0"/>
+                        <a:cs typeface="Arial" panose="020B0604020202020204" pitchFamily="34" charset="0"/>
+                      </a:endParaRPr>
+                    </a:p>
+                  </a:txBody>
+                  <a:tcPr marL="49075" marR="49075" marT="0" marB="0" anchor="ctr"/>
+                </a:tc>
+                <a:tc>
+                  <a:txBody>
+                    <a:bodyPr/>
+                    <a:lstStyle/>
+                    <a:p>
+                      <a:pPr marL="0" indent="0" algn="ctr" defTabSz="914400" rtl="0" eaLnBrk="1" latinLnBrk="0" hangingPunct="1">
+                        <a:lnSpc>
+                          <a:spcPct val="150000"/>
+                        </a:lnSpc>
+                        <a:spcAft>
+                          <a:spcPts val="0"/>
+                        </a:spcAft>
+                      </a:pPr>
+                      <a:r>
+                        <a:rPr lang="ru-RU" sz="1600" kern="1200" dirty="0">
+                          <a:solidFill>
+                            <a:schemeClr val="tx1"/>
+                          </a:solidFill>
+                          <a:effectLst/>
+                          <a:latin typeface="Arial" panose="020B0604020202020204" pitchFamily="34" charset="0"/>
+                          <a:ea typeface="+mn-ea"/>
+                          <a:cs typeface="Arial" panose="020B0604020202020204" pitchFamily="34" charset="0"/>
+                        </a:rPr>
+                        <a:t>0</a:t>
+                      </a:r>
+                    </a:p>
+                  </a:txBody>
+                  <a:tcPr marL="49075" marR="49075" marT="0" marB="0" anchor="ctr"/>
+                </a:tc>
+                <a:tc>
+                  <a:txBody>
+                    <a:bodyPr/>
+                    <a:lstStyle/>
+                    <a:p>
+                      <a:pPr marL="0" indent="0" algn="ctr" defTabSz="914400" rtl="0" eaLnBrk="1" latinLnBrk="0" hangingPunct="1">
+                        <a:lnSpc>
+                          <a:spcPct val="150000"/>
+                        </a:lnSpc>
+                        <a:spcAft>
+                          <a:spcPts val="0"/>
+                        </a:spcAft>
+                      </a:pPr>
+                      <a:r>
+                        <a:rPr lang="ru-RU" sz="1600" kern="1200" dirty="0">
+                          <a:solidFill>
+                            <a:schemeClr val="tx1"/>
+                          </a:solidFill>
+                          <a:effectLst/>
+                          <a:latin typeface="Arial" panose="020B0604020202020204" pitchFamily="34" charset="0"/>
+                          <a:ea typeface="+mn-ea"/>
+                          <a:cs typeface="Arial" panose="020B0604020202020204" pitchFamily="34" charset="0"/>
+                        </a:rPr>
+                        <a:t>0</a:t>
+                      </a:r>
+                    </a:p>
+                  </a:txBody>
+                  <a:tcPr marL="49075" marR="49075" marT="0" marB="0" anchor="ctr"/>
+                </a:tc>
+                <a:tc>
+                  <a:txBody>
+                    <a:bodyPr/>
+                    <a:lstStyle/>
+                    <a:p>
+                      <a:pPr marL="0" indent="0" algn="ctr" defTabSz="914400" rtl="0" eaLnBrk="1" latinLnBrk="0" hangingPunct="1">
+                        <a:lnSpc>
+                          <a:spcPct val="150000"/>
+                        </a:lnSpc>
+                        <a:spcAft>
+                          <a:spcPts val="0"/>
+                        </a:spcAft>
+                      </a:pPr>
+                      <a:r>
+                        <a:rPr lang="ru-RU" sz="1600" kern="1200" dirty="0">
+                          <a:solidFill>
+                            <a:schemeClr val="tx1"/>
+                          </a:solidFill>
+                          <a:effectLst/>
+                          <a:latin typeface="Arial" panose="020B0604020202020204" pitchFamily="34" charset="0"/>
+                          <a:ea typeface="+mn-ea"/>
+                          <a:cs typeface="Arial" panose="020B0604020202020204" pitchFamily="34" charset="0"/>
+                        </a:rPr>
+                        <a:t>0</a:t>
+                      </a:r>
+                    </a:p>
+                  </a:txBody>
+                  <a:tcPr marL="49075" marR="49075" marT="0" marB="0" anchor="ctr"/>
+                </a:tc>
+                <a:tc>
+                  <a:txBody>
+                    <a:bodyPr/>
+                    <a:lstStyle/>
+                    <a:p>
+                      <a:pPr marL="0" indent="0" algn="ctr" defTabSz="914400" rtl="0" eaLnBrk="1" latinLnBrk="0" hangingPunct="1">
+                        <a:lnSpc>
+                          <a:spcPct val="150000"/>
+                        </a:lnSpc>
+                        <a:spcAft>
+                          <a:spcPts val="0"/>
+                        </a:spcAft>
+                      </a:pPr>
+                      <a:r>
+                        <a:rPr lang="ru-RU" sz="1600" kern="1200">
+                          <a:solidFill>
+                            <a:schemeClr val="tx1"/>
+                          </a:solidFill>
+                          <a:effectLst/>
+                          <a:latin typeface="Arial" panose="020B0604020202020204" pitchFamily="34" charset="0"/>
+                          <a:ea typeface="+mn-ea"/>
+                          <a:cs typeface="Arial" panose="020B0604020202020204" pitchFamily="34" charset="0"/>
+                        </a:rPr>
+                        <a:t>1</a:t>
+                      </a:r>
+                    </a:p>
+                  </a:txBody>
+                  <a:tcPr marL="49075" marR="49075" marT="0" marB="0" anchor="ctr"/>
+                </a:tc>
+                <a:tc>
+                  <a:txBody>
+                    <a:bodyPr/>
+                    <a:lstStyle/>
+                    <a:p>
+                      <a:pPr marL="0" indent="0" algn="ctr" defTabSz="914400" rtl="0" eaLnBrk="1" latinLnBrk="0" hangingPunct="1">
+                        <a:lnSpc>
+                          <a:spcPct val="150000"/>
+                        </a:lnSpc>
+                        <a:spcAft>
+                          <a:spcPts val="0"/>
+                        </a:spcAft>
+                      </a:pPr>
+                      <a:r>
+                        <a:rPr lang="ru-RU" sz="1600" kern="1200">
+                          <a:solidFill>
+                            <a:schemeClr val="tx1"/>
+                          </a:solidFill>
+                          <a:effectLst/>
+                          <a:latin typeface="Arial" panose="020B0604020202020204" pitchFamily="34" charset="0"/>
+                          <a:ea typeface="+mn-ea"/>
+                          <a:cs typeface="Arial" panose="020B0604020202020204" pitchFamily="34" charset="0"/>
+                        </a:rPr>
+                        <a:t>1</a:t>
+                      </a:r>
+                    </a:p>
+                  </a:txBody>
+                  <a:tcPr marL="49075" marR="49075" marT="0" marB="0" anchor="ctr"/>
+                </a:tc>
+                <a:tc>
+                  <a:txBody>
+                    <a:bodyPr/>
+                    <a:lstStyle/>
+                    <a:p>
+                      <a:pPr marL="0" indent="0" algn="ctr" defTabSz="914400" rtl="0" eaLnBrk="1" latinLnBrk="0" hangingPunct="1">
+                        <a:lnSpc>
+                          <a:spcPct val="150000"/>
+                        </a:lnSpc>
+                        <a:spcAft>
+                          <a:spcPts val="0"/>
+                        </a:spcAft>
+                      </a:pPr>
+                      <a:r>
+                        <a:rPr lang="ru-RU" sz="1600" kern="1200">
+                          <a:solidFill>
+                            <a:schemeClr val="tx1"/>
+                          </a:solidFill>
+                          <a:effectLst/>
+                          <a:latin typeface="Arial" panose="020B0604020202020204" pitchFamily="34" charset="0"/>
+                          <a:ea typeface="+mn-ea"/>
+                          <a:cs typeface="Arial" panose="020B0604020202020204" pitchFamily="34" charset="0"/>
+                        </a:rPr>
+                        <a:t>1</a:t>
+                      </a:r>
+                    </a:p>
+                  </a:txBody>
+                  <a:tcPr marL="49075" marR="49075" marT="0" marB="0" anchor="ctr"/>
+                </a:tc>
+                <a:extLst>
+                  <a:ext uri="{0D108BD9-81ED-4DB2-BD59-A6C34878D82A}">
+                    <a16:rowId xmlns:a16="http://schemas.microsoft.com/office/drawing/2014/main" val="3380807"/>
+                  </a:ext>
+                </a:extLst>
+              </a:tr>
+              <a:tr h="260133">
+                <a:tc>
+                  <a:txBody>
+                    <a:bodyPr/>
+                    <a:lstStyle/>
+                    <a:p>
+                      <a:pPr marL="0" indent="185738" algn="l">
+                        <a:lnSpc>
+                          <a:spcPct val="150000"/>
+                        </a:lnSpc>
+                        <a:spcAft>
+                          <a:spcPts val="0"/>
+                        </a:spcAft>
+                      </a:pPr>
+                      <a:r>
+                        <a:rPr lang="ru-RU" sz="1400" dirty="0">
+                          <a:effectLst/>
+                          <a:latin typeface="Arial" panose="020B0604020202020204" pitchFamily="34" charset="0"/>
+                          <a:cs typeface="Arial" panose="020B0604020202020204" pitchFamily="34" charset="0"/>
+                        </a:rPr>
+                        <a:t>Экспорт</a:t>
+                      </a:r>
+                      <a:endParaRPr lang="ru-RU" sz="1400" dirty="0">
+                        <a:effectLst/>
+                        <a:latin typeface="Arial" panose="020B0604020202020204" pitchFamily="34" charset="0"/>
+                        <a:ea typeface="Calibri" panose="020F0502020204030204" pitchFamily="34" charset="0"/>
+                        <a:cs typeface="Arial" panose="020B0604020202020204" pitchFamily="34" charset="0"/>
+                      </a:endParaRPr>
+                    </a:p>
+                  </a:txBody>
+                  <a:tcPr marL="49075" marR="49075" marT="0" marB="0" anchor="ctr"/>
+                </a:tc>
+                <a:tc>
+                  <a:txBody>
+                    <a:bodyPr/>
+                    <a:lstStyle/>
+                    <a:p>
+                      <a:pPr marL="0" indent="0" algn="ctr" defTabSz="914400" rtl="0" eaLnBrk="1" latinLnBrk="0" hangingPunct="1">
+                        <a:lnSpc>
+                          <a:spcPct val="150000"/>
+                        </a:lnSpc>
+                        <a:spcAft>
+                          <a:spcPts val="0"/>
+                        </a:spcAft>
+                      </a:pPr>
+                      <a:r>
+                        <a:rPr lang="ru-RU" sz="1600" kern="1200">
+                          <a:solidFill>
+                            <a:schemeClr val="tx1"/>
+                          </a:solidFill>
+                          <a:effectLst/>
+                          <a:latin typeface="Arial" panose="020B0604020202020204" pitchFamily="34" charset="0"/>
+                          <a:ea typeface="+mn-ea"/>
+                          <a:cs typeface="Arial" panose="020B0604020202020204" pitchFamily="34" charset="0"/>
+                        </a:rPr>
+                        <a:t>1</a:t>
+                      </a:r>
+                    </a:p>
+                  </a:txBody>
+                  <a:tcPr marL="49075" marR="49075" marT="0" marB="0" anchor="ctr"/>
+                </a:tc>
+                <a:tc>
+                  <a:txBody>
+                    <a:bodyPr/>
+                    <a:lstStyle/>
+                    <a:p>
+                      <a:pPr marL="0" indent="0" algn="ctr" defTabSz="914400" rtl="0" eaLnBrk="1" latinLnBrk="0" hangingPunct="1">
+                        <a:lnSpc>
+                          <a:spcPct val="150000"/>
+                        </a:lnSpc>
+                        <a:spcAft>
+                          <a:spcPts val="0"/>
+                        </a:spcAft>
+                      </a:pPr>
+                      <a:r>
+                        <a:rPr lang="ru-RU" sz="1600" kern="1200" dirty="0">
+                          <a:solidFill>
+                            <a:schemeClr val="tx1"/>
+                          </a:solidFill>
+                          <a:effectLst/>
+                          <a:latin typeface="Arial" panose="020B0604020202020204" pitchFamily="34" charset="0"/>
+                          <a:ea typeface="+mn-ea"/>
+                          <a:cs typeface="Arial" panose="020B0604020202020204" pitchFamily="34" charset="0"/>
+                        </a:rPr>
+                        <a:t>0</a:t>
+                      </a:r>
+                    </a:p>
+                  </a:txBody>
+                  <a:tcPr marL="49075" marR="49075" marT="0" marB="0" anchor="ctr"/>
+                </a:tc>
+                <a:tc>
+                  <a:txBody>
+                    <a:bodyPr/>
+                    <a:lstStyle/>
+                    <a:p>
+                      <a:pPr marL="0" indent="0" algn="ctr" defTabSz="914400" rtl="0" eaLnBrk="1" latinLnBrk="0" hangingPunct="1">
+                        <a:lnSpc>
+                          <a:spcPct val="150000"/>
+                        </a:lnSpc>
+                        <a:spcAft>
+                          <a:spcPts val="0"/>
+                        </a:spcAft>
+                      </a:pPr>
+                      <a:r>
+                        <a:rPr lang="ru-RU" sz="1600" kern="1200" dirty="0">
+                          <a:solidFill>
+                            <a:schemeClr val="tx1"/>
+                          </a:solidFill>
+                          <a:effectLst/>
+                          <a:latin typeface="Arial" panose="020B0604020202020204" pitchFamily="34" charset="0"/>
+                          <a:ea typeface="+mn-ea"/>
+                          <a:cs typeface="Arial" panose="020B0604020202020204" pitchFamily="34" charset="0"/>
+                        </a:rPr>
+                        <a:t>1</a:t>
+                      </a:r>
+                    </a:p>
+                  </a:txBody>
+                  <a:tcPr marL="49075" marR="49075" marT="0" marB="0" anchor="ctr"/>
+                </a:tc>
+                <a:tc>
+                  <a:txBody>
+                    <a:bodyPr/>
+                    <a:lstStyle/>
+                    <a:p>
+                      <a:pPr marL="0" indent="0" algn="ctr" defTabSz="914400" rtl="0" eaLnBrk="1" latinLnBrk="0" hangingPunct="1">
+                        <a:lnSpc>
+                          <a:spcPct val="150000"/>
+                        </a:lnSpc>
+                        <a:spcAft>
+                          <a:spcPts val="0"/>
+                        </a:spcAft>
+                      </a:pPr>
+                      <a:r>
+                        <a:rPr lang="ru-RU" sz="1600" kern="1200">
+                          <a:solidFill>
+                            <a:schemeClr val="tx1"/>
+                          </a:solidFill>
+                          <a:effectLst/>
+                          <a:latin typeface="Arial" panose="020B0604020202020204" pitchFamily="34" charset="0"/>
+                          <a:ea typeface="+mn-ea"/>
+                          <a:cs typeface="Arial" panose="020B0604020202020204" pitchFamily="34" charset="0"/>
+                        </a:rPr>
+                        <a:t>1</a:t>
+                      </a:r>
+                    </a:p>
+                  </a:txBody>
+                  <a:tcPr marL="49075" marR="49075" marT="0" marB="0" anchor="ctr"/>
+                </a:tc>
+                <a:tc>
+                  <a:txBody>
+                    <a:bodyPr/>
+                    <a:lstStyle/>
+                    <a:p>
+                      <a:pPr marL="0" indent="0" algn="ctr" defTabSz="914400" rtl="0" eaLnBrk="1" latinLnBrk="0" hangingPunct="1">
+                        <a:lnSpc>
+                          <a:spcPct val="150000"/>
+                        </a:lnSpc>
+                        <a:spcAft>
+                          <a:spcPts val="0"/>
+                        </a:spcAft>
+                      </a:pPr>
+                      <a:r>
+                        <a:rPr lang="ru-RU" sz="1600" kern="1200">
+                          <a:solidFill>
+                            <a:schemeClr val="tx1"/>
+                          </a:solidFill>
+                          <a:effectLst/>
+                          <a:latin typeface="Arial" panose="020B0604020202020204" pitchFamily="34" charset="0"/>
+                          <a:ea typeface="+mn-ea"/>
+                          <a:cs typeface="Arial" panose="020B0604020202020204" pitchFamily="34" charset="0"/>
+                        </a:rPr>
+                        <a:t>1</a:t>
+                      </a:r>
+                    </a:p>
+                  </a:txBody>
+                  <a:tcPr marL="49075" marR="49075" marT="0" marB="0" anchor="ctr"/>
+                </a:tc>
+                <a:tc>
+                  <a:txBody>
+                    <a:bodyPr/>
+                    <a:lstStyle/>
+                    <a:p>
+                      <a:pPr marL="0" indent="0" algn="ctr" defTabSz="914400" rtl="0" eaLnBrk="1" latinLnBrk="0" hangingPunct="1">
+                        <a:lnSpc>
+                          <a:spcPct val="150000"/>
+                        </a:lnSpc>
+                        <a:spcAft>
+                          <a:spcPts val="0"/>
+                        </a:spcAft>
+                      </a:pPr>
+                      <a:r>
+                        <a:rPr lang="ru-RU" sz="1600" kern="1200">
+                          <a:solidFill>
+                            <a:schemeClr val="tx1"/>
+                          </a:solidFill>
+                          <a:effectLst/>
+                          <a:latin typeface="Arial" panose="020B0604020202020204" pitchFamily="34" charset="0"/>
+                          <a:ea typeface="+mn-ea"/>
+                          <a:cs typeface="Arial" panose="020B0604020202020204" pitchFamily="34" charset="0"/>
+                        </a:rPr>
+                        <a:t>1</a:t>
+                      </a:r>
+                    </a:p>
+                  </a:txBody>
+                  <a:tcPr marL="49075" marR="49075" marT="0" marB="0" anchor="ctr"/>
+                </a:tc>
+                <a:extLst>
+                  <a:ext uri="{0D108BD9-81ED-4DB2-BD59-A6C34878D82A}">
+                    <a16:rowId xmlns:a16="http://schemas.microsoft.com/office/drawing/2014/main" val="2567586211"/>
+                  </a:ext>
+                </a:extLst>
+              </a:tr>
+              <a:tr h="260133">
+                <a:tc>
+                  <a:txBody>
+                    <a:bodyPr/>
+                    <a:lstStyle/>
+                    <a:p>
+                      <a:pPr marL="0" indent="185738" algn="l">
+                        <a:lnSpc>
+                          <a:spcPct val="150000"/>
+                        </a:lnSpc>
+                        <a:spcAft>
+                          <a:spcPts val="0"/>
+                        </a:spcAft>
+                      </a:pPr>
+                      <a:r>
+                        <a:rPr lang="ru-RU" sz="1400" dirty="0">
+                          <a:effectLst/>
+                          <a:latin typeface="Arial" panose="020B0604020202020204" pitchFamily="34" charset="0"/>
+                          <a:cs typeface="Arial" panose="020B0604020202020204" pitchFamily="34" charset="0"/>
+                        </a:rPr>
+                        <a:t>Поддержка</a:t>
+                      </a:r>
+                      <a:endParaRPr lang="ru-RU" sz="1400" dirty="0">
+                        <a:effectLst/>
+                        <a:latin typeface="Arial" panose="020B0604020202020204" pitchFamily="34" charset="0"/>
+                        <a:ea typeface="Calibri" panose="020F0502020204030204" pitchFamily="34" charset="0"/>
+                        <a:cs typeface="Arial" panose="020B0604020202020204" pitchFamily="34" charset="0"/>
+                      </a:endParaRPr>
+                    </a:p>
+                  </a:txBody>
+                  <a:tcPr marL="49075" marR="49075" marT="0" marB="0" anchor="ctr"/>
+                </a:tc>
+                <a:tc>
+                  <a:txBody>
+                    <a:bodyPr/>
+                    <a:lstStyle/>
+                    <a:p>
+                      <a:pPr marL="0" indent="0" algn="ctr" defTabSz="914400" rtl="0" eaLnBrk="1" latinLnBrk="0" hangingPunct="1">
+                        <a:lnSpc>
+                          <a:spcPct val="150000"/>
+                        </a:lnSpc>
+                        <a:spcAft>
+                          <a:spcPts val="0"/>
+                        </a:spcAft>
+                      </a:pPr>
+                      <a:r>
+                        <a:rPr lang="ru-RU" sz="1600" kern="1200">
+                          <a:solidFill>
+                            <a:schemeClr val="tx1"/>
+                          </a:solidFill>
+                          <a:effectLst/>
+                          <a:latin typeface="Arial" panose="020B0604020202020204" pitchFamily="34" charset="0"/>
+                          <a:ea typeface="+mn-ea"/>
+                          <a:cs typeface="Arial" panose="020B0604020202020204" pitchFamily="34" charset="0"/>
+                        </a:rPr>
+                        <a:t>1</a:t>
+                      </a:r>
+                    </a:p>
+                  </a:txBody>
+                  <a:tcPr marL="49075" marR="49075" marT="0" marB="0" anchor="ctr"/>
+                </a:tc>
+                <a:tc>
+                  <a:txBody>
+                    <a:bodyPr/>
+                    <a:lstStyle/>
+                    <a:p>
+                      <a:pPr marL="0" indent="0" algn="ctr" defTabSz="914400" rtl="0" eaLnBrk="1" latinLnBrk="0" hangingPunct="1">
+                        <a:lnSpc>
+                          <a:spcPct val="150000"/>
+                        </a:lnSpc>
+                        <a:spcAft>
+                          <a:spcPts val="0"/>
+                        </a:spcAft>
+                      </a:pPr>
+                      <a:r>
+                        <a:rPr lang="ru-RU" sz="1600" kern="1200" dirty="0">
+                          <a:solidFill>
+                            <a:schemeClr val="tx1"/>
+                          </a:solidFill>
+                          <a:effectLst/>
+                          <a:latin typeface="Arial" panose="020B0604020202020204" pitchFamily="34" charset="0"/>
+                          <a:ea typeface="+mn-ea"/>
+                          <a:cs typeface="Arial" panose="020B0604020202020204" pitchFamily="34" charset="0"/>
+                        </a:rPr>
+                        <a:t>1</a:t>
+                      </a:r>
+                    </a:p>
+                  </a:txBody>
+                  <a:tcPr marL="49075" marR="49075" marT="0" marB="0" anchor="ctr"/>
+                </a:tc>
+                <a:tc>
+                  <a:txBody>
+                    <a:bodyPr/>
+                    <a:lstStyle/>
+                    <a:p>
+                      <a:pPr marL="0" indent="0" algn="ctr" defTabSz="914400" rtl="0" eaLnBrk="1" latinLnBrk="0" hangingPunct="1">
+                        <a:lnSpc>
+                          <a:spcPct val="150000"/>
+                        </a:lnSpc>
+                        <a:spcAft>
+                          <a:spcPts val="0"/>
+                        </a:spcAft>
+                      </a:pPr>
+                      <a:r>
+                        <a:rPr lang="ru-RU" sz="1600" kern="1200" dirty="0">
+                          <a:solidFill>
+                            <a:schemeClr val="tx1"/>
+                          </a:solidFill>
+                          <a:effectLst/>
+                          <a:latin typeface="Arial" panose="020B0604020202020204" pitchFamily="34" charset="0"/>
+                          <a:ea typeface="+mn-ea"/>
+                          <a:cs typeface="Arial" panose="020B0604020202020204" pitchFamily="34" charset="0"/>
+                        </a:rPr>
+                        <a:t>0</a:t>
+                      </a:r>
+                    </a:p>
+                  </a:txBody>
+                  <a:tcPr marL="49075" marR="49075" marT="0" marB="0" anchor="ctr"/>
+                </a:tc>
+                <a:tc>
+                  <a:txBody>
+                    <a:bodyPr/>
+                    <a:lstStyle/>
+                    <a:p>
+                      <a:pPr marL="0" indent="0" algn="ctr" defTabSz="914400" rtl="0" eaLnBrk="1" latinLnBrk="0" hangingPunct="1">
+                        <a:lnSpc>
+                          <a:spcPct val="150000"/>
+                        </a:lnSpc>
+                        <a:spcAft>
+                          <a:spcPts val="0"/>
+                        </a:spcAft>
+                      </a:pPr>
+                      <a:r>
+                        <a:rPr lang="ru-RU" sz="1600" kern="1200">
+                          <a:solidFill>
+                            <a:schemeClr val="tx1"/>
+                          </a:solidFill>
+                          <a:effectLst/>
+                          <a:latin typeface="Arial" panose="020B0604020202020204" pitchFamily="34" charset="0"/>
+                          <a:ea typeface="+mn-ea"/>
+                          <a:cs typeface="Arial" panose="020B0604020202020204" pitchFamily="34" charset="0"/>
+                        </a:rPr>
+                        <a:t>0</a:t>
+                      </a:r>
+                    </a:p>
+                  </a:txBody>
+                  <a:tcPr marL="49075" marR="49075" marT="0" marB="0" anchor="ctr"/>
+                </a:tc>
+                <a:tc>
+                  <a:txBody>
+                    <a:bodyPr/>
+                    <a:lstStyle/>
+                    <a:p>
+                      <a:pPr marL="0" indent="0" algn="ctr" defTabSz="914400" rtl="0" eaLnBrk="1" latinLnBrk="0" hangingPunct="1">
+                        <a:lnSpc>
+                          <a:spcPct val="150000"/>
+                        </a:lnSpc>
+                        <a:spcAft>
+                          <a:spcPts val="0"/>
+                        </a:spcAft>
+                      </a:pPr>
+                      <a:r>
+                        <a:rPr lang="ru-RU" sz="1600" kern="1200">
+                          <a:solidFill>
+                            <a:schemeClr val="tx1"/>
+                          </a:solidFill>
+                          <a:effectLst/>
+                          <a:latin typeface="Arial" panose="020B0604020202020204" pitchFamily="34" charset="0"/>
+                          <a:ea typeface="+mn-ea"/>
+                          <a:cs typeface="Arial" panose="020B0604020202020204" pitchFamily="34" charset="0"/>
+                        </a:rPr>
+                        <a:t>1</a:t>
+                      </a:r>
+                    </a:p>
+                  </a:txBody>
+                  <a:tcPr marL="49075" marR="49075" marT="0" marB="0" anchor="ctr"/>
+                </a:tc>
+                <a:tc>
+                  <a:txBody>
+                    <a:bodyPr/>
+                    <a:lstStyle/>
+                    <a:p>
+                      <a:pPr marL="0" indent="0" algn="ctr" defTabSz="914400" rtl="0" eaLnBrk="1" latinLnBrk="0" hangingPunct="1">
+                        <a:lnSpc>
+                          <a:spcPct val="150000"/>
+                        </a:lnSpc>
+                        <a:spcAft>
+                          <a:spcPts val="0"/>
+                        </a:spcAft>
+                      </a:pPr>
+                      <a:r>
+                        <a:rPr lang="ru-RU" sz="1600" kern="1200">
+                          <a:solidFill>
+                            <a:schemeClr val="tx1"/>
+                          </a:solidFill>
+                          <a:effectLst/>
+                          <a:latin typeface="Arial" panose="020B0604020202020204" pitchFamily="34" charset="0"/>
+                          <a:ea typeface="+mn-ea"/>
+                          <a:cs typeface="Arial" panose="020B0604020202020204" pitchFamily="34" charset="0"/>
+                        </a:rPr>
+                        <a:t>1</a:t>
+                      </a:r>
+                    </a:p>
+                  </a:txBody>
+                  <a:tcPr marL="49075" marR="49075" marT="0" marB="0" anchor="ctr"/>
+                </a:tc>
+                <a:extLst>
+                  <a:ext uri="{0D108BD9-81ED-4DB2-BD59-A6C34878D82A}">
+                    <a16:rowId xmlns:a16="http://schemas.microsoft.com/office/drawing/2014/main" val="659097253"/>
+                  </a:ext>
+                </a:extLst>
+              </a:tr>
+              <a:tr h="520266">
+                <a:tc>
+                  <a:txBody>
+                    <a:bodyPr/>
+                    <a:lstStyle/>
+                    <a:p>
+                      <a:pPr marL="0" indent="185738" algn="l">
+                        <a:lnSpc>
+                          <a:spcPct val="150000"/>
+                        </a:lnSpc>
+                        <a:spcAft>
+                          <a:spcPts val="0"/>
+                        </a:spcAft>
+                      </a:pPr>
+                      <a:r>
+                        <a:rPr lang="ru-RU" sz="1400" dirty="0">
+                          <a:effectLst/>
+                          <a:latin typeface="Arial" panose="020B0604020202020204" pitchFamily="34" charset="0"/>
+                          <a:cs typeface="Arial" panose="020B0604020202020204" pitchFamily="34" charset="0"/>
+                        </a:rPr>
+                        <a:t>Кроссплатформенность</a:t>
+                      </a:r>
+                      <a:endParaRPr lang="ru-RU" sz="1400" dirty="0">
+                        <a:effectLst/>
+                        <a:latin typeface="Arial" panose="020B0604020202020204" pitchFamily="34" charset="0"/>
+                        <a:ea typeface="Calibri" panose="020F0502020204030204" pitchFamily="34" charset="0"/>
+                        <a:cs typeface="Arial" panose="020B0604020202020204" pitchFamily="34" charset="0"/>
+                      </a:endParaRPr>
+                    </a:p>
+                  </a:txBody>
+                  <a:tcPr marL="49075" marR="49075" marT="0" marB="0" anchor="ctr"/>
+                </a:tc>
+                <a:tc>
+                  <a:txBody>
+                    <a:bodyPr/>
+                    <a:lstStyle/>
+                    <a:p>
+                      <a:pPr marL="0" indent="0" algn="ctr" defTabSz="914400" rtl="0" eaLnBrk="1" latinLnBrk="0" hangingPunct="1">
+                        <a:lnSpc>
+                          <a:spcPct val="150000"/>
+                        </a:lnSpc>
+                        <a:spcAft>
+                          <a:spcPts val="0"/>
+                        </a:spcAft>
+                      </a:pPr>
+                      <a:r>
+                        <a:rPr lang="ru-RU" sz="1600" kern="1200" dirty="0">
+                          <a:solidFill>
+                            <a:schemeClr val="tx1"/>
+                          </a:solidFill>
+                          <a:effectLst/>
+                          <a:latin typeface="Arial" panose="020B0604020202020204" pitchFamily="34" charset="0"/>
+                          <a:ea typeface="+mn-ea"/>
+                          <a:cs typeface="Arial" panose="020B0604020202020204" pitchFamily="34" charset="0"/>
+                        </a:rPr>
+                        <a:t>0</a:t>
+                      </a:r>
+                    </a:p>
+                  </a:txBody>
+                  <a:tcPr marL="49075" marR="49075" marT="0" marB="0" anchor="ctr"/>
+                </a:tc>
+                <a:tc>
+                  <a:txBody>
+                    <a:bodyPr/>
+                    <a:lstStyle/>
+                    <a:p>
+                      <a:pPr marL="0" indent="0" algn="ctr" defTabSz="914400" rtl="0" eaLnBrk="1" latinLnBrk="0" hangingPunct="1">
+                        <a:lnSpc>
+                          <a:spcPct val="150000"/>
+                        </a:lnSpc>
+                        <a:spcAft>
+                          <a:spcPts val="0"/>
+                        </a:spcAft>
+                      </a:pPr>
+                      <a:r>
+                        <a:rPr lang="ru-RU" sz="1600" kern="1200" dirty="0">
+                          <a:solidFill>
+                            <a:schemeClr val="tx1"/>
+                          </a:solidFill>
+                          <a:effectLst/>
+                          <a:latin typeface="Arial" panose="020B0604020202020204" pitchFamily="34" charset="0"/>
+                          <a:ea typeface="+mn-ea"/>
+                          <a:cs typeface="Arial" panose="020B0604020202020204" pitchFamily="34" charset="0"/>
+                        </a:rPr>
+                        <a:t>0</a:t>
+                      </a:r>
+                    </a:p>
+                  </a:txBody>
+                  <a:tcPr marL="49075" marR="49075" marT="0" marB="0" anchor="ctr"/>
+                </a:tc>
+                <a:tc>
+                  <a:txBody>
+                    <a:bodyPr/>
+                    <a:lstStyle/>
+                    <a:p>
+                      <a:pPr marL="0" indent="0" algn="ctr" defTabSz="914400" rtl="0" eaLnBrk="1" latinLnBrk="0" hangingPunct="1">
+                        <a:lnSpc>
+                          <a:spcPct val="150000"/>
+                        </a:lnSpc>
+                        <a:spcAft>
+                          <a:spcPts val="0"/>
+                        </a:spcAft>
+                      </a:pPr>
+                      <a:r>
+                        <a:rPr lang="ru-RU" sz="1600" kern="1200" dirty="0">
+                          <a:solidFill>
+                            <a:schemeClr val="tx1"/>
+                          </a:solidFill>
+                          <a:effectLst/>
+                          <a:latin typeface="Arial" panose="020B0604020202020204" pitchFamily="34" charset="0"/>
+                          <a:ea typeface="+mn-ea"/>
+                          <a:cs typeface="Arial" panose="020B0604020202020204" pitchFamily="34" charset="0"/>
+                        </a:rPr>
+                        <a:t>0</a:t>
+                      </a:r>
+                    </a:p>
+                  </a:txBody>
+                  <a:tcPr marL="49075" marR="49075" marT="0" marB="0" anchor="ctr"/>
+                </a:tc>
+                <a:tc>
+                  <a:txBody>
+                    <a:bodyPr/>
+                    <a:lstStyle/>
+                    <a:p>
+                      <a:pPr marL="0" indent="0" algn="ctr" defTabSz="914400" rtl="0" eaLnBrk="1" latinLnBrk="0" hangingPunct="1">
+                        <a:lnSpc>
+                          <a:spcPct val="150000"/>
+                        </a:lnSpc>
+                        <a:spcAft>
+                          <a:spcPts val="0"/>
+                        </a:spcAft>
+                      </a:pPr>
+                      <a:r>
+                        <a:rPr lang="ru-RU" sz="1600" kern="1200" dirty="0">
+                          <a:solidFill>
+                            <a:schemeClr val="tx1"/>
+                          </a:solidFill>
+                          <a:effectLst/>
+                          <a:latin typeface="Arial" panose="020B0604020202020204" pitchFamily="34" charset="0"/>
+                          <a:ea typeface="+mn-ea"/>
+                          <a:cs typeface="Arial" panose="020B0604020202020204" pitchFamily="34" charset="0"/>
+                        </a:rPr>
+                        <a:t>0</a:t>
+                      </a:r>
+                    </a:p>
+                  </a:txBody>
+                  <a:tcPr marL="49075" marR="49075" marT="0" marB="0" anchor="ctr"/>
+                </a:tc>
+                <a:tc>
+                  <a:txBody>
+                    <a:bodyPr/>
+                    <a:lstStyle/>
+                    <a:p>
+                      <a:pPr marL="0" indent="0" algn="ctr" defTabSz="914400" rtl="0" eaLnBrk="1" latinLnBrk="0" hangingPunct="1">
+                        <a:lnSpc>
+                          <a:spcPct val="150000"/>
+                        </a:lnSpc>
+                        <a:spcAft>
+                          <a:spcPts val="0"/>
+                        </a:spcAft>
+                      </a:pPr>
+                      <a:r>
+                        <a:rPr lang="ru-RU" sz="1600" kern="1200">
+                          <a:solidFill>
+                            <a:schemeClr val="tx1"/>
+                          </a:solidFill>
+                          <a:effectLst/>
+                          <a:latin typeface="Arial" panose="020B0604020202020204" pitchFamily="34" charset="0"/>
+                          <a:ea typeface="+mn-ea"/>
+                          <a:cs typeface="Arial" panose="020B0604020202020204" pitchFamily="34" charset="0"/>
+                        </a:rPr>
+                        <a:t>0</a:t>
+                      </a:r>
+                    </a:p>
+                  </a:txBody>
+                  <a:tcPr marL="49075" marR="49075" marT="0" marB="0" anchor="ctr"/>
+                </a:tc>
+                <a:tc>
+                  <a:txBody>
+                    <a:bodyPr/>
+                    <a:lstStyle/>
+                    <a:p>
+                      <a:pPr marL="0" indent="0" algn="ctr" defTabSz="914400" rtl="0" eaLnBrk="1" latinLnBrk="0" hangingPunct="1">
+                        <a:lnSpc>
+                          <a:spcPct val="150000"/>
+                        </a:lnSpc>
+                        <a:spcAft>
+                          <a:spcPts val="0"/>
+                        </a:spcAft>
+                      </a:pPr>
+                      <a:r>
+                        <a:rPr lang="ru-RU" sz="1600" kern="1200" dirty="0">
+                          <a:solidFill>
+                            <a:schemeClr val="tx1"/>
+                          </a:solidFill>
+                          <a:effectLst/>
+                          <a:latin typeface="Arial" panose="020B0604020202020204" pitchFamily="34" charset="0"/>
+                          <a:ea typeface="+mn-ea"/>
+                          <a:cs typeface="Arial" panose="020B0604020202020204" pitchFamily="34" charset="0"/>
+                        </a:rPr>
+                        <a:t>2</a:t>
+                      </a:r>
+                    </a:p>
+                  </a:txBody>
+                  <a:tcPr marL="49075" marR="49075" marT="0" marB="0" anchor="ctr"/>
+                </a:tc>
+                <a:extLst>
+                  <a:ext uri="{0D108BD9-81ED-4DB2-BD59-A6C34878D82A}">
+                    <a16:rowId xmlns:a16="http://schemas.microsoft.com/office/drawing/2014/main" val="1111213039"/>
+                  </a:ext>
+                </a:extLst>
+              </a:tr>
+              <a:tr h="260133">
+                <a:tc>
+                  <a:txBody>
+                    <a:bodyPr/>
+                    <a:lstStyle/>
+                    <a:p>
+                      <a:pPr marL="0" indent="185738" algn="l">
+                        <a:lnSpc>
+                          <a:spcPct val="150000"/>
+                        </a:lnSpc>
+                        <a:spcAft>
+                          <a:spcPts val="0"/>
+                        </a:spcAft>
+                      </a:pPr>
+                      <a:r>
+                        <a:rPr lang="ru-RU" sz="1400" dirty="0">
+                          <a:effectLst/>
+                          <a:latin typeface="Arial" panose="020B0604020202020204" pitchFamily="34" charset="0"/>
+                          <a:cs typeface="Arial" panose="020B0604020202020204" pitchFamily="34" charset="0"/>
+                        </a:rPr>
+                        <a:t>Лицензия</a:t>
+                      </a:r>
+                      <a:endParaRPr lang="ru-RU" sz="1400" dirty="0">
+                        <a:effectLst/>
+                        <a:latin typeface="Arial" panose="020B0604020202020204" pitchFamily="34" charset="0"/>
+                        <a:ea typeface="Calibri" panose="020F0502020204030204" pitchFamily="34" charset="0"/>
+                        <a:cs typeface="Arial" panose="020B0604020202020204" pitchFamily="34" charset="0"/>
+                      </a:endParaRPr>
+                    </a:p>
+                  </a:txBody>
+                  <a:tcPr marL="49075" marR="49075" marT="0" marB="0" anchor="ctr"/>
+                </a:tc>
+                <a:tc>
+                  <a:txBody>
+                    <a:bodyPr/>
+                    <a:lstStyle/>
+                    <a:p>
+                      <a:pPr marL="0" indent="0" algn="ctr" defTabSz="914400" rtl="0" eaLnBrk="1" latinLnBrk="0" hangingPunct="1">
+                        <a:lnSpc>
+                          <a:spcPct val="150000"/>
+                        </a:lnSpc>
+                        <a:spcAft>
+                          <a:spcPts val="0"/>
+                        </a:spcAft>
+                      </a:pPr>
+                      <a:r>
+                        <a:rPr lang="ru-RU" sz="1600" kern="1200" dirty="0">
+                          <a:solidFill>
+                            <a:schemeClr val="tx1"/>
+                          </a:solidFill>
+                          <a:effectLst/>
+                          <a:latin typeface="Arial" panose="020B0604020202020204" pitchFamily="34" charset="0"/>
+                          <a:ea typeface="+mn-ea"/>
+                          <a:cs typeface="Arial" panose="020B0604020202020204" pitchFamily="34" charset="0"/>
+                        </a:rPr>
+                        <a:t>0</a:t>
+                      </a:r>
+                    </a:p>
+                  </a:txBody>
+                  <a:tcPr marL="49075" marR="49075" marT="0" marB="0" anchor="ctr"/>
+                </a:tc>
+                <a:tc>
+                  <a:txBody>
+                    <a:bodyPr/>
+                    <a:lstStyle/>
+                    <a:p>
+                      <a:pPr marL="0" indent="0" algn="ctr" defTabSz="914400" rtl="0" eaLnBrk="1" latinLnBrk="0" hangingPunct="1">
+                        <a:lnSpc>
+                          <a:spcPct val="150000"/>
+                        </a:lnSpc>
+                        <a:spcAft>
+                          <a:spcPts val="0"/>
+                        </a:spcAft>
+                      </a:pPr>
+                      <a:r>
+                        <a:rPr lang="ru-RU" sz="1600" kern="1200" dirty="0">
+                          <a:solidFill>
+                            <a:schemeClr val="tx1"/>
+                          </a:solidFill>
+                          <a:effectLst/>
+                          <a:latin typeface="Arial" panose="020B0604020202020204" pitchFamily="34" charset="0"/>
+                          <a:ea typeface="+mn-ea"/>
+                          <a:cs typeface="Arial" panose="020B0604020202020204" pitchFamily="34" charset="0"/>
+                        </a:rPr>
+                        <a:t>0</a:t>
+                      </a:r>
+                    </a:p>
+                  </a:txBody>
+                  <a:tcPr marL="49075" marR="49075" marT="0" marB="0" anchor="ctr"/>
+                </a:tc>
+                <a:tc>
+                  <a:txBody>
+                    <a:bodyPr/>
+                    <a:lstStyle/>
+                    <a:p>
+                      <a:pPr marL="0" indent="0" algn="ctr" defTabSz="914400" rtl="0" eaLnBrk="1" latinLnBrk="0" hangingPunct="1">
+                        <a:lnSpc>
+                          <a:spcPct val="150000"/>
+                        </a:lnSpc>
+                        <a:spcAft>
+                          <a:spcPts val="0"/>
+                        </a:spcAft>
+                      </a:pPr>
+                      <a:r>
+                        <a:rPr lang="ru-RU" sz="1600" kern="1200" dirty="0">
+                          <a:solidFill>
+                            <a:schemeClr val="tx1"/>
+                          </a:solidFill>
+                          <a:effectLst/>
+                          <a:latin typeface="Arial" panose="020B0604020202020204" pitchFamily="34" charset="0"/>
+                          <a:ea typeface="+mn-ea"/>
+                          <a:cs typeface="Arial" panose="020B0604020202020204" pitchFamily="34" charset="0"/>
+                        </a:rPr>
+                        <a:t>1</a:t>
+                      </a:r>
+                    </a:p>
+                  </a:txBody>
+                  <a:tcPr marL="49075" marR="49075" marT="0" marB="0" anchor="ctr"/>
+                </a:tc>
+                <a:tc>
+                  <a:txBody>
+                    <a:bodyPr/>
+                    <a:lstStyle/>
+                    <a:p>
+                      <a:pPr marL="0" indent="0" algn="ctr" defTabSz="914400" rtl="0" eaLnBrk="1" latinLnBrk="0" hangingPunct="1">
+                        <a:lnSpc>
+                          <a:spcPct val="150000"/>
+                        </a:lnSpc>
+                        <a:spcAft>
+                          <a:spcPts val="0"/>
+                        </a:spcAft>
+                      </a:pPr>
+                      <a:r>
+                        <a:rPr lang="ru-RU" sz="1600" kern="1200" dirty="0">
+                          <a:solidFill>
+                            <a:schemeClr val="tx1"/>
+                          </a:solidFill>
+                          <a:effectLst/>
+                          <a:latin typeface="Arial" panose="020B0604020202020204" pitchFamily="34" charset="0"/>
+                          <a:ea typeface="+mn-ea"/>
+                          <a:cs typeface="Arial" panose="020B0604020202020204" pitchFamily="34" charset="0"/>
+                        </a:rPr>
+                        <a:t>0</a:t>
+                      </a:r>
+                    </a:p>
+                  </a:txBody>
+                  <a:tcPr marL="49075" marR="49075" marT="0" marB="0" anchor="ctr"/>
+                </a:tc>
+                <a:tc>
+                  <a:txBody>
+                    <a:bodyPr/>
+                    <a:lstStyle/>
+                    <a:p>
+                      <a:pPr marL="0" indent="0" algn="ctr" defTabSz="914400" rtl="0" eaLnBrk="1" latinLnBrk="0" hangingPunct="1">
+                        <a:lnSpc>
+                          <a:spcPct val="150000"/>
+                        </a:lnSpc>
+                        <a:spcAft>
+                          <a:spcPts val="0"/>
+                        </a:spcAft>
+                      </a:pPr>
+                      <a:r>
+                        <a:rPr lang="ru-RU" sz="1600" kern="1200" dirty="0">
+                          <a:solidFill>
+                            <a:schemeClr val="tx1"/>
+                          </a:solidFill>
+                          <a:effectLst/>
+                          <a:latin typeface="Arial" panose="020B0604020202020204" pitchFamily="34" charset="0"/>
+                          <a:ea typeface="+mn-ea"/>
+                          <a:cs typeface="Arial" panose="020B0604020202020204" pitchFamily="34" charset="0"/>
+                        </a:rPr>
+                        <a:t>0</a:t>
+                      </a:r>
+                    </a:p>
+                  </a:txBody>
+                  <a:tcPr marL="49075" marR="49075" marT="0" marB="0" anchor="ctr"/>
+                </a:tc>
+                <a:tc>
+                  <a:txBody>
+                    <a:bodyPr/>
+                    <a:lstStyle/>
+                    <a:p>
+                      <a:pPr marL="0" indent="0" algn="ctr" defTabSz="914400" rtl="0" eaLnBrk="1" latinLnBrk="0" hangingPunct="1">
+                        <a:lnSpc>
+                          <a:spcPct val="150000"/>
+                        </a:lnSpc>
+                        <a:spcAft>
+                          <a:spcPts val="0"/>
+                        </a:spcAft>
+                      </a:pPr>
+                      <a:r>
+                        <a:rPr lang="ru-RU" sz="1600" kern="1200">
+                          <a:solidFill>
+                            <a:schemeClr val="tx1"/>
+                          </a:solidFill>
+                          <a:effectLst/>
+                          <a:latin typeface="Arial" panose="020B0604020202020204" pitchFamily="34" charset="0"/>
+                          <a:ea typeface="+mn-ea"/>
+                          <a:cs typeface="Arial" panose="020B0604020202020204" pitchFamily="34" charset="0"/>
+                        </a:rPr>
+                        <a:t>1</a:t>
+                      </a:r>
+                    </a:p>
+                  </a:txBody>
+                  <a:tcPr marL="49075" marR="49075" marT="0" marB="0" anchor="ctr"/>
+                </a:tc>
+                <a:extLst>
+                  <a:ext uri="{0D108BD9-81ED-4DB2-BD59-A6C34878D82A}">
+                    <a16:rowId xmlns:a16="http://schemas.microsoft.com/office/drawing/2014/main" val="2823960062"/>
+                  </a:ext>
+                </a:extLst>
+              </a:tr>
+              <a:tr h="520266">
+                <a:tc>
+                  <a:txBody>
+                    <a:bodyPr/>
+                    <a:lstStyle/>
+                    <a:p>
+                      <a:pPr marL="0" indent="185738" algn="l">
+                        <a:lnSpc>
+                          <a:spcPct val="150000"/>
+                        </a:lnSpc>
+                        <a:spcAft>
+                          <a:spcPts val="0"/>
+                        </a:spcAft>
+                      </a:pPr>
+                      <a:r>
+                        <a:rPr lang="ru-RU" sz="1400" dirty="0">
+                          <a:effectLst/>
+                          <a:latin typeface="Arial" panose="020B0604020202020204" pitchFamily="34" charset="0"/>
+                          <a:cs typeface="Arial" panose="020B0604020202020204" pitchFamily="34" charset="0"/>
+                        </a:rPr>
+                        <a:t>Информация об экспертах</a:t>
+                      </a:r>
+                      <a:endParaRPr lang="ru-RU" sz="1400" dirty="0">
+                        <a:effectLst/>
+                        <a:latin typeface="Arial" panose="020B0604020202020204" pitchFamily="34" charset="0"/>
+                        <a:ea typeface="Calibri" panose="020F0502020204030204" pitchFamily="34" charset="0"/>
+                        <a:cs typeface="Arial" panose="020B0604020202020204" pitchFamily="34" charset="0"/>
+                      </a:endParaRPr>
+                    </a:p>
+                  </a:txBody>
+                  <a:tcPr marL="49075" marR="49075" marT="0" marB="0" anchor="ctr"/>
+                </a:tc>
+                <a:tc>
+                  <a:txBody>
+                    <a:bodyPr/>
+                    <a:lstStyle/>
+                    <a:p>
+                      <a:pPr marL="0" indent="0" algn="ctr" defTabSz="914400" rtl="0" eaLnBrk="1" latinLnBrk="0" hangingPunct="1">
+                        <a:lnSpc>
+                          <a:spcPct val="150000"/>
+                        </a:lnSpc>
+                        <a:spcAft>
+                          <a:spcPts val="0"/>
+                        </a:spcAft>
+                      </a:pPr>
+                      <a:r>
+                        <a:rPr lang="ru-RU" sz="1600" kern="1200" dirty="0">
+                          <a:solidFill>
+                            <a:schemeClr val="tx1"/>
+                          </a:solidFill>
+                          <a:effectLst/>
+                          <a:latin typeface="Arial" panose="020B0604020202020204" pitchFamily="34" charset="0"/>
+                          <a:ea typeface="+mn-ea"/>
+                          <a:cs typeface="Arial" panose="020B0604020202020204" pitchFamily="34" charset="0"/>
+                        </a:rPr>
+                        <a:t>0</a:t>
+                      </a:r>
+                    </a:p>
+                  </a:txBody>
+                  <a:tcPr marL="49075" marR="49075" marT="0" marB="0" anchor="ctr"/>
+                </a:tc>
+                <a:tc>
+                  <a:txBody>
+                    <a:bodyPr/>
+                    <a:lstStyle/>
+                    <a:p>
+                      <a:pPr marL="0" indent="0" algn="ctr" defTabSz="914400" rtl="0" eaLnBrk="1" latinLnBrk="0" hangingPunct="1">
+                        <a:lnSpc>
+                          <a:spcPct val="150000"/>
+                        </a:lnSpc>
+                        <a:spcAft>
+                          <a:spcPts val="0"/>
+                        </a:spcAft>
+                      </a:pPr>
+                      <a:r>
+                        <a:rPr lang="ru-RU" sz="1600" kern="1200" dirty="0">
+                          <a:solidFill>
+                            <a:schemeClr val="tx1"/>
+                          </a:solidFill>
+                          <a:effectLst/>
+                          <a:latin typeface="Arial" panose="020B0604020202020204" pitchFamily="34" charset="0"/>
+                          <a:ea typeface="+mn-ea"/>
+                          <a:cs typeface="Arial" panose="020B0604020202020204" pitchFamily="34" charset="0"/>
+                        </a:rPr>
+                        <a:t>0</a:t>
+                      </a:r>
+                    </a:p>
+                  </a:txBody>
+                  <a:tcPr marL="49075" marR="49075" marT="0" marB="0" anchor="ctr"/>
+                </a:tc>
+                <a:tc>
+                  <a:txBody>
+                    <a:bodyPr/>
+                    <a:lstStyle/>
+                    <a:p>
+                      <a:pPr marL="0" indent="0" algn="ctr" defTabSz="914400" rtl="0" eaLnBrk="1" latinLnBrk="0" hangingPunct="1">
+                        <a:lnSpc>
+                          <a:spcPct val="150000"/>
+                        </a:lnSpc>
+                        <a:spcAft>
+                          <a:spcPts val="0"/>
+                        </a:spcAft>
+                      </a:pPr>
+                      <a:r>
+                        <a:rPr lang="ru-RU" sz="1600" kern="1200" dirty="0">
+                          <a:solidFill>
+                            <a:schemeClr val="tx1"/>
+                          </a:solidFill>
+                          <a:effectLst/>
+                          <a:latin typeface="Arial" panose="020B0604020202020204" pitchFamily="34" charset="0"/>
+                          <a:ea typeface="+mn-ea"/>
+                          <a:cs typeface="Arial" panose="020B0604020202020204" pitchFamily="34" charset="0"/>
+                        </a:rPr>
+                        <a:t>0</a:t>
+                      </a:r>
+                    </a:p>
+                  </a:txBody>
+                  <a:tcPr marL="49075" marR="49075" marT="0" marB="0" anchor="ctr"/>
+                </a:tc>
+                <a:tc>
+                  <a:txBody>
+                    <a:bodyPr/>
+                    <a:lstStyle/>
+                    <a:p>
+                      <a:pPr marL="0" indent="0" algn="ctr" defTabSz="914400" rtl="0" eaLnBrk="1" latinLnBrk="0" hangingPunct="1">
+                        <a:lnSpc>
+                          <a:spcPct val="150000"/>
+                        </a:lnSpc>
+                        <a:spcAft>
+                          <a:spcPts val="0"/>
+                        </a:spcAft>
+                      </a:pPr>
+                      <a:r>
+                        <a:rPr lang="ru-RU" sz="1600" kern="1200" dirty="0">
+                          <a:solidFill>
+                            <a:schemeClr val="tx1"/>
+                          </a:solidFill>
+                          <a:effectLst/>
+                          <a:latin typeface="Arial" panose="020B0604020202020204" pitchFamily="34" charset="0"/>
+                          <a:ea typeface="+mn-ea"/>
+                          <a:cs typeface="Arial" panose="020B0604020202020204" pitchFamily="34" charset="0"/>
+                        </a:rPr>
+                        <a:t>0</a:t>
+                      </a:r>
+                    </a:p>
+                  </a:txBody>
+                  <a:tcPr marL="49075" marR="49075" marT="0" marB="0" anchor="ctr"/>
+                </a:tc>
+                <a:tc>
+                  <a:txBody>
+                    <a:bodyPr/>
+                    <a:lstStyle/>
+                    <a:p>
+                      <a:pPr marL="0" indent="0" algn="ctr" defTabSz="914400" rtl="0" eaLnBrk="1" latinLnBrk="0" hangingPunct="1">
+                        <a:lnSpc>
+                          <a:spcPct val="150000"/>
+                        </a:lnSpc>
+                        <a:spcAft>
+                          <a:spcPts val="0"/>
+                        </a:spcAft>
+                      </a:pPr>
+                      <a:r>
+                        <a:rPr lang="ru-RU" sz="1600" kern="1200" dirty="0">
+                          <a:solidFill>
+                            <a:schemeClr val="tx1"/>
+                          </a:solidFill>
+                          <a:effectLst/>
+                          <a:latin typeface="Arial" panose="020B0604020202020204" pitchFamily="34" charset="0"/>
+                          <a:ea typeface="+mn-ea"/>
+                          <a:cs typeface="Arial" panose="020B0604020202020204" pitchFamily="34" charset="0"/>
+                        </a:rPr>
+                        <a:t>0</a:t>
+                      </a:r>
+                    </a:p>
+                  </a:txBody>
+                  <a:tcPr marL="49075" marR="49075" marT="0" marB="0" anchor="ctr"/>
+                </a:tc>
+                <a:tc>
+                  <a:txBody>
+                    <a:bodyPr/>
+                    <a:lstStyle/>
+                    <a:p>
+                      <a:pPr marL="0" indent="0" algn="ctr" defTabSz="914400" rtl="0" eaLnBrk="1" latinLnBrk="0" hangingPunct="1">
+                        <a:lnSpc>
+                          <a:spcPct val="150000"/>
+                        </a:lnSpc>
+                        <a:spcAft>
+                          <a:spcPts val="0"/>
+                        </a:spcAft>
+                      </a:pPr>
+                      <a:r>
+                        <a:rPr lang="ru-RU" sz="1600" kern="1200" dirty="0">
+                          <a:solidFill>
+                            <a:schemeClr val="tx1"/>
+                          </a:solidFill>
+                          <a:effectLst/>
+                          <a:latin typeface="Arial" panose="020B0604020202020204" pitchFamily="34" charset="0"/>
+                          <a:ea typeface="+mn-ea"/>
+                          <a:cs typeface="Arial" panose="020B0604020202020204" pitchFamily="34" charset="0"/>
+                        </a:rPr>
+                        <a:t>0</a:t>
+                      </a:r>
+                    </a:p>
+                  </a:txBody>
+                  <a:tcPr marL="49075" marR="49075" marT="0" marB="0" anchor="ctr"/>
+                </a:tc>
+                <a:extLst>
+                  <a:ext uri="{0D108BD9-81ED-4DB2-BD59-A6C34878D82A}">
+                    <a16:rowId xmlns:a16="http://schemas.microsoft.com/office/drawing/2014/main" val="3509878748"/>
+                  </a:ext>
+                </a:extLst>
+              </a:tr>
+              <a:tr h="520266">
+                <a:tc>
+                  <a:txBody>
+                    <a:bodyPr/>
+                    <a:lstStyle/>
+                    <a:p>
+                      <a:pPr marL="185738" indent="0" algn="l">
+                        <a:lnSpc>
+                          <a:spcPct val="150000"/>
+                        </a:lnSpc>
+                        <a:spcAft>
+                          <a:spcPts val="0"/>
+                        </a:spcAft>
+                      </a:pPr>
+                      <a:r>
+                        <a:rPr lang="ru-RU" sz="1400" dirty="0">
+                          <a:effectLst/>
+                          <a:latin typeface="Arial" panose="020B0604020202020204" pitchFamily="34" charset="0"/>
+                          <a:cs typeface="Arial" panose="020B0604020202020204" pitchFamily="34" charset="0"/>
+                        </a:rPr>
+                        <a:t>Согласованность и компетентность</a:t>
+                      </a:r>
+                      <a:endParaRPr lang="ru-RU" sz="1400" dirty="0">
+                        <a:effectLst/>
+                        <a:latin typeface="Arial" panose="020B0604020202020204" pitchFamily="34" charset="0"/>
+                        <a:ea typeface="Calibri" panose="020F0502020204030204" pitchFamily="34" charset="0"/>
+                        <a:cs typeface="Arial" panose="020B0604020202020204" pitchFamily="34" charset="0"/>
+                      </a:endParaRPr>
+                    </a:p>
+                  </a:txBody>
+                  <a:tcPr marL="49075" marR="49075" marT="0" marB="0" anchor="ctr"/>
+                </a:tc>
+                <a:tc>
+                  <a:txBody>
+                    <a:bodyPr/>
+                    <a:lstStyle/>
+                    <a:p>
+                      <a:pPr marL="0" indent="0" algn="ctr" defTabSz="914400" rtl="0" eaLnBrk="1" latinLnBrk="0" hangingPunct="1">
+                        <a:lnSpc>
+                          <a:spcPct val="150000"/>
+                        </a:lnSpc>
+                        <a:spcAft>
+                          <a:spcPts val="0"/>
+                        </a:spcAft>
+                      </a:pPr>
+                      <a:r>
+                        <a:rPr lang="ru-RU" sz="1600" kern="1200">
+                          <a:solidFill>
+                            <a:schemeClr val="tx1"/>
+                          </a:solidFill>
+                          <a:effectLst/>
+                          <a:latin typeface="Arial" panose="020B0604020202020204" pitchFamily="34" charset="0"/>
+                          <a:ea typeface="+mn-ea"/>
+                          <a:cs typeface="Arial" panose="020B0604020202020204" pitchFamily="34" charset="0"/>
+                        </a:rPr>
+                        <a:t>0</a:t>
+                      </a:r>
+                    </a:p>
+                  </a:txBody>
+                  <a:tcPr marL="49075" marR="49075" marT="0" marB="0" anchor="ctr"/>
+                </a:tc>
+                <a:tc>
+                  <a:txBody>
+                    <a:bodyPr/>
+                    <a:lstStyle/>
+                    <a:p>
+                      <a:pPr marL="0" indent="0" algn="ctr" defTabSz="914400" rtl="0" eaLnBrk="1" latinLnBrk="0" hangingPunct="1">
+                        <a:lnSpc>
+                          <a:spcPct val="150000"/>
+                        </a:lnSpc>
+                        <a:spcAft>
+                          <a:spcPts val="0"/>
+                        </a:spcAft>
+                      </a:pPr>
+                      <a:r>
+                        <a:rPr lang="ru-RU" sz="1600" kern="1200">
+                          <a:solidFill>
+                            <a:schemeClr val="tx1"/>
+                          </a:solidFill>
+                          <a:effectLst/>
+                          <a:latin typeface="Arial" panose="020B0604020202020204" pitchFamily="34" charset="0"/>
+                          <a:ea typeface="+mn-ea"/>
+                          <a:cs typeface="Arial" panose="020B0604020202020204" pitchFamily="34" charset="0"/>
+                        </a:rPr>
+                        <a:t>0</a:t>
+                      </a:r>
+                    </a:p>
+                  </a:txBody>
+                  <a:tcPr marL="49075" marR="49075" marT="0" marB="0" anchor="ctr"/>
+                </a:tc>
+                <a:tc>
+                  <a:txBody>
+                    <a:bodyPr/>
+                    <a:lstStyle/>
+                    <a:p>
+                      <a:pPr marL="0" indent="0" algn="ctr" defTabSz="914400" rtl="0" eaLnBrk="1" latinLnBrk="0" hangingPunct="1">
+                        <a:lnSpc>
+                          <a:spcPct val="150000"/>
+                        </a:lnSpc>
+                        <a:spcAft>
+                          <a:spcPts val="0"/>
+                        </a:spcAft>
+                      </a:pPr>
+                      <a:r>
+                        <a:rPr lang="ru-RU" sz="1600" kern="1200">
+                          <a:solidFill>
+                            <a:schemeClr val="tx1"/>
+                          </a:solidFill>
+                          <a:effectLst/>
+                          <a:latin typeface="Arial" panose="020B0604020202020204" pitchFamily="34" charset="0"/>
+                          <a:ea typeface="+mn-ea"/>
+                          <a:cs typeface="Arial" panose="020B0604020202020204" pitchFamily="34" charset="0"/>
+                        </a:rPr>
+                        <a:t>0</a:t>
+                      </a:r>
+                    </a:p>
+                  </a:txBody>
+                  <a:tcPr marL="49075" marR="49075" marT="0" marB="0" anchor="ctr"/>
+                </a:tc>
+                <a:tc>
+                  <a:txBody>
+                    <a:bodyPr/>
+                    <a:lstStyle/>
+                    <a:p>
+                      <a:pPr marL="0" indent="0" algn="ctr" defTabSz="914400" rtl="0" eaLnBrk="1" latinLnBrk="0" hangingPunct="1">
+                        <a:lnSpc>
+                          <a:spcPct val="150000"/>
+                        </a:lnSpc>
+                        <a:spcAft>
+                          <a:spcPts val="0"/>
+                        </a:spcAft>
+                      </a:pPr>
+                      <a:r>
+                        <a:rPr lang="ru-RU" sz="1600" kern="1200">
+                          <a:solidFill>
+                            <a:schemeClr val="tx1"/>
+                          </a:solidFill>
+                          <a:effectLst/>
+                          <a:latin typeface="Arial" panose="020B0604020202020204" pitchFamily="34" charset="0"/>
+                          <a:ea typeface="+mn-ea"/>
+                          <a:cs typeface="Arial" panose="020B0604020202020204" pitchFamily="34" charset="0"/>
+                        </a:rPr>
+                        <a:t>0</a:t>
+                      </a:r>
+                    </a:p>
+                  </a:txBody>
+                  <a:tcPr marL="49075" marR="49075" marT="0" marB="0" anchor="ctr"/>
+                </a:tc>
+                <a:tc>
+                  <a:txBody>
+                    <a:bodyPr/>
+                    <a:lstStyle/>
+                    <a:p>
+                      <a:pPr marL="0" indent="0" algn="ctr" defTabSz="914400" rtl="0" eaLnBrk="1" latinLnBrk="0" hangingPunct="1">
+                        <a:lnSpc>
+                          <a:spcPct val="150000"/>
+                        </a:lnSpc>
+                        <a:spcAft>
+                          <a:spcPts val="0"/>
+                        </a:spcAft>
+                      </a:pPr>
+                      <a:r>
+                        <a:rPr lang="ru-RU" sz="1600" kern="1200" dirty="0">
+                          <a:solidFill>
+                            <a:schemeClr val="tx1"/>
+                          </a:solidFill>
+                          <a:effectLst/>
+                          <a:latin typeface="Arial" panose="020B0604020202020204" pitchFamily="34" charset="0"/>
+                          <a:ea typeface="+mn-ea"/>
+                          <a:cs typeface="Arial" panose="020B0604020202020204" pitchFamily="34" charset="0"/>
+                        </a:rPr>
+                        <a:t>0</a:t>
+                      </a:r>
+                    </a:p>
+                  </a:txBody>
+                  <a:tcPr marL="49075" marR="49075" marT="0" marB="0" anchor="ctr"/>
+                </a:tc>
+                <a:tc>
+                  <a:txBody>
+                    <a:bodyPr/>
+                    <a:lstStyle/>
+                    <a:p>
+                      <a:pPr marL="0" indent="0" algn="ctr" defTabSz="914400" rtl="0" eaLnBrk="1" latinLnBrk="0" hangingPunct="1">
+                        <a:lnSpc>
+                          <a:spcPct val="150000"/>
+                        </a:lnSpc>
+                        <a:spcAft>
+                          <a:spcPts val="0"/>
+                        </a:spcAft>
+                      </a:pPr>
+                      <a:r>
+                        <a:rPr lang="ru-RU" sz="1600" kern="1200" dirty="0">
+                          <a:solidFill>
+                            <a:schemeClr val="tx1"/>
+                          </a:solidFill>
+                          <a:effectLst/>
+                          <a:latin typeface="Arial" panose="020B0604020202020204" pitchFamily="34" charset="0"/>
+                          <a:ea typeface="+mn-ea"/>
+                          <a:cs typeface="Arial" panose="020B0604020202020204" pitchFamily="34" charset="0"/>
+                        </a:rPr>
+                        <a:t>0</a:t>
+                      </a:r>
+                    </a:p>
+                  </a:txBody>
+                  <a:tcPr marL="49075" marR="49075" marT="0" marB="0" anchor="ctr"/>
+                </a:tc>
+                <a:extLst>
+                  <a:ext uri="{0D108BD9-81ED-4DB2-BD59-A6C34878D82A}">
+                    <a16:rowId xmlns:a16="http://schemas.microsoft.com/office/drawing/2014/main" val="3119244095"/>
+                  </a:ext>
+                </a:extLst>
+              </a:tr>
+              <a:tr h="520266">
+                <a:tc>
+                  <a:txBody>
+                    <a:bodyPr/>
+                    <a:lstStyle/>
+                    <a:p>
+                      <a:pPr marL="0" indent="185738" algn="l">
+                        <a:lnSpc>
+                          <a:spcPct val="150000"/>
+                        </a:lnSpc>
+                        <a:spcAft>
+                          <a:spcPts val="0"/>
+                        </a:spcAft>
+                      </a:pPr>
+                      <a:r>
+                        <a:rPr lang="ru-RU" sz="1400" dirty="0">
+                          <a:effectLst/>
+                          <a:latin typeface="Arial" panose="020B0604020202020204" pitchFamily="34" charset="0"/>
+                          <a:cs typeface="Arial" panose="020B0604020202020204" pitchFamily="34" charset="0"/>
+                        </a:rPr>
+                        <a:t>Итоговый результат:</a:t>
+                      </a:r>
+                      <a:endParaRPr lang="ru-RU" sz="1400" dirty="0">
+                        <a:effectLst/>
+                        <a:latin typeface="Arial" panose="020B0604020202020204" pitchFamily="34" charset="0"/>
+                        <a:ea typeface="Calibri" panose="020F0502020204030204" pitchFamily="34" charset="0"/>
+                        <a:cs typeface="Arial" panose="020B0604020202020204" pitchFamily="34" charset="0"/>
+                      </a:endParaRPr>
+                    </a:p>
+                  </a:txBody>
+                  <a:tcPr marL="49075" marR="49075" marT="0" marB="0" anchor="ctr"/>
+                </a:tc>
+                <a:tc>
+                  <a:txBody>
+                    <a:bodyPr/>
+                    <a:lstStyle/>
+                    <a:p>
+                      <a:pPr marL="0" indent="0" algn="ctr" defTabSz="914400" rtl="0" eaLnBrk="1" latinLnBrk="0" hangingPunct="1">
+                        <a:lnSpc>
+                          <a:spcPct val="150000"/>
+                        </a:lnSpc>
+                        <a:spcAft>
+                          <a:spcPts val="0"/>
+                        </a:spcAft>
+                      </a:pPr>
+                      <a:r>
+                        <a:rPr lang="ru-RU" sz="1600" kern="1200">
+                          <a:solidFill>
+                            <a:schemeClr val="tx1"/>
+                          </a:solidFill>
+                          <a:effectLst/>
+                          <a:latin typeface="Arial" panose="020B0604020202020204" pitchFamily="34" charset="0"/>
+                          <a:ea typeface="+mn-ea"/>
+                          <a:cs typeface="Arial" panose="020B0604020202020204" pitchFamily="34" charset="0"/>
+                        </a:rPr>
+                        <a:t>4</a:t>
+                      </a:r>
+                    </a:p>
+                  </a:txBody>
+                  <a:tcPr marL="49075" marR="49075" marT="0" marB="0" anchor="ctr"/>
+                </a:tc>
+                <a:tc>
+                  <a:txBody>
+                    <a:bodyPr/>
+                    <a:lstStyle/>
+                    <a:p>
+                      <a:pPr marL="0" indent="0" algn="ctr" defTabSz="914400" rtl="0" eaLnBrk="1" latinLnBrk="0" hangingPunct="1">
+                        <a:lnSpc>
+                          <a:spcPct val="150000"/>
+                        </a:lnSpc>
+                        <a:spcAft>
+                          <a:spcPts val="0"/>
+                        </a:spcAft>
+                      </a:pPr>
+                      <a:r>
+                        <a:rPr lang="ru-RU" sz="1600" kern="1200">
+                          <a:solidFill>
+                            <a:schemeClr val="tx1"/>
+                          </a:solidFill>
+                          <a:effectLst/>
+                          <a:latin typeface="Arial" panose="020B0604020202020204" pitchFamily="34" charset="0"/>
+                          <a:ea typeface="+mn-ea"/>
+                          <a:cs typeface="Arial" panose="020B0604020202020204" pitchFamily="34" charset="0"/>
+                        </a:rPr>
+                        <a:t>3</a:t>
+                      </a:r>
+                    </a:p>
+                  </a:txBody>
+                  <a:tcPr marL="49075" marR="49075" marT="0" marB="0" anchor="ctr"/>
+                </a:tc>
+                <a:tc>
+                  <a:txBody>
+                    <a:bodyPr/>
+                    <a:lstStyle/>
+                    <a:p>
+                      <a:pPr marL="0" indent="0" algn="ctr" defTabSz="914400" rtl="0" eaLnBrk="1" latinLnBrk="0" hangingPunct="1">
+                        <a:lnSpc>
+                          <a:spcPct val="150000"/>
+                        </a:lnSpc>
+                        <a:spcAft>
+                          <a:spcPts val="0"/>
+                        </a:spcAft>
+                      </a:pPr>
+                      <a:r>
+                        <a:rPr lang="ru-RU" sz="1600" kern="1200">
+                          <a:solidFill>
+                            <a:schemeClr val="tx1"/>
+                          </a:solidFill>
+                          <a:effectLst/>
+                          <a:latin typeface="Arial" panose="020B0604020202020204" pitchFamily="34" charset="0"/>
+                          <a:ea typeface="+mn-ea"/>
+                          <a:cs typeface="Arial" panose="020B0604020202020204" pitchFamily="34" charset="0"/>
+                        </a:rPr>
+                        <a:t>4</a:t>
+                      </a:r>
+                    </a:p>
+                  </a:txBody>
+                  <a:tcPr marL="49075" marR="49075" marT="0" marB="0" anchor="ctr"/>
+                </a:tc>
+                <a:tc>
+                  <a:txBody>
+                    <a:bodyPr/>
+                    <a:lstStyle/>
+                    <a:p>
+                      <a:pPr marL="0" indent="0" algn="ctr" defTabSz="914400" rtl="0" eaLnBrk="1" latinLnBrk="0" hangingPunct="1">
+                        <a:lnSpc>
+                          <a:spcPct val="150000"/>
+                        </a:lnSpc>
+                        <a:spcAft>
+                          <a:spcPts val="0"/>
+                        </a:spcAft>
+                      </a:pPr>
+                      <a:r>
+                        <a:rPr lang="ru-RU" sz="1600" kern="1200">
+                          <a:solidFill>
+                            <a:schemeClr val="tx1"/>
+                          </a:solidFill>
+                          <a:effectLst/>
+                          <a:latin typeface="Arial" panose="020B0604020202020204" pitchFamily="34" charset="0"/>
+                          <a:ea typeface="+mn-ea"/>
+                          <a:cs typeface="Arial" panose="020B0604020202020204" pitchFamily="34" charset="0"/>
+                        </a:rPr>
+                        <a:t>3</a:t>
+                      </a:r>
+                    </a:p>
+                  </a:txBody>
+                  <a:tcPr marL="49075" marR="49075" marT="0" marB="0" anchor="ctr"/>
+                </a:tc>
+                <a:tc>
+                  <a:txBody>
+                    <a:bodyPr/>
+                    <a:lstStyle/>
+                    <a:p>
+                      <a:pPr marL="0" indent="0" algn="ctr" defTabSz="914400" rtl="0" eaLnBrk="1" latinLnBrk="0" hangingPunct="1">
+                        <a:lnSpc>
+                          <a:spcPct val="150000"/>
+                        </a:lnSpc>
+                        <a:spcAft>
+                          <a:spcPts val="0"/>
+                        </a:spcAft>
+                      </a:pPr>
+                      <a:r>
+                        <a:rPr lang="ru-RU" sz="1600" kern="1200">
+                          <a:solidFill>
+                            <a:schemeClr val="tx1"/>
+                          </a:solidFill>
+                          <a:effectLst/>
+                          <a:latin typeface="Arial" panose="020B0604020202020204" pitchFamily="34" charset="0"/>
+                          <a:ea typeface="+mn-ea"/>
+                          <a:cs typeface="Arial" panose="020B0604020202020204" pitchFamily="34" charset="0"/>
+                        </a:rPr>
+                        <a:t>4</a:t>
+                      </a:r>
+                    </a:p>
+                  </a:txBody>
+                  <a:tcPr marL="49075" marR="49075" marT="0" marB="0" anchor="ctr"/>
+                </a:tc>
+                <a:tc>
+                  <a:txBody>
+                    <a:bodyPr/>
+                    <a:lstStyle/>
+                    <a:p>
+                      <a:pPr marL="0" indent="0" algn="ctr" defTabSz="914400" rtl="0" eaLnBrk="1" latinLnBrk="0" hangingPunct="1">
+                        <a:lnSpc>
+                          <a:spcPct val="150000"/>
+                        </a:lnSpc>
+                        <a:spcAft>
+                          <a:spcPts val="0"/>
+                        </a:spcAft>
+                      </a:pPr>
+                      <a:r>
+                        <a:rPr lang="ru-RU" sz="1600" kern="1200" dirty="0">
+                          <a:solidFill>
+                            <a:schemeClr val="tx1"/>
+                          </a:solidFill>
+                          <a:effectLst/>
+                          <a:latin typeface="Arial" panose="020B0604020202020204" pitchFamily="34" charset="0"/>
+                          <a:ea typeface="+mn-ea"/>
+                          <a:cs typeface="Arial" panose="020B0604020202020204" pitchFamily="34" charset="0"/>
+                        </a:rPr>
+                        <a:t>7</a:t>
+                      </a:r>
+                    </a:p>
+                  </a:txBody>
+                  <a:tcPr marL="49075" marR="49075" marT="0" marB="0" anchor="ctr"/>
+                </a:tc>
+                <a:extLst>
+                  <a:ext uri="{0D108BD9-81ED-4DB2-BD59-A6C34878D82A}">
+                    <a16:rowId xmlns:a16="http://schemas.microsoft.com/office/drawing/2014/main" val="1864999871"/>
+                  </a:ext>
+                </a:extLst>
+              </a:tr>
+            </a:tbl>
+          </a:graphicData>
+        </a:graphic>
+      </p:graphicFrame>
+      <p:sp>
+        <p:nvSpPr>
+          <p:cNvPr id="3" name="Номер слайда 2"/>
+          <p:cNvSpPr>
+            <a:spLocks noGrp="1"/>
+          </p:cNvSpPr>
+          <p:nvPr>
+            <p:ph type="sldNum" sz="quarter" idx="12"/>
+          </p:nvPr>
+        </p:nvSpPr>
+        <p:spPr/>
         <p:txBody>
           <a:bodyPr/>
           <a:lstStyle/>
           <a:p>
-            <a:endParaRPr lang="ru-RU" dirty="0">
-              <a:latin typeface="Arial" panose="020B0604020202020204" pitchFamily="34" charset="0"/>
-              <a:cs typeface="Arial" panose="020B0604020202020204" pitchFamily="34" charset="0"/>
-            </a:endParaRPr>
+            <a:fld id="{AAAC123C-EF72-4040-95C0-D263971896EB}" type="slidenum">
+              <a:rPr lang="ru-RU" smtClean="0"/>
+              <a:t>7</a:t>
+            </a:fld>
+            <a:endParaRPr lang="ru-RU"/>
           </a:p>
         </p:txBody>
       </p:sp>
     </p:spTree>
     <p:extLst>
       <p:ext uri="{BB962C8B-B14F-4D97-AF65-F5344CB8AC3E}">
-        <p14:creationId xmlns:p14="http://schemas.microsoft.com/office/powerpoint/2010/main" val="4013182291"/>
+        <p14:creationId xmlns:p14="http://schemas.microsoft.com/office/powerpoint/2010/main" val="2560681451"/>
       </p:ext>
     </p:extLst>
   </p:cSld>
   <p:clrMapOvr>
     <a:masterClrMapping/>
   </p:clrMapOvr>
+  <p:timing>
+    <p:tnLst>
+      <p:par>
+        <p:cTn id="1" dur="indefinite" restart="never" nodeType="tmRoot"/>
+      </p:par>
+    </p:tnLst>
+  </p:timing>
 </p:sld>
 </file>
 
@@ -10612,7 +10685,7 @@
                 <a:latin typeface="Arial" panose="020B0604020202020204" pitchFamily="34" charset="0"/>
                 <a:cs typeface="Arial" panose="020B0604020202020204" pitchFamily="34" charset="0"/>
               </a:rPr>
-              <a:t>Согласованность и компетентность</a:t>
+              <a:t>Требования к программе</a:t>
             </a:r>
             <a:endParaRPr lang="ru-RU" dirty="0">
               <a:latin typeface="Arial" panose="020B0604020202020204" pitchFamily="34" charset="0"/>
@@ -10648,16 +10721,46 @@
           </a:p>
         </p:txBody>
       </p:sp>
+      <p:sp>
+        <p:nvSpPr>
+          <p:cNvPr id="5" name="Номер слайда 4"/>
+          <p:cNvSpPr>
+            <a:spLocks noGrp="1"/>
+          </p:cNvSpPr>
+          <p:nvPr>
+            <p:ph type="sldNum" sz="quarter" idx="12"/>
+          </p:nvPr>
+        </p:nvSpPr>
+        <p:spPr/>
+        <p:txBody>
+          <a:bodyPr/>
+          <a:lstStyle/>
+          <a:p>
+            <a:fld id="{AAAC123C-EF72-4040-95C0-D263971896EB}" type="slidenum">
+              <a:rPr lang="ru-RU" smtClean="0"/>
+              <a:t>8</a:t>
+            </a:fld>
+            <a:endParaRPr lang="ru-RU"/>
+          </a:p>
+        </p:txBody>
+      </p:sp>
     </p:spTree>
     <p:extLst>
       <p:ext uri="{BB962C8B-B14F-4D97-AF65-F5344CB8AC3E}">
-        <p14:creationId xmlns:p14="http://schemas.microsoft.com/office/powerpoint/2010/main" val="1607851024"/>
+        <p14:creationId xmlns:p14="http://schemas.microsoft.com/office/powerpoint/2010/main" val="1477043405"/>
       </p:ext>
     </p:extLst>
   </p:cSld>
   <p:clrMapOvr>
     <a:masterClrMapping/>
   </p:clrMapOvr>
+  <p:timing>
+    <p:tnLst>
+      <p:par>
+        <p:cTn id="1" dur="indefinite" restart="never" nodeType="tmRoot"/>
+      </p:par>
+    </p:tnLst>
+  </p:timing>
 </p:sld>
 </file>
 
@@ -10703,7 +10806,7 @@
                 <a:latin typeface="Arial" panose="020B0604020202020204" pitchFamily="34" charset="0"/>
                 <a:cs typeface="Arial" panose="020B0604020202020204" pitchFamily="34" charset="0"/>
               </a:rPr>
-              <a:t>Пример</a:t>
+              <a:t>Алгоритм программы</a:t>
             </a:r>
             <a:endParaRPr lang="ru-RU" dirty="0">
               <a:latin typeface="Arial" panose="020B0604020202020204" pitchFamily="34" charset="0"/>
@@ -10739,10 +10842,33 @@
           </a:p>
         </p:txBody>
       </p:sp>
+      <p:sp>
+        <p:nvSpPr>
+          <p:cNvPr id="5" name="Номер слайда 4"/>
+          <p:cNvSpPr>
+            <a:spLocks noGrp="1"/>
+          </p:cNvSpPr>
+          <p:nvPr>
+            <p:ph type="sldNum" sz="quarter" idx="12"/>
+          </p:nvPr>
+        </p:nvSpPr>
+        <p:spPr/>
+        <p:txBody>
+          <a:bodyPr/>
+          <a:lstStyle/>
+          <a:p>
+            <a:fld id="{AAAC123C-EF72-4040-95C0-D263971896EB}" type="slidenum">
+              <a:rPr lang="ru-RU" smtClean="0"/>
+              <a:t>9</a:t>
+            </a:fld>
+            <a:endParaRPr lang="ru-RU"/>
+          </a:p>
+        </p:txBody>
+      </p:sp>
     </p:spTree>
     <p:extLst>
       <p:ext uri="{BB962C8B-B14F-4D97-AF65-F5344CB8AC3E}">
-        <p14:creationId xmlns:p14="http://schemas.microsoft.com/office/powerpoint/2010/main" val="489726946"/>
+        <p14:creationId xmlns:p14="http://schemas.microsoft.com/office/powerpoint/2010/main" val="1456357331"/>
       </p:ext>
     </p:extLst>
   </p:cSld>
@@ -11011,4 +11137,265 @@
     </a:ext>
   </a:extLst>
 </a:theme>
+</file>
+
+<file path=ppt/theme/theme2.xml><?xml version="1.0" encoding="utf-8"?>
+<a:theme xmlns:a="http://schemas.openxmlformats.org/drawingml/2006/main" name="Тема Office">
+  <a:themeElements>
+    <a:clrScheme name="Стандартная">
+      <a:dk1>
+        <a:sysClr val="windowText" lastClr="000000"/>
+      </a:dk1>
+      <a:lt1>
+        <a:sysClr val="window" lastClr="FFFFFF"/>
+      </a:lt1>
+      <a:dk2>
+        <a:srgbClr val="44546A"/>
+      </a:dk2>
+      <a:lt2>
+        <a:srgbClr val="E7E6E6"/>
+      </a:lt2>
+      <a:accent1>
+        <a:srgbClr val="5B9BD5"/>
+      </a:accent1>
+      <a:accent2>
+        <a:srgbClr val="ED7D31"/>
+      </a:accent2>
+      <a:accent3>
+        <a:srgbClr val="A5A5A5"/>
+      </a:accent3>
+      <a:accent4>
+        <a:srgbClr val="FFC000"/>
+      </a:accent4>
+      <a:accent5>
+        <a:srgbClr val="4472C4"/>
+      </a:accent5>
+      <a:accent6>
+        <a:srgbClr val="70AD47"/>
+      </a:accent6>
+      <a:hlink>
+        <a:srgbClr val="0563C1"/>
+      </a:hlink>
+      <a:folHlink>
+        <a:srgbClr val="954F72"/>
+      </a:folHlink>
+    </a:clrScheme>
+    <a:fontScheme name="Стандартная">
+      <a:majorFont>
+        <a:latin typeface="Calibri Light" panose="020F0302020204030204"/>
+        <a:ea typeface=""/>
+        <a:cs typeface=""/>
+        <a:font script="Jpan" typeface="游ゴシック Light"/>
+        <a:font script="Hang" typeface="맑은 고딕"/>
+        <a:font script="Hans" typeface="等线 Light"/>
+        <a:font script="Hant" typeface="新細明體"/>
+        <a:font script="Arab" typeface="Times New Roman"/>
+        <a:font script="Hebr" typeface="Times New Roman"/>
+        <a:font script="Thai" typeface="Angsana New"/>
+        <a:font script="Ethi" typeface="Nyala"/>
+        <a:font script="Beng" typeface="Vrinda"/>
+        <a:font script="Gujr" typeface="Shruti"/>
+        <a:font script="Khmr" typeface="MoolBoran"/>
+        <a:font script="Knda" typeface="Tunga"/>
+        <a:font script="Guru" typeface="Raavi"/>
+        <a:font script="Cans" typeface="Euphemia"/>
+        <a:font script="Cher" typeface="Plantagenet Cherokee"/>
+        <a:font script="Yiii" typeface="Microsoft Yi Baiti"/>
+        <a:font script="Tibt" typeface="Microsoft Himalaya"/>
+        <a:font script="Thaa" typeface="MV Boli"/>
+        <a:font script="Deva" typeface="Mangal"/>
+        <a:font script="Telu" typeface="Gautami"/>
+        <a:font script="Taml" typeface="Latha"/>
+        <a:font script="Syrc" typeface="Estrangelo Edessa"/>
+        <a:font script="Orya" typeface="Kalinga"/>
+        <a:font script="Mlym" typeface="Kartika"/>
+        <a:font script="Laoo" typeface="DokChampa"/>
+        <a:font script="Sinh" typeface="Iskoola Pota"/>
+        <a:font script="Mong" typeface="Mongolian Baiti"/>
+        <a:font script="Viet" typeface="Times New Roman"/>
+        <a:font script="Uigh" typeface="Microsoft Uighur"/>
+        <a:font script="Geor" typeface="Sylfaen"/>
+      </a:majorFont>
+      <a:minorFont>
+        <a:latin typeface="Calibri" panose="020F0502020204030204"/>
+        <a:ea typeface=""/>
+        <a:cs typeface=""/>
+        <a:font script="Jpan" typeface="游ゴシック"/>
+        <a:font script="Hang" typeface="맑은 고딕"/>
+        <a:font script="Hans" typeface="等线"/>
+        <a:font script="Hant" typeface="新細明體"/>
+        <a:font script="Arab" typeface="Arial"/>
+        <a:font script="Hebr" typeface="Arial"/>
+        <a:font script="Thai" typeface="Cordia New"/>
+        <a:font script="Ethi" typeface="Nyala"/>
+        <a:font script="Beng" typeface="Vrinda"/>
+        <a:font script="Gujr" typeface="Shruti"/>
+        <a:font script="Khmr" typeface="DaunPenh"/>
+        <a:font script="Knda" typeface="Tunga"/>
+        <a:font script="Guru" typeface="Raavi"/>
+        <a:font script="Cans" typeface="Euphemia"/>
+        <a:font script="Cher" typeface="Plantagenet Cherokee"/>
+        <a:font script="Yiii" typeface="Microsoft Yi Baiti"/>
+        <a:font script="Tibt" typeface="Microsoft Himalaya"/>
+        <a:font script="Thaa" typeface="MV Boli"/>
+        <a:font script="Deva" typeface="Mangal"/>
+        <a:font script="Telu" typeface="Gautami"/>
+        <a:font script="Taml" typeface="Latha"/>
+        <a:font script="Syrc" typeface="Estrangelo Edessa"/>
+        <a:font script="Orya" typeface="Kalinga"/>
+        <a:font script="Mlym" typeface="Kartika"/>
+        <a:font script="Laoo" typeface="DokChampa"/>
+        <a:font script="Sinh" typeface="Iskoola Pota"/>
+        <a:font script="Mong" typeface="Mongolian Baiti"/>
+        <a:font script="Viet" typeface="Arial"/>
+        <a:font script="Uigh" typeface="Microsoft Uighur"/>
+        <a:font script="Geor" typeface="Sylfaen"/>
+      </a:minorFont>
+    </a:fontScheme>
+    <a:fmtScheme name="Стандартная">
+      <a:fillStyleLst>
+        <a:solidFill>
+          <a:schemeClr val="phClr"/>
+        </a:solidFill>
+        <a:gradFill rotWithShape="1">
+          <a:gsLst>
+            <a:gs pos="0">
+              <a:schemeClr val="phClr">
+                <a:lumMod val="110000"/>
+                <a:satMod val="105000"/>
+                <a:tint val="67000"/>
+              </a:schemeClr>
+            </a:gs>
+            <a:gs pos="50000">
+              <a:schemeClr val="phClr">
+                <a:lumMod val="105000"/>
+                <a:satMod val="103000"/>
+                <a:tint val="73000"/>
+              </a:schemeClr>
+            </a:gs>
+            <a:gs pos="100000">
+              <a:schemeClr val="phClr">
+                <a:lumMod val="105000"/>
+                <a:satMod val="109000"/>
+                <a:tint val="81000"/>
+              </a:schemeClr>
+            </a:gs>
+          </a:gsLst>
+          <a:lin ang="5400000" scaled="0"/>
+        </a:gradFill>
+        <a:gradFill rotWithShape="1">
+          <a:gsLst>
+            <a:gs pos="0">
+              <a:schemeClr val="phClr">
+                <a:satMod val="103000"/>
+                <a:lumMod val="102000"/>
+                <a:tint val="94000"/>
+              </a:schemeClr>
+            </a:gs>
+            <a:gs pos="50000">
+              <a:schemeClr val="phClr">
+                <a:satMod val="110000"/>
+                <a:lumMod val="100000"/>
+                <a:shade val="100000"/>
+              </a:schemeClr>
+            </a:gs>
+            <a:gs pos="100000">
+              <a:schemeClr val="phClr">
+                <a:lumMod val="99000"/>
+                <a:satMod val="120000"/>
+                <a:shade val="78000"/>
+              </a:schemeClr>
+            </a:gs>
+          </a:gsLst>
+          <a:lin ang="5400000" scaled="0"/>
+        </a:gradFill>
+      </a:fillStyleLst>
+      <a:lnStyleLst>
+        <a:ln w="6350" cap="flat" cmpd="sng" algn="ctr">
+          <a:solidFill>
+            <a:schemeClr val="phClr"/>
+          </a:solidFill>
+          <a:prstDash val="solid"/>
+          <a:miter lim="800000"/>
+        </a:ln>
+        <a:ln w="12700" cap="flat" cmpd="sng" algn="ctr">
+          <a:solidFill>
+            <a:schemeClr val="phClr"/>
+          </a:solidFill>
+          <a:prstDash val="solid"/>
+          <a:miter lim="800000"/>
+        </a:ln>
+        <a:ln w="19050" cap="flat" cmpd="sng" algn="ctr">
+          <a:solidFill>
+            <a:schemeClr val="phClr"/>
+          </a:solidFill>
+          <a:prstDash val="solid"/>
+          <a:miter lim="800000"/>
+        </a:ln>
+      </a:lnStyleLst>
+      <a:effectStyleLst>
+        <a:effectStyle>
+          <a:effectLst/>
+        </a:effectStyle>
+        <a:effectStyle>
+          <a:effectLst/>
+        </a:effectStyle>
+        <a:effectStyle>
+          <a:effectLst>
+            <a:outerShdw blurRad="57150" dist="19050" dir="5400000" algn="ctr" rotWithShape="0">
+              <a:srgbClr val="000000">
+                <a:alpha val="63000"/>
+              </a:srgbClr>
+            </a:outerShdw>
+          </a:effectLst>
+        </a:effectStyle>
+      </a:effectStyleLst>
+      <a:bgFillStyleLst>
+        <a:solidFill>
+          <a:schemeClr val="phClr"/>
+        </a:solidFill>
+        <a:solidFill>
+          <a:schemeClr val="phClr">
+            <a:tint val="95000"/>
+            <a:satMod val="170000"/>
+          </a:schemeClr>
+        </a:solidFill>
+        <a:gradFill rotWithShape="1">
+          <a:gsLst>
+            <a:gs pos="0">
+              <a:schemeClr val="phClr">
+                <a:tint val="93000"/>
+                <a:satMod val="150000"/>
+                <a:shade val="98000"/>
+                <a:lumMod val="102000"/>
+              </a:schemeClr>
+            </a:gs>
+            <a:gs pos="50000">
+              <a:schemeClr val="phClr">
+                <a:tint val="98000"/>
+                <a:satMod val="130000"/>
+                <a:shade val="90000"/>
+                <a:lumMod val="103000"/>
+              </a:schemeClr>
+            </a:gs>
+            <a:gs pos="100000">
+              <a:schemeClr val="phClr">
+                <a:shade val="63000"/>
+                <a:satMod val="120000"/>
+              </a:schemeClr>
+            </a:gs>
+          </a:gsLst>
+          <a:lin ang="5400000" scaled="0"/>
+        </a:gradFill>
+      </a:bgFillStyleLst>
+    </a:fmtScheme>
+  </a:themeElements>
+  <a:objectDefaults/>
+  <a:extraClrSchemeLst/>
+  <a:extLst>
+    <a:ext uri="{05A4C25C-085E-4340-85A3-A5531E510DB2}">
+      <thm15:themeFamily xmlns:thm15="http://schemas.microsoft.com/office/thememl/2012/main" name="Office Theme" id="{62F939B6-93AF-4DB8-9C6B-D6C7DFDC589F}" vid="{4A3C46E8-61CC-4603-A589-7422A47A8E4A}"/>
+    </a:ext>
+  </a:extLst>
+</a:theme>
 </file>
--- a/Docs/Мои документы/Презентация Microsoft PowerPoint.pptx
+++ b/Docs/Мои документы/Презентация Microsoft PowerPoint.pptx
@@ -5,29 +5,19 @@
     <p:sldMasterId id="2147483648" r:id="rId1"/>
   </p:sldMasterIdLst>
   <p:notesMasterIdLst>
-    <p:notesMasterId r:id="rId22"/>
+    <p:notesMasterId r:id="rId12"/>
   </p:notesMasterIdLst>
   <p:sldIdLst>
     <p:sldId id="257" r:id="rId2"/>
-    <p:sldId id="280" r:id="rId3"/>
-    <p:sldId id="278" r:id="rId4"/>
-    <p:sldId id="277" r:id="rId5"/>
-    <p:sldId id="262" r:id="rId6"/>
-    <p:sldId id="263" r:id="rId7"/>
-    <p:sldId id="264" r:id="rId8"/>
-    <p:sldId id="265" r:id="rId9"/>
-    <p:sldId id="276" r:id="rId10"/>
-    <p:sldId id="266" r:id="rId11"/>
-    <p:sldId id="267" r:id="rId12"/>
-    <p:sldId id="268" r:id="rId13"/>
-    <p:sldId id="272" r:id="rId14"/>
-    <p:sldId id="273" r:id="rId15"/>
-    <p:sldId id="274" r:id="rId16"/>
-    <p:sldId id="271" r:id="rId17"/>
-    <p:sldId id="269" r:id="rId18"/>
-    <p:sldId id="270" r:id="rId19"/>
-    <p:sldId id="258" r:id="rId20"/>
-    <p:sldId id="275" r:id="rId21"/>
+    <p:sldId id="262" r:id="rId3"/>
+    <p:sldId id="263" r:id="rId4"/>
+    <p:sldId id="264" r:id="rId5"/>
+    <p:sldId id="265" r:id="rId6"/>
+    <p:sldId id="276" r:id="rId7"/>
+    <p:sldId id="268" r:id="rId8"/>
+    <p:sldId id="272" r:id="rId9"/>
+    <p:sldId id="277" r:id="rId10"/>
+    <p:sldId id="273" r:id="rId11"/>
   </p:sldIdLst>
   <p:sldSz cx="12192000" cy="6858000"/>
   <p:notesSz cx="6858000" cy="9144000"/>
@@ -216,7 +206,7 @@
           <a:p>
             <a:fld id="{C6354C22-5E66-4D2A-A923-25BA372B50AB}" type="datetimeFigureOut">
               <a:rPr lang="ru-RU" smtClean="0"/>
-              <a:t>19.06.2017</a:t>
+              <a:t>20.06.2017</a:t>
             </a:fld>
             <a:endParaRPr lang="ru-RU"/>
           </a:p>
@@ -615,7 +605,7 @@
           <a:p>
             <a:fld id="{02406AF7-8FB2-4AB5-A697-28A1ADEA314C}" type="datetime1">
               <a:rPr lang="ru-RU" smtClean="0"/>
-              <a:t>19.06.2017</a:t>
+              <a:t>20.06.2017</a:t>
             </a:fld>
             <a:endParaRPr lang="ru-RU"/>
           </a:p>
@@ -801,7 +791,7 @@
           <a:p>
             <a:fld id="{37E7371F-FCDB-4AE0-A891-A45FAEC6A3BF}" type="datetime1">
               <a:rPr lang="ru-RU" smtClean="0"/>
-              <a:t>19.06.2017</a:t>
+              <a:t>20.06.2017</a:t>
             </a:fld>
             <a:endParaRPr lang="ru-RU"/>
           </a:p>
@@ -981,7 +971,7 @@
           <a:p>
             <a:fld id="{E29ED6FB-4EBA-4295-853F-91FDC654E038}" type="datetime1">
               <a:rPr lang="ru-RU" smtClean="0"/>
-              <a:t>19.06.2017</a:t>
+              <a:t>20.06.2017</a:t>
             </a:fld>
             <a:endParaRPr lang="ru-RU"/>
           </a:p>
@@ -1151,7 +1141,7 @@
           <a:p>
             <a:fld id="{75AFE0A6-96D9-47F9-B652-EAAA0ED49D7F}" type="datetime1">
               <a:rPr lang="ru-RU" smtClean="0"/>
-              <a:t>19.06.2017</a:t>
+              <a:t>20.06.2017</a:t>
             </a:fld>
             <a:endParaRPr lang="ru-RU"/>
           </a:p>
@@ -1413,7 +1403,7 @@
           <a:p>
             <a:fld id="{A79DA588-6FE3-4D8B-BF3C-2D78EF5EAC56}" type="datetime1">
               <a:rPr lang="ru-RU" smtClean="0"/>
-              <a:t>19.06.2017</a:t>
+              <a:t>20.06.2017</a:t>
             </a:fld>
             <a:endParaRPr lang="ru-RU"/>
           </a:p>
@@ -1645,7 +1635,7 @@
           <a:p>
             <a:fld id="{FF64878D-51A4-4BB2-A237-E48286D0CB7F}" type="datetime1">
               <a:rPr lang="ru-RU" smtClean="0"/>
-              <a:t>19.06.2017</a:t>
+              <a:t>20.06.2017</a:t>
             </a:fld>
             <a:endParaRPr lang="ru-RU"/>
           </a:p>
@@ -2012,7 +2002,7 @@
           <a:p>
             <a:fld id="{7113F5A0-0A2B-4E38-A019-A6749BDF0DBE}" type="datetime1">
               <a:rPr lang="ru-RU" smtClean="0"/>
-              <a:t>19.06.2017</a:t>
+              <a:t>20.06.2017</a:t>
             </a:fld>
             <a:endParaRPr lang="ru-RU"/>
           </a:p>
@@ -2130,7 +2120,7 @@
           <a:p>
             <a:fld id="{960D8BB2-8589-432B-97C3-2F588E61C97A}" type="datetime1">
               <a:rPr lang="ru-RU" smtClean="0"/>
-              <a:t>19.06.2017</a:t>
+              <a:t>20.06.2017</a:t>
             </a:fld>
             <a:endParaRPr lang="ru-RU"/>
           </a:p>
@@ -2225,7 +2215,7 @@
           <a:p>
             <a:fld id="{B416A679-B84E-4031-91A1-123DFE669A62}" type="datetime1">
               <a:rPr lang="ru-RU" smtClean="0"/>
-              <a:t>19.06.2017</a:t>
+              <a:t>20.06.2017</a:t>
             </a:fld>
             <a:endParaRPr lang="ru-RU"/>
           </a:p>
@@ -2502,7 +2492,7 @@
           <a:p>
             <a:fld id="{077EAB66-6081-41B3-AADE-536CF1A1137E}" type="datetime1">
               <a:rPr lang="ru-RU" smtClean="0"/>
-              <a:t>19.06.2017</a:t>
+              <a:t>20.06.2017</a:t>
             </a:fld>
             <a:endParaRPr lang="ru-RU"/>
           </a:p>
@@ -2755,7 +2745,7 @@
           <a:p>
             <a:fld id="{EEB82F77-30D2-4FE1-A57A-473EC25F5B99}" type="datetime1">
               <a:rPr lang="ru-RU" smtClean="0"/>
-              <a:t>19.06.2017</a:t>
+              <a:t>20.06.2017</a:t>
             </a:fld>
             <a:endParaRPr lang="ru-RU"/>
           </a:p>
@@ -2968,7 +2958,7 @@
           <a:p>
             <a:fld id="{548058E2-F4DC-441A-9C22-354F5C165227}" type="datetime1">
               <a:rPr lang="ru-RU" smtClean="0"/>
-              <a:t>19.06.2017</a:t>
+              <a:t>20.06.2017</a:t>
             </a:fld>
             <a:endParaRPr lang="ru-RU"/>
           </a:p>
@@ -3428,13 +3418,7 @@
               <a:rPr lang="ru-RU" b="1" smtClean="0">
                 <a:latin typeface="Times New Roman" pitchFamily="18" charset="0"/>
               </a:rPr>
-              <a:t>университет</a:t>
-            </a:r>
-            <a:r>
-              <a:rPr lang="ru-RU" b="1" smtClean="0">
-                <a:latin typeface="Times New Roman" pitchFamily="18" charset="0"/>
-              </a:rPr>
-              <a:t>)»</a:t>
+              <a:t>университет)»</a:t>
             </a:r>
             <a:r>
               <a:rPr lang="ru-RU" b="1" dirty="0" smtClean="0">
@@ -3693,20 +3677,36 @@
         </p:nvSpPr>
         <p:spPr>
           <a:xfrm>
-            <a:off x="838200" y="365125"/>
-            <a:ext cx="10683240" cy="869315"/>
+            <a:off x="342900" y="365124"/>
+            <a:ext cx="11072813" cy="6264275"/>
           </a:xfrm>
         </p:spPr>
         <p:txBody>
-          <a:bodyPr/>
+          <a:bodyPr>
+            <a:normAutofit/>
+          </a:bodyPr>
           <a:lstStyle/>
           <a:p>
+            <a:pPr algn="ctr"/>
             <a:r>
               <a:rPr lang="ru-RU" dirty="0" smtClean="0">
                 <a:latin typeface="Arial" panose="020B0604020202020204" pitchFamily="34" charset="0"/>
                 <a:cs typeface="Arial" panose="020B0604020202020204" pitchFamily="34" charset="0"/>
               </a:rPr>
-              <a:t>Математическая модель</a:t>
+              <a:t>Доклад закончен.</a:t>
+            </a:r>
+            <a:br>
+              <a:rPr lang="ru-RU" dirty="0" smtClean="0">
+                <a:latin typeface="Arial" panose="020B0604020202020204" pitchFamily="34" charset="0"/>
+                <a:cs typeface="Arial" panose="020B0604020202020204" pitchFamily="34" charset="0"/>
+              </a:rPr>
+            </a:br>
+            <a:r>
+              <a:rPr lang="ru-RU" dirty="0" smtClean="0">
+                <a:latin typeface="Arial" panose="020B0604020202020204" pitchFamily="34" charset="0"/>
+                <a:cs typeface="Arial" panose="020B0604020202020204" pitchFamily="34" charset="0"/>
+              </a:rPr>
+              <a:t>Спасибо за внимание.</a:t>
             </a:r>
             <a:endParaRPr lang="ru-RU" dirty="0">
               <a:latin typeface="Arial" panose="020B0604020202020204" pitchFamily="34" charset="0"/>
@@ -3717,519 +3717,22 @@
       </p:sp>
       <p:sp>
         <p:nvSpPr>
-          <p:cNvPr id="3" name="Объект 2"/>
-          <p:cNvSpPr>
-            <a:spLocks noGrp="1"/>
-          </p:cNvSpPr>
-          <p:nvPr>
-            <p:ph idx="1"/>
-          </p:nvPr>
-        </p:nvSpPr>
-        <p:spPr>
-          <a:xfrm>
-            <a:off x="838200" y="1234440"/>
-            <a:ext cx="10515600" cy="5417820"/>
-          </a:xfrm>
-        </p:spPr>
+          <p:cNvPr id="4" name="Номер слайда 3"/>
+          <p:cNvSpPr>
+            <a:spLocks noGrp="1"/>
+          </p:cNvSpPr>
+          <p:nvPr>
+            <p:ph type="sldNum" sz="quarter" idx="12"/>
+          </p:nvPr>
+        </p:nvSpPr>
+        <p:spPr/>
         <p:txBody>
           <a:bodyPr/>
           <a:lstStyle/>
           <a:p>
-            <a:endParaRPr lang="ru-RU" dirty="0">
-              <a:latin typeface="Arial" panose="020B0604020202020204" pitchFamily="34" charset="0"/>
-              <a:cs typeface="Arial" panose="020B0604020202020204" pitchFamily="34" charset="0"/>
-            </a:endParaRPr>
-          </a:p>
-        </p:txBody>
-      </p:sp>
-      <p:sp>
-        <p:nvSpPr>
-          <p:cNvPr id="5" name="Номер слайда 4"/>
-          <p:cNvSpPr>
-            <a:spLocks noGrp="1"/>
-          </p:cNvSpPr>
-          <p:nvPr>
-            <p:ph type="sldNum" sz="quarter" idx="12"/>
-          </p:nvPr>
-        </p:nvSpPr>
-        <p:spPr/>
-        <p:txBody>
-          <a:bodyPr/>
-          <a:lstStyle/>
-          <a:p>
             <a:fld id="{AAAC123C-EF72-4040-95C0-D263971896EB}" type="slidenum">
               <a:rPr lang="ru-RU" smtClean="0"/>
               <a:t>10</a:t>
-            </a:fld>
-            <a:endParaRPr lang="ru-RU"/>
-          </a:p>
-        </p:txBody>
-      </p:sp>
-    </p:spTree>
-    <p:extLst>
-      <p:ext uri="{BB962C8B-B14F-4D97-AF65-F5344CB8AC3E}">
-        <p14:creationId xmlns:p14="http://schemas.microsoft.com/office/powerpoint/2010/main" val="4013182291"/>
-      </p:ext>
-    </p:extLst>
-  </p:cSld>
-  <p:clrMapOvr>
-    <a:masterClrMapping/>
-  </p:clrMapOvr>
-</p:sld>
-</file>
-
-<file path=ppt/slides/slide11.xml><?xml version="1.0" encoding="utf-8"?>
-<p:sld xmlns:a="http://schemas.openxmlformats.org/drawingml/2006/main" xmlns:r="http://schemas.openxmlformats.org/officeDocument/2006/relationships" xmlns:p="http://schemas.openxmlformats.org/presentationml/2006/main">
-  <p:cSld>
-    <p:spTree>
-      <p:nvGrpSpPr>
-        <p:cNvPr id="1" name=""/>
-        <p:cNvGrpSpPr/>
-        <p:nvPr/>
-      </p:nvGrpSpPr>
-      <p:grpSpPr>
-        <a:xfrm>
-          <a:off x="0" y="0"/>
-          <a:ext cx="0" cy="0"/>
-          <a:chOff x="0" y="0"/>
-          <a:chExt cx="0" cy="0"/>
-        </a:xfrm>
-      </p:grpSpPr>
-      <p:sp>
-        <p:nvSpPr>
-          <p:cNvPr id="2" name="Заголовок 1"/>
-          <p:cNvSpPr>
-            <a:spLocks noGrp="1"/>
-          </p:cNvSpPr>
-          <p:nvPr>
-            <p:ph type="title"/>
-          </p:nvPr>
-        </p:nvSpPr>
-        <p:spPr>
-          <a:xfrm>
-            <a:off x="838200" y="365125"/>
-            <a:ext cx="10683240" cy="869315"/>
-          </a:xfrm>
-        </p:spPr>
-        <p:txBody>
-          <a:bodyPr/>
-          <a:lstStyle/>
-          <a:p>
-            <a:r>
-              <a:rPr lang="ru-RU" dirty="0" smtClean="0">
-                <a:latin typeface="Arial" panose="020B0604020202020204" pitchFamily="34" charset="0"/>
-                <a:cs typeface="Arial" panose="020B0604020202020204" pitchFamily="34" charset="0"/>
-              </a:rPr>
-              <a:t>Согласованность и компетентность</a:t>
-            </a:r>
-            <a:endParaRPr lang="ru-RU" dirty="0">
-              <a:latin typeface="Arial" panose="020B0604020202020204" pitchFamily="34" charset="0"/>
-              <a:cs typeface="Arial" panose="020B0604020202020204" pitchFamily="34" charset="0"/>
-            </a:endParaRPr>
-          </a:p>
-        </p:txBody>
-      </p:sp>
-      <p:sp>
-        <p:nvSpPr>
-          <p:cNvPr id="3" name="Объект 2"/>
-          <p:cNvSpPr>
-            <a:spLocks noGrp="1"/>
-          </p:cNvSpPr>
-          <p:nvPr>
-            <p:ph idx="1"/>
-          </p:nvPr>
-        </p:nvSpPr>
-        <p:spPr>
-          <a:xfrm>
-            <a:off x="838200" y="1234440"/>
-            <a:ext cx="10515600" cy="5417820"/>
-          </a:xfrm>
-        </p:spPr>
-        <p:txBody>
-          <a:bodyPr/>
-          <a:lstStyle/>
-          <a:p>
-            <a:endParaRPr lang="ru-RU" dirty="0">
-              <a:latin typeface="Arial" panose="020B0604020202020204" pitchFamily="34" charset="0"/>
-              <a:cs typeface="Arial" panose="020B0604020202020204" pitchFamily="34" charset="0"/>
-            </a:endParaRPr>
-          </a:p>
-        </p:txBody>
-      </p:sp>
-      <p:sp>
-        <p:nvSpPr>
-          <p:cNvPr id="5" name="Номер слайда 4"/>
-          <p:cNvSpPr>
-            <a:spLocks noGrp="1"/>
-          </p:cNvSpPr>
-          <p:nvPr>
-            <p:ph type="sldNum" sz="quarter" idx="12"/>
-          </p:nvPr>
-        </p:nvSpPr>
-        <p:spPr/>
-        <p:txBody>
-          <a:bodyPr/>
-          <a:lstStyle/>
-          <a:p>
-            <a:fld id="{AAAC123C-EF72-4040-95C0-D263971896EB}" type="slidenum">
-              <a:rPr lang="ru-RU" smtClean="0"/>
-              <a:t>11</a:t>
-            </a:fld>
-            <a:endParaRPr lang="ru-RU"/>
-          </a:p>
-        </p:txBody>
-      </p:sp>
-    </p:spTree>
-    <p:extLst>
-      <p:ext uri="{BB962C8B-B14F-4D97-AF65-F5344CB8AC3E}">
-        <p14:creationId xmlns:p14="http://schemas.microsoft.com/office/powerpoint/2010/main" val="1607851024"/>
-      </p:ext>
-    </p:extLst>
-  </p:cSld>
-  <p:clrMapOvr>
-    <a:masterClrMapping/>
-  </p:clrMapOvr>
-</p:sld>
-</file>
-
-<file path=ppt/slides/slide12.xml><?xml version="1.0" encoding="utf-8"?>
-<p:sld xmlns:a="http://schemas.openxmlformats.org/drawingml/2006/main" xmlns:r="http://schemas.openxmlformats.org/officeDocument/2006/relationships" xmlns:p="http://schemas.openxmlformats.org/presentationml/2006/main">
-  <p:cSld>
-    <p:spTree>
-      <p:nvGrpSpPr>
-        <p:cNvPr id="1" name=""/>
-        <p:cNvGrpSpPr/>
-        <p:nvPr/>
-      </p:nvGrpSpPr>
-      <p:grpSpPr>
-        <a:xfrm>
-          <a:off x="0" y="0"/>
-          <a:ext cx="0" cy="0"/>
-          <a:chOff x="0" y="0"/>
-          <a:chExt cx="0" cy="0"/>
-        </a:xfrm>
-      </p:grpSpPr>
-      <p:sp>
-        <p:nvSpPr>
-          <p:cNvPr id="2" name="Заголовок 1"/>
-          <p:cNvSpPr>
-            <a:spLocks noGrp="1"/>
-          </p:cNvSpPr>
-          <p:nvPr>
-            <p:ph type="title"/>
-          </p:nvPr>
-        </p:nvSpPr>
-        <p:spPr>
-          <a:xfrm>
-            <a:off x="838200" y="365125"/>
-            <a:ext cx="10683240" cy="869315"/>
-          </a:xfrm>
-        </p:spPr>
-        <p:txBody>
-          <a:bodyPr/>
-          <a:lstStyle/>
-          <a:p>
-            <a:r>
-              <a:rPr lang="ru-RU" dirty="0" smtClean="0">
-                <a:latin typeface="Arial" panose="020B0604020202020204" pitchFamily="34" charset="0"/>
-                <a:cs typeface="Arial" panose="020B0604020202020204" pitchFamily="34" charset="0"/>
-              </a:rPr>
-              <a:t>Пример</a:t>
-            </a:r>
-            <a:endParaRPr lang="ru-RU" dirty="0">
-              <a:latin typeface="Arial" panose="020B0604020202020204" pitchFamily="34" charset="0"/>
-              <a:cs typeface="Arial" panose="020B0604020202020204" pitchFamily="34" charset="0"/>
-            </a:endParaRPr>
-          </a:p>
-        </p:txBody>
-      </p:sp>
-      <p:sp>
-        <p:nvSpPr>
-          <p:cNvPr id="3" name="Объект 2"/>
-          <p:cNvSpPr>
-            <a:spLocks noGrp="1"/>
-          </p:cNvSpPr>
-          <p:nvPr>
-            <p:ph idx="1"/>
-          </p:nvPr>
-        </p:nvSpPr>
-        <p:spPr>
-          <a:xfrm>
-            <a:off x="838200" y="1234440"/>
-            <a:ext cx="10515600" cy="5417820"/>
-          </a:xfrm>
-        </p:spPr>
-        <p:txBody>
-          <a:bodyPr/>
-          <a:lstStyle/>
-          <a:p>
-            <a:endParaRPr lang="ru-RU" dirty="0">
-              <a:latin typeface="Arial" panose="020B0604020202020204" pitchFamily="34" charset="0"/>
-              <a:cs typeface="Arial" panose="020B0604020202020204" pitchFamily="34" charset="0"/>
-            </a:endParaRPr>
-          </a:p>
-        </p:txBody>
-      </p:sp>
-      <p:sp>
-        <p:nvSpPr>
-          <p:cNvPr id="5" name="Номер слайда 4"/>
-          <p:cNvSpPr>
-            <a:spLocks noGrp="1"/>
-          </p:cNvSpPr>
-          <p:nvPr>
-            <p:ph type="sldNum" sz="quarter" idx="12"/>
-          </p:nvPr>
-        </p:nvSpPr>
-        <p:spPr/>
-        <p:txBody>
-          <a:bodyPr/>
-          <a:lstStyle/>
-          <a:p>
-            <a:fld id="{AAAC123C-EF72-4040-95C0-D263971896EB}" type="slidenum">
-              <a:rPr lang="ru-RU" smtClean="0"/>
-              <a:t>12</a:t>
-            </a:fld>
-            <a:endParaRPr lang="ru-RU"/>
-          </a:p>
-        </p:txBody>
-      </p:sp>
-    </p:spTree>
-    <p:extLst>
-      <p:ext uri="{BB962C8B-B14F-4D97-AF65-F5344CB8AC3E}">
-        <p14:creationId xmlns:p14="http://schemas.microsoft.com/office/powerpoint/2010/main" val="489726946"/>
-      </p:ext>
-    </p:extLst>
-  </p:cSld>
-  <p:clrMapOvr>
-    <a:masterClrMapping/>
-  </p:clrMapOvr>
-</p:sld>
-</file>
-
-<file path=ppt/slides/slide13.xml><?xml version="1.0" encoding="utf-8"?>
-<p:sld xmlns:a="http://schemas.openxmlformats.org/drawingml/2006/main" xmlns:r="http://schemas.openxmlformats.org/officeDocument/2006/relationships" xmlns:p="http://schemas.openxmlformats.org/presentationml/2006/main">
-  <p:cSld>
-    <p:spTree>
-      <p:nvGrpSpPr>
-        <p:cNvPr id="1" name=""/>
-        <p:cNvGrpSpPr/>
-        <p:nvPr/>
-      </p:nvGrpSpPr>
-      <p:grpSpPr>
-        <a:xfrm>
-          <a:off x="0" y="0"/>
-          <a:ext cx="0" cy="0"/>
-          <a:chOff x="0" y="0"/>
-          <a:chExt cx="0" cy="0"/>
-        </a:xfrm>
-      </p:grpSpPr>
-      <p:sp>
-        <p:nvSpPr>
-          <p:cNvPr id="2" name="Заголовок 1"/>
-          <p:cNvSpPr>
-            <a:spLocks noGrp="1"/>
-          </p:cNvSpPr>
-          <p:nvPr>
-            <p:ph type="title"/>
-          </p:nvPr>
-        </p:nvSpPr>
-        <p:spPr>
-          <a:xfrm>
-            <a:off x="838200" y="365125"/>
-            <a:ext cx="10683240" cy="869315"/>
-          </a:xfrm>
-        </p:spPr>
-        <p:txBody>
-          <a:bodyPr/>
-          <a:lstStyle/>
-          <a:p>
-            <a:r>
-              <a:rPr lang="ru-RU" dirty="0" smtClean="0">
-                <a:latin typeface="Arial" panose="020B0604020202020204" pitchFamily="34" charset="0"/>
-                <a:cs typeface="Arial" panose="020B0604020202020204" pitchFamily="34" charset="0"/>
-              </a:rPr>
-              <a:t>Заключение</a:t>
-            </a:r>
-            <a:endParaRPr lang="ru-RU" dirty="0">
-              <a:latin typeface="Arial" panose="020B0604020202020204" pitchFamily="34" charset="0"/>
-              <a:cs typeface="Arial" panose="020B0604020202020204" pitchFamily="34" charset="0"/>
-            </a:endParaRPr>
-          </a:p>
-        </p:txBody>
-      </p:sp>
-      <p:sp>
-        <p:nvSpPr>
-          <p:cNvPr id="3" name="Объект 2"/>
-          <p:cNvSpPr>
-            <a:spLocks noGrp="1"/>
-          </p:cNvSpPr>
-          <p:nvPr>
-            <p:ph idx="1"/>
-          </p:nvPr>
-        </p:nvSpPr>
-        <p:spPr>
-          <a:xfrm>
-            <a:off x="838200" y="1234440"/>
-            <a:ext cx="10515600" cy="5417820"/>
-          </a:xfrm>
-        </p:spPr>
-        <p:txBody>
-          <a:bodyPr/>
-          <a:lstStyle/>
-          <a:p>
-            <a:r>
-              <a:rPr lang="ru-RU" dirty="0" smtClean="0">
-                <a:latin typeface="Arial" panose="020B0604020202020204" pitchFamily="34" charset="0"/>
-                <a:cs typeface="Arial" panose="020B0604020202020204" pitchFamily="34" charset="0"/>
-              </a:rPr>
-              <a:t>Цели достигнуты, задачи решены, точки роста, области применения. Улучшения (изменение числа уровней оценки), нечёткие множества, </a:t>
-            </a:r>
-            <a:r>
-              <a:rPr lang="ru-RU" smtClean="0">
-                <a:latin typeface="Arial" panose="020B0604020202020204" pitchFamily="34" charset="0"/>
-                <a:cs typeface="Arial" panose="020B0604020202020204" pitchFamily="34" charset="0"/>
-              </a:rPr>
-              <a:t>лингвистические переменные.</a:t>
-            </a:r>
-            <a:endParaRPr lang="ru-RU" dirty="0">
-              <a:latin typeface="Arial" panose="020B0604020202020204" pitchFamily="34" charset="0"/>
-              <a:cs typeface="Arial" panose="020B0604020202020204" pitchFamily="34" charset="0"/>
-            </a:endParaRPr>
-          </a:p>
-        </p:txBody>
-      </p:sp>
-      <p:sp>
-        <p:nvSpPr>
-          <p:cNvPr id="4" name="Номер слайда 3"/>
-          <p:cNvSpPr>
-            <a:spLocks noGrp="1"/>
-          </p:cNvSpPr>
-          <p:nvPr>
-            <p:ph type="sldNum" sz="quarter" idx="12"/>
-          </p:nvPr>
-        </p:nvSpPr>
-        <p:spPr/>
-        <p:txBody>
-          <a:bodyPr/>
-          <a:lstStyle/>
-          <a:p>
-            <a:fld id="{AAAC123C-EF72-4040-95C0-D263971896EB}" type="slidenum">
-              <a:rPr lang="ru-RU" smtClean="0"/>
-              <a:t>13</a:t>
-            </a:fld>
-            <a:endParaRPr lang="ru-RU"/>
-          </a:p>
-        </p:txBody>
-      </p:sp>
-    </p:spTree>
-    <p:extLst>
-      <p:ext uri="{BB962C8B-B14F-4D97-AF65-F5344CB8AC3E}">
-        <p14:creationId xmlns:p14="http://schemas.microsoft.com/office/powerpoint/2010/main" val="3183388004"/>
-      </p:ext>
-    </p:extLst>
-  </p:cSld>
-  <p:clrMapOvr>
-    <a:masterClrMapping/>
-  </p:clrMapOvr>
-</p:sld>
-</file>
-
-<file path=ppt/slides/slide14.xml><?xml version="1.0" encoding="utf-8"?>
-<p:sld xmlns:a="http://schemas.openxmlformats.org/drawingml/2006/main" xmlns:r="http://schemas.openxmlformats.org/officeDocument/2006/relationships" xmlns:p="http://schemas.openxmlformats.org/presentationml/2006/main">
-  <p:cSld>
-    <p:spTree>
-      <p:nvGrpSpPr>
-        <p:cNvPr id="1" name=""/>
-        <p:cNvGrpSpPr/>
-        <p:nvPr/>
-      </p:nvGrpSpPr>
-      <p:grpSpPr>
-        <a:xfrm>
-          <a:off x="0" y="0"/>
-          <a:ext cx="0" cy="0"/>
-          <a:chOff x="0" y="0"/>
-          <a:chExt cx="0" cy="0"/>
-        </a:xfrm>
-      </p:grpSpPr>
-      <p:sp>
-        <p:nvSpPr>
-          <p:cNvPr id="2" name="Заголовок 1"/>
-          <p:cNvSpPr>
-            <a:spLocks noGrp="1"/>
-          </p:cNvSpPr>
-          <p:nvPr>
-            <p:ph type="title"/>
-          </p:nvPr>
-        </p:nvSpPr>
-        <p:spPr>
-          <a:xfrm>
-            <a:off x="838200" y="365125"/>
-            <a:ext cx="10683240" cy="869315"/>
-          </a:xfrm>
-        </p:spPr>
-        <p:txBody>
-          <a:bodyPr/>
-          <a:lstStyle/>
-          <a:p>
-            <a:r>
-              <a:rPr lang="ru-RU" dirty="0" smtClean="0">
-                <a:latin typeface="Arial" panose="020B0604020202020204" pitchFamily="34" charset="0"/>
-                <a:cs typeface="Arial" panose="020B0604020202020204" pitchFamily="34" charset="0"/>
-              </a:rPr>
-              <a:t>Метода анализа иерархий</a:t>
-            </a:r>
-            <a:endParaRPr lang="ru-RU" dirty="0">
-              <a:latin typeface="Arial" panose="020B0604020202020204" pitchFamily="34" charset="0"/>
-              <a:cs typeface="Arial" panose="020B0604020202020204" pitchFamily="34" charset="0"/>
-            </a:endParaRPr>
-          </a:p>
-        </p:txBody>
-      </p:sp>
-      <p:sp>
-        <p:nvSpPr>
-          <p:cNvPr id="3" name="Объект 2"/>
-          <p:cNvSpPr>
-            <a:spLocks noGrp="1"/>
-          </p:cNvSpPr>
-          <p:nvPr>
-            <p:ph idx="1"/>
-          </p:nvPr>
-        </p:nvSpPr>
-        <p:spPr>
-          <a:xfrm>
-            <a:off x="838200" y="1234440"/>
-            <a:ext cx="10515600" cy="5417820"/>
-          </a:xfrm>
-        </p:spPr>
-        <p:txBody>
-          <a:bodyPr/>
-          <a:lstStyle/>
-          <a:p>
-            <a:endParaRPr lang="ru-RU" dirty="0">
-              <a:latin typeface="Arial" panose="020B0604020202020204" pitchFamily="34" charset="0"/>
-              <a:cs typeface="Arial" panose="020B0604020202020204" pitchFamily="34" charset="0"/>
-            </a:endParaRPr>
-          </a:p>
-        </p:txBody>
-      </p:sp>
-      <p:sp>
-        <p:nvSpPr>
-          <p:cNvPr id="4" name="Номер слайда 3"/>
-          <p:cNvSpPr>
-            <a:spLocks noGrp="1"/>
-          </p:cNvSpPr>
-          <p:nvPr>
-            <p:ph type="sldNum" sz="quarter" idx="12"/>
-          </p:nvPr>
-        </p:nvSpPr>
-        <p:spPr/>
-        <p:txBody>
-          <a:bodyPr/>
-          <a:lstStyle/>
-          <a:p>
-            <a:fld id="{AAAC123C-EF72-4040-95C0-D263971896EB}" type="slidenum">
-              <a:rPr lang="ru-RU" smtClean="0"/>
-              <a:t>14</a:t>
             </a:fld>
             <a:endParaRPr lang="ru-RU"/>
           </a:p>
@@ -4239,756 +3742,6 @@
     <p:extLst>
       <p:ext uri="{BB962C8B-B14F-4D97-AF65-F5344CB8AC3E}">
         <p14:creationId xmlns:p14="http://schemas.microsoft.com/office/powerpoint/2010/main" val="2898399161"/>
-      </p:ext>
-    </p:extLst>
-  </p:cSld>
-  <p:clrMapOvr>
-    <a:masterClrMapping/>
-  </p:clrMapOvr>
-</p:sld>
-</file>
-
-<file path=ppt/slides/slide15.xml><?xml version="1.0" encoding="utf-8"?>
-<p:sld xmlns:a="http://schemas.openxmlformats.org/drawingml/2006/main" xmlns:r="http://schemas.openxmlformats.org/officeDocument/2006/relationships" xmlns:p="http://schemas.openxmlformats.org/presentationml/2006/main">
-  <p:cSld>
-    <p:spTree>
-      <p:nvGrpSpPr>
-        <p:cNvPr id="1" name=""/>
-        <p:cNvGrpSpPr/>
-        <p:nvPr/>
-      </p:nvGrpSpPr>
-      <p:grpSpPr>
-        <a:xfrm>
-          <a:off x="0" y="0"/>
-          <a:ext cx="0" cy="0"/>
-          <a:chOff x="0" y="0"/>
-          <a:chExt cx="0" cy="0"/>
-        </a:xfrm>
-      </p:grpSpPr>
-      <p:sp>
-        <p:nvSpPr>
-          <p:cNvPr id="2" name="Заголовок 1"/>
-          <p:cNvSpPr>
-            <a:spLocks noGrp="1"/>
-          </p:cNvSpPr>
-          <p:nvPr>
-            <p:ph type="title"/>
-          </p:nvPr>
-        </p:nvSpPr>
-        <p:spPr>
-          <a:xfrm>
-            <a:off x="838200" y="365125"/>
-            <a:ext cx="10683240" cy="869315"/>
-          </a:xfrm>
-        </p:spPr>
-        <p:txBody>
-          <a:bodyPr/>
-          <a:lstStyle/>
-          <a:p>
-            <a:r>
-              <a:rPr lang="ru-RU" dirty="0" smtClean="0">
-                <a:latin typeface="Arial" panose="020B0604020202020204" pitchFamily="34" charset="0"/>
-                <a:cs typeface="Arial" panose="020B0604020202020204" pitchFamily="34" charset="0"/>
-              </a:rPr>
-              <a:t>Метода анализа иерархий</a:t>
-            </a:r>
-            <a:endParaRPr lang="ru-RU" dirty="0">
-              <a:latin typeface="Arial" panose="020B0604020202020204" pitchFamily="34" charset="0"/>
-              <a:cs typeface="Arial" panose="020B0604020202020204" pitchFamily="34" charset="0"/>
-            </a:endParaRPr>
-          </a:p>
-        </p:txBody>
-      </p:sp>
-      <p:sp>
-        <p:nvSpPr>
-          <p:cNvPr id="3" name="Объект 2"/>
-          <p:cNvSpPr>
-            <a:spLocks noGrp="1"/>
-          </p:cNvSpPr>
-          <p:nvPr>
-            <p:ph idx="1"/>
-          </p:nvPr>
-        </p:nvSpPr>
-        <p:spPr>
-          <a:xfrm>
-            <a:off x="838200" y="1234440"/>
-            <a:ext cx="10515600" cy="5417820"/>
-          </a:xfrm>
-        </p:spPr>
-        <p:txBody>
-          <a:bodyPr/>
-          <a:lstStyle/>
-          <a:p>
-            <a:endParaRPr lang="ru-RU" dirty="0">
-              <a:latin typeface="Arial" panose="020B0604020202020204" pitchFamily="34" charset="0"/>
-              <a:cs typeface="Arial" panose="020B0604020202020204" pitchFamily="34" charset="0"/>
-            </a:endParaRPr>
-          </a:p>
-        </p:txBody>
-      </p:sp>
-      <p:sp>
-        <p:nvSpPr>
-          <p:cNvPr id="4" name="Номер слайда 3"/>
-          <p:cNvSpPr>
-            <a:spLocks noGrp="1"/>
-          </p:cNvSpPr>
-          <p:nvPr>
-            <p:ph type="sldNum" sz="quarter" idx="12"/>
-          </p:nvPr>
-        </p:nvSpPr>
-        <p:spPr/>
-        <p:txBody>
-          <a:bodyPr/>
-          <a:lstStyle/>
-          <a:p>
-            <a:fld id="{AAAC123C-EF72-4040-95C0-D263971896EB}" type="slidenum">
-              <a:rPr lang="ru-RU" smtClean="0"/>
-              <a:t>15</a:t>
-            </a:fld>
-            <a:endParaRPr lang="ru-RU"/>
-          </a:p>
-        </p:txBody>
-      </p:sp>
-    </p:spTree>
-    <p:extLst>
-      <p:ext uri="{BB962C8B-B14F-4D97-AF65-F5344CB8AC3E}">
-        <p14:creationId xmlns:p14="http://schemas.microsoft.com/office/powerpoint/2010/main" val="1347461544"/>
-      </p:ext>
-    </p:extLst>
-  </p:cSld>
-  <p:clrMapOvr>
-    <a:masterClrMapping/>
-  </p:clrMapOvr>
-</p:sld>
-</file>
-
-<file path=ppt/slides/slide16.xml><?xml version="1.0" encoding="utf-8"?>
-<p:sld xmlns:a="http://schemas.openxmlformats.org/drawingml/2006/main" xmlns:r="http://schemas.openxmlformats.org/officeDocument/2006/relationships" xmlns:p="http://schemas.openxmlformats.org/presentationml/2006/main">
-  <p:cSld>
-    <p:spTree>
-      <p:nvGrpSpPr>
-        <p:cNvPr id="1" name=""/>
-        <p:cNvGrpSpPr/>
-        <p:nvPr/>
-      </p:nvGrpSpPr>
-      <p:grpSpPr>
-        <a:xfrm>
-          <a:off x="0" y="0"/>
-          <a:ext cx="0" cy="0"/>
-          <a:chOff x="0" y="0"/>
-          <a:chExt cx="0" cy="0"/>
-        </a:xfrm>
-      </p:grpSpPr>
-      <p:sp>
-        <p:nvSpPr>
-          <p:cNvPr id="2" name="Заголовок 1"/>
-          <p:cNvSpPr>
-            <a:spLocks noGrp="1"/>
-          </p:cNvSpPr>
-          <p:nvPr>
-            <p:ph type="title"/>
-          </p:nvPr>
-        </p:nvSpPr>
-        <p:spPr>
-          <a:xfrm>
-            <a:off x="838200" y="365125"/>
-            <a:ext cx="10683240" cy="869315"/>
-          </a:xfrm>
-        </p:spPr>
-        <p:txBody>
-          <a:bodyPr/>
-          <a:lstStyle/>
-          <a:p>
-            <a:r>
-              <a:rPr lang="ru-RU" dirty="0" smtClean="0">
-                <a:latin typeface="Arial" panose="020B0604020202020204" pitchFamily="34" charset="0"/>
-                <a:cs typeface="Arial" panose="020B0604020202020204" pitchFamily="34" charset="0"/>
-              </a:rPr>
-              <a:t>Метода анализа иерархий</a:t>
-            </a:r>
-            <a:endParaRPr lang="ru-RU" dirty="0">
-              <a:latin typeface="Arial" panose="020B0604020202020204" pitchFamily="34" charset="0"/>
-              <a:cs typeface="Arial" panose="020B0604020202020204" pitchFamily="34" charset="0"/>
-            </a:endParaRPr>
-          </a:p>
-        </p:txBody>
-      </p:sp>
-      <p:sp>
-        <p:nvSpPr>
-          <p:cNvPr id="3" name="Объект 2"/>
-          <p:cNvSpPr>
-            <a:spLocks noGrp="1"/>
-          </p:cNvSpPr>
-          <p:nvPr>
-            <p:ph idx="1"/>
-          </p:nvPr>
-        </p:nvSpPr>
-        <p:spPr>
-          <a:xfrm>
-            <a:off x="838200" y="1234440"/>
-            <a:ext cx="10515600" cy="5417820"/>
-          </a:xfrm>
-        </p:spPr>
-        <p:txBody>
-          <a:bodyPr/>
-          <a:lstStyle/>
-          <a:p>
-            <a:endParaRPr lang="ru-RU" dirty="0">
-              <a:latin typeface="Arial" panose="020B0604020202020204" pitchFamily="34" charset="0"/>
-              <a:cs typeface="Arial" panose="020B0604020202020204" pitchFamily="34" charset="0"/>
-            </a:endParaRPr>
-          </a:p>
-        </p:txBody>
-      </p:sp>
-      <p:sp>
-        <p:nvSpPr>
-          <p:cNvPr id="4" name="Номер слайда 3"/>
-          <p:cNvSpPr>
-            <a:spLocks noGrp="1"/>
-          </p:cNvSpPr>
-          <p:nvPr>
-            <p:ph type="sldNum" sz="quarter" idx="12"/>
-          </p:nvPr>
-        </p:nvSpPr>
-        <p:spPr/>
-        <p:txBody>
-          <a:bodyPr/>
-          <a:lstStyle/>
-          <a:p>
-            <a:fld id="{AAAC123C-EF72-4040-95C0-D263971896EB}" type="slidenum">
-              <a:rPr lang="ru-RU" smtClean="0"/>
-              <a:t>16</a:t>
-            </a:fld>
-            <a:endParaRPr lang="ru-RU"/>
-          </a:p>
-        </p:txBody>
-      </p:sp>
-    </p:spTree>
-    <p:extLst>
-      <p:ext uri="{BB962C8B-B14F-4D97-AF65-F5344CB8AC3E}">
-        <p14:creationId xmlns:p14="http://schemas.microsoft.com/office/powerpoint/2010/main" val="323563377"/>
-      </p:ext>
-    </p:extLst>
-  </p:cSld>
-  <p:clrMapOvr>
-    <a:masterClrMapping/>
-  </p:clrMapOvr>
-</p:sld>
-</file>
-
-<file path=ppt/slides/slide17.xml><?xml version="1.0" encoding="utf-8"?>
-<p:sld xmlns:a="http://schemas.openxmlformats.org/drawingml/2006/main" xmlns:r="http://schemas.openxmlformats.org/officeDocument/2006/relationships" xmlns:p="http://schemas.openxmlformats.org/presentationml/2006/main">
-  <p:cSld>
-    <p:spTree>
-      <p:nvGrpSpPr>
-        <p:cNvPr id="1" name=""/>
-        <p:cNvGrpSpPr/>
-        <p:nvPr/>
-      </p:nvGrpSpPr>
-      <p:grpSpPr>
-        <a:xfrm>
-          <a:off x="0" y="0"/>
-          <a:ext cx="0" cy="0"/>
-          <a:chOff x="0" y="0"/>
-          <a:chExt cx="0" cy="0"/>
-        </a:xfrm>
-      </p:grpSpPr>
-      <p:sp>
-        <p:nvSpPr>
-          <p:cNvPr id="2" name="Заголовок 1"/>
-          <p:cNvSpPr>
-            <a:spLocks noGrp="1"/>
-          </p:cNvSpPr>
-          <p:nvPr>
-            <p:ph type="title"/>
-          </p:nvPr>
-        </p:nvSpPr>
-        <p:spPr>
-          <a:xfrm>
-            <a:off x="838200" y="365125"/>
-            <a:ext cx="10683240" cy="869315"/>
-          </a:xfrm>
-        </p:spPr>
-        <p:txBody>
-          <a:bodyPr/>
-          <a:lstStyle/>
-          <a:p>
-            <a:r>
-              <a:rPr lang="ru-RU" dirty="0" smtClean="0">
-                <a:latin typeface="Arial" panose="020B0604020202020204" pitchFamily="34" charset="0"/>
-                <a:cs typeface="Arial" panose="020B0604020202020204" pitchFamily="34" charset="0"/>
-              </a:rPr>
-              <a:t>Метода анализа иерархий</a:t>
-            </a:r>
-            <a:endParaRPr lang="ru-RU" dirty="0">
-              <a:latin typeface="Arial" panose="020B0604020202020204" pitchFamily="34" charset="0"/>
-              <a:cs typeface="Arial" panose="020B0604020202020204" pitchFamily="34" charset="0"/>
-            </a:endParaRPr>
-          </a:p>
-        </p:txBody>
-      </p:sp>
-      <p:sp>
-        <p:nvSpPr>
-          <p:cNvPr id="3" name="Объект 2"/>
-          <p:cNvSpPr>
-            <a:spLocks noGrp="1"/>
-          </p:cNvSpPr>
-          <p:nvPr>
-            <p:ph idx="1"/>
-          </p:nvPr>
-        </p:nvSpPr>
-        <p:spPr>
-          <a:xfrm>
-            <a:off x="838200" y="1234440"/>
-            <a:ext cx="10515600" cy="5417820"/>
-          </a:xfrm>
-        </p:spPr>
-        <p:txBody>
-          <a:bodyPr/>
-          <a:lstStyle/>
-          <a:p>
-            <a:endParaRPr lang="ru-RU" dirty="0">
-              <a:latin typeface="Arial" panose="020B0604020202020204" pitchFamily="34" charset="0"/>
-              <a:cs typeface="Arial" panose="020B0604020202020204" pitchFamily="34" charset="0"/>
-            </a:endParaRPr>
-          </a:p>
-        </p:txBody>
-      </p:sp>
-      <p:sp>
-        <p:nvSpPr>
-          <p:cNvPr id="4" name="Номер слайда 3"/>
-          <p:cNvSpPr>
-            <a:spLocks noGrp="1"/>
-          </p:cNvSpPr>
-          <p:nvPr>
-            <p:ph type="sldNum" sz="quarter" idx="12"/>
-          </p:nvPr>
-        </p:nvSpPr>
-        <p:spPr/>
-        <p:txBody>
-          <a:bodyPr/>
-          <a:lstStyle/>
-          <a:p>
-            <a:fld id="{AAAC123C-EF72-4040-95C0-D263971896EB}" type="slidenum">
-              <a:rPr lang="ru-RU" smtClean="0"/>
-              <a:t>17</a:t>
-            </a:fld>
-            <a:endParaRPr lang="ru-RU"/>
-          </a:p>
-        </p:txBody>
-      </p:sp>
-    </p:spTree>
-    <p:extLst>
-      <p:ext uri="{BB962C8B-B14F-4D97-AF65-F5344CB8AC3E}">
-        <p14:creationId xmlns:p14="http://schemas.microsoft.com/office/powerpoint/2010/main" val="1792779028"/>
-      </p:ext>
-    </p:extLst>
-  </p:cSld>
-  <p:clrMapOvr>
-    <a:masterClrMapping/>
-  </p:clrMapOvr>
-</p:sld>
-</file>
-
-<file path=ppt/slides/slide18.xml><?xml version="1.0" encoding="utf-8"?>
-<p:sld xmlns:a="http://schemas.openxmlformats.org/drawingml/2006/main" xmlns:r="http://schemas.openxmlformats.org/officeDocument/2006/relationships" xmlns:p="http://schemas.openxmlformats.org/presentationml/2006/main">
-  <p:cSld>
-    <p:spTree>
-      <p:nvGrpSpPr>
-        <p:cNvPr id="1" name=""/>
-        <p:cNvGrpSpPr/>
-        <p:nvPr/>
-      </p:nvGrpSpPr>
-      <p:grpSpPr>
-        <a:xfrm>
-          <a:off x="0" y="0"/>
-          <a:ext cx="0" cy="0"/>
-          <a:chOff x="0" y="0"/>
-          <a:chExt cx="0" cy="0"/>
-        </a:xfrm>
-      </p:grpSpPr>
-      <p:sp>
-        <p:nvSpPr>
-          <p:cNvPr id="2" name="Заголовок 1"/>
-          <p:cNvSpPr>
-            <a:spLocks noGrp="1"/>
-          </p:cNvSpPr>
-          <p:nvPr>
-            <p:ph type="title"/>
-          </p:nvPr>
-        </p:nvSpPr>
-        <p:spPr>
-          <a:xfrm>
-            <a:off x="838200" y="365125"/>
-            <a:ext cx="10683240" cy="869315"/>
-          </a:xfrm>
-        </p:spPr>
-        <p:txBody>
-          <a:bodyPr/>
-          <a:lstStyle/>
-          <a:p>
-            <a:r>
-              <a:rPr lang="ru-RU" dirty="0" smtClean="0">
-                <a:latin typeface="Arial" panose="020B0604020202020204" pitchFamily="34" charset="0"/>
-                <a:cs typeface="Arial" panose="020B0604020202020204" pitchFamily="34" charset="0"/>
-              </a:rPr>
-              <a:t>Метода анализа иерархий</a:t>
-            </a:r>
-            <a:endParaRPr lang="ru-RU" dirty="0">
-              <a:latin typeface="Arial" panose="020B0604020202020204" pitchFamily="34" charset="0"/>
-              <a:cs typeface="Arial" panose="020B0604020202020204" pitchFamily="34" charset="0"/>
-            </a:endParaRPr>
-          </a:p>
-        </p:txBody>
-      </p:sp>
-      <p:sp>
-        <p:nvSpPr>
-          <p:cNvPr id="3" name="Объект 2"/>
-          <p:cNvSpPr>
-            <a:spLocks noGrp="1"/>
-          </p:cNvSpPr>
-          <p:nvPr>
-            <p:ph idx="1"/>
-          </p:nvPr>
-        </p:nvSpPr>
-        <p:spPr>
-          <a:xfrm>
-            <a:off x="838200" y="1234440"/>
-            <a:ext cx="10515600" cy="5417820"/>
-          </a:xfrm>
-        </p:spPr>
-        <p:txBody>
-          <a:bodyPr/>
-          <a:lstStyle/>
-          <a:p>
-            <a:endParaRPr lang="ru-RU" dirty="0">
-              <a:latin typeface="Arial" panose="020B0604020202020204" pitchFamily="34" charset="0"/>
-              <a:cs typeface="Arial" panose="020B0604020202020204" pitchFamily="34" charset="0"/>
-            </a:endParaRPr>
-          </a:p>
-        </p:txBody>
-      </p:sp>
-      <p:sp>
-        <p:nvSpPr>
-          <p:cNvPr id="4" name="Номер слайда 3"/>
-          <p:cNvSpPr>
-            <a:spLocks noGrp="1"/>
-          </p:cNvSpPr>
-          <p:nvPr>
-            <p:ph type="sldNum" sz="quarter" idx="12"/>
-          </p:nvPr>
-        </p:nvSpPr>
-        <p:spPr/>
-        <p:txBody>
-          <a:bodyPr/>
-          <a:lstStyle/>
-          <a:p>
-            <a:fld id="{AAAC123C-EF72-4040-95C0-D263971896EB}" type="slidenum">
-              <a:rPr lang="ru-RU" smtClean="0"/>
-              <a:t>18</a:t>
-            </a:fld>
-            <a:endParaRPr lang="ru-RU"/>
-          </a:p>
-        </p:txBody>
-      </p:sp>
-    </p:spTree>
-    <p:extLst>
-      <p:ext uri="{BB962C8B-B14F-4D97-AF65-F5344CB8AC3E}">
-        <p14:creationId xmlns:p14="http://schemas.microsoft.com/office/powerpoint/2010/main" val="3657592739"/>
-      </p:ext>
-    </p:extLst>
-  </p:cSld>
-  <p:clrMapOvr>
-    <a:masterClrMapping/>
-  </p:clrMapOvr>
-</p:sld>
-</file>
-
-<file path=ppt/slides/slide19.xml><?xml version="1.0" encoding="utf-8"?>
-<p:sld xmlns:a="http://schemas.openxmlformats.org/drawingml/2006/main" xmlns:r="http://schemas.openxmlformats.org/officeDocument/2006/relationships" xmlns:p="http://schemas.openxmlformats.org/presentationml/2006/main">
-  <p:cSld>
-    <p:spTree>
-      <p:nvGrpSpPr>
-        <p:cNvPr id="1" name=""/>
-        <p:cNvGrpSpPr/>
-        <p:nvPr/>
-      </p:nvGrpSpPr>
-      <p:grpSpPr>
-        <a:xfrm>
-          <a:off x="0" y="0"/>
-          <a:ext cx="0" cy="0"/>
-          <a:chOff x="0" y="0"/>
-          <a:chExt cx="0" cy="0"/>
-        </a:xfrm>
-      </p:grpSpPr>
-      <p:sp>
-        <p:nvSpPr>
-          <p:cNvPr id="3" name="Подзаголовок 2"/>
-          <p:cNvSpPr>
-            <a:spLocks noGrp="1"/>
-          </p:cNvSpPr>
-          <p:nvPr>
-            <p:ph type="subTitle" idx="1"/>
-          </p:nvPr>
-        </p:nvSpPr>
-        <p:spPr>
-          <a:xfrm>
-            <a:off x="1524000" y="255494"/>
-            <a:ext cx="9144000" cy="6427694"/>
-          </a:xfrm>
-        </p:spPr>
-        <p:txBody>
-          <a:bodyPr>
-            <a:normAutofit fontScale="92500" lnSpcReduction="20000"/>
-          </a:bodyPr>
-          <a:lstStyle/>
-          <a:p>
-            <a:pPr>
-              <a:spcBef>
-                <a:spcPct val="50000"/>
-              </a:spcBef>
-            </a:pPr>
-            <a:r>
-              <a:rPr lang="ru-RU" b="1" dirty="0" smtClean="0">
-                <a:latin typeface="Times New Roman" pitchFamily="18" charset="0"/>
-              </a:rPr>
-              <a:t>«МОСКОВСКИЙ АВИАЦИОННЫЙ ИНСТИТУТ</a:t>
-            </a:r>
-            <a:r>
-              <a:rPr lang="ru-RU" dirty="0" smtClean="0">
-                <a:latin typeface="Times New Roman" pitchFamily="18" charset="0"/>
-              </a:rPr>
-              <a:t/>
-            </a:r>
-            <a:br>
-              <a:rPr lang="ru-RU" dirty="0" smtClean="0">
-                <a:latin typeface="Times New Roman" pitchFamily="18" charset="0"/>
-              </a:rPr>
-            </a:br>
-            <a:r>
-              <a:rPr lang="ru-RU" b="1" dirty="0" smtClean="0">
-                <a:latin typeface="Times New Roman" pitchFamily="18" charset="0"/>
-              </a:rPr>
-              <a:t>(национальный исследовательский университет) »</a:t>
-            </a:r>
-            <a:br>
-              <a:rPr lang="ru-RU" b="1" dirty="0" smtClean="0">
-                <a:latin typeface="Times New Roman" pitchFamily="18" charset="0"/>
-              </a:rPr>
-            </a:br>
-            <a:r>
-              <a:rPr lang="ru-RU" b="1" dirty="0" smtClean="0">
-                <a:latin typeface="Times New Roman" pitchFamily="18" charset="0"/>
-              </a:rPr>
-              <a:t> (МАИ)</a:t>
-            </a:r>
-            <a:r>
-              <a:rPr lang="ru-RU" dirty="0" smtClean="0">
-                <a:latin typeface="Times New Roman" pitchFamily="18" charset="0"/>
-              </a:rPr>
-              <a:t/>
-            </a:r>
-            <a:br>
-              <a:rPr lang="ru-RU" dirty="0" smtClean="0">
-                <a:latin typeface="Times New Roman" pitchFamily="18" charset="0"/>
-              </a:rPr>
-            </a:br>
-            <a:r>
-              <a:rPr lang="ru-RU" dirty="0" smtClean="0">
-                <a:latin typeface="Times New Roman" pitchFamily="18" charset="0"/>
-              </a:rPr>
-              <a:t>Факультет: Прикладная математика и физика </a:t>
-            </a:r>
-            <a:br>
-              <a:rPr lang="ru-RU" dirty="0" smtClean="0">
-                <a:latin typeface="Times New Roman" pitchFamily="18" charset="0"/>
-              </a:rPr>
-            </a:br>
-            <a:r>
-              <a:rPr lang="ru-RU" dirty="0" smtClean="0">
-                <a:latin typeface="Times New Roman" pitchFamily="18" charset="0"/>
-              </a:rPr>
-              <a:t> Учебный центр «ИНТЕГРАЦИЯ» </a:t>
-            </a:r>
-          </a:p>
-          <a:p>
-            <a:pPr>
-              <a:spcBef>
-                <a:spcPct val="50000"/>
-              </a:spcBef>
-            </a:pPr>
-            <a:r>
-              <a:rPr lang="ru-RU" dirty="0" smtClean="0">
-                <a:latin typeface="Times New Roman" pitchFamily="18" charset="0"/>
-              </a:rPr>
-              <a:t>Кафедра 808Б</a:t>
-            </a:r>
-            <a:br>
-              <a:rPr lang="ru-RU" dirty="0" smtClean="0">
-                <a:latin typeface="Times New Roman" pitchFamily="18" charset="0"/>
-              </a:rPr>
-            </a:br>
-            <a:endParaRPr lang="ru-RU" dirty="0" smtClean="0">
-              <a:latin typeface="Times New Roman" pitchFamily="18" charset="0"/>
-            </a:endParaRPr>
-          </a:p>
-          <a:p>
-            <a:pPr>
-              <a:spcBef>
-                <a:spcPct val="50000"/>
-              </a:spcBef>
-            </a:pPr>
-            <a:r>
-              <a:rPr lang="ru-RU" b="1" dirty="0" smtClean="0"/>
-              <a:t>Выпускная квалификационная работа магистра</a:t>
-            </a:r>
-          </a:p>
-          <a:p>
-            <a:pPr>
-              <a:spcBef>
-                <a:spcPct val="50000"/>
-              </a:spcBef>
-            </a:pPr>
-            <a:r>
-              <a:rPr lang="ru-RU" b="1" dirty="0" smtClean="0"/>
-              <a:t> (магистерская диссертация)</a:t>
-            </a:r>
-          </a:p>
-          <a:p>
-            <a:pPr>
-              <a:spcBef>
-                <a:spcPct val="50000"/>
-              </a:spcBef>
-            </a:pPr>
-            <a:r>
-              <a:rPr lang="ru-RU" sz="3200" b="1" dirty="0" smtClean="0">
-                <a:solidFill>
-                  <a:schemeClr val="tx2"/>
-                </a:solidFill>
-                <a:latin typeface="Times New Roman" pitchFamily="18" charset="0"/>
-              </a:rPr>
-              <a:t>Система поддержки принятия решений позиционирования оптических приборов для определения визуальной доступности объектов</a:t>
-            </a:r>
-            <a:endParaRPr lang="en-US" sz="3200" dirty="0" smtClean="0">
-              <a:latin typeface="Times New Roman" pitchFamily="18" charset="0"/>
-              <a:cs typeface="Times New Roman" pitchFamily="18" charset="0"/>
-            </a:endParaRPr>
-          </a:p>
-          <a:p>
-            <a:pPr>
-              <a:spcBef>
-                <a:spcPct val="50000"/>
-              </a:spcBef>
-            </a:pPr>
-            <a:endParaRPr lang="ru-RU" dirty="0" smtClean="0">
-              <a:latin typeface="Times New Roman" pitchFamily="18" charset="0"/>
-            </a:endParaRPr>
-          </a:p>
-          <a:p>
-            <a:pPr>
-              <a:spcBef>
-                <a:spcPct val="50000"/>
-              </a:spcBef>
-            </a:pPr>
-            <a:r>
-              <a:rPr lang="ru-RU" dirty="0" smtClean="0">
-                <a:latin typeface="Times New Roman" pitchFamily="18" charset="0"/>
-              </a:rPr>
-              <a:t>Автор: </a:t>
-            </a:r>
-            <a:r>
-              <a:rPr lang="ru-RU" dirty="0" err="1" smtClean="0">
-                <a:latin typeface="Times New Roman" pitchFamily="18" charset="0"/>
-              </a:rPr>
-              <a:t>Эйхорн</a:t>
-            </a:r>
-            <a:r>
-              <a:rPr lang="ru-RU" dirty="0" smtClean="0">
-                <a:latin typeface="Times New Roman" pitchFamily="18" charset="0"/>
-              </a:rPr>
-              <a:t> Алексей Витальевич, студент группы 8О-410Бцк-13</a:t>
-            </a:r>
-            <a:endParaRPr lang="ru-RU" dirty="0" smtClean="0">
-              <a:solidFill>
-                <a:srgbClr val="FF0000"/>
-              </a:solidFill>
-              <a:latin typeface="Times New Roman" pitchFamily="18" charset="0"/>
-            </a:endParaRPr>
-          </a:p>
-          <a:p>
-            <a:pPr>
-              <a:spcBef>
-                <a:spcPct val="50000"/>
-              </a:spcBef>
-            </a:pPr>
-            <a:r>
-              <a:rPr lang="ru-RU" dirty="0" smtClean="0">
-                <a:latin typeface="Times New Roman" pitchFamily="18" charset="0"/>
-              </a:rPr>
-              <a:t>Руководитель: к.ф.-м.н. Олейников Владимир Петрович</a:t>
-            </a:r>
-          </a:p>
-          <a:p>
-            <a:pPr>
-              <a:spcBef>
-                <a:spcPct val="50000"/>
-              </a:spcBef>
-            </a:pPr>
-            <a:endParaRPr lang="en-US" dirty="0" smtClean="0">
-              <a:latin typeface="Times New Roman" pitchFamily="18" charset="0"/>
-            </a:endParaRPr>
-          </a:p>
-          <a:p>
-            <a:pPr>
-              <a:spcBef>
-                <a:spcPct val="50000"/>
-              </a:spcBef>
-            </a:pPr>
-            <a:r>
-              <a:rPr lang="ru-RU" dirty="0" smtClean="0">
-                <a:latin typeface="Times New Roman" pitchFamily="18" charset="0"/>
-              </a:rPr>
-              <a:t>Серпухов 2017</a:t>
-            </a:r>
-          </a:p>
-        </p:txBody>
-      </p:sp>
-      <p:pic>
-        <p:nvPicPr>
-          <p:cNvPr id="4" name="Picture 4" descr="mai_logo_leftbar"/>
-          <p:cNvPicPr>
-            <a:picLocks noChangeAspect="1" noChangeArrowheads="1"/>
-          </p:cNvPicPr>
-          <p:nvPr/>
-        </p:nvPicPr>
-        <p:blipFill>
-          <a:blip r:embed="rId2" cstate="print"/>
-          <a:srcRect/>
-          <a:stretch>
-            <a:fillRect/>
-          </a:stretch>
-        </p:blipFill>
-        <p:spPr bwMode="auto">
-          <a:xfrm>
-            <a:off x="297180" y="255494"/>
-            <a:ext cx="1657350" cy="1397000"/>
-          </a:xfrm>
-          <a:prstGeom prst="rect">
-            <a:avLst/>
-          </a:prstGeom>
-          <a:noFill/>
-          <a:ln w="9525">
-            <a:noFill/>
-            <a:miter lim="800000"/>
-            <a:headEnd/>
-            <a:tailEnd/>
-          </a:ln>
-        </p:spPr>
-      </p:pic>
-    </p:spTree>
-    <p:extLst>
-      <p:ext uri="{BB962C8B-B14F-4D97-AF65-F5344CB8AC3E}">
-        <p14:creationId xmlns:p14="http://schemas.microsoft.com/office/powerpoint/2010/main" val="1633659314"/>
       </p:ext>
     </p:extLst>
   </p:cSld>
@@ -5025,12 +3778,48 @@
             <p:ph type="title"/>
           </p:nvPr>
         </p:nvSpPr>
-        <p:spPr/>
+        <p:spPr>
+          <a:xfrm>
+            <a:off x="838200" y="365125"/>
+            <a:ext cx="10683240" cy="869315"/>
+          </a:xfrm>
+        </p:spPr>
         <p:txBody>
           <a:bodyPr/>
           <a:lstStyle/>
           <a:p>
-            <a:endParaRPr lang="ru-RU"/>
+            <a:r>
+              <a:rPr lang="ru-RU" dirty="0" smtClean="0">
+                <a:latin typeface="Arial" panose="020B0604020202020204" pitchFamily="34" charset="0"/>
+                <a:cs typeface="Arial" panose="020B0604020202020204" pitchFamily="34" charset="0"/>
+              </a:rPr>
+              <a:t>Цель, </a:t>
+            </a:r>
+            <a:r>
+              <a:rPr lang="ru-RU" dirty="0" smtClean="0">
+                <a:latin typeface="Arial" panose="020B0604020202020204" pitchFamily="34" charset="0"/>
+                <a:cs typeface="Arial" panose="020B0604020202020204" pitchFamily="34" charset="0"/>
+              </a:rPr>
+              <a:t>задачи</a:t>
+            </a:r>
+            <a:r>
+              <a:rPr lang="ru-RU" dirty="0">
+                <a:latin typeface="Arial" panose="020B0604020202020204" pitchFamily="34" charset="0"/>
+                <a:cs typeface="Arial" panose="020B0604020202020204" pitchFamily="34" charset="0"/>
+              </a:rPr>
+              <a:t> </a:t>
+            </a:r>
+            <a:r>
+              <a:rPr lang="ru-RU" dirty="0" smtClean="0">
+                <a:latin typeface="Arial" panose="020B0604020202020204" pitchFamily="34" charset="0"/>
+                <a:cs typeface="Arial" panose="020B0604020202020204" pitchFamily="34" charset="0"/>
+              </a:rPr>
+              <a:t>ВКР</a:t>
+            </a:r>
+            <a:endParaRPr lang="ru-RU" dirty="0">
+              <a:latin typeface="Arial" panose="020B0604020202020204" pitchFamily="34" charset="0"/>
+              <a:cs typeface="Arial" panose="020B0604020202020204" pitchFamily="34" charset="0"/>
+            </a:endParaRPr>
           </a:p>
         </p:txBody>
       </p:sp>
@@ -5042,6 +3831,84 @@
           </p:cNvSpPr>
           <p:nvPr>
             <p:ph idx="1"/>
+          </p:nvPr>
+        </p:nvSpPr>
+        <p:spPr>
+          <a:xfrm>
+            <a:off x="838200" y="1234440"/>
+            <a:ext cx="10515600" cy="5417820"/>
+          </a:xfrm>
+        </p:spPr>
+        <p:txBody>
+          <a:bodyPr>
+            <a:normAutofit fontScale="92500" lnSpcReduction="10000"/>
+          </a:bodyPr>
+          <a:lstStyle/>
+          <a:p>
+            <a:r>
+              <a:rPr lang="ru-RU" dirty="0"/>
+              <a:t>Цель данной выпускной квалификационной работы – разработать программу для проведения экспертных опросов по задаваемым проблемам с целью ранжирования объектов и выяснения компетентности экспертов на основе выставляемых ими оценок.</a:t>
+            </a:r>
+          </a:p>
+          <a:p>
+            <a:endParaRPr lang="ru-RU" dirty="0" smtClean="0"/>
+          </a:p>
+          <a:p>
+            <a:endParaRPr lang="ru-RU" dirty="0"/>
+          </a:p>
+          <a:p>
+            <a:pPr marL="0" indent="0">
+              <a:buNone/>
+            </a:pPr>
+            <a:r>
+              <a:rPr lang="ru-RU" dirty="0" smtClean="0"/>
+              <a:t>В </a:t>
+            </a:r>
+            <a:r>
+              <a:rPr lang="ru-RU" dirty="0"/>
+              <a:t>данной работе должные быть решены следующие задачи:</a:t>
+            </a:r>
+          </a:p>
+          <a:p>
+            <a:r>
+              <a:rPr lang="ru-RU" dirty="0"/>
+              <a:t>- сравнение существующих программ реализующих метод анализа иерархий (МАИ), на основе этого сформулировать требования к разрабатываемой программе;</a:t>
+            </a:r>
+          </a:p>
+          <a:p>
+            <a:r>
+              <a:rPr lang="ru-RU" dirty="0"/>
+              <a:t>-  на основе этих требований разработать программу;</a:t>
+            </a:r>
+          </a:p>
+          <a:p>
+            <a:r>
+              <a:rPr lang="ru-RU" dirty="0"/>
+              <a:t>- применить разработанную программу для проведения опросов;</a:t>
+            </a:r>
+          </a:p>
+          <a:p>
+            <a:r>
+              <a:rPr lang="ru-RU" dirty="0"/>
+              <a:t>- применить программу для улучшения МАИ.</a:t>
+            </a:r>
+          </a:p>
+          <a:p>
+            <a:endParaRPr lang="ru-RU" dirty="0">
+              <a:latin typeface="Arial" panose="020B0604020202020204" pitchFamily="34" charset="0"/>
+              <a:cs typeface="Arial" panose="020B0604020202020204" pitchFamily="34" charset="0"/>
+            </a:endParaRPr>
+          </a:p>
+        </p:txBody>
+      </p:sp>
+      <p:sp>
+        <p:nvSpPr>
+          <p:cNvPr id="5" name="Номер слайда 4"/>
+          <p:cNvSpPr>
+            <a:spLocks noGrp="1"/>
+          </p:cNvSpPr>
+          <p:nvPr>
+            <p:ph type="sldNum" sz="quarter" idx="12"/>
           </p:nvPr>
         </p:nvSpPr>
         <p:spPr/>
@@ -5049,2626 +3916,31 @@
           <a:bodyPr/>
           <a:lstStyle/>
           <a:p>
-            <a:endParaRPr lang="ru-RU"/>
-          </a:p>
-        </p:txBody>
-      </p:sp>
-      <p:sp>
-        <p:nvSpPr>
-          <p:cNvPr id="4" name="Номер слайда 3"/>
-          <p:cNvSpPr>
-            <a:spLocks noGrp="1"/>
-          </p:cNvSpPr>
-          <p:nvPr>
-            <p:ph type="sldNum" sz="quarter" idx="12"/>
-          </p:nvPr>
-        </p:nvSpPr>
-        <p:spPr/>
-        <p:txBody>
-          <a:bodyPr/>
-          <a:lstStyle/>
-          <a:p>
             <a:fld id="{AAAC123C-EF72-4040-95C0-D263971896EB}" type="slidenum">
               <a:rPr lang="ru-RU" smtClean="0"/>
-              <a:pPr/>
               <a:t>2</a:t>
             </a:fld>
-            <a:endParaRPr lang="ru-RU" dirty="0"/>
+            <a:endParaRPr lang="ru-RU"/>
           </a:p>
         </p:txBody>
       </p:sp>
     </p:spTree>
     <p:extLst>
       <p:ext uri="{BB962C8B-B14F-4D97-AF65-F5344CB8AC3E}">
-        <p14:creationId xmlns:p14="http://schemas.microsoft.com/office/powerpoint/2010/main" val="1817994581"/>
+        <p14:creationId xmlns:p14="http://schemas.microsoft.com/office/powerpoint/2010/main" val="2435519582"/>
       </p:ext>
     </p:extLst>
   </p:cSld>
   <p:clrMapOvr>
     <a:masterClrMapping/>
   </p:clrMapOvr>
-</p:sld>
-</file>
-
-<file path=ppt/slides/slide20.xml><?xml version="1.0" encoding="utf-8"?>
-<p:sld xmlns:a="http://schemas.openxmlformats.org/drawingml/2006/main" xmlns:r="http://schemas.openxmlformats.org/officeDocument/2006/relationships" xmlns:p="http://schemas.openxmlformats.org/presentationml/2006/main">
-  <p:cSld>
-    <p:spTree>
-      <p:nvGrpSpPr>
-        <p:cNvPr id="1" name=""/>
-        <p:cNvGrpSpPr/>
-        <p:nvPr/>
-      </p:nvGrpSpPr>
-      <p:grpSpPr>
-        <a:xfrm>
-          <a:off x="0" y="0"/>
-          <a:ext cx="0" cy="0"/>
-          <a:chOff x="0" y="0"/>
-          <a:chExt cx="0" cy="0"/>
-        </a:xfrm>
-      </p:grpSpPr>
-      <p:sp>
-        <p:nvSpPr>
-          <p:cNvPr id="2" name="Заголовок 1"/>
-          <p:cNvSpPr>
-            <a:spLocks noGrp="1"/>
-          </p:cNvSpPr>
-          <p:nvPr>
-            <p:ph type="title"/>
-          </p:nvPr>
-        </p:nvSpPr>
-        <p:spPr>
-          <a:xfrm>
-            <a:off x="838200" y="365125"/>
-            <a:ext cx="10683240" cy="869315"/>
-          </a:xfrm>
-        </p:spPr>
-        <p:txBody>
-          <a:bodyPr/>
-          <a:lstStyle/>
-          <a:p>
-            <a:r>
-              <a:rPr lang="ru-RU" dirty="0" smtClean="0">
-                <a:latin typeface="Arial" panose="020B0604020202020204" pitchFamily="34" charset="0"/>
-                <a:cs typeface="Arial" panose="020B0604020202020204" pitchFamily="34" charset="0"/>
-              </a:rPr>
-              <a:t>Сравнение программ</a:t>
-            </a:r>
-            <a:endParaRPr lang="ru-RU" dirty="0">
-              <a:latin typeface="Arial" panose="020B0604020202020204" pitchFamily="34" charset="0"/>
-              <a:cs typeface="Arial" panose="020B0604020202020204" pitchFamily="34" charset="0"/>
-            </a:endParaRPr>
-          </a:p>
-        </p:txBody>
-      </p:sp>
-      <p:graphicFrame>
-        <p:nvGraphicFramePr>
-          <p:cNvPr id="4" name="Таблица 3"/>
-          <p:cNvGraphicFramePr>
-            <a:graphicFrameLocks noGrp="1"/>
-          </p:cNvGraphicFramePr>
-          <p:nvPr>
-            <p:extLst>
-              <p:ext uri="{D42A27DB-BD31-4B8C-83A1-F6EECF244321}">
-                <p14:modId xmlns:p14="http://schemas.microsoft.com/office/powerpoint/2010/main" val="1969323304"/>
-              </p:ext>
-            </p:extLst>
-          </p:nvPr>
-        </p:nvGraphicFramePr>
-        <p:xfrm>
-          <a:off x="838200" y="1234439"/>
-          <a:ext cx="10683244" cy="5696102"/>
-        </p:xfrm>
-        <a:graphic>
-          <a:graphicData uri="http://schemas.openxmlformats.org/drawingml/2006/table">
-            <a:tbl>
-              <a:tblPr firstRow="1" firstCol="1" bandRow="1">
-                <a:tableStyleId>{616DA210-FB5B-4158-B5E0-FEB733F419BA}</a:tableStyleId>
-              </a:tblPr>
-              <a:tblGrid>
-                <a:gridCol w="2776538">
-                  <a:extLst>
-                    <a:ext uri="{9D8B030D-6E8A-4147-A177-3AD203B41FA5}">
-                      <a16:colId xmlns:a16="http://schemas.microsoft.com/office/drawing/2014/main" val="2943413150"/>
-                    </a:ext>
-                  </a:extLst>
-                </a:gridCol>
-                <a:gridCol w="1100137">
-                  <a:extLst>
-                    <a:ext uri="{9D8B030D-6E8A-4147-A177-3AD203B41FA5}">
-                      <a16:colId xmlns:a16="http://schemas.microsoft.com/office/drawing/2014/main" val="2129397566"/>
-                    </a:ext>
-                  </a:extLst>
-                </a:gridCol>
-                <a:gridCol w="1300163">
-                  <a:extLst>
-                    <a:ext uri="{9D8B030D-6E8A-4147-A177-3AD203B41FA5}">
-                      <a16:colId xmlns:a16="http://schemas.microsoft.com/office/drawing/2014/main" val="2684321809"/>
-                    </a:ext>
-                  </a:extLst>
-                </a:gridCol>
-                <a:gridCol w="1271587">
-                  <a:extLst>
-                    <a:ext uri="{9D8B030D-6E8A-4147-A177-3AD203B41FA5}">
-                      <a16:colId xmlns:a16="http://schemas.microsoft.com/office/drawing/2014/main" val="1318131511"/>
-                    </a:ext>
-                  </a:extLst>
-                </a:gridCol>
-                <a:gridCol w="1085850">
-                  <a:extLst>
-                    <a:ext uri="{9D8B030D-6E8A-4147-A177-3AD203B41FA5}">
-                      <a16:colId xmlns:a16="http://schemas.microsoft.com/office/drawing/2014/main" val="2999401091"/>
-                    </a:ext>
-                  </a:extLst>
-                </a:gridCol>
-                <a:gridCol w="1858828">
-                  <a:extLst>
-                    <a:ext uri="{9D8B030D-6E8A-4147-A177-3AD203B41FA5}">
-                      <a16:colId xmlns:a16="http://schemas.microsoft.com/office/drawing/2014/main" val="2439184763"/>
-                    </a:ext>
-                  </a:extLst>
-                </a:gridCol>
-                <a:gridCol w="1290141">
-                  <a:extLst>
-                    <a:ext uri="{9D8B030D-6E8A-4147-A177-3AD203B41FA5}">
-                      <a16:colId xmlns:a16="http://schemas.microsoft.com/office/drawing/2014/main" val="1011123697"/>
-                    </a:ext>
-                  </a:extLst>
-                </a:gridCol>
-              </a:tblGrid>
-              <a:tr h="1300664">
-                <a:tc>
-                  <a:txBody>
-                    <a:bodyPr/>
-                    <a:lstStyle/>
-                    <a:p>
-                      <a:pPr indent="450215" algn="just">
-                        <a:lnSpc>
-                          <a:spcPct val="150000"/>
-                        </a:lnSpc>
-                        <a:spcAft>
-                          <a:spcPts val="0"/>
-                        </a:spcAft>
-                      </a:pPr>
-                      <a:r>
-                        <a:rPr lang="ru-RU" sz="1400" dirty="0">
-                          <a:effectLst/>
-                          <a:latin typeface="Arial" panose="020B0604020202020204" pitchFamily="34" charset="0"/>
-                          <a:cs typeface="Arial" panose="020B0604020202020204" pitchFamily="34" charset="0"/>
-                        </a:rPr>
-                        <a:t>                        </a:t>
-                      </a:r>
-                    </a:p>
-                    <a:p>
-                      <a:pPr marL="0" indent="0" algn="just">
-                        <a:lnSpc>
-                          <a:spcPct val="150000"/>
-                        </a:lnSpc>
-                        <a:spcAft>
-                          <a:spcPts val="0"/>
-                        </a:spcAft>
-                      </a:pPr>
-                      <a:r>
-                        <a:rPr lang="ru-RU" sz="1400" dirty="0">
-                          <a:effectLst/>
-                          <a:latin typeface="Arial" panose="020B0604020202020204" pitchFamily="34" charset="0"/>
-                          <a:cs typeface="Arial" panose="020B0604020202020204" pitchFamily="34" charset="0"/>
-                        </a:rPr>
-                        <a:t>                 </a:t>
-                      </a:r>
-                      <a:r>
-                        <a:rPr lang="ru-RU" sz="1400" dirty="0" smtClean="0">
-                          <a:effectLst/>
-                          <a:latin typeface="Arial" panose="020B0604020202020204" pitchFamily="34" charset="0"/>
-                          <a:cs typeface="Arial" panose="020B0604020202020204" pitchFamily="34" charset="0"/>
-                        </a:rPr>
-                        <a:t>             Программа   </a:t>
-                      </a:r>
-                      <a:r>
-                        <a:rPr lang="ru-RU" sz="1400" baseline="0" dirty="0" smtClean="0">
-                          <a:effectLst/>
-                          <a:latin typeface="Arial" panose="020B0604020202020204" pitchFamily="34" charset="0"/>
-                          <a:cs typeface="Arial" panose="020B0604020202020204" pitchFamily="34" charset="0"/>
-                        </a:rPr>
-                        <a:t> </a:t>
-                      </a:r>
-                    </a:p>
-                    <a:p>
-                      <a:pPr marL="0" indent="0" algn="just">
-                        <a:lnSpc>
-                          <a:spcPct val="150000"/>
-                        </a:lnSpc>
-                        <a:spcAft>
-                          <a:spcPts val="0"/>
-                        </a:spcAft>
-                      </a:pPr>
-                      <a:r>
-                        <a:rPr lang="ru-RU" sz="1400" baseline="0" dirty="0" smtClean="0">
-                          <a:effectLst/>
-                          <a:latin typeface="Arial" panose="020B0604020202020204" pitchFamily="34" charset="0"/>
-                          <a:cs typeface="Arial" panose="020B0604020202020204" pitchFamily="34" charset="0"/>
-                        </a:rPr>
-                        <a:t>     </a:t>
-                      </a:r>
-                      <a:r>
-                        <a:rPr lang="ru-RU" sz="1400" dirty="0" smtClean="0">
-                          <a:effectLst/>
-                          <a:latin typeface="Arial" panose="020B0604020202020204" pitchFamily="34" charset="0"/>
-                          <a:cs typeface="Arial" panose="020B0604020202020204" pitchFamily="34" charset="0"/>
-                        </a:rPr>
-                        <a:t>Критерий</a:t>
-                      </a:r>
-                      <a:endParaRPr lang="ru-RU" sz="1400" dirty="0">
-                        <a:effectLst/>
-                        <a:latin typeface="Arial" panose="020B0604020202020204" pitchFamily="34" charset="0"/>
-                        <a:ea typeface="Calibri" panose="020F0502020204030204" pitchFamily="34" charset="0"/>
-                        <a:cs typeface="Arial" panose="020B0604020202020204" pitchFamily="34" charset="0"/>
-                      </a:endParaRPr>
-                    </a:p>
-                  </a:txBody>
-                  <a:tcPr marL="49075" marR="49075" marT="0" marB="0">
-                    <a:lnTlToBr w="12700" cap="flat" cmpd="sng" algn="ctr">
-                      <a:solidFill>
-                        <a:schemeClr val="tx1"/>
-                      </a:solidFill>
-                      <a:prstDash val="solid"/>
-                      <a:round/>
-                      <a:headEnd type="none" w="med" len="med"/>
-                      <a:tailEnd type="none" w="med" len="med"/>
-                    </a:lnTlToBr>
-                  </a:tcPr>
-                </a:tc>
-                <a:tc>
-                  <a:txBody>
-                    <a:bodyPr/>
-                    <a:lstStyle/>
-                    <a:p>
-                      <a:pPr marL="71438" marR="71755" indent="14288" algn="ctr">
-                        <a:lnSpc>
-                          <a:spcPct val="150000"/>
-                        </a:lnSpc>
-                        <a:spcAft>
-                          <a:spcPts val="0"/>
-                        </a:spcAft>
-                      </a:pPr>
-                      <a:r>
-                        <a:rPr lang="ru-RU" sz="1400" dirty="0">
-                          <a:effectLst/>
-                          <a:latin typeface="Arial" panose="020B0604020202020204" pitchFamily="34" charset="0"/>
-                          <a:cs typeface="Arial" panose="020B0604020202020204" pitchFamily="34" charset="0"/>
-                        </a:rPr>
-                        <a:t>СППР «Выбор»</a:t>
-                      </a:r>
-                      <a:endParaRPr lang="ru-RU" sz="1400" dirty="0">
-                        <a:effectLst/>
-                        <a:latin typeface="Arial" panose="020B0604020202020204" pitchFamily="34" charset="0"/>
-                        <a:ea typeface="Calibri" panose="020F0502020204030204" pitchFamily="34" charset="0"/>
-                        <a:cs typeface="Arial" panose="020B0604020202020204" pitchFamily="34" charset="0"/>
-                      </a:endParaRPr>
-                    </a:p>
-                  </a:txBody>
-                  <a:tcPr marL="49075" marR="49075" marT="0" marB="0" anchor="ctr"/>
-                </a:tc>
-                <a:tc>
-                  <a:txBody>
-                    <a:bodyPr/>
-                    <a:lstStyle/>
-                    <a:p>
-                      <a:pPr marL="71438" marR="71755" indent="14288" algn="ctr">
-                        <a:lnSpc>
-                          <a:spcPct val="150000"/>
-                        </a:lnSpc>
-                        <a:spcAft>
-                          <a:spcPts val="0"/>
-                        </a:spcAft>
-                      </a:pPr>
-                      <a:r>
-                        <a:rPr lang="ru-RU" sz="1400" dirty="0">
-                          <a:effectLst/>
-                          <a:latin typeface="Arial" panose="020B0604020202020204" pitchFamily="34" charset="0"/>
-                          <a:cs typeface="Arial" panose="020B0604020202020204" pitchFamily="34" charset="0"/>
-                        </a:rPr>
-                        <a:t>Мыслитель</a:t>
-                      </a:r>
-                      <a:endParaRPr lang="ru-RU" sz="1400" dirty="0">
-                        <a:effectLst/>
-                        <a:latin typeface="Arial" panose="020B0604020202020204" pitchFamily="34" charset="0"/>
-                        <a:ea typeface="Calibri" panose="020F0502020204030204" pitchFamily="34" charset="0"/>
-                        <a:cs typeface="Arial" panose="020B0604020202020204" pitchFamily="34" charset="0"/>
-                      </a:endParaRPr>
-                    </a:p>
-                  </a:txBody>
-                  <a:tcPr marL="49075" marR="49075" marT="0" marB="0" anchor="ctr"/>
-                </a:tc>
-                <a:tc>
-                  <a:txBody>
-                    <a:bodyPr/>
-                    <a:lstStyle/>
-                    <a:p>
-                      <a:pPr marL="71438" marR="71755" indent="14288" algn="ctr">
-                        <a:lnSpc>
-                          <a:spcPct val="150000"/>
-                        </a:lnSpc>
-                        <a:spcAft>
-                          <a:spcPts val="0"/>
-                        </a:spcAft>
-                      </a:pPr>
-                      <a:r>
-                        <a:rPr lang="en-US" sz="1400" dirty="0">
-                          <a:effectLst/>
-                          <a:latin typeface="Arial" panose="020B0604020202020204" pitchFamily="34" charset="0"/>
-                          <a:cs typeface="Arial" panose="020B0604020202020204" pitchFamily="34" charset="0"/>
-                        </a:rPr>
-                        <a:t>MPRIORITY</a:t>
-                      </a:r>
-                      <a:endParaRPr lang="ru-RU" sz="1400" dirty="0">
-                        <a:effectLst/>
-                        <a:latin typeface="Arial" panose="020B0604020202020204" pitchFamily="34" charset="0"/>
-                        <a:ea typeface="Calibri" panose="020F0502020204030204" pitchFamily="34" charset="0"/>
-                        <a:cs typeface="Arial" panose="020B0604020202020204" pitchFamily="34" charset="0"/>
-                      </a:endParaRPr>
-                    </a:p>
-                  </a:txBody>
-                  <a:tcPr marL="49075" marR="49075" marT="0" marB="0" anchor="ctr"/>
-                </a:tc>
-                <a:tc>
-                  <a:txBody>
-                    <a:bodyPr/>
-                    <a:lstStyle/>
-                    <a:p>
-                      <a:pPr marL="71438" marR="71755" indent="14288" algn="ctr">
-                        <a:lnSpc>
-                          <a:spcPct val="150000"/>
-                        </a:lnSpc>
-                        <a:spcAft>
-                          <a:spcPts val="0"/>
-                        </a:spcAft>
-                      </a:pPr>
-                      <a:r>
-                        <a:rPr lang="en-US" sz="1400" dirty="0">
-                          <a:effectLst/>
-                          <a:latin typeface="Arial" panose="020B0604020202020204" pitchFamily="34" charset="0"/>
-                          <a:cs typeface="Arial" panose="020B0604020202020204" pitchFamily="34" charset="0"/>
-                        </a:rPr>
-                        <a:t>Super Decisions</a:t>
-                      </a:r>
-                      <a:endParaRPr lang="ru-RU" sz="1400" dirty="0">
-                        <a:effectLst/>
-                        <a:latin typeface="Arial" panose="020B0604020202020204" pitchFamily="34" charset="0"/>
-                        <a:ea typeface="Calibri" panose="020F0502020204030204" pitchFamily="34" charset="0"/>
-                        <a:cs typeface="Arial" panose="020B0604020202020204" pitchFamily="34" charset="0"/>
-                      </a:endParaRPr>
-                    </a:p>
-                  </a:txBody>
-                  <a:tcPr marL="49075" marR="49075" marT="0" marB="0" anchor="ctr"/>
-                </a:tc>
-                <a:tc>
-                  <a:txBody>
-                    <a:bodyPr/>
-                    <a:lstStyle/>
-                    <a:p>
-                      <a:pPr marL="71438" marR="71755" indent="14288" algn="ctr">
-                        <a:lnSpc>
-                          <a:spcPct val="150000"/>
-                        </a:lnSpc>
-                        <a:spcAft>
-                          <a:spcPts val="0"/>
-                        </a:spcAft>
-                      </a:pPr>
-                      <a:r>
-                        <a:rPr lang="en-US" sz="1400" dirty="0" err="1">
-                          <a:effectLst/>
-                          <a:latin typeface="Arial" panose="020B0604020202020204" pitchFamily="34" charset="0"/>
-                          <a:cs typeface="Arial" panose="020B0604020202020204" pitchFamily="34" charset="0"/>
-                        </a:rPr>
-                        <a:t>MakeItRational</a:t>
-                      </a:r>
-                      <a:endParaRPr lang="ru-RU" sz="1400" dirty="0">
-                        <a:effectLst/>
-                        <a:latin typeface="Arial" panose="020B0604020202020204" pitchFamily="34" charset="0"/>
-                        <a:ea typeface="Calibri" panose="020F0502020204030204" pitchFamily="34" charset="0"/>
-                        <a:cs typeface="Arial" panose="020B0604020202020204" pitchFamily="34" charset="0"/>
-                      </a:endParaRPr>
-                    </a:p>
-                  </a:txBody>
-                  <a:tcPr marL="49075" marR="49075" marT="0" marB="0" anchor="ctr"/>
-                </a:tc>
-                <a:tc>
-                  <a:txBody>
-                    <a:bodyPr/>
-                    <a:lstStyle/>
-                    <a:p>
-                      <a:pPr marL="71438" marR="71755" indent="14288" algn="ctr">
-                        <a:lnSpc>
-                          <a:spcPct val="150000"/>
-                        </a:lnSpc>
-                        <a:spcAft>
-                          <a:spcPts val="0"/>
-                        </a:spcAft>
-                      </a:pPr>
-                      <a:r>
-                        <a:rPr lang="en-US" sz="1400" dirty="0" err="1">
-                          <a:effectLst/>
-                          <a:latin typeface="Arial" panose="020B0604020202020204" pitchFamily="34" charset="0"/>
-                          <a:cs typeface="Arial" panose="020B0604020202020204" pitchFamily="34" charset="0"/>
-                        </a:rPr>
-                        <a:t>PriEsT</a:t>
-                      </a:r>
-                      <a:endParaRPr lang="ru-RU" sz="1400" dirty="0">
-                        <a:effectLst/>
-                        <a:latin typeface="Arial" panose="020B0604020202020204" pitchFamily="34" charset="0"/>
-                        <a:ea typeface="Calibri" panose="020F0502020204030204" pitchFamily="34" charset="0"/>
-                        <a:cs typeface="Arial" panose="020B0604020202020204" pitchFamily="34" charset="0"/>
-                      </a:endParaRPr>
-                    </a:p>
-                  </a:txBody>
-                  <a:tcPr marL="49075" marR="49075" marT="0" marB="0" anchor="ctr"/>
-                </a:tc>
-                <a:extLst>
-                  <a:ext uri="{0D108BD9-81ED-4DB2-BD59-A6C34878D82A}">
-                    <a16:rowId xmlns:a16="http://schemas.microsoft.com/office/drawing/2014/main" val="3580239240"/>
-                  </a:ext>
-                </a:extLst>
-              </a:tr>
-              <a:tr h="260133">
-                <a:tc>
-                  <a:txBody>
-                    <a:bodyPr/>
-                    <a:lstStyle/>
-                    <a:p>
-                      <a:pPr marL="0" indent="185738" algn="l">
-                        <a:lnSpc>
-                          <a:spcPct val="150000"/>
-                        </a:lnSpc>
-                        <a:spcAft>
-                          <a:spcPts val="0"/>
-                        </a:spcAft>
-                      </a:pPr>
-                      <a:r>
-                        <a:rPr lang="ru-RU" sz="1400" dirty="0">
-                          <a:effectLst/>
-                          <a:latin typeface="Arial" panose="020B0604020202020204" pitchFamily="34" charset="0"/>
-                          <a:cs typeface="Arial" panose="020B0604020202020204" pitchFamily="34" charset="0"/>
-                        </a:rPr>
-                        <a:t>ГИП</a:t>
-                      </a:r>
-                      <a:endParaRPr lang="ru-RU" sz="1400" dirty="0">
-                        <a:effectLst/>
-                        <a:latin typeface="Arial" panose="020B0604020202020204" pitchFamily="34" charset="0"/>
-                        <a:ea typeface="Calibri" panose="020F0502020204030204" pitchFamily="34" charset="0"/>
-                        <a:cs typeface="Arial" panose="020B0604020202020204" pitchFamily="34" charset="0"/>
-                      </a:endParaRPr>
-                    </a:p>
-                  </a:txBody>
-                  <a:tcPr marL="49075" marR="49075" marT="0" marB="0" anchor="ctr"/>
-                </a:tc>
-                <a:tc>
-                  <a:txBody>
-                    <a:bodyPr/>
-                    <a:lstStyle/>
-                    <a:p>
-                      <a:pPr marL="0" indent="0" algn="ctr">
-                        <a:lnSpc>
-                          <a:spcPct val="150000"/>
-                        </a:lnSpc>
-                        <a:spcAft>
-                          <a:spcPts val="0"/>
-                        </a:spcAft>
-                      </a:pPr>
-                      <a:r>
-                        <a:rPr lang="ru-RU" sz="1600" dirty="0">
-                          <a:effectLst/>
-                          <a:latin typeface="Arial" panose="020B0604020202020204" pitchFamily="34" charset="0"/>
-                          <a:cs typeface="Arial" panose="020B0604020202020204" pitchFamily="34" charset="0"/>
-                        </a:rPr>
-                        <a:t>1</a:t>
-                      </a:r>
-                      <a:endParaRPr lang="ru-RU" sz="1600" dirty="0">
-                        <a:effectLst/>
-                        <a:latin typeface="Arial" panose="020B0604020202020204" pitchFamily="34" charset="0"/>
-                        <a:ea typeface="Calibri" panose="020F0502020204030204" pitchFamily="34" charset="0"/>
-                        <a:cs typeface="Arial" panose="020B0604020202020204" pitchFamily="34" charset="0"/>
-                      </a:endParaRPr>
-                    </a:p>
-                  </a:txBody>
-                  <a:tcPr marL="49075" marR="49075" marT="0" marB="0" anchor="ctr"/>
-                </a:tc>
-                <a:tc>
-                  <a:txBody>
-                    <a:bodyPr/>
-                    <a:lstStyle/>
-                    <a:p>
-                      <a:pPr marL="0" indent="0" algn="ctr" defTabSz="914400" rtl="0" eaLnBrk="1" latinLnBrk="0" hangingPunct="1">
-                        <a:lnSpc>
-                          <a:spcPct val="150000"/>
-                        </a:lnSpc>
-                        <a:spcAft>
-                          <a:spcPts val="0"/>
-                        </a:spcAft>
-                      </a:pPr>
-                      <a:r>
-                        <a:rPr lang="ru-RU" sz="1600" kern="1200" dirty="0">
-                          <a:solidFill>
-                            <a:schemeClr val="tx1"/>
-                          </a:solidFill>
-                          <a:effectLst/>
-                          <a:latin typeface="Arial" panose="020B0604020202020204" pitchFamily="34" charset="0"/>
-                          <a:ea typeface="+mn-ea"/>
-                          <a:cs typeface="Arial" panose="020B0604020202020204" pitchFamily="34" charset="0"/>
-                        </a:rPr>
-                        <a:t>1</a:t>
-                      </a:r>
-                    </a:p>
-                  </a:txBody>
-                  <a:tcPr marL="49075" marR="49075" marT="0" marB="0" anchor="ctr"/>
-                </a:tc>
-                <a:tc>
-                  <a:txBody>
-                    <a:bodyPr/>
-                    <a:lstStyle/>
-                    <a:p>
-                      <a:pPr marL="0" indent="0" algn="ctr" defTabSz="914400" rtl="0" eaLnBrk="1" latinLnBrk="0" hangingPunct="1">
-                        <a:lnSpc>
-                          <a:spcPct val="150000"/>
-                        </a:lnSpc>
-                        <a:spcAft>
-                          <a:spcPts val="0"/>
-                        </a:spcAft>
-                      </a:pPr>
-                      <a:r>
-                        <a:rPr lang="ru-RU" sz="1600" kern="1200" dirty="0">
-                          <a:solidFill>
-                            <a:schemeClr val="tx1"/>
-                          </a:solidFill>
-                          <a:effectLst/>
-                          <a:latin typeface="Arial" panose="020B0604020202020204" pitchFamily="34" charset="0"/>
-                          <a:ea typeface="+mn-ea"/>
-                          <a:cs typeface="Arial" panose="020B0604020202020204" pitchFamily="34" charset="0"/>
-                        </a:rPr>
-                        <a:t>1</a:t>
-                      </a:r>
-                    </a:p>
-                  </a:txBody>
-                  <a:tcPr marL="49075" marR="49075" marT="0" marB="0" anchor="ctr"/>
-                </a:tc>
-                <a:tc>
-                  <a:txBody>
-                    <a:bodyPr/>
-                    <a:lstStyle/>
-                    <a:p>
-                      <a:pPr marL="0" indent="0" algn="ctr" defTabSz="914400" rtl="0" eaLnBrk="1" latinLnBrk="0" hangingPunct="1">
-                        <a:lnSpc>
-                          <a:spcPct val="150000"/>
-                        </a:lnSpc>
-                        <a:spcAft>
-                          <a:spcPts val="0"/>
-                        </a:spcAft>
-                      </a:pPr>
-                      <a:r>
-                        <a:rPr lang="ru-RU" sz="1600" kern="1200" dirty="0">
-                          <a:solidFill>
-                            <a:schemeClr val="tx1"/>
-                          </a:solidFill>
-                          <a:effectLst/>
-                          <a:latin typeface="Arial" panose="020B0604020202020204" pitchFamily="34" charset="0"/>
-                          <a:ea typeface="+mn-ea"/>
-                          <a:cs typeface="Arial" panose="020B0604020202020204" pitchFamily="34" charset="0"/>
-                        </a:rPr>
-                        <a:t>1</a:t>
-                      </a:r>
-                    </a:p>
-                  </a:txBody>
-                  <a:tcPr marL="49075" marR="49075" marT="0" marB="0" anchor="ctr"/>
-                </a:tc>
-                <a:tc>
-                  <a:txBody>
-                    <a:bodyPr/>
-                    <a:lstStyle/>
-                    <a:p>
-                      <a:pPr marL="0" indent="0" algn="ctr" defTabSz="914400" rtl="0" eaLnBrk="1" latinLnBrk="0" hangingPunct="1">
-                        <a:lnSpc>
-                          <a:spcPct val="150000"/>
-                        </a:lnSpc>
-                        <a:spcAft>
-                          <a:spcPts val="0"/>
-                        </a:spcAft>
-                      </a:pPr>
-                      <a:r>
-                        <a:rPr lang="ru-RU" sz="1600" kern="1200" dirty="0">
-                          <a:solidFill>
-                            <a:schemeClr val="tx1"/>
-                          </a:solidFill>
-                          <a:effectLst/>
-                          <a:latin typeface="Arial" panose="020B0604020202020204" pitchFamily="34" charset="0"/>
-                          <a:ea typeface="+mn-ea"/>
-                          <a:cs typeface="Arial" panose="020B0604020202020204" pitchFamily="34" charset="0"/>
-                        </a:rPr>
-                        <a:t>1</a:t>
-                      </a:r>
-                    </a:p>
-                  </a:txBody>
-                  <a:tcPr marL="49075" marR="49075" marT="0" marB="0" anchor="ctr"/>
-                </a:tc>
-                <a:tc>
-                  <a:txBody>
-                    <a:bodyPr/>
-                    <a:lstStyle/>
-                    <a:p>
-                      <a:pPr marL="0" indent="0" algn="ctr" defTabSz="914400" rtl="0" eaLnBrk="1" latinLnBrk="0" hangingPunct="1">
-                        <a:lnSpc>
-                          <a:spcPct val="150000"/>
-                        </a:lnSpc>
-                        <a:spcAft>
-                          <a:spcPts val="0"/>
-                        </a:spcAft>
-                      </a:pPr>
-                      <a:r>
-                        <a:rPr lang="ru-RU" sz="1600" kern="1200" dirty="0">
-                          <a:solidFill>
-                            <a:schemeClr val="tx1"/>
-                          </a:solidFill>
-                          <a:effectLst/>
-                          <a:latin typeface="Arial" panose="020B0604020202020204" pitchFamily="34" charset="0"/>
-                          <a:ea typeface="+mn-ea"/>
-                          <a:cs typeface="Arial" panose="020B0604020202020204" pitchFamily="34" charset="0"/>
-                        </a:rPr>
-                        <a:t>1</a:t>
-                      </a:r>
-                    </a:p>
-                  </a:txBody>
-                  <a:tcPr marL="49075" marR="49075" marT="0" marB="0" anchor="ctr"/>
-                </a:tc>
-                <a:extLst>
-                  <a:ext uri="{0D108BD9-81ED-4DB2-BD59-A6C34878D82A}">
-                    <a16:rowId xmlns:a16="http://schemas.microsoft.com/office/drawing/2014/main" val="1436626200"/>
-                  </a:ext>
-                </a:extLst>
-              </a:tr>
-              <a:tr h="260133">
-                <a:tc>
-                  <a:txBody>
-                    <a:bodyPr/>
-                    <a:lstStyle/>
-                    <a:p>
-                      <a:pPr marL="0" indent="185738" algn="l">
-                        <a:lnSpc>
-                          <a:spcPct val="150000"/>
-                        </a:lnSpc>
-                        <a:spcAft>
-                          <a:spcPts val="0"/>
-                        </a:spcAft>
-                      </a:pPr>
-                      <a:r>
-                        <a:rPr lang="ru-RU" sz="1400" dirty="0">
-                          <a:effectLst/>
-                          <a:latin typeface="Arial" panose="020B0604020202020204" pitchFamily="34" charset="0"/>
-                          <a:cs typeface="Arial" panose="020B0604020202020204" pitchFamily="34" charset="0"/>
-                        </a:rPr>
-                        <a:t>Русификация</a:t>
-                      </a:r>
-                      <a:endParaRPr lang="ru-RU" sz="1400" dirty="0">
-                        <a:effectLst/>
-                        <a:latin typeface="Arial" panose="020B0604020202020204" pitchFamily="34" charset="0"/>
-                        <a:ea typeface="Calibri" panose="020F0502020204030204" pitchFamily="34" charset="0"/>
-                        <a:cs typeface="Arial" panose="020B0604020202020204" pitchFamily="34" charset="0"/>
-                      </a:endParaRPr>
-                    </a:p>
-                  </a:txBody>
-                  <a:tcPr marL="49075" marR="49075" marT="0" marB="0" anchor="ctr"/>
-                </a:tc>
-                <a:tc>
-                  <a:txBody>
-                    <a:bodyPr/>
-                    <a:lstStyle/>
-                    <a:p>
-                      <a:pPr marL="0" indent="0" algn="ctr" defTabSz="914400" rtl="0" eaLnBrk="1" latinLnBrk="0" hangingPunct="1">
-                        <a:lnSpc>
-                          <a:spcPct val="150000"/>
-                        </a:lnSpc>
-                        <a:spcAft>
-                          <a:spcPts val="0"/>
-                        </a:spcAft>
-                      </a:pPr>
-                      <a:r>
-                        <a:rPr lang="ru-RU" sz="1600" kern="1200" dirty="0">
-                          <a:solidFill>
-                            <a:schemeClr val="tx1"/>
-                          </a:solidFill>
-                          <a:effectLst/>
-                          <a:latin typeface="Arial" panose="020B0604020202020204" pitchFamily="34" charset="0"/>
-                          <a:ea typeface="+mn-ea"/>
-                          <a:cs typeface="Arial" panose="020B0604020202020204" pitchFamily="34" charset="0"/>
-                        </a:rPr>
-                        <a:t>1</a:t>
-                      </a:r>
-                    </a:p>
-                  </a:txBody>
-                  <a:tcPr marL="49075" marR="49075" marT="0" marB="0" anchor="ctr"/>
-                </a:tc>
-                <a:tc>
-                  <a:txBody>
-                    <a:bodyPr/>
-                    <a:lstStyle/>
-                    <a:p>
-                      <a:pPr marL="0" indent="0" algn="ctr" defTabSz="914400" rtl="0" eaLnBrk="1" latinLnBrk="0" hangingPunct="1">
-                        <a:lnSpc>
-                          <a:spcPct val="150000"/>
-                        </a:lnSpc>
-                        <a:spcAft>
-                          <a:spcPts val="0"/>
-                        </a:spcAft>
-                      </a:pPr>
-                      <a:r>
-                        <a:rPr lang="ru-RU" sz="1600" kern="1200" dirty="0">
-                          <a:solidFill>
-                            <a:schemeClr val="tx1"/>
-                          </a:solidFill>
-                          <a:effectLst/>
-                          <a:latin typeface="Arial" panose="020B0604020202020204" pitchFamily="34" charset="0"/>
-                          <a:ea typeface="+mn-ea"/>
-                          <a:cs typeface="Arial" panose="020B0604020202020204" pitchFamily="34" charset="0"/>
-                        </a:rPr>
-                        <a:t>1</a:t>
-                      </a:r>
-                    </a:p>
-                  </a:txBody>
-                  <a:tcPr marL="49075" marR="49075" marT="0" marB="0" anchor="ctr"/>
-                </a:tc>
-                <a:tc>
-                  <a:txBody>
-                    <a:bodyPr/>
-                    <a:lstStyle/>
-                    <a:p>
-                      <a:pPr marL="0" indent="0" algn="ctr" defTabSz="914400" rtl="0" eaLnBrk="1" latinLnBrk="0" hangingPunct="1">
-                        <a:lnSpc>
-                          <a:spcPct val="150000"/>
-                        </a:lnSpc>
-                        <a:spcAft>
-                          <a:spcPts val="0"/>
-                        </a:spcAft>
-                      </a:pPr>
-                      <a:r>
-                        <a:rPr lang="ru-RU" sz="1600" kern="1200">
-                          <a:solidFill>
-                            <a:schemeClr val="tx1"/>
-                          </a:solidFill>
-                          <a:effectLst/>
-                          <a:latin typeface="Arial" panose="020B0604020202020204" pitchFamily="34" charset="0"/>
-                          <a:ea typeface="+mn-ea"/>
-                          <a:cs typeface="Arial" panose="020B0604020202020204" pitchFamily="34" charset="0"/>
-                        </a:rPr>
-                        <a:t>1</a:t>
-                      </a:r>
-                    </a:p>
-                  </a:txBody>
-                  <a:tcPr marL="49075" marR="49075" marT="0" marB="0" anchor="ctr"/>
-                </a:tc>
-                <a:tc>
-                  <a:txBody>
-                    <a:bodyPr/>
-                    <a:lstStyle/>
-                    <a:p>
-                      <a:pPr marL="0" indent="0" algn="ctr" defTabSz="914400" rtl="0" eaLnBrk="1" latinLnBrk="0" hangingPunct="1">
-                        <a:lnSpc>
-                          <a:spcPct val="150000"/>
-                        </a:lnSpc>
-                        <a:spcAft>
-                          <a:spcPts val="0"/>
-                        </a:spcAft>
-                      </a:pPr>
-                      <a:r>
-                        <a:rPr lang="ru-RU" sz="1600" kern="1200">
-                          <a:solidFill>
-                            <a:schemeClr val="tx1"/>
-                          </a:solidFill>
-                          <a:effectLst/>
-                          <a:latin typeface="Arial" panose="020B0604020202020204" pitchFamily="34" charset="0"/>
-                          <a:ea typeface="+mn-ea"/>
-                          <a:cs typeface="Arial" panose="020B0604020202020204" pitchFamily="34" charset="0"/>
-                        </a:rPr>
-                        <a:t>0</a:t>
-                      </a:r>
-                    </a:p>
-                  </a:txBody>
-                  <a:tcPr marL="49075" marR="49075" marT="0" marB="0" anchor="ctr"/>
-                </a:tc>
-                <a:tc>
-                  <a:txBody>
-                    <a:bodyPr/>
-                    <a:lstStyle/>
-                    <a:p>
-                      <a:pPr marL="0" indent="0" algn="ctr" defTabSz="914400" rtl="0" eaLnBrk="1" latinLnBrk="0" hangingPunct="1">
-                        <a:lnSpc>
-                          <a:spcPct val="150000"/>
-                        </a:lnSpc>
-                        <a:spcAft>
-                          <a:spcPts val="0"/>
-                        </a:spcAft>
-                      </a:pPr>
-                      <a:r>
-                        <a:rPr lang="ru-RU" sz="1600" kern="1200">
-                          <a:solidFill>
-                            <a:schemeClr val="tx1"/>
-                          </a:solidFill>
-                          <a:effectLst/>
-                          <a:latin typeface="Arial" panose="020B0604020202020204" pitchFamily="34" charset="0"/>
-                          <a:ea typeface="+mn-ea"/>
-                          <a:cs typeface="Arial" panose="020B0604020202020204" pitchFamily="34" charset="0"/>
-                        </a:rPr>
-                        <a:t>0</a:t>
-                      </a:r>
-                    </a:p>
-                  </a:txBody>
-                  <a:tcPr marL="49075" marR="49075" marT="0" marB="0" anchor="ctr"/>
-                </a:tc>
-                <a:tc>
-                  <a:txBody>
-                    <a:bodyPr/>
-                    <a:lstStyle/>
-                    <a:p>
-                      <a:pPr marL="0" indent="0" algn="ctr" defTabSz="914400" rtl="0" eaLnBrk="1" latinLnBrk="0" hangingPunct="1">
-                        <a:lnSpc>
-                          <a:spcPct val="150000"/>
-                        </a:lnSpc>
-                        <a:spcAft>
-                          <a:spcPts val="0"/>
-                        </a:spcAft>
-                      </a:pPr>
-                      <a:r>
-                        <a:rPr lang="ru-RU" sz="1600" kern="1200" dirty="0">
-                          <a:solidFill>
-                            <a:schemeClr val="tx1"/>
-                          </a:solidFill>
-                          <a:effectLst/>
-                          <a:latin typeface="Arial" panose="020B0604020202020204" pitchFamily="34" charset="0"/>
-                          <a:ea typeface="+mn-ea"/>
-                          <a:cs typeface="Arial" panose="020B0604020202020204" pitchFamily="34" charset="0"/>
-                        </a:rPr>
-                        <a:t>0</a:t>
-                      </a:r>
-                    </a:p>
-                  </a:txBody>
-                  <a:tcPr marL="49075" marR="49075" marT="0" marB="0" anchor="ctr"/>
-                </a:tc>
-                <a:extLst>
-                  <a:ext uri="{0D108BD9-81ED-4DB2-BD59-A6C34878D82A}">
-                    <a16:rowId xmlns:a16="http://schemas.microsoft.com/office/drawing/2014/main" val="3947712351"/>
-                  </a:ext>
-                </a:extLst>
-              </a:tr>
-              <a:tr h="260133">
-                <a:tc>
-                  <a:txBody>
-                    <a:bodyPr/>
-                    <a:lstStyle/>
-                    <a:p>
-                      <a:pPr marL="0" indent="185738" algn="l">
-                        <a:lnSpc>
-                          <a:spcPct val="150000"/>
-                        </a:lnSpc>
-                        <a:spcAft>
-                          <a:spcPts val="0"/>
-                        </a:spcAft>
-                      </a:pPr>
-                      <a:r>
-                        <a:rPr lang="ru-RU" sz="1400" dirty="0">
-                          <a:effectLst/>
-                          <a:latin typeface="Arial" panose="020B0604020202020204" pitchFamily="34" charset="0"/>
-                          <a:cs typeface="Arial" panose="020B0604020202020204" pitchFamily="34" charset="0"/>
-                        </a:rPr>
-                        <a:t>История</a:t>
-                      </a:r>
-                      <a:endParaRPr lang="ru-RU" sz="1400" dirty="0">
-                        <a:effectLst/>
-                        <a:latin typeface="Arial" panose="020B0604020202020204" pitchFamily="34" charset="0"/>
-                        <a:ea typeface="Calibri" panose="020F0502020204030204" pitchFamily="34" charset="0"/>
-                        <a:cs typeface="Arial" panose="020B0604020202020204" pitchFamily="34" charset="0"/>
-                      </a:endParaRPr>
-                    </a:p>
-                  </a:txBody>
-                  <a:tcPr marL="49075" marR="49075" marT="0" marB="0" anchor="ctr"/>
-                </a:tc>
-                <a:tc>
-                  <a:txBody>
-                    <a:bodyPr/>
-                    <a:lstStyle/>
-                    <a:p>
-                      <a:pPr marL="0" indent="0" algn="ctr" defTabSz="914400" rtl="0" eaLnBrk="1" latinLnBrk="0" hangingPunct="1">
-                        <a:lnSpc>
-                          <a:spcPct val="150000"/>
-                        </a:lnSpc>
-                        <a:spcAft>
-                          <a:spcPts val="0"/>
-                        </a:spcAft>
-                      </a:pPr>
-                      <a:r>
-                        <a:rPr lang="ru-RU" sz="1600" kern="1200" dirty="0">
-                          <a:solidFill>
-                            <a:schemeClr val="tx1"/>
-                          </a:solidFill>
-                          <a:effectLst/>
-                          <a:latin typeface="Arial" panose="020B0604020202020204" pitchFamily="34" charset="0"/>
-                          <a:ea typeface="+mn-ea"/>
-                          <a:cs typeface="Arial" panose="020B0604020202020204" pitchFamily="34" charset="0"/>
-                        </a:rPr>
-                        <a:t>0</a:t>
-                      </a:r>
-                    </a:p>
-                  </a:txBody>
-                  <a:tcPr marL="49075" marR="49075" marT="0" marB="0" anchor="ctr"/>
-                </a:tc>
-                <a:tc>
-                  <a:txBody>
-                    <a:bodyPr/>
-                    <a:lstStyle/>
-                    <a:p>
-                      <a:pPr marL="0" indent="0" algn="ctr" defTabSz="914400" rtl="0" eaLnBrk="1" latinLnBrk="0" hangingPunct="1">
-                        <a:lnSpc>
-                          <a:spcPct val="150000"/>
-                        </a:lnSpc>
-                        <a:spcAft>
-                          <a:spcPts val="0"/>
-                        </a:spcAft>
-                      </a:pPr>
-                      <a:r>
-                        <a:rPr lang="ru-RU" sz="1600" kern="1200" dirty="0">
-                          <a:solidFill>
-                            <a:schemeClr val="tx1"/>
-                          </a:solidFill>
-                          <a:effectLst/>
-                          <a:latin typeface="Arial" panose="020B0604020202020204" pitchFamily="34" charset="0"/>
-                          <a:ea typeface="+mn-ea"/>
-                          <a:cs typeface="Arial" panose="020B0604020202020204" pitchFamily="34" charset="0"/>
-                        </a:rPr>
-                        <a:t>0</a:t>
-                      </a:r>
-                    </a:p>
-                  </a:txBody>
-                  <a:tcPr marL="49075" marR="49075" marT="0" marB="0" anchor="ctr"/>
-                </a:tc>
-                <a:tc>
-                  <a:txBody>
-                    <a:bodyPr/>
-                    <a:lstStyle/>
-                    <a:p>
-                      <a:pPr marL="0" indent="0" algn="ctr" defTabSz="914400" rtl="0" eaLnBrk="1" latinLnBrk="0" hangingPunct="1">
-                        <a:lnSpc>
-                          <a:spcPct val="150000"/>
-                        </a:lnSpc>
-                        <a:spcAft>
-                          <a:spcPts val="0"/>
-                        </a:spcAft>
-                      </a:pPr>
-                      <a:r>
-                        <a:rPr lang="ru-RU" sz="1600" kern="1200">
-                          <a:solidFill>
-                            <a:schemeClr val="tx1"/>
-                          </a:solidFill>
-                          <a:effectLst/>
-                          <a:latin typeface="Arial" panose="020B0604020202020204" pitchFamily="34" charset="0"/>
-                          <a:ea typeface="+mn-ea"/>
-                          <a:cs typeface="Arial" panose="020B0604020202020204" pitchFamily="34" charset="0"/>
-                        </a:rPr>
-                        <a:t>0</a:t>
-                      </a:r>
-                    </a:p>
-                  </a:txBody>
-                  <a:tcPr marL="49075" marR="49075" marT="0" marB="0" anchor="ctr"/>
-                </a:tc>
-                <a:tc>
-                  <a:txBody>
-                    <a:bodyPr/>
-                    <a:lstStyle/>
-                    <a:p>
-                      <a:pPr marL="0" indent="0" algn="ctr" defTabSz="914400" rtl="0" eaLnBrk="1" latinLnBrk="0" hangingPunct="1">
-                        <a:lnSpc>
-                          <a:spcPct val="150000"/>
-                        </a:lnSpc>
-                        <a:spcAft>
-                          <a:spcPts val="0"/>
-                        </a:spcAft>
-                      </a:pPr>
-                      <a:r>
-                        <a:rPr lang="ru-RU" sz="1600" kern="1200">
-                          <a:solidFill>
-                            <a:schemeClr val="tx1"/>
-                          </a:solidFill>
-                          <a:effectLst/>
-                          <a:latin typeface="Arial" panose="020B0604020202020204" pitchFamily="34" charset="0"/>
-                          <a:ea typeface="+mn-ea"/>
-                          <a:cs typeface="Arial" panose="020B0604020202020204" pitchFamily="34" charset="0"/>
-                        </a:rPr>
-                        <a:t>1</a:t>
-                      </a:r>
-                    </a:p>
-                  </a:txBody>
-                  <a:tcPr marL="49075" marR="49075" marT="0" marB="0" anchor="ctr"/>
-                </a:tc>
-                <a:tc>
-                  <a:txBody>
-                    <a:bodyPr/>
-                    <a:lstStyle/>
-                    <a:p>
-                      <a:pPr marL="0" indent="0" algn="ctr" defTabSz="914400" rtl="0" eaLnBrk="1" latinLnBrk="0" hangingPunct="1">
-                        <a:lnSpc>
-                          <a:spcPct val="150000"/>
-                        </a:lnSpc>
-                        <a:spcAft>
-                          <a:spcPts val="0"/>
-                        </a:spcAft>
-                      </a:pPr>
-                      <a:r>
-                        <a:rPr lang="ru-RU" sz="1600" kern="1200">
-                          <a:solidFill>
-                            <a:schemeClr val="tx1"/>
-                          </a:solidFill>
-                          <a:effectLst/>
-                          <a:latin typeface="Arial" panose="020B0604020202020204" pitchFamily="34" charset="0"/>
-                          <a:ea typeface="+mn-ea"/>
-                          <a:cs typeface="Arial" panose="020B0604020202020204" pitchFamily="34" charset="0"/>
-                        </a:rPr>
-                        <a:t>1</a:t>
-                      </a:r>
-                    </a:p>
-                  </a:txBody>
-                  <a:tcPr marL="49075" marR="49075" marT="0" marB="0" anchor="ctr"/>
-                </a:tc>
-                <a:tc>
-                  <a:txBody>
-                    <a:bodyPr/>
-                    <a:lstStyle/>
-                    <a:p>
-                      <a:pPr marL="0" indent="0" algn="ctr" defTabSz="914400" rtl="0" eaLnBrk="1" latinLnBrk="0" hangingPunct="1">
-                        <a:lnSpc>
-                          <a:spcPct val="150000"/>
-                        </a:lnSpc>
-                        <a:spcAft>
-                          <a:spcPts val="0"/>
-                        </a:spcAft>
-                      </a:pPr>
-                      <a:r>
-                        <a:rPr lang="ru-RU" sz="1600" kern="1200">
-                          <a:solidFill>
-                            <a:schemeClr val="tx1"/>
-                          </a:solidFill>
-                          <a:effectLst/>
-                          <a:latin typeface="Arial" panose="020B0604020202020204" pitchFamily="34" charset="0"/>
-                          <a:ea typeface="+mn-ea"/>
-                          <a:cs typeface="Arial" panose="020B0604020202020204" pitchFamily="34" charset="0"/>
-                        </a:rPr>
-                        <a:t>1</a:t>
-                      </a:r>
-                    </a:p>
-                  </a:txBody>
-                  <a:tcPr marL="49075" marR="49075" marT="0" marB="0" anchor="ctr"/>
-                </a:tc>
-                <a:extLst>
-                  <a:ext uri="{0D108BD9-81ED-4DB2-BD59-A6C34878D82A}">
-                    <a16:rowId xmlns:a16="http://schemas.microsoft.com/office/drawing/2014/main" val="3380807"/>
-                  </a:ext>
-                </a:extLst>
-              </a:tr>
-              <a:tr h="260133">
-                <a:tc>
-                  <a:txBody>
-                    <a:bodyPr/>
-                    <a:lstStyle/>
-                    <a:p>
-                      <a:pPr marL="0" indent="185738" algn="l">
-                        <a:lnSpc>
-                          <a:spcPct val="150000"/>
-                        </a:lnSpc>
-                        <a:spcAft>
-                          <a:spcPts val="0"/>
-                        </a:spcAft>
-                      </a:pPr>
-                      <a:r>
-                        <a:rPr lang="ru-RU" sz="1400" dirty="0">
-                          <a:effectLst/>
-                          <a:latin typeface="Arial" panose="020B0604020202020204" pitchFamily="34" charset="0"/>
-                          <a:cs typeface="Arial" panose="020B0604020202020204" pitchFamily="34" charset="0"/>
-                        </a:rPr>
-                        <a:t>Экспорт</a:t>
-                      </a:r>
-                      <a:endParaRPr lang="ru-RU" sz="1400" dirty="0">
-                        <a:effectLst/>
-                        <a:latin typeface="Arial" panose="020B0604020202020204" pitchFamily="34" charset="0"/>
-                        <a:ea typeface="Calibri" panose="020F0502020204030204" pitchFamily="34" charset="0"/>
-                        <a:cs typeface="Arial" panose="020B0604020202020204" pitchFamily="34" charset="0"/>
-                      </a:endParaRPr>
-                    </a:p>
-                  </a:txBody>
-                  <a:tcPr marL="49075" marR="49075" marT="0" marB="0" anchor="ctr"/>
-                </a:tc>
-                <a:tc>
-                  <a:txBody>
-                    <a:bodyPr/>
-                    <a:lstStyle/>
-                    <a:p>
-                      <a:pPr marL="0" indent="0" algn="ctr" defTabSz="914400" rtl="0" eaLnBrk="1" latinLnBrk="0" hangingPunct="1">
-                        <a:lnSpc>
-                          <a:spcPct val="150000"/>
-                        </a:lnSpc>
-                        <a:spcAft>
-                          <a:spcPts val="0"/>
-                        </a:spcAft>
-                      </a:pPr>
-                      <a:r>
-                        <a:rPr lang="ru-RU" sz="1600" kern="1200">
-                          <a:solidFill>
-                            <a:schemeClr val="tx1"/>
-                          </a:solidFill>
-                          <a:effectLst/>
-                          <a:latin typeface="Arial" panose="020B0604020202020204" pitchFamily="34" charset="0"/>
-                          <a:ea typeface="+mn-ea"/>
-                          <a:cs typeface="Arial" panose="020B0604020202020204" pitchFamily="34" charset="0"/>
-                        </a:rPr>
-                        <a:t>1</a:t>
-                      </a:r>
-                    </a:p>
-                  </a:txBody>
-                  <a:tcPr marL="49075" marR="49075" marT="0" marB="0" anchor="ctr"/>
-                </a:tc>
-                <a:tc>
-                  <a:txBody>
-                    <a:bodyPr/>
-                    <a:lstStyle/>
-                    <a:p>
-                      <a:pPr marL="0" indent="0" algn="ctr" defTabSz="914400" rtl="0" eaLnBrk="1" latinLnBrk="0" hangingPunct="1">
-                        <a:lnSpc>
-                          <a:spcPct val="150000"/>
-                        </a:lnSpc>
-                        <a:spcAft>
-                          <a:spcPts val="0"/>
-                        </a:spcAft>
-                      </a:pPr>
-                      <a:r>
-                        <a:rPr lang="ru-RU" sz="1600" kern="1200" dirty="0">
-                          <a:solidFill>
-                            <a:schemeClr val="tx1"/>
-                          </a:solidFill>
-                          <a:effectLst/>
-                          <a:latin typeface="Arial" panose="020B0604020202020204" pitchFamily="34" charset="0"/>
-                          <a:ea typeface="+mn-ea"/>
-                          <a:cs typeface="Arial" panose="020B0604020202020204" pitchFamily="34" charset="0"/>
-                        </a:rPr>
-                        <a:t>0</a:t>
-                      </a:r>
-                    </a:p>
-                  </a:txBody>
-                  <a:tcPr marL="49075" marR="49075" marT="0" marB="0" anchor="ctr"/>
-                </a:tc>
-                <a:tc>
-                  <a:txBody>
-                    <a:bodyPr/>
-                    <a:lstStyle/>
-                    <a:p>
-                      <a:pPr marL="0" indent="0" algn="ctr" defTabSz="914400" rtl="0" eaLnBrk="1" latinLnBrk="0" hangingPunct="1">
-                        <a:lnSpc>
-                          <a:spcPct val="150000"/>
-                        </a:lnSpc>
-                        <a:spcAft>
-                          <a:spcPts val="0"/>
-                        </a:spcAft>
-                      </a:pPr>
-                      <a:r>
-                        <a:rPr lang="ru-RU" sz="1600" kern="1200" dirty="0">
-                          <a:solidFill>
-                            <a:schemeClr val="tx1"/>
-                          </a:solidFill>
-                          <a:effectLst/>
-                          <a:latin typeface="Arial" panose="020B0604020202020204" pitchFamily="34" charset="0"/>
-                          <a:ea typeface="+mn-ea"/>
-                          <a:cs typeface="Arial" panose="020B0604020202020204" pitchFamily="34" charset="0"/>
-                        </a:rPr>
-                        <a:t>1</a:t>
-                      </a:r>
-                    </a:p>
-                  </a:txBody>
-                  <a:tcPr marL="49075" marR="49075" marT="0" marB="0" anchor="ctr"/>
-                </a:tc>
-                <a:tc>
-                  <a:txBody>
-                    <a:bodyPr/>
-                    <a:lstStyle/>
-                    <a:p>
-                      <a:pPr marL="0" indent="0" algn="ctr" defTabSz="914400" rtl="0" eaLnBrk="1" latinLnBrk="0" hangingPunct="1">
-                        <a:lnSpc>
-                          <a:spcPct val="150000"/>
-                        </a:lnSpc>
-                        <a:spcAft>
-                          <a:spcPts val="0"/>
-                        </a:spcAft>
-                      </a:pPr>
-                      <a:r>
-                        <a:rPr lang="ru-RU" sz="1600" kern="1200">
-                          <a:solidFill>
-                            <a:schemeClr val="tx1"/>
-                          </a:solidFill>
-                          <a:effectLst/>
-                          <a:latin typeface="Arial" panose="020B0604020202020204" pitchFamily="34" charset="0"/>
-                          <a:ea typeface="+mn-ea"/>
-                          <a:cs typeface="Arial" panose="020B0604020202020204" pitchFamily="34" charset="0"/>
-                        </a:rPr>
-                        <a:t>1</a:t>
-                      </a:r>
-                    </a:p>
-                  </a:txBody>
-                  <a:tcPr marL="49075" marR="49075" marT="0" marB="0" anchor="ctr"/>
-                </a:tc>
-                <a:tc>
-                  <a:txBody>
-                    <a:bodyPr/>
-                    <a:lstStyle/>
-                    <a:p>
-                      <a:pPr marL="0" indent="0" algn="ctr" defTabSz="914400" rtl="0" eaLnBrk="1" latinLnBrk="0" hangingPunct="1">
-                        <a:lnSpc>
-                          <a:spcPct val="150000"/>
-                        </a:lnSpc>
-                        <a:spcAft>
-                          <a:spcPts val="0"/>
-                        </a:spcAft>
-                      </a:pPr>
-                      <a:r>
-                        <a:rPr lang="ru-RU" sz="1600" kern="1200">
-                          <a:solidFill>
-                            <a:schemeClr val="tx1"/>
-                          </a:solidFill>
-                          <a:effectLst/>
-                          <a:latin typeface="Arial" panose="020B0604020202020204" pitchFamily="34" charset="0"/>
-                          <a:ea typeface="+mn-ea"/>
-                          <a:cs typeface="Arial" panose="020B0604020202020204" pitchFamily="34" charset="0"/>
-                        </a:rPr>
-                        <a:t>1</a:t>
-                      </a:r>
-                    </a:p>
-                  </a:txBody>
-                  <a:tcPr marL="49075" marR="49075" marT="0" marB="0" anchor="ctr"/>
-                </a:tc>
-                <a:tc>
-                  <a:txBody>
-                    <a:bodyPr/>
-                    <a:lstStyle/>
-                    <a:p>
-                      <a:pPr marL="0" indent="0" algn="ctr" defTabSz="914400" rtl="0" eaLnBrk="1" latinLnBrk="0" hangingPunct="1">
-                        <a:lnSpc>
-                          <a:spcPct val="150000"/>
-                        </a:lnSpc>
-                        <a:spcAft>
-                          <a:spcPts val="0"/>
-                        </a:spcAft>
-                      </a:pPr>
-                      <a:r>
-                        <a:rPr lang="ru-RU" sz="1600" kern="1200">
-                          <a:solidFill>
-                            <a:schemeClr val="tx1"/>
-                          </a:solidFill>
-                          <a:effectLst/>
-                          <a:latin typeface="Arial" panose="020B0604020202020204" pitchFamily="34" charset="0"/>
-                          <a:ea typeface="+mn-ea"/>
-                          <a:cs typeface="Arial" panose="020B0604020202020204" pitchFamily="34" charset="0"/>
-                        </a:rPr>
-                        <a:t>1</a:t>
-                      </a:r>
-                    </a:p>
-                  </a:txBody>
-                  <a:tcPr marL="49075" marR="49075" marT="0" marB="0" anchor="ctr"/>
-                </a:tc>
-                <a:extLst>
-                  <a:ext uri="{0D108BD9-81ED-4DB2-BD59-A6C34878D82A}">
-                    <a16:rowId xmlns:a16="http://schemas.microsoft.com/office/drawing/2014/main" val="2567586211"/>
-                  </a:ext>
-                </a:extLst>
-              </a:tr>
-              <a:tr h="260133">
-                <a:tc>
-                  <a:txBody>
-                    <a:bodyPr/>
-                    <a:lstStyle/>
-                    <a:p>
-                      <a:pPr marL="0" indent="185738" algn="l">
-                        <a:lnSpc>
-                          <a:spcPct val="150000"/>
-                        </a:lnSpc>
-                        <a:spcAft>
-                          <a:spcPts val="0"/>
-                        </a:spcAft>
-                      </a:pPr>
-                      <a:r>
-                        <a:rPr lang="ru-RU" sz="1400" dirty="0">
-                          <a:effectLst/>
-                          <a:latin typeface="Arial" panose="020B0604020202020204" pitchFamily="34" charset="0"/>
-                          <a:cs typeface="Arial" panose="020B0604020202020204" pitchFamily="34" charset="0"/>
-                        </a:rPr>
-                        <a:t>Поддержка</a:t>
-                      </a:r>
-                      <a:endParaRPr lang="ru-RU" sz="1400" dirty="0">
-                        <a:effectLst/>
-                        <a:latin typeface="Arial" panose="020B0604020202020204" pitchFamily="34" charset="0"/>
-                        <a:ea typeface="Calibri" panose="020F0502020204030204" pitchFamily="34" charset="0"/>
-                        <a:cs typeface="Arial" panose="020B0604020202020204" pitchFamily="34" charset="0"/>
-                      </a:endParaRPr>
-                    </a:p>
-                  </a:txBody>
-                  <a:tcPr marL="49075" marR="49075" marT="0" marB="0" anchor="ctr"/>
-                </a:tc>
-                <a:tc>
-                  <a:txBody>
-                    <a:bodyPr/>
-                    <a:lstStyle/>
-                    <a:p>
-                      <a:pPr marL="0" indent="0" algn="ctr" defTabSz="914400" rtl="0" eaLnBrk="1" latinLnBrk="0" hangingPunct="1">
-                        <a:lnSpc>
-                          <a:spcPct val="150000"/>
-                        </a:lnSpc>
-                        <a:spcAft>
-                          <a:spcPts val="0"/>
-                        </a:spcAft>
-                      </a:pPr>
-                      <a:r>
-                        <a:rPr lang="ru-RU" sz="1600" kern="1200">
-                          <a:solidFill>
-                            <a:schemeClr val="tx1"/>
-                          </a:solidFill>
-                          <a:effectLst/>
-                          <a:latin typeface="Arial" panose="020B0604020202020204" pitchFamily="34" charset="0"/>
-                          <a:ea typeface="+mn-ea"/>
-                          <a:cs typeface="Arial" panose="020B0604020202020204" pitchFamily="34" charset="0"/>
-                        </a:rPr>
-                        <a:t>1</a:t>
-                      </a:r>
-                    </a:p>
-                  </a:txBody>
-                  <a:tcPr marL="49075" marR="49075" marT="0" marB="0" anchor="ctr"/>
-                </a:tc>
-                <a:tc>
-                  <a:txBody>
-                    <a:bodyPr/>
-                    <a:lstStyle/>
-                    <a:p>
-                      <a:pPr marL="0" indent="0" algn="ctr" defTabSz="914400" rtl="0" eaLnBrk="1" latinLnBrk="0" hangingPunct="1">
-                        <a:lnSpc>
-                          <a:spcPct val="150000"/>
-                        </a:lnSpc>
-                        <a:spcAft>
-                          <a:spcPts val="0"/>
-                        </a:spcAft>
-                      </a:pPr>
-                      <a:r>
-                        <a:rPr lang="ru-RU" sz="1600" kern="1200" dirty="0">
-                          <a:solidFill>
-                            <a:schemeClr val="tx1"/>
-                          </a:solidFill>
-                          <a:effectLst/>
-                          <a:latin typeface="Arial" panose="020B0604020202020204" pitchFamily="34" charset="0"/>
-                          <a:ea typeface="+mn-ea"/>
-                          <a:cs typeface="Arial" panose="020B0604020202020204" pitchFamily="34" charset="0"/>
-                        </a:rPr>
-                        <a:t>1</a:t>
-                      </a:r>
-                    </a:p>
-                  </a:txBody>
-                  <a:tcPr marL="49075" marR="49075" marT="0" marB="0" anchor="ctr"/>
-                </a:tc>
-                <a:tc>
-                  <a:txBody>
-                    <a:bodyPr/>
-                    <a:lstStyle/>
-                    <a:p>
-                      <a:pPr marL="0" indent="0" algn="ctr" defTabSz="914400" rtl="0" eaLnBrk="1" latinLnBrk="0" hangingPunct="1">
-                        <a:lnSpc>
-                          <a:spcPct val="150000"/>
-                        </a:lnSpc>
-                        <a:spcAft>
-                          <a:spcPts val="0"/>
-                        </a:spcAft>
-                      </a:pPr>
-                      <a:r>
-                        <a:rPr lang="ru-RU" sz="1600" kern="1200" dirty="0">
-                          <a:solidFill>
-                            <a:schemeClr val="tx1"/>
-                          </a:solidFill>
-                          <a:effectLst/>
-                          <a:latin typeface="Arial" panose="020B0604020202020204" pitchFamily="34" charset="0"/>
-                          <a:ea typeface="+mn-ea"/>
-                          <a:cs typeface="Arial" panose="020B0604020202020204" pitchFamily="34" charset="0"/>
-                        </a:rPr>
-                        <a:t>0</a:t>
-                      </a:r>
-                    </a:p>
-                  </a:txBody>
-                  <a:tcPr marL="49075" marR="49075" marT="0" marB="0" anchor="ctr"/>
-                </a:tc>
-                <a:tc>
-                  <a:txBody>
-                    <a:bodyPr/>
-                    <a:lstStyle/>
-                    <a:p>
-                      <a:pPr marL="0" indent="0" algn="ctr" defTabSz="914400" rtl="0" eaLnBrk="1" latinLnBrk="0" hangingPunct="1">
-                        <a:lnSpc>
-                          <a:spcPct val="150000"/>
-                        </a:lnSpc>
-                        <a:spcAft>
-                          <a:spcPts val="0"/>
-                        </a:spcAft>
-                      </a:pPr>
-                      <a:r>
-                        <a:rPr lang="ru-RU" sz="1600" kern="1200">
-                          <a:solidFill>
-                            <a:schemeClr val="tx1"/>
-                          </a:solidFill>
-                          <a:effectLst/>
-                          <a:latin typeface="Arial" panose="020B0604020202020204" pitchFamily="34" charset="0"/>
-                          <a:ea typeface="+mn-ea"/>
-                          <a:cs typeface="Arial" panose="020B0604020202020204" pitchFamily="34" charset="0"/>
-                        </a:rPr>
-                        <a:t>0</a:t>
-                      </a:r>
-                    </a:p>
-                  </a:txBody>
-                  <a:tcPr marL="49075" marR="49075" marT="0" marB="0" anchor="ctr"/>
-                </a:tc>
-                <a:tc>
-                  <a:txBody>
-                    <a:bodyPr/>
-                    <a:lstStyle/>
-                    <a:p>
-                      <a:pPr marL="0" indent="0" algn="ctr" defTabSz="914400" rtl="0" eaLnBrk="1" latinLnBrk="0" hangingPunct="1">
-                        <a:lnSpc>
-                          <a:spcPct val="150000"/>
-                        </a:lnSpc>
-                        <a:spcAft>
-                          <a:spcPts val="0"/>
-                        </a:spcAft>
-                      </a:pPr>
-                      <a:r>
-                        <a:rPr lang="ru-RU" sz="1600" kern="1200">
-                          <a:solidFill>
-                            <a:schemeClr val="tx1"/>
-                          </a:solidFill>
-                          <a:effectLst/>
-                          <a:latin typeface="Arial" panose="020B0604020202020204" pitchFamily="34" charset="0"/>
-                          <a:ea typeface="+mn-ea"/>
-                          <a:cs typeface="Arial" panose="020B0604020202020204" pitchFamily="34" charset="0"/>
-                        </a:rPr>
-                        <a:t>1</a:t>
-                      </a:r>
-                    </a:p>
-                  </a:txBody>
-                  <a:tcPr marL="49075" marR="49075" marT="0" marB="0" anchor="ctr"/>
-                </a:tc>
-                <a:tc>
-                  <a:txBody>
-                    <a:bodyPr/>
-                    <a:lstStyle/>
-                    <a:p>
-                      <a:pPr marL="0" indent="0" algn="ctr" defTabSz="914400" rtl="0" eaLnBrk="1" latinLnBrk="0" hangingPunct="1">
-                        <a:lnSpc>
-                          <a:spcPct val="150000"/>
-                        </a:lnSpc>
-                        <a:spcAft>
-                          <a:spcPts val="0"/>
-                        </a:spcAft>
-                      </a:pPr>
-                      <a:r>
-                        <a:rPr lang="ru-RU" sz="1600" kern="1200">
-                          <a:solidFill>
-                            <a:schemeClr val="tx1"/>
-                          </a:solidFill>
-                          <a:effectLst/>
-                          <a:latin typeface="Arial" panose="020B0604020202020204" pitchFamily="34" charset="0"/>
-                          <a:ea typeface="+mn-ea"/>
-                          <a:cs typeface="Arial" panose="020B0604020202020204" pitchFamily="34" charset="0"/>
-                        </a:rPr>
-                        <a:t>1</a:t>
-                      </a:r>
-                    </a:p>
-                  </a:txBody>
-                  <a:tcPr marL="49075" marR="49075" marT="0" marB="0" anchor="ctr"/>
-                </a:tc>
-                <a:extLst>
-                  <a:ext uri="{0D108BD9-81ED-4DB2-BD59-A6C34878D82A}">
-                    <a16:rowId xmlns:a16="http://schemas.microsoft.com/office/drawing/2014/main" val="659097253"/>
-                  </a:ext>
-                </a:extLst>
-              </a:tr>
-              <a:tr h="520266">
-                <a:tc>
-                  <a:txBody>
-                    <a:bodyPr/>
-                    <a:lstStyle/>
-                    <a:p>
-                      <a:pPr marL="0" indent="185738" algn="l">
-                        <a:lnSpc>
-                          <a:spcPct val="150000"/>
-                        </a:lnSpc>
-                        <a:spcAft>
-                          <a:spcPts val="0"/>
-                        </a:spcAft>
-                      </a:pPr>
-                      <a:r>
-                        <a:rPr lang="ru-RU" sz="1400" dirty="0">
-                          <a:effectLst/>
-                          <a:latin typeface="Arial" panose="020B0604020202020204" pitchFamily="34" charset="0"/>
-                          <a:cs typeface="Arial" panose="020B0604020202020204" pitchFamily="34" charset="0"/>
-                        </a:rPr>
-                        <a:t>Кроссплатформенность</a:t>
-                      </a:r>
-                      <a:endParaRPr lang="ru-RU" sz="1400" dirty="0">
-                        <a:effectLst/>
-                        <a:latin typeface="Arial" panose="020B0604020202020204" pitchFamily="34" charset="0"/>
-                        <a:ea typeface="Calibri" panose="020F0502020204030204" pitchFamily="34" charset="0"/>
-                        <a:cs typeface="Arial" panose="020B0604020202020204" pitchFamily="34" charset="0"/>
-                      </a:endParaRPr>
-                    </a:p>
-                  </a:txBody>
-                  <a:tcPr marL="49075" marR="49075" marT="0" marB="0" anchor="ctr"/>
-                </a:tc>
-                <a:tc>
-                  <a:txBody>
-                    <a:bodyPr/>
-                    <a:lstStyle/>
-                    <a:p>
-                      <a:pPr marL="0" indent="0" algn="ctr" defTabSz="914400" rtl="0" eaLnBrk="1" latinLnBrk="0" hangingPunct="1">
-                        <a:lnSpc>
-                          <a:spcPct val="150000"/>
-                        </a:lnSpc>
-                        <a:spcAft>
-                          <a:spcPts val="0"/>
-                        </a:spcAft>
-                      </a:pPr>
-                      <a:r>
-                        <a:rPr lang="ru-RU" sz="1600" kern="1200" dirty="0">
-                          <a:solidFill>
-                            <a:schemeClr val="tx1"/>
-                          </a:solidFill>
-                          <a:effectLst/>
-                          <a:latin typeface="Arial" panose="020B0604020202020204" pitchFamily="34" charset="0"/>
-                          <a:ea typeface="+mn-ea"/>
-                          <a:cs typeface="Arial" panose="020B0604020202020204" pitchFamily="34" charset="0"/>
-                        </a:rPr>
-                        <a:t>0</a:t>
-                      </a:r>
-                    </a:p>
-                  </a:txBody>
-                  <a:tcPr marL="49075" marR="49075" marT="0" marB="0" anchor="ctr"/>
-                </a:tc>
-                <a:tc>
-                  <a:txBody>
-                    <a:bodyPr/>
-                    <a:lstStyle/>
-                    <a:p>
-                      <a:pPr marL="0" indent="0" algn="ctr" defTabSz="914400" rtl="0" eaLnBrk="1" latinLnBrk="0" hangingPunct="1">
-                        <a:lnSpc>
-                          <a:spcPct val="150000"/>
-                        </a:lnSpc>
-                        <a:spcAft>
-                          <a:spcPts val="0"/>
-                        </a:spcAft>
-                      </a:pPr>
-                      <a:r>
-                        <a:rPr lang="ru-RU" sz="1600" kern="1200" dirty="0">
-                          <a:solidFill>
-                            <a:schemeClr val="tx1"/>
-                          </a:solidFill>
-                          <a:effectLst/>
-                          <a:latin typeface="Arial" panose="020B0604020202020204" pitchFamily="34" charset="0"/>
-                          <a:ea typeface="+mn-ea"/>
-                          <a:cs typeface="Arial" panose="020B0604020202020204" pitchFamily="34" charset="0"/>
-                        </a:rPr>
-                        <a:t>0</a:t>
-                      </a:r>
-                    </a:p>
-                  </a:txBody>
-                  <a:tcPr marL="49075" marR="49075" marT="0" marB="0" anchor="ctr"/>
-                </a:tc>
-                <a:tc>
-                  <a:txBody>
-                    <a:bodyPr/>
-                    <a:lstStyle/>
-                    <a:p>
-                      <a:pPr marL="0" indent="0" algn="ctr" defTabSz="914400" rtl="0" eaLnBrk="1" latinLnBrk="0" hangingPunct="1">
-                        <a:lnSpc>
-                          <a:spcPct val="150000"/>
-                        </a:lnSpc>
-                        <a:spcAft>
-                          <a:spcPts val="0"/>
-                        </a:spcAft>
-                      </a:pPr>
-                      <a:r>
-                        <a:rPr lang="ru-RU" sz="1600" kern="1200" dirty="0">
-                          <a:solidFill>
-                            <a:schemeClr val="tx1"/>
-                          </a:solidFill>
-                          <a:effectLst/>
-                          <a:latin typeface="Arial" panose="020B0604020202020204" pitchFamily="34" charset="0"/>
-                          <a:ea typeface="+mn-ea"/>
-                          <a:cs typeface="Arial" panose="020B0604020202020204" pitchFamily="34" charset="0"/>
-                        </a:rPr>
-                        <a:t>0</a:t>
-                      </a:r>
-                    </a:p>
-                  </a:txBody>
-                  <a:tcPr marL="49075" marR="49075" marT="0" marB="0" anchor="ctr"/>
-                </a:tc>
-                <a:tc>
-                  <a:txBody>
-                    <a:bodyPr/>
-                    <a:lstStyle/>
-                    <a:p>
-                      <a:pPr marL="0" indent="0" algn="ctr" defTabSz="914400" rtl="0" eaLnBrk="1" latinLnBrk="0" hangingPunct="1">
-                        <a:lnSpc>
-                          <a:spcPct val="150000"/>
-                        </a:lnSpc>
-                        <a:spcAft>
-                          <a:spcPts val="0"/>
-                        </a:spcAft>
-                      </a:pPr>
-                      <a:r>
-                        <a:rPr lang="ru-RU" sz="1600" kern="1200" dirty="0">
-                          <a:solidFill>
-                            <a:schemeClr val="tx1"/>
-                          </a:solidFill>
-                          <a:effectLst/>
-                          <a:latin typeface="Arial" panose="020B0604020202020204" pitchFamily="34" charset="0"/>
-                          <a:ea typeface="+mn-ea"/>
-                          <a:cs typeface="Arial" panose="020B0604020202020204" pitchFamily="34" charset="0"/>
-                        </a:rPr>
-                        <a:t>0</a:t>
-                      </a:r>
-                    </a:p>
-                  </a:txBody>
-                  <a:tcPr marL="49075" marR="49075" marT="0" marB="0" anchor="ctr"/>
-                </a:tc>
-                <a:tc>
-                  <a:txBody>
-                    <a:bodyPr/>
-                    <a:lstStyle/>
-                    <a:p>
-                      <a:pPr marL="0" indent="0" algn="ctr" defTabSz="914400" rtl="0" eaLnBrk="1" latinLnBrk="0" hangingPunct="1">
-                        <a:lnSpc>
-                          <a:spcPct val="150000"/>
-                        </a:lnSpc>
-                        <a:spcAft>
-                          <a:spcPts val="0"/>
-                        </a:spcAft>
-                      </a:pPr>
-                      <a:r>
-                        <a:rPr lang="ru-RU" sz="1600" kern="1200">
-                          <a:solidFill>
-                            <a:schemeClr val="tx1"/>
-                          </a:solidFill>
-                          <a:effectLst/>
-                          <a:latin typeface="Arial" panose="020B0604020202020204" pitchFamily="34" charset="0"/>
-                          <a:ea typeface="+mn-ea"/>
-                          <a:cs typeface="Arial" panose="020B0604020202020204" pitchFamily="34" charset="0"/>
-                        </a:rPr>
-                        <a:t>0</a:t>
-                      </a:r>
-                    </a:p>
-                  </a:txBody>
-                  <a:tcPr marL="49075" marR="49075" marT="0" marB="0" anchor="ctr"/>
-                </a:tc>
-                <a:tc>
-                  <a:txBody>
-                    <a:bodyPr/>
-                    <a:lstStyle/>
-                    <a:p>
-                      <a:pPr marL="0" indent="0" algn="ctr" defTabSz="914400" rtl="0" eaLnBrk="1" latinLnBrk="0" hangingPunct="1">
-                        <a:lnSpc>
-                          <a:spcPct val="150000"/>
-                        </a:lnSpc>
-                        <a:spcAft>
-                          <a:spcPts val="0"/>
-                        </a:spcAft>
-                      </a:pPr>
-                      <a:r>
-                        <a:rPr lang="ru-RU" sz="1600" kern="1200" dirty="0">
-                          <a:solidFill>
-                            <a:schemeClr val="tx1"/>
-                          </a:solidFill>
-                          <a:effectLst/>
-                          <a:latin typeface="Arial" panose="020B0604020202020204" pitchFamily="34" charset="0"/>
-                          <a:ea typeface="+mn-ea"/>
-                          <a:cs typeface="Arial" panose="020B0604020202020204" pitchFamily="34" charset="0"/>
-                        </a:rPr>
-                        <a:t>2</a:t>
-                      </a:r>
-                    </a:p>
-                  </a:txBody>
-                  <a:tcPr marL="49075" marR="49075" marT="0" marB="0" anchor="ctr"/>
-                </a:tc>
-                <a:extLst>
-                  <a:ext uri="{0D108BD9-81ED-4DB2-BD59-A6C34878D82A}">
-                    <a16:rowId xmlns:a16="http://schemas.microsoft.com/office/drawing/2014/main" val="1111213039"/>
-                  </a:ext>
-                </a:extLst>
-              </a:tr>
-              <a:tr h="260133">
-                <a:tc>
-                  <a:txBody>
-                    <a:bodyPr/>
-                    <a:lstStyle/>
-                    <a:p>
-                      <a:pPr marL="0" indent="185738" algn="l">
-                        <a:lnSpc>
-                          <a:spcPct val="150000"/>
-                        </a:lnSpc>
-                        <a:spcAft>
-                          <a:spcPts val="0"/>
-                        </a:spcAft>
-                      </a:pPr>
-                      <a:r>
-                        <a:rPr lang="ru-RU" sz="1400" dirty="0">
-                          <a:effectLst/>
-                          <a:latin typeface="Arial" panose="020B0604020202020204" pitchFamily="34" charset="0"/>
-                          <a:cs typeface="Arial" panose="020B0604020202020204" pitchFamily="34" charset="0"/>
-                        </a:rPr>
-                        <a:t>Лицензия</a:t>
-                      </a:r>
-                      <a:endParaRPr lang="ru-RU" sz="1400" dirty="0">
-                        <a:effectLst/>
-                        <a:latin typeface="Arial" panose="020B0604020202020204" pitchFamily="34" charset="0"/>
-                        <a:ea typeface="Calibri" panose="020F0502020204030204" pitchFamily="34" charset="0"/>
-                        <a:cs typeface="Arial" panose="020B0604020202020204" pitchFamily="34" charset="0"/>
-                      </a:endParaRPr>
-                    </a:p>
-                  </a:txBody>
-                  <a:tcPr marL="49075" marR="49075" marT="0" marB="0" anchor="ctr"/>
-                </a:tc>
-                <a:tc>
-                  <a:txBody>
-                    <a:bodyPr/>
-                    <a:lstStyle/>
-                    <a:p>
-                      <a:pPr marL="0" indent="0" algn="ctr" defTabSz="914400" rtl="0" eaLnBrk="1" latinLnBrk="0" hangingPunct="1">
-                        <a:lnSpc>
-                          <a:spcPct val="150000"/>
-                        </a:lnSpc>
-                        <a:spcAft>
-                          <a:spcPts val="0"/>
-                        </a:spcAft>
-                      </a:pPr>
-                      <a:r>
-                        <a:rPr lang="ru-RU" sz="1600" kern="1200" dirty="0">
-                          <a:solidFill>
-                            <a:schemeClr val="tx1"/>
-                          </a:solidFill>
-                          <a:effectLst/>
-                          <a:latin typeface="Arial" panose="020B0604020202020204" pitchFamily="34" charset="0"/>
-                          <a:ea typeface="+mn-ea"/>
-                          <a:cs typeface="Arial" panose="020B0604020202020204" pitchFamily="34" charset="0"/>
-                        </a:rPr>
-                        <a:t>0</a:t>
-                      </a:r>
-                    </a:p>
-                  </a:txBody>
-                  <a:tcPr marL="49075" marR="49075" marT="0" marB="0" anchor="ctr"/>
-                </a:tc>
-                <a:tc>
-                  <a:txBody>
-                    <a:bodyPr/>
-                    <a:lstStyle/>
-                    <a:p>
-                      <a:pPr marL="0" indent="0" algn="ctr" defTabSz="914400" rtl="0" eaLnBrk="1" latinLnBrk="0" hangingPunct="1">
-                        <a:lnSpc>
-                          <a:spcPct val="150000"/>
-                        </a:lnSpc>
-                        <a:spcAft>
-                          <a:spcPts val="0"/>
-                        </a:spcAft>
-                      </a:pPr>
-                      <a:r>
-                        <a:rPr lang="ru-RU" sz="1600" kern="1200" dirty="0">
-                          <a:solidFill>
-                            <a:schemeClr val="tx1"/>
-                          </a:solidFill>
-                          <a:effectLst/>
-                          <a:latin typeface="Arial" panose="020B0604020202020204" pitchFamily="34" charset="0"/>
-                          <a:ea typeface="+mn-ea"/>
-                          <a:cs typeface="Arial" panose="020B0604020202020204" pitchFamily="34" charset="0"/>
-                        </a:rPr>
-                        <a:t>0</a:t>
-                      </a:r>
-                    </a:p>
-                  </a:txBody>
-                  <a:tcPr marL="49075" marR="49075" marT="0" marB="0" anchor="ctr"/>
-                </a:tc>
-                <a:tc>
-                  <a:txBody>
-                    <a:bodyPr/>
-                    <a:lstStyle/>
-                    <a:p>
-                      <a:pPr marL="0" indent="0" algn="ctr" defTabSz="914400" rtl="0" eaLnBrk="1" latinLnBrk="0" hangingPunct="1">
-                        <a:lnSpc>
-                          <a:spcPct val="150000"/>
-                        </a:lnSpc>
-                        <a:spcAft>
-                          <a:spcPts val="0"/>
-                        </a:spcAft>
-                      </a:pPr>
-                      <a:r>
-                        <a:rPr lang="ru-RU" sz="1600" kern="1200" dirty="0">
-                          <a:solidFill>
-                            <a:schemeClr val="tx1"/>
-                          </a:solidFill>
-                          <a:effectLst/>
-                          <a:latin typeface="Arial" panose="020B0604020202020204" pitchFamily="34" charset="0"/>
-                          <a:ea typeface="+mn-ea"/>
-                          <a:cs typeface="Arial" panose="020B0604020202020204" pitchFamily="34" charset="0"/>
-                        </a:rPr>
-                        <a:t>1</a:t>
-                      </a:r>
-                    </a:p>
-                  </a:txBody>
-                  <a:tcPr marL="49075" marR="49075" marT="0" marB="0" anchor="ctr"/>
-                </a:tc>
-                <a:tc>
-                  <a:txBody>
-                    <a:bodyPr/>
-                    <a:lstStyle/>
-                    <a:p>
-                      <a:pPr marL="0" indent="0" algn="ctr" defTabSz="914400" rtl="0" eaLnBrk="1" latinLnBrk="0" hangingPunct="1">
-                        <a:lnSpc>
-                          <a:spcPct val="150000"/>
-                        </a:lnSpc>
-                        <a:spcAft>
-                          <a:spcPts val="0"/>
-                        </a:spcAft>
-                      </a:pPr>
-                      <a:r>
-                        <a:rPr lang="ru-RU" sz="1600" kern="1200" dirty="0">
-                          <a:solidFill>
-                            <a:schemeClr val="tx1"/>
-                          </a:solidFill>
-                          <a:effectLst/>
-                          <a:latin typeface="Arial" panose="020B0604020202020204" pitchFamily="34" charset="0"/>
-                          <a:ea typeface="+mn-ea"/>
-                          <a:cs typeface="Arial" panose="020B0604020202020204" pitchFamily="34" charset="0"/>
-                        </a:rPr>
-                        <a:t>0</a:t>
-                      </a:r>
-                    </a:p>
-                  </a:txBody>
-                  <a:tcPr marL="49075" marR="49075" marT="0" marB="0" anchor="ctr"/>
-                </a:tc>
-                <a:tc>
-                  <a:txBody>
-                    <a:bodyPr/>
-                    <a:lstStyle/>
-                    <a:p>
-                      <a:pPr marL="0" indent="0" algn="ctr" defTabSz="914400" rtl="0" eaLnBrk="1" latinLnBrk="0" hangingPunct="1">
-                        <a:lnSpc>
-                          <a:spcPct val="150000"/>
-                        </a:lnSpc>
-                        <a:spcAft>
-                          <a:spcPts val="0"/>
-                        </a:spcAft>
-                      </a:pPr>
-                      <a:r>
-                        <a:rPr lang="ru-RU" sz="1600" kern="1200" dirty="0">
-                          <a:solidFill>
-                            <a:schemeClr val="tx1"/>
-                          </a:solidFill>
-                          <a:effectLst/>
-                          <a:latin typeface="Arial" panose="020B0604020202020204" pitchFamily="34" charset="0"/>
-                          <a:ea typeface="+mn-ea"/>
-                          <a:cs typeface="Arial" panose="020B0604020202020204" pitchFamily="34" charset="0"/>
-                        </a:rPr>
-                        <a:t>0</a:t>
-                      </a:r>
-                    </a:p>
-                  </a:txBody>
-                  <a:tcPr marL="49075" marR="49075" marT="0" marB="0" anchor="ctr"/>
-                </a:tc>
-                <a:tc>
-                  <a:txBody>
-                    <a:bodyPr/>
-                    <a:lstStyle/>
-                    <a:p>
-                      <a:pPr marL="0" indent="0" algn="ctr" defTabSz="914400" rtl="0" eaLnBrk="1" latinLnBrk="0" hangingPunct="1">
-                        <a:lnSpc>
-                          <a:spcPct val="150000"/>
-                        </a:lnSpc>
-                        <a:spcAft>
-                          <a:spcPts val="0"/>
-                        </a:spcAft>
-                      </a:pPr>
-                      <a:r>
-                        <a:rPr lang="ru-RU" sz="1600" kern="1200">
-                          <a:solidFill>
-                            <a:schemeClr val="tx1"/>
-                          </a:solidFill>
-                          <a:effectLst/>
-                          <a:latin typeface="Arial" panose="020B0604020202020204" pitchFamily="34" charset="0"/>
-                          <a:ea typeface="+mn-ea"/>
-                          <a:cs typeface="Arial" panose="020B0604020202020204" pitchFamily="34" charset="0"/>
-                        </a:rPr>
-                        <a:t>1</a:t>
-                      </a:r>
-                    </a:p>
-                  </a:txBody>
-                  <a:tcPr marL="49075" marR="49075" marT="0" marB="0" anchor="ctr"/>
-                </a:tc>
-                <a:extLst>
-                  <a:ext uri="{0D108BD9-81ED-4DB2-BD59-A6C34878D82A}">
-                    <a16:rowId xmlns:a16="http://schemas.microsoft.com/office/drawing/2014/main" val="2823960062"/>
-                  </a:ext>
-                </a:extLst>
-              </a:tr>
-              <a:tr h="520266">
-                <a:tc>
-                  <a:txBody>
-                    <a:bodyPr/>
-                    <a:lstStyle/>
-                    <a:p>
-                      <a:pPr marL="0" indent="185738" algn="l">
-                        <a:lnSpc>
-                          <a:spcPct val="150000"/>
-                        </a:lnSpc>
-                        <a:spcAft>
-                          <a:spcPts val="0"/>
-                        </a:spcAft>
-                      </a:pPr>
-                      <a:r>
-                        <a:rPr lang="ru-RU" sz="1400" dirty="0">
-                          <a:effectLst/>
-                          <a:latin typeface="Arial" panose="020B0604020202020204" pitchFamily="34" charset="0"/>
-                          <a:cs typeface="Arial" panose="020B0604020202020204" pitchFamily="34" charset="0"/>
-                        </a:rPr>
-                        <a:t>Информация об экспертах</a:t>
-                      </a:r>
-                      <a:endParaRPr lang="ru-RU" sz="1400" dirty="0">
-                        <a:effectLst/>
-                        <a:latin typeface="Arial" panose="020B0604020202020204" pitchFamily="34" charset="0"/>
-                        <a:ea typeface="Calibri" panose="020F0502020204030204" pitchFamily="34" charset="0"/>
-                        <a:cs typeface="Arial" panose="020B0604020202020204" pitchFamily="34" charset="0"/>
-                      </a:endParaRPr>
-                    </a:p>
-                  </a:txBody>
-                  <a:tcPr marL="49075" marR="49075" marT="0" marB="0" anchor="ctr"/>
-                </a:tc>
-                <a:tc>
-                  <a:txBody>
-                    <a:bodyPr/>
-                    <a:lstStyle/>
-                    <a:p>
-                      <a:pPr marL="0" indent="0" algn="ctr" defTabSz="914400" rtl="0" eaLnBrk="1" latinLnBrk="0" hangingPunct="1">
-                        <a:lnSpc>
-                          <a:spcPct val="150000"/>
-                        </a:lnSpc>
-                        <a:spcAft>
-                          <a:spcPts val="0"/>
-                        </a:spcAft>
-                      </a:pPr>
-                      <a:r>
-                        <a:rPr lang="ru-RU" sz="1600" kern="1200" dirty="0">
-                          <a:solidFill>
-                            <a:schemeClr val="tx1"/>
-                          </a:solidFill>
-                          <a:effectLst/>
-                          <a:latin typeface="Arial" panose="020B0604020202020204" pitchFamily="34" charset="0"/>
-                          <a:ea typeface="+mn-ea"/>
-                          <a:cs typeface="Arial" panose="020B0604020202020204" pitchFamily="34" charset="0"/>
-                        </a:rPr>
-                        <a:t>0</a:t>
-                      </a:r>
-                    </a:p>
-                  </a:txBody>
-                  <a:tcPr marL="49075" marR="49075" marT="0" marB="0" anchor="ctr"/>
-                </a:tc>
-                <a:tc>
-                  <a:txBody>
-                    <a:bodyPr/>
-                    <a:lstStyle/>
-                    <a:p>
-                      <a:pPr marL="0" indent="0" algn="ctr" defTabSz="914400" rtl="0" eaLnBrk="1" latinLnBrk="0" hangingPunct="1">
-                        <a:lnSpc>
-                          <a:spcPct val="150000"/>
-                        </a:lnSpc>
-                        <a:spcAft>
-                          <a:spcPts val="0"/>
-                        </a:spcAft>
-                      </a:pPr>
-                      <a:r>
-                        <a:rPr lang="ru-RU" sz="1600" kern="1200" dirty="0">
-                          <a:solidFill>
-                            <a:schemeClr val="tx1"/>
-                          </a:solidFill>
-                          <a:effectLst/>
-                          <a:latin typeface="Arial" panose="020B0604020202020204" pitchFamily="34" charset="0"/>
-                          <a:ea typeface="+mn-ea"/>
-                          <a:cs typeface="Arial" panose="020B0604020202020204" pitchFamily="34" charset="0"/>
-                        </a:rPr>
-                        <a:t>0</a:t>
-                      </a:r>
-                    </a:p>
-                  </a:txBody>
-                  <a:tcPr marL="49075" marR="49075" marT="0" marB="0" anchor="ctr"/>
-                </a:tc>
-                <a:tc>
-                  <a:txBody>
-                    <a:bodyPr/>
-                    <a:lstStyle/>
-                    <a:p>
-                      <a:pPr marL="0" indent="0" algn="ctr" defTabSz="914400" rtl="0" eaLnBrk="1" latinLnBrk="0" hangingPunct="1">
-                        <a:lnSpc>
-                          <a:spcPct val="150000"/>
-                        </a:lnSpc>
-                        <a:spcAft>
-                          <a:spcPts val="0"/>
-                        </a:spcAft>
-                      </a:pPr>
-                      <a:r>
-                        <a:rPr lang="ru-RU" sz="1600" kern="1200" dirty="0">
-                          <a:solidFill>
-                            <a:schemeClr val="tx1"/>
-                          </a:solidFill>
-                          <a:effectLst/>
-                          <a:latin typeface="Arial" panose="020B0604020202020204" pitchFamily="34" charset="0"/>
-                          <a:ea typeface="+mn-ea"/>
-                          <a:cs typeface="Arial" panose="020B0604020202020204" pitchFamily="34" charset="0"/>
-                        </a:rPr>
-                        <a:t>0</a:t>
-                      </a:r>
-                    </a:p>
-                  </a:txBody>
-                  <a:tcPr marL="49075" marR="49075" marT="0" marB="0" anchor="ctr"/>
-                </a:tc>
-                <a:tc>
-                  <a:txBody>
-                    <a:bodyPr/>
-                    <a:lstStyle/>
-                    <a:p>
-                      <a:pPr marL="0" indent="0" algn="ctr" defTabSz="914400" rtl="0" eaLnBrk="1" latinLnBrk="0" hangingPunct="1">
-                        <a:lnSpc>
-                          <a:spcPct val="150000"/>
-                        </a:lnSpc>
-                        <a:spcAft>
-                          <a:spcPts val="0"/>
-                        </a:spcAft>
-                      </a:pPr>
-                      <a:r>
-                        <a:rPr lang="ru-RU" sz="1600" kern="1200" dirty="0">
-                          <a:solidFill>
-                            <a:schemeClr val="tx1"/>
-                          </a:solidFill>
-                          <a:effectLst/>
-                          <a:latin typeface="Arial" panose="020B0604020202020204" pitchFamily="34" charset="0"/>
-                          <a:ea typeface="+mn-ea"/>
-                          <a:cs typeface="Arial" panose="020B0604020202020204" pitchFamily="34" charset="0"/>
-                        </a:rPr>
-                        <a:t>0</a:t>
-                      </a:r>
-                    </a:p>
-                  </a:txBody>
-                  <a:tcPr marL="49075" marR="49075" marT="0" marB="0" anchor="ctr"/>
-                </a:tc>
-                <a:tc>
-                  <a:txBody>
-                    <a:bodyPr/>
-                    <a:lstStyle/>
-                    <a:p>
-                      <a:pPr marL="0" indent="0" algn="ctr" defTabSz="914400" rtl="0" eaLnBrk="1" latinLnBrk="0" hangingPunct="1">
-                        <a:lnSpc>
-                          <a:spcPct val="150000"/>
-                        </a:lnSpc>
-                        <a:spcAft>
-                          <a:spcPts val="0"/>
-                        </a:spcAft>
-                      </a:pPr>
-                      <a:r>
-                        <a:rPr lang="ru-RU" sz="1600" kern="1200" dirty="0">
-                          <a:solidFill>
-                            <a:schemeClr val="tx1"/>
-                          </a:solidFill>
-                          <a:effectLst/>
-                          <a:latin typeface="Arial" panose="020B0604020202020204" pitchFamily="34" charset="0"/>
-                          <a:ea typeface="+mn-ea"/>
-                          <a:cs typeface="Arial" panose="020B0604020202020204" pitchFamily="34" charset="0"/>
-                        </a:rPr>
-                        <a:t>0</a:t>
-                      </a:r>
-                    </a:p>
-                  </a:txBody>
-                  <a:tcPr marL="49075" marR="49075" marT="0" marB="0" anchor="ctr"/>
-                </a:tc>
-                <a:tc>
-                  <a:txBody>
-                    <a:bodyPr/>
-                    <a:lstStyle/>
-                    <a:p>
-                      <a:pPr marL="0" indent="0" algn="ctr" defTabSz="914400" rtl="0" eaLnBrk="1" latinLnBrk="0" hangingPunct="1">
-                        <a:lnSpc>
-                          <a:spcPct val="150000"/>
-                        </a:lnSpc>
-                        <a:spcAft>
-                          <a:spcPts val="0"/>
-                        </a:spcAft>
-                      </a:pPr>
-                      <a:r>
-                        <a:rPr lang="ru-RU" sz="1600" kern="1200" dirty="0">
-                          <a:solidFill>
-                            <a:schemeClr val="tx1"/>
-                          </a:solidFill>
-                          <a:effectLst/>
-                          <a:latin typeface="Arial" panose="020B0604020202020204" pitchFamily="34" charset="0"/>
-                          <a:ea typeface="+mn-ea"/>
-                          <a:cs typeface="Arial" panose="020B0604020202020204" pitchFamily="34" charset="0"/>
-                        </a:rPr>
-                        <a:t>0</a:t>
-                      </a:r>
-                    </a:p>
-                  </a:txBody>
-                  <a:tcPr marL="49075" marR="49075" marT="0" marB="0" anchor="ctr"/>
-                </a:tc>
-                <a:extLst>
-                  <a:ext uri="{0D108BD9-81ED-4DB2-BD59-A6C34878D82A}">
-                    <a16:rowId xmlns:a16="http://schemas.microsoft.com/office/drawing/2014/main" val="3509878748"/>
-                  </a:ext>
-                </a:extLst>
-              </a:tr>
-              <a:tr h="520266">
-                <a:tc>
-                  <a:txBody>
-                    <a:bodyPr/>
-                    <a:lstStyle/>
-                    <a:p>
-                      <a:pPr marL="185738" indent="0" algn="l">
-                        <a:lnSpc>
-                          <a:spcPct val="150000"/>
-                        </a:lnSpc>
-                        <a:spcAft>
-                          <a:spcPts val="0"/>
-                        </a:spcAft>
-                      </a:pPr>
-                      <a:r>
-                        <a:rPr lang="ru-RU" sz="1400" dirty="0">
-                          <a:effectLst/>
-                          <a:latin typeface="Arial" panose="020B0604020202020204" pitchFamily="34" charset="0"/>
-                          <a:cs typeface="Arial" panose="020B0604020202020204" pitchFamily="34" charset="0"/>
-                        </a:rPr>
-                        <a:t>Согласованность и компетентность</a:t>
-                      </a:r>
-                      <a:endParaRPr lang="ru-RU" sz="1400" dirty="0">
-                        <a:effectLst/>
-                        <a:latin typeface="Arial" panose="020B0604020202020204" pitchFamily="34" charset="0"/>
-                        <a:ea typeface="Calibri" panose="020F0502020204030204" pitchFamily="34" charset="0"/>
-                        <a:cs typeface="Arial" panose="020B0604020202020204" pitchFamily="34" charset="0"/>
-                      </a:endParaRPr>
-                    </a:p>
-                  </a:txBody>
-                  <a:tcPr marL="49075" marR="49075" marT="0" marB="0" anchor="ctr"/>
-                </a:tc>
-                <a:tc>
-                  <a:txBody>
-                    <a:bodyPr/>
-                    <a:lstStyle/>
-                    <a:p>
-                      <a:pPr marL="0" indent="0" algn="ctr" defTabSz="914400" rtl="0" eaLnBrk="1" latinLnBrk="0" hangingPunct="1">
-                        <a:lnSpc>
-                          <a:spcPct val="150000"/>
-                        </a:lnSpc>
-                        <a:spcAft>
-                          <a:spcPts val="0"/>
-                        </a:spcAft>
-                      </a:pPr>
-                      <a:r>
-                        <a:rPr lang="ru-RU" sz="1600" kern="1200">
-                          <a:solidFill>
-                            <a:schemeClr val="tx1"/>
-                          </a:solidFill>
-                          <a:effectLst/>
-                          <a:latin typeface="Arial" panose="020B0604020202020204" pitchFamily="34" charset="0"/>
-                          <a:ea typeface="+mn-ea"/>
-                          <a:cs typeface="Arial" panose="020B0604020202020204" pitchFamily="34" charset="0"/>
-                        </a:rPr>
-                        <a:t>0</a:t>
-                      </a:r>
-                    </a:p>
-                  </a:txBody>
-                  <a:tcPr marL="49075" marR="49075" marT="0" marB="0" anchor="ctr"/>
-                </a:tc>
-                <a:tc>
-                  <a:txBody>
-                    <a:bodyPr/>
-                    <a:lstStyle/>
-                    <a:p>
-                      <a:pPr marL="0" indent="0" algn="ctr" defTabSz="914400" rtl="0" eaLnBrk="1" latinLnBrk="0" hangingPunct="1">
-                        <a:lnSpc>
-                          <a:spcPct val="150000"/>
-                        </a:lnSpc>
-                        <a:spcAft>
-                          <a:spcPts val="0"/>
-                        </a:spcAft>
-                      </a:pPr>
-                      <a:r>
-                        <a:rPr lang="ru-RU" sz="1600" kern="1200">
-                          <a:solidFill>
-                            <a:schemeClr val="tx1"/>
-                          </a:solidFill>
-                          <a:effectLst/>
-                          <a:latin typeface="Arial" panose="020B0604020202020204" pitchFamily="34" charset="0"/>
-                          <a:ea typeface="+mn-ea"/>
-                          <a:cs typeface="Arial" panose="020B0604020202020204" pitchFamily="34" charset="0"/>
-                        </a:rPr>
-                        <a:t>0</a:t>
-                      </a:r>
-                    </a:p>
-                  </a:txBody>
-                  <a:tcPr marL="49075" marR="49075" marT="0" marB="0" anchor="ctr"/>
-                </a:tc>
-                <a:tc>
-                  <a:txBody>
-                    <a:bodyPr/>
-                    <a:lstStyle/>
-                    <a:p>
-                      <a:pPr marL="0" indent="0" algn="ctr" defTabSz="914400" rtl="0" eaLnBrk="1" latinLnBrk="0" hangingPunct="1">
-                        <a:lnSpc>
-                          <a:spcPct val="150000"/>
-                        </a:lnSpc>
-                        <a:spcAft>
-                          <a:spcPts val="0"/>
-                        </a:spcAft>
-                      </a:pPr>
-                      <a:r>
-                        <a:rPr lang="ru-RU" sz="1600" kern="1200">
-                          <a:solidFill>
-                            <a:schemeClr val="tx1"/>
-                          </a:solidFill>
-                          <a:effectLst/>
-                          <a:latin typeface="Arial" panose="020B0604020202020204" pitchFamily="34" charset="0"/>
-                          <a:ea typeface="+mn-ea"/>
-                          <a:cs typeface="Arial" panose="020B0604020202020204" pitchFamily="34" charset="0"/>
-                        </a:rPr>
-                        <a:t>0</a:t>
-                      </a:r>
-                    </a:p>
-                  </a:txBody>
-                  <a:tcPr marL="49075" marR="49075" marT="0" marB="0" anchor="ctr"/>
-                </a:tc>
-                <a:tc>
-                  <a:txBody>
-                    <a:bodyPr/>
-                    <a:lstStyle/>
-                    <a:p>
-                      <a:pPr marL="0" indent="0" algn="ctr" defTabSz="914400" rtl="0" eaLnBrk="1" latinLnBrk="0" hangingPunct="1">
-                        <a:lnSpc>
-                          <a:spcPct val="150000"/>
-                        </a:lnSpc>
-                        <a:spcAft>
-                          <a:spcPts val="0"/>
-                        </a:spcAft>
-                      </a:pPr>
-                      <a:r>
-                        <a:rPr lang="ru-RU" sz="1600" kern="1200">
-                          <a:solidFill>
-                            <a:schemeClr val="tx1"/>
-                          </a:solidFill>
-                          <a:effectLst/>
-                          <a:latin typeface="Arial" panose="020B0604020202020204" pitchFamily="34" charset="0"/>
-                          <a:ea typeface="+mn-ea"/>
-                          <a:cs typeface="Arial" panose="020B0604020202020204" pitchFamily="34" charset="0"/>
-                        </a:rPr>
-                        <a:t>0</a:t>
-                      </a:r>
-                    </a:p>
-                  </a:txBody>
-                  <a:tcPr marL="49075" marR="49075" marT="0" marB="0" anchor="ctr"/>
-                </a:tc>
-                <a:tc>
-                  <a:txBody>
-                    <a:bodyPr/>
-                    <a:lstStyle/>
-                    <a:p>
-                      <a:pPr marL="0" indent="0" algn="ctr" defTabSz="914400" rtl="0" eaLnBrk="1" latinLnBrk="0" hangingPunct="1">
-                        <a:lnSpc>
-                          <a:spcPct val="150000"/>
-                        </a:lnSpc>
-                        <a:spcAft>
-                          <a:spcPts val="0"/>
-                        </a:spcAft>
-                      </a:pPr>
-                      <a:r>
-                        <a:rPr lang="ru-RU" sz="1600" kern="1200" dirty="0">
-                          <a:solidFill>
-                            <a:schemeClr val="tx1"/>
-                          </a:solidFill>
-                          <a:effectLst/>
-                          <a:latin typeface="Arial" panose="020B0604020202020204" pitchFamily="34" charset="0"/>
-                          <a:ea typeface="+mn-ea"/>
-                          <a:cs typeface="Arial" panose="020B0604020202020204" pitchFamily="34" charset="0"/>
-                        </a:rPr>
-                        <a:t>0</a:t>
-                      </a:r>
-                    </a:p>
-                  </a:txBody>
-                  <a:tcPr marL="49075" marR="49075" marT="0" marB="0" anchor="ctr"/>
-                </a:tc>
-                <a:tc>
-                  <a:txBody>
-                    <a:bodyPr/>
-                    <a:lstStyle/>
-                    <a:p>
-                      <a:pPr marL="0" indent="0" algn="ctr" defTabSz="914400" rtl="0" eaLnBrk="1" latinLnBrk="0" hangingPunct="1">
-                        <a:lnSpc>
-                          <a:spcPct val="150000"/>
-                        </a:lnSpc>
-                        <a:spcAft>
-                          <a:spcPts val="0"/>
-                        </a:spcAft>
-                      </a:pPr>
-                      <a:r>
-                        <a:rPr lang="ru-RU" sz="1600" kern="1200" dirty="0">
-                          <a:solidFill>
-                            <a:schemeClr val="tx1"/>
-                          </a:solidFill>
-                          <a:effectLst/>
-                          <a:latin typeface="Arial" panose="020B0604020202020204" pitchFamily="34" charset="0"/>
-                          <a:ea typeface="+mn-ea"/>
-                          <a:cs typeface="Arial" panose="020B0604020202020204" pitchFamily="34" charset="0"/>
-                        </a:rPr>
-                        <a:t>0</a:t>
-                      </a:r>
-                    </a:p>
-                  </a:txBody>
-                  <a:tcPr marL="49075" marR="49075" marT="0" marB="0" anchor="ctr"/>
-                </a:tc>
-                <a:extLst>
-                  <a:ext uri="{0D108BD9-81ED-4DB2-BD59-A6C34878D82A}">
-                    <a16:rowId xmlns:a16="http://schemas.microsoft.com/office/drawing/2014/main" val="3119244095"/>
-                  </a:ext>
-                </a:extLst>
-              </a:tr>
-              <a:tr h="520266">
-                <a:tc>
-                  <a:txBody>
-                    <a:bodyPr/>
-                    <a:lstStyle/>
-                    <a:p>
-                      <a:pPr marL="0" indent="185738" algn="l">
-                        <a:lnSpc>
-                          <a:spcPct val="150000"/>
-                        </a:lnSpc>
-                        <a:spcAft>
-                          <a:spcPts val="0"/>
-                        </a:spcAft>
-                      </a:pPr>
-                      <a:r>
-                        <a:rPr lang="ru-RU" sz="1400" dirty="0">
-                          <a:effectLst/>
-                          <a:latin typeface="Arial" panose="020B0604020202020204" pitchFamily="34" charset="0"/>
-                          <a:cs typeface="Arial" panose="020B0604020202020204" pitchFamily="34" charset="0"/>
-                        </a:rPr>
-                        <a:t>Итоговый результат:</a:t>
-                      </a:r>
-                      <a:endParaRPr lang="ru-RU" sz="1400" dirty="0">
-                        <a:effectLst/>
-                        <a:latin typeface="Arial" panose="020B0604020202020204" pitchFamily="34" charset="0"/>
-                        <a:ea typeface="Calibri" panose="020F0502020204030204" pitchFamily="34" charset="0"/>
-                        <a:cs typeface="Arial" panose="020B0604020202020204" pitchFamily="34" charset="0"/>
-                      </a:endParaRPr>
-                    </a:p>
-                  </a:txBody>
-                  <a:tcPr marL="49075" marR="49075" marT="0" marB="0" anchor="ctr"/>
-                </a:tc>
-                <a:tc>
-                  <a:txBody>
-                    <a:bodyPr/>
-                    <a:lstStyle/>
-                    <a:p>
-                      <a:pPr marL="0" indent="0" algn="ctr" defTabSz="914400" rtl="0" eaLnBrk="1" latinLnBrk="0" hangingPunct="1">
-                        <a:lnSpc>
-                          <a:spcPct val="150000"/>
-                        </a:lnSpc>
-                        <a:spcAft>
-                          <a:spcPts val="0"/>
-                        </a:spcAft>
-                      </a:pPr>
-                      <a:r>
-                        <a:rPr lang="ru-RU" sz="1600" kern="1200">
-                          <a:solidFill>
-                            <a:schemeClr val="tx1"/>
-                          </a:solidFill>
-                          <a:effectLst/>
-                          <a:latin typeface="Arial" panose="020B0604020202020204" pitchFamily="34" charset="0"/>
-                          <a:ea typeface="+mn-ea"/>
-                          <a:cs typeface="Arial" panose="020B0604020202020204" pitchFamily="34" charset="0"/>
-                        </a:rPr>
-                        <a:t>4</a:t>
-                      </a:r>
-                    </a:p>
-                  </a:txBody>
-                  <a:tcPr marL="49075" marR="49075" marT="0" marB="0" anchor="ctr"/>
-                </a:tc>
-                <a:tc>
-                  <a:txBody>
-                    <a:bodyPr/>
-                    <a:lstStyle/>
-                    <a:p>
-                      <a:pPr marL="0" indent="0" algn="ctr" defTabSz="914400" rtl="0" eaLnBrk="1" latinLnBrk="0" hangingPunct="1">
-                        <a:lnSpc>
-                          <a:spcPct val="150000"/>
-                        </a:lnSpc>
-                        <a:spcAft>
-                          <a:spcPts val="0"/>
-                        </a:spcAft>
-                      </a:pPr>
-                      <a:r>
-                        <a:rPr lang="ru-RU" sz="1600" kern="1200">
-                          <a:solidFill>
-                            <a:schemeClr val="tx1"/>
-                          </a:solidFill>
-                          <a:effectLst/>
-                          <a:latin typeface="Arial" panose="020B0604020202020204" pitchFamily="34" charset="0"/>
-                          <a:ea typeface="+mn-ea"/>
-                          <a:cs typeface="Arial" panose="020B0604020202020204" pitchFamily="34" charset="0"/>
-                        </a:rPr>
-                        <a:t>3</a:t>
-                      </a:r>
-                    </a:p>
-                  </a:txBody>
-                  <a:tcPr marL="49075" marR="49075" marT="0" marB="0" anchor="ctr"/>
-                </a:tc>
-                <a:tc>
-                  <a:txBody>
-                    <a:bodyPr/>
-                    <a:lstStyle/>
-                    <a:p>
-                      <a:pPr marL="0" indent="0" algn="ctr" defTabSz="914400" rtl="0" eaLnBrk="1" latinLnBrk="0" hangingPunct="1">
-                        <a:lnSpc>
-                          <a:spcPct val="150000"/>
-                        </a:lnSpc>
-                        <a:spcAft>
-                          <a:spcPts val="0"/>
-                        </a:spcAft>
-                      </a:pPr>
-                      <a:r>
-                        <a:rPr lang="ru-RU" sz="1600" kern="1200">
-                          <a:solidFill>
-                            <a:schemeClr val="tx1"/>
-                          </a:solidFill>
-                          <a:effectLst/>
-                          <a:latin typeface="Arial" panose="020B0604020202020204" pitchFamily="34" charset="0"/>
-                          <a:ea typeface="+mn-ea"/>
-                          <a:cs typeface="Arial" panose="020B0604020202020204" pitchFamily="34" charset="0"/>
-                        </a:rPr>
-                        <a:t>4</a:t>
-                      </a:r>
-                    </a:p>
-                  </a:txBody>
-                  <a:tcPr marL="49075" marR="49075" marT="0" marB="0" anchor="ctr"/>
-                </a:tc>
-                <a:tc>
-                  <a:txBody>
-                    <a:bodyPr/>
-                    <a:lstStyle/>
-                    <a:p>
-                      <a:pPr marL="0" indent="0" algn="ctr" defTabSz="914400" rtl="0" eaLnBrk="1" latinLnBrk="0" hangingPunct="1">
-                        <a:lnSpc>
-                          <a:spcPct val="150000"/>
-                        </a:lnSpc>
-                        <a:spcAft>
-                          <a:spcPts val="0"/>
-                        </a:spcAft>
-                      </a:pPr>
-                      <a:r>
-                        <a:rPr lang="ru-RU" sz="1600" kern="1200">
-                          <a:solidFill>
-                            <a:schemeClr val="tx1"/>
-                          </a:solidFill>
-                          <a:effectLst/>
-                          <a:latin typeface="Arial" panose="020B0604020202020204" pitchFamily="34" charset="0"/>
-                          <a:ea typeface="+mn-ea"/>
-                          <a:cs typeface="Arial" panose="020B0604020202020204" pitchFamily="34" charset="0"/>
-                        </a:rPr>
-                        <a:t>3</a:t>
-                      </a:r>
-                    </a:p>
-                  </a:txBody>
-                  <a:tcPr marL="49075" marR="49075" marT="0" marB="0" anchor="ctr"/>
-                </a:tc>
-                <a:tc>
-                  <a:txBody>
-                    <a:bodyPr/>
-                    <a:lstStyle/>
-                    <a:p>
-                      <a:pPr marL="0" indent="0" algn="ctr" defTabSz="914400" rtl="0" eaLnBrk="1" latinLnBrk="0" hangingPunct="1">
-                        <a:lnSpc>
-                          <a:spcPct val="150000"/>
-                        </a:lnSpc>
-                        <a:spcAft>
-                          <a:spcPts val="0"/>
-                        </a:spcAft>
-                      </a:pPr>
-                      <a:r>
-                        <a:rPr lang="ru-RU" sz="1600" kern="1200">
-                          <a:solidFill>
-                            <a:schemeClr val="tx1"/>
-                          </a:solidFill>
-                          <a:effectLst/>
-                          <a:latin typeface="Arial" panose="020B0604020202020204" pitchFamily="34" charset="0"/>
-                          <a:ea typeface="+mn-ea"/>
-                          <a:cs typeface="Arial" panose="020B0604020202020204" pitchFamily="34" charset="0"/>
-                        </a:rPr>
-                        <a:t>4</a:t>
-                      </a:r>
-                    </a:p>
-                  </a:txBody>
-                  <a:tcPr marL="49075" marR="49075" marT="0" marB="0" anchor="ctr"/>
-                </a:tc>
-                <a:tc>
-                  <a:txBody>
-                    <a:bodyPr/>
-                    <a:lstStyle/>
-                    <a:p>
-                      <a:pPr marL="0" indent="0" algn="ctr" defTabSz="914400" rtl="0" eaLnBrk="1" latinLnBrk="0" hangingPunct="1">
-                        <a:lnSpc>
-                          <a:spcPct val="150000"/>
-                        </a:lnSpc>
-                        <a:spcAft>
-                          <a:spcPts val="0"/>
-                        </a:spcAft>
-                      </a:pPr>
-                      <a:r>
-                        <a:rPr lang="ru-RU" sz="1600" kern="1200" dirty="0">
-                          <a:solidFill>
-                            <a:schemeClr val="tx1"/>
-                          </a:solidFill>
-                          <a:effectLst/>
-                          <a:latin typeface="Arial" panose="020B0604020202020204" pitchFamily="34" charset="0"/>
-                          <a:ea typeface="+mn-ea"/>
-                          <a:cs typeface="Arial" panose="020B0604020202020204" pitchFamily="34" charset="0"/>
-                        </a:rPr>
-                        <a:t>7</a:t>
-                      </a:r>
-                    </a:p>
-                  </a:txBody>
-                  <a:tcPr marL="49075" marR="49075" marT="0" marB="0" anchor="ctr"/>
-                </a:tc>
-                <a:extLst>
-                  <a:ext uri="{0D108BD9-81ED-4DB2-BD59-A6C34878D82A}">
-                    <a16:rowId xmlns:a16="http://schemas.microsoft.com/office/drawing/2014/main" val="1864999871"/>
-                  </a:ext>
-                </a:extLst>
-              </a:tr>
-            </a:tbl>
-          </a:graphicData>
-        </a:graphic>
-      </p:graphicFrame>
-      <p:sp>
-        <p:nvSpPr>
-          <p:cNvPr id="3" name="Номер слайда 2"/>
-          <p:cNvSpPr>
-            <a:spLocks noGrp="1"/>
-          </p:cNvSpPr>
-          <p:nvPr>
-            <p:ph type="sldNum" sz="quarter" idx="12"/>
-          </p:nvPr>
-        </p:nvSpPr>
-        <p:spPr/>
-        <p:txBody>
-          <a:bodyPr/>
-          <a:lstStyle/>
-          <a:p>
-            <a:fld id="{AAAC123C-EF72-4040-95C0-D263971896EB}" type="slidenum">
-              <a:rPr lang="ru-RU" smtClean="0"/>
-              <a:t>20</a:t>
-            </a:fld>
-            <a:endParaRPr lang="ru-RU"/>
-          </a:p>
-        </p:txBody>
-      </p:sp>
-    </p:spTree>
-    <p:extLst>
-      <p:ext uri="{BB962C8B-B14F-4D97-AF65-F5344CB8AC3E}">
-        <p14:creationId xmlns:p14="http://schemas.microsoft.com/office/powerpoint/2010/main" val="984461586"/>
-      </p:ext>
-    </p:extLst>
-  </p:cSld>
-  <p:clrMapOvr>
-    <a:masterClrMapping/>
-  </p:clrMapOvr>
+  <p:timing>
+    <p:tnLst>
+      <p:par>
+        <p:cTn id="1" dur="indefinite" restart="never" nodeType="tmRoot"/>
+      </p:par>
+    </p:tnLst>
+  </p:timing>
 </p:sld>
 </file>
 
@@ -7696,146 +3968,6 @@
             <a:spLocks noGrp="1"/>
           </p:cNvSpPr>
           <p:nvPr>
-            <p:ph type="ctrTitle"/>
-          </p:nvPr>
-        </p:nvSpPr>
-        <p:spPr/>
-        <p:txBody>
-          <a:bodyPr/>
-          <a:lstStyle/>
-          <a:p>
-            <a:endParaRPr lang="ru-RU" dirty="0"/>
-          </a:p>
-        </p:txBody>
-      </p:sp>
-    </p:spTree>
-    <p:extLst>
-      <p:ext uri="{BB962C8B-B14F-4D97-AF65-F5344CB8AC3E}">
-        <p14:creationId xmlns:p14="http://schemas.microsoft.com/office/powerpoint/2010/main" val="692364218"/>
-      </p:ext>
-    </p:extLst>
-  </p:cSld>
-  <p:clrMapOvr>
-    <a:masterClrMapping/>
-  </p:clrMapOvr>
-</p:sld>
-</file>
-
-<file path=ppt/slides/slide4.xml><?xml version="1.0" encoding="utf-8"?>
-<p:sld xmlns:a="http://schemas.openxmlformats.org/drawingml/2006/main" xmlns:r="http://schemas.openxmlformats.org/officeDocument/2006/relationships" xmlns:p="http://schemas.openxmlformats.org/presentationml/2006/main">
-  <p:cSld>
-    <p:spTree>
-      <p:nvGrpSpPr>
-        <p:cNvPr id="1" name=""/>
-        <p:cNvGrpSpPr/>
-        <p:nvPr/>
-      </p:nvGrpSpPr>
-      <p:grpSpPr>
-        <a:xfrm>
-          <a:off x="0" y="0"/>
-          <a:ext cx="0" cy="0"/>
-          <a:chOff x="0" y="0"/>
-          <a:chExt cx="0" cy="0"/>
-        </a:xfrm>
-      </p:grpSpPr>
-      <p:sp>
-        <p:nvSpPr>
-          <p:cNvPr id="2" name="Заголовок 1"/>
-          <p:cNvSpPr>
-            <a:spLocks noGrp="1"/>
-          </p:cNvSpPr>
-          <p:nvPr>
-            <p:ph type="title"/>
-          </p:nvPr>
-        </p:nvSpPr>
-        <p:spPr/>
-        <p:txBody>
-          <a:bodyPr/>
-          <a:lstStyle/>
-          <a:p>
-            <a:endParaRPr lang="ru-RU"/>
-          </a:p>
-        </p:txBody>
-      </p:sp>
-      <p:sp>
-        <p:nvSpPr>
-          <p:cNvPr id="3" name="Объект 2"/>
-          <p:cNvSpPr>
-            <a:spLocks noGrp="1"/>
-          </p:cNvSpPr>
-          <p:nvPr>
-            <p:ph idx="1"/>
-          </p:nvPr>
-        </p:nvSpPr>
-        <p:spPr/>
-        <p:txBody>
-          <a:bodyPr/>
-          <a:lstStyle/>
-          <a:p>
-            <a:endParaRPr lang="ru-RU"/>
-          </a:p>
-        </p:txBody>
-      </p:sp>
-      <p:sp>
-        <p:nvSpPr>
-          <p:cNvPr id="4" name="Номер слайда 3"/>
-          <p:cNvSpPr>
-            <a:spLocks noGrp="1"/>
-          </p:cNvSpPr>
-          <p:nvPr>
-            <p:ph type="sldNum" sz="quarter" idx="12"/>
-          </p:nvPr>
-        </p:nvSpPr>
-        <p:spPr/>
-        <p:txBody>
-          <a:bodyPr/>
-          <a:lstStyle/>
-          <a:p>
-            <a:fld id="{AAAC123C-EF72-4040-95C0-D263971896EB}" type="slidenum">
-              <a:rPr lang="ru-RU" smtClean="0"/>
-              <a:t>4</a:t>
-            </a:fld>
-            <a:endParaRPr lang="ru-RU"/>
-          </a:p>
-        </p:txBody>
-      </p:sp>
-    </p:spTree>
-    <p:extLst>
-      <p:ext uri="{BB962C8B-B14F-4D97-AF65-F5344CB8AC3E}">
-        <p14:creationId xmlns:p14="http://schemas.microsoft.com/office/powerpoint/2010/main" val="3360519098"/>
-      </p:ext>
-    </p:extLst>
-  </p:cSld>
-  <p:clrMapOvr>
-    <a:masterClrMapping/>
-  </p:clrMapOvr>
-</p:sld>
-</file>
-
-<file path=ppt/slides/slide5.xml><?xml version="1.0" encoding="utf-8"?>
-<p:sld xmlns:a="http://schemas.openxmlformats.org/drawingml/2006/main" xmlns:r="http://schemas.openxmlformats.org/officeDocument/2006/relationships" xmlns:p="http://schemas.openxmlformats.org/presentationml/2006/main">
-  <p:cSld>
-    <p:spTree>
-      <p:nvGrpSpPr>
-        <p:cNvPr id="1" name=""/>
-        <p:cNvGrpSpPr/>
-        <p:nvPr/>
-      </p:nvGrpSpPr>
-      <p:grpSpPr>
-        <a:xfrm>
-          <a:off x="0" y="0"/>
-          <a:ext cx="0" cy="0"/>
-          <a:chOff x="0" y="0"/>
-          <a:chExt cx="0" cy="0"/>
-        </a:xfrm>
-      </p:grpSpPr>
-      <p:sp>
-        <p:nvSpPr>
-          <p:cNvPr id="2" name="Заголовок 1"/>
-          <p:cNvSpPr>
-            <a:spLocks noGrp="1"/>
-          </p:cNvSpPr>
-          <p:nvPr>
             <p:ph type="title"/>
           </p:nvPr>
         </p:nvSpPr>
@@ -7854,7 +3986,7 @@
                 <a:latin typeface="Arial" panose="020B0604020202020204" pitchFamily="34" charset="0"/>
                 <a:cs typeface="Arial" panose="020B0604020202020204" pitchFamily="34" charset="0"/>
               </a:rPr>
-              <a:t>Цель, задачи, актуальность</a:t>
+              <a:t>Метода анализа иерархий</a:t>
             </a:r>
             <a:endParaRPr lang="ru-RU" dirty="0">
               <a:latin typeface="Arial" panose="020B0604020202020204" pitchFamily="34" charset="0"/>
@@ -7865,175 +3997,64 @@
       </p:sp>
       <p:sp>
         <p:nvSpPr>
-          <p:cNvPr id="3" name="Объект 2"/>
-          <p:cNvSpPr>
-            <a:spLocks noGrp="1"/>
-          </p:cNvSpPr>
-          <p:nvPr>
-            <p:ph idx="1"/>
-          </p:nvPr>
-        </p:nvSpPr>
-        <p:spPr>
-          <a:xfrm>
-            <a:off x="838200" y="1234440"/>
-            <a:ext cx="10515600" cy="5417820"/>
-          </a:xfrm>
-        </p:spPr>
+          <p:cNvPr id="4" name="Номер слайда 3"/>
+          <p:cNvSpPr>
+            <a:spLocks noGrp="1"/>
+          </p:cNvSpPr>
+          <p:nvPr>
+            <p:ph type="sldNum" sz="quarter" idx="12"/>
+          </p:nvPr>
+        </p:nvSpPr>
+        <p:spPr/>
         <p:txBody>
           <a:bodyPr/>
           <a:lstStyle/>
           <a:p>
-            <a:endParaRPr lang="ru-RU" dirty="0">
-              <a:latin typeface="Arial" panose="020B0604020202020204" pitchFamily="34" charset="0"/>
-              <a:cs typeface="Arial" panose="020B0604020202020204" pitchFamily="34" charset="0"/>
-            </a:endParaRPr>
-          </a:p>
-        </p:txBody>
-      </p:sp>
-      <p:sp>
-        <p:nvSpPr>
-          <p:cNvPr id="5" name="Номер слайда 4"/>
-          <p:cNvSpPr>
-            <a:spLocks noGrp="1"/>
-          </p:cNvSpPr>
-          <p:nvPr>
-            <p:ph type="sldNum" sz="quarter" idx="12"/>
-          </p:nvPr>
-        </p:nvSpPr>
-        <p:spPr/>
-        <p:txBody>
-          <a:bodyPr/>
-          <a:lstStyle/>
-          <a:p>
             <a:fld id="{AAAC123C-EF72-4040-95C0-D263971896EB}" type="slidenum">
               <a:rPr lang="ru-RU" smtClean="0"/>
-              <a:t>5</a:t>
+              <a:t>3</a:t>
             </a:fld>
             <a:endParaRPr lang="ru-RU"/>
           </a:p>
         </p:txBody>
       </p:sp>
-    </p:spTree>
-    <p:extLst>
-      <p:ext uri="{BB962C8B-B14F-4D97-AF65-F5344CB8AC3E}">
-        <p14:creationId xmlns:p14="http://schemas.microsoft.com/office/powerpoint/2010/main" val="2435519582"/>
-      </p:ext>
-    </p:extLst>
-  </p:cSld>
-  <p:clrMapOvr>
-    <a:masterClrMapping/>
-  </p:clrMapOvr>
-  <p:timing>
-    <p:tnLst>
-      <p:par>
-        <p:cTn id="1" dur="indefinite" restart="never" nodeType="tmRoot"/>
-      </p:par>
-    </p:tnLst>
-  </p:timing>
-</p:sld>
-</file>
-
-<file path=ppt/slides/slide6.xml><?xml version="1.0" encoding="utf-8"?>
-<p:sld xmlns:a="http://schemas.openxmlformats.org/drawingml/2006/main" xmlns:r="http://schemas.openxmlformats.org/officeDocument/2006/relationships" xmlns:p="http://schemas.openxmlformats.org/presentationml/2006/main">
-  <p:cSld>
-    <p:spTree>
-      <p:nvGrpSpPr>
-        <p:cNvPr id="1" name=""/>
-        <p:cNvGrpSpPr/>
-        <p:nvPr/>
-      </p:nvGrpSpPr>
-      <p:grpSpPr>
-        <a:xfrm>
-          <a:off x="0" y="0"/>
-          <a:ext cx="0" cy="0"/>
-          <a:chOff x="0" y="0"/>
-          <a:chExt cx="0" cy="0"/>
-        </a:xfrm>
-      </p:grpSpPr>
-      <p:sp>
-        <p:nvSpPr>
-          <p:cNvPr id="2" name="Заголовок 1"/>
-          <p:cNvSpPr>
-            <a:spLocks noGrp="1"/>
-          </p:cNvSpPr>
-          <p:nvPr>
-            <p:ph type="title"/>
-          </p:nvPr>
-        </p:nvSpPr>
-        <p:spPr>
+      <p:pic>
+        <p:nvPicPr>
+          <p:cNvPr id="5" name="Объект 4" descr="https://upload.wikimedia.org/wikipedia/commons/thumb/1/16/AHPHierarchy1Russian.png/400px-AHPHierarchy1Russian.png"/>
+          <p:cNvPicPr>
+            <a:picLocks noGrp="1"/>
+          </p:cNvPicPr>
+          <p:nvPr>
+            <p:ph idx="1"/>
+          </p:nvPr>
+        </p:nvPicPr>
+        <p:blipFill>
+          <a:blip r:embed="rId2">
+            <a:extLst>
+              <a:ext uri="{28A0092B-C50C-407E-A947-70E740481C1C}">
+                <a14:useLocalDpi xmlns:a14="http://schemas.microsoft.com/office/drawing/2010/main" val="0"/>
+              </a:ext>
+            </a:extLst>
+          </a:blip>
+          <a:srcRect/>
+          <a:stretch>
+            <a:fillRect/>
+          </a:stretch>
+        </p:blipFill>
+        <p:spPr bwMode="auto">
           <a:xfrm>
-            <a:off x="838200" y="365125"/>
-            <a:ext cx="10683240" cy="869315"/>
+            <a:off x="2286000" y="1484471"/>
+            <a:ext cx="8072438" cy="5114925"/>
           </a:xfrm>
+          <a:prstGeom prst="rect">
+            <a:avLst/>
+          </a:prstGeom>
+          <a:noFill/>
+          <a:ln>
+            <a:noFill/>
+          </a:ln>
         </p:spPr>
-        <p:txBody>
-          <a:bodyPr/>
-          <a:lstStyle/>
-          <a:p>
-            <a:r>
-              <a:rPr lang="ru-RU" dirty="0" smtClean="0">
-                <a:latin typeface="Arial" panose="020B0604020202020204" pitchFamily="34" charset="0"/>
-                <a:cs typeface="Arial" panose="020B0604020202020204" pitchFamily="34" charset="0"/>
-              </a:rPr>
-              <a:t>Метода анализа иерархий</a:t>
-            </a:r>
-            <a:endParaRPr lang="ru-RU" dirty="0">
-              <a:latin typeface="Arial" panose="020B0604020202020204" pitchFamily="34" charset="0"/>
-              <a:cs typeface="Arial" panose="020B0604020202020204" pitchFamily="34" charset="0"/>
-            </a:endParaRPr>
-          </a:p>
-        </p:txBody>
-      </p:sp>
-      <p:sp>
-        <p:nvSpPr>
-          <p:cNvPr id="3" name="Объект 2"/>
-          <p:cNvSpPr>
-            <a:spLocks noGrp="1"/>
-          </p:cNvSpPr>
-          <p:nvPr>
-            <p:ph idx="1"/>
-          </p:nvPr>
-        </p:nvSpPr>
-        <p:spPr>
-          <a:xfrm>
-            <a:off x="838200" y="1234440"/>
-            <a:ext cx="10515600" cy="5417820"/>
-          </a:xfrm>
-        </p:spPr>
-        <p:txBody>
-          <a:bodyPr/>
-          <a:lstStyle/>
-          <a:p>
-            <a:endParaRPr lang="ru-RU" dirty="0">
-              <a:latin typeface="Arial" panose="020B0604020202020204" pitchFamily="34" charset="0"/>
-              <a:cs typeface="Arial" panose="020B0604020202020204" pitchFamily="34" charset="0"/>
-            </a:endParaRPr>
-          </a:p>
-        </p:txBody>
-      </p:sp>
-      <p:sp>
-        <p:nvSpPr>
-          <p:cNvPr id="4" name="Номер слайда 3"/>
-          <p:cNvSpPr>
-            <a:spLocks noGrp="1"/>
-          </p:cNvSpPr>
-          <p:nvPr>
-            <p:ph type="sldNum" sz="quarter" idx="12"/>
-          </p:nvPr>
-        </p:nvSpPr>
-        <p:spPr/>
-        <p:txBody>
-          <a:bodyPr/>
-          <a:lstStyle/>
-          <a:p>
-            <a:fld id="{AAAC123C-EF72-4040-95C0-D263971896EB}" type="slidenum">
-              <a:rPr lang="ru-RU" smtClean="0"/>
-              <a:t>6</a:t>
-            </a:fld>
-            <a:endParaRPr lang="ru-RU"/>
-          </a:p>
-        </p:txBody>
-      </p:sp>
+      </p:pic>
     </p:spTree>
     <p:extLst>
       <p:ext uri="{BB962C8B-B14F-4D97-AF65-F5344CB8AC3E}">
@@ -8054,7 +4075,7 @@
 </p:sld>
 </file>
 
-<file path=ppt/slides/slide7.xml><?xml version="1.0" encoding="utf-8"?>
+<file path=ppt/slides/slide4.xml><?xml version="1.0" encoding="utf-8"?>
 <p:sld xmlns:a="http://schemas.openxmlformats.org/drawingml/2006/main" xmlns:r="http://schemas.openxmlformats.org/officeDocument/2006/relationships" xmlns:p="http://schemas.openxmlformats.org/presentationml/2006/main">
   <p:cSld>
     <p:spTree>
@@ -10617,7 +6638,7 @@
           <a:p>
             <a:fld id="{AAAC123C-EF72-4040-95C0-D263971896EB}" type="slidenum">
               <a:rPr lang="ru-RU" smtClean="0"/>
-              <a:t>7</a:t>
+              <a:t>4</a:t>
             </a:fld>
             <a:endParaRPr lang="ru-RU"/>
           </a:p>
@@ -10643,7 +6664,7 @@
 </p:sld>
 </file>
 
-<file path=ppt/slides/slide8.xml><?xml version="1.0" encoding="utf-8"?>
+<file path=ppt/slides/slide5.xml><?xml version="1.0" encoding="utf-8"?>
 <p:sld xmlns:a="http://schemas.openxmlformats.org/drawingml/2006/main" xmlns:r="http://schemas.openxmlformats.org/officeDocument/2006/relationships" xmlns:p="http://schemas.openxmlformats.org/presentationml/2006/main">
   <p:cSld>
     <p:spTree>
@@ -10711,8 +6732,61 @@
           </a:xfrm>
         </p:spPr>
         <p:txBody>
-          <a:bodyPr/>
+          <a:bodyPr>
+            <a:normAutofit/>
+          </a:bodyPr>
           <a:lstStyle/>
+          <a:p>
+            <a:r>
+              <a:rPr lang="ru-RU" dirty="0" smtClean="0"/>
+              <a:t>- </a:t>
+            </a:r>
+            <a:r>
+              <a:rPr lang="ru-RU" dirty="0"/>
+              <a:t>кроссплатформенность;</a:t>
+            </a:r>
+          </a:p>
+          <a:p>
+            <a:r>
+              <a:rPr lang="ru-RU" dirty="0"/>
+              <a:t>- графический интерфейс пользователя;</a:t>
+            </a:r>
+          </a:p>
+          <a:p>
+            <a:r>
+              <a:rPr lang="ru-RU" dirty="0"/>
+              <a:t>- наличие базы данных, в которой бы хранились данные опросов, экспертов, критериев, альтернатив;</a:t>
+            </a:r>
+          </a:p>
+          <a:p>
+            <a:r>
+              <a:rPr lang="ru-RU" dirty="0"/>
+              <a:t>- возможность управления этой базой (добавление, изменение, удаление);</a:t>
+            </a:r>
+          </a:p>
+          <a:p>
+            <a:r>
+              <a:rPr lang="ru-RU" dirty="0"/>
+              <a:t>- определение согласованности и компетентности экспертов;</a:t>
+            </a:r>
+          </a:p>
+          <a:p>
+            <a:r>
+              <a:rPr lang="ru-RU" dirty="0"/>
+              <a:t>- возможность экспорта данных в другие форматы;</a:t>
+            </a:r>
+          </a:p>
+          <a:p>
+            <a:r>
+              <a:rPr lang="ru-RU" dirty="0"/>
+              <a:t>- интерфейс на русском </a:t>
+            </a:r>
+            <a:r>
+              <a:rPr lang="ru-RU" dirty="0" smtClean="0"/>
+              <a:t>языке.</a:t>
+            </a:r>
+            <a:endParaRPr lang="ru-RU" dirty="0"/>
+          </a:p>
           <a:p>
             <a:endParaRPr lang="ru-RU" dirty="0">
               <a:latin typeface="Arial" panose="020B0604020202020204" pitchFamily="34" charset="0"/>
@@ -10738,7 +6812,7 @@
           <a:p>
             <a:fld id="{AAAC123C-EF72-4040-95C0-D263971896EB}" type="slidenum">
               <a:rPr lang="ru-RU" smtClean="0"/>
-              <a:t>8</a:t>
+              <a:t>5</a:t>
             </a:fld>
             <a:endParaRPr lang="ru-RU"/>
           </a:p>
@@ -10764,6 +6838,1335 @@
 </p:sld>
 </file>
 
+<file path=ppt/slides/slide6.xml><?xml version="1.0" encoding="utf-8"?>
+<p:sld xmlns:a="http://schemas.openxmlformats.org/drawingml/2006/main" xmlns:r="http://schemas.openxmlformats.org/officeDocument/2006/relationships" xmlns:p="http://schemas.openxmlformats.org/presentationml/2006/main">
+  <p:cSld>
+    <p:spTree>
+      <p:nvGrpSpPr>
+        <p:cNvPr id="1" name=""/>
+        <p:cNvGrpSpPr/>
+        <p:nvPr/>
+      </p:nvGrpSpPr>
+      <p:grpSpPr>
+        <a:xfrm>
+          <a:off x="0" y="0"/>
+          <a:ext cx="0" cy="0"/>
+          <a:chOff x="0" y="0"/>
+          <a:chExt cx="0" cy="0"/>
+        </a:xfrm>
+      </p:grpSpPr>
+      <p:sp>
+        <p:nvSpPr>
+          <p:cNvPr id="2" name="Заголовок 1"/>
+          <p:cNvSpPr>
+            <a:spLocks noGrp="1"/>
+          </p:cNvSpPr>
+          <p:nvPr>
+            <p:ph type="title"/>
+          </p:nvPr>
+        </p:nvSpPr>
+        <p:spPr>
+          <a:xfrm>
+            <a:off x="838200" y="365125"/>
+            <a:ext cx="10683240" cy="869315"/>
+          </a:xfrm>
+        </p:spPr>
+        <p:txBody>
+          <a:bodyPr/>
+          <a:lstStyle/>
+          <a:p>
+            <a:r>
+              <a:rPr lang="ru-RU" dirty="0" smtClean="0">
+                <a:latin typeface="Arial" panose="020B0604020202020204" pitchFamily="34" charset="0"/>
+                <a:cs typeface="Arial" panose="020B0604020202020204" pitchFamily="34" charset="0"/>
+              </a:rPr>
+              <a:t>Алгоритм программы</a:t>
+            </a:r>
+            <a:endParaRPr lang="ru-RU" dirty="0">
+              <a:latin typeface="Arial" panose="020B0604020202020204" pitchFamily="34" charset="0"/>
+              <a:cs typeface="Arial" panose="020B0604020202020204" pitchFamily="34" charset="0"/>
+            </a:endParaRPr>
+          </a:p>
+        </p:txBody>
+      </p:sp>
+      <p:sp>
+        <p:nvSpPr>
+          <p:cNvPr id="5" name="Номер слайда 4"/>
+          <p:cNvSpPr>
+            <a:spLocks noGrp="1"/>
+          </p:cNvSpPr>
+          <p:nvPr>
+            <p:ph type="sldNum" sz="quarter" idx="12"/>
+          </p:nvPr>
+        </p:nvSpPr>
+        <p:spPr/>
+        <p:txBody>
+          <a:bodyPr/>
+          <a:lstStyle/>
+          <a:p>
+            <a:fld id="{AAAC123C-EF72-4040-95C0-D263971896EB}" type="slidenum">
+              <a:rPr lang="ru-RU" smtClean="0"/>
+              <a:t>6</a:t>
+            </a:fld>
+            <a:endParaRPr lang="ru-RU"/>
+          </a:p>
+        </p:txBody>
+      </p:sp>
+      <p:sp>
+        <p:nvSpPr>
+          <p:cNvPr id="4" name="Rectangle 2"/>
+          <p:cNvSpPr>
+            <a:spLocks noChangeArrowheads="1"/>
+          </p:cNvSpPr>
+          <p:nvPr/>
+        </p:nvSpPr>
+        <p:spPr bwMode="auto">
+          <a:xfrm flipV="1">
+            <a:off x="7565897" y="-2015595"/>
+            <a:ext cx="5798486" cy="45719"/>
+          </a:xfrm>
+          <a:prstGeom prst="rect">
+            <a:avLst/>
+          </a:prstGeom>
+          <a:noFill/>
+          <a:ln>
+            <a:noFill/>
+          </a:ln>
+          <a:effectLst/>
+          <a:extLst>
+            <a:ext uri="{909E8E84-426E-40DD-AFC4-6F175D3DCCD1}">
+              <a14:hiddenFill xmlns:a14="http://schemas.microsoft.com/office/drawing/2010/main">
+                <a:solidFill>
+                  <a:schemeClr val="accent1"/>
+                </a:solidFill>
+              </a14:hiddenFill>
+            </a:ext>
+            <a:ext uri="{91240B29-F687-4F45-9708-019B960494DF}">
+              <a14:hiddenLine xmlns:a14="http://schemas.microsoft.com/office/drawing/2010/main" w="9525">
+                <a:solidFill>
+                  <a:schemeClr val="tx1"/>
+                </a:solidFill>
+                <a:miter lim="800000"/>
+                <a:headEnd/>
+                <a:tailEnd/>
+              </a14:hiddenLine>
+            </a:ext>
+            <a:ext uri="{AF507438-7753-43E0-B8FC-AC1667EBCBE1}">
+              <a14:hiddenEffects xmlns:a14="http://schemas.microsoft.com/office/drawing/2010/main">
+                <a:effectLst>
+                  <a:outerShdw dist="35921" dir="2700000" algn="ctr" rotWithShape="0">
+                    <a:schemeClr val="bg2"/>
+                  </a:outerShdw>
+                </a:effectLst>
+              </a14:hiddenEffects>
+            </a:ext>
+          </a:extLst>
+        </p:spPr>
+        <p:txBody>
+          <a:bodyPr vert="horz" wrap="square" lIns="91440" tIns="45720" rIns="91440" bIns="45720" numCol="1" anchor="ctr" anchorCtr="0" compatLnSpc="1">
+            <a:prstTxWarp prst="textNoShape">
+              <a:avLst/>
+            </a:prstTxWarp>
+            <a:spAutoFit/>
+          </a:bodyPr>
+          <a:lstStyle/>
+          <a:p>
+            <a:endParaRPr lang="ru-RU"/>
+          </a:p>
+        </p:txBody>
+      </p:sp>
+      <p:graphicFrame>
+        <p:nvGraphicFramePr>
+          <p:cNvPr id="6" name="Объект 5"/>
+          <p:cNvGraphicFramePr>
+            <a:graphicFrameLocks noChangeAspect="1"/>
+          </p:cNvGraphicFramePr>
+          <p:nvPr>
+            <p:extLst>
+              <p:ext uri="{D42A27DB-BD31-4B8C-83A1-F6EECF244321}">
+                <p14:modId xmlns:p14="http://schemas.microsoft.com/office/powerpoint/2010/main" val="2455111575"/>
+              </p:ext>
+            </p:extLst>
+          </p:nvPr>
+        </p:nvGraphicFramePr>
+        <p:xfrm>
+          <a:off x="7565897" y="250825"/>
+          <a:ext cx="1330289" cy="5934607"/>
+        </p:xfrm>
+        <a:graphic>
+          <a:graphicData uri="http://schemas.openxmlformats.org/presentationml/2006/ole">
+            <mc:AlternateContent xmlns:mc="http://schemas.openxmlformats.org/markup-compatibility/2006">
+              <mc:Choice xmlns:v="urn:schemas-microsoft-com:vml" Requires="v">
+                <p:oleObj spid="_x0000_s1027" name="Visio" r:id="rId3" imgW="1190672" imgH="5276799" progId="Visio.Drawing.15">
+                  <p:embed/>
+                </p:oleObj>
+              </mc:Choice>
+              <mc:Fallback>
+                <p:oleObj name="Visio" r:id="rId3" imgW="1190672" imgH="5276799" progId="Visio.Drawing.15">
+                  <p:embed/>
+                  <p:pic>
+                    <p:nvPicPr>
+                      <p:cNvPr id="0" name="Object 1"/>
+                      <p:cNvPicPr>
+                        <a:picLocks noChangeAspect="1" noChangeArrowheads="1"/>
+                      </p:cNvPicPr>
+                      <p:nvPr/>
+                    </p:nvPicPr>
+                    <p:blipFill>
+                      <a:blip r:embed="rId4">
+                        <a:extLst>
+                          <a:ext uri="{28A0092B-C50C-407E-A947-70E740481C1C}">
+                            <a14:useLocalDpi xmlns:a14="http://schemas.microsoft.com/office/drawing/2010/main" val="0"/>
+                          </a:ext>
+                        </a:extLst>
+                      </a:blip>
+                      <a:srcRect/>
+                      <a:stretch>
+                        <a:fillRect/>
+                      </a:stretch>
+                    </p:blipFill>
+                    <p:spPr bwMode="auto">
+                      <a:xfrm>
+                        <a:off x="7565897" y="250825"/>
+                        <a:ext cx="1330289" cy="5934607"/>
+                      </a:xfrm>
+                      <a:prstGeom prst="rect">
+                        <a:avLst/>
+                      </a:prstGeom>
+                      <a:noFill/>
+                    </p:spPr>
+                  </p:pic>
+                </p:oleObj>
+              </mc:Fallback>
+            </mc:AlternateContent>
+          </a:graphicData>
+        </a:graphic>
+      </p:graphicFrame>
+    </p:spTree>
+    <p:extLst>
+      <p:ext uri="{BB962C8B-B14F-4D97-AF65-F5344CB8AC3E}">
+        <p14:creationId xmlns:p14="http://schemas.microsoft.com/office/powerpoint/2010/main" val="1456357331"/>
+      </p:ext>
+    </p:extLst>
+  </p:cSld>
+  <p:clrMapOvr>
+    <a:masterClrMapping/>
+  </p:clrMapOvr>
+</p:sld>
+</file>
+
+<file path=ppt/slides/slide7.xml><?xml version="1.0" encoding="utf-8"?>
+<p:sld xmlns:a="http://schemas.openxmlformats.org/drawingml/2006/main" xmlns:r="http://schemas.openxmlformats.org/officeDocument/2006/relationships" xmlns:p="http://schemas.openxmlformats.org/presentationml/2006/main">
+  <p:cSld>
+    <p:spTree>
+      <p:nvGrpSpPr>
+        <p:cNvPr id="1" name=""/>
+        <p:cNvGrpSpPr/>
+        <p:nvPr/>
+      </p:nvGrpSpPr>
+      <p:grpSpPr>
+        <a:xfrm>
+          <a:off x="0" y="0"/>
+          <a:ext cx="0" cy="0"/>
+          <a:chOff x="0" y="0"/>
+          <a:chExt cx="0" cy="0"/>
+        </a:xfrm>
+      </p:grpSpPr>
+      <p:sp>
+        <p:nvSpPr>
+          <p:cNvPr id="2" name="Заголовок 1"/>
+          <p:cNvSpPr>
+            <a:spLocks noGrp="1"/>
+          </p:cNvSpPr>
+          <p:nvPr>
+            <p:ph type="title"/>
+          </p:nvPr>
+        </p:nvSpPr>
+        <p:spPr>
+          <a:xfrm>
+            <a:off x="838200" y="365125"/>
+            <a:ext cx="10683240" cy="869315"/>
+          </a:xfrm>
+        </p:spPr>
+        <p:txBody>
+          <a:bodyPr/>
+          <a:lstStyle/>
+          <a:p>
+            <a:r>
+              <a:rPr lang="ru-RU" dirty="0" smtClean="0">
+                <a:latin typeface="Arial" panose="020B0604020202020204" pitchFamily="34" charset="0"/>
+                <a:cs typeface="Arial" panose="020B0604020202020204" pitchFamily="34" charset="0"/>
+              </a:rPr>
+              <a:t>Пример</a:t>
+            </a:r>
+            <a:endParaRPr lang="ru-RU" dirty="0">
+              <a:latin typeface="Arial" panose="020B0604020202020204" pitchFamily="34" charset="0"/>
+              <a:cs typeface="Arial" panose="020B0604020202020204" pitchFamily="34" charset="0"/>
+            </a:endParaRPr>
+          </a:p>
+        </p:txBody>
+      </p:sp>
+      <p:graphicFrame>
+        <p:nvGraphicFramePr>
+          <p:cNvPr id="4" name="Объект 3"/>
+          <p:cNvGraphicFramePr>
+            <a:graphicFrameLocks noGrp="1"/>
+          </p:cNvGraphicFramePr>
+          <p:nvPr>
+            <p:ph idx="1"/>
+            <p:extLst>
+              <p:ext uri="{D42A27DB-BD31-4B8C-83A1-F6EECF244321}">
+                <p14:modId xmlns:p14="http://schemas.microsoft.com/office/powerpoint/2010/main" val="592788730"/>
+              </p:ext>
+            </p:extLst>
+          </p:nvPr>
+        </p:nvGraphicFramePr>
+        <p:xfrm>
+          <a:off x="1400175" y="1484472"/>
+          <a:ext cx="9301165" cy="4473418"/>
+        </p:xfrm>
+        <a:graphic>
+          <a:graphicData uri="http://schemas.openxmlformats.org/drawingml/2006/table">
+            <a:tbl>
+              <a:tblPr firstRow="1" firstCol="1" bandRow="1">
+                <a:tableStyleId>{5940675A-B579-460E-94D1-54222C63F5DA}</a:tableStyleId>
+              </a:tblPr>
+              <a:tblGrid>
+                <a:gridCol w="1860233">
+                  <a:extLst>
+                    <a:ext uri="{9D8B030D-6E8A-4147-A177-3AD203B41FA5}">
+                      <a16:colId xmlns:a16="http://schemas.microsoft.com/office/drawing/2014/main" val="1741394009"/>
+                    </a:ext>
+                  </a:extLst>
+                </a:gridCol>
+                <a:gridCol w="1860233">
+                  <a:extLst>
+                    <a:ext uri="{9D8B030D-6E8A-4147-A177-3AD203B41FA5}">
+                      <a16:colId xmlns:a16="http://schemas.microsoft.com/office/drawing/2014/main" val="1353745312"/>
+                    </a:ext>
+                  </a:extLst>
+                </a:gridCol>
+                <a:gridCol w="1860233">
+                  <a:extLst>
+                    <a:ext uri="{9D8B030D-6E8A-4147-A177-3AD203B41FA5}">
+                      <a16:colId xmlns:a16="http://schemas.microsoft.com/office/drawing/2014/main" val="2254276148"/>
+                    </a:ext>
+                  </a:extLst>
+                </a:gridCol>
+                <a:gridCol w="1860233">
+                  <a:extLst>
+                    <a:ext uri="{9D8B030D-6E8A-4147-A177-3AD203B41FA5}">
+                      <a16:colId xmlns:a16="http://schemas.microsoft.com/office/drawing/2014/main" val="4216929888"/>
+                    </a:ext>
+                  </a:extLst>
+                </a:gridCol>
+                <a:gridCol w="1860233">
+                  <a:extLst>
+                    <a:ext uri="{9D8B030D-6E8A-4147-A177-3AD203B41FA5}">
+                      <a16:colId xmlns:a16="http://schemas.microsoft.com/office/drawing/2014/main" val="3359019608"/>
+                    </a:ext>
+                  </a:extLst>
+                </a:gridCol>
+              </a:tblGrid>
+              <a:tr h="1000372">
+                <a:tc>
+                  <a:txBody>
+                    <a:bodyPr/>
+                    <a:lstStyle/>
+                    <a:p>
+                      <a:pPr indent="450215" algn="ctr">
+                        <a:lnSpc>
+                          <a:spcPct val="150000"/>
+                        </a:lnSpc>
+                        <a:spcAft>
+                          <a:spcPts val="0"/>
+                        </a:spcAft>
+                      </a:pPr>
+                      <a:r>
+                        <a:rPr lang="ru-RU" sz="2000" dirty="0">
+                          <a:effectLst/>
+                          <a:latin typeface="Arial" panose="020B0604020202020204" pitchFamily="34" charset="0"/>
+                          <a:cs typeface="Arial" panose="020B0604020202020204" pitchFamily="34" charset="0"/>
+                        </a:rPr>
+                        <a:t> </a:t>
+                      </a:r>
+                      <a:endParaRPr lang="ru-RU" sz="2000" dirty="0">
+                        <a:effectLst/>
+                        <a:latin typeface="Arial" panose="020B0604020202020204" pitchFamily="34" charset="0"/>
+                        <a:ea typeface="Calibri" panose="020F0502020204030204" pitchFamily="34" charset="0"/>
+                        <a:cs typeface="Arial" panose="020B0604020202020204" pitchFamily="34" charset="0"/>
+                      </a:endParaRPr>
+                    </a:p>
+                  </a:txBody>
+                  <a:tcPr marL="68580" marR="68580" marT="0" marB="0" anchor="ctr"/>
+                </a:tc>
+                <a:tc>
+                  <a:txBody>
+                    <a:bodyPr/>
+                    <a:lstStyle/>
+                    <a:p>
+                      <a:pPr indent="450215" algn="ctr">
+                        <a:lnSpc>
+                          <a:spcPct val="150000"/>
+                        </a:lnSpc>
+                        <a:spcAft>
+                          <a:spcPts val="0"/>
+                        </a:spcAft>
+                      </a:pPr>
+                      <a:r>
+                        <a:rPr lang="ru-RU" sz="2000" dirty="0">
+                          <a:effectLst/>
+                          <a:latin typeface="Arial" panose="020B0604020202020204" pitchFamily="34" charset="0"/>
+                          <a:cs typeface="Arial" panose="020B0604020202020204" pitchFamily="34" charset="0"/>
+                        </a:rPr>
+                        <a:t>Цена</a:t>
+                      </a:r>
+                      <a:endParaRPr lang="ru-RU" sz="2000" dirty="0">
+                        <a:effectLst/>
+                        <a:latin typeface="Arial" panose="020B0604020202020204" pitchFamily="34" charset="0"/>
+                        <a:ea typeface="Calibri" panose="020F0502020204030204" pitchFamily="34" charset="0"/>
+                        <a:cs typeface="Arial" panose="020B0604020202020204" pitchFamily="34" charset="0"/>
+                      </a:endParaRPr>
+                    </a:p>
+                  </a:txBody>
+                  <a:tcPr marL="68580" marR="68580" marT="0" marB="0" anchor="ctr"/>
+                </a:tc>
+                <a:tc>
+                  <a:txBody>
+                    <a:bodyPr/>
+                    <a:lstStyle/>
+                    <a:p>
+                      <a:pPr indent="450215" algn="ctr">
+                        <a:lnSpc>
+                          <a:spcPct val="150000"/>
+                        </a:lnSpc>
+                        <a:spcAft>
+                          <a:spcPts val="0"/>
+                        </a:spcAft>
+                      </a:pPr>
+                      <a:r>
+                        <a:rPr lang="ru-RU" sz="2000">
+                          <a:effectLst/>
+                          <a:latin typeface="Arial" panose="020B0604020202020204" pitchFamily="34" charset="0"/>
+                          <a:cs typeface="Arial" panose="020B0604020202020204" pitchFamily="34" charset="0"/>
+                        </a:rPr>
+                        <a:t>Расход</a:t>
+                      </a:r>
+                      <a:endParaRPr lang="ru-RU" sz="2000">
+                        <a:effectLst/>
+                        <a:latin typeface="Arial" panose="020B0604020202020204" pitchFamily="34" charset="0"/>
+                        <a:ea typeface="Calibri" panose="020F0502020204030204" pitchFamily="34" charset="0"/>
+                        <a:cs typeface="Arial" panose="020B0604020202020204" pitchFamily="34" charset="0"/>
+                      </a:endParaRPr>
+                    </a:p>
+                  </a:txBody>
+                  <a:tcPr marL="68580" marR="68580" marT="0" marB="0" anchor="ctr"/>
+                </a:tc>
+                <a:tc>
+                  <a:txBody>
+                    <a:bodyPr/>
+                    <a:lstStyle/>
+                    <a:p>
+                      <a:pPr indent="450215" algn="ctr">
+                        <a:lnSpc>
+                          <a:spcPct val="150000"/>
+                        </a:lnSpc>
+                        <a:spcAft>
+                          <a:spcPts val="0"/>
+                        </a:spcAft>
+                      </a:pPr>
+                      <a:r>
+                        <a:rPr lang="ru-RU" sz="2000">
+                          <a:effectLst/>
+                          <a:latin typeface="Arial" panose="020B0604020202020204" pitchFamily="34" charset="0"/>
+                          <a:cs typeface="Arial" panose="020B0604020202020204" pitchFamily="34" charset="0"/>
+                        </a:rPr>
+                        <a:t>Комфорт</a:t>
+                      </a:r>
+                      <a:endParaRPr lang="ru-RU" sz="2000">
+                        <a:effectLst/>
+                        <a:latin typeface="Arial" panose="020B0604020202020204" pitchFamily="34" charset="0"/>
+                        <a:ea typeface="Calibri" panose="020F0502020204030204" pitchFamily="34" charset="0"/>
+                        <a:cs typeface="Arial" panose="020B0604020202020204" pitchFamily="34" charset="0"/>
+                      </a:endParaRPr>
+                    </a:p>
+                  </a:txBody>
+                  <a:tcPr marL="68580" marR="68580" marT="0" marB="0" anchor="ctr"/>
+                </a:tc>
+                <a:tc>
+                  <a:txBody>
+                    <a:bodyPr/>
+                    <a:lstStyle/>
+                    <a:p>
+                      <a:pPr indent="450215" algn="ctr">
+                        <a:lnSpc>
+                          <a:spcPct val="150000"/>
+                        </a:lnSpc>
+                        <a:spcAft>
+                          <a:spcPts val="0"/>
+                        </a:spcAft>
+                      </a:pPr>
+                      <a:r>
+                        <a:rPr lang="ru-RU" sz="2000">
+                          <a:effectLst/>
+                          <a:latin typeface="Arial" panose="020B0604020202020204" pitchFamily="34" charset="0"/>
+                          <a:cs typeface="Arial" panose="020B0604020202020204" pitchFamily="34" charset="0"/>
+                        </a:rPr>
+                        <a:t>Дизайн</a:t>
+                      </a:r>
+                      <a:endParaRPr lang="ru-RU" sz="2000">
+                        <a:effectLst/>
+                        <a:latin typeface="Arial" panose="020B0604020202020204" pitchFamily="34" charset="0"/>
+                        <a:ea typeface="Calibri" panose="020F0502020204030204" pitchFamily="34" charset="0"/>
+                        <a:cs typeface="Arial" panose="020B0604020202020204" pitchFamily="34" charset="0"/>
+                      </a:endParaRPr>
+                    </a:p>
+                  </a:txBody>
+                  <a:tcPr marL="68580" marR="68580" marT="0" marB="0" anchor="ctr"/>
+                </a:tc>
+                <a:extLst>
+                  <a:ext uri="{0D108BD9-81ED-4DB2-BD59-A6C34878D82A}">
+                    <a16:rowId xmlns:a16="http://schemas.microsoft.com/office/drawing/2014/main" val="621307393"/>
+                  </a:ext>
+                </a:extLst>
+              </a:tr>
+              <a:tr h="471930">
+                <a:tc>
+                  <a:txBody>
+                    <a:bodyPr/>
+                    <a:lstStyle/>
+                    <a:p>
+                      <a:pPr indent="450215" algn="ctr">
+                        <a:lnSpc>
+                          <a:spcPct val="150000"/>
+                        </a:lnSpc>
+                        <a:spcAft>
+                          <a:spcPts val="0"/>
+                        </a:spcAft>
+                      </a:pPr>
+                      <a:r>
+                        <a:rPr lang="ru-RU" sz="2000">
+                          <a:effectLst/>
+                          <a:latin typeface="Arial" panose="020B0604020202020204" pitchFamily="34" charset="0"/>
+                          <a:cs typeface="Arial" panose="020B0604020202020204" pitchFamily="34" charset="0"/>
+                        </a:rPr>
+                        <a:t>Цена</a:t>
+                      </a:r>
+                      <a:endParaRPr lang="ru-RU" sz="2000">
+                        <a:effectLst/>
+                        <a:latin typeface="Arial" panose="020B0604020202020204" pitchFamily="34" charset="0"/>
+                        <a:ea typeface="Calibri" panose="020F0502020204030204" pitchFamily="34" charset="0"/>
+                        <a:cs typeface="Arial" panose="020B0604020202020204" pitchFamily="34" charset="0"/>
+                      </a:endParaRPr>
+                    </a:p>
+                  </a:txBody>
+                  <a:tcPr marL="68580" marR="68580" marT="0" marB="0" anchor="ctr"/>
+                </a:tc>
+                <a:tc>
+                  <a:txBody>
+                    <a:bodyPr/>
+                    <a:lstStyle/>
+                    <a:p>
+                      <a:pPr indent="450215" algn="ctr">
+                        <a:lnSpc>
+                          <a:spcPct val="150000"/>
+                        </a:lnSpc>
+                        <a:spcAft>
+                          <a:spcPts val="0"/>
+                        </a:spcAft>
+                      </a:pPr>
+                      <a:r>
+                        <a:rPr lang="ru-RU" sz="2000" dirty="0">
+                          <a:effectLst/>
+                          <a:latin typeface="Arial" panose="020B0604020202020204" pitchFamily="34" charset="0"/>
+                          <a:cs typeface="Arial" panose="020B0604020202020204" pitchFamily="34" charset="0"/>
+                        </a:rPr>
+                        <a:t>1</a:t>
+                      </a:r>
+                      <a:endParaRPr lang="ru-RU" sz="2000" dirty="0">
+                        <a:effectLst/>
+                        <a:latin typeface="Arial" panose="020B0604020202020204" pitchFamily="34" charset="0"/>
+                        <a:ea typeface="Calibri" panose="020F0502020204030204" pitchFamily="34" charset="0"/>
+                        <a:cs typeface="Arial" panose="020B0604020202020204" pitchFamily="34" charset="0"/>
+                      </a:endParaRPr>
+                    </a:p>
+                  </a:txBody>
+                  <a:tcPr marL="68580" marR="68580" marT="0" marB="0" anchor="ctr"/>
+                </a:tc>
+                <a:tc>
+                  <a:txBody>
+                    <a:bodyPr/>
+                    <a:lstStyle/>
+                    <a:p>
+                      <a:pPr indent="450215" algn="ctr">
+                        <a:lnSpc>
+                          <a:spcPct val="150000"/>
+                        </a:lnSpc>
+                        <a:spcAft>
+                          <a:spcPts val="0"/>
+                        </a:spcAft>
+                      </a:pPr>
+                      <a:r>
+                        <a:rPr lang="ru-RU" sz="2000" dirty="0">
+                          <a:effectLst/>
+                          <a:latin typeface="Arial" panose="020B0604020202020204" pitchFamily="34" charset="0"/>
+                          <a:cs typeface="Arial" panose="020B0604020202020204" pitchFamily="34" charset="0"/>
+                        </a:rPr>
+                        <a:t>3</a:t>
+                      </a:r>
+                      <a:endParaRPr lang="ru-RU" sz="2000" dirty="0">
+                        <a:effectLst/>
+                        <a:latin typeface="Arial" panose="020B0604020202020204" pitchFamily="34" charset="0"/>
+                        <a:ea typeface="Calibri" panose="020F0502020204030204" pitchFamily="34" charset="0"/>
+                        <a:cs typeface="Arial" panose="020B0604020202020204" pitchFamily="34" charset="0"/>
+                      </a:endParaRPr>
+                    </a:p>
+                  </a:txBody>
+                  <a:tcPr marL="68580" marR="68580" marT="0" marB="0" anchor="ctr"/>
+                </a:tc>
+                <a:tc>
+                  <a:txBody>
+                    <a:bodyPr/>
+                    <a:lstStyle/>
+                    <a:p>
+                      <a:pPr indent="450215" algn="ctr">
+                        <a:lnSpc>
+                          <a:spcPct val="150000"/>
+                        </a:lnSpc>
+                        <a:spcAft>
+                          <a:spcPts val="0"/>
+                        </a:spcAft>
+                      </a:pPr>
+                      <a:r>
+                        <a:rPr lang="ru-RU" sz="2000">
+                          <a:effectLst/>
+                          <a:latin typeface="Arial" panose="020B0604020202020204" pitchFamily="34" charset="0"/>
+                          <a:cs typeface="Arial" panose="020B0604020202020204" pitchFamily="34" charset="0"/>
+                        </a:rPr>
+                        <a:t>1</a:t>
+                      </a:r>
+                      <a:endParaRPr lang="ru-RU" sz="2000">
+                        <a:effectLst/>
+                        <a:latin typeface="Arial" panose="020B0604020202020204" pitchFamily="34" charset="0"/>
+                        <a:ea typeface="Calibri" panose="020F0502020204030204" pitchFamily="34" charset="0"/>
+                        <a:cs typeface="Arial" panose="020B0604020202020204" pitchFamily="34" charset="0"/>
+                      </a:endParaRPr>
+                    </a:p>
+                  </a:txBody>
+                  <a:tcPr marL="68580" marR="68580" marT="0" marB="0" anchor="ctr"/>
+                </a:tc>
+                <a:tc>
+                  <a:txBody>
+                    <a:bodyPr/>
+                    <a:lstStyle/>
+                    <a:p>
+                      <a:pPr indent="450215" algn="ctr">
+                        <a:lnSpc>
+                          <a:spcPct val="150000"/>
+                        </a:lnSpc>
+                        <a:spcAft>
+                          <a:spcPts val="0"/>
+                        </a:spcAft>
+                      </a:pPr>
+                      <a:r>
+                        <a:rPr lang="ru-RU" sz="2000">
+                          <a:effectLst/>
+                          <a:latin typeface="Arial" panose="020B0604020202020204" pitchFamily="34" charset="0"/>
+                          <a:cs typeface="Arial" panose="020B0604020202020204" pitchFamily="34" charset="0"/>
+                        </a:rPr>
+                        <a:t>1</a:t>
+                      </a:r>
+                      <a:r>
+                        <a:rPr lang="en-US" sz="2000">
+                          <a:effectLst/>
+                          <a:latin typeface="Arial" panose="020B0604020202020204" pitchFamily="34" charset="0"/>
+                          <a:cs typeface="Arial" panose="020B0604020202020204" pitchFamily="34" charset="0"/>
+                        </a:rPr>
+                        <a:t>/5</a:t>
+                      </a:r>
+                      <a:endParaRPr lang="ru-RU" sz="2000">
+                        <a:effectLst/>
+                        <a:latin typeface="Arial" panose="020B0604020202020204" pitchFamily="34" charset="0"/>
+                        <a:ea typeface="Calibri" panose="020F0502020204030204" pitchFamily="34" charset="0"/>
+                        <a:cs typeface="Arial" panose="020B0604020202020204" pitchFamily="34" charset="0"/>
+                      </a:endParaRPr>
+                    </a:p>
+                  </a:txBody>
+                  <a:tcPr marL="68580" marR="68580" marT="0" marB="0" anchor="ctr"/>
+                </a:tc>
+                <a:extLst>
+                  <a:ext uri="{0D108BD9-81ED-4DB2-BD59-A6C34878D82A}">
+                    <a16:rowId xmlns:a16="http://schemas.microsoft.com/office/drawing/2014/main" val="3934281874"/>
+                  </a:ext>
+                </a:extLst>
+              </a:tr>
+              <a:tr h="1000372">
+                <a:tc>
+                  <a:txBody>
+                    <a:bodyPr/>
+                    <a:lstStyle/>
+                    <a:p>
+                      <a:pPr indent="450215" algn="ctr">
+                        <a:lnSpc>
+                          <a:spcPct val="150000"/>
+                        </a:lnSpc>
+                        <a:spcAft>
+                          <a:spcPts val="0"/>
+                        </a:spcAft>
+                      </a:pPr>
+                      <a:r>
+                        <a:rPr lang="ru-RU" sz="2000">
+                          <a:effectLst/>
+                          <a:latin typeface="Arial" panose="020B0604020202020204" pitchFamily="34" charset="0"/>
+                          <a:cs typeface="Arial" panose="020B0604020202020204" pitchFamily="34" charset="0"/>
+                        </a:rPr>
+                        <a:t>Расход</a:t>
+                      </a:r>
+                      <a:endParaRPr lang="ru-RU" sz="2000">
+                        <a:effectLst/>
+                        <a:latin typeface="Arial" panose="020B0604020202020204" pitchFamily="34" charset="0"/>
+                        <a:ea typeface="Calibri" panose="020F0502020204030204" pitchFamily="34" charset="0"/>
+                        <a:cs typeface="Arial" panose="020B0604020202020204" pitchFamily="34" charset="0"/>
+                      </a:endParaRPr>
+                    </a:p>
+                  </a:txBody>
+                  <a:tcPr marL="68580" marR="68580" marT="0" marB="0" anchor="ctr"/>
+                </a:tc>
+                <a:tc>
+                  <a:txBody>
+                    <a:bodyPr/>
+                    <a:lstStyle/>
+                    <a:p>
+                      <a:pPr indent="450215" algn="ctr">
+                        <a:lnSpc>
+                          <a:spcPct val="150000"/>
+                        </a:lnSpc>
+                        <a:spcAft>
+                          <a:spcPts val="0"/>
+                        </a:spcAft>
+                      </a:pPr>
+                      <a:r>
+                        <a:rPr lang="en-US" sz="2000" dirty="0">
+                          <a:effectLst/>
+                          <a:latin typeface="Arial" panose="020B0604020202020204" pitchFamily="34" charset="0"/>
+                          <a:cs typeface="Arial" panose="020B0604020202020204" pitchFamily="34" charset="0"/>
+                        </a:rPr>
+                        <a:t>1/3</a:t>
+                      </a:r>
+                      <a:endParaRPr lang="ru-RU" sz="2000" dirty="0">
+                        <a:effectLst/>
+                        <a:latin typeface="Arial" panose="020B0604020202020204" pitchFamily="34" charset="0"/>
+                        <a:ea typeface="Calibri" panose="020F0502020204030204" pitchFamily="34" charset="0"/>
+                        <a:cs typeface="Arial" panose="020B0604020202020204" pitchFamily="34" charset="0"/>
+                      </a:endParaRPr>
+                    </a:p>
+                  </a:txBody>
+                  <a:tcPr marL="68580" marR="68580" marT="0" marB="0" anchor="ctr"/>
+                </a:tc>
+                <a:tc>
+                  <a:txBody>
+                    <a:bodyPr/>
+                    <a:lstStyle/>
+                    <a:p>
+                      <a:pPr indent="450215" algn="ctr">
+                        <a:lnSpc>
+                          <a:spcPct val="150000"/>
+                        </a:lnSpc>
+                        <a:spcAft>
+                          <a:spcPts val="0"/>
+                        </a:spcAft>
+                      </a:pPr>
+                      <a:r>
+                        <a:rPr lang="ru-RU" sz="2000" dirty="0">
+                          <a:effectLst/>
+                          <a:latin typeface="Arial" panose="020B0604020202020204" pitchFamily="34" charset="0"/>
+                          <a:cs typeface="Arial" panose="020B0604020202020204" pitchFamily="34" charset="0"/>
+                        </a:rPr>
+                        <a:t>1</a:t>
+                      </a:r>
+                      <a:endParaRPr lang="ru-RU" sz="2000" dirty="0">
+                        <a:effectLst/>
+                        <a:latin typeface="Arial" panose="020B0604020202020204" pitchFamily="34" charset="0"/>
+                        <a:ea typeface="Calibri" panose="020F0502020204030204" pitchFamily="34" charset="0"/>
+                        <a:cs typeface="Arial" panose="020B0604020202020204" pitchFamily="34" charset="0"/>
+                      </a:endParaRPr>
+                    </a:p>
+                  </a:txBody>
+                  <a:tcPr marL="68580" marR="68580" marT="0" marB="0" anchor="ctr"/>
+                </a:tc>
+                <a:tc>
+                  <a:txBody>
+                    <a:bodyPr/>
+                    <a:lstStyle/>
+                    <a:p>
+                      <a:pPr indent="450215" algn="ctr">
+                        <a:lnSpc>
+                          <a:spcPct val="150000"/>
+                        </a:lnSpc>
+                        <a:spcAft>
+                          <a:spcPts val="0"/>
+                        </a:spcAft>
+                      </a:pPr>
+                      <a:r>
+                        <a:rPr lang="en-US" sz="2000" dirty="0">
+                          <a:effectLst/>
+                          <a:latin typeface="Arial" panose="020B0604020202020204" pitchFamily="34" charset="0"/>
+                          <a:cs typeface="Arial" panose="020B0604020202020204" pitchFamily="34" charset="0"/>
+                        </a:rPr>
+                        <a:t>9</a:t>
+                      </a:r>
+                      <a:endParaRPr lang="ru-RU" sz="2000" dirty="0">
+                        <a:effectLst/>
+                        <a:latin typeface="Arial" panose="020B0604020202020204" pitchFamily="34" charset="0"/>
+                        <a:ea typeface="Calibri" panose="020F0502020204030204" pitchFamily="34" charset="0"/>
+                        <a:cs typeface="Arial" panose="020B0604020202020204" pitchFamily="34" charset="0"/>
+                      </a:endParaRPr>
+                    </a:p>
+                  </a:txBody>
+                  <a:tcPr marL="68580" marR="68580" marT="0" marB="0" anchor="ctr"/>
+                </a:tc>
+                <a:tc>
+                  <a:txBody>
+                    <a:bodyPr/>
+                    <a:lstStyle/>
+                    <a:p>
+                      <a:pPr indent="450215" algn="ctr">
+                        <a:lnSpc>
+                          <a:spcPct val="150000"/>
+                        </a:lnSpc>
+                        <a:spcAft>
+                          <a:spcPts val="0"/>
+                        </a:spcAft>
+                      </a:pPr>
+                      <a:r>
+                        <a:rPr lang="en-US" sz="2000">
+                          <a:effectLst/>
+                          <a:latin typeface="Arial" panose="020B0604020202020204" pitchFamily="34" charset="0"/>
+                          <a:cs typeface="Arial" panose="020B0604020202020204" pitchFamily="34" charset="0"/>
+                        </a:rPr>
+                        <a:t>3</a:t>
+                      </a:r>
+                      <a:endParaRPr lang="ru-RU" sz="2000">
+                        <a:effectLst/>
+                        <a:latin typeface="Arial" panose="020B0604020202020204" pitchFamily="34" charset="0"/>
+                        <a:ea typeface="Calibri" panose="020F0502020204030204" pitchFamily="34" charset="0"/>
+                        <a:cs typeface="Arial" panose="020B0604020202020204" pitchFamily="34" charset="0"/>
+                      </a:endParaRPr>
+                    </a:p>
+                  </a:txBody>
+                  <a:tcPr marL="68580" marR="68580" marT="0" marB="0" anchor="ctr"/>
+                </a:tc>
+                <a:extLst>
+                  <a:ext uri="{0D108BD9-81ED-4DB2-BD59-A6C34878D82A}">
+                    <a16:rowId xmlns:a16="http://schemas.microsoft.com/office/drawing/2014/main" val="2902848761"/>
+                  </a:ext>
+                </a:extLst>
+              </a:tr>
+              <a:tr h="1000372">
+                <a:tc>
+                  <a:txBody>
+                    <a:bodyPr/>
+                    <a:lstStyle/>
+                    <a:p>
+                      <a:pPr indent="450215" algn="ctr">
+                        <a:lnSpc>
+                          <a:spcPct val="150000"/>
+                        </a:lnSpc>
+                        <a:spcAft>
+                          <a:spcPts val="0"/>
+                        </a:spcAft>
+                      </a:pPr>
+                      <a:r>
+                        <a:rPr lang="ru-RU" sz="2000">
+                          <a:effectLst/>
+                          <a:latin typeface="Arial" panose="020B0604020202020204" pitchFamily="34" charset="0"/>
+                          <a:cs typeface="Arial" panose="020B0604020202020204" pitchFamily="34" charset="0"/>
+                        </a:rPr>
+                        <a:t>Комфорт</a:t>
+                      </a:r>
+                      <a:endParaRPr lang="ru-RU" sz="2000">
+                        <a:effectLst/>
+                        <a:latin typeface="Arial" panose="020B0604020202020204" pitchFamily="34" charset="0"/>
+                        <a:ea typeface="Calibri" panose="020F0502020204030204" pitchFamily="34" charset="0"/>
+                        <a:cs typeface="Arial" panose="020B0604020202020204" pitchFamily="34" charset="0"/>
+                      </a:endParaRPr>
+                    </a:p>
+                  </a:txBody>
+                  <a:tcPr marL="68580" marR="68580" marT="0" marB="0" anchor="ctr"/>
+                </a:tc>
+                <a:tc>
+                  <a:txBody>
+                    <a:bodyPr/>
+                    <a:lstStyle/>
+                    <a:p>
+                      <a:pPr indent="450215" algn="ctr">
+                        <a:lnSpc>
+                          <a:spcPct val="150000"/>
+                        </a:lnSpc>
+                        <a:spcAft>
+                          <a:spcPts val="0"/>
+                        </a:spcAft>
+                      </a:pPr>
+                      <a:r>
+                        <a:rPr lang="en-US" sz="2000">
+                          <a:effectLst/>
+                          <a:latin typeface="Arial" panose="020B0604020202020204" pitchFamily="34" charset="0"/>
+                          <a:cs typeface="Arial" panose="020B0604020202020204" pitchFamily="34" charset="0"/>
+                        </a:rPr>
+                        <a:t>1</a:t>
+                      </a:r>
+                      <a:endParaRPr lang="ru-RU" sz="2000">
+                        <a:effectLst/>
+                        <a:latin typeface="Arial" panose="020B0604020202020204" pitchFamily="34" charset="0"/>
+                        <a:ea typeface="Calibri" panose="020F0502020204030204" pitchFamily="34" charset="0"/>
+                        <a:cs typeface="Arial" panose="020B0604020202020204" pitchFamily="34" charset="0"/>
+                      </a:endParaRPr>
+                    </a:p>
+                  </a:txBody>
+                  <a:tcPr marL="68580" marR="68580" marT="0" marB="0" anchor="ctr"/>
+                </a:tc>
+                <a:tc>
+                  <a:txBody>
+                    <a:bodyPr/>
+                    <a:lstStyle/>
+                    <a:p>
+                      <a:pPr indent="450215" algn="ctr">
+                        <a:lnSpc>
+                          <a:spcPct val="150000"/>
+                        </a:lnSpc>
+                        <a:spcAft>
+                          <a:spcPts val="0"/>
+                        </a:spcAft>
+                      </a:pPr>
+                      <a:r>
+                        <a:rPr lang="en-US" sz="2000" dirty="0">
+                          <a:effectLst/>
+                          <a:latin typeface="Arial" panose="020B0604020202020204" pitchFamily="34" charset="0"/>
+                          <a:cs typeface="Arial" panose="020B0604020202020204" pitchFamily="34" charset="0"/>
+                        </a:rPr>
+                        <a:t>1/9</a:t>
+                      </a:r>
+                      <a:endParaRPr lang="ru-RU" sz="2000" dirty="0">
+                        <a:effectLst/>
+                        <a:latin typeface="Arial" panose="020B0604020202020204" pitchFamily="34" charset="0"/>
+                        <a:ea typeface="Calibri" panose="020F0502020204030204" pitchFamily="34" charset="0"/>
+                        <a:cs typeface="Arial" panose="020B0604020202020204" pitchFamily="34" charset="0"/>
+                      </a:endParaRPr>
+                    </a:p>
+                  </a:txBody>
+                  <a:tcPr marL="68580" marR="68580" marT="0" marB="0" anchor="ctr"/>
+                </a:tc>
+                <a:tc>
+                  <a:txBody>
+                    <a:bodyPr/>
+                    <a:lstStyle/>
+                    <a:p>
+                      <a:pPr indent="450215" algn="ctr">
+                        <a:lnSpc>
+                          <a:spcPct val="150000"/>
+                        </a:lnSpc>
+                        <a:spcAft>
+                          <a:spcPts val="0"/>
+                        </a:spcAft>
+                      </a:pPr>
+                      <a:r>
+                        <a:rPr lang="ru-RU" sz="2000" dirty="0">
+                          <a:effectLst/>
+                          <a:latin typeface="Arial" panose="020B0604020202020204" pitchFamily="34" charset="0"/>
+                          <a:cs typeface="Arial" panose="020B0604020202020204" pitchFamily="34" charset="0"/>
+                        </a:rPr>
+                        <a:t>1</a:t>
+                      </a:r>
+                      <a:endParaRPr lang="ru-RU" sz="2000" dirty="0">
+                        <a:effectLst/>
+                        <a:latin typeface="Arial" panose="020B0604020202020204" pitchFamily="34" charset="0"/>
+                        <a:ea typeface="Calibri" panose="020F0502020204030204" pitchFamily="34" charset="0"/>
+                        <a:cs typeface="Arial" panose="020B0604020202020204" pitchFamily="34" charset="0"/>
+                      </a:endParaRPr>
+                    </a:p>
+                  </a:txBody>
+                  <a:tcPr marL="68580" marR="68580" marT="0" marB="0" anchor="ctr"/>
+                </a:tc>
+                <a:tc>
+                  <a:txBody>
+                    <a:bodyPr/>
+                    <a:lstStyle/>
+                    <a:p>
+                      <a:pPr indent="450215" algn="ctr">
+                        <a:lnSpc>
+                          <a:spcPct val="150000"/>
+                        </a:lnSpc>
+                        <a:spcAft>
+                          <a:spcPts val="0"/>
+                        </a:spcAft>
+                      </a:pPr>
+                      <a:r>
+                        <a:rPr lang="en-US" sz="2000" dirty="0">
+                          <a:effectLst/>
+                          <a:latin typeface="Arial" panose="020B0604020202020204" pitchFamily="34" charset="0"/>
+                          <a:cs typeface="Arial" panose="020B0604020202020204" pitchFamily="34" charset="0"/>
+                        </a:rPr>
+                        <a:t>4</a:t>
+                      </a:r>
+                      <a:endParaRPr lang="ru-RU" sz="2000" dirty="0">
+                        <a:effectLst/>
+                        <a:latin typeface="Arial" panose="020B0604020202020204" pitchFamily="34" charset="0"/>
+                        <a:ea typeface="Calibri" panose="020F0502020204030204" pitchFamily="34" charset="0"/>
+                        <a:cs typeface="Arial" panose="020B0604020202020204" pitchFamily="34" charset="0"/>
+                      </a:endParaRPr>
+                    </a:p>
+                  </a:txBody>
+                  <a:tcPr marL="68580" marR="68580" marT="0" marB="0" anchor="ctr"/>
+                </a:tc>
+                <a:extLst>
+                  <a:ext uri="{0D108BD9-81ED-4DB2-BD59-A6C34878D82A}">
+                    <a16:rowId xmlns:a16="http://schemas.microsoft.com/office/drawing/2014/main" val="3265840279"/>
+                  </a:ext>
+                </a:extLst>
+              </a:tr>
+              <a:tr h="1000372">
+                <a:tc>
+                  <a:txBody>
+                    <a:bodyPr/>
+                    <a:lstStyle/>
+                    <a:p>
+                      <a:pPr indent="450215" algn="ctr">
+                        <a:lnSpc>
+                          <a:spcPct val="150000"/>
+                        </a:lnSpc>
+                        <a:spcAft>
+                          <a:spcPts val="0"/>
+                        </a:spcAft>
+                      </a:pPr>
+                      <a:r>
+                        <a:rPr lang="ru-RU" sz="2000">
+                          <a:effectLst/>
+                          <a:latin typeface="Arial" panose="020B0604020202020204" pitchFamily="34" charset="0"/>
+                          <a:cs typeface="Arial" panose="020B0604020202020204" pitchFamily="34" charset="0"/>
+                        </a:rPr>
+                        <a:t>Дизайн</a:t>
+                      </a:r>
+                      <a:endParaRPr lang="ru-RU" sz="2000">
+                        <a:effectLst/>
+                        <a:latin typeface="Arial" panose="020B0604020202020204" pitchFamily="34" charset="0"/>
+                        <a:ea typeface="Calibri" panose="020F0502020204030204" pitchFamily="34" charset="0"/>
+                        <a:cs typeface="Arial" panose="020B0604020202020204" pitchFamily="34" charset="0"/>
+                      </a:endParaRPr>
+                    </a:p>
+                  </a:txBody>
+                  <a:tcPr marL="68580" marR="68580" marT="0" marB="0" anchor="ctr"/>
+                </a:tc>
+                <a:tc>
+                  <a:txBody>
+                    <a:bodyPr/>
+                    <a:lstStyle/>
+                    <a:p>
+                      <a:pPr indent="450215" algn="ctr">
+                        <a:lnSpc>
+                          <a:spcPct val="150000"/>
+                        </a:lnSpc>
+                        <a:spcAft>
+                          <a:spcPts val="0"/>
+                        </a:spcAft>
+                      </a:pPr>
+                      <a:r>
+                        <a:rPr lang="en-US" sz="2000">
+                          <a:effectLst/>
+                          <a:latin typeface="Arial" panose="020B0604020202020204" pitchFamily="34" charset="0"/>
+                          <a:cs typeface="Arial" panose="020B0604020202020204" pitchFamily="34" charset="0"/>
+                        </a:rPr>
+                        <a:t>5</a:t>
+                      </a:r>
+                      <a:endParaRPr lang="ru-RU" sz="2000">
+                        <a:effectLst/>
+                        <a:latin typeface="Arial" panose="020B0604020202020204" pitchFamily="34" charset="0"/>
+                        <a:ea typeface="Calibri" panose="020F0502020204030204" pitchFamily="34" charset="0"/>
+                        <a:cs typeface="Arial" panose="020B0604020202020204" pitchFamily="34" charset="0"/>
+                      </a:endParaRPr>
+                    </a:p>
+                  </a:txBody>
+                  <a:tcPr marL="68580" marR="68580" marT="0" marB="0" anchor="ctr"/>
+                </a:tc>
+                <a:tc>
+                  <a:txBody>
+                    <a:bodyPr/>
+                    <a:lstStyle/>
+                    <a:p>
+                      <a:pPr indent="450215" algn="ctr">
+                        <a:lnSpc>
+                          <a:spcPct val="150000"/>
+                        </a:lnSpc>
+                        <a:spcAft>
+                          <a:spcPts val="0"/>
+                        </a:spcAft>
+                      </a:pPr>
+                      <a:r>
+                        <a:rPr lang="en-US" sz="2000">
+                          <a:effectLst/>
+                          <a:latin typeface="Arial" panose="020B0604020202020204" pitchFamily="34" charset="0"/>
+                          <a:cs typeface="Arial" panose="020B0604020202020204" pitchFamily="34" charset="0"/>
+                        </a:rPr>
+                        <a:t>1/3</a:t>
+                      </a:r>
+                      <a:endParaRPr lang="ru-RU" sz="2000">
+                        <a:effectLst/>
+                        <a:latin typeface="Arial" panose="020B0604020202020204" pitchFamily="34" charset="0"/>
+                        <a:ea typeface="Calibri" panose="020F0502020204030204" pitchFamily="34" charset="0"/>
+                        <a:cs typeface="Arial" panose="020B0604020202020204" pitchFamily="34" charset="0"/>
+                      </a:endParaRPr>
+                    </a:p>
+                  </a:txBody>
+                  <a:tcPr marL="68580" marR="68580" marT="0" marB="0" anchor="ctr"/>
+                </a:tc>
+                <a:tc>
+                  <a:txBody>
+                    <a:bodyPr/>
+                    <a:lstStyle/>
+                    <a:p>
+                      <a:pPr indent="450215" algn="ctr">
+                        <a:lnSpc>
+                          <a:spcPct val="150000"/>
+                        </a:lnSpc>
+                        <a:spcAft>
+                          <a:spcPts val="0"/>
+                        </a:spcAft>
+                      </a:pPr>
+                      <a:r>
+                        <a:rPr lang="en-US" sz="2000" dirty="0">
+                          <a:effectLst/>
+                          <a:latin typeface="Arial" panose="020B0604020202020204" pitchFamily="34" charset="0"/>
+                          <a:cs typeface="Arial" panose="020B0604020202020204" pitchFamily="34" charset="0"/>
+                        </a:rPr>
+                        <a:t>1/4</a:t>
+                      </a:r>
+                      <a:endParaRPr lang="ru-RU" sz="2000" dirty="0">
+                        <a:effectLst/>
+                        <a:latin typeface="Arial" panose="020B0604020202020204" pitchFamily="34" charset="0"/>
+                        <a:ea typeface="Calibri" panose="020F0502020204030204" pitchFamily="34" charset="0"/>
+                        <a:cs typeface="Arial" panose="020B0604020202020204" pitchFamily="34" charset="0"/>
+                      </a:endParaRPr>
+                    </a:p>
+                  </a:txBody>
+                  <a:tcPr marL="68580" marR="68580" marT="0" marB="0" anchor="ctr"/>
+                </a:tc>
+                <a:tc>
+                  <a:txBody>
+                    <a:bodyPr/>
+                    <a:lstStyle/>
+                    <a:p>
+                      <a:pPr indent="450215" algn="ctr">
+                        <a:lnSpc>
+                          <a:spcPct val="150000"/>
+                        </a:lnSpc>
+                        <a:spcAft>
+                          <a:spcPts val="0"/>
+                        </a:spcAft>
+                      </a:pPr>
+                      <a:r>
+                        <a:rPr lang="ru-RU" sz="2000" dirty="0">
+                          <a:effectLst/>
+                          <a:latin typeface="Arial" panose="020B0604020202020204" pitchFamily="34" charset="0"/>
+                          <a:cs typeface="Arial" panose="020B0604020202020204" pitchFamily="34" charset="0"/>
+                        </a:rPr>
+                        <a:t>1</a:t>
+                      </a:r>
+                      <a:endParaRPr lang="ru-RU" sz="2000" dirty="0">
+                        <a:effectLst/>
+                        <a:latin typeface="Arial" panose="020B0604020202020204" pitchFamily="34" charset="0"/>
+                        <a:ea typeface="Calibri" panose="020F0502020204030204" pitchFamily="34" charset="0"/>
+                        <a:cs typeface="Arial" panose="020B0604020202020204" pitchFamily="34" charset="0"/>
+                      </a:endParaRPr>
+                    </a:p>
+                  </a:txBody>
+                  <a:tcPr marL="68580" marR="68580" marT="0" marB="0" anchor="ctr"/>
+                </a:tc>
+                <a:extLst>
+                  <a:ext uri="{0D108BD9-81ED-4DB2-BD59-A6C34878D82A}">
+                    <a16:rowId xmlns:a16="http://schemas.microsoft.com/office/drawing/2014/main" val="279560132"/>
+                  </a:ext>
+                </a:extLst>
+              </a:tr>
+            </a:tbl>
+          </a:graphicData>
+        </a:graphic>
+      </p:graphicFrame>
+      <p:sp>
+        <p:nvSpPr>
+          <p:cNvPr id="5" name="Номер слайда 4"/>
+          <p:cNvSpPr>
+            <a:spLocks noGrp="1"/>
+          </p:cNvSpPr>
+          <p:nvPr>
+            <p:ph type="sldNum" sz="quarter" idx="12"/>
+          </p:nvPr>
+        </p:nvSpPr>
+        <p:spPr/>
+        <p:txBody>
+          <a:bodyPr/>
+          <a:lstStyle/>
+          <a:p>
+            <a:fld id="{AAAC123C-EF72-4040-95C0-D263971896EB}" type="slidenum">
+              <a:rPr lang="ru-RU" smtClean="0"/>
+              <a:t>7</a:t>
+            </a:fld>
+            <a:endParaRPr lang="ru-RU"/>
+          </a:p>
+        </p:txBody>
+      </p:sp>
+    </p:spTree>
+    <p:extLst>
+      <p:ext uri="{BB962C8B-B14F-4D97-AF65-F5344CB8AC3E}">
+        <p14:creationId xmlns:p14="http://schemas.microsoft.com/office/powerpoint/2010/main" val="489726946"/>
+      </p:ext>
+    </p:extLst>
+  </p:cSld>
+  <p:clrMapOvr>
+    <a:masterClrMapping/>
+  </p:clrMapOvr>
+</p:sld>
+</file>
+
+<file path=ppt/slides/slide8.xml><?xml version="1.0" encoding="utf-8"?>
+<p:sld xmlns:a="http://schemas.openxmlformats.org/drawingml/2006/main" xmlns:r="http://schemas.openxmlformats.org/officeDocument/2006/relationships" xmlns:p="http://schemas.openxmlformats.org/presentationml/2006/main">
+  <p:cSld>
+    <p:spTree>
+      <p:nvGrpSpPr>
+        <p:cNvPr id="1" name=""/>
+        <p:cNvGrpSpPr/>
+        <p:nvPr/>
+      </p:nvGrpSpPr>
+      <p:grpSpPr>
+        <a:xfrm>
+          <a:off x="0" y="0"/>
+          <a:ext cx="0" cy="0"/>
+          <a:chOff x="0" y="0"/>
+          <a:chExt cx="0" cy="0"/>
+        </a:xfrm>
+      </p:grpSpPr>
+      <p:sp>
+        <p:nvSpPr>
+          <p:cNvPr id="2" name="Заголовок 1"/>
+          <p:cNvSpPr>
+            <a:spLocks noGrp="1"/>
+          </p:cNvSpPr>
+          <p:nvPr>
+            <p:ph type="title"/>
+          </p:nvPr>
+        </p:nvSpPr>
+        <p:spPr>
+          <a:xfrm>
+            <a:off x="838200" y="365125"/>
+            <a:ext cx="10683240" cy="869315"/>
+          </a:xfrm>
+        </p:spPr>
+        <p:txBody>
+          <a:bodyPr/>
+          <a:lstStyle/>
+          <a:p>
+            <a:r>
+              <a:rPr lang="ru-RU" dirty="0" smtClean="0">
+                <a:latin typeface="Arial" panose="020B0604020202020204" pitchFamily="34" charset="0"/>
+                <a:cs typeface="Arial" panose="020B0604020202020204" pitchFamily="34" charset="0"/>
+              </a:rPr>
+              <a:t>Заключение</a:t>
+            </a:r>
+            <a:endParaRPr lang="ru-RU" dirty="0">
+              <a:latin typeface="Arial" panose="020B0604020202020204" pitchFamily="34" charset="0"/>
+              <a:cs typeface="Arial" panose="020B0604020202020204" pitchFamily="34" charset="0"/>
+            </a:endParaRPr>
+          </a:p>
+        </p:txBody>
+      </p:sp>
+      <p:sp>
+        <p:nvSpPr>
+          <p:cNvPr id="3" name="Объект 2"/>
+          <p:cNvSpPr>
+            <a:spLocks noGrp="1"/>
+          </p:cNvSpPr>
+          <p:nvPr>
+            <p:ph idx="1"/>
+          </p:nvPr>
+        </p:nvSpPr>
+        <p:spPr>
+          <a:xfrm>
+            <a:off x="838200" y="1234440"/>
+            <a:ext cx="10515600" cy="5417820"/>
+          </a:xfrm>
+        </p:spPr>
+        <p:txBody>
+          <a:bodyPr/>
+          <a:lstStyle/>
+          <a:p>
+            <a:pPr marL="0" indent="0">
+              <a:buNone/>
+            </a:pPr>
+            <a:r>
+              <a:rPr lang="ru-RU" dirty="0"/>
+              <a:t>В результате проведенного исследования были решены следующие задачи:</a:t>
+            </a:r>
+          </a:p>
+          <a:p>
+            <a:r>
+              <a:rPr lang="ru-RU" dirty="0"/>
+              <a:t>- сравнение существующих программ реализующих метод анализа иерархий (МАИ), на основе этого сформулировать требования к разрабатываемой программе;</a:t>
+            </a:r>
+          </a:p>
+          <a:p>
+            <a:r>
+              <a:rPr lang="ru-RU" dirty="0"/>
+              <a:t>-  на основе этих требований разработана программа;</a:t>
+            </a:r>
+          </a:p>
+          <a:p>
+            <a:r>
+              <a:rPr lang="ru-RU" dirty="0"/>
+              <a:t>- разработанная программа применена на практике для проведения опросов;</a:t>
+            </a:r>
+          </a:p>
+          <a:p>
+            <a:r>
+              <a:rPr lang="ru-RU" dirty="0"/>
+              <a:t>- применить программу для улучшения МАИ (шкалы оценок).</a:t>
+            </a:r>
+          </a:p>
+        </p:txBody>
+      </p:sp>
+      <p:sp>
+        <p:nvSpPr>
+          <p:cNvPr id="4" name="Номер слайда 3"/>
+          <p:cNvSpPr>
+            <a:spLocks noGrp="1"/>
+          </p:cNvSpPr>
+          <p:nvPr>
+            <p:ph type="sldNum" sz="quarter" idx="12"/>
+          </p:nvPr>
+        </p:nvSpPr>
+        <p:spPr/>
+        <p:txBody>
+          <a:bodyPr/>
+          <a:lstStyle/>
+          <a:p>
+            <a:fld id="{AAAC123C-EF72-4040-95C0-D263971896EB}" type="slidenum">
+              <a:rPr lang="ru-RU" smtClean="0"/>
+              <a:t>8</a:t>
+            </a:fld>
+            <a:endParaRPr lang="ru-RU"/>
+          </a:p>
+        </p:txBody>
+      </p:sp>
+    </p:spTree>
+    <p:extLst>
+      <p:ext uri="{BB962C8B-B14F-4D97-AF65-F5344CB8AC3E}">
+        <p14:creationId xmlns:p14="http://schemas.microsoft.com/office/powerpoint/2010/main" val="3183388004"/>
+      </p:ext>
+    </p:extLst>
+  </p:cSld>
+  <p:clrMapOvr>
+    <a:masterClrMapping/>
+  </p:clrMapOvr>
+</p:sld>
+</file>
+
 <file path=ppt/slides/slide9.xml><?xml version="1.0" encoding="utf-8"?>
 <p:sld xmlns:a="http://schemas.openxmlformats.org/drawingml/2006/main" xmlns:r="http://schemas.openxmlformats.org/officeDocument/2006/relationships" xmlns:p="http://schemas.openxmlformats.org/presentationml/2006/main">
   <p:cSld>
@@ -10806,7 +8209,7 @@
                 <a:latin typeface="Arial" panose="020B0604020202020204" pitchFamily="34" charset="0"/>
                 <a:cs typeface="Arial" panose="020B0604020202020204" pitchFamily="34" charset="0"/>
               </a:rPr>
-              <a:t>Алгоритм программы</a:t>
+              <a:t>Заключение</a:t>
             </a:r>
             <a:endParaRPr lang="ru-RU" dirty="0">
               <a:latin typeface="Arial" panose="020B0604020202020204" pitchFamily="34" charset="0"/>
@@ -10835,16 +8238,51 @@
           <a:bodyPr/>
           <a:lstStyle/>
           <a:p>
-            <a:endParaRPr lang="ru-RU" dirty="0">
-              <a:latin typeface="Arial" panose="020B0604020202020204" pitchFamily="34" charset="0"/>
-              <a:cs typeface="Arial" panose="020B0604020202020204" pitchFamily="34" charset="0"/>
-            </a:endParaRPr>
-          </a:p>
-        </p:txBody>
-      </p:sp>
-      <p:sp>
-        <p:nvSpPr>
-          <p:cNvPr id="5" name="Номер слайда 4"/>
+            <a:pPr marL="0" indent="0">
+              <a:buNone/>
+            </a:pPr>
+            <a:r>
+              <a:rPr lang="ru-RU" dirty="0"/>
+              <a:t>К перспективам стоит отнести следующие пункты:</a:t>
+            </a:r>
+          </a:p>
+          <a:p>
+            <a:r>
+              <a:rPr lang="ru-RU" dirty="0"/>
+              <a:t>- представление оценок как нечётких множеств, использование лингвистических переменных;</a:t>
+            </a:r>
+          </a:p>
+          <a:p>
+            <a:r>
+              <a:rPr lang="ru-RU" dirty="0"/>
+              <a:t>- изменения веса оценок эксперта, в зависимости от истории его прошлых оценок;</a:t>
+            </a:r>
+          </a:p>
+          <a:p>
+            <a:r>
+              <a:rPr lang="ru-RU" dirty="0"/>
+              <a:t>- добавление новых методов анализа оценок экспертов;</a:t>
+            </a:r>
+          </a:p>
+          <a:p>
+            <a:r>
+              <a:rPr lang="ru-RU" dirty="0"/>
+              <a:t>- замена </a:t>
+            </a:r>
+            <a:r>
+              <a:rPr lang="ru-RU" dirty="0" err="1"/>
+              <a:t>фронтэнда</a:t>
+            </a:r>
+            <a:r>
+              <a:rPr lang="ru-RU" dirty="0"/>
+              <a:t> программы на веб-сайт, для проведения удалённых опросов.</a:t>
+            </a:r>
+          </a:p>
+        </p:txBody>
+      </p:sp>
+      <p:sp>
+        <p:nvSpPr>
+          <p:cNvPr id="4" name="Номер слайда 3"/>
           <p:cNvSpPr>
             <a:spLocks noGrp="1"/>
           </p:cNvSpPr>
@@ -10868,7 +8306,7 @@
     </p:spTree>
     <p:extLst>
       <p:ext uri="{BB962C8B-B14F-4D97-AF65-F5344CB8AC3E}">
-        <p14:creationId xmlns:p14="http://schemas.microsoft.com/office/powerpoint/2010/main" val="1456357331"/>
+        <p14:creationId xmlns:p14="http://schemas.microsoft.com/office/powerpoint/2010/main" val="1991257676"/>
       </p:ext>
     </p:extLst>
   </p:cSld>

--- a/Docs/Мои документы/Презентация Microsoft PowerPoint.pptx
+++ b/Docs/Мои документы/Презентация Microsoft PowerPoint.pptx
@@ -5,19 +5,24 @@
     <p:sldMasterId id="2147483648" r:id="rId1"/>
   </p:sldMasterIdLst>
   <p:notesMasterIdLst>
-    <p:notesMasterId r:id="rId12"/>
+    <p:notesMasterId r:id="rId17"/>
   </p:notesMasterIdLst>
   <p:sldIdLst>
     <p:sldId id="257" r:id="rId2"/>
     <p:sldId id="262" r:id="rId3"/>
-    <p:sldId id="263" r:id="rId4"/>
-    <p:sldId id="264" r:id="rId5"/>
-    <p:sldId id="265" r:id="rId6"/>
-    <p:sldId id="276" r:id="rId7"/>
-    <p:sldId id="268" r:id="rId8"/>
-    <p:sldId id="272" r:id="rId9"/>
-    <p:sldId id="277" r:id="rId10"/>
-    <p:sldId id="273" r:id="rId11"/>
+    <p:sldId id="278" r:id="rId4"/>
+    <p:sldId id="263" r:id="rId5"/>
+    <p:sldId id="264" r:id="rId6"/>
+    <p:sldId id="265" r:id="rId7"/>
+    <p:sldId id="276" r:id="rId8"/>
+    <p:sldId id="268" r:id="rId9"/>
+    <p:sldId id="281" r:id="rId10"/>
+    <p:sldId id="279" r:id="rId11"/>
+    <p:sldId id="282" r:id="rId12"/>
+    <p:sldId id="280" r:id="rId13"/>
+    <p:sldId id="272" r:id="rId14"/>
+    <p:sldId id="277" r:id="rId15"/>
+    <p:sldId id="273" r:id="rId16"/>
   </p:sldIdLst>
   <p:sldSz cx="12192000" cy="6858000"/>
   <p:notesSz cx="6858000" cy="9144000"/>
@@ -206,7 +211,7 @@
           <a:p>
             <a:fld id="{C6354C22-5E66-4D2A-A923-25BA372B50AB}" type="datetimeFigureOut">
               <a:rPr lang="ru-RU" smtClean="0"/>
-              <a:t>20.06.2017</a:t>
+              <a:t>21.06.2017</a:t>
             </a:fld>
             <a:endParaRPr lang="ru-RU"/>
           </a:p>
@@ -605,7 +610,7 @@
           <a:p>
             <a:fld id="{02406AF7-8FB2-4AB5-A697-28A1ADEA314C}" type="datetime1">
               <a:rPr lang="ru-RU" smtClean="0"/>
-              <a:t>20.06.2017</a:t>
+              <a:t>21.06.2017</a:t>
             </a:fld>
             <a:endParaRPr lang="ru-RU"/>
           </a:p>
@@ -791,7 +796,7 @@
           <a:p>
             <a:fld id="{37E7371F-FCDB-4AE0-A891-A45FAEC6A3BF}" type="datetime1">
               <a:rPr lang="ru-RU" smtClean="0"/>
-              <a:t>20.06.2017</a:t>
+              <a:t>21.06.2017</a:t>
             </a:fld>
             <a:endParaRPr lang="ru-RU"/>
           </a:p>
@@ -971,7 +976,7 @@
           <a:p>
             <a:fld id="{E29ED6FB-4EBA-4295-853F-91FDC654E038}" type="datetime1">
               <a:rPr lang="ru-RU" smtClean="0"/>
-              <a:t>20.06.2017</a:t>
+              <a:t>21.06.2017</a:t>
             </a:fld>
             <a:endParaRPr lang="ru-RU"/>
           </a:p>
@@ -1141,7 +1146,7 @@
           <a:p>
             <a:fld id="{75AFE0A6-96D9-47F9-B652-EAAA0ED49D7F}" type="datetime1">
               <a:rPr lang="ru-RU" smtClean="0"/>
-              <a:t>20.06.2017</a:t>
+              <a:t>21.06.2017</a:t>
             </a:fld>
             <a:endParaRPr lang="ru-RU"/>
           </a:p>
@@ -1403,7 +1408,7 @@
           <a:p>
             <a:fld id="{A79DA588-6FE3-4D8B-BF3C-2D78EF5EAC56}" type="datetime1">
               <a:rPr lang="ru-RU" smtClean="0"/>
-              <a:t>20.06.2017</a:t>
+              <a:t>21.06.2017</a:t>
             </a:fld>
             <a:endParaRPr lang="ru-RU"/>
           </a:p>
@@ -1635,7 +1640,7 @@
           <a:p>
             <a:fld id="{FF64878D-51A4-4BB2-A237-E48286D0CB7F}" type="datetime1">
               <a:rPr lang="ru-RU" smtClean="0"/>
-              <a:t>20.06.2017</a:t>
+              <a:t>21.06.2017</a:t>
             </a:fld>
             <a:endParaRPr lang="ru-RU"/>
           </a:p>
@@ -2002,7 +2007,7 @@
           <a:p>
             <a:fld id="{7113F5A0-0A2B-4E38-A019-A6749BDF0DBE}" type="datetime1">
               <a:rPr lang="ru-RU" smtClean="0"/>
-              <a:t>20.06.2017</a:t>
+              <a:t>21.06.2017</a:t>
             </a:fld>
             <a:endParaRPr lang="ru-RU"/>
           </a:p>
@@ -2120,7 +2125,7 @@
           <a:p>
             <a:fld id="{960D8BB2-8589-432B-97C3-2F588E61C97A}" type="datetime1">
               <a:rPr lang="ru-RU" smtClean="0"/>
-              <a:t>20.06.2017</a:t>
+              <a:t>21.06.2017</a:t>
             </a:fld>
             <a:endParaRPr lang="ru-RU"/>
           </a:p>
@@ -2215,7 +2220,7 @@
           <a:p>
             <a:fld id="{B416A679-B84E-4031-91A1-123DFE669A62}" type="datetime1">
               <a:rPr lang="ru-RU" smtClean="0"/>
-              <a:t>20.06.2017</a:t>
+              <a:t>21.06.2017</a:t>
             </a:fld>
             <a:endParaRPr lang="ru-RU"/>
           </a:p>
@@ -2492,7 +2497,7 @@
           <a:p>
             <a:fld id="{077EAB66-6081-41B3-AADE-536CF1A1137E}" type="datetime1">
               <a:rPr lang="ru-RU" smtClean="0"/>
-              <a:t>20.06.2017</a:t>
+              <a:t>21.06.2017</a:t>
             </a:fld>
             <a:endParaRPr lang="ru-RU"/>
           </a:p>
@@ -2745,7 +2750,7 @@
           <a:p>
             <a:fld id="{EEB82F77-30D2-4FE1-A57A-473EC25F5B99}" type="datetime1">
               <a:rPr lang="ru-RU" smtClean="0"/>
-              <a:t>20.06.2017</a:t>
+              <a:t>21.06.2017</a:t>
             </a:fld>
             <a:endParaRPr lang="ru-RU"/>
           </a:p>
@@ -2958,7 +2963,7 @@
           <a:p>
             <a:fld id="{548058E2-F4DC-441A-9C22-354F5C165227}" type="datetime1">
               <a:rPr lang="ru-RU" smtClean="0"/>
-              <a:t>20.06.2017</a:t>
+              <a:t>21.06.2017</a:t>
             </a:fld>
             <a:endParaRPr lang="ru-RU"/>
           </a:p>
@@ -3412,19 +3417,7 @@
               <a:rPr lang="ru-RU" b="1" dirty="0" smtClean="0">
                 <a:latin typeface="Times New Roman" pitchFamily="18" charset="0"/>
               </a:rPr>
-              <a:t>(национальный исследовательский </a:t>
-            </a:r>
-            <a:r>
-              <a:rPr lang="ru-RU" b="1" smtClean="0">
-                <a:latin typeface="Times New Roman" pitchFamily="18" charset="0"/>
-              </a:rPr>
-              <a:t>университет)»</a:t>
-            </a:r>
-            <a:r>
-              <a:rPr lang="ru-RU" b="1" dirty="0" smtClean="0">
-                <a:latin typeface="Times New Roman" pitchFamily="18" charset="0"/>
-              </a:rPr>
-              <a:t/>
+              <a:t>(национальный исследовательский университет)»</a:t>
             </a:r>
             <a:br>
               <a:rPr lang="ru-RU" b="1" dirty="0" smtClean="0">
@@ -3539,19 +3532,37 @@
               <a:rPr lang="ru-RU" dirty="0" smtClean="0">
                 <a:latin typeface="Times New Roman" pitchFamily="18" charset="0"/>
               </a:rPr>
-              <a:t>Автор: </a:t>
-            </a:r>
-            <a:r>
-              <a:rPr lang="ru-RU" dirty="0" err="1" smtClean="0">
+              <a:t>Автор</a:t>
+            </a:r>
+            <a:r>
+              <a:rPr lang="ru-RU" dirty="0" smtClean="0">
+                <a:latin typeface="Times New Roman" pitchFamily="18" charset="0"/>
+              </a:rPr>
+              <a:t>: </a:t>
+            </a:r>
+            <a:r>
+              <a:rPr lang="ru-RU" dirty="0" smtClean="0">
+                <a:latin typeface="Times New Roman" pitchFamily="18" charset="0"/>
+              </a:rPr>
+              <a:t>студент группы </a:t>
+            </a:r>
+            <a:r>
+              <a:rPr lang="ru-RU" dirty="0">
+                <a:latin typeface="Times New Roman" pitchFamily="18" charset="0"/>
+              </a:rPr>
+              <a:t>8О-410Бцк-13, </a:t>
+            </a:r>
+            <a:r>
+              <a:rPr lang="ru-RU" dirty="0" err="1">
                 <a:latin typeface="Times New Roman" pitchFamily="18" charset="0"/>
               </a:rPr>
               <a:t>Эйхорн</a:t>
             </a:r>
             <a:r>
-              <a:rPr lang="ru-RU" dirty="0" smtClean="0">
+              <a:rPr lang="ru-RU" dirty="0">
                 <a:latin typeface="Times New Roman" pitchFamily="18" charset="0"/>
               </a:rPr>
-              <a:t> Алексей Витальевич, студент группы 8О-410Бцк-13</a:t>
+              <a:t> Алексей Витальевич</a:t>
             </a:r>
             <a:endParaRPr lang="ru-RU" dirty="0" smtClean="0">
               <a:solidFill>
@@ -3677,6 +3688,905 @@
         </p:nvSpPr>
         <p:spPr>
           <a:xfrm>
+            <a:off x="823452" y="45561"/>
+            <a:ext cx="10683240" cy="869315"/>
+          </a:xfrm>
+        </p:spPr>
+        <p:txBody>
+          <a:bodyPr>
+            <a:normAutofit/>
+          </a:bodyPr>
+          <a:lstStyle/>
+          <a:p>
+            <a:pPr algn="ctr"/>
+            <a:r>
+              <a:rPr lang="ru-RU" dirty="0" smtClean="0">
+                <a:latin typeface="Arial" panose="020B0604020202020204" pitchFamily="34" charset="0"/>
+                <a:cs typeface="Arial" panose="020B0604020202020204" pitchFamily="34" charset="0"/>
+              </a:rPr>
+              <a:t>Структура программы</a:t>
+            </a:r>
+            <a:endParaRPr lang="ru-RU" dirty="0">
+              <a:latin typeface="Arial" panose="020B0604020202020204" pitchFamily="34" charset="0"/>
+              <a:cs typeface="Arial" panose="020B0604020202020204" pitchFamily="34" charset="0"/>
+            </a:endParaRPr>
+          </a:p>
+        </p:txBody>
+      </p:sp>
+      <p:sp>
+        <p:nvSpPr>
+          <p:cNvPr id="5" name="Номер слайда 4"/>
+          <p:cNvSpPr>
+            <a:spLocks noGrp="1"/>
+          </p:cNvSpPr>
+          <p:nvPr>
+            <p:ph type="sldNum" sz="quarter" idx="12"/>
+          </p:nvPr>
+        </p:nvSpPr>
+        <p:spPr/>
+        <p:txBody>
+          <a:bodyPr/>
+          <a:lstStyle/>
+          <a:p>
+            <a:fld id="{AAAC123C-EF72-4040-95C0-D263971896EB}" type="slidenum">
+              <a:rPr lang="ru-RU" smtClean="0"/>
+              <a:t>10</a:t>
+            </a:fld>
+            <a:endParaRPr lang="ru-RU"/>
+          </a:p>
+        </p:txBody>
+      </p:sp>
+      <p:sp>
+        <p:nvSpPr>
+          <p:cNvPr id="6" name="Rectangle 2"/>
+          <p:cNvSpPr>
+            <a:spLocks noChangeArrowheads="1"/>
+          </p:cNvSpPr>
+          <p:nvPr/>
+        </p:nvSpPr>
+        <p:spPr bwMode="auto">
+          <a:xfrm>
+            <a:off x="3230218" y="1234440"/>
+            <a:ext cx="12192000" cy="0"/>
+          </a:xfrm>
+          <a:prstGeom prst="rect">
+            <a:avLst/>
+          </a:prstGeom>
+          <a:noFill/>
+          <a:ln>
+            <a:noFill/>
+          </a:ln>
+          <a:effectLst/>
+          <a:extLst>
+            <a:ext uri="{909E8E84-426E-40DD-AFC4-6F175D3DCCD1}">
+              <a14:hiddenFill xmlns:a14="http://schemas.microsoft.com/office/drawing/2010/main">
+                <a:solidFill>
+                  <a:schemeClr val="accent1"/>
+                </a:solidFill>
+              </a14:hiddenFill>
+            </a:ext>
+            <a:ext uri="{91240B29-F687-4F45-9708-019B960494DF}">
+              <a14:hiddenLine xmlns:a14="http://schemas.microsoft.com/office/drawing/2010/main" w="9525">
+                <a:solidFill>
+                  <a:schemeClr val="tx1"/>
+                </a:solidFill>
+                <a:miter lim="800000"/>
+                <a:headEnd/>
+                <a:tailEnd/>
+              </a14:hiddenLine>
+            </a:ext>
+            <a:ext uri="{AF507438-7753-43E0-B8FC-AC1667EBCBE1}">
+              <a14:hiddenEffects xmlns:a14="http://schemas.microsoft.com/office/drawing/2010/main">
+                <a:effectLst>
+                  <a:outerShdw dist="35921" dir="2700000" algn="ctr" rotWithShape="0">
+                    <a:schemeClr val="bg2"/>
+                  </a:outerShdw>
+                </a:effectLst>
+              </a14:hiddenEffects>
+            </a:ext>
+          </a:extLst>
+        </p:spPr>
+        <p:txBody>
+          <a:bodyPr vert="horz" wrap="none" lIns="91440" tIns="45720" rIns="91440" bIns="45720" numCol="1" anchor="ctr" anchorCtr="0" compatLnSpc="1">
+            <a:prstTxWarp prst="textNoShape">
+              <a:avLst/>
+            </a:prstTxWarp>
+            <a:spAutoFit/>
+          </a:bodyPr>
+          <a:lstStyle/>
+          <a:p>
+            <a:endParaRPr lang="ru-RU"/>
+          </a:p>
+        </p:txBody>
+      </p:sp>
+      <p:graphicFrame>
+        <p:nvGraphicFramePr>
+          <p:cNvPr id="7" name="Объект 6"/>
+          <p:cNvGraphicFramePr>
+            <a:graphicFrameLocks noChangeAspect="1"/>
+          </p:cNvGraphicFramePr>
+          <p:nvPr>
+            <p:extLst>
+              <p:ext uri="{D42A27DB-BD31-4B8C-83A1-F6EECF244321}">
+                <p14:modId xmlns:p14="http://schemas.microsoft.com/office/powerpoint/2010/main" val="3777444670"/>
+              </p:ext>
+            </p:extLst>
+          </p:nvPr>
+        </p:nvGraphicFramePr>
+        <p:xfrm>
+          <a:off x="3290575" y="914876"/>
+          <a:ext cx="5748993" cy="5623560"/>
+        </p:xfrm>
+        <a:graphic>
+          <a:graphicData uri="http://schemas.openxmlformats.org/presentationml/2006/ole">
+            <mc:AlternateContent xmlns:mc="http://schemas.openxmlformats.org/markup-compatibility/2006">
+              <mc:Choice xmlns:v="urn:schemas-microsoft-com:vml" Requires="v">
+                <p:oleObj spid="_x0000_s2054" name="Visio" r:id="rId3" imgW="3533813" imgH="3447999" progId="Visio.Drawing.15">
+                  <p:embed/>
+                </p:oleObj>
+              </mc:Choice>
+              <mc:Fallback>
+                <p:oleObj name="Visio" r:id="rId3" imgW="3533813" imgH="3447999" progId="Visio.Drawing.15">
+                  <p:embed/>
+                  <p:pic>
+                    <p:nvPicPr>
+                      <p:cNvPr id="0" name="Object 1"/>
+                      <p:cNvPicPr>
+                        <a:picLocks noChangeAspect="1" noChangeArrowheads="1"/>
+                      </p:cNvPicPr>
+                      <p:nvPr/>
+                    </p:nvPicPr>
+                    <p:blipFill>
+                      <a:blip r:embed="rId4"/>
+                      <a:srcRect/>
+                      <a:stretch>
+                        <a:fillRect/>
+                      </a:stretch>
+                    </p:blipFill>
+                    <p:spPr bwMode="auto">
+                      <a:xfrm>
+                        <a:off x="3290575" y="914876"/>
+                        <a:ext cx="5748993" cy="5623560"/>
+                      </a:xfrm>
+                      <a:prstGeom prst="rect">
+                        <a:avLst/>
+                      </a:prstGeom>
+                      <a:noFill/>
+                    </p:spPr>
+                  </p:pic>
+                </p:oleObj>
+              </mc:Fallback>
+            </mc:AlternateContent>
+          </a:graphicData>
+        </a:graphic>
+      </p:graphicFrame>
+    </p:spTree>
+    <p:extLst>
+      <p:ext uri="{BB962C8B-B14F-4D97-AF65-F5344CB8AC3E}">
+        <p14:creationId xmlns:p14="http://schemas.microsoft.com/office/powerpoint/2010/main" val="3181292638"/>
+      </p:ext>
+    </p:extLst>
+  </p:cSld>
+  <p:clrMapOvr>
+    <a:masterClrMapping/>
+  </p:clrMapOvr>
+  <p:timing>
+    <p:tnLst>
+      <p:par>
+        <p:cTn id="1" dur="indefinite" restart="never" nodeType="tmRoot"/>
+      </p:par>
+    </p:tnLst>
+  </p:timing>
+</p:sld>
+</file>
+
+<file path=ppt/slides/slide11.xml><?xml version="1.0" encoding="utf-8"?>
+<p:sld xmlns:a="http://schemas.openxmlformats.org/drawingml/2006/main" xmlns:r="http://schemas.openxmlformats.org/officeDocument/2006/relationships" xmlns:p="http://schemas.openxmlformats.org/presentationml/2006/main">
+  <p:cSld>
+    <p:spTree>
+      <p:nvGrpSpPr>
+        <p:cNvPr id="1" name=""/>
+        <p:cNvGrpSpPr/>
+        <p:nvPr/>
+      </p:nvGrpSpPr>
+      <p:grpSpPr>
+        <a:xfrm>
+          <a:off x="0" y="0"/>
+          <a:ext cx="0" cy="0"/>
+          <a:chOff x="0" y="0"/>
+          <a:chExt cx="0" cy="0"/>
+        </a:xfrm>
+      </p:grpSpPr>
+      <p:sp>
+        <p:nvSpPr>
+          <p:cNvPr id="2" name="Заголовок 1"/>
+          <p:cNvSpPr>
+            <a:spLocks noGrp="1"/>
+          </p:cNvSpPr>
+          <p:nvPr>
+            <p:ph type="title"/>
+          </p:nvPr>
+        </p:nvSpPr>
+        <p:spPr>
+          <a:xfrm>
+            <a:off x="838200" y="365125"/>
+            <a:ext cx="10683240" cy="869315"/>
+          </a:xfrm>
+        </p:spPr>
+        <p:txBody>
+          <a:bodyPr>
+            <a:normAutofit/>
+          </a:bodyPr>
+          <a:lstStyle/>
+          <a:p>
+            <a:pPr algn="ctr"/>
+            <a:r>
+              <a:rPr lang="ru-RU" dirty="0" smtClean="0">
+                <a:latin typeface="Arial" panose="020B0604020202020204" pitchFamily="34" charset="0"/>
+                <a:cs typeface="Arial" panose="020B0604020202020204" pitchFamily="34" charset="0"/>
+              </a:rPr>
+              <a:t>Пример</a:t>
+            </a:r>
+            <a:endParaRPr lang="ru-RU" dirty="0">
+              <a:latin typeface="Arial" panose="020B0604020202020204" pitchFamily="34" charset="0"/>
+              <a:cs typeface="Arial" panose="020B0604020202020204" pitchFamily="34" charset="0"/>
+            </a:endParaRPr>
+          </a:p>
+        </p:txBody>
+      </p:sp>
+      <p:sp>
+        <p:nvSpPr>
+          <p:cNvPr id="5" name="Номер слайда 4"/>
+          <p:cNvSpPr>
+            <a:spLocks noGrp="1"/>
+          </p:cNvSpPr>
+          <p:nvPr>
+            <p:ph type="sldNum" sz="quarter" idx="12"/>
+          </p:nvPr>
+        </p:nvSpPr>
+        <p:spPr/>
+        <p:txBody>
+          <a:bodyPr/>
+          <a:lstStyle/>
+          <a:p>
+            <a:fld id="{AAAC123C-EF72-4040-95C0-D263971896EB}" type="slidenum">
+              <a:rPr lang="ru-RU" smtClean="0"/>
+              <a:t>11</a:t>
+            </a:fld>
+            <a:endParaRPr lang="ru-RU"/>
+          </a:p>
+        </p:txBody>
+      </p:sp>
+      <p:pic>
+        <p:nvPicPr>
+          <p:cNvPr id="6" name="Рисунок 5"/>
+          <p:cNvPicPr>
+            <a:picLocks noChangeAspect="1"/>
+          </p:cNvPicPr>
+          <p:nvPr/>
+        </p:nvPicPr>
+        <p:blipFill>
+          <a:blip r:embed="rId2">
+            <a:clrChange>
+              <a:clrFrom>
+                <a:srgbClr val="FAFFFF"/>
+              </a:clrFrom>
+              <a:clrTo>
+                <a:srgbClr val="FAFFFF">
+                  <a:alpha val="0"/>
+                </a:srgbClr>
+              </a:clrTo>
+            </a:clrChange>
+            <a:extLst>
+              <a:ext uri="{28A0092B-C50C-407E-A947-70E740481C1C}">
+                <a14:useLocalDpi xmlns:a14="http://schemas.microsoft.com/office/drawing/2010/main" val="0"/>
+              </a:ext>
+            </a:extLst>
+          </a:blip>
+          <a:stretch>
+            <a:fillRect/>
+          </a:stretch>
+        </p:blipFill>
+        <p:spPr>
+          <a:xfrm>
+            <a:off x="1091088" y="1484471"/>
+            <a:ext cx="10177463" cy="5027091"/>
+          </a:xfrm>
+          <a:prstGeom prst="rect">
+            <a:avLst/>
+          </a:prstGeom>
+        </p:spPr>
+      </p:pic>
+    </p:spTree>
+    <p:extLst>
+      <p:ext uri="{BB962C8B-B14F-4D97-AF65-F5344CB8AC3E}">
+        <p14:creationId xmlns:p14="http://schemas.microsoft.com/office/powerpoint/2010/main" val="3292136006"/>
+      </p:ext>
+    </p:extLst>
+  </p:cSld>
+  <p:clrMapOvr>
+    <a:masterClrMapping/>
+  </p:clrMapOvr>
+  <p:timing>
+    <p:tnLst>
+      <p:par>
+        <p:cTn id="1" dur="indefinite" restart="never" nodeType="tmRoot"/>
+      </p:par>
+    </p:tnLst>
+  </p:timing>
+</p:sld>
+</file>
+
+<file path=ppt/slides/slide12.xml><?xml version="1.0" encoding="utf-8"?>
+<p:sld xmlns:a="http://schemas.openxmlformats.org/drawingml/2006/main" xmlns:r="http://schemas.openxmlformats.org/officeDocument/2006/relationships" xmlns:p="http://schemas.openxmlformats.org/presentationml/2006/main">
+  <p:cSld>
+    <p:spTree>
+      <p:nvGrpSpPr>
+        <p:cNvPr id="1" name=""/>
+        <p:cNvGrpSpPr/>
+        <p:nvPr/>
+      </p:nvGrpSpPr>
+      <p:grpSpPr>
+        <a:xfrm>
+          <a:off x="0" y="0"/>
+          <a:ext cx="0" cy="0"/>
+          <a:chOff x="0" y="0"/>
+          <a:chExt cx="0" cy="0"/>
+        </a:xfrm>
+      </p:grpSpPr>
+      <p:sp>
+        <p:nvSpPr>
+          <p:cNvPr id="2" name="Заголовок 1"/>
+          <p:cNvSpPr>
+            <a:spLocks noGrp="1"/>
+          </p:cNvSpPr>
+          <p:nvPr>
+            <p:ph type="title"/>
+          </p:nvPr>
+        </p:nvSpPr>
+        <p:spPr>
+          <a:xfrm>
+            <a:off x="838200" y="365125"/>
+            <a:ext cx="10683240" cy="869315"/>
+          </a:xfrm>
+        </p:spPr>
+        <p:txBody>
+          <a:bodyPr>
+            <a:normAutofit/>
+          </a:bodyPr>
+          <a:lstStyle/>
+          <a:p>
+            <a:pPr algn="ctr"/>
+            <a:r>
+              <a:rPr lang="ru-RU" dirty="0" smtClean="0">
+                <a:latin typeface="Arial" panose="020B0604020202020204" pitchFamily="34" charset="0"/>
+                <a:cs typeface="Arial" panose="020B0604020202020204" pitchFamily="34" charset="0"/>
+              </a:rPr>
+              <a:t>Пример</a:t>
+            </a:r>
+            <a:endParaRPr lang="ru-RU" dirty="0">
+              <a:latin typeface="Arial" panose="020B0604020202020204" pitchFamily="34" charset="0"/>
+              <a:cs typeface="Arial" panose="020B0604020202020204" pitchFamily="34" charset="0"/>
+            </a:endParaRPr>
+          </a:p>
+        </p:txBody>
+      </p:sp>
+      <p:sp>
+        <p:nvSpPr>
+          <p:cNvPr id="5" name="Номер слайда 4"/>
+          <p:cNvSpPr>
+            <a:spLocks noGrp="1"/>
+          </p:cNvSpPr>
+          <p:nvPr>
+            <p:ph type="sldNum" sz="quarter" idx="12"/>
+          </p:nvPr>
+        </p:nvSpPr>
+        <p:spPr/>
+        <p:txBody>
+          <a:bodyPr/>
+          <a:lstStyle/>
+          <a:p>
+            <a:fld id="{AAAC123C-EF72-4040-95C0-D263971896EB}" type="slidenum">
+              <a:rPr lang="ru-RU" smtClean="0"/>
+              <a:t>12</a:t>
+            </a:fld>
+            <a:endParaRPr lang="ru-RU"/>
+          </a:p>
+        </p:txBody>
+      </p:sp>
+      <p:pic>
+        <p:nvPicPr>
+          <p:cNvPr id="6" name="Рисунок 5"/>
+          <p:cNvPicPr>
+            <a:picLocks noChangeAspect="1"/>
+          </p:cNvPicPr>
+          <p:nvPr/>
+        </p:nvPicPr>
+        <p:blipFill>
+          <a:blip r:embed="rId2"/>
+          <a:stretch>
+            <a:fillRect/>
+          </a:stretch>
+        </p:blipFill>
+        <p:spPr>
+          <a:xfrm>
+            <a:off x="253237" y="1484471"/>
+            <a:ext cx="11853166" cy="2095499"/>
+          </a:xfrm>
+          <a:prstGeom prst="rect">
+            <a:avLst/>
+          </a:prstGeom>
+        </p:spPr>
+      </p:pic>
+      <p:sp>
+        <p:nvSpPr>
+          <p:cNvPr id="7" name="TextBox 6"/>
+          <p:cNvSpPr txBox="1"/>
+          <p:nvPr/>
+        </p:nvSpPr>
+        <p:spPr>
+          <a:xfrm>
+            <a:off x="253236" y="3830001"/>
+            <a:ext cx="11816181" cy="2677656"/>
+          </a:xfrm>
+          <a:prstGeom prst="rect">
+            <a:avLst/>
+          </a:prstGeom>
+          <a:noFill/>
+        </p:spPr>
+        <p:txBody>
+          <a:bodyPr wrap="square" rtlCol="0">
+            <a:spAutoFit/>
+          </a:bodyPr>
+          <a:lstStyle/>
+          <a:p>
+            <a:r>
+              <a:rPr lang="ru-RU" sz="2800" dirty="0" smtClean="0"/>
+              <a:t>Оптимальным выбором в данном случае является третий вариант – </a:t>
+            </a:r>
+            <a:r>
+              <a:rPr lang="en-US" sz="2800" dirty="0" err="1" smtClean="0"/>
+              <a:t>Elantra</a:t>
+            </a:r>
+            <a:r>
+              <a:rPr lang="ru-RU" sz="2800" dirty="0" smtClean="0"/>
+              <a:t>.</a:t>
+            </a:r>
+          </a:p>
+          <a:p>
+            <a:endParaRPr lang="ru-RU" sz="2800" dirty="0"/>
+          </a:p>
+          <a:p>
+            <a:r>
+              <a:rPr lang="ru-RU" sz="2800" dirty="0" smtClean="0"/>
+              <a:t>Шкала: 1…9.</a:t>
+            </a:r>
+          </a:p>
+          <a:p>
+            <a:r>
+              <a:rPr lang="ru-RU" sz="2800" dirty="0" smtClean="0"/>
+              <a:t>Среднее время выставление оценки: 11.3 секунды.</a:t>
+            </a:r>
+            <a:endParaRPr lang="ru-RU" sz="2800" dirty="0"/>
+          </a:p>
+          <a:p>
+            <a:r>
+              <a:rPr lang="ru-RU" sz="2800" dirty="0" smtClean="0"/>
+              <a:t>Шкала: 1…5.</a:t>
+            </a:r>
+          </a:p>
+          <a:p>
+            <a:r>
+              <a:rPr lang="ru-RU" sz="2800" dirty="0" smtClean="0"/>
+              <a:t>Среднее время выставления оценки: 6.5 секунды.</a:t>
+            </a:r>
+            <a:endParaRPr lang="ru-RU" sz="2800" dirty="0"/>
+          </a:p>
+        </p:txBody>
+      </p:sp>
+    </p:spTree>
+    <p:extLst>
+      <p:ext uri="{BB962C8B-B14F-4D97-AF65-F5344CB8AC3E}">
+        <p14:creationId xmlns:p14="http://schemas.microsoft.com/office/powerpoint/2010/main" val="4173633193"/>
+      </p:ext>
+    </p:extLst>
+  </p:cSld>
+  <p:clrMapOvr>
+    <a:masterClrMapping/>
+  </p:clrMapOvr>
+  <p:timing>
+    <p:tnLst>
+      <p:par>
+        <p:cTn id="1" dur="indefinite" restart="never" nodeType="tmRoot"/>
+      </p:par>
+    </p:tnLst>
+  </p:timing>
+</p:sld>
+</file>
+
+<file path=ppt/slides/slide13.xml><?xml version="1.0" encoding="utf-8"?>
+<p:sld xmlns:a="http://schemas.openxmlformats.org/drawingml/2006/main" xmlns:r="http://schemas.openxmlformats.org/officeDocument/2006/relationships" xmlns:p="http://schemas.openxmlformats.org/presentationml/2006/main">
+  <p:cSld>
+    <p:spTree>
+      <p:nvGrpSpPr>
+        <p:cNvPr id="1" name=""/>
+        <p:cNvGrpSpPr/>
+        <p:nvPr/>
+      </p:nvGrpSpPr>
+      <p:grpSpPr>
+        <a:xfrm>
+          <a:off x="0" y="0"/>
+          <a:ext cx="0" cy="0"/>
+          <a:chOff x="0" y="0"/>
+          <a:chExt cx="0" cy="0"/>
+        </a:xfrm>
+      </p:grpSpPr>
+      <p:sp>
+        <p:nvSpPr>
+          <p:cNvPr id="2" name="Заголовок 1"/>
+          <p:cNvSpPr>
+            <a:spLocks noGrp="1"/>
+          </p:cNvSpPr>
+          <p:nvPr>
+            <p:ph type="title"/>
+          </p:nvPr>
+        </p:nvSpPr>
+        <p:spPr>
+          <a:xfrm>
+            <a:off x="838200" y="365125"/>
+            <a:ext cx="10683240" cy="869315"/>
+          </a:xfrm>
+        </p:spPr>
+        <p:txBody>
+          <a:bodyPr/>
+          <a:lstStyle/>
+          <a:p>
+            <a:pPr algn="ctr"/>
+            <a:r>
+              <a:rPr lang="ru-RU" dirty="0" smtClean="0">
+                <a:latin typeface="Arial" panose="020B0604020202020204" pitchFamily="34" charset="0"/>
+                <a:cs typeface="Arial" panose="020B0604020202020204" pitchFamily="34" charset="0"/>
+              </a:rPr>
+              <a:t>Заключение</a:t>
+            </a:r>
+            <a:endParaRPr lang="ru-RU" dirty="0">
+              <a:latin typeface="Arial" panose="020B0604020202020204" pitchFamily="34" charset="0"/>
+              <a:cs typeface="Arial" panose="020B0604020202020204" pitchFamily="34" charset="0"/>
+            </a:endParaRPr>
+          </a:p>
+        </p:txBody>
+      </p:sp>
+      <p:sp>
+        <p:nvSpPr>
+          <p:cNvPr id="3" name="Объект 2"/>
+          <p:cNvSpPr>
+            <a:spLocks noGrp="1"/>
+          </p:cNvSpPr>
+          <p:nvPr>
+            <p:ph idx="1"/>
+          </p:nvPr>
+        </p:nvSpPr>
+        <p:spPr>
+          <a:xfrm>
+            <a:off x="838200" y="1234440"/>
+            <a:ext cx="10515600" cy="5417820"/>
+          </a:xfrm>
+        </p:spPr>
+        <p:txBody>
+          <a:bodyPr/>
+          <a:lstStyle/>
+          <a:p>
+            <a:pPr marL="0" indent="0">
+              <a:buNone/>
+            </a:pPr>
+            <a:r>
+              <a:rPr lang="ru-RU" dirty="0"/>
+              <a:t>В </a:t>
+            </a:r>
+            <a:r>
+              <a:rPr lang="ru-RU" dirty="0" smtClean="0"/>
+              <a:t>данной </a:t>
+            </a:r>
+            <a:r>
+              <a:rPr lang="ru-RU" dirty="0" smtClean="0"/>
+              <a:t>ВКР </a:t>
+            </a:r>
+            <a:r>
+              <a:rPr lang="ru-RU" dirty="0" smtClean="0"/>
+              <a:t>были </a:t>
+            </a:r>
+            <a:r>
+              <a:rPr lang="ru-RU" dirty="0"/>
+              <a:t>решены следующие задачи:</a:t>
+            </a:r>
+          </a:p>
+          <a:p>
+            <a:pPr marL="0" indent="0">
+              <a:buNone/>
+            </a:pPr>
+            <a:r>
+              <a:rPr lang="ru-RU" dirty="0"/>
+              <a:t>- сравнение существующих программ реализующих метод анализа иерархий (МАИ), на основе этого сформулировать требования к разрабатываемой программе;</a:t>
+            </a:r>
+          </a:p>
+          <a:p>
+            <a:pPr marL="0" indent="0">
+              <a:buNone/>
+            </a:pPr>
+            <a:r>
+              <a:rPr lang="ru-RU" dirty="0"/>
+              <a:t>-  на основе этих требований разработана программа;</a:t>
+            </a:r>
+          </a:p>
+          <a:p>
+            <a:pPr marL="0" indent="0">
+              <a:buNone/>
+            </a:pPr>
+            <a:r>
+              <a:rPr lang="ru-RU" dirty="0"/>
+              <a:t>- разработанная программа применена на практике для проведения опросов;</a:t>
+            </a:r>
+          </a:p>
+          <a:p>
+            <a:pPr marL="0" indent="0">
+              <a:buNone/>
+            </a:pPr>
+            <a:r>
+              <a:rPr lang="ru-RU" dirty="0"/>
+              <a:t>- </a:t>
+            </a:r>
+            <a:r>
+              <a:rPr lang="ru-RU" dirty="0" smtClean="0"/>
+              <a:t>применение программы </a:t>
+            </a:r>
+            <a:r>
+              <a:rPr lang="ru-RU" dirty="0"/>
+              <a:t>для улучшения МАИ (шкалы оценок).</a:t>
+            </a:r>
+          </a:p>
+        </p:txBody>
+      </p:sp>
+      <p:sp>
+        <p:nvSpPr>
+          <p:cNvPr id="4" name="Номер слайда 3"/>
+          <p:cNvSpPr>
+            <a:spLocks noGrp="1"/>
+          </p:cNvSpPr>
+          <p:nvPr>
+            <p:ph type="sldNum" sz="quarter" idx="12"/>
+          </p:nvPr>
+        </p:nvSpPr>
+        <p:spPr/>
+        <p:txBody>
+          <a:bodyPr/>
+          <a:lstStyle/>
+          <a:p>
+            <a:fld id="{AAAC123C-EF72-4040-95C0-D263971896EB}" type="slidenum">
+              <a:rPr lang="ru-RU" smtClean="0"/>
+              <a:t>13</a:t>
+            </a:fld>
+            <a:endParaRPr lang="ru-RU"/>
+          </a:p>
+        </p:txBody>
+      </p:sp>
+    </p:spTree>
+    <p:extLst>
+      <p:ext uri="{BB962C8B-B14F-4D97-AF65-F5344CB8AC3E}">
+        <p14:creationId xmlns:p14="http://schemas.microsoft.com/office/powerpoint/2010/main" val="3183388004"/>
+      </p:ext>
+    </p:extLst>
+  </p:cSld>
+  <p:clrMapOvr>
+    <a:masterClrMapping/>
+  </p:clrMapOvr>
+  <p:timing>
+    <p:tnLst>
+      <p:par>
+        <p:cTn id="1" dur="indefinite" restart="never" nodeType="tmRoot"/>
+      </p:par>
+    </p:tnLst>
+  </p:timing>
+</p:sld>
+</file>
+
+<file path=ppt/slides/slide14.xml><?xml version="1.0" encoding="utf-8"?>
+<p:sld xmlns:a="http://schemas.openxmlformats.org/drawingml/2006/main" xmlns:r="http://schemas.openxmlformats.org/officeDocument/2006/relationships" xmlns:p="http://schemas.openxmlformats.org/presentationml/2006/main">
+  <p:cSld>
+    <p:spTree>
+      <p:nvGrpSpPr>
+        <p:cNvPr id="1" name=""/>
+        <p:cNvGrpSpPr/>
+        <p:nvPr/>
+      </p:nvGrpSpPr>
+      <p:grpSpPr>
+        <a:xfrm>
+          <a:off x="0" y="0"/>
+          <a:ext cx="0" cy="0"/>
+          <a:chOff x="0" y="0"/>
+          <a:chExt cx="0" cy="0"/>
+        </a:xfrm>
+      </p:grpSpPr>
+      <p:sp>
+        <p:nvSpPr>
+          <p:cNvPr id="2" name="Заголовок 1"/>
+          <p:cNvSpPr>
+            <a:spLocks noGrp="1"/>
+          </p:cNvSpPr>
+          <p:nvPr>
+            <p:ph type="title"/>
+          </p:nvPr>
+        </p:nvSpPr>
+        <p:spPr>
+          <a:xfrm>
+            <a:off x="838200" y="365125"/>
+            <a:ext cx="10683240" cy="869315"/>
+          </a:xfrm>
+        </p:spPr>
+        <p:txBody>
+          <a:bodyPr/>
+          <a:lstStyle/>
+          <a:p>
+            <a:pPr algn="ctr"/>
+            <a:r>
+              <a:rPr lang="ru-RU" dirty="0" smtClean="0">
+                <a:latin typeface="Arial" panose="020B0604020202020204" pitchFamily="34" charset="0"/>
+                <a:cs typeface="Arial" panose="020B0604020202020204" pitchFamily="34" charset="0"/>
+              </a:rPr>
+              <a:t>Заключение</a:t>
+            </a:r>
+            <a:endParaRPr lang="ru-RU" dirty="0">
+              <a:latin typeface="Arial" panose="020B0604020202020204" pitchFamily="34" charset="0"/>
+              <a:cs typeface="Arial" panose="020B0604020202020204" pitchFamily="34" charset="0"/>
+            </a:endParaRPr>
+          </a:p>
+        </p:txBody>
+      </p:sp>
+      <p:sp>
+        <p:nvSpPr>
+          <p:cNvPr id="3" name="Объект 2"/>
+          <p:cNvSpPr>
+            <a:spLocks noGrp="1"/>
+          </p:cNvSpPr>
+          <p:nvPr>
+            <p:ph idx="1"/>
+          </p:nvPr>
+        </p:nvSpPr>
+        <p:spPr>
+          <a:xfrm>
+            <a:off x="838200" y="1234440"/>
+            <a:ext cx="10515600" cy="5417820"/>
+          </a:xfrm>
+        </p:spPr>
+        <p:txBody>
+          <a:bodyPr/>
+          <a:lstStyle/>
+          <a:p>
+            <a:pPr marL="0" indent="0">
+              <a:buNone/>
+            </a:pPr>
+            <a:r>
+              <a:rPr lang="ru-RU" dirty="0"/>
+              <a:t>К перспективам стоит отнести следующие пункты:</a:t>
+            </a:r>
+          </a:p>
+          <a:p>
+            <a:pPr marL="0" indent="0">
+              <a:buNone/>
+            </a:pPr>
+            <a:r>
+              <a:rPr lang="ru-RU" dirty="0"/>
+              <a:t>- представление оценок как нечётких множеств, использование лингвистических переменных;</a:t>
+            </a:r>
+          </a:p>
+          <a:p>
+            <a:pPr marL="0" indent="0">
+              <a:buNone/>
+            </a:pPr>
+            <a:r>
+              <a:rPr lang="ru-RU" dirty="0"/>
+              <a:t>- изменения веса оценок эксперта, в зависимости от истории его прошлых оценок;</a:t>
+            </a:r>
+          </a:p>
+          <a:p>
+            <a:pPr marL="0" indent="0">
+              <a:buNone/>
+            </a:pPr>
+            <a:r>
+              <a:rPr lang="ru-RU" dirty="0"/>
+              <a:t>- добавление новых методов анализа оценок экспертов;</a:t>
+            </a:r>
+          </a:p>
+          <a:p>
+            <a:pPr marL="0" indent="0">
+              <a:buNone/>
+            </a:pPr>
+            <a:r>
+              <a:rPr lang="ru-RU" dirty="0"/>
+              <a:t>- замена </a:t>
+            </a:r>
+            <a:r>
+              <a:rPr lang="ru-RU" dirty="0" err="1"/>
+              <a:t>фронтэнда</a:t>
+            </a:r>
+            <a:r>
+              <a:rPr lang="ru-RU" dirty="0"/>
+              <a:t> программы на веб-сайт, для проведения удалённых опросов.</a:t>
+            </a:r>
+          </a:p>
+        </p:txBody>
+      </p:sp>
+      <p:sp>
+        <p:nvSpPr>
+          <p:cNvPr id="4" name="Номер слайда 3"/>
+          <p:cNvSpPr>
+            <a:spLocks noGrp="1"/>
+          </p:cNvSpPr>
+          <p:nvPr>
+            <p:ph type="sldNum" sz="quarter" idx="12"/>
+          </p:nvPr>
+        </p:nvSpPr>
+        <p:spPr/>
+        <p:txBody>
+          <a:bodyPr/>
+          <a:lstStyle/>
+          <a:p>
+            <a:fld id="{AAAC123C-EF72-4040-95C0-D263971896EB}" type="slidenum">
+              <a:rPr lang="ru-RU" smtClean="0"/>
+              <a:t>14</a:t>
+            </a:fld>
+            <a:endParaRPr lang="ru-RU"/>
+          </a:p>
+        </p:txBody>
+      </p:sp>
+    </p:spTree>
+    <p:extLst>
+      <p:ext uri="{BB962C8B-B14F-4D97-AF65-F5344CB8AC3E}">
+        <p14:creationId xmlns:p14="http://schemas.microsoft.com/office/powerpoint/2010/main" val="1991257676"/>
+      </p:ext>
+    </p:extLst>
+  </p:cSld>
+  <p:clrMapOvr>
+    <a:masterClrMapping/>
+  </p:clrMapOvr>
+  <p:timing>
+    <p:tnLst>
+      <p:par>
+        <p:cTn id="1" dur="indefinite" restart="never" nodeType="tmRoot"/>
+      </p:par>
+    </p:tnLst>
+  </p:timing>
+</p:sld>
+</file>
+
+<file path=ppt/slides/slide15.xml><?xml version="1.0" encoding="utf-8"?>
+<p:sld xmlns:a="http://schemas.openxmlformats.org/drawingml/2006/main" xmlns:r="http://schemas.openxmlformats.org/officeDocument/2006/relationships" xmlns:p="http://schemas.openxmlformats.org/presentationml/2006/main">
+  <p:cSld>
+    <p:spTree>
+      <p:nvGrpSpPr>
+        <p:cNvPr id="1" name=""/>
+        <p:cNvGrpSpPr/>
+        <p:nvPr/>
+      </p:nvGrpSpPr>
+      <p:grpSpPr>
+        <a:xfrm>
+          <a:off x="0" y="0"/>
+          <a:ext cx="0" cy="0"/>
+          <a:chOff x="0" y="0"/>
+          <a:chExt cx="0" cy="0"/>
+        </a:xfrm>
+      </p:grpSpPr>
+      <p:sp>
+        <p:nvSpPr>
+          <p:cNvPr id="2" name="Заголовок 1"/>
+          <p:cNvSpPr>
+            <a:spLocks noGrp="1"/>
+          </p:cNvSpPr>
+          <p:nvPr>
+            <p:ph type="title"/>
+          </p:nvPr>
+        </p:nvSpPr>
+        <p:spPr>
+          <a:xfrm>
             <a:off x="342900" y="365124"/>
             <a:ext cx="11072813" cy="6264275"/>
           </a:xfrm>
@@ -3689,11 +4599,32 @@
           <a:p>
             <a:pPr algn="ctr"/>
             <a:r>
+              <a:rPr lang="ru-RU" smtClean="0">
+                <a:latin typeface="Arial" panose="020B0604020202020204" pitchFamily="34" charset="0"/>
+                <a:cs typeface="Arial" panose="020B0604020202020204" pitchFamily="34" charset="0"/>
+              </a:rPr>
+              <a:t>Доклад </a:t>
+            </a:r>
+            <a:r>
+              <a:rPr lang="ru-RU" smtClean="0">
+                <a:latin typeface="Arial" panose="020B0604020202020204" pitchFamily="34" charset="0"/>
+                <a:cs typeface="Arial" panose="020B0604020202020204" pitchFamily="34" charset="0"/>
+              </a:rPr>
+              <a:t>завершён</a:t>
+            </a:r>
+            <a:r>
+              <a:rPr lang="ru-RU" smtClean="0">
+                <a:latin typeface="Arial" panose="020B0604020202020204" pitchFamily="34" charset="0"/>
+                <a:cs typeface="Arial" panose="020B0604020202020204" pitchFamily="34" charset="0"/>
+              </a:rPr>
+              <a:t>.</a:t>
+            </a:r>
+            <a:r>
               <a:rPr lang="ru-RU" dirty="0" smtClean="0">
                 <a:latin typeface="Arial" panose="020B0604020202020204" pitchFamily="34" charset="0"/>
                 <a:cs typeface="Arial" panose="020B0604020202020204" pitchFamily="34" charset="0"/>
               </a:rPr>
-              <a:t>Доклад закончен.</a:t>
+              <a:t/>
             </a:r>
             <a:br>
               <a:rPr lang="ru-RU" dirty="0" smtClean="0">
@@ -3732,7 +4663,7 @@
           <a:p>
             <a:fld id="{AAAC123C-EF72-4040-95C0-D263971896EB}" type="slidenum">
               <a:rPr lang="ru-RU" smtClean="0"/>
-              <a:t>10</a:t>
+              <a:t>15</a:t>
             </a:fld>
             <a:endParaRPr lang="ru-RU"/>
           </a:p>
@@ -3748,6 +4679,13 @@
   <p:clrMapOvr>
     <a:masterClrMapping/>
   </p:clrMapOvr>
+  <p:timing>
+    <p:tnLst>
+      <p:par>
+        <p:cTn id="1" dur="indefinite" restart="never" nodeType="tmRoot"/>
+      </p:par>
+    </p:tnLst>
+  </p:timing>
 </p:sld>
 </file>
 
@@ -3788,19 +4726,13 @@
           <a:bodyPr/>
           <a:lstStyle/>
           <a:p>
+            <a:pPr algn="ctr"/>
             <a:r>
               <a:rPr lang="ru-RU" dirty="0" smtClean="0">
                 <a:latin typeface="Arial" panose="020B0604020202020204" pitchFamily="34" charset="0"/>
                 <a:cs typeface="Arial" panose="020B0604020202020204" pitchFamily="34" charset="0"/>
               </a:rPr>
-              <a:t>Цель, </a:t>
-            </a:r>
-            <a:r>
-              <a:rPr lang="ru-RU" dirty="0" smtClean="0">
-                <a:latin typeface="Arial" panose="020B0604020202020204" pitchFamily="34" charset="0"/>
-                <a:cs typeface="Arial" panose="020B0604020202020204" pitchFamily="34" charset="0"/>
-              </a:rPr>
-              <a:t>задачи</a:t>
+              <a:t>Цель, задачи</a:t>
             </a:r>
             <a:r>
               <a:rPr lang="ru-RU" dirty="0">
@@ -3841,53 +4773,88 @@
         </p:spPr>
         <p:txBody>
           <a:bodyPr>
-            <a:normAutofit fontScale="92500" lnSpcReduction="10000"/>
+            <a:normAutofit lnSpcReduction="10000"/>
           </a:bodyPr>
           <a:lstStyle/>
-          <a:p>
-            <a:r>
-              <a:rPr lang="ru-RU" dirty="0"/>
-              <a:t>Цель данной выпускной квалификационной работы – разработать программу для проведения экспертных опросов по задаваемым проблемам с целью ранжирования объектов и выяснения компетентности экспертов на основе выставляемых ими оценок.</a:t>
-            </a:r>
-          </a:p>
-          <a:p>
-            <a:endParaRPr lang="ru-RU" dirty="0" smtClean="0"/>
-          </a:p>
-          <a:p>
-            <a:endParaRPr lang="ru-RU" dirty="0"/>
-          </a:p>
           <a:p>
             <a:pPr marL="0" indent="0">
               <a:buNone/>
             </a:pPr>
             <a:r>
               <a:rPr lang="ru-RU" dirty="0" smtClean="0"/>
-              <a:t>В </a:t>
+              <a:t>Цель – разработка программы </a:t>
             </a:r>
             <a:r>
               <a:rPr lang="ru-RU" dirty="0"/>
-              <a:t>данной работе должные быть решены следующие задачи:</a:t>
-            </a:r>
-          </a:p>
-          <a:p>
+              <a:t>для проведения экспертных опросов по задаваемым проблемам с целью ранжирования объектов и выяснения компетентности экспертов на основе выставляемых ими оценок.</a:t>
+            </a:r>
+          </a:p>
+          <a:p>
+            <a:pPr marL="0" indent="0">
+              <a:buNone/>
+            </a:pPr>
+            <a:endParaRPr lang="ru-RU" dirty="0"/>
+          </a:p>
+          <a:p>
+            <a:pPr marL="0" indent="0">
+              <a:buNone/>
+            </a:pPr>
+            <a:r>
+              <a:rPr lang="ru-RU" dirty="0" smtClean="0"/>
+              <a:t>Задачи</a:t>
+            </a:r>
             <a:r>
               <a:rPr lang="ru-RU" dirty="0"/>
-              <a:t>- сравнение существующих программ реализующих метод анализа иерархий (МАИ), на основе этого сформулировать требования к разрабатываемой программе;</a:t>
-            </a:r>
-          </a:p>
-          <a:p>
+              <a:t>:</a:t>
+            </a:r>
+          </a:p>
+          <a:p>
+            <a:pPr marL="0" indent="0">
+              <a:buNone/>
+            </a:pPr>
+            <a:r>
+              <a:rPr lang="ru-RU" dirty="0"/>
+              <a:t>- </a:t>
+            </a:r>
+            <a:r>
+              <a:rPr lang="ru-RU" dirty="0" smtClean="0"/>
+              <a:t>сравнить существующие программы реализующие </a:t>
+            </a:r>
+            <a:r>
+              <a:rPr lang="ru-RU" dirty="0"/>
+              <a:t>метод анализа иерархий (МАИ), </a:t>
+            </a:r>
+            <a:r>
+              <a:rPr lang="ru-RU" dirty="0" smtClean="0"/>
+              <a:t>сформулировать </a:t>
+            </a:r>
+            <a:r>
+              <a:rPr lang="ru-RU" dirty="0"/>
+              <a:t>требования к разрабатываемой программе;</a:t>
+            </a:r>
+          </a:p>
+          <a:p>
+            <a:pPr marL="0" indent="0">
+              <a:buNone/>
+            </a:pPr>
             <a:r>
               <a:rPr lang="ru-RU" dirty="0"/>
               <a:t>-  на основе этих требований разработать программу;</a:t>
             </a:r>
           </a:p>
           <a:p>
+            <a:pPr marL="0" indent="0">
+              <a:buNone/>
+            </a:pPr>
             <a:r>
               <a:rPr lang="ru-RU" dirty="0"/>
               <a:t>- применить разработанную программу для проведения опросов;</a:t>
             </a:r>
           </a:p>
           <a:p>
+            <a:pPr marL="0" indent="0">
+              <a:buNone/>
+            </a:pPr>
             <a:r>
               <a:rPr lang="ru-RU" dirty="0"/>
               <a:t>- применить программу для улучшения МАИ.</a:t>
@@ -3981,12 +4948,13 @@
           <a:bodyPr/>
           <a:lstStyle/>
           <a:p>
+            <a:pPr algn="ctr"/>
             <a:r>
               <a:rPr lang="ru-RU" dirty="0" smtClean="0">
                 <a:latin typeface="Arial" panose="020B0604020202020204" pitchFamily="34" charset="0"/>
                 <a:cs typeface="Arial" panose="020B0604020202020204" pitchFamily="34" charset="0"/>
               </a:rPr>
-              <a:t>Метода анализа иерархий</a:t>
+              <a:t>Актуальность</a:t>
             </a:r>
             <a:endParaRPr lang="ru-RU" dirty="0">
               <a:latin typeface="Arial" panose="020B0604020202020204" pitchFamily="34" charset="0"/>
@@ -3997,7 +4965,59 @@
       </p:sp>
       <p:sp>
         <p:nvSpPr>
-          <p:cNvPr id="4" name="Номер слайда 3"/>
+          <p:cNvPr id="3" name="Объект 2"/>
+          <p:cNvSpPr>
+            <a:spLocks noGrp="1"/>
+          </p:cNvSpPr>
+          <p:nvPr>
+            <p:ph idx="1"/>
+          </p:nvPr>
+        </p:nvSpPr>
+        <p:spPr>
+          <a:xfrm>
+            <a:off x="838200" y="1234440"/>
+            <a:ext cx="10515600" cy="5417820"/>
+          </a:xfrm>
+        </p:spPr>
+        <p:txBody>
+          <a:bodyPr>
+            <a:normAutofit/>
+          </a:bodyPr>
+          <a:lstStyle/>
+          <a:p>
+            <a:pPr marL="0" indent="0">
+              <a:buNone/>
+            </a:pPr>
+            <a:endParaRPr lang="ru-RU" dirty="0" smtClean="0"/>
+          </a:p>
+          <a:p>
+            <a:pPr marL="0" indent="0">
+              <a:buNone/>
+            </a:pPr>
+            <a:endParaRPr lang="ru-RU" dirty="0"/>
+          </a:p>
+          <a:p>
+            <a:pPr marL="0" indent="0">
+              <a:buNone/>
+            </a:pPr>
+            <a:r>
+              <a:rPr lang="en-US" sz="3200" dirty="0" smtClean="0"/>
+              <a:t>Актуальность </a:t>
+            </a:r>
+            <a:r>
+              <a:rPr lang="en-US" sz="3200" dirty="0"/>
+              <a:t>данной выпускной квалификационной работы обусловлена тем, что в настоящее время при сравнении каких-либо объектов широко применяются экспертные оценки.</a:t>
+            </a:r>
+            <a:endParaRPr lang="ru-RU" sz="3200" dirty="0">
+              <a:latin typeface="Arial" panose="020B0604020202020204" pitchFamily="34" charset="0"/>
+              <a:cs typeface="Arial" panose="020B0604020202020204" pitchFamily="34" charset="0"/>
+            </a:endParaRPr>
+          </a:p>
+        </p:txBody>
+      </p:sp>
+      <p:sp>
+        <p:nvSpPr>
+          <p:cNvPr id="5" name="Номер слайда 4"/>
           <p:cNvSpPr>
             <a:spLocks noGrp="1"/>
           </p:cNvSpPr>
@@ -4018,47 +5038,10 @@
           </a:p>
         </p:txBody>
       </p:sp>
-      <p:pic>
-        <p:nvPicPr>
-          <p:cNvPr id="5" name="Объект 4" descr="https://upload.wikimedia.org/wikipedia/commons/thumb/1/16/AHPHierarchy1Russian.png/400px-AHPHierarchy1Russian.png"/>
-          <p:cNvPicPr>
-            <a:picLocks noGrp="1"/>
-          </p:cNvPicPr>
-          <p:nvPr>
-            <p:ph idx="1"/>
-          </p:nvPr>
-        </p:nvPicPr>
-        <p:blipFill>
-          <a:blip r:embed="rId2">
-            <a:extLst>
-              <a:ext uri="{28A0092B-C50C-407E-A947-70E740481C1C}">
-                <a14:useLocalDpi xmlns:a14="http://schemas.microsoft.com/office/drawing/2010/main" val="0"/>
-              </a:ext>
-            </a:extLst>
-          </a:blip>
-          <a:srcRect/>
-          <a:stretch>
-            <a:fillRect/>
-          </a:stretch>
-        </p:blipFill>
-        <p:spPr bwMode="auto">
-          <a:xfrm>
-            <a:off x="2286000" y="1484471"/>
-            <a:ext cx="8072438" cy="5114925"/>
-          </a:xfrm>
-          <a:prstGeom prst="rect">
-            <a:avLst/>
-          </a:prstGeom>
-          <a:noFill/>
-          <a:ln>
-            <a:noFill/>
-          </a:ln>
-        </p:spPr>
-      </p:pic>
     </p:spTree>
     <p:extLst>
       <p:ext uri="{BB962C8B-B14F-4D97-AF65-F5344CB8AC3E}">
-        <p14:creationId xmlns:p14="http://schemas.microsoft.com/office/powerpoint/2010/main" val="2449719823"/>
+        <p14:creationId xmlns:p14="http://schemas.microsoft.com/office/powerpoint/2010/main" val="2270826376"/>
       </p:ext>
     </p:extLst>
   </p:cSld>
@@ -4104,6 +5087,155 @@
         </p:nvSpPr>
         <p:spPr>
           <a:xfrm>
+            <a:off x="838200" y="365125"/>
+            <a:ext cx="10683240" cy="869315"/>
+          </a:xfrm>
+        </p:spPr>
+        <p:txBody>
+          <a:bodyPr/>
+          <a:lstStyle/>
+          <a:p>
+            <a:pPr algn="ctr"/>
+            <a:r>
+              <a:rPr lang="ru-RU" dirty="0" smtClean="0">
+                <a:latin typeface="Arial" panose="020B0604020202020204" pitchFamily="34" charset="0"/>
+                <a:cs typeface="Arial" panose="020B0604020202020204" pitchFamily="34" charset="0"/>
+              </a:rPr>
+              <a:t>Метод </a:t>
+            </a:r>
+            <a:r>
+              <a:rPr lang="ru-RU" dirty="0" smtClean="0">
+                <a:latin typeface="Arial" panose="020B0604020202020204" pitchFamily="34" charset="0"/>
+                <a:cs typeface="Arial" panose="020B0604020202020204" pitchFamily="34" charset="0"/>
+              </a:rPr>
+              <a:t>анализа иерархий</a:t>
+            </a:r>
+            <a:endParaRPr lang="ru-RU" dirty="0">
+              <a:latin typeface="Arial" panose="020B0604020202020204" pitchFamily="34" charset="0"/>
+              <a:cs typeface="Arial" panose="020B0604020202020204" pitchFamily="34" charset="0"/>
+            </a:endParaRPr>
+          </a:p>
+        </p:txBody>
+      </p:sp>
+      <p:sp>
+        <p:nvSpPr>
+          <p:cNvPr id="4" name="Номер слайда 3"/>
+          <p:cNvSpPr>
+            <a:spLocks noGrp="1"/>
+          </p:cNvSpPr>
+          <p:nvPr>
+            <p:ph type="sldNum" sz="quarter" idx="12"/>
+          </p:nvPr>
+        </p:nvSpPr>
+        <p:spPr/>
+        <p:txBody>
+          <a:bodyPr/>
+          <a:lstStyle/>
+          <a:p>
+            <a:fld id="{AAAC123C-EF72-4040-95C0-D263971896EB}" type="slidenum">
+              <a:rPr lang="ru-RU" smtClean="0"/>
+              <a:t>4</a:t>
+            </a:fld>
+            <a:endParaRPr lang="ru-RU"/>
+          </a:p>
+        </p:txBody>
+      </p:sp>
+      <p:pic>
+        <p:nvPicPr>
+          <p:cNvPr id="5" name="Объект 4" descr="https://upload.wikimedia.org/wikipedia/commons/thumb/1/16/AHPHierarchy1Russian.png/400px-AHPHierarchy1Russian.png"/>
+          <p:cNvPicPr>
+            <a:picLocks noGrp="1"/>
+          </p:cNvPicPr>
+          <p:nvPr>
+            <p:ph idx="1"/>
+          </p:nvPr>
+        </p:nvPicPr>
+        <p:blipFill>
+          <a:blip r:embed="rId2">
+            <a:clrChange>
+              <a:clrFrom>
+                <a:srgbClr val="FFFFFF"/>
+              </a:clrFrom>
+              <a:clrTo>
+                <a:srgbClr val="FFFFFF">
+                  <a:alpha val="0"/>
+                </a:srgbClr>
+              </a:clrTo>
+            </a:clrChange>
+            <a:extLst>
+              <a:ext uri="{28A0092B-C50C-407E-A947-70E740481C1C}">
+                <a14:useLocalDpi xmlns:a14="http://schemas.microsoft.com/office/drawing/2010/main" val="0"/>
+              </a:ext>
+            </a:extLst>
+          </a:blip>
+          <a:srcRect/>
+          <a:stretch>
+            <a:fillRect/>
+          </a:stretch>
+        </p:blipFill>
+        <p:spPr bwMode="auto">
+          <a:xfrm>
+            <a:off x="2143601" y="1484471"/>
+            <a:ext cx="8072438" cy="5114925"/>
+          </a:xfrm>
+          <a:prstGeom prst="rect">
+            <a:avLst/>
+          </a:prstGeom>
+          <a:noFill/>
+          <a:ln>
+            <a:noFill/>
+          </a:ln>
+        </p:spPr>
+      </p:pic>
+    </p:spTree>
+    <p:extLst>
+      <p:ext uri="{BB962C8B-B14F-4D97-AF65-F5344CB8AC3E}">
+        <p14:creationId xmlns:p14="http://schemas.microsoft.com/office/powerpoint/2010/main" val="2449719823"/>
+      </p:ext>
+    </p:extLst>
+  </p:cSld>
+  <p:clrMapOvr>
+    <a:masterClrMapping/>
+  </p:clrMapOvr>
+  <p:timing>
+    <p:tnLst>
+      <p:par>
+        <p:cTn id="1" dur="indefinite" restart="never" nodeType="tmRoot"/>
+      </p:par>
+    </p:tnLst>
+  </p:timing>
+</p:sld>
+</file>
+
+<file path=ppt/slides/slide5.xml><?xml version="1.0" encoding="utf-8"?>
+<p:sld xmlns:a="http://schemas.openxmlformats.org/drawingml/2006/main" xmlns:r="http://schemas.openxmlformats.org/officeDocument/2006/relationships" xmlns:p="http://schemas.openxmlformats.org/presentationml/2006/main">
+  <p:cSld>
+    <p:spTree>
+      <p:nvGrpSpPr>
+        <p:cNvPr id="1" name=""/>
+        <p:cNvGrpSpPr/>
+        <p:nvPr/>
+      </p:nvGrpSpPr>
+      <p:grpSpPr>
+        <a:xfrm>
+          <a:off x="0" y="0"/>
+          <a:ext cx="0" cy="0"/>
+          <a:chOff x="0" y="0"/>
+          <a:chExt cx="0" cy="0"/>
+        </a:xfrm>
+      </p:grpSpPr>
+      <p:sp>
+        <p:nvSpPr>
+          <p:cNvPr id="2" name="Заголовок 1"/>
+          <p:cNvSpPr>
+            <a:spLocks noGrp="1"/>
+          </p:cNvSpPr>
+          <p:nvPr>
+            <p:ph type="title"/>
+          </p:nvPr>
+        </p:nvSpPr>
+        <p:spPr>
+          <a:xfrm>
             <a:off x="838204" y="150812"/>
             <a:ext cx="10683240" cy="869315"/>
           </a:xfrm>
@@ -4135,14 +5267,14 @@
           <p:nvPr>
             <p:extLst>
               <p:ext uri="{D42A27DB-BD31-4B8C-83A1-F6EECF244321}">
-                <p14:modId xmlns:p14="http://schemas.microsoft.com/office/powerpoint/2010/main" val="1970295328"/>
+                <p14:modId xmlns:p14="http://schemas.microsoft.com/office/powerpoint/2010/main" val="868217321"/>
               </p:ext>
             </p:extLst>
           </p:nvPr>
         </p:nvGraphicFramePr>
         <p:xfrm>
-          <a:off x="838200" y="1020127"/>
-          <a:ext cx="10683242" cy="5696102"/>
+          <a:off x="952504" y="1020127"/>
+          <a:ext cx="10683242" cy="5161249"/>
         </p:xfrm>
         <a:graphic>
           <a:graphicData uri="http://schemas.openxmlformats.org/drawingml/2006/table">
@@ -4201,7 +5333,7 @@
                   </a:extLst>
                 </a:gridCol>
               </a:tblGrid>
-              <a:tr h="1300664">
+              <a:tr h="765811">
                 <a:tc>
                   <a:txBody>
                     <a:bodyPr/>
@@ -4216,30 +5348,12 @@
                         </a:spcAft>
                       </a:pPr>
                       <a:r>
-                        <a:rPr lang="ru-RU" sz="1400" dirty="0">
+                        <a:rPr lang="ru-RU" sz="1400" baseline="0" dirty="0" smtClean="0">
                           <a:effectLst/>
                           <a:latin typeface="Arial" panose="020B0604020202020204" pitchFamily="34" charset="0"/>
                           <a:cs typeface="Arial" panose="020B0604020202020204" pitchFamily="34" charset="0"/>
                         </a:rPr>
-                        <a:t>                        </a:t>
-                      </a:r>
-                    </a:p>
-                    <a:p>
-                      <a:pPr marL="0" indent="0" algn="just">
-                        <a:lnSpc>
-                          <a:spcPct val="150000"/>
-                        </a:lnSpc>
-                        <a:spcAft>
-                          <a:spcPts val="0"/>
-                        </a:spcAft>
-                      </a:pPr>
-                      <a:r>
-                        <a:rPr lang="ru-RU" sz="1400" dirty="0">
-                          <a:effectLst/>
-                          <a:latin typeface="Arial" panose="020B0604020202020204" pitchFamily="34" charset="0"/>
-                          <a:cs typeface="Arial" panose="020B0604020202020204" pitchFamily="34" charset="0"/>
-                        </a:rPr>
-                        <a:t>                 </a:t>
+                        <a:t>                   </a:t>
                       </a:r>
                       <a:r>
                         <a:rPr lang="ru-RU" sz="1400" dirty="0" smtClean="0">
@@ -4247,7 +5361,7 @@
                           <a:latin typeface="Arial" panose="020B0604020202020204" pitchFamily="34" charset="0"/>
                           <a:cs typeface="Arial" panose="020B0604020202020204" pitchFamily="34" charset="0"/>
                         </a:rPr>
-                        <a:t>             Программа   </a:t>
+                        <a:t>Программа   </a:t>
                       </a:r>
                       <a:r>
                         <a:rPr lang="ru-RU" sz="1400" baseline="0" dirty="0" smtClean="0">
@@ -4257,6 +5371,11 @@
                         </a:rPr>
                         <a:t> </a:t>
                       </a:r>
+                      <a:endParaRPr lang="ru-RU" sz="1400" baseline="0" dirty="0" smtClean="0">
+                        <a:effectLst/>
+                        <a:latin typeface="Arial" panose="020B0604020202020204" pitchFamily="34" charset="0"/>
+                        <a:cs typeface="Arial" panose="020B0604020202020204" pitchFamily="34" charset="0"/>
+                      </a:endParaRPr>
                     </a:p>
                     <a:p>
                       <a:pPr marL="0" indent="0" algn="just">
@@ -4273,7 +5392,7 @@
                           <a:latin typeface="Arial" panose="020B0604020202020204" pitchFamily="34" charset="0"/>
                           <a:cs typeface="Arial" panose="020B0604020202020204" pitchFamily="34" charset="0"/>
                         </a:rPr>
-                        <a:t>     </a:t>
+                        <a:t>   </a:t>
                       </a:r>
                       <a:r>
                         <a:rPr lang="ru-RU" sz="1400" dirty="0" smtClean="0">
@@ -4441,12 +5560,28 @@
                         </a:spcAft>
                       </a:pPr>
                       <a:r>
-                        <a:rPr lang="en-US" sz="1400" dirty="0" err="1">
+                        <a:rPr lang="en-US" sz="1400" dirty="0" err="1" smtClean="0">
                           <a:effectLst/>
                           <a:latin typeface="Arial" panose="020B0604020202020204" pitchFamily="34" charset="0"/>
                           <a:cs typeface="Arial" panose="020B0604020202020204" pitchFamily="34" charset="0"/>
                         </a:rPr>
-                        <a:t>MakeItRational</a:t>
+                        <a:t>MakeItRatio</a:t>
+                      </a:r>
+                      <a:r>
+                        <a:rPr lang="ru-RU" sz="1400" dirty="0" smtClean="0">
+                          <a:effectLst/>
+                          <a:latin typeface="Arial" panose="020B0604020202020204" pitchFamily="34" charset="0"/>
+                          <a:cs typeface="Arial" panose="020B0604020202020204" pitchFamily="34" charset="0"/>
+                        </a:rPr>
+                        <a:t>-</a:t>
+                      </a:r>
+                      <a:r>
+                        <a:rPr lang="en-US" sz="1400" dirty="0" err="1" smtClean="0">
+                          <a:effectLst/>
+                          <a:latin typeface="Arial" panose="020B0604020202020204" pitchFamily="34" charset="0"/>
+                          <a:cs typeface="Arial" panose="020B0604020202020204" pitchFamily="34" charset="0"/>
+                        </a:rPr>
+                        <a:t>nal</a:t>
                       </a:r>
                       <a:endParaRPr lang="ru-RU" sz="1400" dirty="0">
                         <a:effectLst/>
@@ -5266,7 +6401,7 @@
                         </a:spcAft>
                       </a:pPr>
                       <a:r>
-                        <a:rPr lang="ru-RU" sz="1600" kern="1200">
+                        <a:rPr lang="ru-RU" sz="1600" kern="1200" dirty="0">
                           <a:solidFill>
                             <a:schemeClr val="tx1"/>
                           </a:solidFill>
@@ -5960,7 +7095,7 @@
                         </a:spcAft>
                       </a:pPr>
                       <a:r>
-                        <a:rPr lang="ru-RU" sz="1600" kern="1200">
+                        <a:rPr lang="ru-RU" sz="1600" kern="1200" dirty="0">
                           <a:solidFill>
                             <a:schemeClr val="tx1"/>
                           </a:solidFill>
@@ -6596,7 +7731,7 @@
                         </a:spcAft>
                       </a:pPr>
                       <a:r>
-                        <a:rPr lang="ru-RU" sz="1600" kern="1200" dirty="0">
+                        <a:rPr lang="ru-RU" sz="1600" b="1" kern="1200" dirty="0">
                           <a:solidFill>
                             <a:schemeClr val="tx1"/>
                           </a:solidFill>
@@ -6638,9 +7773,39 @@
           <a:p>
             <a:fld id="{AAAC123C-EF72-4040-95C0-D263971896EB}" type="slidenum">
               <a:rPr lang="ru-RU" smtClean="0"/>
-              <a:t>4</a:t>
+              <a:t>5</a:t>
             </a:fld>
             <a:endParaRPr lang="ru-RU"/>
+          </a:p>
+        </p:txBody>
+      </p:sp>
+      <p:sp>
+        <p:nvSpPr>
+          <p:cNvPr id="5" name="TextBox 4"/>
+          <p:cNvSpPr txBox="1"/>
+          <p:nvPr/>
+        </p:nvSpPr>
+        <p:spPr>
+          <a:xfrm>
+            <a:off x="1866904" y="6181376"/>
+            <a:ext cx="9411359" cy="369332"/>
+          </a:xfrm>
+          <a:prstGeom prst="rect">
+            <a:avLst/>
+          </a:prstGeom>
+          <a:noFill/>
+        </p:spPr>
+        <p:txBody>
+          <a:bodyPr wrap="none" rtlCol="0">
+            <a:spAutoFit/>
+          </a:bodyPr>
+          <a:lstStyle/>
+          <a:p>
+            <a:r>
+              <a:rPr lang="ru-RU" dirty="0" smtClean="0"/>
+              <a:t>(чем выше балл, тем лучше; максимальный балл – 10, полное соответствие требованиям ВКР)</a:t>
+            </a:r>
+            <a:endParaRPr lang="ru-RU" dirty="0"/>
           </a:p>
         </p:txBody>
       </p:sp>
@@ -6648,180 +7813,6 @@
     <p:extLst>
       <p:ext uri="{BB962C8B-B14F-4D97-AF65-F5344CB8AC3E}">
         <p14:creationId xmlns:p14="http://schemas.microsoft.com/office/powerpoint/2010/main" val="2560681451"/>
-      </p:ext>
-    </p:extLst>
-  </p:cSld>
-  <p:clrMapOvr>
-    <a:masterClrMapping/>
-  </p:clrMapOvr>
-  <p:timing>
-    <p:tnLst>
-      <p:par>
-        <p:cTn id="1" dur="indefinite" restart="never" nodeType="tmRoot"/>
-      </p:par>
-    </p:tnLst>
-  </p:timing>
-</p:sld>
-</file>
-
-<file path=ppt/slides/slide5.xml><?xml version="1.0" encoding="utf-8"?>
-<p:sld xmlns:a="http://schemas.openxmlformats.org/drawingml/2006/main" xmlns:r="http://schemas.openxmlformats.org/officeDocument/2006/relationships" xmlns:p="http://schemas.openxmlformats.org/presentationml/2006/main">
-  <p:cSld>
-    <p:spTree>
-      <p:nvGrpSpPr>
-        <p:cNvPr id="1" name=""/>
-        <p:cNvGrpSpPr/>
-        <p:nvPr/>
-      </p:nvGrpSpPr>
-      <p:grpSpPr>
-        <a:xfrm>
-          <a:off x="0" y="0"/>
-          <a:ext cx="0" cy="0"/>
-          <a:chOff x="0" y="0"/>
-          <a:chExt cx="0" cy="0"/>
-        </a:xfrm>
-      </p:grpSpPr>
-      <p:sp>
-        <p:nvSpPr>
-          <p:cNvPr id="2" name="Заголовок 1"/>
-          <p:cNvSpPr>
-            <a:spLocks noGrp="1"/>
-          </p:cNvSpPr>
-          <p:nvPr>
-            <p:ph type="title"/>
-          </p:nvPr>
-        </p:nvSpPr>
-        <p:spPr>
-          <a:xfrm>
-            <a:off x="838200" y="365125"/>
-            <a:ext cx="10683240" cy="869315"/>
-          </a:xfrm>
-        </p:spPr>
-        <p:txBody>
-          <a:bodyPr/>
-          <a:lstStyle/>
-          <a:p>
-            <a:r>
-              <a:rPr lang="ru-RU" dirty="0" smtClean="0">
-                <a:latin typeface="Arial" panose="020B0604020202020204" pitchFamily="34" charset="0"/>
-                <a:cs typeface="Arial" panose="020B0604020202020204" pitchFamily="34" charset="0"/>
-              </a:rPr>
-              <a:t>Требования к программе</a:t>
-            </a:r>
-            <a:endParaRPr lang="ru-RU" dirty="0">
-              <a:latin typeface="Arial" panose="020B0604020202020204" pitchFamily="34" charset="0"/>
-              <a:cs typeface="Arial" panose="020B0604020202020204" pitchFamily="34" charset="0"/>
-            </a:endParaRPr>
-          </a:p>
-        </p:txBody>
-      </p:sp>
-      <p:sp>
-        <p:nvSpPr>
-          <p:cNvPr id="3" name="Объект 2"/>
-          <p:cNvSpPr>
-            <a:spLocks noGrp="1"/>
-          </p:cNvSpPr>
-          <p:nvPr>
-            <p:ph idx="1"/>
-          </p:nvPr>
-        </p:nvSpPr>
-        <p:spPr>
-          <a:xfrm>
-            <a:off x="838200" y="1234440"/>
-            <a:ext cx="10515600" cy="5417820"/>
-          </a:xfrm>
-        </p:spPr>
-        <p:txBody>
-          <a:bodyPr>
-            <a:normAutofit/>
-          </a:bodyPr>
-          <a:lstStyle/>
-          <a:p>
-            <a:r>
-              <a:rPr lang="ru-RU" dirty="0" smtClean="0"/>
-              <a:t>- </a:t>
-            </a:r>
-            <a:r>
-              <a:rPr lang="ru-RU" dirty="0"/>
-              <a:t>кроссплатформенность;</a:t>
-            </a:r>
-          </a:p>
-          <a:p>
-            <a:r>
-              <a:rPr lang="ru-RU" dirty="0"/>
-              <a:t>- графический интерфейс пользователя;</a:t>
-            </a:r>
-          </a:p>
-          <a:p>
-            <a:r>
-              <a:rPr lang="ru-RU" dirty="0"/>
-              <a:t>- наличие базы данных, в которой бы хранились данные опросов, экспертов, критериев, альтернатив;</a:t>
-            </a:r>
-          </a:p>
-          <a:p>
-            <a:r>
-              <a:rPr lang="ru-RU" dirty="0"/>
-              <a:t>- возможность управления этой базой (добавление, изменение, удаление);</a:t>
-            </a:r>
-          </a:p>
-          <a:p>
-            <a:r>
-              <a:rPr lang="ru-RU" dirty="0"/>
-              <a:t>- определение согласованности и компетентности экспертов;</a:t>
-            </a:r>
-          </a:p>
-          <a:p>
-            <a:r>
-              <a:rPr lang="ru-RU" dirty="0"/>
-              <a:t>- возможность экспорта данных в другие форматы;</a:t>
-            </a:r>
-          </a:p>
-          <a:p>
-            <a:r>
-              <a:rPr lang="ru-RU" dirty="0"/>
-              <a:t>- интерфейс на русском </a:t>
-            </a:r>
-            <a:r>
-              <a:rPr lang="ru-RU" dirty="0" smtClean="0"/>
-              <a:t>языке.</a:t>
-            </a:r>
-            <a:endParaRPr lang="ru-RU" dirty="0"/>
-          </a:p>
-          <a:p>
-            <a:endParaRPr lang="ru-RU" dirty="0">
-              <a:latin typeface="Arial" panose="020B0604020202020204" pitchFamily="34" charset="0"/>
-              <a:cs typeface="Arial" panose="020B0604020202020204" pitchFamily="34" charset="0"/>
-            </a:endParaRPr>
-          </a:p>
-        </p:txBody>
-      </p:sp>
-      <p:sp>
-        <p:nvSpPr>
-          <p:cNvPr id="5" name="Номер слайда 4"/>
-          <p:cNvSpPr>
-            <a:spLocks noGrp="1"/>
-          </p:cNvSpPr>
-          <p:nvPr>
-            <p:ph type="sldNum" sz="quarter" idx="12"/>
-          </p:nvPr>
-        </p:nvSpPr>
-        <p:spPr/>
-        <p:txBody>
-          <a:bodyPr/>
-          <a:lstStyle/>
-          <a:p>
-            <a:fld id="{AAAC123C-EF72-4040-95C0-D263971896EB}" type="slidenum">
-              <a:rPr lang="ru-RU" smtClean="0"/>
-              <a:t>5</a:t>
-            </a:fld>
-            <a:endParaRPr lang="ru-RU"/>
-          </a:p>
-        </p:txBody>
-      </p:sp>
-    </p:spTree>
-    <p:extLst>
-      <p:ext uri="{BB962C8B-B14F-4D97-AF65-F5344CB8AC3E}">
-        <p14:creationId xmlns:p14="http://schemas.microsoft.com/office/powerpoint/2010/main" val="1477043405"/>
       </p:ext>
     </p:extLst>
   </p:cSld>
@@ -6875,6 +7866,231 @@
           <a:bodyPr/>
           <a:lstStyle/>
           <a:p>
+            <a:pPr algn="ctr"/>
+            <a:r>
+              <a:rPr lang="ru-RU" dirty="0" smtClean="0">
+                <a:latin typeface="Arial" panose="020B0604020202020204" pitchFamily="34" charset="0"/>
+                <a:cs typeface="Arial" panose="020B0604020202020204" pitchFamily="34" charset="0"/>
+              </a:rPr>
+              <a:t>Требования к программе</a:t>
+            </a:r>
+            <a:endParaRPr lang="ru-RU" dirty="0">
+              <a:latin typeface="Arial" panose="020B0604020202020204" pitchFamily="34" charset="0"/>
+              <a:cs typeface="Arial" panose="020B0604020202020204" pitchFamily="34" charset="0"/>
+            </a:endParaRPr>
+          </a:p>
+        </p:txBody>
+      </p:sp>
+      <p:sp>
+        <p:nvSpPr>
+          <p:cNvPr id="3" name="Объект 2"/>
+          <p:cNvSpPr>
+            <a:spLocks noGrp="1"/>
+          </p:cNvSpPr>
+          <p:nvPr>
+            <p:ph idx="1"/>
+          </p:nvPr>
+        </p:nvSpPr>
+        <p:spPr>
+          <a:xfrm>
+            <a:off x="838200" y="1234440"/>
+            <a:ext cx="10515600" cy="5417820"/>
+          </a:xfrm>
+        </p:spPr>
+        <p:txBody>
+          <a:bodyPr>
+            <a:normAutofit/>
+          </a:bodyPr>
+          <a:lstStyle/>
+          <a:p>
+            <a:pPr marL="0" indent="0">
+              <a:buNone/>
+            </a:pPr>
+            <a:r>
+              <a:rPr lang="ru-RU" dirty="0" smtClean="0"/>
+              <a:t>- </a:t>
+            </a:r>
+            <a:r>
+              <a:rPr lang="ru-RU" dirty="0"/>
+              <a:t>кроссплатформенность;</a:t>
+            </a:r>
+          </a:p>
+          <a:p>
+            <a:pPr marL="0" indent="0">
+              <a:buNone/>
+            </a:pPr>
+            <a:r>
+              <a:rPr lang="ru-RU" dirty="0"/>
+              <a:t>- графический интерфейс пользователя;</a:t>
+            </a:r>
+          </a:p>
+          <a:p>
+            <a:pPr marL="0" indent="0">
+              <a:buNone/>
+            </a:pPr>
+            <a:r>
+              <a:rPr lang="ru-RU" dirty="0"/>
+              <a:t>- наличие базы данных, в которой бы хранились данные опросов, экспертов, критериев, альтернатив</a:t>
+            </a:r>
+            <a:r>
+              <a:rPr lang="ru-RU" dirty="0" smtClean="0"/>
+              <a:t>;</a:t>
+            </a:r>
+            <a:endParaRPr lang="ru-RU" dirty="0"/>
+          </a:p>
+          <a:p>
+            <a:pPr marL="0" indent="0">
+              <a:buNone/>
+            </a:pPr>
+            <a:r>
+              <a:rPr lang="ru-RU" dirty="0"/>
+              <a:t>- определение согласованности и компетентности экспертов</a:t>
+            </a:r>
+            <a:r>
+              <a:rPr lang="ru-RU" dirty="0" smtClean="0"/>
+              <a:t>;</a:t>
+            </a:r>
+          </a:p>
+          <a:p>
+            <a:pPr marL="0" indent="0">
+              <a:buNone/>
+            </a:pPr>
+            <a:r>
+              <a:rPr lang="ru-RU" dirty="0" smtClean="0"/>
+              <a:t>- замер времени выставления оценок экспертом;</a:t>
+            </a:r>
+            <a:endParaRPr lang="ru-RU" dirty="0"/>
+          </a:p>
+          <a:p>
+            <a:pPr marL="0" indent="0">
+              <a:buNone/>
+            </a:pPr>
+            <a:r>
+              <a:rPr lang="ru-RU" dirty="0"/>
+              <a:t>- возможность экспорта данных в другие форматы;</a:t>
+            </a:r>
+          </a:p>
+          <a:p>
+            <a:pPr marL="0" indent="0">
+              <a:buNone/>
+            </a:pPr>
+            <a:r>
+              <a:rPr lang="ru-RU" dirty="0"/>
+              <a:t>- интерфейс на русском </a:t>
+            </a:r>
+            <a:r>
+              <a:rPr lang="ru-RU" dirty="0" smtClean="0"/>
+              <a:t>языке;</a:t>
+            </a:r>
+          </a:p>
+          <a:p>
+            <a:pPr marL="0" indent="0">
+              <a:buNone/>
+            </a:pPr>
+            <a:r>
+              <a:rPr lang="ru-RU" dirty="0" smtClean="0"/>
+              <a:t>- модульность;</a:t>
+            </a:r>
+          </a:p>
+          <a:p>
+            <a:pPr marL="0" indent="0">
+              <a:buNone/>
+            </a:pPr>
+            <a:r>
+              <a:rPr lang="ru-RU" dirty="0" smtClean="0"/>
+              <a:t>- открытость исходных кодов.</a:t>
+            </a:r>
+            <a:endParaRPr lang="ru-RU" dirty="0"/>
+          </a:p>
+          <a:p>
+            <a:endParaRPr lang="ru-RU" dirty="0">
+              <a:latin typeface="Arial" panose="020B0604020202020204" pitchFamily="34" charset="0"/>
+              <a:cs typeface="Arial" panose="020B0604020202020204" pitchFamily="34" charset="0"/>
+            </a:endParaRPr>
+          </a:p>
+        </p:txBody>
+      </p:sp>
+      <p:sp>
+        <p:nvSpPr>
+          <p:cNvPr id="5" name="Номер слайда 4"/>
+          <p:cNvSpPr>
+            <a:spLocks noGrp="1"/>
+          </p:cNvSpPr>
+          <p:nvPr>
+            <p:ph type="sldNum" sz="quarter" idx="12"/>
+          </p:nvPr>
+        </p:nvSpPr>
+        <p:spPr/>
+        <p:txBody>
+          <a:bodyPr/>
+          <a:lstStyle/>
+          <a:p>
+            <a:fld id="{AAAC123C-EF72-4040-95C0-D263971896EB}" type="slidenum">
+              <a:rPr lang="ru-RU" smtClean="0"/>
+              <a:t>6</a:t>
+            </a:fld>
+            <a:endParaRPr lang="ru-RU"/>
+          </a:p>
+        </p:txBody>
+      </p:sp>
+    </p:spTree>
+    <p:extLst>
+      <p:ext uri="{BB962C8B-B14F-4D97-AF65-F5344CB8AC3E}">
+        <p14:creationId xmlns:p14="http://schemas.microsoft.com/office/powerpoint/2010/main" val="1477043405"/>
+      </p:ext>
+    </p:extLst>
+  </p:cSld>
+  <p:clrMapOvr>
+    <a:masterClrMapping/>
+  </p:clrMapOvr>
+  <p:timing>
+    <p:tnLst>
+      <p:par>
+        <p:cTn id="1" dur="indefinite" restart="never" nodeType="tmRoot"/>
+      </p:par>
+    </p:tnLst>
+  </p:timing>
+</p:sld>
+</file>
+
+<file path=ppt/slides/slide7.xml><?xml version="1.0" encoding="utf-8"?>
+<p:sld xmlns:a="http://schemas.openxmlformats.org/drawingml/2006/main" xmlns:r="http://schemas.openxmlformats.org/officeDocument/2006/relationships" xmlns:p="http://schemas.openxmlformats.org/presentationml/2006/main">
+  <p:cSld>
+    <p:spTree>
+      <p:nvGrpSpPr>
+        <p:cNvPr id="1" name=""/>
+        <p:cNvGrpSpPr/>
+        <p:nvPr/>
+      </p:nvGrpSpPr>
+      <p:grpSpPr>
+        <a:xfrm>
+          <a:off x="0" y="0"/>
+          <a:ext cx="0" cy="0"/>
+          <a:chOff x="0" y="0"/>
+          <a:chExt cx="0" cy="0"/>
+        </a:xfrm>
+      </p:grpSpPr>
+      <p:sp>
+        <p:nvSpPr>
+          <p:cNvPr id="2" name="Заголовок 1"/>
+          <p:cNvSpPr>
+            <a:spLocks noGrp="1"/>
+          </p:cNvSpPr>
+          <p:nvPr>
+            <p:ph type="title"/>
+          </p:nvPr>
+        </p:nvSpPr>
+        <p:spPr>
+          <a:xfrm>
+            <a:off x="838200" y="365125"/>
+            <a:ext cx="10683240" cy="869315"/>
+          </a:xfrm>
+        </p:spPr>
+        <p:txBody>
+          <a:bodyPr/>
+          <a:lstStyle/>
+          <a:p>
+            <a:pPr algn="ctr"/>
             <a:r>
               <a:rPr lang="ru-RU" dirty="0" smtClean="0">
                 <a:latin typeface="Arial" panose="020B0604020202020204" pitchFamily="34" charset="0"/>
@@ -6906,7 +8122,7 @@
           <a:p>
             <a:fld id="{AAAC123C-EF72-4040-95C0-D263971896EB}" type="slidenum">
               <a:rPr lang="ru-RU" smtClean="0"/>
-              <a:t>6</a:t>
+              <a:t>7</a:t>
             </a:fld>
             <a:endParaRPr lang="ru-RU"/>
           </a:p>
@@ -6975,73 +8191,54 @@
           </a:p>
         </p:txBody>
       </p:sp>
-      <p:graphicFrame>
-        <p:nvGraphicFramePr>
-          <p:cNvPr id="6" name="Объект 5"/>
-          <p:cNvGraphicFramePr>
-            <a:graphicFrameLocks noChangeAspect="1"/>
-          </p:cNvGraphicFramePr>
-          <p:nvPr>
-            <p:extLst>
-              <p:ext uri="{D42A27DB-BD31-4B8C-83A1-F6EECF244321}">
-                <p14:modId xmlns:p14="http://schemas.microsoft.com/office/powerpoint/2010/main" val="2455111575"/>
-              </p:ext>
-            </p:extLst>
-          </p:nvPr>
-        </p:nvGraphicFramePr>
-        <p:xfrm>
-          <a:off x="7565897" y="250825"/>
-          <a:ext cx="1330289" cy="5934607"/>
-        </p:xfrm>
-        <a:graphic>
-          <a:graphicData uri="http://schemas.openxmlformats.org/presentationml/2006/ole">
-            <mc:AlternateContent xmlns:mc="http://schemas.openxmlformats.org/markup-compatibility/2006">
-              <mc:Choice xmlns:v="urn:schemas-microsoft-com:vml" Requires="v">
-                <p:oleObj spid="_x0000_s1027" name="Visio" r:id="rId3" imgW="1190672" imgH="5276799" progId="Visio.Drawing.15">
-                  <p:embed/>
-                </p:oleObj>
-              </mc:Choice>
-              <mc:Fallback>
-                <p:oleObj name="Visio" r:id="rId3" imgW="1190672" imgH="5276799" progId="Visio.Drawing.15">
-                  <p:embed/>
-                  <p:pic>
-                    <p:nvPicPr>
-                      <p:cNvPr id="0" name="Object 1"/>
-                      <p:cNvPicPr>
-                        <a:picLocks noChangeAspect="1" noChangeArrowheads="1"/>
-                      </p:cNvPicPr>
-                      <p:nvPr/>
-                    </p:nvPicPr>
-                    <p:blipFill>
-                      <a:blip r:embed="rId4">
-                        <a:extLst>
-                          <a:ext uri="{28A0092B-C50C-407E-A947-70E740481C1C}">
-                            <a14:useLocalDpi xmlns:a14="http://schemas.microsoft.com/office/drawing/2010/main" val="0"/>
-                          </a:ext>
-                        </a:extLst>
-                      </a:blip>
-                      <a:srcRect/>
-                      <a:stretch>
-                        <a:fillRect/>
-                      </a:stretch>
-                    </p:blipFill>
-                    <p:spPr bwMode="auto">
-                      <a:xfrm>
-                        <a:off x="7565897" y="250825"/>
-                        <a:ext cx="1330289" cy="5934607"/>
-                      </a:xfrm>
-                      <a:prstGeom prst="rect">
-                        <a:avLst/>
-                      </a:prstGeom>
-                      <a:noFill/>
-                    </p:spPr>
-                  </p:pic>
-                </p:oleObj>
-              </mc:Fallback>
-            </mc:AlternateContent>
-          </a:graphicData>
-        </a:graphic>
-      </p:graphicFrame>
+      <p:pic>
+        <p:nvPicPr>
+          <p:cNvPr id="3" name="Рисунок 2"/>
+          <p:cNvPicPr>
+            <a:picLocks noChangeAspect="1"/>
+          </p:cNvPicPr>
+          <p:nvPr/>
+        </p:nvPicPr>
+        <p:blipFill>
+          <a:blip r:embed="rId2"/>
+          <a:stretch>
+            <a:fillRect/>
+          </a:stretch>
+        </p:blipFill>
+        <p:spPr>
+          <a:xfrm>
+            <a:off x="3702047" y="1234440"/>
+            <a:ext cx="2252313" cy="5280050"/>
+          </a:xfrm>
+          <a:prstGeom prst="rect">
+            <a:avLst/>
+          </a:prstGeom>
+        </p:spPr>
+      </p:pic>
+      <p:pic>
+        <p:nvPicPr>
+          <p:cNvPr id="7" name="Рисунок 6"/>
+          <p:cNvPicPr>
+            <a:picLocks noChangeAspect="1"/>
+          </p:cNvPicPr>
+          <p:nvPr/>
+        </p:nvPicPr>
+        <p:blipFill>
+          <a:blip r:embed="rId3"/>
+          <a:stretch>
+            <a:fillRect/>
+          </a:stretch>
+        </p:blipFill>
+        <p:spPr>
+          <a:xfrm>
+            <a:off x="7073905" y="1823094"/>
+            <a:ext cx="2252313" cy="4102742"/>
+          </a:xfrm>
+          <a:prstGeom prst="rect">
+            <a:avLst/>
+          </a:prstGeom>
+        </p:spPr>
+      </p:pic>
     </p:spTree>
     <p:extLst>
       <p:ext uri="{BB962C8B-B14F-4D97-AF65-F5344CB8AC3E}">
@@ -7052,977 +8249,13 @@
   <p:clrMapOvr>
     <a:masterClrMapping/>
   </p:clrMapOvr>
-</p:sld>
-</file>
-
-<file path=ppt/slides/slide7.xml><?xml version="1.0" encoding="utf-8"?>
-<p:sld xmlns:a="http://schemas.openxmlformats.org/drawingml/2006/main" xmlns:r="http://schemas.openxmlformats.org/officeDocument/2006/relationships" xmlns:p="http://schemas.openxmlformats.org/presentationml/2006/main">
-  <p:cSld>
-    <p:spTree>
-      <p:nvGrpSpPr>
-        <p:cNvPr id="1" name=""/>
-        <p:cNvGrpSpPr/>
-        <p:nvPr/>
-      </p:nvGrpSpPr>
-      <p:grpSpPr>
-        <a:xfrm>
-          <a:off x="0" y="0"/>
-          <a:ext cx="0" cy="0"/>
-          <a:chOff x="0" y="0"/>
-          <a:chExt cx="0" cy="0"/>
-        </a:xfrm>
-      </p:grpSpPr>
-      <p:sp>
-        <p:nvSpPr>
-          <p:cNvPr id="2" name="Заголовок 1"/>
-          <p:cNvSpPr>
-            <a:spLocks noGrp="1"/>
-          </p:cNvSpPr>
-          <p:nvPr>
-            <p:ph type="title"/>
-          </p:nvPr>
-        </p:nvSpPr>
-        <p:spPr>
-          <a:xfrm>
-            <a:off x="838200" y="365125"/>
-            <a:ext cx="10683240" cy="869315"/>
-          </a:xfrm>
-        </p:spPr>
-        <p:txBody>
-          <a:bodyPr/>
-          <a:lstStyle/>
-          <a:p>
-            <a:r>
-              <a:rPr lang="ru-RU" dirty="0" smtClean="0">
-                <a:latin typeface="Arial" panose="020B0604020202020204" pitchFamily="34" charset="0"/>
-                <a:cs typeface="Arial" panose="020B0604020202020204" pitchFamily="34" charset="0"/>
-              </a:rPr>
-              <a:t>Пример</a:t>
-            </a:r>
-            <a:endParaRPr lang="ru-RU" dirty="0">
-              <a:latin typeface="Arial" panose="020B0604020202020204" pitchFamily="34" charset="0"/>
-              <a:cs typeface="Arial" panose="020B0604020202020204" pitchFamily="34" charset="0"/>
-            </a:endParaRPr>
-          </a:p>
-        </p:txBody>
-      </p:sp>
-      <p:graphicFrame>
-        <p:nvGraphicFramePr>
-          <p:cNvPr id="4" name="Объект 3"/>
-          <p:cNvGraphicFramePr>
-            <a:graphicFrameLocks noGrp="1"/>
-          </p:cNvGraphicFramePr>
-          <p:nvPr>
-            <p:ph idx="1"/>
-            <p:extLst>
-              <p:ext uri="{D42A27DB-BD31-4B8C-83A1-F6EECF244321}">
-                <p14:modId xmlns:p14="http://schemas.microsoft.com/office/powerpoint/2010/main" val="592788730"/>
-              </p:ext>
-            </p:extLst>
-          </p:nvPr>
-        </p:nvGraphicFramePr>
-        <p:xfrm>
-          <a:off x="1400175" y="1484472"/>
-          <a:ext cx="9301165" cy="4473418"/>
-        </p:xfrm>
-        <a:graphic>
-          <a:graphicData uri="http://schemas.openxmlformats.org/drawingml/2006/table">
-            <a:tbl>
-              <a:tblPr firstRow="1" firstCol="1" bandRow="1">
-                <a:tableStyleId>{5940675A-B579-460E-94D1-54222C63F5DA}</a:tableStyleId>
-              </a:tblPr>
-              <a:tblGrid>
-                <a:gridCol w="1860233">
-                  <a:extLst>
-                    <a:ext uri="{9D8B030D-6E8A-4147-A177-3AD203B41FA5}">
-                      <a16:colId xmlns:a16="http://schemas.microsoft.com/office/drawing/2014/main" val="1741394009"/>
-                    </a:ext>
-                  </a:extLst>
-                </a:gridCol>
-                <a:gridCol w="1860233">
-                  <a:extLst>
-                    <a:ext uri="{9D8B030D-6E8A-4147-A177-3AD203B41FA5}">
-                      <a16:colId xmlns:a16="http://schemas.microsoft.com/office/drawing/2014/main" val="1353745312"/>
-                    </a:ext>
-                  </a:extLst>
-                </a:gridCol>
-                <a:gridCol w="1860233">
-                  <a:extLst>
-                    <a:ext uri="{9D8B030D-6E8A-4147-A177-3AD203B41FA5}">
-                      <a16:colId xmlns:a16="http://schemas.microsoft.com/office/drawing/2014/main" val="2254276148"/>
-                    </a:ext>
-                  </a:extLst>
-                </a:gridCol>
-                <a:gridCol w="1860233">
-                  <a:extLst>
-                    <a:ext uri="{9D8B030D-6E8A-4147-A177-3AD203B41FA5}">
-                      <a16:colId xmlns:a16="http://schemas.microsoft.com/office/drawing/2014/main" val="4216929888"/>
-                    </a:ext>
-                  </a:extLst>
-                </a:gridCol>
-                <a:gridCol w="1860233">
-                  <a:extLst>
-                    <a:ext uri="{9D8B030D-6E8A-4147-A177-3AD203B41FA5}">
-                      <a16:colId xmlns:a16="http://schemas.microsoft.com/office/drawing/2014/main" val="3359019608"/>
-                    </a:ext>
-                  </a:extLst>
-                </a:gridCol>
-              </a:tblGrid>
-              <a:tr h="1000372">
-                <a:tc>
-                  <a:txBody>
-                    <a:bodyPr/>
-                    <a:lstStyle/>
-                    <a:p>
-                      <a:pPr indent="450215" algn="ctr">
-                        <a:lnSpc>
-                          <a:spcPct val="150000"/>
-                        </a:lnSpc>
-                        <a:spcAft>
-                          <a:spcPts val="0"/>
-                        </a:spcAft>
-                      </a:pPr>
-                      <a:r>
-                        <a:rPr lang="ru-RU" sz="2000" dirty="0">
-                          <a:effectLst/>
-                          <a:latin typeface="Arial" panose="020B0604020202020204" pitchFamily="34" charset="0"/>
-                          <a:cs typeface="Arial" panose="020B0604020202020204" pitchFamily="34" charset="0"/>
-                        </a:rPr>
-                        <a:t> </a:t>
-                      </a:r>
-                      <a:endParaRPr lang="ru-RU" sz="2000" dirty="0">
-                        <a:effectLst/>
-                        <a:latin typeface="Arial" panose="020B0604020202020204" pitchFamily="34" charset="0"/>
-                        <a:ea typeface="Calibri" panose="020F0502020204030204" pitchFamily="34" charset="0"/>
-                        <a:cs typeface="Arial" panose="020B0604020202020204" pitchFamily="34" charset="0"/>
-                      </a:endParaRPr>
-                    </a:p>
-                  </a:txBody>
-                  <a:tcPr marL="68580" marR="68580" marT="0" marB="0" anchor="ctr"/>
-                </a:tc>
-                <a:tc>
-                  <a:txBody>
-                    <a:bodyPr/>
-                    <a:lstStyle/>
-                    <a:p>
-                      <a:pPr indent="450215" algn="ctr">
-                        <a:lnSpc>
-                          <a:spcPct val="150000"/>
-                        </a:lnSpc>
-                        <a:spcAft>
-                          <a:spcPts val="0"/>
-                        </a:spcAft>
-                      </a:pPr>
-                      <a:r>
-                        <a:rPr lang="ru-RU" sz="2000" dirty="0">
-                          <a:effectLst/>
-                          <a:latin typeface="Arial" panose="020B0604020202020204" pitchFamily="34" charset="0"/>
-                          <a:cs typeface="Arial" panose="020B0604020202020204" pitchFamily="34" charset="0"/>
-                        </a:rPr>
-                        <a:t>Цена</a:t>
-                      </a:r>
-                      <a:endParaRPr lang="ru-RU" sz="2000" dirty="0">
-                        <a:effectLst/>
-                        <a:latin typeface="Arial" panose="020B0604020202020204" pitchFamily="34" charset="0"/>
-                        <a:ea typeface="Calibri" panose="020F0502020204030204" pitchFamily="34" charset="0"/>
-                        <a:cs typeface="Arial" panose="020B0604020202020204" pitchFamily="34" charset="0"/>
-                      </a:endParaRPr>
-                    </a:p>
-                  </a:txBody>
-                  <a:tcPr marL="68580" marR="68580" marT="0" marB="0" anchor="ctr"/>
-                </a:tc>
-                <a:tc>
-                  <a:txBody>
-                    <a:bodyPr/>
-                    <a:lstStyle/>
-                    <a:p>
-                      <a:pPr indent="450215" algn="ctr">
-                        <a:lnSpc>
-                          <a:spcPct val="150000"/>
-                        </a:lnSpc>
-                        <a:spcAft>
-                          <a:spcPts val="0"/>
-                        </a:spcAft>
-                      </a:pPr>
-                      <a:r>
-                        <a:rPr lang="ru-RU" sz="2000">
-                          <a:effectLst/>
-                          <a:latin typeface="Arial" panose="020B0604020202020204" pitchFamily="34" charset="0"/>
-                          <a:cs typeface="Arial" panose="020B0604020202020204" pitchFamily="34" charset="0"/>
-                        </a:rPr>
-                        <a:t>Расход</a:t>
-                      </a:r>
-                      <a:endParaRPr lang="ru-RU" sz="2000">
-                        <a:effectLst/>
-                        <a:latin typeface="Arial" panose="020B0604020202020204" pitchFamily="34" charset="0"/>
-                        <a:ea typeface="Calibri" panose="020F0502020204030204" pitchFamily="34" charset="0"/>
-                        <a:cs typeface="Arial" panose="020B0604020202020204" pitchFamily="34" charset="0"/>
-                      </a:endParaRPr>
-                    </a:p>
-                  </a:txBody>
-                  <a:tcPr marL="68580" marR="68580" marT="0" marB="0" anchor="ctr"/>
-                </a:tc>
-                <a:tc>
-                  <a:txBody>
-                    <a:bodyPr/>
-                    <a:lstStyle/>
-                    <a:p>
-                      <a:pPr indent="450215" algn="ctr">
-                        <a:lnSpc>
-                          <a:spcPct val="150000"/>
-                        </a:lnSpc>
-                        <a:spcAft>
-                          <a:spcPts val="0"/>
-                        </a:spcAft>
-                      </a:pPr>
-                      <a:r>
-                        <a:rPr lang="ru-RU" sz="2000">
-                          <a:effectLst/>
-                          <a:latin typeface="Arial" panose="020B0604020202020204" pitchFamily="34" charset="0"/>
-                          <a:cs typeface="Arial" panose="020B0604020202020204" pitchFamily="34" charset="0"/>
-                        </a:rPr>
-                        <a:t>Комфорт</a:t>
-                      </a:r>
-                      <a:endParaRPr lang="ru-RU" sz="2000">
-                        <a:effectLst/>
-                        <a:latin typeface="Arial" panose="020B0604020202020204" pitchFamily="34" charset="0"/>
-                        <a:ea typeface="Calibri" panose="020F0502020204030204" pitchFamily="34" charset="0"/>
-                        <a:cs typeface="Arial" panose="020B0604020202020204" pitchFamily="34" charset="0"/>
-                      </a:endParaRPr>
-                    </a:p>
-                  </a:txBody>
-                  <a:tcPr marL="68580" marR="68580" marT="0" marB="0" anchor="ctr"/>
-                </a:tc>
-                <a:tc>
-                  <a:txBody>
-                    <a:bodyPr/>
-                    <a:lstStyle/>
-                    <a:p>
-                      <a:pPr indent="450215" algn="ctr">
-                        <a:lnSpc>
-                          <a:spcPct val="150000"/>
-                        </a:lnSpc>
-                        <a:spcAft>
-                          <a:spcPts val="0"/>
-                        </a:spcAft>
-                      </a:pPr>
-                      <a:r>
-                        <a:rPr lang="ru-RU" sz="2000">
-                          <a:effectLst/>
-                          <a:latin typeface="Arial" panose="020B0604020202020204" pitchFamily="34" charset="0"/>
-                          <a:cs typeface="Arial" panose="020B0604020202020204" pitchFamily="34" charset="0"/>
-                        </a:rPr>
-                        <a:t>Дизайн</a:t>
-                      </a:r>
-                      <a:endParaRPr lang="ru-RU" sz="2000">
-                        <a:effectLst/>
-                        <a:latin typeface="Arial" panose="020B0604020202020204" pitchFamily="34" charset="0"/>
-                        <a:ea typeface="Calibri" panose="020F0502020204030204" pitchFamily="34" charset="0"/>
-                        <a:cs typeface="Arial" panose="020B0604020202020204" pitchFamily="34" charset="0"/>
-                      </a:endParaRPr>
-                    </a:p>
-                  </a:txBody>
-                  <a:tcPr marL="68580" marR="68580" marT="0" marB="0" anchor="ctr"/>
-                </a:tc>
-                <a:extLst>
-                  <a:ext uri="{0D108BD9-81ED-4DB2-BD59-A6C34878D82A}">
-                    <a16:rowId xmlns:a16="http://schemas.microsoft.com/office/drawing/2014/main" val="621307393"/>
-                  </a:ext>
-                </a:extLst>
-              </a:tr>
-              <a:tr h="471930">
-                <a:tc>
-                  <a:txBody>
-                    <a:bodyPr/>
-                    <a:lstStyle/>
-                    <a:p>
-                      <a:pPr indent="450215" algn="ctr">
-                        <a:lnSpc>
-                          <a:spcPct val="150000"/>
-                        </a:lnSpc>
-                        <a:spcAft>
-                          <a:spcPts val="0"/>
-                        </a:spcAft>
-                      </a:pPr>
-                      <a:r>
-                        <a:rPr lang="ru-RU" sz="2000">
-                          <a:effectLst/>
-                          <a:latin typeface="Arial" panose="020B0604020202020204" pitchFamily="34" charset="0"/>
-                          <a:cs typeface="Arial" panose="020B0604020202020204" pitchFamily="34" charset="0"/>
-                        </a:rPr>
-                        <a:t>Цена</a:t>
-                      </a:r>
-                      <a:endParaRPr lang="ru-RU" sz="2000">
-                        <a:effectLst/>
-                        <a:latin typeface="Arial" panose="020B0604020202020204" pitchFamily="34" charset="0"/>
-                        <a:ea typeface="Calibri" panose="020F0502020204030204" pitchFamily="34" charset="0"/>
-                        <a:cs typeface="Arial" panose="020B0604020202020204" pitchFamily="34" charset="0"/>
-                      </a:endParaRPr>
-                    </a:p>
-                  </a:txBody>
-                  <a:tcPr marL="68580" marR="68580" marT="0" marB="0" anchor="ctr"/>
-                </a:tc>
-                <a:tc>
-                  <a:txBody>
-                    <a:bodyPr/>
-                    <a:lstStyle/>
-                    <a:p>
-                      <a:pPr indent="450215" algn="ctr">
-                        <a:lnSpc>
-                          <a:spcPct val="150000"/>
-                        </a:lnSpc>
-                        <a:spcAft>
-                          <a:spcPts val="0"/>
-                        </a:spcAft>
-                      </a:pPr>
-                      <a:r>
-                        <a:rPr lang="ru-RU" sz="2000" dirty="0">
-                          <a:effectLst/>
-                          <a:latin typeface="Arial" panose="020B0604020202020204" pitchFamily="34" charset="0"/>
-                          <a:cs typeface="Arial" panose="020B0604020202020204" pitchFamily="34" charset="0"/>
-                        </a:rPr>
-                        <a:t>1</a:t>
-                      </a:r>
-                      <a:endParaRPr lang="ru-RU" sz="2000" dirty="0">
-                        <a:effectLst/>
-                        <a:latin typeface="Arial" panose="020B0604020202020204" pitchFamily="34" charset="0"/>
-                        <a:ea typeface="Calibri" panose="020F0502020204030204" pitchFamily="34" charset="0"/>
-                        <a:cs typeface="Arial" panose="020B0604020202020204" pitchFamily="34" charset="0"/>
-                      </a:endParaRPr>
-                    </a:p>
-                  </a:txBody>
-                  <a:tcPr marL="68580" marR="68580" marT="0" marB="0" anchor="ctr"/>
-                </a:tc>
-                <a:tc>
-                  <a:txBody>
-                    <a:bodyPr/>
-                    <a:lstStyle/>
-                    <a:p>
-                      <a:pPr indent="450215" algn="ctr">
-                        <a:lnSpc>
-                          <a:spcPct val="150000"/>
-                        </a:lnSpc>
-                        <a:spcAft>
-                          <a:spcPts val="0"/>
-                        </a:spcAft>
-                      </a:pPr>
-                      <a:r>
-                        <a:rPr lang="ru-RU" sz="2000" dirty="0">
-                          <a:effectLst/>
-                          <a:latin typeface="Arial" panose="020B0604020202020204" pitchFamily="34" charset="0"/>
-                          <a:cs typeface="Arial" panose="020B0604020202020204" pitchFamily="34" charset="0"/>
-                        </a:rPr>
-                        <a:t>3</a:t>
-                      </a:r>
-                      <a:endParaRPr lang="ru-RU" sz="2000" dirty="0">
-                        <a:effectLst/>
-                        <a:latin typeface="Arial" panose="020B0604020202020204" pitchFamily="34" charset="0"/>
-                        <a:ea typeface="Calibri" panose="020F0502020204030204" pitchFamily="34" charset="0"/>
-                        <a:cs typeface="Arial" panose="020B0604020202020204" pitchFamily="34" charset="0"/>
-                      </a:endParaRPr>
-                    </a:p>
-                  </a:txBody>
-                  <a:tcPr marL="68580" marR="68580" marT="0" marB="0" anchor="ctr"/>
-                </a:tc>
-                <a:tc>
-                  <a:txBody>
-                    <a:bodyPr/>
-                    <a:lstStyle/>
-                    <a:p>
-                      <a:pPr indent="450215" algn="ctr">
-                        <a:lnSpc>
-                          <a:spcPct val="150000"/>
-                        </a:lnSpc>
-                        <a:spcAft>
-                          <a:spcPts val="0"/>
-                        </a:spcAft>
-                      </a:pPr>
-                      <a:r>
-                        <a:rPr lang="ru-RU" sz="2000">
-                          <a:effectLst/>
-                          <a:latin typeface="Arial" panose="020B0604020202020204" pitchFamily="34" charset="0"/>
-                          <a:cs typeface="Arial" panose="020B0604020202020204" pitchFamily="34" charset="0"/>
-                        </a:rPr>
-                        <a:t>1</a:t>
-                      </a:r>
-                      <a:endParaRPr lang="ru-RU" sz="2000">
-                        <a:effectLst/>
-                        <a:latin typeface="Arial" panose="020B0604020202020204" pitchFamily="34" charset="0"/>
-                        <a:ea typeface="Calibri" panose="020F0502020204030204" pitchFamily="34" charset="0"/>
-                        <a:cs typeface="Arial" panose="020B0604020202020204" pitchFamily="34" charset="0"/>
-                      </a:endParaRPr>
-                    </a:p>
-                  </a:txBody>
-                  <a:tcPr marL="68580" marR="68580" marT="0" marB="0" anchor="ctr"/>
-                </a:tc>
-                <a:tc>
-                  <a:txBody>
-                    <a:bodyPr/>
-                    <a:lstStyle/>
-                    <a:p>
-                      <a:pPr indent="450215" algn="ctr">
-                        <a:lnSpc>
-                          <a:spcPct val="150000"/>
-                        </a:lnSpc>
-                        <a:spcAft>
-                          <a:spcPts val="0"/>
-                        </a:spcAft>
-                      </a:pPr>
-                      <a:r>
-                        <a:rPr lang="ru-RU" sz="2000">
-                          <a:effectLst/>
-                          <a:latin typeface="Arial" panose="020B0604020202020204" pitchFamily="34" charset="0"/>
-                          <a:cs typeface="Arial" panose="020B0604020202020204" pitchFamily="34" charset="0"/>
-                        </a:rPr>
-                        <a:t>1</a:t>
-                      </a:r>
-                      <a:r>
-                        <a:rPr lang="en-US" sz="2000">
-                          <a:effectLst/>
-                          <a:latin typeface="Arial" panose="020B0604020202020204" pitchFamily="34" charset="0"/>
-                          <a:cs typeface="Arial" panose="020B0604020202020204" pitchFamily="34" charset="0"/>
-                        </a:rPr>
-                        <a:t>/5</a:t>
-                      </a:r>
-                      <a:endParaRPr lang="ru-RU" sz="2000">
-                        <a:effectLst/>
-                        <a:latin typeface="Arial" panose="020B0604020202020204" pitchFamily="34" charset="0"/>
-                        <a:ea typeface="Calibri" panose="020F0502020204030204" pitchFamily="34" charset="0"/>
-                        <a:cs typeface="Arial" panose="020B0604020202020204" pitchFamily="34" charset="0"/>
-                      </a:endParaRPr>
-                    </a:p>
-                  </a:txBody>
-                  <a:tcPr marL="68580" marR="68580" marT="0" marB="0" anchor="ctr"/>
-                </a:tc>
-                <a:extLst>
-                  <a:ext uri="{0D108BD9-81ED-4DB2-BD59-A6C34878D82A}">
-                    <a16:rowId xmlns:a16="http://schemas.microsoft.com/office/drawing/2014/main" val="3934281874"/>
-                  </a:ext>
-                </a:extLst>
-              </a:tr>
-              <a:tr h="1000372">
-                <a:tc>
-                  <a:txBody>
-                    <a:bodyPr/>
-                    <a:lstStyle/>
-                    <a:p>
-                      <a:pPr indent="450215" algn="ctr">
-                        <a:lnSpc>
-                          <a:spcPct val="150000"/>
-                        </a:lnSpc>
-                        <a:spcAft>
-                          <a:spcPts val="0"/>
-                        </a:spcAft>
-                      </a:pPr>
-                      <a:r>
-                        <a:rPr lang="ru-RU" sz="2000">
-                          <a:effectLst/>
-                          <a:latin typeface="Arial" panose="020B0604020202020204" pitchFamily="34" charset="0"/>
-                          <a:cs typeface="Arial" panose="020B0604020202020204" pitchFamily="34" charset="0"/>
-                        </a:rPr>
-                        <a:t>Расход</a:t>
-                      </a:r>
-                      <a:endParaRPr lang="ru-RU" sz="2000">
-                        <a:effectLst/>
-                        <a:latin typeface="Arial" panose="020B0604020202020204" pitchFamily="34" charset="0"/>
-                        <a:ea typeface="Calibri" panose="020F0502020204030204" pitchFamily="34" charset="0"/>
-                        <a:cs typeface="Arial" panose="020B0604020202020204" pitchFamily="34" charset="0"/>
-                      </a:endParaRPr>
-                    </a:p>
-                  </a:txBody>
-                  <a:tcPr marL="68580" marR="68580" marT="0" marB="0" anchor="ctr"/>
-                </a:tc>
-                <a:tc>
-                  <a:txBody>
-                    <a:bodyPr/>
-                    <a:lstStyle/>
-                    <a:p>
-                      <a:pPr indent="450215" algn="ctr">
-                        <a:lnSpc>
-                          <a:spcPct val="150000"/>
-                        </a:lnSpc>
-                        <a:spcAft>
-                          <a:spcPts val="0"/>
-                        </a:spcAft>
-                      </a:pPr>
-                      <a:r>
-                        <a:rPr lang="en-US" sz="2000" dirty="0">
-                          <a:effectLst/>
-                          <a:latin typeface="Arial" panose="020B0604020202020204" pitchFamily="34" charset="0"/>
-                          <a:cs typeface="Arial" panose="020B0604020202020204" pitchFamily="34" charset="0"/>
-                        </a:rPr>
-                        <a:t>1/3</a:t>
-                      </a:r>
-                      <a:endParaRPr lang="ru-RU" sz="2000" dirty="0">
-                        <a:effectLst/>
-                        <a:latin typeface="Arial" panose="020B0604020202020204" pitchFamily="34" charset="0"/>
-                        <a:ea typeface="Calibri" panose="020F0502020204030204" pitchFamily="34" charset="0"/>
-                        <a:cs typeface="Arial" panose="020B0604020202020204" pitchFamily="34" charset="0"/>
-                      </a:endParaRPr>
-                    </a:p>
-                  </a:txBody>
-                  <a:tcPr marL="68580" marR="68580" marT="0" marB="0" anchor="ctr"/>
-                </a:tc>
-                <a:tc>
-                  <a:txBody>
-                    <a:bodyPr/>
-                    <a:lstStyle/>
-                    <a:p>
-                      <a:pPr indent="450215" algn="ctr">
-                        <a:lnSpc>
-                          <a:spcPct val="150000"/>
-                        </a:lnSpc>
-                        <a:spcAft>
-                          <a:spcPts val="0"/>
-                        </a:spcAft>
-                      </a:pPr>
-                      <a:r>
-                        <a:rPr lang="ru-RU" sz="2000" dirty="0">
-                          <a:effectLst/>
-                          <a:latin typeface="Arial" panose="020B0604020202020204" pitchFamily="34" charset="0"/>
-                          <a:cs typeface="Arial" panose="020B0604020202020204" pitchFamily="34" charset="0"/>
-                        </a:rPr>
-                        <a:t>1</a:t>
-                      </a:r>
-                      <a:endParaRPr lang="ru-RU" sz="2000" dirty="0">
-                        <a:effectLst/>
-                        <a:latin typeface="Arial" panose="020B0604020202020204" pitchFamily="34" charset="0"/>
-                        <a:ea typeface="Calibri" panose="020F0502020204030204" pitchFamily="34" charset="0"/>
-                        <a:cs typeface="Arial" panose="020B0604020202020204" pitchFamily="34" charset="0"/>
-                      </a:endParaRPr>
-                    </a:p>
-                  </a:txBody>
-                  <a:tcPr marL="68580" marR="68580" marT="0" marB="0" anchor="ctr"/>
-                </a:tc>
-                <a:tc>
-                  <a:txBody>
-                    <a:bodyPr/>
-                    <a:lstStyle/>
-                    <a:p>
-                      <a:pPr indent="450215" algn="ctr">
-                        <a:lnSpc>
-                          <a:spcPct val="150000"/>
-                        </a:lnSpc>
-                        <a:spcAft>
-                          <a:spcPts val="0"/>
-                        </a:spcAft>
-                      </a:pPr>
-                      <a:r>
-                        <a:rPr lang="en-US" sz="2000" dirty="0">
-                          <a:effectLst/>
-                          <a:latin typeface="Arial" panose="020B0604020202020204" pitchFamily="34" charset="0"/>
-                          <a:cs typeface="Arial" panose="020B0604020202020204" pitchFamily="34" charset="0"/>
-                        </a:rPr>
-                        <a:t>9</a:t>
-                      </a:r>
-                      <a:endParaRPr lang="ru-RU" sz="2000" dirty="0">
-                        <a:effectLst/>
-                        <a:latin typeface="Arial" panose="020B0604020202020204" pitchFamily="34" charset="0"/>
-                        <a:ea typeface="Calibri" panose="020F0502020204030204" pitchFamily="34" charset="0"/>
-                        <a:cs typeface="Arial" panose="020B0604020202020204" pitchFamily="34" charset="0"/>
-                      </a:endParaRPr>
-                    </a:p>
-                  </a:txBody>
-                  <a:tcPr marL="68580" marR="68580" marT="0" marB="0" anchor="ctr"/>
-                </a:tc>
-                <a:tc>
-                  <a:txBody>
-                    <a:bodyPr/>
-                    <a:lstStyle/>
-                    <a:p>
-                      <a:pPr indent="450215" algn="ctr">
-                        <a:lnSpc>
-                          <a:spcPct val="150000"/>
-                        </a:lnSpc>
-                        <a:spcAft>
-                          <a:spcPts val="0"/>
-                        </a:spcAft>
-                      </a:pPr>
-                      <a:r>
-                        <a:rPr lang="en-US" sz="2000">
-                          <a:effectLst/>
-                          <a:latin typeface="Arial" panose="020B0604020202020204" pitchFamily="34" charset="0"/>
-                          <a:cs typeface="Arial" panose="020B0604020202020204" pitchFamily="34" charset="0"/>
-                        </a:rPr>
-                        <a:t>3</a:t>
-                      </a:r>
-                      <a:endParaRPr lang="ru-RU" sz="2000">
-                        <a:effectLst/>
-                        <a:latin typeface="Arial" panose="020B0604020202020204" pitchFamily="34" charset="0"/>
-                        <a:ea typeface="Calibri" panose="020F0502020204030204" pitchFamily="34" charset="0"/>
-                        <a:cs typeface="Arial" panose="020B0604020202020204" pitchFamily="34" charset="0"/>
-                      </a:endParaRPr>
-                    </a:p>
-                  </a:txBody>
-                  <a:tcPr marL="68580" marR="68580" marT="0" marB="0" anchor="ctr"/>
-                </a:tc>
-                <a:extLst>
-                  <a:ext uri="{0D108BD9-81ED-4DB2-BD59-A6C34878D82A}">
-                    <a16:rowId xmlns:a16="http://schemas.microsoft.com/office/drawing/2014/main" val="2902848761"/>
-                  </a:ext>
-                </a:extLst>
-              </a:tr>
-              <a:tr h="1000372">
-                <a:tc>
-                  <a:txBody>
-                    <a:bodyPr/>
-                    <a:lstStyle/>
-                    <a:p>
-                      <a:pPr indent="450215" algn="ctr">
-                        <a:lnSpc>
-                          <a:spcPct val="150000"/>
-                        </a:lnSpc>
-                        <a:spcAft>
-                          <a:spcPts val="0"/>
-                        </a:spcAft>
-                      </a:pPr>
-                      <a:r>
-                        <a:rPr lang="ru-RU" sz="2000">
-                          <a:effectLst/>
-                          <a:latin typeface="Arial" panose="020B0604020202020204" pitchFamily="34" charset="0"/>
-                          <a:cs typeface="Arial" panose="020B0604020202020204" pitchFamily="34" charset="0"/>
-                        </a:rPr>
-                        <a:t>Комфорт</a:t>
-                      </a:r>
-                      <a:endParaRPr lang="ru-RU" sz="2000">
-                        <a:effectLst/>
-                        <a:latin typeface="Arial" panose="020B0604020202020204" pitchFamily="34" charset="0"/>
-                        <a:ea typeface="Calibri" panose="020F0502020204030204" pitchFamily="34" charset="0"/>
-                        <a:cs typeface="Arial" panose="020B0604020202020204" pitchFamily="34" charset="0"/>
-                      </a:endParaRPr>
-                    </a:p>
-                  </a:txBody>
-                  <a:tcPr marL="68580" marR="68580" marT="0" marB="0" anchor="ctr"/>
-                </a:tc>
-                <a:tc>
-                  <a:txBody>
-                    <a:bodyPr/>
-                    <a:lstStyle/>
-                    <a:p>
-                      <a:pPr indent="450215" algn="ctr">
-                        <a:lnSpc>
-                          <a:spcPct val="150000"/>
-                        </a:lnSpc>
-                        <a:spcAft>
-                          <a:spcPts val="0"/>
-                        </a:spcAft>
-                      </a:pPr>
-                      <a:r>
-                        <a:rPr lang="en-US" sz="2000">
-                          <a:effectLst/>
-                          <a:latin typeface="Arial" panose="020B0604020202020204" pitchFamily="34" charset="0"/>
-                          <a:cs typeface="Arial" panose="020B0604020202020204" pitchFamily="34" charset="0"/>
-                        </a:rPr>
-                        <a:t>1</a:t>
-                      </a:r>
-                      <a:endParaRPr lang="ru-RU" sz="2000">
-                        <a:effectLst/>
-                        <a:latin typeface="Arial" panose="020B0604020202020204" pitchFamily="34" charset="0"/>
-                        <a:ea typeface="Calibri" panose="020F0502020204030204" pitchFamily="34" charset="0"/>
-                        <a:cs typeface="Arial" panose="020B0604020202020204" pitchFamily="34" charset="0"/>
-                      </a:endParaRPr>
-                    </a:p>
-                  </a:txBody>
-                  <a:tcPr marL="68580" marR="68580" marT="0" marB="0" anchor="ctr"/>
-                </a:tc>
-                <a:tc>
-                  <a:txBody>
-                    <a:bodyPr/>
-                    <a:lstStyle/>
-                    <a:p>
-                      <a:pPr indent="450215" algn="ctr">
-                        <a:lnSpc>
-                          <a:spcPct val="150000"/>
-                        </a:lnSpc>
-                        <a:spcAft>
-                          <a:spcPts val="0"/>
-                        </a:spcAft>
-                      </a:pPr>
-                      <a:r>
-                        <a:rPr lang="en-US" sz="2000" dirty="0">
-                          <a:effectLst/>
-                          <a:latin typeface="Arial" panose="020B0604020202020204" pitchFamily="34" charset="0"/>
-                          <a:cs typeface="Arial" panose="020B0604020202020204" pitchFamily="34" charset="0"/>
-                        </a:rPr>
-                        <a:t>1/9</a:t>
-                      </a:r>
-                      <a:endParaRPr lang="ru-RU" sz="2000" dirty="0">
-                        <a:effectLst/>
-                        <a:latin typeface="Arial" panose="020B0604020202020204" pitchFamily="34" charset="0"/>
-                        <a:ea typeface="Calibri" panose="020F0502020204030204" pitchFamily="34" charset="0"/>
-                        <a:cs typeface="Arial" panose="020B0604020202020204" pitchFamily="34" charset="0"/>
-                      </a:endParaRPr>
-                    </a:p>
-                  </a:txBody>
-                  <a:tcPr marL="68580" marR="68580" marT="0" marB="0" anchor="ctr"/>
-                </a:tc>
-                <a:tc>
-                  <a:txBody>
-                    <a:bodyPr/>
-                    <a:lstStyle/>
-                    <a:p>
-                      <a:pPr indent="450215" algn="ctr">
-                        <a:lnSpc>
-                          <a:spcPct val="150000"/>
-                        </a:lnSpc>
-                        <a:spcAft>
-                          <a:spcPts val="0"/>
-                        </a:spcAft>
-                      </a:pPr>
-                      <a:r>
-                        <a:rPr lang="ru-RU" sz="2000" dirty="0">
-                          <a:effectLst/>
-                          <a:latin typeface="Arial" panose="020B0604020202020204" pitchFamily="34" charset="0"/>
-                          <a:cs typeface="Arial" panose="020B0604020202020204" pitchFamily="34" charset="0"/>
-                        </a:rPr>
-                        <a:t>1</a:t>
-                      </a:r>
-                      <a:endParaRPr lang="ru-RU" sz="2000" dirty="0">
-                        <a:effectLst/>
-                        <a:latin typeface="Arial" panose="020B0604020202020204" pitchFamily="34" charset="0"/>
-                        <a:ea typeface="Calibri" panose="020F0502020204030204" pitchFamily="34" charset="0"/>
-                        <a:cs typeface="Arial" panose="020B0604020202020204" pitchFamily="34" charset="0"/>
-                      </a:endParaRPr>
-                    </a:p>
-                  </a:txBody>
-                  <a:tcPr marL="68580" marR="68580" marT="0" marB="0" anchor="ctr"/>
-                </a:tc>
-                <a:tc>
-                  <a:txBody>
-                    <a:bodyPr/>
-                    <a:lstStyle/>
-                    <a:p>
-                      <a:pPr indent="450215" algn="ctr">
-                        <a:lnSpc>
-                          <a:spcPct val="150000"/>
-                        </a:lnSpc>
-                        <a:spcAft>
-                          <a:spcPts val="0"/>
-                        </a:spcAft>
-                      </a:pPr>
-                      <a:r>
-                        <a:rPr lang="en-US" sz="2000" dirty="0">
-                          <a:effectLst/>
-                          <a:latin typeface="Arial" panose="020B0604020202020204" pitchFamily="34" charset="0"/>
-                          <a:cs typeface="Arial" panose="020B0604020202020204" pitchFamily="34" charset="0"/>
-                        </a:rPr>
-                        <a:t>4</a:t>
-                      </a:r>
-                      <a:endParaRPr lang="ru-RU" sz="2000" dirty="0">
-                        <a:effectLst/>
-                        <a:latin typeface="Arial" panose="020B0604020202020204" pitchFamily="34" charset="0"/>
-                        <a:ea typeface="Calibri" panose="020F0502020204030204" pitchFamily="34" charset="0"/>
-                        <a:cs typeface="Arial" panose="020B0604020202020204" pitchFamily="34" charset="0"/>
-                      </a:endParaRPr>
-                    </a:p>
-                  </a:txBody>
-                  <a:tcPr marL="68580" marR="68580" marT="0" marB="0" anchor="ctr"/>
-                </a:tc>
-                <a:extLst>
-                  <a:ext uri="{0D108BD9-81ED-4DB2-BD59-A6C34878D82A}">
-                    <a16:rowId xmlns:a16="http://schemas.microsoft.com/office/drawing/2014/main" val="3265840279"/>
-                  </a:ext>
-                </a:extLst>
-              </a:tr>
-              <a:tr h="1000372">
-                <a:tc>
-                  <a:txBody>
-                    <a:bodyPr/>
-                    <a:lstStyle/>
-                    <a:p>
-                      <a:pPr indent="450215" algn="ctr">
-                        <a:lnSpc>
-                          <a:spcPct val="150000"/>
-                        </a:lnSpc>
-                        <a:spcAft>
-                          <a:spcPts val="0"/>
-                        </a:spcAft>
-                      </a:pPr>
-                      <a:r>
-                        <a:rPr lang="ru-RU" sz="2000">
-                          <a:effectLst/>
-                          <a:latin typeface="Arial" panose="020B0604020202020204" pitchFamily="34" charset="0"/>
-                          <a:cs typeface="Arial" panose="020B0604020202020204" pitchFamily="34" charset="0"/>
-                        </a:rPr>
-                        <a:t>Дизайн</a:t>
-                      </a:r>
-                      <a:endParaRPr lang="ru-RU" sz="2000">
-                        <a:effectLst/>
-                        <a:latin typeface="Arial" panose="020B0604020202020204" pitchFamily="34" charset="0"/>
-                        <a:ea typeface="Calibri" panose="020F0502020204030204" pitchFamily="34" charset="0"/>
-                        <a:cs typeface="Arial" panose="020B0604020202020204" pitchFamily="34" charset="0"/>
-                      </a:endParaRPr>
-                    </a:p>
-                  </a:txBody>
-                  <a:tcPr marL="68580" marR="68580" marT="0" marB="0" anchor="ctr"/>
-                </a:tc>
-                <a:tc>
-                  <a:txBody>
-                    <a:bodyPr/>
-                    <a:lstStyle/>
-                    <a:p>
-                      <a:pPr indent="450215" algn="ctr">
-                        <a:lnSpc>
-                          <a:spcPct val="150000"/>
-                        </a:lnSpc>
-                        <a:spcAft>
-                          <a:spcPts val="0"/>
-                        </a:spcAft>
-                      </a:pPr>
-                      <a:r>
-                        <a:rPr lang="en-US" sz="2000">
-                          <a:effectLst/>
-                          <a:latin typeface="Arial" panose="020B0604020202020204" pitchFamily="34" charset="0"/>
-                          <a:cs typeface="Arial" panose="020B0604020202020204" pitchFamily="34" charset="0"/>
-                        </a:rPr>
-                        <a:t>5</a:t>
-                      </a:r>
-                      <a:endParaRPr lang="ru-RU" sz="2000">
-                        <a:effectLst/>
-                        <a:latin typeface="Arial" panose="020B0604020202020204" pitchFamily="34" charset="0"/>
-                        <a:ea typeface="Calibri" panose="020F0502020204030204" pitchFamily="34" charset="0"/>
-                        <a:cs typeface="Arial" panose="020B0604020202020204" pitchFamily="34" charset="0"/>
-                      </a:endParaRPr>
-                    </a:p>
-                  </a:txBody>
-                  <a:tcPr marL="68580" marR="68580" marT="0" marB="0" anchor="ctr"/>
-                </a:tc>
-                <a:tc>
-                  <a:txBody>
-                    <a:bodyPr/>
-                    <a:lstStyle/>
-                    <a:p>
-                      <a:pPr indent="450215" algn="ctr">
-                        <a:lnSpc>
-                          <a:spcPct val="150000"/>
-                        </a:lnSpc>
-                        <a:spcAft>
-                          <a:spcPts val="0"/>
-                        </a:spcAft>
-                      </a:pPr>
-                      <a:r>
-                        <a:rPr lang="en-US" sz="2000">
-                          <a:effectLst/>
-                          <a:latin typeface="Arial" panose="020B0604020202020204" pitchFamily="34" charset="0"/>
-                          <a:cs typeface="Arial" panose="020B0604020202020204" pitchFamily="34" charset="0"/>
-                        </a:rPr>
-                        <a:t>1/3</a:t>
-                      </a:r>
-                      <a:endParaRPr lang="ru-RU" sz="2000">
-                        <a:effectLst/>
-                        <a:latin typeface="Arial" panose="020B0604020202020204" pitchFamily="34" charset="0"/>
-                        <a:ea typeface="Calibri" panose="020F0502020204030204" pitchFamily="34" charset="0"/>
-                        <a:cs typeface="Arial" panose="020B0604020202020204" pitchFamily="34" charset="0"/>
-                      </a:endParaRPr>
-                    </a:p>
-                  </a:txBody>
-                  <a:tcPr marL="68580" marR="68580" marT="0" marB="0" anchor="ctr"/>
-                </a:tc>
-                <a:tc>
-                  <a:txBody>
-                    <a:bodyPr/>
-                    <a:lstStyle/>
-                    <a:p>
-                      <a:pPr indent="450215" algn="ctr">
-                        <a:lnSpc>
-                          <a:spcPct val="150000"/>
-                        </a:lnSpc>
-                        <a:spcAft>
-                          <a:spcPts val="0"/>
-                        </a:spcAft>
-                      </a:pPr>
-                      <a:r>
-                        <a:rPr lang="en-US" sz="2000" dirty="0">
-                          <a:effectLst/>
-                          <a:latin typeface="Arial" panose="020B0604020202020204" pitchFamily="34" charset="0"/>
-                          <a:cs typeface="Arial" panose="020B0604020202020204" pitchFamily="34" charset="0"/>
-                        </a:rPr>
-                        <a:t>1/4</a:t>
-                      </a:r>
-                      <a:endParaRPr lang="ru-RU" sz="2000" dirty="0">
-                        <a:effectLst/>
-                        <a:latin typeface="Arial" panose="020B0604020202020204" pitchFamily="34" charset="0"/>
-                        <a:ea typeface="Calibri" panose="020F0502020204030204" pitchFamily="34" charset="0"/>
-                        <a:cs typeface="Arial" panose="020B0604020202020204" pitchFamily="34" charset="0"/>
-                      </a:endParaRPr>
-                    </a:p>
-                  </a:txBody>
-                  <a:tcPr marL="68580" marR="68580" marT="0" marB="0" anchor="ctr"/>
-                </a:tc>
-                <a:tc>
-                  <a:txBody>
-                    <a:bodyPr/>
-                    <a:lstStyle/>
-                    <a:p>
-                      <a:pPr indent="450215" algn="ctr">
-                        <a:lnSpc>
-                          <a:spcPct val="150000"/>
-                        </a:lnSpc>
-                        <a:spcAft>
-                          <a:spcPts val="0"/>
-                        </a:spcAft>
-                      </a:pPr>
-                      <a:r>
-                        <a:rPr lang="ru-RU" sz="2000" dirty="0">
-                          <a:effectLst/>
-                          <a:latin typeface="Arial" panose="020B0604020202020204" pitchFamily="34" charset="0"/>
-                          <a:cs typeface="Arial" panose="020B0604020202020204" pitchFamily="34" charset="0"/>
-                        </a:rPr>
-                        <a:t>1</a:t>
-                      </a:r>
-                      <a:endParaRPr lang="ru-RU" sz="2000" dirty="0">
-                        <a:effectLst/>
-                        <a:latin typeface="Arial" panose="020B0604020202020204" pitchFamily="34" charset="0"/>
-                        <a:ea typeface="Calibri" panose="020F0502020204030204" pitchFamily="34" charset="0"/>
-                        <a:cs typeface="Arial" panose="020B0604020202020204" pitchFamily="34" charset="0"/>
-                      </a:endParaRPr>
-                    </a:p>
-                  </a:txBody>
-                  <a:tcPr marL="68580" marR="68580" marT="0" marB="0" anchor="ctr"/>
-                </a:tc>
-                <a:extLst>
-                  <a:ext uri="{0D108BD9-81ED-4DB2-BD59-A6C34878D82A}">
-                    <a16:rowId xmlns:a16="http://schemas.microsoft.com/office/drawing/2014/main" val="279560132"/>
-                  </a:ext>
-                </a:extLst>
-              </a:tr>
-            </a:tbl>
-          </a:graphicData>
-        </a:graphic>
-      </p:graphicFrame>
-      <p:sp>
-        <p:nvSpPr>
-          <p:cNvPr id="5" name="Номер слайда 4"/>
-          <p:cNvSpPr>
-            <a:spLocks noGrp="1"/>
-          </p:cNvSpPr>
-          <p:nvPr>
-            <p:ph type="sldNum" sz="quarter" idx="12"/>
-          </p:nvPr>
-        </p:nvSpPr>
-        <p:spPr/>
-        <p:txBody>
-          <a:bodyPr/>
-          <a:lstStyle/>
-          <a:p>
-            <a:fld id="{AAAC123C-EF72-4040-95C0-D263971896EB}" type="slidenum">
-              <a:rPr lang="ru-RU" smtClean="0"/>
-              <a:t>7</a:t>
-            </a:fld>
-            <a:endParaRPr lang="ru-RU"/>
-          </a:p>
-        </p:txBody>
-      </p:sp>
-    </p:spTree>
-    <p:extLst>
-      <p:ext uri="{BB962C8B-B14F-4D97-AF65-F5344CB8AC3E}">
-        <p14:creationId xmlns:p14="http://schemas.microsoft.com/office/powerpoint/2010/main" val="489726946"/>
-      </p:ext>
-    </p:extLst>
-  </p:cSld>
-  <p:clrMapOvr>
-    <a:masterClrMapping/>
-  </p:clrMapOvr>
+  <p:timing>
+    <p:tnLst>
+      <p:par>
+        <p:cTn id="1" dur="indefinite" restart="never" nodeType="tmRoot"/>
+      </p:par>
+    </p:tnLst>
+  </p:timing>
 </p:sld>
 </file>
 
@@ -8060,15 +8293,18 @@
           </a:xfrm>
         </p:spPr>
         <p:txBody>
-          <a:bodyPr/>
+          <a:bodyPr>
+            <a:normAutofit/>
+          </a:bodyPr>
           <a:lstStyle/>
           <a:p>
+            <a:pPr algn="ctr"/>
             <a:r>
               <a:rPr lang="ru-RU" dirty="0" smtClean="0">
                 <a:latin typeface="Arial" panose="020B0604020202020204" pitchFamily="34" charset="0"/>
                 <a:cs typeface="Arial" panose="020B0604020202020204" pitchFamily="34" charset="0"/>
               </a:rPr>
-              <a:t>Заключение</a:t>
+              <a:t>Математическая постановка задачи</a:t>
             </a:r>
             <a:endParaRPr lang="ru-RU" dirty="0">
               <a:latin typeface="Arial" panose="020B0604020202020204" pitchFamily="34" charset="0"/>
@@ -8079,61 +8315,7 @@
       </p:sp>
       <p:sp>
         <p:nvSpPr>
-          <p:cNvPr id="3" name="Объект 2"/>
-          <p:cNvSpPr>
-            <a:spLocks noGrp="1"/>
-          </p:cNvSpPr>
-          <p:nvPr>
-            <p:ph idx="1"/>
-          </p:nvPr>
-        </p:nvSpPr>
-        <p:spPr>
-          <a:xfrm>
-            <a:off x="838200" y="1234440"/>
-            <a:ext cx="10515600" cy="5417820"/>
-          </a:xfrm>
-        </p:spPr>
-        <p:txBody>
-          <a:bodyPr/>
-          <a:lstStyle/>
-          <a:p>
-            <a:pPr marL="0" indent="0">
-              <a:buNone/>
-            </a:pPr>
-            <a:r>
-              <a:rPr lang="ru-RU" dirty="0"/>
-              <a:t>В результате проведенного исследования были решены следующие задачи:</a:t>
-            </a:r>
-          </a:p>
-          <a:p>
-            <a:r>
-              <a:rPr lang="ru-RU" dirty="0"/>
-              <a:t>- сравнение существующих программ реализующих метод анализа иерархий (МАИ), на основе этого сформулировать требования к разрабатываемой программе;</a:t>
-            </a:r>
-          </a:p>
-          <a:p>
-            <a:r>
-              <a:rPr lang="ru-RU" dirty="0"/>
-              <a:t>-  на основе этих требований разработана программа;</a:t>
-            </a:r>
-          </a:p>
-          <a:p>
-            <a:r>
-              <a:rPr lang="ru-RU" dirty="0"/>
-              <a:t>- разработанная программа применена на практике для проведения опросов;</a:t>
-            </a:r>
-          </a:p>
-          <a:p>
-            <a:r>
-              <a:rPr lang="ru-RU" dirty="0"/>
-              <a:t>- применить программу для улучшения МАИ (шкалы оценок).</a:t>
-            </a:r>
-          </a:p>
-        </p:txBody>
-      </p:sp>
-      <p:sp>
-        <p:nvSpPr>
-          <p:cNvPr id="4" name="Номер слайда 3"/>
+          <p:cNvPr id="5" name="Номер слайда 4"/>
           <p:cNvSpPr>
             <a:spLocks noGrp="1"/>
           </p:cNvSpPr>
@@ -8154,16 +8336,716 @@
           </a:p>
         </p:txBody>
       </p:sp>
+      <mc:AlternateContent xmlns:mc="http://schemas.openxmlformats.org/markup-compatibility/2006">
+        <mc:Choice xmlns:a14="http://schemas.microsoft.com/office/drawing/2010/main" Requires="a14">
+          <p:sp>
+            <p:nvSpPr>
+              <p:cNvPr id="3" name="Объект 2"/>
+              <p:cNvSpPr>
+                <a:spLocks noGrp="1"/>
+              </p:cNvSpPr>
+              <p:nvPr>
+                <p:ph idx="1"/>
+              </p:nvPr>
+            </p:nvSpPr>
+            <p:spPr>
+              <a:xfrm>
+                <a:off x="838200" y="1234440"/>
+                <a:ext cx="10515600" cy="5352098"/>
+              </a:xfrm>
+            </p:spPr>
+            <p:txBody>
+              <a:bodyPr/>
+              <a:lstStyle/>
+              <a:p>
+                <a:pPr marL="0" indent="0">
+                  <a:buNone/>
+                </a:pPr>
+                <a:r>
+                  <a:rPr lang="ru-RU" dirty="0" smtClean="0"/>
+                  <a:t>Оценки экспертов:</a:t>
+                </a:r>
+                <a:r>
+                  <a:rPr lang="en-US" dirty="0" smtClean="0"/>
+                  <a:t>              </a:t>
+                </a:r>
+                <a14:m>
+                  <m:oMath xmlns:m="http://schemas.openxmlformats.org/officeDocument/2006/math">
+                    <m:sSub>
+                      <m:sSubPr>
+                        <m:ctrlPr>
+                          <a:rPr lang="ru-RU" i="1" smtClean="0">
+                            <a:latin typeface="Cambria Math" panose="02040503050406030204" pitchFamily="18" charset="0"/>
+                          </a:rPr>
+                        </m:ctrlPr>
+                      </m:sSubPr>
+                      <m:e>
+                        <m:r>
+                          <a:rPr lang="en-US" b="0" i="1" smtClean="0">
+                            <a:latin typeface="Cambria Math" panose="02040503050406030204" pitchFamily="18" charset="0"/>
+                          </a:rPr>
+                          <m:t>𝐴</m:t>
+                        </m:r>
+                      </m:e>
+                      <m:sub>
+                        <m:r>
+                          <a:rPr lang="en-US" b="0" i="1" smtClean="0">
+                            <a:latin typeface="Cambria Math" panose="02040503050406030204" pitchFamily="18" charset="0"/>
+                          </a:rPr>
+                          <m:t>𝑛</m:t>
+                        </m:r>
+                      </m:sub>
+                    </m:sSub>
+                    <m:r>
+                      <a:rPr lang="en-US" b="0" i="1" smtClean="0">
+                        <a:latin typeface="Cambria Math" panose="02040503050406030204" pitchFamily="18" charset="0"/>
+                      </a:rPr>
+                      <m:t>=</m:t>
+                    </m:r>
+                    <m:sSub>
+                      <m:sSubPr>
+                        <m:ctrlPr>
+                          <a:rPr lang="en-US" b="0" i="1" smtClean="0">
+                            <a:latin typeface="Cambria Math" panose="02040503050406030204" pitchFamily="18" charset="0"/>
+                          </a:rPr>
+                        </m:ctrlPr>
+                      </m:sSubPr>
+                      <m:e>
+                        <m:d>
+                          <m:dPr>
+                            <m:begChr m:val="["/>
+                            <m:endChr m:val="]"/>
+                            <m:ctrlPr>
+                              <a:rPr lang="en-US" i="1">
+                                <a:latin typeface="Cambria Math" panose="02040503050406030204" pitchFamily="18" charset="0"/>
+                              </a:rPr>
+                            </m:ctrlPr>
+                          </m:dPr>
+                          <m:e>
+                            <m:m>
+                              <m:mPr>
+                                <m:mcs>
+                                  <m:mc>
+                                    <m:mcPr>
+                                      <m:count m:val="3"/>
+                                      <m:mcJc m:val="center"/>
+                                    </m:mcPr>
+                                  </m:mc>
+                                </m:mcs>
+                                <m:ctrlPr>
+                                  <a:rPr lang="en-US" i="1">
+                                    <a:latin typeface="Cambria Math" panose="02040503050406030204" pitchFamily="18" charset="0"/>
+                                  </a:rPr>
+                                </m:ctrlPr>
+                              </m:mPr>
+                              <m:mr>
+                                <m:e>
+                                  <m:r>
+                                    <m:rPr>
+                                      <m:brk m:alnAt="7"/>
+                                    </m:rPr>
+                                    <a:rPr lang="en-US" i="1">
+                                      <a:latin typeface="Cambria Math" panose="02040503050406030204" pitchFamily="18" charset="0"/>
+                                    </a:rPr>
+                                    <m:t>1</m:t>
+                                  </m:r>
+                                </m:e>
+                                <m:e>
+                                  <m:r>
+                                    <a:rPr lang="en-US" i="1">
+                                      <a:latin typeface="Cambria Math" panose="02040503050406030204" pitchFamily="18" charset="0"/>
+                                    </a:rPr>
+                                    <m:t>⋯</m:t>
+                                  </m:r>
+                                </m:e>
+                                <m:e>
+                                  <m:sSub>
+                                    <m:sSubPr>
+                                      <m:ctrlPr>
+                                        <a:rPr lang="en-US" i="1">
+                                          <a:latin typeface="Cambria Math" panose="02040503050406030204" pitchFamily="18" charset="0"/>
+                                        </a:rPr>
+                                      </m:ctrlPr>
+                                    </m:sSubPr>
+                                    <m:e>
+                                      <m:r>
+                                        <a:rPr lang="en-US" i="1">
+                                          <a:latin typeface="Cambria Math" panose="02040503050406030204" pitchFamily="18" charset="0"/>
+                                        </a:rPr>
+                                        <m:t>𝑎</m:t>
+                                      </m:r>
+                                    </m:e>
+                                    <m:sub>
+                                      <m:r>
+                                        <a:rPr lang="en-US" i="1">
+                                          <a:latin typeface="Cambria Math" panose="02040503050406030204" pitchFamily="18" charset="0"/>
+                                        </a:rPr>
+                                        <m:t>1</m:t>
+                                      </m:r>
+                                      <m:r>
+                                        <a:rPr lang="en-US" i="1">
+                                          <a:latin typeface="Cambria Math" panose="02040503050406030204" pitchFamily="18" charset="0"/>
+                                        </a:rPr>
+                                        <m:t>𝑗</m:t>
+                                      </m:r>
+                                    </m:sub>
+                                  </m:sSub>
+                                </m:e>
+                              </m:mr>
+                              <m:mr>
+                                <m:e>
+                                  <m:r>
+                                    <a:rPr lang="en-US" i="1">
+                                      <a:latin typeface="Cambria Math" panose="02040503050406030204" pitchFamily="18" charset="0"/>
+                                    </a:rPr>
+                                    <m:t>⋮</m:t>
+                                  </m:r>
+                                </m:e>
+                                <m:e>
+                                  <m:r>
+                                    <a:rPr lang="en-US" i="1">
+                                      <a:latin typeface="Cambria Math" panose="02040503050406030204" pitchFamily="18" charset="0"/>
+                                    </a:rPr>
+                                    <m:t>⋱</m:t>
+                                  </m:r>
+                                </m:e>
+                                <m:e>
+                                  <m:r>
+                                    <a:rPr lang="en-US" i="1">
+                                      <a:latin typeface="Cambria Math" panose="02040503050406030204" pitchFamily="18" charset="0"/>
+                                    </a:rPr>
+                                    <m:t>⋮</m:t>
+                                  </m:r>
+                                </m:e>
+                              </m:mr>
+                              <m:mr>
+                                <m:e>
+                                  <m:r>
+                                    <a:rPr lang="en-US" i="1">
+                                      <a:latin typeface="Cambria Math" panose="02040503050406030204" pitchFamily="18" charset="0"/>
+                                    </a:rPr>
+                                    <m:t>1/</m:t>
+                                  </m:r>
+                                  <m:sSub>
+                                    <m:sSubPr>
+                                      <m:ctrlPr>
+                                        <a:rPr lang="en-US" i="1">
+                                          <a:latin typeface="Cambria Math" panose="02040503050406030204" pitchFamily="18" charset="0"/>
+                                        </a:rPr>
+                                      </m:ctrlPr>
+                                    </m:sSubPr>
+                                    <m:e>
+                                      <m:r>
+                                        <a:rPr lang="en-US" i="1">
+                                          <a:latin typeface="Cambria Math" panose="02040503050406030204" pitchFamily="18" charset="0"/>
+                                        </a:rPr>
+                                        <m:t>𝑎</m:t>
+                                      </m:r>
+                                    </m:e>
+                                    <m:sub>
+                                      <m:r>
+                                        <a:rPr lang="en-US" i="1">
+                                          <a:latin typeface="Cambria Math" panose="02040503050406030204" pitchFamily="18" charset="0"/>
+                                        </a:rPr>
+                                        <m:t>1</m:t>
+                                      </m:r>
+                                      <m:r>
+                                        <a:rPr lang="en-US" i="1">
+                                          <a:latin typeface="Cambria Math" panose="02040503050406030204" pitchFamily="18" charset="0"/>
+                                        </a:rPr>
+                                        <m:t>𝑗</m:t>
+                                      </m:r>
+                                    </m:sub>
+                                  </m:sSub>
+                                </m:e>
+                                <m:e>
+                                  <m:r>
+                                    <a:rPr lang="en-US" i="1">
+                                      <a:latin typeface="Cambria Math" panose="02040503050406030204" pitchFamily="18" charset="0"/>
+                                    </a:rPr>
+                                    <m:t>⋯</m:t>
+                                  </m:r>
+                                </m:e>
+                                <m:e>
+                                  <m:r>
+                                    <a:rPr lang="en-US" i="1">
+                                      <a:latin typeface="Cambria Math" panose="02040503050406030204" pitchFamily="18" charset="0"/>
+                                    </a:rPr>
+                                    <m:t>1</m:t>
+                                  </m:r>
+                                </m:e>
+                              </m:mr>
+                            </m:m>
+                          </m:e>
+                        </m:d>
+                      </m:e>
+                      <m:sub>
+                        <m:r>
+                          <a:rPr lang="en-US" b="0" i="1" smtClean="0">
+                            <a:latin typeface="Cambria Math" panose="02040503050406030204" pitchFamily="18" charset="0"/>
+                          </a:rPr>
+                          <m:t>𝑛</m:t>
+                        </m:r>
+                      </m:sub>
+                    </m:sSub>
+                    <m:r>
+                      <a:rPr lang="en-US" i="1" smtClean="0">
+                        <a:latin typeface="Cambria Math" panose="02040503050406030204" pitchFamily="18" charset="0"/>
+                      </a:rPr>
+                      <m:t> </m:t>
+                    </m:r>
+                  </m:oMath>
+                </a14:m>
+                <a:r>
+                  <a:rPr lang="en-US" dirty="0" smtClean="0"/>
+                  <a:t>                          (1)</a:t>
+                </a:r>
+              </a:p>
+              <a:p>
+                <a:pPr marL="0" indent="0">
+                  <a:buNone/>
+                </a:pPr>
+                <a:r>
+                  <a:rPr lang="ru-RU" dirty="0" smtClean="0"/>
+                  <a:t>Вектора приоритетов:        </a:t>
+                </a:r>
+                <a14:m>
+                  <m:oMath xmlns:m="http://schemas.openxmlformats.org/officeDocument/2006/math">
+                    <m:sSub>
+                      <m:sSubPr>
+                        <m:ctrlPr>
+                          <a:rPr lang="ru-RU" i="1"/>
+                        </m:ctrlPr>
+                      </m:sSubPr>
+                      <m:e>
+                        <m:r>
+                          <a:rPr lang="en-US" i="1"/>
+                          <m:t>𝑋</m:t>
+                        </m:r>
+                      </m:e>
+                      <m:sub>
+                        <m:r>
+                          <a:rPr lang="en-US" b="0" i="1" smtClean="0">
+                            <a:latin typeface="Cambria Math" panose="02040503050406030204" pitchFamily="18" charset="0"/>
+                          </a:rPr>
+                          <m:t>𝑖</m:t>
+                        </m:r>
+                      </m:sub>
+                    </m:sSub>
+                    <m:r>
+                      <a:rPr lang="en-US" i="1"/>
+                      <m:t>= </m:t>
+                    </m:r>
+                    <m:sSup>
+                      <m:sSupPr>
+                        <m:ctrlPr>
+                          <a:rPr lang="ru-RU" i="1"/>
+                        </m:ctrlPr>
+                      </m:sSupPr>
+                      <m:e>
+                        <m:nary>
+                          <m:naryPr>
+                            <m:chr m:val="∏"/>
+                            <m:limLoc m:val="undOvr"/>
+                            <m:ctrlPr>
+                              <a:rPr lang="ru-RU" i="1"/>
+                            </m:ctrlPr>
+                          </m:naryPr>
+                          <m:sub>
+                            <m:r>
+                              <a:rPr lang="en-US" i="1"/>
+                              <m:t>𝑖</m:t>
+                            </m:r>
+                            <m:r>
+                              <a:rPr lang="en-US" i="1"/>
+                              <m:t>=1</m:t>
+                            </m:r>
+                          </m:sub>
+                          <m:sup>
+                            <m:r>
+                              <a:rPr lang="en-US" i="1"/>
+                              <m:t>𝑛</m:t>
+                            </m:r>
+                          </m:sup>
+                          <m:e>
+                            <m:sSub>
+                              <m:sSubPr>
+                                <m:ctrlPr>
+                                  <a:rPr lang="ru-RU" i="1"/>
+                                </m:ctrlPr>
+                              </m:sSubPr>
+                              <m:e>
+                                <m:r>
+                                  <a:rPr lang="en-US" i="1"/>
+                                  <m:t>𝑎</m:t>
+                                </m:r>
+                              </m:e>
+                              <m:sub>
+                                <m:r>
+                                  <a:rPr lang="en-US" i="1"/>
+                                  <m:t>𝑖</m:t>
+                                </m:r>
+                              </m:sub>
+                            </m:sSub>
+                          </m:e>
+                        </m:nary>
+                      </m:e>
+                      <m:sup>
+                        <m:f>
+                          <m:fPr>
+                            <m:ctrlPr>
+                              <a:rPr lang="ru-RU" i="1"/>
+                            </m:ctrlPr>
+                          </m:fPr>
+                          <m:num>
+                            <m:r>
+                              <a:rPr lang="en-US" i="1"/>
+                              <m:t>1</m:t>
+                            </m:r>
+                          </m:num>
+                          <m:den>
+                            <m:r>
+                              <a:rPr lang="en-US" i="1"/>
+                              <m:t>𝑛</m:t>
+                            </m:r>
+                          </m:den>
+                        </m:f>
+                      </m:sup>
+                    </m:sSup>
+                  </m:oMath>
+                </a14:m>
+                <a:r>
+                  <a:rPr lang="ru-RU" dirty="0" smtClean="0"/>
+                  <a:t> 				         (2)</a:t>
+                </a:r>
+                <a:endParaRPr lang="en-US" dirty="0" smtClean="0"/>
+              </a:p>
+              <a:p>
+                <a:pPr marL="0" indent="0">
+                  <a:buNone/>
+                </a:pPr>
+                <a:endParaRPr lang="en-US" dirty="0" smtClean="0"/>
+              </a:p>
+              <a:p>
+                <a:pPr marL="0" indent="0">
+                  <a:buNone/>
+                </a:pPr>
+                <a:r>
+                  <a:rPr lang="ru-RU" dirty="0" smtClean="0"/>
+                  <a:t>Коэффициенты локальных критериев: </a:t>
+                </a:r>
+                <a14:m>
+                  <m:oMath xmlns:m="http://schemas.openxmlformats.org/officeDocument/2006/math">
+                    <m:sSub>
+                      <m:sSubPr>
+                        <m:ctrlPr>
+                          <a:rPr lang="ru-RU" i="1"/>
+                        </m:ctrlPr>
+                      </m:sSubPr>
+                      <m:e>
+                        <m:r>
+                          <a:rPr lang="en-US" i="1"/>
+                          <m:t>𝐾</m:t>
+                        </m:r>
+                      </m:e>
+                      <m:sub>
+                        <m:r>
+                          <a:rPr lang="en-US" i="1"/>
+                          <m:t>𝑖</m:t>
+                        </m:r>
+                      </m:sub>
+                    </m:sSub>
+                    <m:r>
+                      <a:rPr lang="en-US" i="1"/>
+                      <m:t>=</m:t>
+                    </m:r>
+                    <m:f>
+                      <m:fPr>
+                        <m:ctrlPr>
+                          <a:rPr lang="ru-RU" i="1"/>
+                        </m:ctrlPr>
+                      </m:fPr>
+                      <m:num>
+                        <m:sSub>
+                          <m:sSubPr>
+                            <m:ctrlPr>
+                              <a:rPr lang="ru-RU" i="1"/>
+                            </m:ctrlPr>
+                          </m:sSubPr>
+                          <m:e>
+                            <m:r>
+                              <a:rPr lang="en-US" i="1"/>
+                              <m:t>𝐶</m:t>
+                            </m:r>
+                          </m:e>
+                          <m:sub>
+                            <m:r>
+                              <a:rPr lang="en-US" i="1"/>
+                              <m:t>𝑖</m:t>
+                            </m:r>
+                          </m:sub>
+                        </m:sSub>
+                      </m:num>
+                      <m:den>
+                        <m:nary>
+                          <m:naryPr>
+                            <m:chr m:val="∑"/>
+                            <m:limLoc m:val="subSup"/>
+                            <m:ctrlPr>
+                              <a:rPr lang="ru-RU" i="1"/>
+                            </m:ctrlPr>
+                          </m:naryPr>
+                          <m:sub>
+                            <m:r>
+                              <a:rPr lang="en-US" i="1"/>
+                              <m:t>𝑖</m:t>
+                            </m:r>
+                            <m:r>
+                              <a:rPr lang="en-US" i="1"/>
+                              <m:t>=1</m:t>
+                            </m:r>
+                          </m:sub>
+                          <m:sup>
+                            <m:r>
+                              <a:rPr lang="en-US" i="1"/>
+                              <m:t>𝑛</m:t>
+                            </m:r>
+                          </m:sup>
+                          <m:e>
+                            <m:sSub>
+                              <m:sSubPr>
+                                <m:ctrlPr>
+                                  <a:rPr lang="ru-RU" i="1"/>
+                                </m:ctrlPr>
+                              </m:sSubPr>
+                              <m:e>
+                                <m:r>
+                                  <a:rPr lang="en-US" i="1"/>
+                                  <m:t>𝑋</m:t>
+                                </m:r>
+                              </m:e>
+                              <m:sub>
+                                <m:r>
+                                  <a:rPr lang="en-US" i="1"/>
+                                  <m:t>𝑖</m:t>
+                                </m:r>
+                              </m:sub>
+                            </m:sSub>
+                          </m:e>
+                        </m:nary>
+                      </m:den>
+                    </m:f>
+                  </m:oMath>
+                </a14:m>
+                <a:r>
+                  <a:rPr lang="ru-RU" dirty="0" smtClean="0"/>
+                  <a:t> 		         (3)</a:t>
+                </a:r>
+                <a:endParaRPr lang="en-US" dirty="0" smtClean="0"/>
+              </a:p>
+              <a:p>
+                <a:pPr marL="0" indent="0">
+                  <a:buNone/>
+                </a:pPr>
+                <a:endParaRPr lang="en-US" dirty="0" smtClean="0"/>
+              </a:p>
+              <a:p>
+                <a:pPr marL="0" indent="0">
+                  <a:buNone/>
+                </a:pPr>
+                <a:r>
+                  <a:rPr lang="ru-RU" dirty="0" smtClean="0"/>
+                  <a:t>Максимальное собственное значение: </a:t>
+                </a:r>
+                <a14:m>
+                  <m:oMath xmlns:m="http://schemas.openxmlformats.org/officeDocument/2006/math">
+                    <m:sSub>
+                      <m:sSubPr>
+                        <m:ctrlPr>
+                          <a:rPr lang="ru-RU" i="1"/>
+                        </m:ctrlPr>
+                      </m:sSubPr>
+                      <m:e>
+                        <m:r>
+                          <a:rPr lang="en-US" i="1"/>
+                          <m:t>𝜆</m:t>
+                        </m:r>
+                      </m:e>
+                      <m:sub>
+                        <m:r>
+                          <a:rPr lang="en-US" i="1"/>
+                          <m:t>𝑚𝑎𝑥</m:t>
+                        </m:r>
+                      </m:sub>
+                    </m:sSub>
+                    <m:r>
+                      <a:rPr lang="en-US" i="1"/>
+                      <m:t>=</m:t>
+                    </m:r>
+                    <m:nary>
+                      <m:naryPr>
+                        <m:chr m:val="∑"/>
+                        <m:limLoc m:val="undOvr"/>
+                        <m:ctrlPr>
+                          <a:rPr lang="ru-RU" i="1"/>
+                        </m:ctrlPr>
+                      </m:naryPr>
+                      <m:sub>
+                        <m:r>
+                          <a:rPr lang="en-US" i="1"/>
+                          <m:t>𝑗</m:t>
+                        </m:r>
+                        <m:r>
+                          <a:rPr lang="en-US" i="1"/>
+                          <m:t>=1</m:t>
+                        </m:r>
+                      </m:sub>
+                      <m:sup>
+                        <m:r>
+                          <a:rPr lang="en-US" i="1"/>
+                          <m:t>𝑛</m:t>
+                        </m:r>
+                      </m:sup>
+                      <m:e>
+                        <m:nary>
+                          <m:naryPr>
+                            <m:chr m:val="∑"/>
+                            <m:limLoc m:val="undOvr"/>
+                            <m:ctrlPr>
+                              <a:rPr lang="ru-RU" i="1"/>
+                            </m:ctrlPr>
+                          </m:naryPr>
+                          <m:sub>
+                            <m:r>
+                              <a:rPr lang="en-US" i="1"/>
+                              <m:t>𝑖</m:t>
+                            </m:r>
+                            <m:r>
+                              <a:rPr lang="en-US" i="1"/>
+                              <m:t>=1</m:t>
+                            </m:r>
+                          </m:sub>
+                          <m:sup>
+                            <m:r>
+                              <a:rPr lang="en-US" i="1"/>
+                              <m:t>𝑛</m:t>
+                            </m:r>
+                          </m:sup>
+                          <m:e>
+                            <m:sSub>
+                              <m:sSubPr>
+                                <m:ctrlPr>
+                                  <a:rPr lang="ru-RU" i="1"/>
+                                </m:ctrlPr>
+                              </m:sSubPr>
+                              <m:e>
+                                <m:r>
+                                  <a:rPr lang="en-US" i="1"/>
+                                  <m:t>𝑎</m:t>
+                                </m:r>
+                              </m:e>
+                              <m:sub>
+                                <m:r>
+                                  <a:rPr lang="en-US" i="1"/>
+                                  <m:t>𝑖𝑗</m:t>
+                                </m:r>
+                              </m:sub>
+                            </m:sSub>
+                            <m:sSub>
+                              <m:sSubPr>
+                                <m:ctrlPr>
+                                  <a:rPr lang="ru-RU" i="1"/>
+                                </m:ctrlPr>
+                              </m:sSubPr>
+                              <m:e>
+                                <m:r>
+                                  <a:rPr lang="en-US" i="1"/>
+                                  <m:t>𝐾</m:t>
+                                </m:r>
+                              </m:e>
+                              <m:sub>
+                                <m:r>
+                                  <a:rPr lang="en-US" i="1"/>
+                                  <m:t>𝑖</m:t>
+                                </m:r>
+                              </m:sub>
+                            </m:sSub>
+                          </m:e>
+                        </m:nary>
+                      </m:e>
+                    </m:nary>
+                  </m:oMath>
+                </a14:m>
+                <a:r>
+                  <a:rPr lang="ru-RU" dirty="0" smtClean="0"/>
+                  <a:t>       (4)</a:t>
+                </a:r>
+                <a:endParaRPr lang="en-US" dirty="0" smtClean="0"/>
+              </a:p>
+              <a:p>
+                <a:pPr marL="0" indent="0">
+                  <a:buNone/>
+                </a:pPr>
+                <a:endParaRPr lang="ru-RU" dirty="0"/>
+              </a:p>
+            </p:txBody>
+          </p:sp>
+        </mc:Choice>
+        <mc:Fallback>
+          <p:sp>
+            <p:nvSpPr>
+              <p:cNvPr id="3" name="Объект 2"/>
+              <p:cNvSpPr>
+                <a:spLocks noGrp="1" noRot="1" noChangeAspect="1" noMove="1" noResize="1" noEditPoints="1" noAdjustHandles="1" noChangeArrowheads="1" noChangeShapeType="1" noTextEdit="1"/>
+              </p:cNvSpPr>
+              <p:nvPr>
+                <p:ph idx="1"/>
+              </p:nvPr>
+            </p:nvSpPr>
+            <p:spPr>
+              <a:xfrm>
+                <a:off x="838200" y="1234440"/>
+                <a:ext cx="10515600" cy="5352098"/>
+              </a:xfrm>
+              <a:blipFill>
+                <a:blip r:embed="rId2"/>
+                <a:stretch>
+                  <a:fillRect l="-1217" t="-114" r="-754"/>
+                </a:stretch>
+              </a:blipFill>
+            </p:spPr>
+            <p:txBody>
+              <a:bodyPr/>
+              <a:lstStyle/>
+              <a:p>
+                <a:r>
+                  <a:rPr lang="ru-RU">
+                    <a:noFill/>
+                  </a:rPr>
+                  <a:t> </a:t>
+                </a:r>
+              </a:p>
+            </p:txBody>
+          </p:sp>
+        </mc:Fallback>
+      </mc:AlternateContent>
     </p:spTree>
     <p:extLst>
       <p:ext uri="{BB962C8B-B14F-4D97-AF65-F5344CB8AC3E}">
-        <p14:creationId xmlns:p14="http://schemas.microsoft.com/office/powerpoint/2010/main" val="3183388004"/>
+        <p14:creationId xmlns:p14="http://schemas.microsoft.com/office/powerpoint/2010/main" val="489726946"/>
       </p:ext>
     </p:extLst>
   </p:cSld>
   <p:clrMapOvr>
     <a:masterClrMapping/>
   </p:clrMapOvr>
+  <p:timing>
+    <p:tnLst>
+      <p:par>
+        <p:cTn id="1" dur="indefinite" restart="never" nodeType="tmRoot"/>
+      </p:par>
+    </p:tnLst>
+  </p:timing>
 </p:sld>
 </file>
 
@@ -8201,15 +9083,18 @@
           </a:xfrm>
         </p:spPr>
         <p:txBody>
-          <a:bodyPr/>
+          <a:bodyPr>
+            <a:normAutofit/>
+          </a:bodyPr>
           <a:lstStyle/>
           <a:p>
+            <a:pPr algn="ctr"/>
             <a:r>
               <a:rPr lang="ru-RU" dirty="0" smtClean="0">
                 <a:latin typeface="Arial" panose="020B0604020202020204" pitchFamily="34" charset="0"/>
                 <a:cs typeface="Arial" panose="020B0604020202020204" pitchFamily="34" charset="0"/>
               </a:rPr>
-              <a:t>Заключение</a:t>
+              <a:t>Математическая постановка задачи</a:t>
             </a:r>
             <a:endParaRPr lang="ru-RU" dirty="0">
               <a:latin typeface="Arial" panose="020B0604020202020204" pitchFamily="34" charset="0"/>
@@ -8220,69 +9105,7 @@
       </p:sp>
       <p:sp>
         <p:nvSpPr>
-          <p:cNvPr id="3" name="Объект 2"/>
-          <p:cNvSpPr>
-            <a:spLocks noGrp="1"/>
-          </p:cNvSpPr>
-          <p:nvPr>
-            <p:ph idx="1"/>
-          </p:nvPr>
-        </p:nvSpPr>
-        <p:spPr>
-          <a:xfrm>
-            <a:off x="838200" y="1234440"/>
-            <a:ext cx="10515600" cy="5417820"/>
-          </a:xfrm>
-        </p:spPr>
-        <p:txBody>
-          <a:bodyPr/>
-          <a:lstStyle/>
-          <a:p>
-            <a:pPr marL="0" indent="0">
-              <a:buNone/>
-            </a:pPr>
-            <a:r>
-              <a:rPr lang="ru-RU" dirty="0"/>
-              <a:t>К перспективам стоит отнести следующие пункты:</a:t>
-            </a:r>
-          </a:p>
-          <a:p>
-            <a:r>
-              <a:rPr lang="ru-RU" dirty="0"/>
-              <a:t>- представление оценок как нечётких множеств, использование лингвистических переменных;</a:t>
-            </a:r>
-          </a:p>
-          <a:p>
-            <a:r>
-              <a:rPr lang="ru-RU" dirty="0"/>
-              <a:t>- изменения веса оценок эксперта, в зависимости от истории его прошлых оценок;</a:t>
-            </a:r>
-          </a:p>
-          <a:p>
-            <a:r>
-              <a:rPr lang="ru-RU" dirty="0"/>
-              <a:t>- добавление новых методов анализа оценок экспертов;</a:t>
-            </a:r>
-          </a:p>
-          <a:p>
-            <a:r>
-              <a:rPr lang="ru-RU" dirty="0"/>
-              <a:t>- замена </a:t>
-            </a:r>
-            <a:r>
-              <a:rPr lang="ru-RU" dirty="0" err="1"/>
-              <a:t>фронтэнда</a:t>
-            </a:r>
-            <a:r>
-              <a:rPr lang="ru-RU" dirty="0"/>
-              <a:t> программы на веб-сайт, для проведения удалённых опросов.</a:t>
-            </a:r>
-          </a:p>
-        </p:txBody>
-      </p:sp>
-      <p:sp>
-        <p:nvSpPr>
-          <p:cNvPr id="4" name="Номер слайда 3"/>
+          <p:cNvPr id="5" name="Номер слайда 4"/>
           <p:cNvSpPr>
             <a:spLocks noGrp="1"/>
           </p:cNvSpPr>
@@ -8303,16 +9126,486 @@
           </a:p>
         </p:txBody>
       </p:sp>
+      <mc:AlternateContent xmlns:mc="http://schemas.openxmlformats.org/markup-compatibility/2006">
+        <mc:Choice xmlns:a14="http://schemas.microsoft.com/office/drawing/2010/main" Requires="a14">
+          <p:sp>
+            <p:nvSpPr>
+              <p:cNvPr id="3" name="Объект 2"/>
+              <p:cNvSpPr>
+                <a:spLocks noGrp="1"/>
+              </p:cNvSpPr>
+              <p:nvPr>
+                <p:ph idx="1"/>
+              </p:nvPr>
+            </p:nvSpPr>
+            <p:spPr/>
+            <p:txBody>
+              <a:bodyPr>
+                <a:normAutofit/>
+              </a:bodyPr>
+              <a:lstStyle/>
+              <a:p>
+                <a:pPr marL="0" indent="0">
+                  <a:buNone/>
+                </a:pPr>
+                <a:r>
+                  <a:rPr lang="ru-RU" dirty="0" smtClean="0"/>
+                  <a:t>Индекс согласованности:        </a:t>
+                </a:r>
+                <a14:m>
+                  <m:oMath xmlns:m="http://schemas.openxmlformats.org/officeDocument/2006/math">
+                    <m:sSub>
+                      <m:sSubPr>
+                        <m:ctrlPr>
+                          <a:rPr lang="ru-RU" i="1">
+                            <a:latin typeface="Cambria Math" panose="02040503050406030204" pitchFamily="18" charset="0"/>
+                          </a:rPr>
+                        </m:ctrlPr>
+                      </m:sSubPr>
+                      <m:e>
+                        <m:r>
+                          <a:rPr lang="en-US" i="1">
+                            <a:latin typeface="Cambria Math" panose="02040503050406030204" pitchFamily="18" charset="0"/>
+                          </a:rPr>
+                          <m:t>𝑂</m:t>
+                        </m:r>
+                      </m:e>
+                      <m:sub>
+                        <m:r>
+                          <a:rPr lang="en-US" i="1">
+                            <a:latin typeface="Cambria Math" panose="02040503050406030204" pitchFamily="18" charset="0"/>
+                          </a:rPr>
+                          <m:t>𝑐</m:t>
+                        </m:r>
+                      </m:sub>
+                    </m:sSub>
+                    <m:r>
+                      <a:rPr lang="en-US" i="1">
+                        <a:latin typeface="Cambria Math" panose="02040503050406030204" pitchFamily="18" charset="0"/>
+                      </a:rPr>
+                      <m:t>=</m:t>
+                    </m:r>
+                    <m:f>
+                      <m:fPr>
+                        <m:ctrlPr>
+                          <a:rPr lang="ru-RU" i="1">
+                            <a:latin typeface="Cambria Math" panose="02040503050406030204" pitchFamily="18" charset="0"/>
+                          </a:rPr>
+                        </m:ctrlPr>
+                      </m:fPr>
+                      <m:num>
+                        <m:d>
+                          <m:dPr>
+                            <m:ctrlPr>
+                              <a:rPr lang="ru-RU" i="1">
+                                <a:latin typeface="Cambria Math" panose="02040503050406030204" pitchFamily="18" charset="0"/>
+                              </a:rPr>
+                            </m:ctrlPr>
+                          </m:dPr>
+                          <m:e>
+                            <m:sSub>
+                              <m:sSubPr>
+                                <m:ctrlPr>
+                                  <a:rPr lang="ru-RU" i="1">
+                                    <a:latin typeface="Cambria Math" panose="02040503050406030204" pitchFamily="18" charset="0"/>
+                                  </a:rPr>
+                                </m:ctrlPr>
+                              </m:sSubPr>
+                              <m:e>
+                                <m:r>
+                                  <a:rPr lang="en-US" i="1">
+                                    <a:latin typeface="Cambria Math" panose="02040503050406030204" pitchFamily="18" charset="0"/>
+                                  </a:rPr>
+                                  <m:t>𝜆</m:t>
+                                </m:r>
+                              </m:e>
+                              <m:sub>
+                                <m:r>
+                                  <a:rPr lang="en-US" i="1">
+                                    <a:latin typeface="Cambria Math" panose="02040503050406030204" pitchFamily="18" charset="0"/>
+                                  </a:rPr>
+                                  <m:t>𝑚𝑎𝑥</m:t>
+                                </m:r>
+                              </m:sub>
+                            </m:sSub>
+                            <m:r>
+                              <a:rPr lang="en-US" i="1">
+                                <a:latin typeface="Cambria Math" panose="02040503050406030204" pitchFamily="18" charset="0"/>
+                              </a:rPr>
+                              <m:t>−</m:t>
+                            </m:r>
+                            <m:r>
+                              <a:rPr lang="en-US" i="1">
+                                <a:latin typeface="Cambria Math" panose="02040503050406030204" pitchFamily="18" charset="0"/>
+                              </a:rPr>
+                              <m:t>𝑛</m:t>
+                            </m:r>
+                          </m:e>
+                        </m:d>
+                      </m:num>
+                      <m:den>
+                        <m:d>
+                          <m:dPr>
+                            <m:ctrlPr>
+                              <a:rPr lang="ru-RU" i="1">
+                                <a:latin typeface="Cambria Math" panose="02040503050406030204" pitchFamily="18" charset="0"/>
+                              </a:rPr>
+                            </m:ctrlPr>
+                          </m:dPr>
+                          <m:e>
+                            <m:r>
+                              <a:rPr lang="en-US" i="1">
+                                <a:latin typeface="Cambria Math" panose="02040503050406030204" pitchFamily="18" charset="0"/>
+                              </a:rPr>
+                              <m:t>𝑛</m:t>
+                            </m:r>
+                            <m:r>
+                              <a:rPr lang="en-US" i="1">
+                                <a:latin typeface="Cambria Math" panose="02040503050406030204" pitchFamily="18" charset="0"/>
+                              </a:rPr>
+                              <m:t>−1</m:t>
+                            </m:r>
+                          </m:e>
+                        </m:d>
+                        <m:r>
+                          <a:rPr lang="en-US" i="1">
+                            <a:latin typeface="Cambria Math" panose="02040503050406030204" pitchFamily="18" charset="0"/>
+                          </a:rPr>
+                          <m:t>𝑅</m:t>
+                        </m:r>
+                      </m:den>
+                    </m:f>
+                  </m:oMath>
+                </a14:m>
+                <a:r>
+                  <a:rPr lang="ru-RU" dirty="0" smtClean="0"/>
+                  <a:t>			         (5)</a:t>
+                </a:r>
+                <a:endParaRPr lang="en-US" dirty="0" smtClean="0"/>
+              </a:p>
+              <a:p>
+                <a:pPr marL="0" indent="0">
+                  <a:buNone/>
+                </a:pPr>
+                <a:endParaRPr lang="en-US" dirty="0" smtClean="0"/>
+              </a:p>
+              <a:p>
+                <a:pPr marL="0" indent="0">
+                  <a:buNone/>
+                </a:pPr>
+                <a:r>
+                  <a:rPr lang="ru-RU" dirty="0" smtClean="0"/>
+                  <a:t>Сумма оценок критериев:         </a:t>
+                </a:r>
+                <a14:m>
+                  <m:oMath xmlns:m="http://schemas.openxmlformats.org/officeDocument/2006/math">
+                    <m:r>
+                      <a:rPr lang="en-US" i="1"/>
+                      <m:t>𝑆</m:t>
+                    </m:r>
+                    <m:r>
+                      <a:rPr lang="en-US" i="1"/>
+                      <m:t> = </m:t>
+                    </m:r>
+                    <m:nary>
+                      <m:naryPr>
+                        <m:chr m:val="∑"/>
+                        <m:limLoc m:val="undOvr"/>
+                        <m:ctrlPr>
+                          <a:rPr lang="ru-RU" i="1"/>
+                        </m:ctrlPr>
+                      </m:naryPr>
+                      <m:sub>
+                        <m:r>
+                          <a:rPr lang="en-US" i="1"/>
+                          <m:t>𝑖</m:t>
+                        </m:r>
+                        <m:r>
+                          <a:rPr lang="en-US" i="1"/>
+                          <m:t>=1</m:t>
+                        </m:r>
+                      </m:sub>
+                      <m:sup>
+                        <m:r>
+                          <a:rPr lang="en-US" i="1"/>
+                          <m:t>𝑛</m:t>
+                        </m:r>
+                      </m:sup>
+                      <m:e>
+                        <m:sSub>
+                          <m:sSubPr>
+                            <m:ctrlPr>
+                              <a:rPr lang="ru-RU" i="1"/>
+                            </m:ctrlPr>
+                          </m:sSubPr>
+                          <m:e>
+                            <m:r>
+                              <a:rPr lang="en-US" i="1"/>
+                              <m:t>𝑋</m:t>
+                            </m:r>
+                          </m:e>
+                          <m:sub>
+                            <m:r>
+                              <a:rPr lang="en-US" i="1"/>
+                              <m:t>𝑖</m:t>
+                            </m:r>
+                          </m:sub>
+                        </m:sSub>
+                      </m:e>
+                    </m:nary>
+                  </m:oMath>
+                </a14:m>
+                <a:r>
+                  <a:rPr lang="ru-RU" dirty="0" smtClean="0"/>
+                  <a:t> 		                     (6)</a:t>
+                </a:r>
+                <a:endParaRPr lang="en-US" dirty="0" smtClean="0"/>
+              </a:p>
+              <a:p>
+                <a:pPr marL="0" indent="0">
+                  <a:buNone/>
+                </a:pPr>
+                <a:endParaRPr lang="en-US" dirty="0" smtClean="0"/>
+              </a:p>
+              <a:p>
+                <a:pPr marL="0" indent="0">
+                  <a:buNone/>
+                </a:pPr>
+                <a:r>
+                  <a:rPr lang="ru-RU" dirty="0" smtClean="0"/>
+                  <a:t>Нормализованная оценка:                 </a:t>
+                </a:r>
+                <a14:m>
+                  <m:oMath xmlns:m="http://schemas.openxmlformats.org/officeDocument/2006/math">
+                    <m:sSub>
+                      <m:sSubPr>
+                        <m:ctrlPr>
+                          <a:rPr lang="ru-RU" i="1"/>
+                        </m:ctrlPr>
+                      </m:sSubPr>
+                      <m:e>
+                        <m:r>
+                          <a:rPr lang="en-US" i="1"/>
+                          <m:t>𝐶</m:t>
+                        </m:r>
+                      </m:e>
+                      <m:sub>
+                        <m:r>
+                          <a:rPr lang="en-US" i="1"/>
+                          <m:t>𝑖</m:t>
+                        </m:r>
+                      </m:sub>
+                    </m:sSub>
+                    <m:r>
+                      <a:rPr lang="en-US" i="1"/>
+                      <m:t>=</m:t>
+                    </m:r>
+                    <m:f>
+                      <m:fPr>
+                        <m:ctrlPr>
+                          <a:rPr lang="ru-RU" i="1"/>
+                        </m:ctrlPr>
+                      </m:fPr>
+                      <m:num>
+                        <m:sSub>
+                          <m:sSubPr>
+                            <m:ctrlPr>
+                              <a:rPr lang="ru-RU" i="1"/>
+                            </m:ctrlPr>
+                          </m:sSubPr>
+                          <m:e>
+                            <m:r>
+                              <a:rPr lang="en-US" i="1"/>
+                              <m:t>𝑋</m:t>
+                            </m:r>
+                          </m:e>
+                          <m:sub>
+                            <m:r>
+                              <a:rPr lang="en-US" i="1"/>
+                              <m:t>𝑖</m:t>
+                            </m:r>
+                          </m:sub>
+                        </m:sSub>
+                      </m:num>
+                      <m:den>
+                        <m:r>
+                          <a:rPr lang="en-US" i="1"/>
+                          <m:t>𝑆</m:t>
+                        </m:r>
+                      </m:den>
+                    </m:f>
+                  </m:oMath>
+                </a14:m>
+                <a:r>
+                  <a:rPr lang="ru-RU" dirty="0" smtClean="0"/>
+                  <a:t>                                 	         (7)</a:t>
+                </a:r>
+                <a:r>
+                  <a:rPr lang="en-US" dirty="0" smtClean="0"/>
+                  <a:t>  </a:t>
+                </a:r>
+                <a:endParaRPr lang="ru-RU" dirty="0" smtClean="0"/>
+              </a:p>
+              <a:p>
+                <a:pPr marL="0" indent="0">
+                  <a:buNone/>
+                </a:pPr>
+                <a:r>
+                  <a:rPr lang="en-US" dirty="0" smtClean="0"/>
+                  <a:t> </a:t>
+                </a:r>
+                <a:r>
+                  <a:rPr lang="ru-RU" dirty="0" smtClean="0"/>
+                  <a:t>Компетентность: 			       </a:t>
+                </a:r>
+                <a14:m>
+                  <m:oMath xmlns:m="http://schemas.openxmlformats.org/officeDocument/2006/math">
+                    <m:sSub>
+                      <m:sSubPr>
+                        <m:ctrlPr>
+                          <a:rPr lang="ru-RU" i="1"/>
+                        </m:ctrlPr>
+                      </m:sSubPr>
+                      <m:e>
+                        <m:r>
+                          <a:rPr lang="en-US" i="1"/>
+                          <m:t>𝐷</m:t>
+                        </m:r>
+                      </m:e>
+                      <m:sub>
+                        <m:r>
+                          <a:rPr lang="en-US" i="1"/>
+                          <m:t>𝑖</m:t>
+                        </m:r>
+                      </m:sub>
+                    </m:sSub>
+                    <m:r>
+                      <a:rPr lang="en-US" i="1"/>
+                      <m:t>=</m:t>
+                    </m:r>
+                    <m:f>
+                      <m:fPr>
+                        <m:ctrlPr>
+                          <a:rPr lang="ru-RU" i="1"/>
+                        </m:ctrlPr>
+                      </m:fPr>
+                      <m:num>
+                        <m:nary>
+                          <m:naryPr>
+                            <m:chr m:val="∑"/>
+                            <m:limLoc m:val="undOvr"/>
+                            <m:ctrlPr>
+                              <a:rPr lang="ru-RU" i="1"/>
+                            </m:ctrlPr>
+                          </m:naryPr>
+                          <m:sub>
+                            <m:r>
+                              <a:rPr lang="en-US" i="1"/>
+                              <m:t>𝑖</m:t>
+                            </m:r>
+                            <m:r>
+                              <a:rPr lang="en-US" i="1"/>
+                              <m:t>=1</m:t>
+                            </m:r>
+                          </m:sub>
+                          <m:sup>
+                            <m:r>
+                              <a:rPr lang="en-US" i="1"/>
+                              <m:t>𝑛</m:t>
+                            </m:r>
+                          </m:sup>
+                          <m:e>
+                            <m:sSub>
+                              <m:sSubPr>
+                                <m:ctrlPr>
+                                  <a:rPr lang="ru-RU" i="1"/>
+                                </m:ctrlPr>
+                              </m:sSubPr>
+                              <m:e>
+                                <m:r>
+                                  <a:rPr lang="en-US" i="1"/>
+                                  <m:t>𝐶</m:t>
+                                </m:r>
+                              </m:e>
+                              <m:sub>
+                                <m:r>
+                                  <a:rPr lang="en-US" i="1"/>
+                                  <m:t>𝑖𝑛</m:t>
+                                </m:r>
+                              </m:sub>
+                            </m:sSub>
+                          </m:e>
+                        </m:nary>
+                      </m:num>
+                      <m:den>
+                        <m:r>
+                          <a:rPr lang="en-US" i="1"/>
+                          <m:t>𝑛</m:t>
+                        </m:r>
+                      </m:den>
+                    </m:f>
+                  </m:oMath>
+                </a14:m>
+                <a:r>
+                  <a:rPr lang="ru-RU" dirty="0" smtClean="0"/>
+                  <a:t> 			         (8)</a:t>
+                </a:r>
+                <a:endParaRPr lang="ru-RU" dirty="0"/>
+              </a:p>
+            </p:txBody>
+          </p:sp>
+        </mc:Choice>
+        <mc:Fallback>
+          <p:sp>
+            <p:nvSpPr>
+              <p:cNvPr id="3" name="Объект 2"/>
+              <p:cNvSpPr>
+                <a:spLocks noGrp="1" noRot="1" noChangeAspect="1" noMove="1" noResize="1" noEditPoints="1" noAdjustHandles="1" noChangeArrowheads="1" noChangeShapeType="1" noTextEdit="1"/>
+              </p:cNvSpPr>
+              <p:nvPr>
+                <p:ph idx="1"/>
+              </p:nvPr>
+            </p:nvSpPr>
+            <p:spPr>
+              <a:blipFill>
+                <a:blip r:embed="rId2"/>
+                <a:stretch>
+                  <a:fillRect l="-1217" r="-1101"/>
+                </a:stretch>
+              </a:blipFill>
+            </p:spPr>
+            <p:txBody>
+              <a:bodyPr/>
+              <a:lstStyle/>
+              <a:p>
+                <a:r>
+                  <a:rPr lang="ru-RU">
+                    <a:noFill/>
+                  </a:rPr>
+                  <a:t> </a:t>
+                </a:r>
+              </a:p>
+            </p:txBody>
+          </p:sp>
+        </mc:Fallback>
+      </mc:AlternateContent>
     </p:spTree>
     <p:extLst>
       <p:ext uri="{BB962C8B-B14F-4D97-AF65-F5344CB8AC3E}">
-        <p14:creationId xmlns:p14="http://schemas.microsoft.com/office/powerpoint/2010/main" val="1991257676"/>
+        <p14:creationId xmlns:p14="http://schemas.microsoft.com/office/powerpoint/2010/main" val="3344232932"/>
       </p:ext>
     </p:extLst>
   </p:cSld>
   <p:clrMapOvr>
     <a:masterClrMapping/>
   </p:clrMapOvr>
+  <p:timing>
+    <p:tnLst>
+      <p:par>
+        <p:cTn id="1" dur="indefinite" restart="never" nodeType="tmRoot"/>
+      </p:par>
+    </p:tnLst>
+  </p:timing>
 </p:sld>
 </file>
 
